--- a/poisson/fig/slide.pptx
+++ b/poisson/fig/slide.pptx
@@ -5,13 +5,14 @@
     <p:sldMasterId id="2147483663" r:id="rId1"/>
   </p:sldMasterIdLst>
   <p:notesMasterIdLst>
-    <p:notesMasterId r:id="rId6"/>
+    <p:notesMasterId r:id="rId7"/>
   </p:notesMasterIdLst>
   <p:sldIdLst>
     <p:sldId id="256" r:id="rId2"/>
     <p:sldId id="261" r:id="rId3"/>
     <p:sldId id="262" r:id="rId4"/>
     <p:sldId id="263" r:id="rId5"/>
+    <p:sldId id="264" r:id="rId6"/>
   </p:sldIdLst>
   <p:sldSz cx="9144000" cy="6858000" type="screen4x3"/>
   <p:notesSz cx="6858000" cy="9144000"/>
@@ -1514,8 +1515,8 @@
           </a:p>
         </p:txBody>
       </p:sp>
-      <mc:AlternateContent xmlns:mc="http://schemas.openxmlformats.org/markup-compatibility/2006">
-        <mc:Choice xmlns:a14="http://schemas.microsoft.com/office/drawing/2010/main" Requires="a14">
+      <mc:AlternateContent xmlns:mc="http://schemas.openxmlformats.org/markup-compatibility/2006" xmlns:a14="http://schemas.microsoft.com/office/drawing/2010/main">
+        <mc:Choice Requires="a14">
           <p:sp>
             <p:nvSpPr>
               <p:cNvPr id="4" name="テキスト ボックス 3">
@@ -1544,6 +1545,7 @@
               </a:bodyPr>
               <a:lstStyle/>
               <a:p>
+                <a:pPr/>
                 <a14:m>
                   <m:oMathPara xmlns:m="http://schemas.openxmlformats.org/officeDocument/2006/math">
                     <m:oMathParaPr>
@@ -1712,7 +1714,7 @@
             </p:txBody>
           </p:sp>
         </mc:Choice>
-        <mc:Fallback>
+        <mc:Fallback xmlns="">
           <p:sp>
             <p:nvSpPr>
               <p:cNvPr id="4" name="テキスト ボックス 3">
@@ -1757,8 +1759,8 @@
           </p:sp>
         </mc:Fallback>
       </mc:AlternateContent>
-      <mc:AlternateContent xmlns:mc="http://schemas.openxmlformats.org/markup-compatibility/2006">
-        <mc:Choice xmlns:a14="http://schemas.microsoft.com/office/drawing/2010/main" Requires="a14">
+      <mc:AlternateContent xmlns:mc="http://schemas.openxmlformats.org/markup-compatibility/2006" xmlns:a14="http://schemas.microsoft.com/office/drawing/2010/main">
+        <mc:Choice Requires="a14">
           <p:sp>
             <p:nvSpPr>
               <p:cNvPr id="5" name="テキスト ボックス 4">
@@ -1845,7 +1847,7 @@
             </p:txBody>
           </p:sp>
         </mc:Choice>
-        <mc:Fallback>
+        <mc:Fallback xmlns="">
           <p:sp>
             <p:nvSpPr>
               <p:cNvPr id="5" name="テキスト ボックス 4">
@@ -1949,8 +1951,8 @@
           </a:p>
         </p:txBody>
       </p:sp>
-      <mc:AlternateContent xmlns:mc="http://schemas.openxmlformats.org/markup-compatibility/2006">
-        <mc:Choice xmlns:a14="http://schemas.microsoft.com/office/drawing/2010/main" Requires="a14">
+      <mc:AlternateContent xmlns:mc="http://schemas.openxmlformats.org/markup-compatibility/2006" xmlns:a14="http://schemas.microsoft.com/office/drawing/2010/main">
+        <mc:Choice Requires="a14">
           <p:sp>
             <p:nvSpPr>
               <p:cNvPr id="4" name="テキスト ボックス 3">
@@ -2031,7 +2033,7 @@
             </p:txBody>
           </p:sp>
         </mc:Choice>
-        <mc:Fallback>
+        <mc:Fallback xmlns="">
           <p:sp>
             <p:nvSpPr>
               <p:cNvPr id="4" name="テキスト ボックス 3">
@@ -2092,7 +2094,7 @@
             </p:nvSpPr>
             <p:spPr>
               <a:xfrm>
-                <a:off x="827584" y="1988840"/>
+                <a:off x="827584" y="1844824"/>
                 <a:ext cx="3224922" cy="1019318"/>
               </a:xfrm>
               <a:prstGeom prst="rect">
@@ -2106,6 +2108,7 @@
               </a:bodyPr>
               <a:lstStyle/>
               <a:p>
+                <a:pPr/>
                 <a14:m>
                   <m:oMathPara xmlns:m="http://schemas.openxmlformats.org/officeDocument/2006/math">
                     <m:oMathParaPr>
@@ -2284,7 +2287,7 @@
             </p:nvSpPr>
             <p:spPr>
               <a:xfrm>
-                <a:off x="827584" y="1988840"/>
+                <a:off x="827584" y="1844824"/>
                 <a:ext cx="3224922" cy="1019318"/>
               </a:xfrm>
               <a:prstGeom prst="rect">
@@ -2328,7 +2331,7 @@
             </p:nvSpPr>
             <p:spPr>
               <a:xfrm>
-                <a:off x="7092280" y="1916832"/>
+                <a:off x="7164288" y="1700808"/>
                 <a:ext cx="1297984" cy="1387431"/>
               </a:xfrm>
               <a:prstGeom prst="rect">
@@ -2342,6 +2345,7 @@
               </a:bodyPr>
               <a:lstStyle/>
               <a:p>
+                <a:pPr/>
                 <a14:m>
                   <m:oMathPara xmlns:m="http://schemas.openxmlformats.org/officeDocument/2006/math">
                     <m:oMathParaPr>
@@ -2527,7 +2531,7 @@
             </p:nvSpPr>
             <p:spPr>
               <a:xfrm>
-                <a:off x="7092280" y="1916832"/>
+                <a:off x="7164288" y="1700808"/>
                 <a:ext cx="1297984" cy="1387431"/>
               </a:xfrm>
               <a:prstGeom prst="rect">
@@ -2569,7 +2573,7 @@
         </p:nvSpPr>
         <p:spPr>
           <a:xfrm>
-            <a:off x="7020272" y="1340768"/>
+            <a:off x="6948264" y="1196752"/>
             <a:ext cx="1338828" cy="369332"/>
           </a:xfrm>
           <a:prstGeom prst="rect">
@@ -2590,10 +2594,1060 @@
           </a:p>
         </p:txBody>
       </p:sp>
+      <mc:AlternateContent xmlns:mc="http://schemas.openxmlformats.org/markup-compatibility/2006">
+        <mc:Choice xmlns:a14="http://schemas.microsoft.com/office/drawing/2010/main" Requires="a14">
+          <p:sp>
+            <p:nvSpPr>
+              <p:cNvPr id="3" name="テキスト ボックス 2">
+                <a:extLst>
+                  <a:ext uri="{FF2B5EF4-FFF2-40B4-BE49-F238E27FC236}">
+                    <a16:creationId xmlns:a16="http://schemas.microsoft.com/office/drawing/2014/main" id="{E236ED9F-D7DC-85D4-28ED-1715B10FA718}"/>
+                  </a:ext>
+                </a:extLst>
+              </p:cNvPr>
+              <p:cNvSpPr txBox="1"/>
+              <p:nvPr/>
+            </p:nvSpPr>
+            <p:spPr>
+              <a:xfrm>
+                <a:off x="1547664" y="3140968"/>
+                <a:ext cx="3217740" cy="1019318"/>
+              </a:xfrm>
+              <a:prstGeom prst="rect">
+                <a:avLst/>
+              </a:prstGeom>
+              <a:noFill/>
+            </p:spPr>
+            <p:txBody>
+              <a:bodyPr wrap="none" lIns="0" tIns="0" rIns="0" bIns="0" rtlCol="0">
+                <a:spAutoFit/>
+              </a:bodyPr>
+              <a:lstStyle/>
+              <a:p>
+                <a:pPr/>
+                <a14:m>
+                  <m:oMathPara xmlns:m="http://schemas.openxmlformats.org/officeDocument/2006/math">
+                    <m:oMathParaPr>
+                      <m:jc m:val="centerGroup"/>
+                    </m:oMathParaPr>
+                    <m:oMath xmlns:m="http://schemas.openxmlformats.org/officeDocument/2006/math">
+                      <m:r>
+                        <a:rPr kumimoji="1" lang="en-US" altLang="ja-JP" sz="3200" b="0" i="1" smtClean="0">
+                          <a:latin typeface="Cambria Math" panose="02040503050406030204" pitchFamily="18" charset="0"/>
+                        </a:rPr>
+                        <m:t>=</m:t>
+                      </m:r>
+                      <m:f>
+                        <m:fPr>
+                          <m:ctrlPr>
+                            <a:rPr lang="en-US" altLang="ja-JP" sz="3200" i="1">
+                              <a:latin typeface="Cambria Math" panose="02040503050406030204" pitchFamily="18" charset="0"/>
+                            </a:rPr>
+                          </m:ctrlPr>
+                        </m:fPr>
+                        <m:num>
+                          <m:r>
+                            <a:rPr lang="en-US" altLang="ja-JP" sz="3200" i="1">
+                              <a:latin typeface="Cambria Math" panose="02040503050406030204" pitchFamily="18" charset="0"/>
+                            </a:rPr>
+                            <m:t>𝜕</m:t>
+                          </m:r>
+                          <m:r>
+                            <a:rPr lang="en-US" altLang="ja-JP" sz="3200" i="1">
+                              <a:latin typeface="Cambria Math" panose="02040503050406030204" pitchFamily="18" charset="0"/>
+                            </a:rPr>
+                            <m:t>𝐴</m:t>
+                          </m:r>
+                        </m:num>
+                        <m:den>
+                          <m:r>
+                            <a:rPr lang="en-US" altLang="ja-JP" sz="3200" i="1">
+                              <a:latin typeface="Cambria Math" panose="02040503050406030204" pitchFamily="18" charset="0"/>
+                            </a:rPr>
+                            <m:t>𝜕</m:t>
+                          </m:r>
+                          <m:r>
+                            <a:rPr lang="en-US" altLang="ja-JP" sz="3200" i="1">
+                              <a:latin typeface="Cambria Math" panose="02040503050406030204" pitchFamily="18" charset="0"/>
+                            </a:rPr>
+                            <m:t>𝑞</m:t>
+                          </m:r>
+                        </m:den>
+                      </m:f>
+                      <m:f>
+                        <m:fPr>
+                          <m:ctrlPr>
+                            <a:rPr lang="en-US" altLang="ja-JP" sz="3200" i="1">
+                              <a:latin typeface="Cambria Math" panose="02040503050406030204" pitchFamily="18" charset="0"/>
+                            </a:rPr>
+                          </m:ctrlPr>
+                        </m:fPr>
+                        <m:num>
+                          <m:r>
+                            <a:rPr lang="en-US" altLang="ja-JP" sz="3200" i="1">
+                              <a:latin typeface="Cambria Math" panose="02040503050406030204" pitchFamily="18" charset="0"/>
+                            </a:rPr>
+                            <m:t>𝜕</m:t>
+                          </m:r>
+                          <m:r>
+                            <a:rPr lang="en-US" altLang="ja-JP" sz="3200" b="0" i="1" smtClean="0">
+                              <a:latin typeface="Cambria Math" panose="02040503050406030204" pitchFamily="18" charset="0"/>
+                            </a:rPr>
+                            <m:t>𝐻</m:t>
+                          </m:r>
+                        </m:num>
+                        <m:den>
+                          <m:r>
+                            <a:rPr lang="en-US" altLang="ja-JP" sz="3200" i="1">
+                              <a:latin typeface="Cambria Math" panose="02040503050406030204" pitchFamily="18" charset="0"/>
+                            </a:rPr>
+                            <m:t>𝜕</m:t>
+                          </m:r>
+                          <m:r>
+                            <a:rPr lang="en-US" altLang="ja-JP" sz="3200" b="0" i="1" smtClean="0">
+                              <a:latin typeface="Cambria Math" panose="02040503050406030204" pitchFamily="18" charset="0"/>
+                            </a:rPr>
+                            <m:t>𝑝</m:t>
+                          </m:r>
+                        </m:den>
+                      </m:f>
+                      <m:r>
+                        <a:rPr lang="en-US" altLang="ja-JP" sz="3200" b="0" i="1" smtClean="0">
+                          <a:latin typeface="Cambria Math" panose="02040503050406030204" pitchFamily="18" charset="0"/>
+                        </a:rPr>
+                        <m:t>−</m:t>
+                      </m:r>
+                      <m:f>
+                        <m:fPr>
+                          <m:ctrlPr>
+                            <a:rPr lang="en-US" altLang="ja-JP" sz="3200" i="1">
+                              <a:latin typeface="Cambria Math" panose="02040503050406030204" pitchFamily="18" charset="0"/>
+                            </a:rPr>
+                          </m:ctrlPr>
+                        </m:fPr>
+                        <m:num>
+                          <m:r>
+                            <a:rPr lang="en-US" altLang="ja-JP" sz="3200" i="1">
+                              <a:latin typeface="Cambria Math" panose="02040503050406030204" pitchFamily="18" charset="0"/>
+                            </a:rPr>
+                            <m:t>𝜕</m:t>
+                          </m:r>
+                          <m:r>
+                            <a:rPr lang="en-US" altLang="ja-JP" sz="3200" i="1">
+                              <a:latin typeface="Cambria Math" panose="02040503050406030204" pitchFamily="18" charset="0"/>
+                            </a:rPr>
+                            <m:t>𝐴</m:t>
+                          </m:r>
+                        </m:num>
+                        <m:den>
+                          <m:r>
+                            <a:rPr lang="en-US" altLang="ja-JP" sz="3200" i="1">
+                              <a:latin typeface="Cambria Math" panose="02040503050406030204" pitchFamily="18" charset="0"/>
+                            </a:rPr>
+                            <m:t>𝜕</m:t>
+                          </m:r>
+                          <m:r>
+                            <a:rPr lang="en-US" altLang="ja-JP" sz="3200" b="0" i="1" smtClean="0">
+                              <a:latin typeface="Cambria Math" panose="02040503050406030204" pitchFamily="18" charset="0"/>
+                            </a:rPr>
+                            <m:t>𝑝</m:t>
+                          </m:r>
+                        </m:den>
+                      </m:f>
+                      <m:f>
+                        <m:fPr>
+                          <m:ctrlPr>
+                            <a:rPr lang="en-US" altLang="ja-JP" sz="3200" i="1">
+                              <a:latin typeface="Cambria Math" panose="02040503050406030204" pitchFamily="18" charset="0"/>
+                            </a:rPr>
+                          </m:ctrlPr>
+                        </m:fPr>
+                        <m:num>
+                          <m:r>
+                            <a:rPr lang="en-US" altLang="ja-JP" sz="3200" i="1">
+                              <a:latin typeface="Cambria Math" panose="02040503050406030204" pitchFamily="18" charset="0"/>
+                            </a:rPr>
+                            <m:t>𝜕</m:t>
+                          </m:r>
+                          <m:r>
+                            <a:rPr lang="en-US" altLang="ja-JP" sz="3200" i="1">
+                              <a:latin typeface="Cambria Math" panose="02040503050406030204" pitchFamily="18" charset="0"/>
+                            </a:rPr>
+                            <m:t>𝐻</m:t>
+                          </m:r>
+                        </m:num>
+                        <m:den>
+                          <m:r>
+                            <a:rPr lang="en-US" altLang="ja-JP" sz="3200" i="1">
+                              <a:latin typeface="Cambria Math" panose="02040503050406030204" pitchFamily="18" charset="0"/>
+                            </a:rPr>
+                            <m:t>𝜕</m:t>
+                          </m:r>
+                          <m:r>
+                            <a:rPr lang="en-US" altLang="ja-JP" sz="3200" b="0" i="1" smtClean="0">
+                              <a:latin typeface="Cambria Math" panose="02040503050406030204" pitchFamily="18" charset="0"/>
+                            </a:rPr>
+                            <m:t>𝑞</m:t>
+                          </m:r>
+                        </m:den>
+                      </m:f>
+                    </m:oMath>
+                  </m:oMathPara>
+                </a14:m>
+                <a:endParaRPr kumimoji="1" lang="ja-JP" altLang="en-US" sz="3200"/>
+              </a:p>
+            </p:txBody>
+          </p:sp>
+        </mc:Choice>
+        <mc:Fallback>
+          <p:sp>
+            <p:nvSpPr>
+              <p:cNvPr id="3" name="テキスト ボックス 2">
+                <a:extLst>
+                  <a:ext uri="{FF2B5EF4-FFF2-40B4-BE49-F238E27FC236}">
+                    <a16:creationId xmlns:a16="http://schemas.microsoft.com/office/drawing/2014/main" id="{E236ED9F-D7DC-85D4-28ED-1715B10FA718}"/>
+                  </a:ext>
+                </a:extLst>
+              </p:cNvPr>
+              <p:cNvSpPr txBox="1">
+                <a:spLocks noRot="1" noChangeAspect="1" noMove="1" noResize="1" noEditPoints="1" noAdjustHandles="1" noChangeArrowheads="1" noChangeShapeType="1" noTextEdit="1"/>
+              </p:cNvSpPr>
+              <p:nvPr/>
+            </p:nvSpPr>
+            <p:spPr>
+              <a:xfrm>
+                <a:off x="1547664" y="3140968"/>
+                <a:ext cx="3217740" cy="1019318"/>
+              </a:xfrm>
+              <a:prstGeom prst="rect">
+                <a:avLst/>
+              </a:prstGeom>
+              <a:blipFill>
+                <a:blip r:embed="rId5"/>
+                <a:stretch>
+                  <a:fillRect/>
+                </a:stretch>
+              </a:blipFill>
+            </p:spPr>
+            <p:txBody>
+              <a:bodyPr/>
+              <a:lstStyle/>
+              <a:p>
+                <a:r>
+                  <a:rPr lang="ja-JP" altLang="en-US">
+                    <a:noFill/>
+                  </a:rPr>
+                  <a:t> </a:t>
+                </a:r>
+              </a:p>
+            </p:txBody>
+          </p:sp>
+        </mc:Fallback>
+      </mc:AlternateContent>
+      <p:sp>
+        <p:nvSpPr>
+          <p:cNvPr id="8" name="テキスト ボックス 7">
+            <a:extLst>
+              <a:ext uri="{FF2B5EF4-FFF2-40B4-BE49-F238E27FC236}">
+                <a16:creationId xmlns:a16="http://schemas.microsoft.com/office/drawing/2014/main" id="{60372493-DC79-8F35-839D-9A6A5ADBC111}"/>
+              </a:ext>
+            </a:extLst>
+          </p:cNvPr>
+          <p:cNvSpPr txBox="1"/>
+          <p:nvPr/>
+        </p:nvSpPr>
+        <p:spPr>
+          <a:xfrm>
+            <a:off x="5652120" y="3284984"/>
+            <a:ext cx="3297698" cy="954107"/>
+          </a:xfrm>
+          <a:prstGeom prst="rect">
+            <a:avLst/>
+          </a:prstGeom>
+          <a:noFill/>
+        </p:spPr>
+        <p:txBody>
+          <a:bodyPr wrap="none" rtlCol="0">
+            <a:spAutoFit/>
+          </a:bodyPr>
+          <a:lstStyle/>
+          <a:p>
+            <a:r>
+              <a:rPr lang="ja-JP" altLang="en-US" sz="2800"/>
+              <a:t>きれいな</a:t>
+            </a:r>
+            <a:r>
+              <a:rPr lang="en-US" altLang="ja-JP" sz="2800"/>
+              <a:t>(</a:t>
+            </a:r>
+            <a:r>
+              <a:rPr lang="ja-JP" altLang="en-US" sz="2800"/>
+              <a:t>対称的な</a:t>
+            </a:r>
+            <a:r>
+              <a:rPr lang="en-US" altLang="ja-JP" sz="2800"/>
+              <a:t>)</a:t>
+            </a:r>
+          </a:p>
+          <a:p>
+            <a:r>
+              <a:rPr lang="ja-JP" altLang="en-US" sz="2800"/>
+              <a:t>形になっている</a:t>
+            </a:r>
+            <a:endParaRPr kumimoji="1" lang="ja-JP" altLang="en-US" sz="2800"/>
+          </a:p>
+        </p:txBody>
+      </p:sp>
+      <p:sp>
+        <p:nvSpPr>
+          <p:cNvPr id="9" name="矢印: 下 8">
+            <a:extLst>
+              <a:ext uri="{FF2B5EF4-FFF2-40B4-BE49-F238E27FC236}">
+                <a16:creationId xmlns:a16="http://schemas.microsoft.com/office/drawing/2014/main" id="{B4ECC94B-F349-C5BA-D5E4-1FE6F8778324}"/>
+              </a:ext>
+            </a:extLst>
+          </p:cNvPr>
+          <p:cNvSpPr/>
+          <p:nvPr/>
+        </p:nvSpPr>
+        <p:spPr>
+          <a:xfrm rot="5400000">
+            <a:off x="5004048" y="3501008"/>
+            <a:ext cx="504056" cy="504056"/>
+          </a:xfrm>
+          <a:prstGeom prst="downArrow">
+            <a:avLst/>
+          </a:prstGeom>
+          <a:solidFill>
+            <a:srgbClr val="FF0000"/>
+          </a:solidFill>
+          <a:ln>
+            <a:solidFill>
+              <a:schemeClr val="tx1"/>
+            </a:solidFill>
+          </a:ln>
+        </p:spPr>
+        <p:style>
+          <a:lnRef idx="2">
+            <a:schemeClr val="accent1">
+              <a:shade val="50000"/>
+            </a:schemeClr>
+          </a:lnRef>
+          <a:fillRef idx="1">
+            <a:schemeClr val="accent1"/>
+          </a:fillRef>
+          <a:effectRef idx="0">
+            <a:schemeClr val="accent1"/>
+          </a:effectRef>
+          <a:fontRef idx="minor">
+            <a:schemeClr val="lt1"/>
+          </a:fontRef>
+        </p:style>
+        <p:txBody>
+          <a:bodyPr rtlCol="0" anchor="ctr"/>
+          <a:lstStyle/>
+          <a:p>
+            <a:pPr algn="ctr"/>
+            <a:endParaRPr kumimoji="1" lang="ja-JP" altLang="en-US"/>
+          </a:p>
+        </p:txBody>
+      </p:sp>
+      <p:sp>
+        <p:nvSpPr>
+          <p:cNvPr id="10" name="テキスト ボックス 9">
+            <a:extLst>
+              <a:ext uri="{FF2B5EF4-FFF2-40B4-BE49-F238E27FC236}">
+                <a16:creationId xmlns:a16="http://schemas.microsoft.com/office/drawing/2014/main" id="{5F776852-D65D-B873-3B13-1B8AE1D7C5E8}"/>
+              </a:ext>
+            </a:extLst>
+          </p:cNvPr>
+          <p:cNvSpPr txBox="1"/>
+          <p:nvPr/>
+        </p:nvSpPr>
+        <p:spPr>
+          <a:xfrm>
+            <a:off x="179512" y="4365104"/>
+            <a:ext cx="3570208" cy="461665"/>
+          </a:xfrm>
+          <a:prstGeom prst="rect">
+            <a:avLst/>
+          </a:prstGeom>
+          <a:noFill/>
+        </p:spPr>
+        <p:txBody>
+          <a:bodyPr wrap="none" rtlCol="0">
+            <a:spAutoFit/>
+          </a:bodyPr>
+          <a:lstStyle/>
+          <a:p>
+            <a:r>
+              <a:rPr kumimoji="1" lang="ja-JP" altLang="en-US" sz="2400"/>
+              <a:t>以下の括弧式を</a:t>
+            </a:r>
+            <a:r>
+              <a:rPr lang="ja-JP" altLang="en-US" sz="2400"/>
+              <a:t>定義</a:t>
+            </a:r>
+            <a:r>
+              <a:rPr kumimoji="1" lang="ja-JP" altLang="en-US" sz="2400"/>
+              <a:t>する</a:t>
+            </a:r>
+          </a:p>
+        </p:txBody>
+      </p:sp>
+      <mc:AlternateContent xmlns:mc="http://schemas.openxmlformats.org/markup-compatibility/2006">
+        <mc:Choice xmlns:a14="http://schemas.microsoft.com/office/drawing/2010/main" Requires="a14">
+          <p:sp>
+            <p:nvSpPr>
+              <p:cNvPr id="11" name="テキスト ボックス 10">
+                <a:extLst>
+                  <a:ext uri="{FF2B5EF4-FFF2-40B4-BE49-F238E27FC236}">
+                    <a16:creationId xmlns:a16="http://schemas.microsoft.com/office/drawing/2014/main" id="{D94A9043-5A1B-D83F-DB2B-C0E9CF44D699}"/>
+                  </a:ext>
+                </a:extLst>
+              </p:cNvPr>
+              <p:cNvSpPr txBox="1"/>
+              <p:nvPr/>
+            </p:nvSpPr>
+            <p:spPr>
+              <a:xfrm>
+                <a:off x="1547664" y="4941168"/>
+                <a:ext cx="5040560" cy="1019318"/>
+              </a:xfrm>
+              <a:prstGeom prst="rect">
+                <a:avLst/>
+              </a:prstGeom>
+              <a:noFill/>
+            </p:spPr>
+            <p:txBody>
+              <a:bodyPr wrap="square" lIns="0" tIns="0" rIns="0" bIns="0" rtlCol="0">
+                <a:spAutoFit/>
+              </a:bodyPr>
+              <a:lstStyle/>
+              <a:p>
+                <a:pPr/>
+                <a14:m>
+                  <m:oMathPara xmlns:m="http://schemas.openxmlformats.org/officeDocument/2006/math">
+                    <m:oMathParaPr>
+                      <m:jc m:val="centerGroup"/>
+                    </m:oMathParaPr>
+                    <m:oMath xmlns:m="http://schemas.openxmlformats.org/officeDocument/2006/math">
+                      <m:sSub>
+                        <m:sSubPr>
+                          <m:ctrlPr>
+                            <a:rPr kumimoji="1" lang="en-US" altLang="ja-JP" sz="3200" b="0" i="1" smtClean="0">
+                              <a:latin typeface="Cambria Math" panose="02040503050406030204" pitchFamily="18" charset="0"/>
+                            </a:rPr>
+                          </m:ctrlPr>
+                        </m:sSubPr>
+                        <m:e>
+                          <m:d>
+                            <m:dPr>
+                              <m:begChr m:val="{"/>
+                              <m:endChr m:val="}"/>
+                              <m:ctrlPr>
+                                <a:rPr kumimoji="1" lang="en-US" altLang="ja-JP" sz="3200" b="0" i="1" smtClean="0">
+                                  <a:latin typeface="Cambria Math" panose="02040503050406030204" pitchFamily="18" charset="0"/>
+                                </a:rPr>
+                              </m:ctrlPr>
+                            </m:dPr>
+                            <m:e>
+                              <m:r>
+                                <a:rPr kumimoji="1" lang="en-US" altLang="ja-JP" sz="3200" b="0" i="1" smtClean="0">
+                                  <a:latin typeface="Cambria Math" panose="02040503050406030204" pitchFamily="18" charset="0"/>
+                                </a:rPr>
+                                <m:t>𝑋</m:t>
+                              </m:r>
+                              <m:r>
+                                <a:rPr kumimoji="1" lang="en-US" altLang="ja-JP" sz="3200" b="0" i="1" smtClean="0">
+                                  <a:latin typeface="Cambria Math" panose="02040503050406030204" pitchFamily="18" charset="0"/>
+                                </a:rPr>
+                                <m:t>,</m:t>
+                              </m:r>
+                              <m:r>
+                                <a:rPr kumimoji="1" lang="en-US" altLang="ja-JP" sz="3200" b="0" i="1" smtClean="0">
+                                  <a:latin typeface="Cambria Math" panose="02040503050406030204" pitchFamily="18" charset="0"/>
+                                </a:rPr>
+                                <m:t>𝑌</m:t>
+                              </m:r>
+                            </m:e>
+                          </m:d>
+                        </m:e>
+                        <m:sub>
+                          <m:r>
+                            <a:rPr kumimoji="1" lang="en-US" altLang="ja-JP" sz="3200" b="0" i="1" smtClean="0">
+                              <a:latin typeface="Cambria Math" panose="02040503050406030204" pitchFamily="18" charset="0"/>
+                            </a:rPr>
+                            <m:t>𝑞</m:t>
+                          </m:r>
+                          <m:r>
+                            <a:rPr kumimoji="1" lang="en-US" altLang="ja-JP" sz="3200" b="0" i="1" smtClean="0">
+                              <a:latin typeface="Cambria Math" panose="02040503050406030204" pitchFamily="18" charset="0"/>
+                            </a:rPr>
+                            <m:t>,</m:t>
+                          </m:r>
+                          <m:r>
+                            <a:rPr kumimoji="1" lang="en-US" altLang="ja-JP" sz="3200" b="0" i="1" smtClean="0">
+                              <a:latin typeface="Cambria Math" panose="02040503050406030204" pitchFamily="18" charset="0"/>
+                            </a:rPr>
+                            <m:t>𝑝</m:t>
+                          </m:r>
+                        </m:sub>
+                      </m:sSub>
+                      <m:r>
+                        <a:rPr kumimoji="1" lang="en-US" altLang="ja-JP" sz="3200" b="0" i="1" smtClean="0">
+                          <a:latin typeface="Cambria Math" panose="02040503050406030204" pitchFamily="18" charset="0"/>
+                        </a:rPr>
+                        <m:t>≡</m:t>
+                      </m:r>
+                      <m:f>
+                        <m:fPr>
+                          <m:ctrlPr>
+                            <a:rPr lang="en-US" altLang="ja-JP" sz="3200" i="1">
+                              <a:latin typeface="Cambria Math" panose="02040503050406030204" pitchFamily="18" charset="0"/>
+                            </a:rPr>
+                          </m:ctrlPr>
+                        </m:fPr>
+                        <m:num>
+                          <m:r>
+                            <a:rPr lang="en-US" altLang="ja-JP" sz="3200" i="1">
+                              <a:latin typeface="Cambria Math" panose="02040503050406030204" pitchFamily="18" charset="0"/>
+                            </a:rPr>
+                            <m:t>𝜕</m:t>
+                          </m:r>
+                          <m:r>
+                            <a:rPr lang="en-US" altLang="ja-JP" sz="3200" b="0" i="1" smtClean="0">
+                              <a:latin typeface="Cambria Math" panose="02040503050406030204" pitchFamily="18" charset="0"/>
+                            </a:rPr>
+                            <m:t>𝑋</m:t>
+                          </m:r>
+                        </m:num>
+                        <m:den>
+                          <m:r>
+                            <a:rPr lang="en-US" altLang="ja-JP" sz="3200" i="1">
+                              <a:latin typeface="Cambria Math" panose="02040503050406030204" pitchFamily="18" charset="0"/>
+                            </a:rPr>
+                            <m:t>𝜕</m:t>
+                          </m:r>
+                          <m:r>
+                            <a:rPr lang="en-US" altLang="ja-JP" sz="3200" i="1">
+                              <a:latin typeface="Cambria Math" panose="02040503050406030204" pitchFamily="18" charset="0"/>
+                            </a:rPr>
+                            <m:t>𝑞</m:t>
+                          </m:r>
+                        </m:den>
+                      </m:f>
+                      <m:f>
+                        <m:fPr>
+                          <m:ctrlPr>
+                            <a:rPr lang="en-US" altLang="ja-JP" sz="3200" i="1">
+                              <a:latin typeface="Cambria Math" panose="02040503050406030204" pitchFamily="18" charset="0"/>
+                            </a:rPr>
+                          </m:ctrlPr>
+                        </m:fPr>
+                        <m:num>
+                          <m:r>
+                            <a:rPr lang="en-US" altLang="ja-JP" sz="3200" i="1">
+                              <a:latin typeface="Cambria Math" panose="02040503050406030204" pitchFamily="18" charset="0"/>
+                            </a:rPr>
+                            <m:t>𝜕</m:t>
+                          </m:r>
+                          <m:r>
+                            <a:rPr lang="en-US" altLang="ja-JP" sz="3200" b="0" i="1" smtClean="0">
+                              <a:latin typeface="Cambria Math" panose="02040503050406030204" pitchFamily="18" charset="0"/>
+                            </a:rPr>
+                            <m:t>𝑌</m:t>
+                          </m:r>
+                        </m:num>
+                        <m:den>
+                          <m:r>
+                            <a:rPr lang="en-US" altLang="ja-JP" sz="3200" i="1">
+                              <a:latin typeface="Cambria Math" panose="02040503050406030204" pitchFamily="18" charset="0"/>
+                            </a:rPr>
+                            <m:t>𝜕</m:t>
+                          </m:r>
+                          <m:r>
+                            <a:rPr lang="en-US" altLang="ja-JP" sz="3200" b="0" i="1" smtClean="0">
+                              <a:latin typeface="Cambria Math" panose="02040503050406030204" pitchFamily="18" charset="0"/>
+                            </a:rPr>
+                            <m:t>𝑝</m:t>
+                          </m:r>
+                        </m:den>
+                      </m:f>
+                      <m:r>
+                        <a:rPr lang="en-US" altLang="ja-JP" sz="3200" b="0" i="1" smtClean="0">
+                          <a:latin typeface="Cambria Math" panose="02040503050406030204" pitchFamily="18" charset="0"/>
+                        </a:rPr>
+                        <m:t>−</m:t>
+                      </m:r>
+                      <m:f>
+                        <m:fPr>
+                          <m:ctrlPr>
+                            <a:rPr lang="en-US" altLang="ja-JP" sz="3200" i="1">
+                              <a:latin typeface="Cambria Math" panose="02040503050406030204" pitchFamily="18" charset="0"/>
+                            </a:rPr>
+                          </m:ctrlPr>
+                        </m:fPr>
+                        <m:num>
+                          <m:r>
+                            <a:rPr lang="en-US" altLang="ja-JP" sz="3200" i="1">
+                              <a:latin typeface="Cambria Math" panose="02040503050406030204" pitchFamily="18" charset="0"/>
+                            </a:rPr>
+                            <m:t>𝜕</m:t>
+                          </m:r>
+                          <m:r>
+                            <a:rPr lang="en-US" altLang="ja-JP" sz="3200" b="0" i="1" smtClean="0">
+                              <a:latin typeface="Cambria Math" panose="02040503050406030204" pitchFamily="18" charset="0"/>
+                            </a:rPr>
+                            <m:t>𝑋</m:t>
+                          </m:r>
+                        </m:num>
+                        <m:den>
+                          <m:r>
+                            <a:rPr lang="en-US" altLang="ja-JP" sz="3200" i="1">
+                              <a:latin typeface="Cambria Math" panose="02040503050406030204" pitchFamily="18" charset="0"/>
+                            </a:rPr>
+                            <m:t>𝜕</m:t>
+                          </m:r>
+                          <m:r>
+                            <a:rPr lang="en-US" altLang="ja-JP" sz="3200" b="0" i="1" smtClean="0">
+                              <a:latin typeface="Cambria Math" panose="02040503050406030204" pitchFamily="18" charset="0"/>
+                            </a:rPr>
+                            <m:t>𝑝</m:t>
+                          </m:r>
+                        </m:den>
+                      </m:f>
+                      <m:f>
+                        <m:fPr>
+                          <m:ctrlPr>
+                            <a:rPr lang="en-US" altLang="ja-JP" sz="3200" i="1">
+                              <a:latin typeface="Cambria Math" panose="02040503050406030204" pitchFamily="18" charset="0"/>
+                            </a:rPr>
+                          </m:ctrlPr>
+                        </m:fPr>
+                        <m:num>
+                          <m:r>
+                            <a:rPr lang="en-US" altLang="ja-JP" sz="3200" i="1">
+                              <a:latin typeface="Cambria Math" panose="02040503050406030204" pitchFamily="18" charset="0"/>
+                            </a:rPr>
+                            <m:t>𝜕</m:t>
+                          </m:r>
+                          <m:r>
+                            <a:rPr lang="en-US" altLang="ja-JP" sz="3200" b="0" i="1" smtClean="0">
+                              <a:latin typeface="Cambria Math" panose="02040503050406030204" pitchFamily="18" charset="0"/>
+                            </a:rPr>
+                            <m:t>𝑌</m:t>
+                          </m:r>
+                        </m:num>
+                        <m:den>
+                          <m:r>
+                            <a:rPr lang="en-US" altLang="ja-JP" sz="3200" i="1">
+                              <a:latin typeface="Cambria Math" panose="02040503050406030204" pitchFamily="18" charset="0"/>
+                            </a:rPr>
+                            <m:t>𝜕</m:t>
+                          </m:r>
+                          <m:r>
+                            <a:rPr lang="en-US" altLang="ja-JP" sz="3200" b="0" i="1" smtClean="0">
+                              <a:latin typeface="Cambria Math" panose="02040503050406030204" pitchFamily="18" charset="0"/>
+                            </a:rPr>
+                            <m:t>𝑞</m:t>
+                          </m:r>
+                        </m:den>
+                      </m:f>
+                    </m:oMath>
+                  </m:oMathPara>
+                </a14:m>
+                <a:endParaRPr kumimoji="1" lang="ja-JP" altLang="en-US" sz="3200"/>
+              </a:p>
+            </p:txBody>
+          </p:sp>
+        </mc:Choice>
+        <mc:Fallback>
+          <p:sp>
+            <p:nvSpPr>
+              <p:cNvPr id="11" name="テキスト ボックス 10">
+                <a:extLst>
+                  <a:ext uri="{FF2B5EF4-FFF2-40B4-BE49-F238E27FC236}">
+                    <a16:creationId xmlns:a16="http://schemas.microsoft.com/office/drawing/2014/main" id="{D94A9043-5A1B-D83F-DB2B-C0E9CF44D699}"/>
+                  </a:ext>
+                </a:extLst>
+              </p:cNvPr>
+              <p:cNvSpPr txBox="1">
+                <a:spLocks noRot="1" noChangeAspect="1" noMove="1" noResize="1" noEditPoints="1" noAdjustHandles="1" noChangeArrowheads="1" noChangeShapeType="1" noTextEdit="1"/>
+              </p:cNvSpPr>
+              <p:nvPr/>
+            </p:nvSpPr>
+            <p:spPr>
+              <a:xfrm>
+                <a:off x="1547664" y="4941168"/>
+                <a:ext cx="5040560" cy="1019318"/>
+              </a:xfrm>
+              <a:prstGeom prst="rect">
+                <a:avLst/>
+              </a:prstGeom>
+              <a:blipFill>
+                <a:blip r:embed="rId6"/>
+                <a:stretch>
+                  <a:fillRect/>
+                </a:stretch>
+              </a:blipFill>
+            </p:spPr>
+            <p:txBody>
+              <a:bodyPr/>
+              <a:lstStyle/>
+              <a:p>
+                <a:r>
+                  <a:rPr lang="ja-JP" altLang="en-US">
+                    <a:noFill/>
+                  </a:rPr>
+                  <a:t> </a:t>
+                </a:r>
+              </a:p>
+            </p:txBody>
+          </p:sp>
+        </mc:Fallback>
+      </mc:AlternateContent>
+      <p:sp>
+        <p:nvSpPr>
+          <p:cNvPr id="12" name="テキスト ボックス 11">
+            <a:extLst>
+              <a:ext uri="{FF2B5EF4-FFF2-40B4-BE49-F238E27FC236}">
+                <a16:creationId xmlns:a16="http://schemas.microsoft.com/office/drawing/2014/main" id="{1784D245-1D1C-E116-33FC-B0FC13A69AE3}"/>
+              </a:ext>
+            </a:extLst>
+          </p:cNvPr>
+          <p:cNvSpPr txBox="1"/>
+          <p:nvPr/>
+        </p:nvSpPr>
+        <p:spPr>
+          <a:xfrm>
+            <a:off x="467544" y="6165304"/>
+            <a:ext cx="7330853" cy="523220"/>
+          </a:xfrm>
+          <a:prstGeom prst="rect">
+            <a:avLst/>
+          </a:prstGeom>
+          <a:noFill/>
+        </p:spPr>
+        <p:txBody>
+          <a:bodyPr wrap="none" rtlCol="0">
+            <a:spAutoFit/>
+          </a:bodyPr>
+          <a:lstStyle/>
+          <a:p>
+            <a:r>
+              <a:rPr lang="ja-JP" altLang="en-US" sz="2800"/>
+              <a:t>これをポアソン括弧</a:t>
+            </a:r>
+            <a:r>
+              <a:rPr lang="en-US" altLang="ja-JP" sz="2800"/>
+              <a:t>(Poisson Bracket)</a:t>
+            </a:r>
+            <a:r>
+              <a:rPr lang="ja-JP" altLang="en-US" sz="2800"/>
+              <a:t>と呼ぶ</a:t>
+            </a:r>
+            <a:endParaRPr kumimoji="1" lang="ja-JP" altLang="en-US" sz="2800"/>
+          </a:p>
+        </p:txBody>
+      </p:sp>
     </p:spTree>
     <p:extLst>
       <p:ext uri="{BB962C8B-B14F-4D97-AF65-F5344CB8AC3E}">
         <p14:creationId xmlns:p14="http://schemas.microsoft.com/office/powerpoint/2010/main" val="845582003"/>
+      </p:ext>
+    </p:extLst>
+  </p:cSld>
+  <p:clrMapOvr>
+    <a:masterClrMapping/>
+  </p:clrMapOvr>
+</p:sld>
+</file>
+
+<file path=ppt/slides/slide5.xml><?xml version="1.0" encoding="utf-8"?>
+<p:sld xmlns:a="http://schemas.openxmlformats.org/drawingml/2006/main" xmlns:r="http://schemas.openxmlformats.org/officeDocument/2006/relationships" xmlns:p="http://schemas.openxmlformats.org/presentationml/2006/main">
+  <p:cSld>
+    <p:spTree>
+      <p:nvGrpSpPr>
+        <p:cNvPr id="1" name=""/>
+        <p:cNvGrpSpPr/>
+        <p:nvPr/>
+      </p:nvGrpSpPr>
+      <p:grpSpPr>
+        <a:xfrm>
+          <a:off x="0" y="0"/>
+          <a:ext cx="0" cy="0"/>
+          <a:chOff x="0" y="0"/>
+          <a:chExt cx="0" cy="0"/>
+        </a:xfrm>
+      </p:grpSpPr>
+      <p:sp>
+        <p:nvSpPr>
+          <p:cNvPr id="2" name="テキスト プレースホルダー 1">
+            <a:extLst>
+              <a:ext uri="{FF2B5EF4-FFF2-40B4-BE49-F238E27FC236}">
+                <a16:creationId xmlns:a16="http://schemas.microsoft.com/office/drawing/2014/main" id="{EB22EC6E-B760-1FEB-970B-E31E3A747D34}"/>
+              </a:ext>
+            </a:extLst>
+          </p:cNvPr>
+          <p:cNvSpPr>
+            <a:spLocks noGrp="1"/>
+          </p:cNvSpPr>
+          <p:nvPr>
+            <p:ph type="body" sz="quarter" idx="10"/>
+          </p:nvPr>
+        </p:nvSpPr>
+        <p:spPr/>
+        <p:txBody>
+          <a:bodyPr/>
+          <a:lstStyle/>
+          <a:p>
+            <a:r>
+              <a:rPr lang="ja-JP" altLang="en-US"/>
+              <a:t>ポアソン括弧</a:t>
+            </a:r>
+            <a:endParaRPr kumimoji="1" lang="ja-JP" altLang="en-US"/>
+          </a:p>
+        </p:txBody>
+      </p:sp>
+      <mc:AlternateContent xmlns:mc="http://schemas.openxmlformats.org/markup-compatibility/2006">
+        <mc:Choice xmlns:a14="http://schemas.microsoft.com/office/drawing/2010/main" Requires="a14">
+          <p:sp>
+            <p:nvSpPr>
+              <p:cNvPr id="3" name="テキスト ボックス 2">
+                <a:extLst>
+                  <a:ext uri="{FF2B5EF4-FFF2-40B4-BE49-F238E27FC236}">
+                    <a16:creationId xmlns:a16="http://schemas.microsoft.com/office/drawing/2014/main" id="{83102590-255A-18EA-7A22-F16903E5FC12}"/>
+                  </a:ext>
+                </a:extLst>
+              </p:cNvPr>
+              <p:cNvSpPr txBox="1"/>
+              <p:nvPr/>
+            </p:nvSpPr>
+            <p:spPr>
+              <a:xfrm>
+                <a:off x="1979712" y="2348880"/>
+                <a:ext cx="5040560" cy="1051826"/>
+              </a:xfrm>
+              <a:prstGeom prst="rect">
+                <a:avLst/>
+              </a:prstGeom>
+              <a:noFill/>
+            </p:spPr>
+            <p:txBody>
+              <a:bodyPr wrap="square" lIns="0" tIns="0" rIns="0" bIns="0" rtlCol="0">
+                <a:spAutoFit/>
+              </a:bodyPr>
+              <a:lstStyle/>
+              <a:p>
+                <a:pPr/>
+                <a14:m>
+                  <m:oMathPara xmlns:m="http://schemas.openxmlformats.org/officeDocument/2006/math">
+                    <m:oMathParaPr>
+                      <m:jc m:val="centerGroup"/>
+                    </m:oMathParaPr>
+                    <m:oMath xmlns:m="http://schemas.openxmlformats.org/officeDocument/2006/math">
+                      <m:f>
+                        <m:fPr>
+                          <m:ctrlPr>
+                            <a:rPr kumimoji="1" lang="en-US" altLang="ja-JP" sz="3600" b="0" i="1" smtClean="0">
+                              <a:latin typeface="Cambria Math" panose="02040503050406030204" pitchFamily="18" charset="0"/>
+                            </a:rPr>
+                          </m:ctrlPr>
+                        </m:fPr>
+                        <m:num>
+                          <m:r>
+                            <a:rPr kumimoji="1" lang="en-US" altLang="ja-JP" sz="3600" b="0" i="1" smtClean="0">
+                              <a:latin typeface="Cambria Math" panose="02040503050406030204" pitchFamily="18" charset="0"/>
+                            </a:rPr>
+                            <m:t>𝑑𝐴</m:t>
+                          </m:r>
+                        </m:num>
+                        <m:den>
+                          <m:r>
+                            <a:rPr kumimoji="1" lang="en-US" altLang="ja-JP" sz="3600" b="0" i="1" smtClean="0">
+                              <a:latin typeface="Cambria Math" panose="02040503050406030204" pitchFamily="18" charset="0"/>
+                            </a:rPr>
+                            <m:t>𝑑𝑡</m:t>
+                          </m:r>
+                        </m:den>
+                      </m:f>
+                      <m:r>
+                        <a:rPr kumimoji="1" lang="en-US" altLang="ja-JP" sz="3600" b="0" i="1" smtClean="0">
+                          <a:latin typeface="Cambria Math" panose="02040503050406030204" pitchFamily="18" charset="0"/>
+                        </a:rPr>
+                        <m:t>=</m:t>
+                      </m:r>
+                      <m:sSub>
+                        <m:sSubPr>
+                          <m:ctrlPr>
+                            <a:rPr kumimoji="1" lang="en-US" altLang="ja-JP" sz="3600" b="0" i="1" smtClean="0">
+                              <a:latin typeface="Cambria Math" panose="02040503050406030204" pitchFamily="18" charset="0"/>
+                            </a:rPr>
+                          </m:ctrlPr>
+                        </m:sSubPr>
+                        <m:e>
+                          <m:d>
+                            <m:dPr>
+                              <m:begChr m:val="{"/>
+                              <m:endChr m:val="}"/>
+                              <m:ctrlPr>
+                                <a:rPr kumimoji="1" lang="en-US" altLang="ja-JP" sz="3600" b="0" i="1" smtClean="0">
+                                  <a:latin typeface="Cambria Math" panose="02040503050406030204" pitchFamily="18" charset="0"/>
+                                </a:rPr>
+                              </m:ctrlPr>
+                            </m:dPr>
+                            <m:e>
+                              <m:r>
+                                <a:rPr kumimoji="1" lang="en-US" altLang="ja-JP" sz="3600" b="0" i="1" smtClean="0">
+                                  <a:latin typeface="Cambria Math" panose="02040503050406030204" pitchFamily="18" charset="0"/>
+                                </a:rPr>
+                                <m:t>𝐴</m:t>
+                              </m:r>
+                              <m:r>
+                                <a:rPr kumimoji="1" lang="en-US" altLang="ja-JP" sz="3600" b="0" i="1" smtClean="0">
+                                  <a:latin typeface="Cambria Math" panose="02040503050406030204" pitchFamily="18" charset="0"/>
+                                </a:rPr>
+                                <m:t>,</m:t>
+                              </m:r>
+                              <m:r>
+                                <a:rPr kumimoji="1" lang="en-US" altLang="ja-JP" sz="3600" b="0" i="1" smtClean="0">
+                                  <a:latin typeface="Cambria Math" panose="02040503050406030204" pitchFamily="18" charset="0"/>
+                                </a:rPr>
+                                <m:t>𝐻</m:t>
+                              </m:r>
+                            </m:e>
+                          </m:d>
+                        </m:e>
+                        <m:sub>
+                          <m:r>
+                            <a:rPr kumimoji="1" lang="en-US" altLang="ja-JP" sz="3600" b="0" i="1" smtClean="0">
+                              <a:latin typeface="Cambria Math" panose="02040503050406030204" pitchFamily="18" charset="0"/>
+                            </a:rPr>
+                            <m:t>𝑞</m:t>
+                          </m:r>
+                          <m:r>
+                            <a:rPr kumimoji="1" lang="en-US" altLang="ja-JP" sz="3600" b="0" i="1" smtClean="0">
+                              <a:latin typeface="Cambria Math" panose="02040503050406030204" pitchFamily="18" charset="0"/>
+                            </a:rPr>
+                            <m:t>,</m:t>
+                          </m:r>
+                          <m:r>
+                            <a:rPr kumimoji="1" lang="en-US" altLang="ja-JP" sz="3600" b="0" i="1" smtClean="0">
+                              <a:latin typeface="Cambria Math" panose="02040503050406030204" pitchFamily="18" charset="0"/>
+                            </a:rPr>
+                            <m:t>𝑝</m:t>
+                          </m:r>
+                        </m:sub>
+                      </m:sSub>
+                    </m:oMath>
+                  </m:oMathPara>
+                </a14:m>
+                <a:endParaRPr kumimoji="1" lang="ja-JP" altLang="en-US" sz="3600"/>
+              </a:p>
+            </p:txBody>
+          </p:sp>
+        </mc:Choice>
+        <mc:Fallback>
+          <p:sp>
+            <p:nvSpPr>
+              <p:cNvPr id="3" name="テキスト ボックス 2">
+                <a:extLst>
+                  <a:ext uri="{FF2B5EF4-FFF2-40B4-BE49-F238E27FC236}">
+                    <a16:creationId xmlns:a16="http://schemas.microsoft.com/office/drawing/2014/main" id="{83102590-255A-18EA-7A22-F16903E5FC12}"/>
+                  </a:ext>
+                </a:extLst>
+              </p:cNvPr>
+              <p:cNvSpPr txBox="1">
+                <a:spLocks noRot="1" noChangeAspect="1" noMove="1" noResize="1" noEditPoints="1" noAdjustHandles="1" noChangeArrowheads="1" noChangeShapeType="1" noTextEdit="1"/>
+              </p:cNvSpPr>
+              <p:nvPr/>
+            </p:nvSpPr>
+            <p:spPr>
+              <a:xfrm>
+                <a:off x="1979712" y="2348880"/>
+                <a:ext cx="5040560" cy="1051826"/>
+              </a:xfrm>
+              <a:prstGeom prst="rect">
+                <a:avLst/>
+              </a:prstGeom>
+              <a:blipFill>
+                <a:blip r:embed="rId2"/>
+                <a:stretch>
+                  <a:fillRect/>
+                </a:stretch>
+              </a:blipFill>
+            </p:spPr>
+            <p:txBody>
+              <a:bodyPr/>
+              <a:lstStyle/>
+              <a:p>
+                <a:r>
+                  <a:rPr lang="ja-JP" altLang="en-US">
+                    <a:noFill/>
+                  </a:rPr>
+                  <a:t> </a:t>
+                </a:r>
+              </a:p>
+            </p:txBody>
+          </p:sp>
+        </mc:Fallback>
+      </mc:AlternateContent>
+      <p:sp>
+        <p:nvSpPr>
+          <p:cNvPr id="4" name="テキスト ボックス 3">
+            <a:extLst>
+              <a:ext uri="{FF2B5EF4-FFF2-40B4-BE49-F238E27FC236}">
+                <a16:creationId xmlns:a16="http://schemas.microsoft.com/office/drawing/2014/main" id="{9DCE8D56-1142-D7C4-EEE8-7E09EADC1562}"/>
+              </a:ext>
+            </a:extLst>
+          </p:cNvPr>
+          <p:cNvSpPr txBox="1"/>
+          <p:nvPr/>
+        </p:nvSpPr>
+        <p:spPr>
+          <a:xfrm>
+            <a:off x="467544" y="1196752"/>
+            <a:ext cx="7879080" cy="830997"/>
+          </a:xfrm>
+          <a:prstGeom prst="rect">
+            <a:avLst/>
+          </a:prstGeom>
+          <a:noFill/>
+        </p:spPr>
+        <p:txBody>
+          <a:bodyPr wrap="none" rtlCol="0">
+            <a:spAutoFit/>
+          </a:bodyPr>
+          <a:lstStyle/>
+          <a:p>
+            <a:r>
+              <a:rPr lang="ja-JP" altLang="en-US" sz="2400"/>
+              <a:t>ポアソン括弧を使うと、時間微分が以下のように書ける</a:t>
+            </a:r>
+            <a:endParaRPr lang="en-US" altLang="ja-JP" sz="2400"/>
+          </a:p>
+          <a:p>
+            <a:r>
+              <a:rPr kumimoji="1" lang="en-US" altLang="ja-JP" sz="2400"/>
+              <a:t>(</a:t>
+            </a:r>
+            <a:r>
+              <a:rPr kumimoji="1" lang="ja-JP" altLang="en-US" sz="2400"/>
+              <a:t>時間微分から定義を作ったから当然</a:t>
+            </a:r>
+            <a:r>
+              <a:rPr kumimoji="1" lang="en-US" altLang="ja-JP" sz="2400"/>
+              <a:t>)</a:t>
+            </a:r>
+            <a:endParaRPr kumimoji="1" lang="ja-JP" altLang="en-US" sz="2400"/>
+          </a:p>
+        </p:txBody>
+      </p:sp>
+    </p:spTree>
+    <p:extLst>
+      <p:ext uri="{BB962C8B-B14F-4D97-AF65-F5344CB8AC3E}">
+        <p14:creationId xmlns:p14="http://schemas.microsoft.com/office/powerpoint/2010/main" val="668624230"/>
       </p:ext>
     </p:extLst>
   </p:cSld>

--- a/poisson/fig/slide.pptx
+++ b/poisson/fig/slide.pptx
@@ -5,7 +5,7 @@
     <p:sldMasterId id="2147483663" r:id="rId1"/>
   </p:sldMasterIdLst>
   <p:notesMasterIdLst>
-    <p:notesMasterId r:id="rId7"/>
+    <p:notesMasterId r:id="rId10"/>
   </p:notesMasterIdLst>
   <p:sldIdLst>
     <p:sldId id="256" r:id="rId2"/>
@@ -13,6 +13,9 @@
     <p:sldId id="262" r:id="rId4"/>
     <p:sldId id="263" r:id="rId5"/>
     <p:sldId id="264" r:id="rId6"/>
+    <p:sldId id="265" r:id="rId7"/>
+    <p:sldId id="266" r:id="rId8"/>
+    <p:sldId id="267" r:id="rId9"/>
   </p:sldIdLst>
   <p:sldSz cx="9144000" cy="6858000" type="screen4x3"/>
   <p:notesSz cx="6858000" cy="9144000"/>
@@ -2078,8 +2081,8 @@
           </p:sp>
         </mc:Fallback>
       </mc:AlternateContent>
-      <mc:AlternateContent xmlns:mc="http://schemas.openxmlformats.org/markup-compatibility/2006">
-        <mc:Choice xmlns:a14="http://schemas.microsoft.com/office/drawing/2010/main" Requires="a14">
+      <mc:AlternateContent xmlns:mc="http://schemas.openxmlformats.org/markup-compatibility/2006" xmlns:a14="http://schemas.microsoft.com/office/drawing/2010/main">
+        <mc:Choice Requires="a14">
           <p:sp>
             <p:nvSpPr>
               <p:cNvPr id="5" name="テキスト ボックス 4">
@@ -2270,7 +2273,7 @@
             </p:txBody>
           </p:sp>
         </mc:Choice>
-        <mc:Fallback>
+        <mc:Fallback xmlns="">
           <p:sp>
             <p:nvSpPr>
               <p:cNvPr id="5" name="テキスト ボックス 4">
@@ -2315,8 +2318,8 @@
           </p:sp>
         </mc:Fallback>
       </mc:AlternateContent>
-      <mc:AlternateContent xmlns:mc="http://schemas.openxmlformats.org/markup-compatibility/2006">
-        <mc:Choice xmlns:a14="http://schemas.microsoft.com/office/drawing/2010/main" Requires="a14">
+      <mc:AlternateContent xmlns:mc="http://schemas.openxmlformats.org/markup-compatibility/2006" xmlns:a14="http://schemas.microsoft.com/office/drawing/2010/main">
+        <mc:Choice Requires="a14">
           <p:sp>
             <p:nvSpPr>
               <p:cNvPr id="6" name="テキスト ボックス 5">
@@ -2514,7 +2517,7 @@
             </p:txBody>
           </p:sp>
         </mc:Choice>
-        <mc:Fallback>
+        <mc:Fallback xmlns="">
           <p:sp>
             <p:nvSpPr>
               <p:cNvPr id="6" name="テキスト ボックス 5">
@@ -2594,8 +2597,8 @@
           </a:p>
         </p:txBody>
       </p:sp>
-      <mc:AlternateContent xmlns:mc="http://schemas.openxmlformats.org/markup-compatibility/2006">
-        <mc:Choice xmlns:a14="http://schemas.microsoft.com/office/drawing/2010/main" Requires="a14">
+      <mc:AlternateContent xmlns:mc="http://schemas.openxmlformats.org/markup-compatibility/2006" xmlns:a14="http://schemas.microsoft.com/office/drawing/2010/main">
+        <mc:Choice Requires="a14">
           <p:sp>
             <p:nvSpPr>
               <p:cNvPr id="3" name="テキスト ボックス 2">
@@ -2799,7 +2802,7 @@
             </p:txBody>
           </p:sp>
         </mc:Choice>
-        <mc:Fallback>
+        <mc:Fallback xmlns="">
           <p:sp>
             <p:nvSpPr>
               <p:cNvPr id="3" name="テキスト ボックス 2">
@@ -2995,8 +2998,8 @@
           </a:p>
         </p:txBody>
       </p:sp>
-      <mc:AlternateContent xmlns:mc="http://schemas.openxmlformats.org/markup-compatibility/2006">
-        <mc:Choice xmlns:a14="http://schemas.microsoft.com/office/drawing/2010/main" Requires="a14">
+      <mc:AlternateContent xmlns:mc="http://schemas.openxmlformats.org/markup-compatibility/2006" xmlns:a14="http://schemas.microsoft.com/office/drawing/2010/main">
+        <mc:Choice Requires="a14">
           <p:sp>
             <p:nvSpPr>
               <p:cNvPr id="11" name="テキスト ボックス 10">
@@ -3262,7 +3265,7 @@
             </p:txBody>
           </p:sp>
         </mc:Choice>
-        <mc:Fallback>
+        <mc:Fallback xmlns="">
           <p:sp>
             <p:nvSpPr>
               <p:cNvPr id="11" name="テキスト ボックス 10">
@@ -3410,8 +3413,8 @@
           </a:p>
         </p:txBody>
       </p:sp>
-      <mc:AlternateContent xmlns:mc="http://schemas.openxmlformats.org/markup-compatibility/2006">
-        <mc:Choice xmlns:a14="http://schemas.microsoft.com/office/drawing/2010/main" Requires="a14">
+      <mc:AlternateContent xmlns:mc="http://schemas.openxmlformats.org/markup-compatibility/2006" xmlns:a14="http://schemas.microsoft.com/office/drawing/2010/main">
+        <mc:Choice Requires="a14">
           <p:sp>
             <p:nvSpPr>
               <p:cNvPr id="3" name="テキスト ボックス 2">
@@ -3548,7 +3551,7 @@
             </p:txBody>
           </p:sp>
         </mc:Choice>
-        <mc:Fallback>
+        <mc:Fallback xmlns="">
           <p:sp>
             <p:nvSpPr>
               <p:cNvPr id="3" name="テキスト ボックス 2">
@@ -3644,10 +3647,3070 @@
           </a:p>
         </p:txBody>
       </p:sp>
+      <p:sp>
+        <p:nvSpPr>
+          <p:cNvPr id="5" name="テキスト ボックス 4">
+            <a:extLst>
+              <a:ext uri="{FF2B5EF4-FFF2-40B4-BE49-F238E27FC236}">
+                <a16:creationId xmlns:a16="http://schemas.microsoft.com/office/drawing/2014/main" id="{56333A44-C484-35AE-3932-1227DD4EC66E}"/>
+              </a:ext>
+            </a:extLst>
+          </p:cNvPr>
+          <p:cNvSpPr txBox="1"/>
+          <p:nvPr/>
+        </p:nvSpPr>
+        <p:spPr>
+          <a:xfrm>
+            <a:off x="395536" y="3789040"/>
+            <a:ext cx="4852610" cy="523220"/>
+          </a:xfrm>
+          <a:prstGeom prst="rect">
+            <a:avLst/>
+          </a:prstGeom>
+          <a:noFill/>
+        </p:spPr>
+        <p:txBody>
+          <a:bodyPr wrap="none" rtlCol="0">
+            <a:spAutoFit/>
+          </a:bodyPr>
+          <a:lstStyle/>
+          <a:p>
+            <a:r>
+              <a:rPr lang="ja-JP" altLang="en-US" sz="2800"/>
+              <a:t>なぜポアソン括弧を使うか？</a:t>
+            </a:r>
+            <a:endParaRPr kumimoji="1" lang="ja-JP" altLang="en-US" sz="2800"/>
+          </a:p>
+        </p:txBody>
+      </p:sp>
+      <p:sp>
+        <p:nvSpPr>
+          <p:cNvPr id="6" name="テキスト ボックス 5">
+            <a:extLst>
+              <a:ext uri="{FF2B5EF4-FFF2-40B4-BE49-F238E27FC236}">
+                <a16:creationId xmlns:a16="http://schemas.microsoft.com/office/drawing/2014/main" id="{0C0C1B63-927A-A0B1-585C-38900E6F304E}"/>
+              </a:ext>
+            </a:extLst>
+          </p:cNvPr>
+          <p:cNvSpPr txBox="1"/>
+          <p:nvPr/>
+        </p:nvSpPr>
+        <p:spPr>
+          <a:xfrm>
+            <a:off x="1087542" y="4509120"/>
+            <a:ext cx="4852610" cy="523220"/>
+          </a:xfrm>
+          <a:prstGeom prst="rect">
+            <a:avLst/>
+          </a:prstGeom>
+          <a:noFill/>
+        </p:spPr>
+        <p:txBody>
+          <a:bodyPr wrap="none" rtlCol="0">
+            <a:spAutoFit/>
+          </a:bodyPr>
+          <a:lstStyle/>
+          <a:p>
+            <a:r>
+              <a:rPr kumimoji="1" lang="ja-JP" altLang="en-US" sz="2800"/>
+              <a:t>これが正準変換で不変だから</a:t>
+            </a:r>
+          </a:p>
+        </p:txBody>
+      </p:sp>
     </p:spTree>
     <p:extLst>
       <p:ext uri="{BB962C8B-B14F-4D97-AF65-F5344CB8AC3E}">
         <p14:creationId xmlns:p14="http://schemas.microsoft.com/office/powerpoint/2010/main" val="668624230"/>
+      </p:ext>
+    </p:extLst>
+  </p:cSld>
+  <p:clrMapOvr>
+    <a:masterClrMapping/>
+  </p:clrMapOvr>
+</p:sld>
+</file>
+
+<file path=ppt/slides/slide6.xml><?xml version="1.0" encoding="utf-8"?>
+<p:sld xmlns:a="http://schemas.openxmlformats.org/drawingml/2006/main" xmlns:r="http://schemas.openxmlformats.org/officeDocument/2006/relationships" xmlns:p="http://schemas.openxmlformats.org/presentationml/2006/main">
+  <p:cSld>
+    <p:spTree>
+      <p:nvGrpSpPr>
+        <p:cNvPr id="1" name=""/>
+        <p:cNvGrpSpPr/>
+        <p:nvPr/>
+      </p:nvGrpSpPr>
+      <p:grpSpPr>
+        <a:xfrm>
+          <a:off x="0" y="0"/>
+          <a:ext cx="0" cy="0"/>
+          <a:chOff x="0" y="0"/>
+          <a:chExt cx="0" cy="0"/>
+        </a:xfrm>
+      </p:grpSpPr>
+      <p:sp>
+        <p:nvSpPr>
+          <p:cNvPr id="2" name="テキスト プレースホルダー 1">
+            <a:extLst>
+              <a:ext uri="{FF2B5EF4-FFF2-40B4-BE49-F238E27FC236}">
+                <a16:creationId xmlns:a16="http://schemas.microsoft.com/office/drawing/2014/main" id="{CCA5C0CD-D752-A43C-3FB0-EFE5DAE7C86C}"/>
+              </a:ext>
+            </a:extLst>
+          </p:cNvPr>
+          <p:cNvSpPr>
+            <a:spLocks noGrp="1"/>
+          </p:cNvSpPr>
+          <p:nvPr>
+            <p:ph type="body" sz="quarter" idx="10"/>
+          </p:nvPr>
+        </p:nvSpPr>
+        <p:spPr/>
+        <p:txBody>
+          <a:bodyPr/>
+          <a:lstStyle/>
+          <a:p>
+            <a:r>
+              <a:rPr lang="ja-JP" altLang="en-US"/>
+              <a:t>正準変換</a:t>
+            </a:r>
+            <a:endParaRPr kumimoji="1" lang="ja-JP" altLang="en-US"/>
+          </a:p>
+        </p:txBody>
+      </p:sp>
+      <p:sp>
+        <p:nvSpPr>
+          <p:cNvPr id="3" name="テキスト ボックス 2">
+            <a:extLst>
+              <a:ext uri="{FF2B5EF4-FFF2-40B4-BE49-F238E27FC236}">
+                <a16:creationId xmlns:a16="http://schemas.microsoft.com/office/drawing/2014/main" id="{98AEA457-EEDF-8811-95E7-255C0CDED81C}"/>
+              </a:ext>
+            </a:extLst>
+          </p:cNvPr>
+          <p:cNvSpPr txBox="1"/>
+          <p:nvPr/>
+        </p:nvSpPr>
+        <p:spPr>
+          <a:xfrm>
+            <a:off x="179512" y="1052736"/>
+            <a:ext cx="4134465" cy="523220"/>
+          </a:xfrm>
+          <a:prstGeom prst="rect">
+            <a:avLst/>
+          </a:prstGeom>
+          <a:noFill/>
+        </p:spPr>
+        <p:txBody>
+          <a:bodyPr wrap="none" rtlCol="0">
+            <a:spAutoFit/>
+          </a:bodyPr>
+          <a:lstStyle/>
+          <a:p>
+            <a:r>
+              <a:rPr lang="ja-JP" altLang="en-US" sz="2800"/>
+              <a:t>以下の変数変換を考える</a:t>
+            </a:r>
+            <a:endParaRPr kumimoji="1" lang="ja-JP" altLang="en-US" sz="2800"/>
+          </a:p>
+        </p:txBody>
+      </p:sp>
+      <mc:AlternateContent xmlns:mc="http://schemas.openxmlformats.org/markup-compatibility/2006">
+        <mc:Choice xmlns:a14="http://schemas.microsoft.com/office/drawing/2010/main" Requires="a14">
+          <p:sp>
+            <p:nvSpPr>
+              <p:cNvPr id="4" name="テキスト ボックス 3">
+                <a:extLst>
+                  <a:ext uri="{FF2B5EF4-FFF2-40B4-BE49-F238E27FC236}">
+                    <a16:creationId xmlns:a16="http://schemas.microsoft.com/office/drawing/2014/main" id="{0A11C9FE-364E-64C5-6442-D169A1FDCD81}"/>
+                  </a:ext>
+                </a:extLst>
+              </p:cNvPr>
+              <p:cNvSpPr txBox="1"/>
+              <p:nvPr/>
+            </p:nvSpPr>
+            <p:spPr>
+              <a:xfrm>
+                <a:off x="899592" y="1844824"/>
+                <a:ext cx="2392258" cy="1098506"/>
+              </a:xfrm>
+              <a:prstGeom prst="rect">
+                <a:avLst/>
+              </a:prstGeom>
+              <a:noFill/>
+            </p:spPr>
+            <p:txBody>
+              <a:bodyPr wrap="none" lIns="0" tIns="0" rIns="0" bIns="0" rtlCol="0">
+                <a:spAutoFit/>
+              </a:bodyPr>
+              <a:lstStyle/>
+              <a:p>
+                <a14:m>
+                  <m:oMathPara xmlns:m="http://schemas.openxmlformats.org/officeDocument/2006/math">
+                    <m:oMathParaPr>
+                      <m:jc m:val="centerGroup"/>
+                    </m:oMathParaPr>
+                    <m:oMath xmlns:m="http://schemas.openxmlformats.org/officeDocument/2006/math">
+                      <m:d>
+                        <m:dPr>
+                          <m:begChr m:val="{"/>
+                          <m:endChr m:val=""/>
+                          <m:ctrlPr>
+                            <a:rPr kumimoji="1" lang="en-US" altLang="ja-JP" sz="3200" i="1" smtClean="0">
+                              <a:latin typeface="Cambria Math" panose="02040503050406030204" pitchFamily="18" charset="0"/>
+                            </a:rPr>
+                          </m:ctrlPr>
+                        </m:dPr>
+                        <m:e>
+                          <m:eqArr>
+                            <m:eqArrPr>
+                              <m:ctrlPr>
+                                <a:rPr kumimoji="1" lang="en-US" altLang="ja-JP" sz="3200" i="1" smtClean="0">
+                                  <a:latin typeface="Cambria Math" panose="02040503050406030204" pitchFamily="18" charset="0"/>
+                                </a:rPr>
+                              </m:ctrlPr>
+                            </m:eqArrPr>
+                            <m:e>
+                              <m:r>
+                                <a:rPr kumimoji="1" lang="en-US" altLang="ja-JP" sz="3200" b="0" i="1" smtClean="0">
+                                  <a:latin typeface="Cambria Math" panose="02040503050406030204" pitchFamily="18" charset="0"/>
+                                </a:rPr>
+                                <m:t>𝑄</m:t>
+                              </m:r>
+                              <m:r>
+                                <a:rPr kumimoji="1" lang="en-US" altLang="ja-JP" sz="3200" b="0" i="1" smtClean="0">
+                                  <a:latin typeface="Cambria Math" panose="02040503050406030204" pitchFamily="18" charset="0"/>
+                                </a:rPr>
+                                <m:t>=</m:t>
+                              </m:r>
+                              <m:r>
+                                <a:rPr kumimoji="1" lang="en-US" altLang="ja-JP" sz="3200" b="0" i="1" smtClean="0">
+                                  <a:latin typeface="Cambria Math" panose="02040503050406030204" pitchFamily="18" charset="0"/>
+                                </a:rPr>
+                                <m:t>𝑄</m:t>
+                              </m:r>
+                              <m:r>
+                                <a:rPr kumimoji="1" lang="en-US" altLang="ja-JP" sz="3200" b="0" i="1" smtClean="0">
+                                  <a:latin typeface="Cambria Math" panose="02040503050406030204" pitchFamily="18" charset="0"/>
+                                </a:rPr>
+                                <m:t>(</m:t>
+                              </m:r>
+                              <m:r>
+                                <a:rPr kumimoji="1" lang="en-US" altLang="ja-JP" sz="3200" b="0" i="1" smtClean="0">
+                                  <a:latin typeface="Cambria Math" panose="02040503050406030204" pitchFamily="18" charset="0"/>
+                                </a:rPr>
+                                <m:t>𝑞</m:t>
+                              </m:r>
+                              <m:r>
+                                <a:rPr kumimoji="1" lang="en-US" altLang="ja-JP" sz="3200" b="0" i="1" smtClean="0">
+                                  <a:latin typeface="Cambria Math" panose="02040503050406030204" pitchFamily="18" charset="0"/>
+                                </a:rPr>
+                                <m:t>,</m:t>
+                              </m:r>
+                              <m:r>
+                                <a:rPr kumimoji="1" lang="en-US" altLang="ja-JP" sz="3200" b="0" i="1" smtClean="0">
+                                  <a:latin typeface="Cambria Math" panose="02040503050406030204" pitchFamily="18" charset="0"/>
+                                </a:rPr>
+                                <m:t>𝑝</m:t>
+                              </m:r>
+                              <m:r>
+                                <a:rPr kumimoji="1" lang="en-US" altLang="ja-JP" sz="3200" b="0" i="1" smtClean="0">
+                                  <a:latin typeface="Cambria Math" panose="02040503050406030204" pitchFamily="18" charset="0"/>
+                                </a:rPr>
+                                <m:t>)</m:t>
+                              </m:r>
+                            </m:e>
+                            <m:e>
+                              <m:r>
+                                <a:rPr kumimoji="1" lang="en-US" altLang="ja-JP" sz="3200" b="0" i="1" smtClean="0">
+                                  <a:latin typeface="Cambria Math" panose="02040503050406030204" pitchFamily="18" charset="0"/>
+                                </a:rPr>
+                                <m:t>𝑃</m:t>
+                              </m:r>
+                              <m:r>
+                                <a:rPr kumimoji="1" lang="en-US" altLang="ja-JP" sz="3200" b="0" i="1" smtClean="0">
+                                  <a:latin typeface="Cambria Math" panose="02040503050406030204" pitchFamily="18" charset="0"/>
+                                </a:rPr>
+                                <m:t>=</m:t>
+                              </m:r>
+                              <m:r>
+                                <a:rPr kumimoji="1" lang="en-US" altLang="ja-JP" sz="3200" b="0" i="1" smtClean="0">
+                                  <a:latin typeface="Cambria Math" panose="02040503050406030204" pitchFamily="18" charset="0"/>
+                                </a:rPr>
+                                <m:t>𝑃</m:t>
+                              </m:r>
+                              <m:r>
+                                <a:rPr kumimoji="1" lang="en-US" altLang="ja-JP" sz="3200" b="0" i="1" smtClean="0">
+                                  <a:latin typeface="Cambria Math" panose="02040503050406030204" pitchFamily="18" charset="0"/>
+                                </a:rPr>
+                                <m:t>(</m:t>
+                              </m:r>
+                              <m:r>
+                                <a:rPr kumimoji="1" lang="en-US" altLang="ja-JP" sz="3200" b="0" i="1" smtClean="0">
+                                  <a:latin typeface="Cambria Math" panose="02040503050406030204" pitchFamily="18" charset="0"/>
+                                </a:rPr>
+                                <m:t>𝑞</m:t>
+                              </m:r>
+                              <m:r>
+                                <a:rPr kumimoji="1" lang="en-US" altLang="ja-JP" sz="3200" b="0" i="1" smtClean="0">
+                                  <a:latin typeface="Cambria Math" panose="02040503050406030204" pitchFamily="18" charset="0"/>
+                                </a:rPr>
+                                <m:t>,</m:t>
+                              </m:r>
+                              <m:r>
+                                <a:rPr kumimoji="1" lang="en-US" altLang="ja-JP" sz="3200" b="0" i="1" smtClean="0">
+                                  <a:latin typeface="Cambria Math" panose="02040503050406030204" pitchFamily="18" charset="0"/>
+                                </a:rPr>
+                                <m:t>𝑝</m:t>
+                              </m:r>
+                              <m:r>
+                                <a:rPr kumimoji="1" lang="en-US" altLang="ja-JP" sz="3200" b="0" i="1" smtClean="0">
+                                  <a:latin typeface="Cambria Math" panose="02040503050406030204" pitchFamily="18" charset="0"/>
+                                </a:rPr>
+                                <m:t>)</m:t>
+                              </m:r>
+                            </m:e>
+                          </m:eqArr>
+                        </m:e>
+                      </m:d>
+                    </m:oMath>
+                  </m:oMathPara>
+                </a14:m>
+                <a:endParaRPr kumimoji="1" lang="ja-JP" altLang="en-US" sz="3200"/>
+              </a:p>
+            </p:txBody>
+          </p:sp>
+        </mc:Choice>
+        <mc:Fallback>
+          <p:sp>
+            <p:nvSpPr>
+              <p:cNvPr id="4" name="テキスト ボックス 3">
+                <a:extLst>
+                  <a:ext uri="{FF2B5EF4-FFF2-40B4-BE49-F238E27FC236}">
+                    <a16:creationId xmlns:a16="http://schemas.microsoft.com/office/drawing/2014/main" id="{0A11C9FE-364E-64C5-6442-D169A1FDCD81}"/>
+                  </a:ext>
+                </a:extLst>
+              </p:cNvPr>
+              <p:cNvSpPr txBox="1">
+                <a:spLocks noRot="1" noChangeAspect="1" noMove="1" noResize="1" noEditPoints="1" noAdjustHandles="1" noChangeArrowheads="1" noChangeShapeType="1" noTextEdit="1"/>
+              </p:cNvSpPr>
+              <p:nvPr/>
+            </p:nvSpPr>
+            <p:spPr>
+              <a:xfrm>
+                <a:off x="899592" y="1844824"/>
+                <a:ext cx="2392258" cy="1098506"/>
+              </a:xfrm>
+              <a:prstGeom prst="rect">
+                <a:avLst/>
+              </a:prstGeom>
+              <a:blipFill>
+                <a:blip r:embed="rId2"/>
+                <a:stretch>
+                  <a:fillRect/>
+                </a:stretch>
+              </a:blipFill>
+            </p:spPr>
+            <p:txBody>
+              <a:bodyPr/>
+              <a:lstStyle/>
+              <a:p>
+                <a:r>
+                  <a:rPr lang="ja-JP" altLang="en-US">
+                    <a:noFill/>
+                  </a:rPr>
+                  <a:t> </a:t>
+                </a:r>
+              </a:p>
+            </p:txBody>
+          </p:sp>
+        </mc:Fallback>
+      </mc:AlternateContent>
+      <p:sp>
+        <p:nvSpPr>
+          <p:cNvPr id="5" name="テキスト ボックス 4">
+            <a:extLst>
+              <a:ext uri="{FF2B5EF4-FFF2-40B4-BE49-F238E27FC236}">
+                <a16:creationId xmlns:a16="http://schemas.microsoft.com/office/drawing/2014/main" id="{99F775BD-A7DF-CC76-38E4-6690DAE17E19}"/>
+              </a:ext>
+            </a:extLst>
+          </p:cNvPr>
+          <p:cNvSpPr txBox="1"/>
+          <p:nvPr/>
+        </p:nvSpPr>
+        <p:spPr>
+          <a:xfrm>
+            <a:off x="179512" y="3140968"/>
+            <a:ext cx="8802410" cy="954107"/>
+          </a:xfrm>
+          <a:prstGeom prst="rect">
+            <a:avLst/>
+          </a:prstGeom>
+          <a:noFill/>
+        </p:spPr>
+        <p:txBody>
+          <a:bodyPr wrap="none" rtlCol="0">
+            <a:spAutoFit/>
+          </a:bodyPr>
+          <a:lstStyle/>
+          <a:p>
+            <a:r>
+              <a:rPr lang="ja-JP" altLang="en-US" sz="2800"/>
+              <a:t>この変換が正準方程式の形を変えない時、正準変換と</a:t>
+            </a:r>
+            <a:endParaRPr lang="en-US" altLang="ja-JP" sz="2800"/>
+          </a:p>
+          <a:p>
+            <a:r>
+              <a:rPr lang="ja-JP" altLang="en-US" sz="2800"/>
+              <a:t>呼ぶ</a:t>
+            </a:r>
+            <a:endParaRPr lang="en-US" altLang="ja-JP" sz="2800"/>
+          </a:p>
+        </p:txBody>
+      </p:sp>
+      <mc:AlternateContent xmlns:mc="http://schemas.openxmlformats.org/markup-compatibility/2006">
+        <mc:Choice xmlns:a14="http://schemas.microsoft.com/office/drawing/2010/main" Requires="a14">
+          <p:sp>
+            <p:nvSpPr>
+              <p:cNvPr id="6" name="テキスト ボックス 5">
+                <a:extLst>
+                  <a:ext uri="{FF2B5EF4-FFF2-40B4-BE49-F238E27FC236}">
+                    <a16:creationId xmlns:a16="http://schemas.microsoft.com/office/drawing/2014/main" id="{25D6E24F-C202-C776-8259-117661093B8D}"/>
+                  </a:ext>
+                </a:extLst>
+              </p:cNvPr>
+              <p:cNvSpPr txBox="1"/>
+              <p:nvPr/>
+            </p:nvSpPr>
+            <p:spPr>
+              <a:xfrm>
+                <a:off x="1403648" y="4293096"/>
+                <a:ext cx="1816908" cy="1942455"/>
+              </a:xfrm>
+              <a:prstGeom prst="rect">
+                <a:avLst/>
+              </a:prstGeom>
+              <a:noFill/>
+            </p:spPr>
+            <p:txBody>
+              <a:bodyPr wrap="none" lIns="0" tIns="0" rIns="0" bIns="0" rtlCol="0">
+                <a:spAutoFit/>
+              </a:bodyPr>
+              <a:lstStyle/>
+              <a:p>
+                <a:pPr/>
+                <a14:m>
+                  <m:oMathPara xmlns:m="http://schemas.openxmlformats.org/officeDocument/2006/math">
+                    <m:oMathParaPr>
+                      <m:jc m:val="centerGroup"/>
+                    </m:oMathParaPr>
+                    <m:oMath xmlns:m="http://schemas.openxmlformats.org/officeDocument/2006/math">
+                      <m:d>
+                        <m:dPr>
+                          <m:begChr m:val="{"/>
+                          <m:endChr m:val=""/>
+                          <m:ctrlPr>
+                            <a:rPr kumimoji="1" lang="en-US" altLang="ja-JP" sz="2800" b="0" i="1" smtClean="0">
+                              <a:latin typeface="Cambria Math" panose="02040503050406030204" pitchFamily="18" charset="0"/>
+                            </a:rPr>
+                          </m:ctrlPr>
+                        </m:dPr>
+                        <m:e>
+                          <m:eqArr>
+                            <m:eqArrPr>
+                              <m:ctrlPr>
+                                <a:rPr kumimoji="1" lang="en-US" altLang="ja-JP" sz="2800" b="0" i="1" smtClean="0">
+                                  <a:latin typeface="Cambria Math" panose="02040503050406030204" pitchFamily="18" charset="0"/>
+                                </a:rPr>
+                              </m:ctrlPr>
+                            </m:eqArrPr>
+                            <m:e>
+                              <m:acc>
+                                <m:accPr>
+                                  <m:chr m:val="̇"/>
+                                  <m:ctrlPr>
+                                    <a:rPr lang="en-US" altLang="ja-JP" sz="2800" i="1">
+                                      <a:latin typeface="Cambria Math" panose="02040503050406030204" pitchFamily="18" charset="0"/>
+                                    </a:rPr>
+                                  </m:ctrlPr>
+                                </m:accPr>
+                                <m:e>
+                                  <m:r>
+                                    <a:rPr lang="en-US" altLang="ja-JP" sz="2800" i="1">
+                                      <a:latin typeface="Cambria Math" panose="02040503050406030204" pitchFamily="18" charset="0"/>
+                                    </a:rPr>
+                                    <m:t>𝑞</m:t>
+                                  </m:r>
+                                </m:e>
+                              </m:acc>
+                              <m:r>
+                                <a:rPr lang="en-US" altLang="ja-JP" sz="2800" i="1">
+                                  <a:latin typeface="Cambria Math" panose="02040503050406030204" pitchFamily="18" charset="0"/>
+                                </a:rPr>
+                                <m:t>=</m:t>
+                              </m:r>
+                              <m:f>
+                                <m:fPr>
+                                  <m:ctrlPr>
+                                    <a:rPr lang="en-US" altLang="ja-JP" sz="2800" i="1">
+                                      <a:latin typeface="Cambria Math" panose="02040503050406030204" pitchFamily="18" charset="0"/>
+                                    </a:rPr>
+                                  </m:ctrlPr>
+                                </m:fPr>
+                                <m:num>
+                                  <m:r>
+                                    <a:rPr lang="en-US" altLang="ja-JP" sz="2800" i="1">
+                                      <a:latin typeface="Cambria Math" panose="02040503050406030204" pitchFamily="18" charset="0"/>
+                                    </a:rPr>
+                                    <m:t>𝜕</m:t>
+                                  </m:r>
+                                  <m:r>
+                                    <a:rPr lang="en-US" altLang="ja-JP" sz="2800" i="1">
+                                      <a:latin typeface="Cambria Math" panose="02040503050406030204" pitchFamily="18" charset="0"/>
+                                    </a:rPr>
+                                    <m:t>𝐻</m:t>
+                                  </m:r>
+                                </m:num>
+                                <m:den>
+                                  <m:r>
+                                    <a:rPr lang="en-US" altLang="ja-JP" sz="2800" i="1">
+                                      <a:latin typeface="Cambria Math" panose="02040503050406030204" pitchFamily="18" charset="0"/>
+                                    </a:rPr>
+                                    <m:t>𝜕</m:t>
+                                  </m:r>
+                                  <m:r>
+                                    <a:rPr lang="en-US" altLang="ja-JP" sz="2800" i="1">
+                                      <a:latin typeface="Cambria Math" panose="02040503050406030204" pitchFamily="18" charset="0"/>
+                                    </a:rPr>
+                                    <m:t>𝑝</m:t>
+                                  </m:r>
+                                </m:den>
+                              </m:f>
+                            </m:e>
+                            <m:e>
+                              <m:acc>
+                                <m:accPr>
+                                  <m:chr m:val="̇"/>
+                                  <m:ctrlPr>
+                                    <a:rPr lang="en-US" altLang="ja-JP" sz="2800" i="1">
+                                      <a:latin typeface="Cambria Math" panose="02040503050406030204" pitchFamily="18" charset="0"/>
+                                    </a:rPr>
+                                  </m:ctrlPr>
+                                </m:accPr>
+                                <m:e>
+                                  <m:r>
+                                    <a:rPr lang="en-US" altLang="ja-JP" sz="2800" b="0" i="1" smtClean="0">
+                                      <a:latin typeface="Cambria Math" panose="02040503050406030204" pitchFamily="18" charset="0"/>
+                                    </a:rPr>
+                                    <m:t>𝑝</m:t>
+                                  </m:r>
+                                </m:e>
+                              </m:acc>
+                              <m:r>
+                                <a:rPr lang="en-US" altLang="ja-JP" sz="2800" i="1">
+                                  <a:latin typeface="Cambria Math" panose="02040503050406030204" pitchFamily="18" charset="0"/>
+                                </a:rPr>
+                                <m:t>=</m:t>
+                              </m:r>
+                              <m:r>
+                                <a:rPr lang="en-US" altLang="ja-JP" sz="2800" b="0" i="1" smtClean="0">
+                                  <a:latin typeface="Cambria Math" panose="02040503050406030204" pitchFamily="18" charset="0"/>
+                                </a:rPr>
+                                <m:t>−</m:t>
+                              </m:r>
+                              <m:f>
+                                <m:fPr>
+                                  <m:ctrlPr>
+                                    <a:rPr lang="en-US" altLang="ja-JP" sz="2800" i="1">
+                                      <a:latin typeface="Cambria Math" panose="02040503050406030204" pitchFamily="18" charset="0"/>
+                                    </a:rPr>
+                                  </m:ctrlPr>
+                                </m:fPr>
+                                <m:num>
+                                  <m:r>
+                                    <a:rPr lang="en-US" altLang="ja-JP" sz="2800" i="1">
+                                      <a:latin typeface="Cambria Math" panose="02040503050406030204" pitchFamily="18" charset="0"/>
+                                    </a:rPr>
+                                    <m:t>𝜕</m:t>
+                                  </m:r>
+                                  <m:r>
+                                    <a:rPr lang="en-US" altLang="ja-JP" sz="2800" i="1">
+                                      <a:latin typeface="Cambria Math" panose="02040503050406030204" pitchFamily="18" charset="0"/>
+                                    </a:rPr>
+                                    <m:t>𝐻</m:t>
+                                  </m:r>
+                                </m:num>
+                                <m:den>
+                                  <m:r>
+                                    <a:rPr lang="en-US" altLang="ja-JP" sz="2800" i="1">
+                                      <a:latin typeface="Cambria Math" panose="02040503050406030204" pitchFamily="18" charset="0"/>
+                                    </a:rPr>
+                                    <m:t>𝜕</m:t>
+                                  </m:r>
+                                  <m:r>
+                                    <a:rPr lang="en-US" altLang="ja-JP" sz="2800" b="0" i="1" smtClean="0">
+                                      <a:latin typeface="Cambria Math" panose="02040503050406030204" pitchFamily="18" charset="0"/>
+                                    </a:rPr>
+                                    <m:t>𝑞</m:t>
+                                  </m:r>
+                                </m:den>
+                              </m:f>
+                            </m:e>
+                          </m:eqArr>
+                        </m:e>
+                      </m:d>
+                    </m:oMath>
+                  </m:oMathPara>
+                </a14:m>
+                <a:endParaRPr kumimoji="1" lang="ja-JP" altLang="en-US" sz="2800"/>
+              </a:p>
+            </p:txBody>
+          </p:sp>
+        </mc:Choice>
+        <mc:Fallback>
+          <p:sp>
+            <p:nvSpPr>
+              <p:cNvPr id="6" name="テキスト ボックス 5">
+                <a:extLst>
+                  <a:ext uri="{FF2B5EF4-FFF2-40B4-BE49-F238E27FC236}">
+                    <a16:creationId xmlns:a16="http://schemas.microsoft.com/office/drawing/2014/main" id="{25D6E24F-C202-C776-8259-117661093B8D}"/>
+                  </a:ext>
+                </a:extLst>
+              </p:cNvPr>
+              <p:cNvSpPr txBox="1">
+                <a:spLocks noRot="1" noChangeAspect="1" noMove="1" noResize="1" noEditPoints="1" noAdjustHandles="1" noChangeArrowheads="1" noChangeShapeType="1" noTextEdit="1"/>
+              </p:cNvSpPr>
+              <p:nvPr/>
+            </p:nvSpPr>
+            <p:spPr>
+              <a:xfrm>
+                <a:off x="1403648" y="4293096"/>
+                <a:ext cx="1816908" cy="1942455"/>
+              </a:xfrm>
+              <a:prstGeom prst="rect">
+                <a:avLst/>
+              </a:prstGeom>
+              <a:blipFill>
+                <a:blip r:embed="rId3"/>
+                <a:stretch>
+                  <a:fillRect/>
+                </a:stretch>
+              </a:blipFill>
+            </p:spPr>
+            <p:txBody>
+              <a:bodyPr/>
+              <a:lstStyle/>
+              <a:p>
+                <a:r>
+                  <a:rPr lang="ja-JP" altLang="en-US">
+                    <a:noFill/>
+                  </a:rPr>
+                  <a:t> </a:t>
+                </a:r>
+              </a:p>
+            </p:txBody>
+          </p:sp>
+        </mc:Fallback>
+      </mc:AlternateContent>
+      <mc:AlternateContent xmlns:mc="http://schemas.openxmlformats.org/markup-compatibility/2006">
+        <mc:Choice xmlns:a14="http://schemas.microsoft.com/office/drawing/2010/main" Requires="a14">
+          <p:sp>
+            <p:nvSpPr>
+              <p:cNvPr id="7" name="テキスト ボックス 6">
+                <a:extLst>
+                  <a:ext uri="{FF2B5EF4-FFF2-40B4-BE49-F238E27FC236}">
+                    <a16:creationId xmlns:a16="http://schemas.microsoft.com/office/drawing/2014/main" id="{56E12C57-3B9C-1A55-D815-C5CC0DB98F0E}"/>
+                  </a:ext>
+                </a:extLst>
+              </p:cNvPr>
+              <p:cNvSpPr txBox="1"/>
+              <p:nvPr/>
+            </p:nvSpPr>
+            <p:spPr>
+              <a:xfrm>
+                <a:off x="5076056" y="4365104"/>
+                <a:ext cx="1843773" cy="1942455"/>
+              </a:xfrm>
+              <a:prstGeom prst="rect">
+                <a:avLst/>
+              </a:prstGeom>
+              <a:noFill/>
+            </p:spPr>
+            <p:txBody>
+              <a:bodyPr wrap="none" lIns="0" tIns="0" rIns="0" bIns="0" rtlCol="0">
+                <a:spAutoFit/>
+              </a:bodyPr>
+              <a:lstStyle/>
+              <a:p>
+                <a:pPr/>
+                <a14:m>
+                  <m:oMathPara xmlns:m="http://schemas.openxmlformats.org/officeDocument/2006/math">
+                    <m:oMathParaPr>
+                      <m:jc m:val="centerGroup"/>
+                    </m:oMathParaPr>
+                    <m:oMath xmlns:m="http://schemas.openxmlformats.org/officeDocument/2006/math">
+                      <m:d>
+                        <m:dPr>
+                          <m:begChr m:val="{"/>
+                          <m:endChr m:val=""/>
+                          <m:ctrlPr>
+                            <a:rPr kumimoji="1" lang="en-US" altLang="ja-JP" sz="2800" b="0" i="1" smtClean="0">
+                              <a:latin typeface="Cambria Math" panose="02040503050406030204" pitchFamily="18" charset="0"/>
+                            </a:rPr>
+                          </m:ctrlPr>
+                        </m:dPr>
+                        <m:e>
+                          <m:eqArr>
+                            <m:eqArrPr>
+                              <m:ctrlPr>
+                                <a:rPr kumimoji="1" lang="en-US" altLang="ja-JP" sz="2800" b="0" i="1" smtClean="0">
+                                  <a:latin typeface="Cambria Math" panose="02040503050406030204" pitchFamily="18" charset="0"/>
+                                </a:rPr>
+                              </m:ctrlPr>
+                            </m:eqArrPr>
+                            <m:e>
+                              <m:acc>
+                                <m:accPr>
+                                  <m:chr m:val="̇"/>
+                                  <m:ctrlPr>
+                                    <a:rPr lang="en-US" altLang="ja-JP" sz="2800" i="1">
+                                      <a:latin typeface="Cambria Math" panose="02040503050406030204" pitchFamily="18" charset="0"/>
+                                    </a:rPr>
+                                  </m:ctrlPr>
+                                </m:accPr>
+                                <m:e>
+                                  <m:r>
+                                    <m:rPr>
+                                      <m:sty m:val="p"/>
+                                    </m:rPr>
+                                    <a:rPr lang="en-US" altLang="ja-JP" sz="2800" i="1">
+                                      <a:latin typeface="Cambria Math" panose="02040503050406030204" pitchFamily="18" charset="0"/>
+                                    </a:rPr>
+                                    <m:t>Q</m:t>
+                                  </m:r>
+                                </m:e>
+                              </m:acc>
+                              <m:r>
+                                <a:rPr lang="en-US" altLang="ja-JP" sz="2800" i="1">
+                                  <a:latin typeface="Cambria Math" panose="02040503050406030204" pitchFamily="18" charset="0"/>
+                                </a:rPr>
+                                <m:t>=</m:t>
+                              </m:r>
+                              <m:f>
+                                <m:fPr>
+                                  <m:ctrlPr>
+                                    <a:rPr lang="en-US" altLang="ja-JP" sz="2800" i="1">
+                                      <a:latin typeface="Cambria Math" panose="02040503050406030204" pitchFamily="18" charset="0"/>
+                                    </a:rPr>
+                                  </m:ctrlPr>
+                                </m:fPr>
+                                <m:num>
+                                  <m:r>
+                                    <a:rPr lang="en-US" altLang="ja-JP" sz="2800" i="1">
+                                      <a:latin typeface="Cambria Math" panose="02040503050406030204" pitchFamily="18" charset="0"/>
+                                    </a:rPr>
+                                    <m:t>𝜕</m:t>
+                                  </m:r>
+                                  <m:r>
+                                    <a:rPr lang="en-US" altLang="ja-JP" sz="2800" i="1">
+                                      <a:latin typeface="Cambria Math" panose="02040503050406030204" pitchFamily="18" charset="0"/>
+                                    </a:rPr>
+                                    <m:t>𝐻</m:t>
+                                  </m:r>
+                                </m:num>
+                                <m:den>
+                                  <m:r>
+                                    <a:rPr lang="en-US" altLang="ja-JP" sz="2800" i="1">
+                                      <a:latin typeface="Cambria Math" panose="02040503050406030204" pitchFamily="18" charset="0"/>
+                                    </a:rPr>
+                                    <m:t>𝜕</m:t>
+                                  </m:r>
+                                  <m:r>
+                                    <a:rPr lang="en-US" altLang="ja-JP" sz="2800" b="0" i="1" smtClean="0">
+                                      <a:latin typeface="Cambria Math" panose="02040503050406030204" pitchFamily="18" charset="0"/>
+                                    </a:rPr>
+                                    <m:t>𝑃</m:t>
+                                  </m:r>
+                                </m:den>
+                              </m:f>
+                            </m:e>
+                            <m:e>
+                              <m:acc>
+                                <m:accPr>
+                                  <m:chr m:val="̇"/>
+                                  <m:ctrlPr>
+                                    <a:rPr lang="en-US" altLang="ja-JP" sz="2800" i="1">
+                                      <a:latin typeface="Cambria Math" panose="02040503050406030204" pitchFamily="18" charset="0"/>
+                                    </a:rPr>
+                                  </m:ctrlPr>
+                                </m:accPr>
+                                <m:e>
+                                  <m:r>
+                                    <a:rPr lang="en-US" altLang="ja-JP" sz="2800" b="0" i="1" smtClean="0">
+                                      <a:latin typeface="Cambria Math" panose="02040503050406030204" pitchFamily="18" charset="0"/>
+                                    </a:rPr>
+                                    <m:t>𝑃</m:t>
+                                  </m:r>
+                                </m:e>
+                              </m:acc>
+                              <m:r>
+                                <a:rPr lang="en-US" altLang="ja-JP" sz="2800" i="1">
+                                  <a:latin typeface="Cambria Math" panose="02040503050406030204" pitchFamily="18" charset="0"/>
+                                </a:rPr>
+                                <m:t>=</m:t>
+                              </m:r>
+                              <m:r>
+                                <a:rPr lang="en-US" altLang="ja-JP" sz="2800" b="0" i="1" smtClean="0">
+                                  <a:latin typeface="Cambria Math" panose="02040503050406030204" pitchFamily="18" charset="0"/>
+                                </a:rPr>
+                                <m:t>−</m:t>
+                              </m:r>
+                              <m:f>
+                                <m:fPr>
+                                  <m:ctrlPr>
+                                    <a:rPr lang="en-US" altLang="ja-JP" sz="2800" i="1">
+                                      <a:latin typeface="Cambria Math" panose="02040503050406030204" pitchFamily="18" charset="0"/>
+                                    </a:rPr>
+                                  </m:ctrlPr>
+                                </m:fPr>
+                                <m:num>
+                                  <m:r>
+                                    <a:rPr lang="en-US" altLang="ja-JP" sz="2800" i="1">
+                                      <a:latin typeface="Cambria Math" panose="02040503050406030204" pitchFamily="18" charset="0"/>
+                                    </a:rPr>
+                                    <m:t>𝜕</m:t>
+                                  </m:r>
+                                  <m:r>
+                                    <a:rPr lang="en-US" altLang="ja-JP" sz="2800" i="1">
+                                      <a:latin typeface="Cambria Math" panose="02040503050406030204" pitchFamily="18" charset="0"/>
+                                    </a:rPr>
+                                    <m:t>𝐻</m:t>
+                                  </m:r>
+                                </m:num>
+                                <m:den>
+                                  <m:r>
+                                    <a:rPr lang="en-US" altLang="ja-JP" sz="2800" i="1">
+                                      <a:latin typeface="Cambria Math" panose="02040503050406030204" pitchFamily="18" charset="0"/>
+                                    </a:rPr>
+                                    <m:t>𝜕</m:t>
+                                  </m:r>
+                                  <m:r>
+                                    <a:rPr lang="en-US" altLang="ja-JP" sz="2800" b="0" i="1" smtClean="0">
+                                      <a:latin typeface="Cambria Math" panose="02040503050406030204" pitchFamily="18" charset="0"/>
+                                    </a:rPr>
+                                    <m:t>𝑄</m:t>
+                                  </m:r>
+                                </m:den>
+                              </m:f>
+                            </m:e>
+                          </m:eqArr>
+                        </m:e>
+                      </m:d>
+                    </m:oMath>
+                  </m:oMathPara>
+                </a14:m>
+                <a:endParaRPr kumimoji="1" lang="ja-JP" altLang="en-US" sz="2800"/>
+              </a:p>
+            </p:txBody>
+          </p:sp>
+        </mc:Choice>
+        <mc:Fallback>
+          <p:sp>
+            <p:nvSpPr>
+              <p:cNvPr id="7" name="テキスト ボックス 6">
+                <a:extLst>
+                  <a:ext uri="{FF2B5EF4-FFF2-40B4-BE49-F238E27FC236}">
+                    <a16:creationId xmlns:a16="http://schemas.microsoft.com/office/drawing/2014/main" id="{56E12C57-3B9C-1A55-D815-C5CC0DB98F0E}"/>
+                  </a:ext>
+                </a:extLst>
+              </p:cNvPr>
+              <p:cNvSpPr txBox="1">
+                <a:spLocks noRot="1" noChangeAspect="1" noMove="1" noResize="1" noEditPoints="1" noAdjustHandles="1" noChangeArrowheads="1" noChangeShapeType="1" noTextEdit="1"/>
+              </p:cNvSpPr>
+              <p:nvPr/>
+            </p:nvSpPr>
+            <p:spPr>
+              <a:xfrm>
+                <a:off x="5076056" y="4365104"/>
+                <a:ext cx="1843773" cy="1942455"/>
+              </a:xfrm>
+              <a:prstGeom prst="rect">
+                <a:avLst/>
+              </a:prstGeom>
+              <a:blipFill>
+                <a:blip r:embed="rId4"/>
+                <a:stretch>
+                  <a:fillRect/>
+                </a:stretch>
+              </a:blipFill>
+            </p:spPr>
+            <p:txBody>
+              <a:bodyPr/>
+              <a:lstStyle/>
+              <a:p>
+                <a:r>
+                  <a:rPr lang="ja-JP" altLang="en-US">
+                    <a:noFill/>
+                  </a:rPr>
+                  <a:t> </a:t>
+                </a:r>
+              </a:p>
+            </p:txBody>
+          </p:sp>
+        </mc:Fallback>
+      </mc:AlternateContent>
+      <p:sp>
+        <p:nvSpPr>
+          <p:cNvPr id="8" name="矢印: 左右 7">
+            <a:extLst>
+              <a:ext uri="{FF2B5EF4-FFF2-40B4-BE49-F238E27FC236}">
+                <a16:creationId xmlns:a16="http://schemas.microsoft.com/office/drawing/2014/main" id="{B4D2BFB3-47D5-D440-7152-A3DA89BE6825}"/>
+              </a:ext>
+            </a:extLst>
+          </p:cNvPr>
+          <p:cNvSpPr/>
+          <p:nvPr/>
+        </p:nvSpPr>
+        <p:spPr>
+          <a:xfrm>
+            <a:off x="3563888" y="5013176"/>
+            <a:ext cx="1216152" cy="484632"/>
+          </a:xfrm>
+          <a:prstGeom prst="leftRightArrow">
+            <a:avLst/>
+          </a:prstGeom>
+          <a:solidFill>
+            <a:srgbClr val="FF0000"/>
+          </a:solidFill>
+          <a:ln>
+            <a:solidFill>
+              <a:schemeClr val="tx1"/>
+            </a:solidFill>
+          </a:ln>
+        </p:spPr>
+        <p:style>
+          <a:lnRef idx="2">
+            <a:schemeClr val="accent1">
+              <a:shade val="50000"/>
+            </a:schemeClr>
+          </a:lnRef>
+          <a:fillRef idx="1">
+            <a:schemeClr val="accent1"/>
+          </a:fillRef>
+          <a:effectRef idx="0">
+            <a:schemeClr val="accent1"/>
+          </a:effectRef>
+          <a:fontRef idx="minor">
+            <a:schemeClr val="lt1"/>
+          </a:fontRef>
+        </p:style>
+        <p:txBody>
+          <a:bodyPr rtlCol="0" anchor="ctr"/>
+          <a:lstStyle/>
+          <a:p>
+            <a:pPr algn="ctr"/>
+            <a:endParaRPr kumimoji="1" lang="ja-JP" altLang="en-US"/>
+          </a:p>
+        </p:txBody>
+      </p:sp>
+    </p:spTree>
+    <p:extLst>
+      <p:ext uri="{BB962C8B-B14F-4D97-AF65-F5344CB8AC3E}">
+        <p14:creationId xmlns:p14="http://schemas.microsoft.com/office/powerpoint/2010/main" val="3269742673"/>
+      </p:ext>
+    </p:extLst>
+  </p:cSld>
+  <p:clrMapOvr>
+    <a:masterClrMapping/>
+  </p:clrMapOvr>
+</p:sld>
+</file>
+
+<file path=ppt/slides/slide7.xml><?xml version="1.0" encoding="utf-8"?>
+<p:sld xmlns:a="http://schemas.openxmlformats.org/drawingml/2006/main" xmlns:r="http://schemas.openxmlformats.org/officeDocument/2006/relationships" xmlns:p="http://schemas.openxmlformats.org/presentationml/2006/main">
+  <p:cSld>
+    <p:spTree>
+      <p:nvGrpSpPr>
+        <p:cNvPr id="1" name=""/>
+        <p:cNvGrpSpPr/>
+        <p:nvPr/>
+      </p:nvGrpSpPr>
+      <p:grpSpPr>
+        <a:xfrm>
+          <a:off x="0" y="0"/>
+          <a:ext cx="0" cy="0"/>
+          <a:chOff x="0" y="0"/>
+          <a:chExt cx="0" cy="0"/>
+        </a:xfrm>
+      </p:grpSpPr>
+      <p:sp>
+        <p:nvSpPr>
+          <p:cNvPr id="2" name="テキスト プレースホルダー 1">
+            <a:extLst>
+              <a:ext uri="{FF2B5EF4-FFF2-40B4-BE49-F238E27FC236}">
+                <a16:creationId xmlns:a16="http://schemas.microsoft.com/office/drawing/2014/main" id="{FB6F6DC3-9BD0-A973-C7F0-85756F158F02}"/>
+              </a:ext>
+            </a:extLst>
+          </p:cNvPr>
+          <p:cNvSpPr>
+            <a:spLocks noGrp="1"/>
+          </p:cNvSpPr>
+          <p:nvPr>
+            <p:ph type="body" sz="quarter" idx="10"/>
+          </p:nvPr>
+        </p:nvSpPr>
+        <p:spPr/>
+        <p:txBody>
+          <a:bodyPr/>
+          <a:lstStyle/>
+          <a:p>
+            <a:r>
+              <a:rPr kumimoji="1" lang="ja-JP" altLang="en-US"/>
+              <a:t>正準変換</a:t>
+            </a:r>
+          </a:p>
+        </p:txBody>
+      </p:sp>
+      <mc:AlternateContent xmlns:mc="http://schemas.openxmlformats.org/markup-compatibility/2006">
+        <mc:Choice xmlns:a14="http://schemas.microsoft.com/office/drawing/2010/main" Requires="a14">
+          <p:sp>
+            <p:nvSpPr>
+              <p:cNvPr id="3" name="テキスト ボックス 2">
+                <a:extLst>
+                  <a:ext uri="{FF2B5EF4-FFF2-40B4-BE49-F238E27FC236}">
+                    <a16:creationId xmlns:a16="http://schemas.microsoft.com/office/drawing/2014/main" id="{A9AF6622-C6A9-7B55-A806-C60D10ABE16F}"/>
+                  </a:ext>
+                </a:extLst>
+              </p:cNvPr>
+              <p:cNvSpPr txBox="1"/>
+              <p:nvPr/>
+            </p:nvSpPr>
+            <p:spPr>
+              <a:xfrm>
+                <a:off x="1763688" y="1052736"/>
+                <a:ext cx="1816908" cy="1942455"/>
+              </a:xfrm>
+              <a:prstGeom prst="rect">
+                <a:avLst/>
+              </a:prstGeom>
+              <a:noFill/>
+            </p:spPr>
+            <p:txBody>
+              <a:bodyPr wrap="none" lIns="0" tIns="0" rIns="0" bIns="0" rtlCol="0">
+                <a:spAutoFit/>
+              </a:bodyPr>
+              <a:lstStyle/>
+              <a:p>
+                <a:pPr/>
+                <a14:m>
+                  <m:oMathPara xmlns:m="http://schemas.openxmlformats.org/officeDocument/2006/math">
+                    <m:oMathParaPr>
+                      <m:jc m:val="centerGroup"/>
+                    </m:oMathParaPr>
+                    <m:oMath xmlns:m="http://schemas.openxmlformats.org/officeDocument/2006/math">
+                      <m:d>
+                        <m:dPr>
+                          <m:begChr m:val="{"/>
+                          <m:endChr m:val=""/>
+                          <m:ctrlPr>
+                            <a:rPr kumimoji="1" lang="en-US" altLang="ja-JP" sz="2800" b="0" i="1" smtClean="0">
+                              <a:latin typeface="Cambria Math" panose="02040503050406030204" pitchFamily="18" charset="0"/>
+                            </a:rPr>
+                          </m:ctrlPr>
+                        </m:dPr>
+                        <m:e>
+                          <m:eqArr>
+                            <m:eqArrPr>
+                              <m:ctrlPr>
+                                <a:rPr kumimoji="1" lang="en-US" altLang="ja-JP" sz="2800" b="0" i="1" smtClean="0">
+                                  <a:latin typeface="Cambria Math" panose="02040503050406030204" pitchFamily="18" charset="0"/>
+                                </a:rPr>
+                              </m:ctrlPr>
+                            </m:eqArrPr>
+                            <m:e>
+                              <m:acc>
+                                <m:accPr>
+                                  <m:chr m:val="̇"/>
+                                  <m:ctrlPr>
+                                    <a:rPr lang="en-US" altLang="ja-JP" sz="2800" i="1">
+                                      <a:latin typeface="Cambria Math" panose="02040503050406030204" pitchFamily="18" charset="0"/>
+                                    </a:rPr>
+                                  </m:ctrlPr>
+                                </m:accPr>
+                                <m:e>
+                                  <m:r>
+                                    <a:rPr lang="en-US" altLang="ja-JP" sz="2800" i="1">
+                                      <a:latin typeface="Cambria Math" panose="02040503050406030204" pitchFamily="18" charset="0"/>
+                                    </a:rPr>
+                                    <m:t>𝑞</m:t>
+                                  </m:r>
+                                </m:e>
+                              </m:acc>
+                              <m:r>
+                                <a:rPr lang="en-US" altLang="ja-JP" sz="2800" i="1">
+                                  <a:latin typeface="Cambria Math" panose="02040503050406030204" pitchFamily="18" charset="0"/>
+                                </a:rPr>
+                                <m:t>=</m:t>
+                              </m:r>
+                              <m:f>
+                                <m:fPr>
+                                  <m:ctrlPr>
+                                    <a:rPr lang="en-US" altLang="ja-JP" sz="2800" i="1">
+                                      <a:latin typeface="Cambria Math" panose="02040503050406030204" pitchFamily="18" charset="0"/>
+                                    </a:rPr>
+                                  </m:ctrlPr>
+                                </m:fPr>
+                                <m:num>
+                                  <m:r>
+                                    <a:rPr lang="en-US" altLang="ja-JP" sz="2800" i="1">
+                                      <a:latin typeface="Cambria Math" panose="02040503050406030204" pitchFamily="18" charset="0"/>
+                                    </a:rPr>
+                                    <m:t>𝜕</m:t>
+                                  </m:r>
+                                  <m:r>
+                                    <a:rPr lang="en-US" altLang="ja-JP" sz="2800" i="1">
+                                      <a:latin typeface="Cambria Math" panose="02040503050406030204" pitchFamily="18" charset="0"/>
+                                    </a:rPr>
+                                    <m:t>𝐻</m:t>
+                                  </m:r>
+                                </m:num>
+                                <m:den>
+                                  <m:r>
+                                    <a:rPr lang="en-US" altLang="ja-JP" sz="2800" i="1">
+                                      <a:latin typeface="Cambria Math" panose="02040503050406030204" pitchFamily="18" charset="0"/>
+                                    </a:rPr>
+                                    <m:t>𝜕</m:t>
+                                  </m:r>
+                                  <m:r>
+                                    <a:rPr lang="en-US" altLang="ja-JP" sz="2800" i="1">
+                                      <a:latin typeface="Cambria Math" panose="02040503050406030204" pitchFamily="18" charset="0"/>
+                                    </a:rPr>
+                                    <m:t>𝑝</m:t>
+                                  </m:r>
+                                </m:den>
+                              </m:f>
+                            </m:e>
+                            <m:e>
+                              <m:acc>
+                                <m:accPr>
+                                  <m:chr m:val="̇"/>
+                                  <m:ctrlPr>
+                                    <a:rPr lang="en-US" altLang="ja-JP" sz="2800" i="1">
+                                      <a:latin typeface="Cambria Math" panose="02040503050406030204" pitchFamily="18" charset="0"/>
+                                    </a:rPr>
+                                  </m:ctrlPr>
+                                </m:accPr>
+                                <m:e>
+                                  <m:r>
+                                    <a:rPr lang="en-US" altLang="ja-JP" sz="2800" b="0" i="1" smtClean="0">
+                                      <a:latin typeface="Cambria Math" panose="02040503050406030204" pitchFamily="18" charset="0"/>
+                                    </a:rPr>
+                                    <m:t>𝑝</m:t>
+                                  </m:r>
+                                </m:e>
+                              </m:acc>
+                              <m:r>
+                                <a:rPr lang="en-US" altLang="ja-JP" sz="2800" i="1">
+                                  <a:latin typeface="Cambria Math" panose="02040503050406030204" pitchFamily="18" charset="0"/>
+                                </a:rPr>
+                                <m:t>=</m:t>
+                              </m:r>
+                              <m:r>
+                                <a:rPr lang="en-US" altLang="ja-JP" sz="2800" b="0" i="1" smtClean="0">
+                                  <a:latin typeface="Cambria Math" panose="02040503050406030204" pitchFamily="18" charset="0"/>
+                                </a:rPr>
+                                <m:t>−</m:t>
+                              </m:r>
+                              <m:f>
+                                <m:fPr>
+                                  <m:ctrlPr>
+                                    <a:rPr lang="en-US" altLang="ja-JP" sz="2800" i="1">
+                                      <a:latin typeface="Cambria Math" panose="02040503050406030204" pitchFamily="18" charset="0"/>
+                                    </a:rPr>
+                                  </m:ctrlPr>
+                                </m:fPr>
+                                <m:num>
+                                  <m:r>
+                                    <a:rPr lang="en-US" altLang="ja-JP" sz="2800" i="1">
+                                      <a:latin typeface="Cambria Math" panose="02040503050406030204" pitchFamily="18" charset="0"/>
+                                    </a:rPr>
+                                    <m:t>𝜕</m:t>
+                                  </m:r>
+                                  <m:r>
+                                    <a:rPr lang="en-US" altLang="ja-JP" sz="2800" i="1">
+                                      <a:latin typeface="Cambria Math" panose="02040503050406030204" pitchFamily="18" charset="0"/>
+                                    </a:rPr>
+                                    <m:t>𝐻</m:t>
+                                  </m:r>
+                                </m:num>
+                                <m:den>
+                                  <m:r>
+                                    <a:rPr lang="en-US" altLang="ja-JP" sz="2800" i="1">
+                                      <a:latin typeface="Cambria Math" panose="02040503050406030204" pitchFamily="18" charset="0"/>
+                                    </a:rPr>
+                                    <m:t>𝜕</m:t>
+                                  </m:r>
+                                  <m:r>
+                                    <a:rPr lang="en-US" altLang="ja-JP" sz="2800" b="0" i="1" smtClean="0">
+                                      <a:latin typeface="Cambria Math" panose="02040503050406030204" pitchFamily="18" charset="0"/>
+                                    </a:rPr>
+                                    <m:t>𝑞</m:t>
+                                  </m:r>
+                                </m:den>
+                              </m:f>
+                            </m:e>
+                          </m:eqArr>
+                        </m:e>
+                      </m:d>
+                    </m:oMath>
+                  </m:oMathPara>
+                </a14:m>
+                <a:endParaRPr kumimoji="1" lang="ja-JP" altLang="en-US" sz="2800"/>
+              </a:p>
+            </p:txBody>
+          </p:sp>
+        </mc:Choice>
+        <mc:Fallback>
+          <p:sp>
+            <p:nvSpPr>
+              <p:cNvPr id="3" name="テキスト ボックス 2">
+                <a:extLst>
+                  <a:ext uri="{FF2B5EF4-FFF2-40B4-BE49-F238E27FC236}">
+                    <a16:creationId xmlns:a16="http://schemas.microsoft.com/office/drawing/2014/main" id="{A9AF6622-C6A9-7B55-A806-C60D10ABE16F}"/>
+                  </a:ext>
+                </a:extLst>
+              </p:cNvPr>
+              <p:cNvSpPr txBox="1">
+                <a:spLocks noRot="1" noChangeAspect="1" noMove="1" noResize="1" noEditPoints="1" noAdjustHandles="1" noChangeArrowheads="1" noChangeShapeType="1" noTextEdit="1"/>
+              </p:cNvSpPr>
+              <p:nvPr/>
+            </p:nvSpPr>
+            <p:spPr>
+              <a:xfrm>
+                <a:off x="1763688" y="1052736"/>
+                <a:ext cx="1816908" cy="1942455"/>
+              </a:xfrm>
+              <a:prstGeom prst="rect">
+                <a:avLst/>
+              </a:prstGeom>
+              <a:blipFill>
+                <a:blip r:embed="rId2"/>
+                <a:stretch>
+                  <a:fillRect/>
+                </a:stretch>
+              </a:blipFill>
+            </p:spPr>
+            <p:txBody>
+              <a:bodyPr/>
+              <a:lstStyle/>
+              <a:p>
+                <a:r>
+                  <a:rPr lang="ja-JP" altLang="en-US">
+                    <a:noFill/>
+                  </a:rPr>
+                  <a:t> </a:t>
+                </a:r>
+              </a:p>
+            </p:txBody>
+          </p:sp>
+        </mc:Fallback>
+      </mc:AlternateContent>
+      <mc:AlternateContent xmlns:mc="http://schemas.openxmlformats.org/markup-compatibility/2006">
+        <mc:Choice xmlns:a14="http://schemas.microsoft.com/office/drawing/2010/main" Requires="a14">
+          <p:sp>
+            <p:nvSpPr>
+              <p:cNvPr id="4" name="テキスト ボックス 3">
+                <a:extLst>
+                  <a:ext uri="{FF2B5EF4-FFF2-40B4-BE49-F238E27FC236}">
+                    <a16:creationId xmlns:a16="http://schemas.microsoft.com/office/drawing/2014/main" id="{1F8F847F-3817-C726-4947-B2477D8705BD}"/>
+                  </a:ext>
+                </a:extLst>
+              </p:cNvPr>
+              <p:cNvSpPr txBox="1"/>
+              <p:nvPr/>
+            </p:nvSpPr>
+            <p:spPr>
+              <a:xfrm>
+                <a:off x="5436096" y="1124744"/>
+                <a:ext cx="1843773" cy="1942455"/>
+              </a:xfrm>
+              <a:prstGeom prst="rect">
+                <a:avLst/>
+              </a:prstGeom>
+              <a:noFill/>
+            </p:spPr>
+            <p:txBody>
+              <a:bodyPr wrap="none" lIns="0" tIns="0" rIns="0" bIns="0" rtlCol="0">
+                <a:spAutoFit/>
+              </a:bodyPr>
+              <a:lstStyle/>
+              <a:p>
+                <a:pPr/>
+                <a14:m>
+                  <m:oMathPara xmlns:m="http://schemas.openxmlformats.org/officeDocument/2006/math">
+                    <m:oMathParaPr>
+                      <m:jc m:val="centerGroup"/>
+                    </m:oMathParaPr>
+                    <m:oMath xmlns:m="http://schemas.openxmlformats.org/officeDocument/2006/math">
+                      <m:d>
+                        <m:dPr>
+                          <m:begChr m:val="{"/>
+                          <m:endChr m:val=""/>
+                          <m:ctrlPr>
+                            <a:rPr kumimoji="1" lang="en-US" altLang="ja-JP" sz="2800" b="0" i="1" smtClean="0">
+                              <a:latin typeface="Cambria Math" panose="02040503050406030204" pitchFamily="18" charset="0"/>
+                            </a:rPr>
+                          </m:ctrlPr>
+                        </m:dPr>
+                        <m:e>
+                          <m:eqArr>
+                            <m:eqArrPr>
+                              <m:ctrlPr>
+                                <a:rPr kumimoji="1" lang="en-US" altLang="ja-JP" sz="2800" b="0" i="1" smtClean="0">
+                                  <a:latin typeface="Cambria Math" panose="02040503050406030204" pitchFamily="18" charset="0"/>
+                                </a:rPr>
+                              </m:ctrlPr>
+                            </m:eqArrPr>
+                            <m:e>
+                              <m:acc>
+                                <m:accPr>
+                                  <m:chr m:val="̇"/>
+                                  <m:ctrlPr>
+                                    <a:rPr lang="en-US" altLang="ja-JP" sz="2800" i="1">
+                                      <a:latin typeface="Cambria Math" panose="02040503050406030204" pitchFamily="18" charset="0"/>
+                                    </a:rPr>
+                                  </m:ctrlPr>
+                                </m:accPr>
+                                <m:e>
+                                  <m:r>
+                                    <m:rPr>
+                                      <m:sty m:val="p"/>
+                                    </m:rPr>
+                                    <a:rPr lang="en-US" altLang="ja-JP" sz="2800" i="1">
+                                      <a:latin typeface="Cambria Math" panose="02040503050406030204" pitchFamily="18" charset="0"/>
+                                    </a:rPr>
+                                    <m:t>Q</m:t>
+                                  </m:r>
+                                </m:e>
+                              </m:acc>
+                              <m:r>
+                                <a:rPr lang="en-US" altLang="ja-JP" sz="2800" i="1">
+                                  <a:latin typeface="Cambria Math" panose="02040503050406030204" pitchFamily="18" charset="0"/>
+                                </a:rPr>
+                                <m:t>=</m:t>
+                              </m:r>
+                              <m:f>
+                                <m:fPr>
+                                  <m:ctrlPr>
+                                    <a:rPr lang="en-US" altLang="ja-JP" sz="2800" i="1">
+                                      <a:latin typeface="Cambria Math" panose="02040503050406030204" pitchFamily="18" charset="0"/>
+                                    </a:rPr>
+                                  </m:ctrlPr>
+                                </m:fPr>
+                                <m:num>
+                                  <m:r>
+                                    <a:rPr lang="en-US" altLang="ja-JP" sz="2800" i="1">
+                                      <a:latin typeface="Cambria Math" panose="02040503050406030204" pitchFamily="18" charset="0"/>
+                                    </a:rPr>
+                                    <m:t>𝜕</m:t>
+                                  </m:r>
+                                  <m:r>
+                                    <a:rPr lang="en-US" altLang="ja-JP" sz="2800" i="1">
+                                      <a:latin typeface="Cambria Math" panose="02040503050406030204" pitchFamily="18" charset="0"/>
+                                    </a:rPr>
+                                    <m:t>𝐻</m:t>
+                                  </m:r>
+                                </m:num>
+                                <m:den>
+                                  <m:r>
+                                    <a:rPr lang="en-US" altLang="ja-JP" sz="2800" i="1">
+                                      <a:latin typeface="Cambria Math" panose="02040503050406030204" pitchFamily="18" charset="0"/>
+                                    </a:rPr>
+                                    <m:t>𝜕</m:t>
+                                  </m:r>
+                                  <m:r>
+                                    <a:rPr lang="en-US" altLang="ja-JP" sz="2800" b="0" i="1" smtClean="0">
+                                      <a:latin typeface="Cambria Math" panose="02040503050406030204" pitchFamily="18" charset="0"/>
+                                    </a:rPr>
+                                    <m:t>𝑃</m:t>
+                                  </m:r>
+                                </m:den>
+                              </m:f>
+                            </m:e>
+                            <m:e>
+                              <m:acc>
+                                <m:accPr>
+                                  <m:chr m:val="̇"/>
+                                  <m:ctrlPr>
+                                    <a:rPr lang="en-US" altLang="ja-JP" sz="2800" i="1">
+                                      <a:latin typeface="Cambria Math" panose="02040503050406030204" pitchFamily="18" charset="0"/>
+                                    </a:rPr>
+                                  </m:ctrlPr>
+                                </m:accPr>
+                                <m:e>
+                                  <m:r>
+                                    <a:rPr lang="en-US" altLang="ja-JP" sz="2800" b="0" i="1" smtClean="0">
+                                      <a:latin typeface="Cambria Math" panose="02040503050406030204" pitchFamily="18" charset="0"/>
+                                    </a:rPr>
+                                    <m:t>𝑃</m:t>
+                                  </m:r>
+                                </m:e>
+                              </m:acc>
+                              <m:r>
+                                <a:rPr lang="en-US" altLang="ja-JP" sz="2800" i="1">
+                                  <a:latin typeface="Cambria Math" panose="02040503050406030204" pitchFamily="18" charset="0"/>
+                                </a:rPr>
+                                <m:t>=</m:t>
+                              </m:r>
+                              <m:r>
+                                <a:rPr lang="en-US" altLang="ja-JP" sz="2800" b="0" i="1" smtClean="0">
+                                  <a:latin typeface="Cambria Math" panose="02040503050406030204" pitchFamily="18" charset="0"/>
+                                </a:rPr>
+                                <m:t>−</m:t>
+                              </m:r>
+                              <m:f>
+                                <m:fPr>
+                                  <m:ctrlPr>
+                                    <a:rPr lang="en-US" altLang="ja-JP" sz="2800" i="1">
+                                      <a:latin typeface="Cambria Math" panose="02040503050406030204" pitchFamily="18" charset="0"/>
+                                    </a:rPr>
+                                  </m:ctrlPr>
+                                </m:fPr>
+                                <m:num>
+                                  <m:r>
+                                    <a:rPr lang="en-US" altLang="ja-JP" sz="2800" i="1">
+                                      <a:latin typeface="Cambria Math" panose="02040503050406030204" pitchFamily="18" charset="0"/>
+                                    </a:rPr>
+                                    <m:t>𝜕</m:t>
+                                  </m:r>
+                                  <m:r>
+                                    <a:rPr lang="en-US" altLang="ja-JP" sz="2800" i="1">
+                                      <a:latin typeface="Cambria Math" panose="02040503050406030204" pitchFamily="18" charset="0"/>
+                                    </a:rPr>
+                                    <m:t>𝐻</m:t>
+                                  </m:r>
+                                </m:num>
+                                <m:den>
+                                  <m:r>
+                                    <a:rPr lang="en-US" altLang="ja-JP" sz="2800" i="1">
+                                      <a:latin typeface="Cambria Math" panose="02040503050406030204" pitchFamily="18" charset="0"/>
+                                    </a:rPr>
+                                    <m:t>𝜕</m:t>
+                                  </m:r>
+                                  <m:r>
+                                    <a:rPr lang="en-US" altLang="ja-JP" sz="2800" b="0" i="1" smtClean="0">
+                                      <a:latin typeface="Cambria Math" panose="02040503050406030204" pitchFamily="18" charset="0"/>
+                                    </a:rPr>
+                                    <m:t>𝑄</m:t>
+                                  </m:r>
+                                </m:den>
+                              </m:f>
+                            </m:e>
+                          </m:eqArr>
+                        </m:e>
+                      </m:d>
+                    </m:oMath>
+                  </m:oMathPara>
+                </a14:m>
+                <a:endParaRPr kumimoji="1" lang="ja-JP" altLang="en-US" sz="2800"/>
+              </a:p>
+            </p:txBody>
+          </p:sp>
+        </mc:Choice>
+        <mc:Fallback>
+          <p:sp>
+            <p:nvSpPr>
+              <p:cNvPr id="4" name="テキスト ボックス 3">
+                <a:extLst>
+                  <a:ext uri="{FF2B5EF4-FFF2-40B4-BE49-F238E27FC236}">
+                    <a16:creationId xmlns:a16="http://schemas.microsoft.com/office/drawing/2014/main" id="{1F8F847F-3817-C726-4947-B2477D8705BD}"/>
+                  </a:ext>
+                </a:extLst>
+              </p:cNvPr>
+              <p:cNvSpPr txBox="1">
+                <a:spLocks noRot="1" noChangeAspect="1" noMove="1" noResize="1" noEditPoints="1" noAdjustHandles="1" noChangeArrowheads="1" noChangeShapeType="1" noTextEdit="1"/>
+              </p:cNvSpPr>
+              <p:nvPr/>
+            </p:nvSpPr>
+            <p:spPr>
+              <a:xfrm>
+                <a:off x="5436096" y="1124744"/>
+                <a:ext cx="1843773" cy="1942455"/>
+              </a:xfrm>
+              <a:prstGeom prst="rect">
+                <a:avLst/>
+              </a:prstGeom>
+              <a:blipFill>
+                <a:blip r:embed="rId3"/>
+                <a:stretch>
+                  <a:fillRect/>
+                </a:stretch>
+              </a:blipFill>
+            </p:spPr>
+            <p:txBody>
+              <a:bodyPr/>
+              <a:lstStyle/>
+              <a:p>
+                <a:r>
+                  <a:rPr lang="ja-JP" altLang="en-US">
+                    <a:noFill/>
+                  </a:rPr>
+                  <a:t> </a:t>
+                </a:r>
+              </a:p>
+            </p:txBody>
+          </p:sp>
+        </mc:Fallback>
+      </mc:AlternateContent>
+      <p:sp>
+        <p:nvSpPr>
+          <p:cNvPr id="5" name="矢印: 左右 4">
+            <a:extLst>
+              <a:ext uri="{FF2B5EF4-FFF2-40B4-BE49-F238E27FC236}">
+                <a16:creationId xmlns:a16="http://schemas.microsoft.com/office/drawing/2014/main" id="{6521BB40-4970-FB11-DBD4-DB4B4B9EBCE1}"/>
+              </a:ext>
+            </a:extLst>
+          </p:cNvPr>
+          <p:cNvSpPr/>
+          <p:nvPr/>
+        </p:nvSpPr>
+        <p:spPr>
+          <a:xfrm>
+            <a:off x="3923928" y="1772816"/>
+            <a:ext cx="1216152" cy="484632"/>
+          </a:xfrm>
+          <a:prstGeom prst="leftRightArrow">
+            <a:avLst/>
+          </a:prstGeom>
+          <a:solidFill>
+            <a:srgbClr val="FF0000"/>
+          </a:solidFill>
+          <a:ln>
+            <a:solidFill>
+              <a:schemeClr val="tx1"/>
+            </a:solidFill>
+          </a:ln>
+        </p:spPr>
+        <p:style>
+          <a:lnRef idx="2">
+            <a:schemeClr val="accent1">
+              <a:shade val="50000"/>
+            </a:schemeClr>
+          </a:lnRef>
+          <a:fillRef idx="1">
+            <a:schemeClr val="accent1"/>
+          </a:fillRef>
+          <a:effectRef idx="0">
+            <a:schemeClr val="accent1"/>
+          </a:effectRef>
+          <a:fontRef idx="minor">
+            <a:schemeClr val="lt1"/>
+          </a:fontRef>
+        </p:style>
+        <p:txBody>
+          <a:bodyPr rtlCol="0" anchor="ctr"/>
+          <a:lstStyle/>
+          <a:p>
+            <a:pPr algn="ctr"/>
+            <a:endParaRPr kumimoji="1" lang="ja-JP" altLang="en-US"/>
+          </a:p>
+        </p:txBody>
+      </p:sp>
+      <p:sp>
+        <p:nvSpPr>
+          <p:cNvPr id="6" name="テキスト ボックス 5">
+            <a:extLst>
+              <a:ext uri="{FF2B5EF4-FFF2-40B4-BE49-F238E27FC236}">
+                <a16:creationId xmlns:a16="http://schemas.microsoft.com/office/drawing/2014/main" id="{406A256A-E5E7-DEAE-E9CC-79A703C69566}"/>
+              </a:ext>
+            </a:extLst>
+          </p:cNvPr>
+          <p:cNvSpPr txBox="1"/>
+          <p:nvPr/>
+        </p:nvSpPr>
+        <p:spPr>
+          <a:xfrm>
+            <a:off x="251520" y="3140968"/>
+            <a:ext cx="3057247" cy="584775"/>
+          </a:xfrm>
+          <a:prstGeom prst="rect">
+            <a:avLst/>
+          </a:prstGeom>
+          <a:noFill/>
+        </p:spPr>
+        <p:txBody>
+          <a:bodyPr wrap="none" rtlCol="0">
+            <a:spAutoFit/>
+          </a:bodyPr>
+          <a:lstStyle/>
+          <a:p>
+            <a:r>
+              <a:rPr lang="ja-JP" altLang="en-US" sz="3200"/>
+              <a:t>正準変換の条件</a:t>
+            </a:r>
+            <a:endParaRPr kumimoji="1" lang="ja-JP" altLang="en-US" sz="3200"/>
+          </a:p>
+        </p:txBody>
+      </p:sp>
+      <p:sp>
+        <p:nvSpPr>
+          <p:cNvPr id="7" name="テキスト ボックス 6">
+            <a:extLst>
+              <a:ext uri="{FF2B5EF4-FFF2-40B4-BE49-F238E27FC236}">
+                <a16:creationId xmlns:a16="http://schemas.microsoft.com/office/drawing/2014/main" id="{AB849F26-03C4-7990-4E44-E2CC1A00E463}"/>
+              </a:ext>
+            </a:extLst>
+          </p:cNvPr>
+          <p:cNvSpPr txBox="1"/>
+          <p:nvPr/>
+        </p:nvSpPr>
+        <p:spPr>
+          <a:xfrm>
+            <a:off x="5868144" y="6237312"/>
+            <a:ext cx="2339102" cy="461665"/>
+          </a:xfrm>
+          <a:prstGeom prst="rect">
+            <a:avLst/>
+          </a:prstGeom>
+          <a:noFill/>
+        </p:spPr>
+        <p:txBody>
+          <a:bodyPr wrap="none" rtlCol="0">
+            <a:spAutoFit/>
+          </a:bodyPr>
+          <a:lstStyle/>
+          <a:p>
+            <a:r>
+              <a:rPr kumimoji="1" lang="en-US" altLang="ja-JP" sz="2400"/>
+              <a:t>※</a:t>
+            </a:r>
+            <a:r>
+              <a:rPr kumimoji="1" lang="ja-JP" altLang="en-US" sz="2400"/>
+              <a:t>詳細は次回に</a:t>
+            </a:r>
+          </a:p>
+        </p:txBody>
+      </p:sp>
+      <mc:AlternateContent xmlns:mc="http://schemas.openxmlformats.org/markup-compatibility/2006">
+        <mc:Choice xmlns:a14="http://schemas.microsoft.com/office/drawing/2010/main" Requires="a14">
+          <p:sp>
+            <p:nvSpPr>
+              <p:cNvPr id="8" name="テキスト ボックス 7">
+                <a:extLst>
+                  <a:ext uri="{FF2B5EF4-FFF2-40B4-BE49-F238E27FC236}">
+                    <a16:creationId xmlns:a16="http://schemas.microsoft.com/office/drawing/2014/main" id="{B8B593B4-DFEE-A904-F709-1D90BDFCFD0F}"/>
+                  </a:ext>
+                </a:extLst>
+              </p:cNvPr>
+              <p:cNvSpPr txBox="1"/>
+              <p:nvPr/>
+            </p:nvSpPr>
+            <p:spPr>
+              <a:xfrm>
+                <a:off x="1907704" y="4005064"/>
+                <a:ext cx="2279022" cy="1845442"/>
+              </a:xfrm>
+              <a:prstGeom prst="rect">
+                <a:avLst/>
+              </a:prstGeom>
+              <a:noFill/>
+            </p:spPr>
+            <p:txBody>
+              <a:bodyPr wrap="none" lIns="0" tIns="0" rIns="0" bIns="0" rtlCol="0">
+                <a:spAutoFit/>
+              </a:bodyPr>
+              <a:lstStyle/>
+              <a:p>
+                <a14:m>
+                  <m:oMathPara xmlns:m="http://schemas.openxmlformats.org/officeDocument/2006/math">
+                    <m:oMathParaPr>
+                      <m:jc m:val="centerGroup"/>
+                    </m:oMathParaPr>
+                    <m:oMath xmlns:m="http://schemas.openxmlformats.org/officeDocument/2006/math">
+                      <m:d>
+                        <m:dPr>
+                          <m:begChr m:val="|"/>
+                          <m:endChr m:val="|"/>
+                          <m:ctrlPr>
+                            <a:rPr kumimoji="1" lang="en-US" altLang="ja-JP" sz="2800" i="1" smtClean="0">
+                              <a:latin typeface="Cambria Math" panose="02040503050406030204" pitchFamily="18" charset="0"/>
+                            </a:rPr>
+                          </m:ctrlPr>
+                        </m:dPr>
+                        <m:e>
+                          <m:m>
+                            <m:mPr>
+                              <m:mcs>
+                                <m:mc>
+                                  <m:mcPr>
+                                    <m:count m:val="2"/>
+                                    <m:mcJc m:val="center"/>
+                                  </m:mcPr>
+                                </m:mc>
+                              </m:mcs>
+                              <m:ctrlPr>
+                                <a:rPr lang="en-US" altLang="ja-JP" sz="2800" i="1">
+                                  <a:latin typeface="Cambria Math" panose="02040503050406030204" pitchFamily="18" charset="0"/>
+                                </a:rPr>
+                              </m:ctrlPr>
+                            </m:mPr>
+                            <m:mr>
+                              <m:e>
+                                <m:f>
+                                  <m:fPr>
+                                    <m:ctrlPr>
+                                      <a:rPr lang="en-US" altLang="ja-JP" sz="2800" b="0" i="1" smtClean="0">
+                                        <a:latin typeface="Cambria Math" panose="02040503050406030204" pitchFamily="18" charset="0"/>
+                                      </a:rPr>
+                                    </m:ctrlPr>
+                                  </m:fPr>
+                                  <m:num>
+                                    <m:r>
+                                      <a:rPr lang="en-US" altLang="ja-JP" sz="2800" b="0" i="1" smtClean="0">
+                                        <a:latin typeface="Cambria Math" panose="02040503050406030204" pitchFamily="18" charset="0"/>
+                                      </a:rPr>
+                                      <m:t>𝜕</m:t>
+                                    </m:r>
+                                    <m:r>
+                                      <a:rPr lang="en-US" altLang="ja-JP" sz="2800" b="0" i="1" smtClean="0">
+                                        <a:latin typeface="Cambria Math" panose="02040503050406030204" pitchFamily="18" charset="0"/>
+                                      </a:rPr>
+                                      <m:t>𝑄</m:t>
+                                    </m:r>
+                                  </m:num>
+                                  <m:den>
+                                    <m:r>
+                                      <a:rPr lang="en-US" altLang="ja-JP" sz="2800" b="0" i="1" smtClean="0">
+                                        <a:latin typeface="Cambria Math" panose="02040503050406030204" pitchFamily="18" charset="0"/>
+                                      </a:rPr>
+                                      <m:t>𝜕</m:t>
+                                    </m:r>
+                                    <m:r>
+                                      <a:rPr lang="en-US" altLang="ja-JP" sz="2800" b="0" i="1" smtClean="0">
+                                        <a:latin typeface="Cambria Math" panose="02040503050406030204" pitchFamily="18" charset="0"/>
+                                      </a:rPr>
+                                      <m:t>𝑞</m:t>
+                                    </m:r>
+                                  </m:den>
+                                </m:f>
+                              </m:e>
+                              <m:e>
+                                <m:f>
+                                  <m:fPr>
+                                    <m:ctrlPr>
+                                      <a:rPr lang="en-US" altLang="ja-JP" sz="2800" i="1">
+                                        <a:latin typeface="Cambria Math" panose="02040503050406030204" pitchFamily="18" charset="0"/>
+                                      </a:rPr>
+                                    </m:ctrlPr>
+                                  </m:fPr>
+                                  <m:num>
+                                    <m:r>
+                                      <a:rPr lang="en-US" altLang="ja-JP" sz="2800" i="1">
+                                        <a:latin typeface="Cambria Math" panose="02040503050406030204" pitchFamily="18" charset="0"/>
+                                      </a:rPr>
+                                      <m:t>𝜕</m:t>
+                                    </m:r>
+                                    <m:r>
+                                      <a:rPr lang="en-US" altLang="ja-JP" sz="2800" i="1">
+                                        <a:latin typeface="Cambria Math" panose="02040503050406030204" pitchFamily="18" charset="0"/>
+                                      </a:rPr>
+                                      <m:t>𝑄</m:t>
+                                    </m:r>
+                                  </m:num>
+                                  <m:den>
+                                    <m:r>
+                                      <a:rPr lang="en-US" altLang="ja-JP" sz="2800" i="1">
+                                        <a:latin typeface="Cambria Math" panose="02040503050406030204" pitchFamily="18" charset="0"/>
+                                      </a:rPr>
+                                      <m:t>𝜕</m:t>
+                                    </m:r>
+                                    <m:r>
+                                      <a:rPr lang="en-US" altLang="ja-JP" sz="2800" b="0" i="1" smtClean="0">
+                                        <a:latin typeface="Cambria Math" panose="02040503050406030204" pitchFamily="18" charset="0"/>
+                                      </a:rPr>
+                                      <m:t>𝑝</m:t>
+                                    </m:r>
+                                  </m:den>
+                                </m:f>
+                              </m:e>
+                            </m:mr>
+                            <m:mr>
+                              <m:e>
+                                <m:f>
+                                  <m:fPr>
+                                    <m:ctrlPr>
+                                      <a:rPr lang="en-US" altLang="ja-JP" sz="2800" i="1">
+                                        <a:latin typeface="Cambria Math" panose="02040503050406030204" pitchFamily="18" charset="0"/>
+                                      </a:rPr>
+                                    </m:ctrlPr>
+                                  </m:fPr>
+                                  <m:num>
+                                    <m:r>
+                                      <a:rPr lang="en-US" altLang="ja-JP" sz="2800" i="1">
+                                        <a:latin typeface="Cambria Math" panose="02040503050406030204" pitchFamily="18" charset="0"/>
+                                      </a:rPr>
+                                      <m:t>𝜕</m:t>
+                                    </m:r>
+                                    <m:r>
+                                      <a:rPr lang="en-US" altLang="ja-JP" sz="2800" b="0" i="1" smtClean="0">
+                                        <a:latin typeface="Cambria Math" panose="02040503050406030204" pitchFamily="18" charset="0"/>
+                                      </a:rPr>
+                                      <m:t>𝑃</m:t>
+                                    </m:r>
+                                  </m:num>
+                                  <m:den>
+                                    <m:r>
+                                      <a:rPr lang="en-US" altLang="ja-JP" sz="2800" i="1">
+                                        <a:latin typeface="Cambria Math" panose="02040503050406030204" pitchFamily="18" charset="0"/>
+                                      </a:rPr>
+                                      <m:t>𝜕</m:t>
+                                    </m:r>
+                                    <m:r>
+                                      <a:rPr lang="en-US" altLang="ja-JP" sz="2800" i="1">
+                                        <a:latin typeface="Cambria Math" panose="02040503050406030204" pitchFamily="18" charset="0"/>
+                                      </a:rPr>
+                                      <m:t>𝑞</m:t>
+                                    </m:r>
+                                  </m:den>
+                                </m:f>
+                              </m:e>
+                              <m:e>
+                                <m:f>
+                                  <m:fPr>
+                                    <m:ctrlPr>
+                                      <a:rPr lang="en-US" altLang="ja-JP" sz="2800" i="1">
+                                        <a:latin typeface="Cambria Math" panose="02040503050406030204" pitchFamily="18" charset="0"/>
+                                      </a:rPr>
+                                    </m:ctrlPr>
+                                  </m:fPr>
+                                  <m:num>
+                                    <m:r>
+                                      <a:rPr lang="en-US" altLang="ja-JP" sz="2800" i="1">
+                                        <a:latin typeface="Cambria Math" panose="02040503050406030204" pitchFamily="18" charset="0"/>
+                                      </a:rPr>
+                                      <m:t>𝜕</m:t>
+                                    </m:r>
+                                    <m:r>
+                                      <a:rPr lang="en-US" altLang="ja-JP" sz="2800" b="0" i="1" smtClean="0">
+                                        <a:latin typeface="Cambria Math" panose="02040503050406030204" pitchFamily="18" charset="0"/>
+                                      </a:rPr>
+                                      <m:t>𝑃</m:t>
+                                    </m:r>
+                                  </m:num>
+                                  <m:den>
+                                    <m:r>
+                                      <a:rPr lang="en-US" altLang="ja-JP" sz="2800" i="1">
+                                        <a:latin typeface="Cambria Math" panose="02040503050406030204" pitchFamily="18" charset="0"/>
+                                      </a:rPr>
+                                      <m:t>𝜕</m:t>
+                                    </m:r>
+                                    <m:r>
+                                      <a:rPr lang="en-US" altLang="ja-JP" sz="2800" b="0" i="1" smtClean="0">
+                                        <a:latin typeface="Cambria Math" panose="02040503050406030204" pitchFamily="18" charset="0"/>
+                                      </a:rPr>
+                                      <m:t>𝑝</m:t>
+                                    </m:r>
+                                  </m:den>
+                                </m:f>
+                              </m:e>
+                            </m:mr>
+                          </m:m>
+                        </m:e>
+                      </m:d>
+                      <m:r>
+                        <a:rPr kumimoji="1" lang="en-US" altLang="ja-JP" sz="2800" b="0" i="1" smtClean="0">
+                          <a:latin typeface="Cambria Math" panose="02040503050406030204" pitchFamily="18" charset="0"/>
+                        </a:rPr>
+                        <m:t>=1</m:t>
+                      </m:r>
+                    </m:oMath>
+                  </m:oMathPara>
+                </a14:m>
+                <a:endParaRPr kumimoji="1" lang="ja-JP" altLang="en-US" sz="2800"/>
+              </a:p>
+            </p:txBody>
+          </p:sp>
+        </mc:Choice>
+        <mc:Fallback>
+          <p:sp>
+            <p:nvSpPr>
+              <p:cNvPr id="8" name="テキスト ボックス 7">
+                <a:extLst>
+                  <a:ext uri="{FF2B5EF4-FFF2-40B4-BE49-F238E27FC236}">
+                    <a16:creationId xmlns:a16="http://schemas.microsoft.com/office/drawing/2014/main" id="{B8B593B4-DFEE-A904-F709-1D90BDFCFD0F}"/>
+                  </a:ext>
+                </a:extLst>
+              </p:cNvPr>
+              <p:cNvSpPr txBox="1">
+                <a:spLocks noRot="1" noChangeAspect="1" noMove="1" noResize="1" noEditPoints="1" noAdjustHandles="1" noChangeArrowheads="1" noChangeShapeType="1" noTextEdit="1"/>
+              </p:cNvSpPr>
+              <p:nvPr/>
+            </p:nvSpPr>
+            <p:spPr>
+              <a:xfrm>
+                <a:off x="1907704" y="4005064"/>
+                <a:ext cx="2279022" cy="1845442"/>
+              </a:xfrm>
+              <a:prstGeom prst="rect">
+                <a:avLst/>
+              </a:prstGeom>
+              <a:blipFill>
+                <a:blip r:embed="rId4"/>
+                <a:stretch>
+                  <a:fillRect/>
+                </a:stretch>
+              </a:blipFill>
+            </p:spPr>
+            <p:txBody>
+              <a:bodyPr/>
+              <a:lstStyle/>
+              <a:p>
+                <a:r>
+                  <a:rPr lang="ja-JP" altLang="en-US">
+                    <a:noFill/>
+                  </a:rPr>
+                  <a:t> </a:t>
+                </a:r>
+              </a:p>
+            </p:txBody>
+          </p:sp>
+        </mc:Fallback>
+      </mc:AlternateContent>
+      <p:sp>
+        <p:nvSpPr>
+          <p:cNvPr id="9" name="テキスト ボックス 8">
+            <a:extLst>
+              <a:ext uri="{FF2B5EF4-FFF2-40B4-BE49-F238E27FC236}">
+                <a16:creationId xmlns:a16="http://schemas.microsoft.com/office/drawing/2014/main" id="{40F94D98-3229-5E30-D9D6-3D5FFDA78C68}"/>
+              </a:ext>
+            </a:extLst>
+          </p:cNvPr>
+          <p:cNvSpPr txBox="1"/>
+          <p:nvPr/>
+        </p:nvSpPr>
+        <p:spPr>
+          <a:xfrm>
+            <a:off x="4716016" y="4653136"/>
+            <a:ext cx="3918060" cy="400110"/>
+          </a:xfrm>
+          <a:prstGeom prst="rect">
+            <a:avLst/>
+          </a:prstGeom>
+          <a:noFill/>
+        </p:spPr>
+        <p:txBody>
+          <a:bodyPr wrap="none" rtlCol="0">
+            <a:spAutoFit/>
+          </a:bodyPr>
+          <a:lstStyle/>
+          <a:p>
+            <a:r>
+              <a:rPr lang="ja-JP" altLang="en-US" sz="2000"/>
+              <a:t>変換のヤコビアンが</a:t>
+            </a:r>
+            <a:r>
+              <a:rPr lang="en-US" altLang="ja-JP" sz="2000"/>
+              <a:t>1</a:t>
+            </a:r>
+            <a:r>
+              <a:rPr lang="ja-JP" altLang="en-US" sz="2000"/>
+              <a:t>であること</a:t>
+            </a:r>
+            <a:endParaRPr kumimoji="1" lang="ja-JP" altLang="en-US" sz="2000"/>
+          </a:p>
+        </p:txBody>
+      </p:sp>
+    </p:spTree>
+    <p:extLst>
+      <p:ext uri="{BB962C8B-B14F-4D97-AF65-F5344CB8AC3E}">
+        <p14:creationId xmlns:p14="http://schemas.microsoft.com/office/powerpoint/2010/main" val="3724018131"/>
+      </p:ext>
+    </p:extLst>
+  </p:cSld>
+  <p:clrMapOvr>
+    <a:masterClrMapping/>
+  </p:clrMapOvr>
+</p:sld>
+</file>
+
+<file path=ppt/slides/slide8.xml><?xml version="1.0" encoding="utf-8"?>
+<p:sld xmlns:a="http://schemas.openxmlformats.org/drawingml/2006/main" xmlns:r="http://schemas.openxmlformats.org/officeDocument/2006/relationships" xmlns:p="http://schemas.openxmlformats.org/presentationml/2006/main">
+  <p:cSld>
+    <p:spTree>
+      <p:nvGrpSpPr>
+        <p:cNvPr id="1" name=""/>
+        <p:cNvGrpSpPr/>
+        <p:nvPr/>
+      </p:nvGrpSpPr>
+      <p:grpSpPr>
+        <a:xfrm>
+          <a:off x="0" y="0"/>
+          <a:ext cx="0" cy="0"/>
+          <a:chOff x="0" y="0"/>
+          <a:chExt cx="0" cy="0"/>
+        </a:xfrm>
+      </p:grpSpPr>
+      <p:sp>
+        <p:nvSpPr>
+          <p:cNvPr id="2" name="テキスト プレースホルダー 1">
+            <a:extLst>
+              <a:ext uri="{FF2B5EF4-FFF2-40B4-BE49-F238E27FC236}">
+                <a16:creationId xmlns:a16="http://schemas.microsoft.com/office/drawing/2014/main" id="{05EB15E0-3503-3913-289D-A5F43FCE10BD}"/>
+              </a:ext>
+            </a:extLst>
+          </p:cNvPr>
+          <p:cNvSpPr>
+            <a:spLocks noGrp="1"/>
+          </p:cNvSpPr>
+          <p:nvPr>
+            <p:ph type="body" sz="quarter" idx="10"/>
+          </p:nvPr>
+        </p:nvSpPr>
+        <p:spPr/>
+        <p:txBody>
+          <a:bodyPr/>
+          <a:lstStyle/>
+          <a:p>
+            <a:r>
+              <a:rPr lang="ja-JP" altLang="en-US"/>
+              <a:t>ポアソン括弧</a:t>
+            </a:r>
+            <a:endParaRPr kumimoji="1" lang="ja-JP" altLang="en-US"/>
+          </a:p>
+        </p:txBody>
+      </p:sp>
+      <p:sp>
+        <p:nvSpPr>
+          <p:cNvPr id="3" name="テキスト ボックス 2">
+            <a:extLst>
+              <a:ext uri="{FF2B5EF4-FFF2-40B4-BE49-F238E27FC236}">
+                <a16:creationId xmlns:a16="http://schemas.microsoft.com/office/drawing/2014/main" id="{2269716B-C2D1-3FCA-6262-DE3BFEF3F4E7}"/>
+              </a:ext>
+            </a:extLst>
+          </p:cNvPr>
+          <p:cNvSpPr txBox="1"/>
+          <p:nvPr/>
+        </p:nvSpPr>
+        <p:spPr>
+          <a:xfrm>
+            <a:off x="251520" y="1124744"/>
+            <a:ext cx="2698175" cy="523220"/>
+          </a:xfrm>
+          <a:prstGeom prst="rect">
+            <a:avLst/>
+          </a:prstGeom>
+          <a:noFill/>
+        </p:spPr>
+        <p:txBody>
+          <a:bodyPr wrap="none" rtlCol="0">
+            <a:spAutoFit/>
+          </a:bodyPr>
+          <a:lstStyle/>
+          <a:p>
+            <a:r>
+              <a:rPr kumimoji="1" lang="ja-JP" altLang="en-US" sz="2800"/>
+              <a:t>証明したいこと</a:t>
+            </a:r>
+          </a:p>
+        </p:txBody>
+      </p:sp>
+      <mc:AlternateContent xmlns:mc="http://schemas.openxmlformats.org/markup-compatibility/2006">
+        <mc:Choice xmlns:a14="http://schemas.microsoft.com/office/drawing/2010/main" Requires="a14">
+          <p:sp>
+            <p:nvSpPr>
+              <p:cNvPr id="4" name="テキスト ボックス 3">
+                <a:extLst>
+                  <a:ext uri="{FF2B5EF4-FFF2-40B4-BE49-F238E27FC236}">
+                    <a16:creationId xmlns:a16="http://schemas.microsoft.com/office/drawing/2014/main" id="{32C0F40B-E66F-FE3F-7B4C-9F3B7730DD19}"/>
+                  </a:ext>
+                </a:extLst>
+              </p:cNvPr>
+              <p:cNvSpPr txBox="1"/>
+              <p:nvPr/>
+            </p:nvSpPr>
+            <p:spPr>
+              <a:xfrm>
+                <a:off x="611560" y="4149080"/>
+                <a:ext cx="5040560" cy="1019318"/>
+              </a:xfrm>
+              <a:prstGeom prst="rect">
+                <a:avLst/>
+              </a:prstGeom>
+              <a:noFill/>
+            </p:spPr>
+            <p:txBody>
+              <a:bodyPr wrap="square" lIns="0" tIns="0" rIns="0" bIns="0" rtlCol="0">
+                <a:spAutoFit/>
+              </a:bodyPr>
+              <a:lstStyle/>
+              <a:p>
+                <a:pPr/>
+                <a14:m>
+                  <m:oMathPara xmlns:m="http://schemas.openxmlformats.org/officeDocument/2006/math">
+                    <m:oMathParaPr>
+                      <m:jc m:val="centerGroup"/>
+                    </m:oMathParaPr>
+                    <m:oMath xmlns:m="http://schemas.openxmlformats.org/officeDocument/2006/math">
+                      <m:sSub>
+                        <m:sSubPr>
+                          <m:ctrlPr>
+                            <a:rPr kumimoji="1" lang="en-US" altLang="ja-JP" sz="3200" b="0" i="1" smtClean="0">
+                              <a:latin typeface="Cambria Math" panose="02040503050406030204" pitchFamily="18" charset="0"/>
+                            </a:rPr>
+                          </m:ctrlPr>
+                        </m:sSubPr>
+                        <m:e>
+                          <m:d>
+                            <m:dPr>
+                              <m:begChr m:val="{"/>
+                              <m:endChr m:val="}"/>
+                              <m:ctrlPr>
+                                <a:rPr kumimoji="1" lang="en-US" altLang="ja-JP" sz="3200" b="0" i="1" smtClean="0">
+                                  <a:latin typeface="Cambria Math" panose="02040503050406030204" pitchFamily="18" charset="0"/>
+                                </a:rPr>
+                              </m:ctrlPr>
+                            </m:dPr>
+                            <m:e>
+                              <m:r>
+                                <a:rPr kumimoji="1" lang="en-US" altLang="ja-JP" sz="3200" b="0" i="1" smtClean="0">
+                                  <a:latin typeface="Cambria Math" panose="02040503050406030204" pitchFamily="18" charset="0"/>
+                                </a:rPr>
+                                <m:t>𝑋</m:t>
+                              </m:r>
+                              <m:r>
+                                <a:rPr kumimoji="1" lang="en-US" altLang="ja-JP" sz="3200" b="0" i="1" smtClean="0">
+                                  <a:latin typeface="Cambria Math" panose="02040503050406030204" pitchFamily="18" charset="0"/>
+                                </a:rPr>
+                                <m:t>,</m:t>
+                              </m:r>
+                              <m:r>
+                                <a:rPr kumimoji="1" lang="en-US" altLang="ja-JP" sz="3200" b="0" i="1" smtClean="0">
+                                  <a:latin typeface="Cambria Math" panose="02040503050406030204" pitchFamily="18" charset="0"/>
+                                </a:rPr>
+                                <m:t>𝑌</m:t>
+                              </m:r>
+                            </m:e>
+                          </m:d>
+                        </m:e>
+                        <m:sub>
+                          <m:r>
+                            <a:rPr kumimoji="1" lang="en-US" altLang="ja-JP" sz="3200" b="0" i="1" smtClean="0">
+                              <a:latin typeface="Cambria Math" panose="02040503050406030204" pitchFamily="18" charset="0"/>
+                            </a:rPr>
+                            <m:t>𝑞</m:t>
+                          </m:r>
+                          <m:r>
+                            <a:rPr kumimoji="1" lang="en-US" altLang="ja-JP" sz="3200" b="0" i="1" smtClean="0">
+                              <a:latin typeface="Cambria Math" panose="02040503050406030204" pitchFamily="18" charset="0"/>
+                            </a:rPr>
+                            <m:t>,</m:t>
+                          </m:r>
+                          <m:r>
+                            <a:rPr kumimoji="1" lang="en-US" altLang="ja-JP" sz="3200" b="0" i="1" smtClean="0">
+                              <a:latin typeface="Cambria Math" panose="02040503050406030204" pitchFamily="18" charset="0"/>
+                            </a:rPr>
+                            <m:t>𝑝</m:t>
+                          </m:r>
+                        </m:sub>
+                      </m:sSub>
+                      <m:r>
+                        <a:rPr kumimoji="1" lang="en-US" altLang="ja-JP" sz="3200" b="0" i="1" smtClean="0">
+                          <a:latin typeface="Cambria Math" panose="02040503050406030204" pitchFamily="18" charset="0"/>
+                        </a:rPr>
+                        <m:t>≡</m:t>
+                      </m:r>
+                      <m:f>
+                        <m:fPr>
+                          <m:ctrlPr>
+                            <a:rPr lang="en-US" altLang="ja-JP" sz="3200" i="1">
+                              <a:latin typeface="Cambria Math" panose="02040503050406030204" pitchFamily="18" charset="0"/>
+                            </a:rPr>
+                          </m:ctrlPr>
+                        </m:fPr>
+                        <m:num>
+                          <m:r>
+                            <a:rPr lang="en-US" altLang="ja-JP" sz="3200" i="1">
+                              <a:latin typeface="Cambria Math" panose="02040503050406030204" pitchFamily="18" charset="0"/>
+                            </a:rPr>
+                            <m:t>𝜕</m:t>
+                          </m:r>
+                          <m:r>
+                            <a:rPr lang="en-US" altLang="ja-JP" sz="3200" b="0" i="1" smtClean="0">
+                              <a:latin typeface="Cambria Math" panose="02040503050406030204" pitchFamily="18" charset="0"/>
+                            </a:rPr>
+                            <m:t>𝑋</m:t>
+                          </m:r>
+                        </m:num>
+                        <m:den>
+                          <m:r>
+                            <a:rPr lang="en-US" altLang="ja-JP" sz="3200" i="1">
+                              <a:latin typeface="Cambria Math" panose="02040503050406030204" pitchFamily="18" charset="0"/>
+                            </a:rPr>
+                            <m:t>𝜕</m:t>
+                          </m:r>
+                          <m:r>
+                            <a:rPr lang="en-US" altLang="ja-JP" sz="3200" i="1">
+                              <a:latin typeface="Cambria Math" panose="02040503050406030204" pitchFamily="18" charset="0"/>
+                            </a:rPr>
+                            <m:t>𝑞</m:t>
+                          </m:r>
+                        </m:den>
+                      </m:f>
+                      <m:f>
+                        <m:fPr>
+                          <m:ctrlPr>
+                            <a:rPr lang="en-US" altLang="ja-JP" sz="3200" i="1">
+                              <a:latin typeface="Cambria Math" panose="02040503050406030204" pitchFamily="18" charset="0"/>
+                            </a:rPr>
+                          </m:ctrlPr>
+                        </m:fPr>
+                        <m:num>
+                          <m:r>
+                            <a:rPr lang="en-US" altLang="ja-JP" sz="3200" i="1">
+                              <a:latin typeface="Cambria Math" panose="02040503050406030204" pitchFamily="18" charset="0"/>
+                            </a:rPr>
+                            <m:t>𝜕</m:t>
+                          </m:r>
+                          <m:r>
+                            <a:rPr lang="en-US" altLang="ja-JP" sz="3200" b="0" i="1" smtClean="0">
+                              <a:latin typeface="Cambria Math" panose="02040503050406030204" pitchFamily="18" charset="0"/>
+                            </a:rPr>
+                            <m:t>𝑌</m:t>
+                          </m:r>
+                        </m:num>
+                        <m:den>
+                          <m:r>
+                            <a:rPr lang="en-US" altLang="ja-JP" sz="3200" i="1">
+                              <a:latin typeface="Cambria Math" panose="02040503050406030204" pitchFamily="18" charset="0"/>
+                            </a:rPr>
+                            <m:t>𝜕</m:t>
+                          </m:r>
+                          <m:r>
+                            <a:rPr lang="en-US" altLang="ja-JP" sz="3200" b="0" i="1" smtClean="0">
+                              <a:latin typeface="Cambria Math" panose="02040503050406030204" pitchFamily="18" charset="0"/>
+                            </a:rPr>
+                            <m:t>𝑝</m:t>
+                          </m:r>
+                        </m:den>
+                      </m:f>
+                      <m:r>
+                        <a:rPr lang="en-US" altLang="ja-JP" sz="3200" b="0" i="1" smtClean="0">
+                          <a:latin typeface="Cambria Math" panose="02040503050406030204" pitchFamily="18" charset="0"/>
+                        </a:rPr>
+                        <m:t>−</m:t>
+                      </m:r>
+                      <m:f>
+                        <m:fPr>
+                          <m:ctrlPr>
+                            <a:rPr lang="en-US" altLang="ja-JP" sz="3200" i="1">
+                              <a:latin typeface="Cambria Math" panose="02040503050406030204" pitchFamily="18" charset="0"/>
+                            </a:rPr>
+                          </m:ctrlPr>
+                        </m:fPr>
+                        <m:num>
+                          <m:r>
+                            <a:rPr lang="en-US" altLang="ja-JP" sz="3200" i="1">
+                              <a:latin typeface="Cambria Math" panose="02040503050406030204" pitchFamily="18" charset="0"/>
+                            </a:rPr>
+                            <m:t>𝜕</m:t>
+                          </m:r>
+                          <m:r>
+                            <a:rPr lang="en-US" altLang="ja-JP" sz="3200" b="0" i="1" smtClean="0">
+                              <a:latin typeface="Cambria Math" panose="02040503050406030204" pitchFamily="18" charset="0"/>
+                            </a:rPr>
+                            <m:t>𝑋</m:t>
+                          </m:r>
+                        </m:num>
+                        <m:den>
+                          <m:r>
+                            <a:rPr lang="en-US" altLang="ja-JP" sz="3200" i="1">
+                              <a:latin typeface="Cambria Math" panose="02040503050406030204" pitchFamily="18" charset="0"/>
+                            </a:rPr>
+                            <m:t>𝜕</m:t>
+                          </m:r>
+                          <m:r>
+                            <a:rPr lang="en-US" altLang="ja-JP" sz="3200" b="0" i="1" smtClean="0">
+                              <a:latin typeface="Cambria Math" panose="02040503050406030204" pitchFamily="18" charset="0"/>
+                            </a:rPr>
+                            <m:t>𝑝</m:t>
+                          </m:r>
+                        </m:den>
+                      </m:f>
+                      <m:f>
+                        <m:fPr>
+                          <m:ctrlPr>
+                            <a:rPr lang="en-US" altLang="ja-JP" sz="3200" i="1">
+                              <a:latin typeface="Cambria Math" panose="02040503050406030204" pitchFamily="18" charset="0"/>
+                            </a:rPr>
+                          </m:ctrlPr>
+                        </m:fPr>
+                        <m:num>
+                          <m:r>
+                            <a:rPr lang="en-US" altLang="ja-JP" sz="3200" i="1">
+                              <a:latin typeface="Cambria Math" panose="02040503050406030204" pitchFamily="18" charset="0"/>
+                            </a:rPr>
+                            <m:t>𝜕</m:t>
+                          </m:r>
+                          <m:r>
+                            <a:rPr lang="en-US" altLang="ja-JP" sz="3200" b="0" i="1" smtClean="0">
+                              <a:latin typeface="Cambria Math" panose="02040503050406030204" pitchFamily="18" charset="0"/>
+                            </a:rPr>
+                            <m:t>𝑌</m:t>
+                          </m:r>
+                        </m:num>
+                        <m:den>
+                          <m:r>
+                            <a:rPr lang="en-US" altLang="ja-JP" sz="3200" i="1">
+                              <a:latin typeface="Cambria Math" panose="02040503050406030204" pitchFamily="18" charset="0"/>
+                            </a:rPr>
+                            <m:t>𝜕</m:t>
+                          </m:r>
+                          <m:r>
+                            <a:rPr lang="en-US" altLang="ja-JP" sz="3200" b="0" i="1" smtClean="0">
+                              <a:latin typeface="Cambria Math" panose="02040503050406030204" pitchFamily="18" charset="0"/>
+                            </a:rPr>
+                            <m:t>𝑞</m:t>
+                          </m:r>
+                        </m:den>
+                      </m:f>
+                    </m:oMath>
+                  </m:oMathPara>
+                </a14:m>
+                <a:endParaRPr kumimoji="1" lang="ja-JP" altLang="en-US" sz="3200"/>
+              </a:p>
+            </p:txBody>
+          </p:sp>
+        </mc:Choice>
+        <mc:Fallback>
+          <p:sp>
+            <p:nvSpPr>
+              <p:cNvPr id="4" name="テキスト ボックス 3">
+                <a:extLst>
+                  <a:ext uri="{FF2B5EF4-FFF2-40B4-BE49-F238E27FC236}">
+                    <a16:creationId xmlns:a16="http://schemas.microsoft.com/office/drawing/2014/main" id="{32C0F40B-E66F-FE3F-7B4C-9F3B7730DD19}"/>
+                  </a:ext>
+                </a:extLst>
+              </p:cNvPr>
+              <p:cNvSpPr txBox="1">
+                <a:spLocks noRot="1" noChangeAspect="1" noMove="1" noResize="1" noEditPoints="1" noAdjustHandles="1" noChangeArrowheads="1" noChangeShapeType="1" noTextEdit="1"/>
+              </p:cNvSpPr>
+              <p:nvPr/>
+            </p:nvSpPr>
+            <p:spPr>
+              <a:xfrm>
+                <a:off x="611560" y="4149080"/>
+                <a:ext cx="5040560" cy="1019318"/>
+              </a:xfrm>
+              <a:prstGeom prst="rect">
+                <a:avLst/>
+              </a:prstGeom>
+              <a:blipFill>
+                <a:blip r:embed="rId2"/>
+                <a:stretch>
+                  <a:fillRect/>
+                </a:stretch>
+              </a:blipFill>
+            </p:spPr>
+            <p:txBody>
+              <a:bodyPr/>
+              <a:lstStyle/>
+              <a:p>
+                <a:r>
+                  <a:rPr lang="ja-JP" altLang="en-US">
+                    <a:noFill/>
+                  </a:rPr>
+                  <a:t> </a:t>
+                </a:r>
+              </a:p>
+            </p:txBody>
+          </p:sp>
+        </mc:Fallback>
+      </mc:AlternateContent>
+      <mc:AlternateContent xmlns:mc="http://schemas.openxmlformats.org/markup-compatibility/2006">
+        <mc:Choice xmlns:a14="http://schemas.microsoft.com/office/drawing/2010/main" Requires="a14">
+          <p:sp>
+            <p:nvSpPr>
+              <p:cNvPr id="5" name="テキスト ボックス 4">
+                <a:extLst>
+                  <a:ext uri="{FF2B5EF4-FFF2-40B4-BE49-F238E27FC236}">
+                    <a16:creationId xmlns:a16="http://schemas.microsoft.com/office/drawing/2014/main" id="{9FB2244D-37A0-535E-B51C-7746DB8E5830}"/>
+                  </a:ext>
+                </a:extLst>
+              </p:cNvPr>
+              <p:cNvSpPr txBox="1"/>
+              <p:nvPr/>
+            </p:nvSpPr>
+            <p:spPr>
+              <a:xfrm>
+                <a:off x="683568" y="5589240"/>
+                <a:ext cx="5040560" cy="1019318"/>
+              </a:xfrm>
+              <a:prstGeom prst="rect">
+                <a:avLst/>
+              </a:prstGeom>
+              <a:noFill/>
+            </p:spPr>
+            <p:txBody>
+              <a:bodyPr wrap="square" lIns="0" tIns="0" rIns="0" bIns="0" rtlCol="0">
+                <a:spAutoFit/>
+              </a:bodyPr>
+              <a:lstStyle/>
+              <a:p>
+                <a:pPr/>
+                <a14:m>
+                  <m:oMathPara xmlns:m="http://schemas.openxmlformats.org/officeDocument/2006/math">
+                    <m:oMathParaPr>
+                      <m:jc m:val="centerGroup"/>
+                    </m:oMathParaPr>
+                    <m:oMath xmlns:m="http://schemas.openxmlformats.org/officeDocument/2006/math">
+                      <m:sSub>
+                        <m:sSubPr>
+                          <m:ctrlPr>
+                            <a:rPr kumimoji="1" lang="en-US" altLang="ja-JP" sz="3200" b="0" i="1" smtClean="0">
+                              <a:latin typeface="Cambria Math" panose="02040503050406030204" pitchFamily="18" charset="0"/>
+                            </a:rPr>
+                          </m:ctrlPr>
+                        </m:sSubPr>
+                        <m:e>
+                          <m:d>
+                            <m:dPr>
+                              <m:begChr m:val="{"/>
+                              <m:endChr m:val="}"/>
+                              <m:ctrlPr>
+                                <a:rPr kumimoji="1" lang="en-US" altLang="ja-JP" sz="3200" b="0" i="1" smtClean="0">
+                                  <a:latin typeface="Cambria Math" panose="02040503050406030204" pitchFamily="18" charset="0"/>
+                                </a:rPr>
+                              </m:ctrlPr>
+                            </m:dPr>
+                            <m:e>
+                              <m:r>
+                                <a:rPr kumimoji="1" lang="en-US" altLang="ja-JP" sz="3200" b="0" i="1" smtClean="0">
+                                  <a:latin typeface="Cambria Math" panose="02040503050406030204" pitchFamily="18" charset="0"/>
+                                </a:rPr>
+                                <m:t>𝑋</m:t>
+                              </m:r>
+                              <m:r>
+                                <a:rPr kumimoji="1" lang="en-US" altLang="ja-JP" sz="3200" b="0" i="1" smtClean="0">
+                                  <a:latin typeface="Cambria Math" panose="02040503050406030204" pitchFamily="18" charset="0"/>
+                                </a:rPr>
+                                <m:t>,</m:t>
+                              </m:r>
+                              <m:r>
+                                <a:rPr kumimoji="1" lang="en-US" altLang="ja-JP" sz="3200" b="0" i="1" smtClean="0">
+                                  <a:latin typeface="Cambria Math" panose="02040503050406030204" pitchFamily="18" charset="0"/>
+                                </a:rPr>
+                                <m:t>𝑌</m:t>
+                              </m:r>
+                            </m:e>
+                          </m:d>
+                        </m:e>
+                        <m:sub>
+                          <m:r>
+                            <a:rPr kumimoji="1" lang="en-US" altLang="ja-JP" sz="3200" b="0" i="1" smtClean="0">
+                              <a:latin typeface="Cambria Math" panose="02040503050406030204" pitchFamily="18" charset="0"/>
+                            </a:rPr>
+                            <m:t>𝑄</m:t>
+                          </m:r>
+                          <m:r>
+                            <a:rPr kumimoji="1" lang="en-US" altLang="ja-JP" sz="3200" b="0" i="1" smtClean="0">
+                              <a:latin typeface="Cambria Math" panose="02040503050406030204" pitchFamily="18" charset="0"/>
+                            </a:rPr>
+                            <m:t>,</m:t>
+                          </m:r>
+                          <m:r>
+                            <a:rPr kumimoji="1" lang="en-US" altLang="ja-JP" sz="3200" b="0" i="1" smtClean="0">
+                              <a:latin typeface="Cambria Math" panose="02040503050406030204" pitchFamily="18" charset="0"/>
+                            </a:rPr>
+                            <m:t>𝑃</m:t>
+                          </m:r>
+                        </m:sub>
+                      </m:sSub>
+                      <m:r>
+                        <a:rPr kumimoji="1" lang="en-US" altLang="ja-JP" sz="3200" b="0" i="1" smtClean="0">
+                          <a:latin typeface="Cambria Math" panose="02040503050406030204" pitchFamily="18" charset="0"/>
+                        </a:rPr>
+                        <m:t>≡</m:t>
+                      </m:r>
+                      <m:f>
+                        <m:fPr>
+                          <m:ctrlPr>
+                            <a:rPr lang="en-US" altLang="ja-JP" sz="3200" i="1">
+                              <a:latin typeface="Cambria Math" panose="02040503050406030204" pitchFamily="18" charset="0"/>
+                            </a:rPr>
+                          </m:ctrlPr>
+                        </m:fPr>
+                        <m:num>
+                          <m:r>
+                            <a:rPr lang="en-US" altLang="ja-JP" sz="3200" i="1">
+                              <a:latin typeface="Cambria Math" panose="02040503050406030204" pitchFamily="18" charset="0"/>
+                            </a:rPr>
+                            <m:t>𝜕</m:t>
+                          </m:r>
+                          <m:r>
+                            <a:rPr lang="en-US" altLang="ja-JP" sz="3200" b="0" i="1" smtClean="0">
+                              <a:latin typeface="Cambria Math" panose="02040503050406030204" pitchFamily="18" charset="0"/>
+                            </a:rPr>
+                            <m:t>𝑋</m:t>
+                          </m:r>
+                        </m:num>
+                        <m:den>
+                          <m:r>
+                            <a:rPr lang="en-US" altLang="ja-JP" sz="3200" i="1">
+                              <a:latin typeface="Cambria Math" panose="02040503050406030204" pitchFamily="18" charset="0"/>
+                            </a:rPr>
+                            <m:t>𝜕</m:t>
+                          </m:r>
+                          <m:r>
+                            <a:rPr lang="en-US" altLang="ja-JP" sz="3200" b="0" i="1" smtClean="0">
+                              <a:latin typeface="Cambria Math" panose="02040503050406030204" pitchFamily="18" charset="0"/>
+                            </a:rPr>
+                            <m:t>𝑄</m:t>
+                          </m:r>
+                        </m:den>
+                      </m:f>
+                      <m:f>
+                        <m:fPr>
+                          <m:ctrlPr>
+                            <a:rPr lang="en-US" altLang="ja-JP" sz="3200" i="1">
+                              <a:latin typeface="Cambria Math" panose="02040503050406030204" pitchFamily="18" charset="0"/>
+                            </a:rPr>
+                          </m:ctrlPr>
+                        </m:fPr>
+                        <m:num>
+                          <m:r>
+                            <a:rPr lang="en-US" altLang="ja-JP" sz="3200" i="1">
+                              <a:latin typeface="Cambria Math" panose="02040503050406030204" pitchFamily="18" charset="0"/>
+                            </a:rPr>
+                            <m:t>𝜕</m:t>
+                          </m:r>
+                          <m:r>
+                            <a:rPr lang="en-US" altLang="ja-JP" sz="3200" b="0" i="1" smtClean="0">
+                              <a:latin typeface="Cambria Math" panose="02040503050406030204" pitchFamily="18" charset="0"/>
+                            </a:rPr>
+                            <m:t>𝑌</m:t>
+                          </m:r>
+                        </m:num>
+                        <m:den>
+                          <m:r>
+                            <a:rPr lang="en-US" altLang="ja-JP" sz="3200" i="1">
+                              <a:latin typeface="Cambria Math" panose="02040503050406030204" pitchFamily="18" charset="0"/>
+                            </a:rPr>
+                            <m:t>𝜕</m:t>
+                          </m:r>
+                          <m:r>
+                            <a:rPr lang="en-US" altLang="ja-JP" sz="3200" b="0" i="1" smtClean="0">
+                              <a:latin typeface="Cambria Math" panose="02040503050406030204" pitchFamily="18" charset="0"/>
+                            </a:rPr>
+                            <m:t>𝑃</m:t>
+                          </m:r>
+                        </m:den>
+                      </m:f>
+                      <m:r>
+                        <a:rPr lang="en-US" altLang="ja-JP" sz="3200" b="0" i="1" smtClean="0">
+                          <a:latin typeface="Cambria Math" panose="02040503050406030204" pitchFamily="18" charset="0"/>
+                        </a:rPr>
+                        <m:t>−</m:t>
+                      </m:r>
+                      <m:f>
+                        <m:fPr>
+                          <m:ctrlPr>
+                            <a:rPr lang="en-US" altLang="ja-JP" sz="3200" i="1">
+                              <a:latin typeface="Cambria Math" panose="02040503050406030204" pitchFamily="18" charset="0"/>
+                            </a:rPr>
+                          </m:ctrlPr>
+                        </m:fPr>
+                        <m:num>
+                          <m:r>
+                            <a:rPr lang="en-US" altLang="ja-JP" sz="3200" i="1">
+                              <a:latin typeface="Cambria Math" panose="02040503050406030204" pitchFamily="18" charset="0"/>
+                            </a:rPr>
+                            <m:t>𝜕</m:t>
+                          </m:r>
+                          <m:r>
+                            <a:rPr lang="en-US" altLang="ja-JP" sz="3200" b="0" i="1" smtClean="0">
+                              <a:latin typeface="Cambria Math" panose="02040503050406030204" pitchFamily="18" charset="0"/>
+                            </a:rPr>
+                            <m:t>𝑋</m:t>
+                          </m:r>
+                        </m:num>
+                        <m:den>
+                          <m:r>
+                            <a:rPr lang="en-US" altLang="ja-JP" sz="3200" i="1">
+                              <a:latin typeface="Cambria Math" panose="02040503050406030204" pitchFamily="18" charset="0"/>
+                            </a:rPr>
+                            <m:t>𝜕</m:t>
+                          </m:r>
+                          <m:r>
+                            <a:rPr lang="en-US" altLang="ja-JP" sz="3200" b="0" i="1" smtClean="0">
+                              <a:latin typeface="Cambria Math" panose="02040503050406030204" pitchFamily="18" charset="0"/>
+                            </a:rPr>
+                            <m:t>𝑃</m:t>
+                          </m:r>
+                        </m:den>
+                      </m:f>
+                      <m:f>
+                        <m:fPr>
+                          <m:ctrlPr>
+                            <a:rPr lang="en-US" altLang="ja-JP" sz="3200" i="1">
+                              <a:latin typeface="Cambria Math" panose="02040503050406030204" pitchFamily="18" charset="0"/>
+                            </a:rPr>
+                          </m:ctrlPr>
+                        </m:fPr>
+                        <m:num>
+                          <m:r>
+                            <a:rPr lang="en-US" altLang="ja-JP" sz="3200" i="1">
+                              <a:latin typeface="Cambria Math" panose="02040503050406030204" pitchFamily="18" charset="0"/>
+                            </a:rPr>
+                            <m:t>𝜕</m:t>
+                          </m:r>
+                          <m:r>
+                            <a:rPr lang="en-US" altLang="ja-JP" sz="3200" b="0" i="1" smtClean="0">
+                              <a:latin typeface="Cambria Math" panose="02040503050406030204" pitchFamily="18" charset="0"/>
+                            </a:rPr>
+                            <m:t>𝑌</m:t>
+                          </m:r>
+                        </m:num>
+                        <m:den>
+                          <m:r>
+                            <a:rPr lang="en-US" altLang="ja-JP" sz="3200" i="1">
+                              <a:latin typeface="Cambria Math" panose="02040503050406030204" pitchFamily="18" charset="0"/>
+                            </a:rPr>
+                            <m:t>𝜕</m:t>
+                          </m:r>
+                          <m:r>
+                            <a:rPr lang="en-US" altLang="ja-JP" sz="3200" b="0" i="1" smtClean="0">
+                              <a:latin typeface="Cambria Math" panose="02040503050406030204" pitchFamily="18" charset="0"/>
+                            </a:rPr>
+                            <m:t>𝑄</m:t>
+                          </m:r>
+                        </m:den>
+                      </m:f>
+                    </m:oMath>
+                  </m:oMathPara>
+                </a14:m>
+                <a:endParaRPr kumimoji="1" lang="ja-JP" altLang="en-US" sz="3200"/>
+              </a:p>
+            </p:txBody>
+          </p:sp>
+        </mc:Choice>
+        <mc:Fallback>
+          <p:sp>
+            <p:nvSpPr>
+              <p:cNvPr id="5" name="テキスト ボックス 4">
+                <a:extLst>
+                  <a:ext uri="{FF2B5EF4-FFF2-40B4-BE49-F238E27FC236}">
+                    <a16:creationId xmlns:a16="http://schemas.microsoft.com/office/drawing/2014/main" id="{9FB2244D-37A0-535E-B51C-7746DB8E5830}"/>
+                  </a:ext>
+                </a:extLst>
+              </p:cNvPr>
+              <p:cNvSpPr txBox="1">
+                <a:spLocks noRot="1" noChangeAspect="1" noMove="1" noResize="1" noEditPoints="1" noAdjustHandles="1" noChangeArrowheads="1" noChangeShapeType="1" noTextEdit="1"/>
+              </p:cNvSpPr>
+              <p:nvPr/>
+            </p:nvSpPr>
+            <p:spPr>
+              <a:xfrm>
+                <a:off x="683568" y="5589240"/>
+                <a:ext cx="5040560" cy="1019318"/>
+              </a:xfrm>
+              <a:prstGeom prst="rect">
+                <a:avLst/>
+              </a:prstGeom>
+              <a:blipFill>
+                <a:blip r:embed="rId3"/>
+                <a:stretch>
+                  <a:fillRect/>
+                </a:stretch>
+              </a:blipFill>
+            </p:spPr>
+            <p:txBody>
+              <a:bodyPr/>
+              <a:lstStyle/>
+              <a:p>
+                <a:r>
+                  <a:rPr lang="ja-JP" altLang="en-US">
+                    <a:noFill/>
+                  </a:rPr>
+                  <a:t> </a:t>
+                </a:r>
+              </a:p>
+            </p:txBody>
+          </p:sp>
+        </mc:Fallback>
+      </mc:AlternateContent>
+      <mc:AlternateContent xmlns:mc="http://schemas.openxmlformats.org/markup-compatibility/2006">
+        <mc:Choice xmlns:a14="http://schemas.microsoft.com/office/drawing/2010/main" Requires="a14">
+          <p:sp>
+            <p:nvSpPr>
+              <p:cNvPr id="6" name="テキスト ボックス 5">
+                <a:extLst>
+                  <a:ext uri="{FF2B5EF4-FFF2-40B4-BE49-F238E27FC236}">
+                    <a16:creationId xmlns:a16="http://schemas.microsoft.com/office/drawing/2014/main" id="{4D40B9B0-AF24-74FA-FD1E-663DC3C98C15}"/>
+                  </a:ext>
+                </a:extLst>
+              </p:cNvPr>
+              <p:cNvSpPr txBox="1"/>
+              <p:nvPr/>
+            </p:nvSpPr>
+            <p:spPr>
+              <a:xfrm>
+                <a:off x="899592" y="1988840"/>
+                <a:ext cx="6735305" cy="461665"/>
+              </a:xfrm>
+              <a:prstGeom prst="rect">
+                <a:avLst/>
+              </a:prstGeom>
+              <a:noFill/>
+            </p:spPr>
+            <p:txBody>
+              <a:bodyPr wrap="none" rtlCol="0">
+                <a:spAutoFit/>
+              </a:bodyPr>
+              <a:lstStyle/>
+              <a:p>
+                <a:r>
+                  <a:rPr kumimoji="1" lang="ja-JP" altLang="en-US" sz="2400"/>
+                  <a:t>変数変換</a:t>
+                </a:r>
+                <a14:m>
+                  <m:oMath xmlns:m="http://schemas.openxmlformats.org/officeDocument/2006/math">
+                    <m:d>
+                      <m:dPr>
+                        <m:ctrlPr>
+                          <a:rPr kumimoji="1" lang="en-US" altLang="ja-JP" sz="2400" b="0" i="1" smtClean="0">
+                            <a:latin typeface="Cambria Math" panose="02040503050406030204" pitchFamily="18" charset="0"/>
+                          </a:rPr>
+                        </m:ctrlPr>
+                      </m:dPr>
+                      <m:e>
+                        <m:r>
+                          <a:rPr kumimoji="1" lang="en-US" altLang="ja-JP" sz="2400" b="0" i="1" smtClean="0">
+                            <a:latin typeface="Cambria Math" panose="02040503050406030204" pitchFamily="18" charset="0"/>
+                          </a:rPr>
+                          <m:t>𝑞</m:t>
+                        </m:r>
+                        <m:r>
+                          <a:rPr kumimoji="1" lang="en-US" altLang="ja-JP" sz="2400" b="0" i="1" smtClean="0">
+                            <a:latin typeface="Cambria Math" panose="02040503050406030204" pitchFamily="18" charset="0"/>
+                          </a:rPr>
+                          <m:t>,</m:t>
+                        </m:r>
+                        <m:r>
+                          <a:rPr kumimoji="1" lang="en-US" altLang="ja-JP" sz="2400" b="0" i="1" smtClean="0">
+                            <a:latin typeface="Cambria Math" panose="02040503050406030204" pitchFamily="18" charset="0"/>
+                          </a:rPr>
+                          <m:t>𝑝</m:t>
+                        </m:r>
+                      </m:e>
+                    </m:d>
+                    <m:r>
+                      <a:rPr kumimoji="1" lang="en-US" altLang="ja-JP" sz="2400" b="0" i="1" smtClean="0">
+                        <a:latin typeface="Cambria Math" panose="02040503050406030204" pitchFamily="18" charset="0"/>
+                      </a:rPr>
+                      <m:t>→(</m:t>
+                    </m:r>
+                    <m:r>
+                      <a:rPr kumimoji="1" lang="en-US" altLang="ja-JP" sz="2400" b="0" i="1" smtClean="0">
+                        <a:latin typeface="Cambria Math" panose="02040503050406030204" pitchFamily="18" charset="0"/>
+                      </a:rPr>
+                      <m:t>𝑄</m:t>
+                    </m:r>
+                    <m:r>
+                      <a:rPr kumimoji="1" lang="en-US" altLang="ja-JP" sz="2400" b="0" i="1" smtClean="0">
+                        <a:latin typeface="Cambria Math" panose="02040503050406030204" pitchFamily="18" charset="0"/>
+                      </a:rPr>
+                      <m:t>,</m:t>
+                    </m:r>
+                    <m:r>
+                      <a:rPr kumimoji="1" lang="en-US" altLang="ja-JP" sz="2400" b="0" i="1" smtClean="0">
+                        <a:latin typeface="Cambria Math" panose="02040503050406030204" pitchFamily="18" charset="0"/>
+                      </a:rPr>
+                      <m:t>𝑃</m:t>
+                    </m:r>
+                    <m:r>
+                      <a:rPr kumimoji="1" lang="en-US" altLang="ja-JP" sz="2400" b="0" i="1" smtClean="0">
+                        <a:latin typeface="Cambria Math" panose="02040503050406030204" pitchFamily="18" charset="0"/>
+                      </a:rPr>
+                      <m:t>)</m:t>
+                    </m:r>
+                  </m:oMath>
+                </a14:m>
+                <a:r>
+                  <a:rPr kumimoji="1" lang="ja-JP" altLang="en-US" sz="2400"/>
+                  <a:t>が正準変換であるならば</a:t>
+                </a:r>
+              </a:p>
+            </p:txBody>
+          </p:sp>
+        </mc:Choice>
+        <mc:Fallback>
+          <p:sp>
+            <p:nvSpPr>
+              <p:cNvPr id="6" name="テキスト ボックス 5">
+                <a:extLst>
+                  <a:ext uri="{FF2B5EF4-FFF2-40B4-BE49-F238E27FC236}">
+                    <a16:creationId xmlns:a16="http://schemas.microsoft.com/office/drawing/2014/main" id="{4D40B9B0-AF24-74FA-FD1E-663DC3C98C15}"/>
+                  </a:ext>
+                </a:extLst>
+              </p:cNvPr>
+              <p:cNvSpPr txBox="1">
+                <a:spLocks noRot="1" noChangeAspect="1" noMove="1" noResize="1" noEditPoints="1" noAdjustHandles="1" noChangeArrowheads="1" noChangeShapeType="1" noTextEdit="1"/>
+              </p:cNvSpPr>
+              <p:nvPr/>
+            </p:nvSpPr>
+            <p:spPr>
+              <a:xfrm>
+                <a:off x="899592" y="1988840"/>
+                <a:ext cx="6735305" cy="461665"/>
+              </a:xfrm>
+              <a:prstGeom prst="rect">
+                <a:avLst/>
+              </a:prstGeom>
+              <a:blipFill>
+                <a:blip r:embed="rId4"/>
+                <a:stretch>
+                  <a:fillRect l="-1449" t="-14474" r="-453" b="-25000"/>
+                </a:stretch>
+              </a:blipFill>
+            </p:spPr>
+            <p:txBody>
+              <a:bodyPr/>
+              <a:lstStyle/>
+              <a:p>
+                <a:r>
+                  <a:rPr lang="ja-JP" altLang="en-US">
+                    <a:noFill/>
+                  </a:rPr>
+                  <a:t> </a:t>
+                </a:r>
+              </a:p>
+            </p:txBody>
+          </p:sp>
+        </mc:Fallback>
+      </mc:AlternateContent>
+      <mc:AlternateContent xmlns:mc="http://schemas.openxmlformats.org/markup-compatibility/2006">
+        <mc:Choice xmlns:a14="http://schemas.microsoft.com/office/drawing/2010/main" Requires="a14">
+          <p:sp>
+            <p:nvSpPr>
+              <p:cNvPr id="8" name="テキスト ボックス 7">
+                <a:extLst>
+                  <a:ext uri="{FF2B5EF4-FFF2-40B4-BE49-F238E27FC236}">
+                    <a16:creationId xmlns:a16="http://schemas.microsoft.com/office/drawing/2014/main" id="{95CFD1C3-9116-9195-8679-0C694B73AED2}"/>
+                  </a:ext>
+                </a:extLst>
+              </p:cNvPr>
+              <p:cNvSpPr txBox="1"/>
+              <p:nvPr/>
+            </p:nvSpPr>
+            <p:spPr>
+              <a:xfrm>
+                <a:off x="1331640" y="2564904"/>
+                <a:ext cx="5958408" cy="887935"/>
+              </a:xfrm>
+              <a:prstGeom prst="rect">
+                <a:avLst/>
+              </a:prstGeom>
+              <a:noFill/>
+            </p:spPr>
+            <p:txBody>
+              <a:bodyPr wrap="square">
+                <a:spAutoFit/>
+              </a:bodyPr>
+              <a:lstStyle/>
+              <a:p>
+                <a:pPr/>
+                <a14:m>
+                  <m:oMathPara xmlns:m="http://schemas.openxmlformats.org/officeDocument/2006/math">
+                    <m:oMathParaPr>
+                      <m:jc m:val="centerGroup"/>
+                    </m:oMathParaPr>
+                    <m:oMath xmlns:m="http://schemas.openxmlformats.org/officeDocument/2006/math">
+                      <m:sSub>
+                        <m:sSubPr>
+                          <m:ctrlPr>
+                            <a:rPr kumimoji="1" lang="en-US" altLang="ja-JP" sz="4800" b="0" i="1" smtClean="0">
+                              <a:latin typeface="Cambria Math" panose="02040503050406030204" pitchFamily="18" charset="0"/>
+                            </a:rPr>
+                          </m:ctrlPr>
+                        </m:sSubPr>
+                        <m:e>
+                          <m:d>
+                            <m:dPr>
+                              <m:begChr m:val="{"/>
+                              <m:endChr m:val="}"/>
+                              <m:ctrlPr>
+                                <a:rPr kumimoji="1" lang="en-US" altLang="ja-JP" sz="4800" b="0" i="1" smtClean="0">
+                                  <a:latin typeface="Cambria Math" panose="02040503050406030204" pitchFamily="18" charset="0"/>
+                                </a:rPr>
+                              </m:ctrlPr>
+                            </m:dPr>
+                            <m:e>
+                              <m:r>
+                                <a:rPr kumimoji="1" lang="en-US" altLang="ja-JP" sz="4800" b="0" i="1" smtClean="0">
+                                  <a:latin typeface="Cambria Math" panose="02040503050406030204" pitchFamily="18" charset="0"/>
+                                </a:rPr>
+                                <m:t>𝑋</m:t>
+                              </m:r>
+                              <m:r>
+                                <a:rPr kumimoji="1" lang="en-US" altLang="ja-JP" sz="4800" b="0" i="1" smtClean="0">
+                                  <a:latin typeface="Cambria Math" panose="02040503050406030204" pitchFamily="18" charset="0"/>
+                                </a:rPr>
+                                <m:t>,</m:t>
+                              </m:r>
+                              <m:r>
+                                <a:rPr kumimoji="1" lang="en-US" altLang="ja-JP" sz="4800" b="0" i="1" smtClean="0">
+                                  <a:latin typeface="Cambria Math" panose="02040503050406030204" pitchFamily="18" charset="0"/>
+                                </a:rPr>
+                                <m:t>𝑌</m:t>
+                              </m:r>
+                            </m:e>
+                          </m:d>
+                        </m:e>
+                        <m:sub>
+                          <m:r>
+                            <a:rPr kumimoji="1" lang="en-US" altLang="ja-JP" sz="4800" b="0" i="1" smtClean="0">
+                              <a:latin typeface="Cambria Math" panose="02040503050406030204" pitchFamily="18" charset="0"/>
+                            </a:rPr>
+                            <m:t>𝑞</m:t>
+                          </m:r>
+                          <m:r>
+                            <a:rPr kumimoji="1" lang="en-US" altLang="ja-JP" sz="4800" b="0" i="1" smtClean="0">
+                              <a:latin typeface="Cambria Math" panose="02040503050406030204" pitchFamily="18" charset="0"/>
+                            </a:rPr>
+                            <m:t>,</m:t>
+                          </m:r>
+                          <m:r>
+                            <a:rPr kumimoji="1" lang="en-US" altLang="ja-JP" sz="4800" b="0" i="1" smtClean="0">
+                              <a:latin typeface="Cambria Math" panose="02040503050406030204" pitchFamily="18" charset="0"/>
+                            </a:rPr>
+                            <m:t>𝑝</m:t>
+                          </m:r>
+                        </m:sub>
+                      </m:sSub>
+                      <m:r>
+                        <a:rPr kumimoji="1" lang="en-US" altLang="ja-JP" sz="4800" b="0" i="1" smtClean="0">
+                          <a:latin typeface="Cambria Math" panose="02040503050406030204" pitchFamily="18" charset="0"/>
+                        </a:rPr>
+                        <m:t>=</m:t>
+                      </m:r>
+                      <m:sSub>
+                        <m:sSubPr>
+                          <m:ctrlPr>
+                            <a:rPr lang="en-US" altLang="ja-JP" sz="4800" i="1">
+                              <a:latin typeface="Cambria Math" panose="02040503050406030204" pitchFamily="18" charset="0"/>
+                            </a:rPr>
+                          </m:ctrlPr>
+                        </m:sSubPr>
+                        <m:e>
+                          <m:d>
+                            <m:dPr>
+                              <m:begChr m:val="{"/>
+                              <m:endChr m:val="}"/>
+                              <m:ctrlPr>
+                                <a:rPr lang="en-US" altLang="ja-JP" sz="4800" i="1">
+                                  <a:latin typeface="Cambria Math" panose="02040503050406030204" pitchFamily="18" charset="0"/>
+                                </a:rPr>
+                              </m:ctrlPr>
+                            </m:dPr>
+                            <m:e>
+                              <m:r>
+                                <a:rPr lang="en-US" altLang="ja-JP" sz="4800" i="1">
+                                  <a:latin typeface="Cambria Math" panose="02040503050406030204" pitchFamily="18" charset="0"/>
+                                </a:rPr>
+                                <m:t>𝑋</m:t>
+                              </m:r>
+                              <m:r>
+                                <a:rPr lang="en-US" altLang="ja-JP" sz="4800" i="1">
+                                  <a:latin typeface="Cambria Math" panose="02040503050406030204" pitchFamily="18" charset="0"/>
+                                </a:rPr>
+                                <m:t>,</m:t>
+                              </m:r>
+                              <m:r>
+                                <a:rPr lang="en-US" altLang="ja-JP" sz="4800" i="1">
+                                  <a:latin typeface="Cambria Math" panose="02040503050406030204" pitchFamily="18" charset="0"/>
+                                </a:rPr>
+                                <m:t>𝑌</m:t>
+                              </m:r>
+                            </m:e>
+                          </m:d>
+                        </m:e>
+                        <m:sub>
+                          <m:r>
+                            <a:rPr lang="en-US" altLang="ja-JP" sz="4800" b="0" i="1" smtClean="0">
+                              <a:latin typeface="Cambria Math" panose="02040503050406030204" pitchFamily="18" charset="0"/>
+                            </a:rPr>
+                            <m:t>𝑄</m:t>
+                          </m:r>
+                          <m:r>
+                            <a:rPr lang="en-US" altLang="ja-JP" sz="4800" i="1">
+                              <a:latin typeface="Cambria Math" panose="02040503050406030204" pitchFamily="18" charset="0"/>
+                            </a:rPr>
+                            <m:t>,</m:t>
+                          </m:r>
+                          <m:r>
+                            <a:rPr lang="en-US" altLang="ja-JP" sz="4800" b="0" i="1" smtClean="0">
+                              <a:latin typeface="Cambria Math" panose="02040503050406030204" pitchFamily="18" charset="0"/>
+                            </a:rPr>
+                            <m:t>𝑃</m:t>
+                          </m:r>
+                        </m:sub>
+                      </m:sSub>
+                    </m:oMath>
+                  </m:oMathPara>
+                </a14:m>
+                <a:endParaRPr lang="ja-JP" altLang="en-US" sz="4800"/>
+              </a:p>
+            </p:txBody>
+          </p:sp>
+        </mc:Choice>
+        <mc:Fallback>
+          <p:sp>
+            <p:nvSpPr>
+              <p:cNvPr id="8" name="テキスト ボックス 7">
+                <a:extLst>
+                  <a:ext uri="{FF2B5EF4-FFF2-40B4-BE49-F238E27FC236}">
+                    <a16:creationId xmlns:a16="http://schemas.microsoft.com/office/drawing/2014/main" id="{95CFD1C3-9116-9195-8679-0C694B73AED2}"/>
+                  </a:ext>
+                </a:extLst>
+              </p:cNvPr>
+              <p:cNvSpPr txBox="1">
+                <a:spLocks noRot="1" noChangeAspect="1" noMove="1" noResize="1" noEditPoints="1" noAdjustHandles="1" noChangeArrowheads="1" noChangeShapeType="1" noTextEdit="1"/>
+              </p:cNvSpPr>
+              <p:nvPr/>
+            </p:nvSpPr>
+            <p:spPr>
+              <a:xfrm>
+                <a:off x="1331640" y="2564904"/>
+                <a:ext cx="5958408" cy="887935"/>
+              </a:xfrm>
+              <a:prstGeom prst="rect">
+                <a:avLst/>
+              </a:prstGeom>
+              <a:blipFill>
+                <a:blip r:embed="rId5"/>
+                <a:stretch>
+                  <a:fillRect/>
+                </a:stretch>
+              </a:blipFill>
+            </p:spPr>
+            <p:txBody>
+              <a:bodyPr/>
+              <a:lstStyle/>
+              <a:p>
+                <a:r>
+                  <a:rPr lang="ja-JP" altLang="en-US">
+                    <a:noFill/>
+                  </a:rPr>
+                  <a:t> </a:t>
+                </a:r>
+              </a:p>
+            </p:txBody>
+          </p:sp>
+        </mc:Fallback>
+      </mc:AlternateContent>
+    </p:spTree>
+    <p:extLst>
+      <p:ext uri="{BB962C8B-B14F-4D97-AF65-F5344CB8AC3E}">
+        <p14:creationId xmlns:p14="http://schemas.microsoft.com/office/powerpoint/2010/main" val="1866534610"/>
       </p:ext>
     </p:extLst>
   </p:cSld>

--- a/poisson/fig/slide.pptx
+++ b/poisson/fig/slide.pptx
@@ -5,7 +5,7 @@
     <p:sldMasterId id="2147483663" r:id="rId1"/>
   </p:sldMasterIdLst>
   <p:notesMasterIdLst>
-    <p:notesMasterId r:id="rId10"/>
+    <p:notesMasterId r:id="rId14"/>
   </p:notesMasterIdLst>
   <p:sldIdLst>
     <p:sldId id="256" r:id="rId2"/>
@@ -16,6 +16,10 @@
     <p:sldId id="265" r:id="rId7"/>
     <p:sldId id="266" r:id="rId8"/>
     <p:sldId id="267" r:id="rId9"/>
+    <p:sldId id="268" r:id="rId10"/>
+    <p:sldId id="269" r:id="rId11"/>
+    <p:sldId id="270" r:id="rId12"/>
+    <p:sldId id="271" r:id="rId13"/>
   </p:sldIdLst>
   <p:sldSz cx="9144000" cy="6858000" type="screen4x3"/>
   <p:notesSz cx="6858000" cy="9144000"/>
@@ -1300,6 +1304,4318 @@
 </p:sld>
 </file>
 
+<file path=ppt/slides/slide10.xml><?xml version="1.0" encoding="utf-8"?>
+<p:sld xmlns:a="http://schemas.openxmlformats.org/drawingml/2006/main" xmlns:r="http://schemas.openxmlformats.org/officeDocument/2006/relationships" xmlns:p="http://schemas.openxmlformats.org/presentationml/2006/main">
+  <p:cSld>
+    <p:spTree>
+      <p:nvGrpSpPr>
+        <p:cNvPr id="1" name=""/>
+        <p:cNvGrpSpPr/>
+        <p:nvPr/>
+      </p:nvGrpSpPr>
+      <p:grpSpPr>
+        <a:xfrm>
+          <a:off x="0" y="0"/>
+          <a:ext cx="0" cy="0"/>
+          <a:chOff x="0" y="0"/>
+          <a:chExt cx="0" cy="0"/>
+        </a:xfrm>
+      </p:grpSpPr>
+      <p:sp>
+        <p:nvSpPr>
+          <p:cNvPr id="2" name="テキスト プレースホルダー 1">
+            <a:extLst>
+              <a:ext uri="{FF2B5EF4-FFF2-40B4-BE49-F238E27FC236}">
+                <a16:creationId xmlns:a16="http://schemas.microsoft.com/office/drawing/2014/main" id="{666876E9-B54E-C9D8-C67C-DCF703985A6C}"/>
+              </a:ext>
+            </a:extLst>
+          </p:cNvPr>
+          <p:cNvSpPr>
+            <a:spLocks noGrp="1"/>
+          </p:cNvSpPr>
+          <p:nvPr>
+            <p:ph type="body" sz="quarter" idx="10"/>
+          </p:nvPr>
+        </p:nvSpPr>
+        <p:spPr/>
+        <p:txBody>
+          <a:bodyPr/>
+          <a:lstStyle/>
+          <a:p>
+            <a:r>
+              <a:rPr lang="ja-JP" altLang="en-US"/>
+              <a:t>ポアソン括弧と正準変換</a:t>
+            </a:r>
+            <a:endParaRPr kumimoji="1" lang="ja-JP" altLang="en-US"/>
+          </a:p>
+        </p:txBody>
+      </p:sp>
+      <mc:AlternateContent xmlns:mc="http://schemas.openxmlformats.org/markup-compatibility/2006">
+        <mc:Choice xmlns:a14="http://schemas.microsoft.com/office/drawing/2010/main" Requires="a14">
+          <p:sp>
+            <p:nvSpPr>
+              <p:cNvPr id="5" name="テキスト ボックス 4">
+                <a:extLst>
+                  <a:ext uri="{FF2B5EF4-FFF2-40B4-BE49-F238E27FC236}">
+                    <a16:creationId xmlns:a16="http://schemas.microsoft.com/office/drawing/2014/main" id="{F7C239DC-1983-6834-2A61-8A6EAB36E4F2}"/>
+                  </a:ext>
+                </a:extLst>
+              </p:cNvPr>
+              <p:cNvSpPr txBox="1"/>
+              <p:nvPr/>
+            </p:nvSpPr>
+            <p:spPr>
+              <a:xfrm>
+                <a:off x="971600" y="1196752"/>
+                <a:ext cx="7017370" cy="968150"/>
+              </a:xfrm>
+              <a:prstGeom prst="rect">
+                <a:avLst/>
+              </a:prstGeom>
+              <a:noFill/>
+            </p:spPr>
+            <p:txBody>
+              <a:bodyPr wrap="none" lIns="0" tIns="0" rIns="0" bIns="0" rtlCol="0">
+                <a:spAutoFit/>
+              </a:bodyPr>
+              <a:lstStyle/>
+              <a:p>
+                <a14:m>
+                  <m:oMathPara xmlns:m="http://schemas.openxmlformats.org/officeDocument/2006/math">
+                    <m:oMathParaPr>
+                      <m:jc m:val="centerGroup"/>
+                    </m:oMathParaPr>
+                    <m:oMath xmlns:m="http://schemas.openxmlformats.org/officeDocument/2006/math">
+                      <m:f>
+                        <m:fPr>
+                          <m:ctrlPr>
+                            <a:rPr kumimoji="1" lang="en-US" altLang="ja-JP" sz="2800" b="0" i="1" smtClean="0">
+                              <a:latin typeface="Cambria Math" panose="02040503050406030204" pitchFamily="18" charset="0"/>
+                            </a:rPr>
+                          </m:ctrlPr>
+                        </m:fPr>
+                        <m:num>
+                          <m:r>
+                            <a:rPr kumimoji="1" lang="en-US" altLang="ja-JP" sz="2800" b="0" i="1" smtClean="0">
+                              <a:latin typeface="Cambria Math" panose="02040503050406030204" pitchFamily="18" charset="0"/>
+                            </a:rPr>
+                            <m:t>𝜕</m:t>
+                          </m:r>
+                          <m:r>
+                            <a:rPr kumimoji="1" lang="en-US" altLang="ja-JP" sz="2800" b="0" i="1" smtClean="0">
+                              <a:latin typeface="Cambria Math" panose="02040503050406030204" pitchFamily="18" charset="0"/>
+                            </a:rPr>
+                            <m:t>𝑋</m:t>
+                          </m:r>
+                        </m:num>
+                        <m:den>
+                          <m:r>
+                            <a:rPr kumimoji="1" lang="en-US" altLang="ja-JP" sz="2800" b="0" i="1" smtClean="0">
+                              <a:latin typeface="Cambria Math" panose="02040503050406030204" pitchFamily="18" charset="0"/>
+                            </a:rPr>
+                            <m:t>𝜕</m:t>
+                          </m:r>
+                          <m:r>
+                            <a:rPr kumimoji="1" lang="en-US" altLang="ja-JP" sz="2800" b="0" i="1" smtClean="0">
+                              <a:latin typeface="Cambria Math" panose="02040503050406030204" pitchFamily="18" charset="0"/>
+                            </a:rPr>
+                            <m:t>𝑞</m:t>
+                          </m:r>
+                        </m:den>
+                      </m:f>
+                      <m:f>
+                        <m:fPr>
+                          <m:ctrlPr>
+                            <a:rPr lang="en-US" altLang="ja-JP" sz="2800" i="1">
+                              <a:latin typeface="Cambria Math" panose="02040503050406030204" pitchFamily="18" charset="0"/>
+                            </a:rPr>
+                          </m:ctrlPr>
+                        </m:fPr>
+                        <m:num>
+                          <m:r>
+                            <a:rPr lang="en-US" altLang="ja-JP" sz="2800" i="1">
+                              <a:latin typeface="Cambria Math" panose="02040503050406030204" pitchFamily="18" charset="0"/>
+                            </a:rPr>
+                            <m:t>𝜕</m:t>
+                          </m:r>
+                          <m:r>
+                            <a:rPr lang="en-US" altLang="ja-JP" sz="2800" b="0" i="1" smtClean="0">
+                              <a:latin typeface="Cambria Math" panose="02040503050406030204" pitchFamily="18" charset="0"/>
+                            </a:rPr>
+                            <m:t>𝑌</m:t>
+                          </m:r>
+                        </m:num>
+                        <m:den>
+                          <m:r>
+                            <a:rPr lang="en-US" altLang="ja-JP" sz="2800" i="1">
+                              <a:latin typeface="Cambria Math" panose="02040503050406030204" pitchFamily="18" charset="0"/>
+                            </a:rPr>
+                            <m:t>𝜕</m:t>
+                          </m:r>
+                          <m:r>
+                            <a:rPr lang="en-US" altLang="ja-JP" sz="2800" b="0" i="1" smtClean="0">
+                              <a:latin typeface="Cambria Math" panose="02040503050406030204" pitchFamily="18" charset="0"/>
+                            </a:rPr>
+                            <m:t>𝑝</m:t>
+                          </m:r>
+                        </m:den>
+                      </m:f>
+                      <m:r>
+                        <a:rPr kumimoji="1" lang="en-US" altLang="ja-JP" sz="2800" b="0" i="1" smtClean="0">
+                          <a:latin typeface="Cambria Math" panose="02040503050406030204" pitchFamily="18" charset="0"/>
+                        </a:rPr>
+                        <m:t>=</m:t>
+                      </m:r>
+                      <m:d>
+                        <m:dPr>
+                          <m:ctrlPr>
+                            <a:rPr kumimoji="1" lang="en-US" altLang="ja-JP" sz="2800" b="0" i="1" smtClean="0">
+                              <a:latin typeface="Cambria Math" panose="02040503050406030204" pitchFamily="18" charset="0"/>
+                            </a:rPr>
+                          </m:ctrlPr>
+                        </m:dPr>
+                        <m:e>
+                          <m:f>
+                            <m:fPr>
+                              <m:ctrlPr>
+                                <a:rPr lang="en-US" altLang="ja-JP" sz="2800" i="1">
+                                  <a:latin typeface="Cambria Math" panose="02040503050406030204" pitchFamily="18" charset="0"/>
+                                </a:rPr>
+                              </m:ctrlPr>
+                            </m:fPr>
+                            <m:num>
+                              <m:r>
+                                <a:rPr lang="en-US" altLang="ja-JP" sz="2800" i="1">
+                                  <a:latin typeface="Cambria Math" panose="02040503050406030204" pitchFamily="18" charset="0"/>
+                                </a:rPr>
+                                <m:t>𝜕</m:t>
+                              </m:r>
+                              <m:r>
+                                <a:rPr lang="en-US" altLang="ja-JP" sz="2800" i="1">
+                                  <a:latin typeface="Cambria Math" panose="02040503050406030204" pitchFamily="18" charset="0"/>
+                                </a:rPr>
+                                <m:t>𝑋</m:t>
+                              </m:r>
+                            </m:num>
+                            <m:den>
+                              <m:r>
+                                <a:rPr lang="en-US" altLang="ja-JP" sz="2800" i="1">
+                                  <a:latin typeface="Cambria Math" panose="02040503050406030204" pitchFamily="18" charset="0"/>
+                                </a:rPr>
+                                <m:t>𝜕</m:t>
+                              </m:r>
+                              <m:r>
+                                <a:rPr lang="en-US" altLang="ja-JP" sz="2800" i="1">
+                                  <a:latin typeface="Cambria Math" panose="02040503050406030204" pitchFamily="18" charset="0"/>
+                                </a:rPr>
+                                <m:t>𝑄</m:t>
+                              </m:r>
+                            </m:den>
+                          </m:f>
+                          <m:f>
+                            <m:fPr>
+                              <m:ctrlPr>
+                                <a:rPr lang="en-US" altLang="ja-JP" sz="2800" i="1">
+                                  <a:latin typeface="Cambria Math" panose="02040503050406030204" pitchFamily="18" charset="0"/>
+                                </a:rPr>
+                              </m:ctrlPr>
+                            </m:fPr>
+                            <m:num>
+                              <m:r>
+                                <a:rPr lang="en-US" altLang="ja-JP" sz="2800" i="1">
+                                  <a:latin typeface="Cambria Math" panose="02040503050406030204" pitchFamily="18" charset="0"/>
+                                </a:rPr>
+                                <m:t>𝜕</m:t>
+                              </m:r>
+                              <m:r>
+                                <a:rPr lang="en-US" altLang="ja-JP" sz="2800" i="1">
+                                  <a:latin typeface="Cambria Math" panose="02040503050406030204" pitchFamily="18" charset="0"/>
+                                </a:rPr>
+                                <m:t>𝑄</m:t>
+                              </m:r>
+                            </m:num>
+                            <m:den>
+                              <m:r>
+                                <a:rPr lang="en-US" altLang="ja-JP" sz="2800" i="1">
+                                  <a:latin typeface="Cambria Math" panose="02040503050406030204" pitchFamily="18" charset="0"/>
+                                </a:rPr>
+                                <m:t>𝜕</m:t>
+                              </m:r>
+                              <m:r>
+                                <a:rPr lang="en-US" altLang="ja-JP" sz="2800" i="1">
+                                  <a:latin typeface="Cambria Math" panose="02040503050406030204" pitchFamily="18" charset="0"/>
+                                </a:rPr>
+                                <m:t>𝑞</m:t>
+                              </m:r>
+                            </m:den>
+                          </m:f>
+                          <m:r>
+                            <a:rPr lang="en-US" altLang="ja-JP" sz="2800" i="1">
+                              <a:latin typeface="Cambria Math" panose="02040503050406030204" pitchFamily="18" charset="0"/>
+                            </a:rPr>
+                            <m:t>+</m:t>
+                          </m:r>
+                          <m:f>
+                            <m:fPr>
+                              <m:ctrlPr>
+                                <a:rPr lang="en-US" altLang="ja-JP" sz="2800" i="1">
+                                  <a:latin typeface="Cambria Math" panose="02040503050406030204" pitchFamily="18" charset="0"/>
+                                </a:rPr>
+                              </m:ctrlPr>
+                            </m:fPr>
+                            <m:num>
+                              <m:r>
+                                <a:rPr lang="en-US" altLang="ja-JP" sz="2800" i="1">
+                                  <a:latin typeface="Cambria Math" panose="02040503050406030204" pitchFamily="18" charset="0"/>
+                                </a:rPr>
+                                <m:t>𝜕</m:t>
+                              </m:r>
+                              <m:r>
+                                <a:rPr lang="en-US" altLang="ja-JP" sz="2800" i="1">
+                                  <a:latin typeface="Cambria Math" panose="02040503050406030204" pitchFamily="18" charset="0"/>
+                                </a:rPr>
+                                <m:t>𝑋</m:t>
+                              </m:r>
+                            </m:num>
+                            <m:den>
+                              <m:r>
+                                <a:rPr lang="en-US" altLang="ja-JP" sz="2800" i="1">
+                                  <a:latin typeface="Cambria Math" panose="02040503050406030204" pitchFamily="18" charset="0"/>
+                                </a:rPr>
+                                <m:t>𝜕</m:t>
+                              </m:r>
+                              <m:r>
+                                <a:rPr lang="en-US" altLang="ja-JP" sz="2800" i="1">
+                                  <a:latin typeface="Cambria Math" panose="02040503050406030204" pitchFamily="18" charset="0"/>
+                                </a:rPr>
+                                <m:t>𝑃</m:t>
+                              </m:r>
+                            </m:den>
+                          </m:f>
+                          <m:f>
+                            <m:fPr>
+                              <m:ctrlPr>
+                                <a:rPr lang="en-US" altLang="ja-JP" sz="2800" i="1">
+                                  <a:latin typeface="Cambria Math" panose="02040503050406030204" pitchFamily="18" charset="0"/>
+                                </a:rPr>
+                              </m:ctrlPr>
+                            </m:fPr>
+                            <m:num>
+                              <m:r>
+                                <a:rPr lang="en-US" altLang="ja-JP" sz="2800" i="1">
+                                  <a:latin typeface="Cambria Math" panose="02040503050406030204" pitchFamily="18" charset="0"/>
+                                </a:rPr>
+                                <m:t>𝜕</m:t>
+                              </m:r>
+                              <m:r>
+                                <a:rPr lang="en-US" altLang="ja-JP" sz="2800" i="1">
+                                  <a:latin typeface="Cambria Math" panose="02040503050406030204" pitchFamily="18" charset="0"/>
+                                </a:rPr>
+                                <m:t>𝑃</m:t>
+                              </m:r>
+                            </m:num>
+                            <m:den>
+                              <m:r>
+                                <a:rPr lang="en-US" altLang="ja-JP" sz="2800" i="1">
+                                  <a:latin typeface="Cambria Math" panose="02040503050406030204" pitchFamily="18" charset="0"/>
+                                </a:rPr>
+                                <m:t>𝜕</m:t>
+                              </m:r>
+                              <m:r>
+                                <a:rPr lang="en-US" altLang="ja-JP" sz="2800" i="1">
+                                  <a:latin typeface="Cambria Math" panose="02040503050406030204" pitchFamily="18" charset="0"/>
+                                </a:rPr>
+                                <m:t>𝑞</m:t>
+                              </m:r>
+                            </m:den>
+                          </m:f>
+                        </m:e>
+                      </m:d>
+                      <m:d>
+                        <m:dPr>
+                          <m:ctrlPr>
+                            <a:rPr kumimoji="1" lang="en-US" altLang="ja-JP" sz="2800" b="0" i="1" smtClean="0">
+                              <a:latin typeface="Cambria Math" panose="02040503050406030204" pitchFamily="18" charset="0"/>
+                            </a:rPr>
+                          </m:ctrlPr>
+                        </m:dPr>
+                        <m:e>
+                          <m:f>
+                            <m:fPr>
+                              <m:ctrlPr>
+                                <a:rPr lang="en-US" altLang="ja-JP" sz="2800" i="1">
+                                  <a:latin typeface="Cambria Math" panose="02040503050406030204" pitchFamily="18" charset="0"/>
+                                </a:rPr>
+                              </m:ctrlPr>
+                            </m:fPr>
+                            <m:num>
+                              <m:r>
+                                <a:rPr lang="en-US" altLang="ja-JP" sz="2800" i="1">
+                                  <a:latin typeface="Cambria Math" panose="02040503050406030204" pitchFamily="18" charset="0"/>
+                                </a:rPr>
+                                <m:t>𝜕</m:t>
+                              </m:r>
+                              <m:r>
+                                <a:rPr lang="en-US" altLang="ja-JP" sz="2800" i="1">
+                                  <a:latin typeface="Cambria Math" panose="02040503050406030204" pitchFamily="18" charset="0"/>
+                                </a:rPr>
+                                <m:t>𝑌</m:t>
+                              </m:r>
+                            </m:num>
+                            <m:den>
+                              <m:r>
+                                <a:rPr lang="en-US" altLang="ja-JP" sz="2800" i="1">
+                                  <a:latin typeface="Cambria Math" panose="02040503050406030204" pitchFamily="18" charset="0"/>
+                                </a:rPr>
+                                <m:t>𝜕</m:t>
+                              </m:r>
+                              <m:r>
+                                <a:rPr lang="en-US" altLang="ja-JP" sz="2800" i="1">
+                                  <a:latin typeface="Cambria Math" panose="02040503050406030204" pitchFamily="18" charset="0"/>
+                                </a:rPr>
+                                <m:t>𝑄</m:t>
+                              </m:r>
+                            </m:den>
+                          </m:f>
+                          <m:f>
+                            <m:fPr>
+                              <m:ctrlPr>
+                                <a:rPr lang="en-US" altLang="ja-JP" sz="2800" i="1">
+                                  <a:latin typeface="Cambria Math" panose="02040503050406030204" pitchFamily="18" charset="0"/>
+                                </a:rPr>
+                              </m:ctrlPr>
+                            </m:fPr>
+                            <m:num>
+                              <m:r>
+                                <a:rPr lang="en-US" altLang="ja-JP" sz="2800" i="1">
+                                  <a:latin typeface="Cambria Math" panose="02040503050406030204" pitchFamily="18" charset="0"/>
+                                </a:rPr>
+                                <m:t>𝜕</m:t>
+                              </m:r>
+                              <m:r>
+                                <a:rPr lang="en-US" altLang="ja-JP" sz="2800" i="1">
+                                  <a:latin typeface="Cambria Math" panose="02040503050406030204" pitchFamily="18" charset="0"/>
+                                </a:rPr>
+                                <m:t>𝑄</m:t>
+                              </m:r>
+                            </m:num>
+                            <m:den>
+                              <m:r>
+                                <a:rPr lang="en-US" altLang="ja-JP" sz="2800" i="1">
+                                  <a:latin typeface="Cambria Math" panose="02040503050406030204" pitchFamily="18" charset="0"/>
+                                </a:rPr>
+                                <m:t>𝜕</m:t>
+                              </m:r>
+                              <m:r>
+                                <a:rPr lang="en-US" altLang="ja-JP" sz="2800" i="1">
+                                  <a:latin typeface="Cambria Math" panose="02040503050406030204" pitchFamily="18" charset="0"/>
+                                </a:rPr>
+                                <m:t>𝑝</m:t>
+                              </m:r>
+                            </m:den>
+                          </m:f>
+                          <m:r>
+                            <a:rPr lang="en-US" altLang="ja-JP" sz="2800" i="1">
+                              <a:latin typeface="Cambria Math" panose="02040503050406030204" pitchFamily="18" charset="0"/>
+                            </a:rPr>
+                            <m:t>+</m:t>
+                          </m:r>
+                          <m:f>
+                            <m:fPr>
+                              <m:ctrlPr>
+                                <a:rPr lang="en-US" altLang="ja-JP" sz="2800" i="1">
+                                  <a:latin typeface="Cambria Math" panose="02040503050406030204" pitchFamily="18" charset="0"/>
+                                </a:rPr>
+                              </m:ctrlPr>
+                            </m:fPr>
+                            <m:num>
+                              <m:r>
+                                <a:rPr lang="en-US" altLang="ja-JP" sz="2800" i="1">
+                                  <a:latin typeface="Cambria Math" panose="02040503050406030204" pitchFamily="18" charset="0"/>
+                                </a:rPr>
+                                <m:t>𝜕</m:t>
+                              </m:r>
+                              <m:r>
+                                <a:rPr lang="en-US" altLang="ja-JP" sz="2800" i="1">
+                                  <a:latin typeface="Cambria Math" panose="02040503050406030204" pitchFamily="18" charset="0"/>
+                                </a:rPr>
+                                <m:t>𝑌</m:t>
+                              </m:r>
+                            </m:num>
+                            <m:den>
+                              <m:r>
+                                <a:rPr lang="en-US" altLang="ja-JP" sz="2800" i="1">
+                                  <a:latin typeface="Cambria Math" panose="02040503050406030204" pitchFamily="18" charset="0"/>
+                                </a:rPr>
+                                <m:t>𝜕</m:t>
+                              </m:r>
+                              <m:r>
+                                <a:rPr lang="en-US" altLang="ja-JP" sz="2800" i="1">
+                                  <a:latin typeface="Cambria Math" panose="02040503050406030204" pitchFamily="18" charset="0"/>
+                                </a:rPr>
+                                <m:t>𝑃</m:t>
+                              </m:r>
+                            </m:den>
+                          </m:f>
+                          <m:f>
+                            <m:fPr>
+                              <m:ctrlPr>
+                                <a:rPr lang="en-US" altLang="ja-JP" sz="2800" i="1">
+                                  <a:latin typeface="Cambria Math" panose="02040503050406030204" pitchFamily="18" charset="0"/>
+                                </a:rPr>
+                              </m:ctrlPr>
+                            </m:fPr>
+                            <m:num>
+                              <m:r>
+                                <a:rPr lang="en-US" altLang="ja-JP" sz="2800" i="1">
+                                  <a:latin typeface="Cambria Math" panose="02040503050406030204" pitchFamily="18" charset="0"/>
+                                </a:rPr>
+                                <m:t>𝜕</m:t>
+                              </m:r>
+                              <m:r>
+                                <a:rPr lang="en-US" altLang="ja-JP" sz="2800" i="1">
+                                  <a:latin typeface="Cambria Math" panose="02040503050406030204" pitchFamily="18" charset="0"/>
+                                </a:rPr>
+                                <m:t>𝑃</m:t>
+                              </m:r>
+                            </m:num>
+                            <m:den>
+                              <m:r>
+                                <a:rPr lang="en-US" altLang="ja-JP" sz="2800" i="1">
+                                  <a:latin typeface="Cambria Math" panose="02040503050406030204" pitchFamily="18" charset="0"/>
+                                </a:rPr>
+                                <m:t>𝜕</m:t>
+                              </m:r>
+                              <m:r>
+                                <a:rPr lang="en-US" altLang="ja-JP" sz="2800" i="1">
+                                  <a:latin typeface="Cambria Math" panose="02040503050406030204" pitchFamily="18" charset="0"/>
+                                </a:rPr>
+                                <m:t>𝑝</m:t>
+                              </m:r>
+                            </m:den>
+                          </m:f>
+                        </m:e>
+                      </m:d>
+                    </m:oMath>
+                  </m:oMathPara>
+                </a14:m>
+                <a:endParaRPr kumimoji="1" lang="ja-JP" altLang="en-US" sz="2800"/>
+              </a:p>
+            </p:txBody>
+          </p:sp>
+        </mc:Choice>
+        <mc:Fallback>
+          <p:sp>
+            <p:nvSpPr>
+              <p:cNvPr id="5" name="テキスト ボックス 4">
+                <a:extLst>
+                  <a:ext uri="{FF2B5EF4-FFF2-40B4-BE49-F238E27FC236}">
+                    <a16:creationId xmlns:a16="http://schemas.microsoft.com/office/drawing/2014/main" id="{F7C239DC-1983-6834-2A61-8A6EAB36E4F2}"/>
+                  </a:ext>
+                </a:extLst>
+              </p:cNvPr>
+              <p:cNvSpPr txBox="1">
+                <a:spLocks noRot="1" noChangeAspect="1" noMove="1" noResize="1" noEditPoints="1" noAdjustHandles="1" noChangeArrowheads="1" noChangeShapeType="1" noTextEdit="1"/>
+              </p:cNvSpPr>
+              <p:nvPr/>
+            </p:nvSpPr>
+            <p:spPr>
+              <a:xfrm>
+                <a:off x="971600" y="1196752"/>
+                <a:ext cx="7017370" cy="968150"/>
+              </a:xfrm>
+              <a:prstGeom prst="rect">
+                <a:avLst/>
+              </a:prstGeom>
+              <a:blipFill>
+                <a:blip r:embed="rId2"/>
+                <a:stretch>
+                  <a:fillRect/>
+                </a:stretch>
+              </a:blipFill>
+            </p:spPr>
+            <p:txBody>
+              <a:bodyPr/>
+              <a:lstStyle/>
+              <a:p>
+                <a:r>
+                  <a:rPr lang="ja-JP" altLang="en-US">
+                    <a:noFill/>
+                  </a:rPr>
+                  <a:t> </a:t>
+                </a:r>
+              </a:p>
+            </p:txBody>
+          </p:sp>
+        </mc:Fallback>
+      </mc:AlternateContent>
+      <mc:AlternateContent xmlns:mc="http://schemas.openxmlformats.org/markup-compatibility/2006">
+        <mc:Choice xmlns:a14="http://schemas.microsoft.com/office/drawing/2010/main" Requires="a14">
+          <p:sp>
+            <p:nvSpPr>
+              <p:cNvPr id="6" name="テキスト ボックス 5">
+                <a:extLst>
+                  <a:ext uri="{FF2B5EF4-FFF2-40B4-BE49-F238E27FC236}">
+                    <a16:creationId xmlns:a16="http://schemas.microsoft.com/office/drawing/2014/main" id="{6BC86214-F68A-0B7A-4FE8-301072CE5382}"/>
+                  </a:ext>
+                </a:extLst>
+              </p:cNvPr>
+              <p:cNvSpPr txBox="1"/>
+              <p:nvPr/>
+            </p:nvSpPr>
+            <p:spPr>
+              <a:xfrm>
+                <a:off x="2051720" y="2564904"/>
+                <a:ext cx="4792722" cy="891783"/>
+              </a:xfrm>
+              <a:prstGeom prst="rect">
+                <a:avLst/>
+              </a:prstGeom>
+              <a:noFill/>
+            </p:spPr>
+            <p:txBody>
+              <a:bodyPr wrap="none" lIns="0" tIns="0" rIns="0" bIns="0" rtlCol="0">
+                <a:spAutoFit/>
+              </a:bodyPr>
+              <a:lstStyle/>
+              <a:p>
+                <a14:m>
+                  <m:oMathPara xmlns:m="http://schemas.openxmlformats.org/officeDocument/2006/math">
+                    <m:oMathParaPr>
+                      <m:jc m:val="centerGroup"/>
+                    </m:oMathParaPr>
+                    <m:oMath xmlns:m="http://schemas.openxmlformats.org/officeDocument/2006/math">
+                      <m:r>
+                        <a:rPr kumimoji="1" lang="en-US" altLang="ja-JP" sz="2800" b="0" i="1" smtClean="0">
+                          <a:latin typeface="Cambria Math" panose="02040503050406030204" pitchFamily="18" charset="0"/>
+                        </a:rPr>
+                        <m:t>=</m:t>
+                      </m:r>
+                      <m:f>
+                        <m:fPr>
+                          <m:ctrlPr>
+                            <a:rPr lang="en-US" altLang="ja-JP" sz="2800" i="1">
+                              <a:latin typeface="Cambria Math" panose="02040503050406030204" pitchFamily="18" charset="0"/>
+                            </a:rPr>
+                          </m:ctrlPr>
+                        </m:fPr>
+                        <m:num>
+                          <m:r>
+                            <a:rPr lang="en-US" altLang="ja-JP" sz="2800" i="1">
+                              <a:latin typeface="Cambria Math" panose="02040503050406030204" pitchFamily="18" charset="0"/>
+                            </a:rPr>
+                            <m:t>𝜕</m:t>
+                          </m:r>
+                          <m:r>
+                            <a:rPr lang="en-US" altLang="ja-JP" sz="2800" i="1">
+                              <a:latin typeface="Cambria Math" panose="02040503050406030204" pitchFamily="18" charset="0"/>
+                            </a:rPr>
+                            <m:t>𝑋</m:t>
+                          </m:r>
+                        </m:num>
+                        <m:den>
+                          <m:r>
+                            <a:rPr lang="en-US" altLang="ja-JP" sz="2800" i="1">
+                              <a:latin typeface="Cambria Math" panose="02040503050406030204" pitchFamily="18" charset="0"/>
+                            </a:rPr>
+                            <m:t>𝜕</m:t>
+                          </m:r>
+                          <m:r>
+                            <a:rPr lang="en-US" altLang="ja-JP" sz="2800" i="1">
+                              <a:latin typeface="Cambria Math" panose="02040503050406030204" pitchFamily="18" charset="0"/>
+                            </a:rPr>
+                            <m:t>𝑄</m:t>
+                          </m:r>
+                        </m:den>
+                      </m:f>
+                      <m:f>
+                        <m:fPr>
+                          <m:ctrlPr>
+                            <a:rPr lang="en-US" altLang="ja-JP" sz="2800" i="1">
+                              <a:latin typeface="Cambria Math" panose="02040503050406030204" pitchFamily="18" charset="0"/>
+                            </a:rPr>
+                          </m:ctrlPr>
+                        </m:fPr>
+                        <m:num>
+                          <m:r>
+                            <a:rPr lang="en-US" altLang="ja-JP" sz="2800" i="1">
+                              <a:latin typeface="Cambria Math" panose="02040503050406030204" pitchFamily="18" charset="0"/>
+                            </a:rPr>
+                            <m:t>𝜕</m:t>
+                          </m:r>
+                          <m:r>
+                            <a:rPr lang="en-US" altLang="ja-JP" sz="2800" i="1">
+                              <a:latin typeface="Cambria Math" panose="02040503050406030204" pitchFamily="18" charset="0"/>
+                            </a:rPr>
+                            <m:t>𝑌</m:t>
+                          </m:r>
+                        </m:num>
+                        <m:den>
+                          <m:r>
+                            <a:rPr lang="en-US" altLang="ja-JP" sz="2800" i="1">
+                              <a:latin typeface="Cambria Math" panose="02040503050406030204" pitchFamily="18" charset="0"/>
+                            </a:rPr>
+                            <m:t>𝜕</m:t>
+                          </m:r>
+                          <m:r>
+                            <a:rPr lang="en-US" altLang="ja-JP" sz="2800" i="1">
+                              <a:latin typeface="Cambria Math" panose="02040503050406030204" pitchFamily="18" charset="0"/>
+                            </a:rPr>
+                            <m:t>𝑃</m:t>
+                          </m:r>
+                        </m:den>
+                      </m:f>
+                      <m:f>
+                        <m:fPr>
+                          <m:ctrlPr>
+                            <a:rPr lang="en-US" altLang="ja-JP" sz="2800" i="1">
+                              <a:latin typeface="Cambria Math" panose="02040503050406030204" pitchFamily="18" charset="0"/>
+                            </a:rPr>
+                          </m:ctrlPr>
+                        </m:fPr>
+                        <m:num>
+                          <m:r>
+                            <a:rPr lang="en-US" altLang="ja-JP" sz="2800" i="1">
+                              <a:latin typeface="Cambria Math" panose="02040503050406030204" pitchFamily="18" charset="0"/>
+                            </a:rPr>
+                            <m:t>𝜕</m:t>
+                          </m:r>
+                          <m:r>
+                            <a:rPr lang="en-US" altLang="ja-JP" sz="2800" i="1">
+                              <a:latin typeface="Cambria Math" panose="02040503050406030204" pitchFamily="18" charset="0"/>
+                            </a:rPr>
+                            <m:t>𝑄</m:t>
+                          </m:r>
+                        </m:num>
+                        <m:den>
+                          <m:r>
+                            <a:rPr lang="en-US" altLang="ja-JP" sz="2800" i="1">
+                              <a:latin typeface="Cambria Math" panose="02040503050406030204" pitchFamily="18" charset="0"/>
+                            </a:rPr>
+                            <m:t>𝜕</m:t>
+                          </m:r>
+                          <m:r>
+                            <a:rPr lang="en-US" altLang="ja-JP" sz="2800" i="1">
+                              <a:latin typeface="Cambria Math" panose="02040503050406030204" pitchFamily="18" charset="0"/>
+                            </a:rPr>
+                            <m:t>𝑞</m:t>
+                          </m:r>
+                        </m:den>
+                      </m:f>
+                      <m:f>
+                        <m:fPr>
+                          <m:ctrlPr>
+                            <a:rPr lang="en-US" altLang="ja-JP" sz="2800" i="1">
+                              <a:latin typeface="Cambria Math" panose="02040503050406030204" pitchFamily="18" charset="0"/>
+                            </a:rPr>
+                          </m:ctrlPr>
+                        </m:fPr>
+                        <m:num>
+                          <m:r>
+                            <a:rPr lang="en-US" altLang="ja-JP" sz="2800" i="1">
+                              <a:latin typeface="Cambria Math" panose="02040503050406030204" pitchFamily="18" charset="0"/>
+                            </a:rPr>
+                            <m:t>𝜕</m:t>
+                          </m:r>
+                          <m:r>
+                            <a:rPr lang="en-US" altLang="ja-JP" sz="2800" i="1">
+                              <a:latin typeface="Cambria Math" panose="02040503050406030204" pitchFamily="18" charset="0"/>
+                            </a:rPr>
+                            <m:t>𝑃</m:t>
+                          </m:r>
+                        </m:num>
+                        <m:den>
+                          <m:r>
+                            <a:rPr lang="en-US" altLang="ja-JP" sz="2800" i="1">
+                              <a:latin typeface="Cambria Math" panose="02040503050406030204" pitchFamily="18" charset="0"/>
+                            </a:rPr>
+                            <m:t>𝜕</m:t>
+                          </m:r>
+                          <m:r>
+                            <a:rPr lang="en-US" altLang="ja-JP" sz="2800" i="1">
+                              <a:latin typeface="Cambria Math" panose="02040503050406030204" pitchFamily="18" charset="0"/>
+                            </a:rPr>
+                            <m:t>𝑝</m:t>
+                          </m:r>
+                        </m:den>
+                      </m:f>
+                      <m:r>
+                        <a:rPr lang="en-US" altLang="ja-JP" sz="2800" b="0" i="1" smtClean="0">
+                          <a:latin typeface="Cambria Math" panose="02040503050406030204" pitchFamily="18" charset="0"/>
+                        </a:rPr>
+                        <m:t>+</m:t>
+                      </m:r>
+                      <m:f>
+                        <m:fPr>
+                          <m:ctrlPr>
+                            <a:rPr lang="en-US" altLang="ja-JP" sz="2800" i="1">
+                              <a:latin typeface="Cambria Math" panose="02040503050406030204" pitchFamily="18" charset="0"/>
+                            </a:rPr>
+                          </m:ctrlPr>
+                        </m:fPr>
+                        <m:num>
+                          <m:r>
+                            <a:rPr lang="en-US" altLang="ja-JP" sz="2800" i="1">
+                              <a:latin typeface="Cambria Math" panose="02040503050406030204" pitchFamily="18" charset="0"/>
+                            </a:rPr>
+                            <m:t>𝜕</m:t>
+                          </m:r>
+                          <m:r>
+                            <a:rPr lang="en-US" altLang="ja-JP" sz="2800" i="1">
+                              <a:latin typeface="Cambria Math" panose="02040503050406030204" pitchFamily="18" charset="0"/>
+                            </a:rPr>
+                            <m:t>𝑋</m:t>
+                          </m:r>
+                        </m:num>
+                        <m:den>
+                          <m:r>
+                            <a:rPr lang="en-US" altLang="ja-JP" sz="2800" i="1">
+                              <a:latin typeface="Cambria Math" panose="02040503050406030204" pitchFamily="18" charset="0"/>
+                            </a:rPr>
+                            <m:t>𝜕</m:t>
+                          </m:r>
+                          <m:r>
+                            <a:rPr lang="en-US" altLang="ja-JP" sz="2800" b="0" i="1" smtClean="0">
+                              <a:latin typeface="Cambria Math" panose="02040503050406030204" pitchFamily="18" charset="0"/>
+                            </a:rPr>
+                            <m:t>𝑃</m:t>
+                          </m:r>
+                        </m:den>
+                      </m:f>
+                      <m:f>
+                        <m:fPr>
+                          <m:ctrlPr>
+                            <a:rPr lang="en-US" altLang="ja-JP" sz="2800" i="1">
+                              <a:latin typeface="Cambria Math" panose="02040503050406030204" pitchFamily="18" charset="0"/>
+                            </a:rPr>
+                          </m:ctrlPr>
+                        </m:fPr>
+                        <m:num>
+                          <m:r>
+                            <a:rPr lang="en-US" altLang="ja-JP" sz="2800" i="1">
+                              <a:latin typeface="Cambria Math" panose="02040503050406030204" pitchFamily="18" charset="0"/>
+                            </a:rPr>
+                            <m:t>𝜕</m:t>
+                          </m:r>
+                          <m:r>
+                            <a:rPr lang="en-US" altLang="ja-JP" sz="2800" i="1">
+                              <a:latin typeface="Cambria Math" panose="02040503050406030204" pitchFamily="18" charset="0"/>
+                            </a:rPr>
+                            <m:t>𝑌</m:t>
+                          </m:r>
+                        </m:num>
+                        <m:den>
+                          <m:r>
+                            <a:rPr lang="en-US" altLang="ja-JP" sz="2800" i="1">
+                              <a:latin typeface="Cambria Math" panose="02040503050406030204" pitchFamily="18" charset="0"/>
+                            </a:rPr>
+                            <m:t>𝜕</m:t>
+                          </m:r>
+                          <m:r>
+                            <a:rPr lang="en-US" altLang="ja-JP" sz="2800" b="0" i="1" smtClean="0">
+                              <a:latin typeface="Cambria Math" panose="02040503050406030204" pitchFamily="18" charset="0"/>
+                            </a:rPr>
+                            <m:t>𝑄</m:t>
+                          </m:r>
+                        </m:den>
+                      </m:f>
+                      <m:f>
+                        <m:fPr>
+                          <m:ctrlPr>
+                            <a:rPr lang="en-US" altLang="ja-JP" sz="2800" i="1">
+                              <a:latin typeface="Cambria Math" panose="02040503050406030204" pitchFamily="18" charset="0"/>
+                            </a:rPr>
+                          </m:ctrlPr>
+                        </m:fPr>
+                        <m:num>
+                          <m:r>
+                            <a:rPr lang="en-US" altLang="ja-JP" sz="2800" i="1">
+                              <a:latin typeface="Cambria Math" panose="02040503050406030204" pitchFamily="18" charset="0"/>
+                            </a:rPr>
+                            <m:t>𝜕</m:t>
+                          </m:r>
+                          <m:r>
+                            <a:rPr lang="en-US" altLang="ja-JP" sz="2800" i="1">
+                              <a:latin typeface="Cambria Math" panose="02040503050406030204" pitchFamily="18" charset="0"/>
+                            </a:rPr>
+                            <m:t>𝑄</m:t>
+                          </m:r>
+                        </m:num>
+                        <m:den>
+                          <m:r>
+                            <a:rPr lang="en-US" altLang="ja-JP" sz="2800" i="1">
+                              <a:latin typeface="Cambria Math" panose="02040503050406030204" pitchFamily="18" charset="0"/>
+                            </a:rPr>
+                            <m:t>𝜕</m:t>
+                          </m:r>
+                          <m:r>
+                            <a:rPr lang="en-US" altLang="ja-JP" sz="2800" b="0" i="1" smtClean="0">
+                              <a:latin typeface="Cambria Math" panose="02040503050406030204" pitchFamily="18" charset="0"/>
+                            </a:rPr>
+                            <m:t>𝑝</m:t>
+                          </m:r>
+                        </m:den>
+                      </m:f>
+                      <m:f>
+                        <m:fPr>
+                          <m:ctrlPr>
+                            <a:rPr lang="en-US" altLang="ja-JP" sz="2800" i="1">
+                              <a:latin typeface="Cambria Math" panose="02040503050406030204" pitchFamily="18" charset="0"/>
+                            </a:rPr>
+                          </m:ctrlPr>
+                        </m:fPr>
+                        <m:num>
+                          <m:r>
+                            <a:rPr lang="en-US" altLang="ja-JP" sz="2800" i="1">
+                              <a:latin typeface="Cambria Math" panose="02040503050406030204" pitchFamily="18" charset="0"/>
+                            </a:rPr>
+                            <m:t>𝜕</m:t>
+                          </m:r>
+                          <m:r>
+                            <a:rPr lang="en-US" altLang="ja-JP" sz="2800" i="1">
+                              <a:latin typeface="Cambria Math" panose="02040503050406030204" pitchFamily="18" charset="0"/>
+                            </a:rPr>
+                            <m:t>𝑃</m:t>
+                          </m:r>
+                        </m:num>
+                        <m:den>
+                          <m:r>
+                            <a:rPr lang="en-US" altLang="ja-JP" sz="2800" i="1">
+                              <a:latin typeface="Cambria Math" panose="02040503050406030204" pitchFamily="18" charset="0"/>
+                            </a:rPr>
+                            <m:t>𝜕</m:t>
+                          </m:r>
+                          <m:r>
+                            <a:rPr lang="en-US" altLang="ja-JP" sz="2800" b="0" i="1" smtClean="0">
+                              <a:latin typeface="Cambria Math" panose="02040503050406030204" pitchFamily="18" charset="0"/>
+                            </a:rPr>
+                            <m:t>𝑞</m:t>
+                          </m:r>
+                        </m:den>
+                      </m:f>
+                    </m:oMath>
+                  </m:oMathPara>
+                </a14:m>
+                <a:endParaRPr kumimoji="1" lang="ja-JP" altLang="en-US" sz="2800"/>
+              </a:p>
+            </p:txBody>
+          </p:sp>
+        </mc:Choice>
+        <mc:Fallback>
+          <p:sp>
+            <p:nvSpPr>
+              <p:cNvPr id="6" name="テキスト ボックス 5">
+                <a:extLst>
+                  <a:ext uri="{FF2B5EF4-FFF2-40B4-BE49-F238E27FC236}">
+                    <a16:creationId xmlns:a16="http://schemas.microsoft.com/office/drawing/2014/main" id="{6BC86214-F68A-0B7A-4FE8-301072CE5382}"/>
+                  </a:ext>
+                </a:extLst>
+              </p:cNvPr>
+              <p:cNvSpPr txBox="1">
+                <a:spLocks noRot="1" noChangeAspect="1" noMove="1" noResize="1" noEditPoints="1" noAdjustHandles="1" noChangeArrowheads="1" noChangeShapeType="1" noTextEdit="1"/>
+              </p:cNvSpPr>
+              <p:nvPr/>
+            </p:nvSpPr>
+            <p:spPr>
+              <a:xfrm>
+                <a:off x="2051720" y="2564904"/>
+                <a:ext cx="4792722" cy="891783"/>
+              </a:xfrm>
+              <a:prstGeom prst="rect">
+                <a:avLst/>
+              </a:prstGeom>
+              <a:blipFill>
+                <a:blip r:embed="rId3"/>
+                <a:stretch>
+                  <a:fillRect/>
+                </a:stretch>
+              </a:blipFill>
+            </p:spPr>
+            <p:txBody>
+              <a:bodyPr/>
+              <a:lstStyle/>
+              <a:p>
+                <a:r>
+                  <a:rPr lang="ja-JP" altLang="en-US">
+                    <a:noFill/>
+                  </a:rPr>
+                  <a:t> </a:t>
+                </a:r>
+              </a:p>
+            </p:txBody>
+          </p:sp>
+        </mc:Fallback>
+      </mc:AlternateContent>
+      <mc:AlternateContent xmlns:mc="http://schemas.openxmlformats.org/markup-compatibility/2006">
+        <mc:Choice xmlns:a14="http://schemas.microsoft.com/office/drawing/2010/main" Requires="a14">
+          <p:sp>
+            <p:nvSpPr>
+              <p:cNvPr id="7" name="テキスト ボックス 6">
+                <a:extLst>
+                  <a:ext uri="{FF2B5EF4-FFF2-40B4-BE49-F238E27FC236}">
+                    <a16:creationId xmlns:a16="http://schemas.microsoft.com/office/drawing/2014/main" id="{951C0CB2-DDC8-DA1F-4CCF-9C592C91112A}"/>
+                  </a:ext>
+                </a:extLst>
+              </p:cNvPr>
+              <p:cNvSpPr txBox="1"/>
+              <p:nvPr/>
+            </p:nvSpPr>
+            <p:spPr>
+              <a:xfrm>
+                <a:off x="2123728" y="3789040"/>
+                <a:ext cx="4792722" cy="891783"/>
+              </a:xfrm>
+              <a:prstGeom prst="rect">
+                <a:avLst/>
+              </a:prstGeom>
+              <a:noFill/>
+            </p:spPr>
+            <p:txBody>
+              <a:bodyPr wrap="none" lIns="0" tIns="0" rIns="0" bIns="0" rtlCol="0">
+                <a:spAutoFit/>
+              </a:bodyPr>
+              <a:lstStyle/>
+              <a:p>
+                <a14:m>
+                  <m:oMathPara xmlns:m="http://schemas.openxmlformats.org/officeDocument/2006/math">
+                    <m:oMathParaPr>
+                      <m:jc m:val="centerGroup"/>
+                    </m:oMathParaPr>
+                    <m:oMath xmlns:m="http://schemas.openxmlformats.org/officeDocument/2006/math">
+                      <m:r>
+                        <a:rPr kumimoji="1" lang="en-US" altLang="ja-JP" sz="2800" b="0" i="1" smtClean="0">
+                          <a:latin typeface="Cambria Math" panose="02040503050406030204" pitchFamily="18" charset="0"/>
+                        </a:rPr>
+                        <m:t>+</m:t>
+                      </m:r>
+                      <m:f>
+                        <m:fPr>
+                          <m:ctrlPr>
+                            <a:rPr lang="en-US" altLang="ja-JP" sz="2800" i="1">
+                              <a:latin typeface="Cambria Math" panose="02040503050406030204" pitchFamily="18" charset="0"/>
+                            </a:rPr>
+                          </m:ctrlPr>
+                        </m:fPr>
+                        <m:num>
+                          <m:r>
+                            <a:rPr lang="en-US" altLang="ja-JP" sz="2800" i="1">
+                              <a:latin typeface="Cambria Math" panose="02040503050406030204" pitchFamily="18" charset="0"/>
+                            </a:rPr>
+                            <m:t>𝜕</m:t>
+                          </m:r>
+                          <m:r>
+                            <a:rPr lang="en-US" altLang="ja-JP" sz="2800" i="1">
+                              <a:latin typeface="Cambria Math" panose="02040503050406030204" pitchFamily="18" charset="0"/>
+                            </a:rPr>
+                            <m:t>𝑋</m:t>
+                          </m:r>
+                        </m:num>
+                        <m:den>
+                          <m:r>
+                            <a:rPr lang="en-US" altLang="ja-JP" sz="2800" i="1">
+                              <a:latin typeface="Cambria Math" panose="02040503050406030204" pitchFamily="18" charset="0"/>
+                            </a:rPr>
+                            <m:t>𝜕</m:t>
+                          </m:r>
+                          <m:r>
+                            <a:rPr lang="en-US" altLang="ja-JP" sz="2800" i="1">
+                              <a:latin typeface="Cambria Math" panose="02040503050406030204" pitchFamily="18" charset="0"/>
+                            </a:rPr>
+                            <m:t>𝑄</m:t>
+                          </m:r>
+                        </m:den>
+                      </m:f>
+                      <m:f>
+                        <m:fPr>
+                          <m:ctrlPr>
+                            <a:rPr lang="en-US" altLang="ja-JP" sz="2800" i="1">
+                              <a:latin typeface="Cambria Math" panose="02040503050406030204" pitchFamily="18" charset="0"/>
+                            </a:rPr>
+                          </m:ctrlPr>
+                        </m:fPr>
+                        <m:num>
+                          <m:r>
+                            <a:rPr lang="en-US" altLang="ja-JP" sz="2800" i="1">
+                              <a:latin typeface="Cambria Math" panose="02040503050406030204" pitchFamily="18" charset="0"/>
+                            </a:rPr>
+                            <m:t>𝜕</m:t>
+                          </m:r>
+                          <m:r>
+                            <a:rPr lang="en-US" altLang="ja-JP" sz="2800" i="1">
+                              <a:latin typeface="Cambria Math" panose="02040503050406030204" pitchFamily="18" charset="0"/>
+                            </a:rPr>
+                            <m:t>𝑌</m:t>
+                          </m:r>
+                        </m:num>
+                        <m:den>
+                          <m:r>
+                            <a:rPr lang="en-US" altLang="ja-JP" sz="2800" i="1">
+                              <a:latin typeface="Cambria Math" panose="02040503050406030204" pitchFamily="18" charset="0"/>
+                            </a:rPr>
+                            <m:t>𝜕</m:t>
+                          </m:r>
+                          <m:r>
+                            <a:rPr lang="en-US" altLang="ja-JP" sz="2800" b="0" i="1" smtClean="0">
+                              <a:latin typeface="Cambria Math" panose="02040503050406030204" pitchFamily="18" charset="0"/>
+                            </a:rPr>
+                            <m:t>𝑄</m:t>
+                          </m:r>
+                        </m:den>
+                      </m:f>
+                      <m:f>
+                        <m:fPr>
+                          <m:ctrlPr>
+                            <a:rPr lang="en-US" altLang="ja-JP" sz="2800" i="1">
+                              <a:latin typeface="Cambria Math" panose="02040503050406030204" pitchFamily="18" charset="0"/>
+                            </a:rPr>
+                          </m:ctrlPr>
+                        </m:fPr>
+                        <m:num>
+                          <m:r>
+                            <a:rPr lang="en-US" altLang="ja-JP" sz="2800" i="1">
+                              <a:latin typeface="Cambria Math" panose="02040503050406030204" pitchFamily="18" charset="0"/>
+                            </a:rPr>
+                            <m:t>𝜕</m:t>
+                          </m:r>
+                          <m:r>
+                            <a:rPr lang="en-US" altLang="ja-JP" sz="2800" i="1">
+                              <a:latin typeface="Cambria Math" panose="02040503050406030204" pitchFamily="18" charset="0"/>
+                            </a:rPr>
+                            <m:t>𝑄</m:t>
+                          </m:r>
+                        </m:num>
+                        <m:den>
+                          <m:r>
+                            <a:rPr lang="en-US" altLang="ja-JP" sz="2800" i="1">
+                              <a:latin typeface="Cambria Math" panose="02040503050406030204" pitchFamily="18" charset="0"/>
+                            </a:rPr>
+                            <m:t>𝜕</m:t>
+                          </m:r>
+                          <m:r>
+                            <a:rPr lang="en-US" altLang="ja-JP" sz="2800" b="0" i="1" smtClean="0">
+                              <a:latin typeface="Cambria Math" panose="02040503050406030204" pitchFamily="18" charset="0"/>
+                            </a:rPr>
+                            <m:t>𝑝</m:t>
+                          </m:r>
+                        </m:den>
+                      </m:f>
+                      <m:f>
+                        <m:fPr>
+                          <m:ctrlPr>
+                            <a:rPr lang="en-US" altLang="ja-JP" sz="2800" i="1">
+                              <a:latin typeface="Cambria Math" panose="02040503050406030204" pitchFamily="18" charset="0"/>
+                            </a:rPr>
+                          </m:ctrlPr>
+                        </m:fPr>
+                        <m:num>
+                          <m:r>
+                            <a:rPr lang="en-US" altLang="ja-JP" sz="2800" i="1">
+                              <a:latin typeface="Cambria Math" panose="02040503050406030204" pitchFamily="18" charset="0"/>
+                            </a:rPr>
+                            <m:t>𝜕</m:t>
+                          </m:r>
+                          <m:r>
+                            <a:rPr lang="en-US" altLang="ja-JP" sz="2800" b="0" i="1" smtClean="0">
+                              <a:latin typeface="Cambria Math" panose="02040503050406030204" pitchFamily="18" charset="0"/>
+                            </a:rPr>
+                            <m:t>𝑄</m:t>
+                          </m:r>
+                        </m:num>
+                        <m:den>
+                          <m:r>
+                            <a:rPr lang="en-US" altLang="ja-JP" sz="2800" i="1">
+                              <a:latin typeface="Cambria Math" panose="02040503050406030204" pitchFamily="18" charset="0"/>
+                            </a:rPr>
+                            <m:t>𝜕</m:t>
+                          </m:r>
+                          <m:r>
+                            <a:rPr lang="en-US" altLang="ja-JP" sz="2800" b="0" i="1" smtClean="0">
+                              <a:latin typeface="Cambria Math" panose="02040503050406030204" pitchFamily="18" charset="0"/>
+                            </a:rPr>
+                            <m:t>𝑞</m:t>
+                          </m:r>
+                        </m:den>
+                      </m:f>
+                      <m:r>
+                        <a:rPr lang="en-US" altLang="ja-JP" sz="2800" b="0" i="1" smtClean="0">
+                          <a:latin typeface="Cambria Math" panose="02040503050406030204" pitchFamily="18" charset="0"/>
+                        </a:rPr>
+                        <m:t>+</m:t>
+                      </m:r>
+                      <m:f>
+                        <m:fPr>
+                          <m:ctrlPr>
+                            <a:rPr lang="en-US" altLang="ja-JP" sz="2800" i="1">
+                              <a:latin typeface="Cambria Math" panose="02040503050406030204" pitchFamily="18" charset="0"/>
+                            </a:rPr>
+                          </m:ctrlPr>
+                        </m:fPr>
+                        <m:num>
+                          <m:r>
+                            <a:rPr lang="en-US" altLang="ja-JP" sz="2800" i="1">
+                              <a:latin typeface="Cambria Math" panose="02040503050406030204" pitchFamily="18" charset="0"/>
+                            </a:rPr>
+                            <m:t>𝜕</m:t>
+                          </m:r>
+                          <m:r>
+                            <a:rPr lang="en-US" altLang="ja-JP" sz="2800" i="1">
+                              <a:latin typeface="Cambria Math" panose="02040503050406030204" pitchFamily="18" charset="0"/>
+                            </a:rPr>
+                            <m:t>𝑋</m:t>
+                          </m:r>
+                        </m:num>
+                        <m:den>
+                          <m:r>
+                            <a:rPr lang="en-US" altLang="ja-JP" sz="2800" i="1">
+                              <a:latin typeface="Cambria Math" panose="02040503050406030204" pitchFamily="18" charset="0"/>
+                            </a:rPr>
+                            <m:t>𝜕</m:t>
+                          </m:r>
+                          <m:r>
+                            <a:rPr lang="en-US" altLang="ja-JP" sz="2800" b="0" i="1" smtClean="0">
+                              <a:latin typeface="Cambria Math" panose="02040503050406030204" pitchFamily="18" charset="0"/>
+                            </a:rPr>
+                            <m:t>𝑃</m:t>
+                          </m:r>
+                        </m:den>
+                      </m:f>
+                      <m:f>
+                        <m:fPr>
+                          <m:ctrlPr>
+                            <a:rPr lang="en-US" altLang="ja-JP" sz="2800" i="1">
+                              <a:latin typeface="Cambria Math" panose="02040503050406030204" pitchFamily="18" charset="0"/>
+                            </a:rPr>
+                          </m:ctrlPr>
+                        </m:fPr>
+                        <m:num>
+                          <m:r>
+                            <a:rPr lang="en-US" altLang="ja-JP" sz="2800" i="1">
+                              <a:latin typeface="Cambria Math" panose="02040503050406030204" pitchFamily="18" charset="0"/>
+                            </a:rPr>
+                            <m:t>𝜕</m:t>
+                          </m:r>
+                          <m:r>
+                            <a:rPr lang="en-US" altLang="ja-JP" sz="2800" i="1">
+                              <a:latin typeface="Cambria Math" panose="02040503050406030204" pitchFamily="18" charset="0"/>
+                            </a:rPr>
+                            <m:t>𝑌</m:t>
+                          </m:r>
+                        </m:num>
+                        <m:den>
+                          <m:r>
+                            <a:rPr lang="en-US" altLang="ja-JP" sz="2800" i="1">
+                              <a:latin typeface="Cambria Math" panose="02040503050406030204" pitchFamily="18" charset="0"/>
+                            </a:rPr>
+                            <m:t>𝜕</m:t>
+                          </m:r>
+                          <m:r>
+                            <a:rPr lang="en-US" altLang="ja-JP" sz="2800" b="0" i="1" smtClean="0">
+                              <a:latin typeface="Cambria Math" panose="02040503050406030204" pitchFamily="18" charset="0"/>
+                            </a:rPr>
+                            <m:t>𝑃</m:t>
+                          </m:r>
+                        </m:den>
+                      </m:f>
+                      <m:f>
+                        <m:fPr>
+                          <m:ctrlPr>
+                            <a:rPr lang="en-US" altLang="ja-JP" sz="2800" i="1">
+                              <a:latin typeface="Cambria Math" panose="02040503050406030204" pitchFamily="18" charset="0"/>
+                            </a:rPr>
+                          </m:ctrlPr>
+                        </m:fPr>
+                        <m:num>
+                          <m:r>
+                            <a:rPr lang="en-US" altLang="ja-JP" sz="2800" i="1">
+                              <a:latin typeface="Cambria Math" panose="02040503050406030204" pitchFamily="18" charset="0"/>
+                            </a:rPr>
+                            <m:t>𝜕</m:t>
+                          </m:r>
+                          <m:r>
+                            <a:rPr lang="en-US" altLang="ja-JP" sz="2800" b="0" i="1" smtClean="0">
+                              <a:latin typeface="Cambria Math" panose="02040503050406030204" pitchFamily="18" charset="0"/>
+                            </a:rPr>
+                            <m:t>𝑃</m:t>
+                          </m:r>
+                        </m:num>
+                        <m:den>
+                          <m:r>
+                            <a:rPr lang="en-US" altLang="ja-JP" sz="2800" i="1">
+                              <a:latin typeface="Cambria Math" panose="02040503050406030204" pitchFamily="18" charset="0"/>
+                            </a:rPr>
+                            <m:t>𝜕</m:t>
+                          </m:r>
+                          <m:r>
+                            <a:rPr lang="en-US" altLang="ja-JP" sz="2800" b="0" i="1" smtClean="0">
+                              <a:latin typeface="Cambria Math" panose="02040503050406030204" pitchFamily="18" charset="0"/>
+                            </a:rPr>
+                            <m:t>𝑝</m:t>
+                          </m:r>
+                        </m:den>
+                      </m:f>
+                      <m:f>
+                        <m:fPr>
+                          <m:ctrlPr>
+                            <a:rPr lang="en-US" altLang="ja-JP" sz="2800" i="1">
+                              <a:latin typeface="Cambria Math" panose="02040503050406030204" pitchFamily="18" charset="0"/>
+                            </a:rPr>
+                          </m:ctrlPr>
+                        </m:fPr>
+                        <m:num>
+                          <m:r>
+                            <a:rPr lang="en-US" altLang="ja-JP" sz="2800" i="1">
+                              <a:latin typeface="Cambria Math" panose="02040503050406030204" pitchFamily="18" charset="0"/>
+                            </a:rPr>
+                            <m:t>𝜕</m:t>
+                          </m:r>
+                          <m:r>
+                            <a:rPr lang="en-US" altLang="ja-JP" sz="2800" i="1">
+                              <a:latin typeface="Cambria Math" panose="02040503050406030204" pitchFamily="18" charset="0"/>
+                            </a:rPr>
+                            <m:t>𝑃</m:t>
+                          </m:r>
+                        </m:num>
+                        <m:den>
+                          <m:r>
+                            <a:rPr lang="en-US" altLang="ja-JP" sz="2800" i="1">
+                              <a:latin typeface="Cambria Math" panose="02040503050406030204" pitchFamily="18" charset="0"/>
+                            </a:rPr>
+                            <m:t>𝜕</m:t>
+                          </m:r>
+                          <m:r>
+                            <a:rPr lang="en-US" altLang="ja-JP" sz="2800" b="0" i="1" smtClean="0">
+                              <a:latin typeface="Cambria Math" panose="02040503050406030204" pitchFamily="18" charset="0"/>
+                            </a:rPr>
+                            <m:t>𝑞</m:t>
+                          </m:r>
+                        </m:den>
+                      </m:f>
+                    </m:oMath>
+                  </m:oMathPara>
+                </a14:m>
+                <a:endParaRPr kumimoji="1" lang="ja-JP" altLang="en-US" sz="2800"/>
+              </a:p>
+            </p:txBody>
+          </p:sp>
+        </mc:Choice>
+        <mc:Fallback>
+          <p:sp>
+            <p:nvSpPr>
+              <p:cNvPr id="7" name="テキスト ボックス 6">
+                <a:extLst>
+                  <a:ext uri="{FF2B5EF4-FFF2-40B4-BE49-F238E27FC236}">
+                    <a16:creationId xmlns:a16="http://schemas.microsoft.com/office/drawing/2014/main" id="{951C0CB2-DDC8-DA1F-4CCF-9C592C91112A}"/>
+                  </a:ext>
+                </a:extLst>
+              </p:cNvPr>
+              <p:cNvSpPr txBox="1">
+                <a:spLocks noRot="1" noChangeAspect="1" noMove="1" noResize="1" noEditPoints="1" noAdjustHandles="1" noChangeArrowheads="1" noChangeShapeType="1" noTextEdit="1"/>
+              </p:cNvSpPr>
+              <p:nvPr/>
+            </p:nvSpPr>
+            <p:spPr>
+              <a:xfrm>
+                <a:off x="2123728" y="3789040"/>
+                <a:ext cx="4792722" cy="891783"/>
+              </a:xfrm>
+              <a:prstGeom prst="rect">
+                <a:avLst/>
+              </a:prstGeom>
+              <a:blipFill>
+                <a:blip r:embed="rId4"/>
+                <a:stretch>
+                  <a:fillRect/>
+                </a:stretch>
+              </a:blipFill>
+            </p:spPr>
+            <p:txBody>
+              <a:bodyPr/>
+              <a:lstStyle/>
+              <a:p>
+                <a:r>
+                  <a:rPr lang="ja-JP" altLang="en-US">
+                    <a:noFill/>
+                  </a:rPr>
+                  <a:t> </a:t>
+                </a:r>
+              </a:p>
+            </p:txBody>
+          </p:sp>
+        </mc:Fallback>
+      </mc:AlternateContent>
+      <p:sp>
+        <p:nvSpPr>
+          <p:cNvPr id="8" name="四角形: 角を丸くする 7">
+            <a:extLst>
+              <a:ext uri="{FF2B5EF4-FFF2-40B4-BE49-F238E27FC236}">
+                <a16:creationId xmlns:a16="http://schemas.microsoft.com/office/drawing/2014/main" id="{23D9D1EC-2C86-4444-890E-141D78E281F0}"/>
+              </a:ext>
+            </a:extLst>
+          </p:cNvPr>
+          <p:cNvSpPr/>
+          <p:nvPr/>
+        </p:nvSpPr>
+        <p:spPr>
+          <a:xfrm>
+            <a:off x="2051720" y="3573016"/>
+            <a:ext cx="5184576" cy="1296144"/>
+          </a:xfrm>
+          <a:prstGeom prst="roundRect">
+            <a:avLst/>
+          </a:prstGeom>
+          <a:noFill/>
+          <a:ln>
+            <a:solidFill>
+              <a:srgbClr val="FF0000"/>
+            </a:solidFill>
+          </a:ln>
+        </p:spPr>
+        <p:style>
+          <a:lnRef idx="2">
+            <a:schemeClr val="accent1">
+              <a:shade val="50000"/>
+            </a:schemeClr>
+          </a:lnRef>
+          <a:fillRef idx="1">
+            <a:schemeClr val="accent1"/>
+          </a:fillRef>
+          <a:effectRef idx="0">
+            <a:schemeClr val="accent1"/>
+          </a:effectRef>
+          <a:fontRef idx="minor">
+            <a:schemeClr val="lt1"/>
+          </a:fontRef>
+        </p:style>
+        <p:txBody>
+          <a:bodyPr rtlCol="0" anchor="ctr"/>
+          <a:lstStyle/>
+          <a:p>
+            <a:pPr algn="ctr"/>
+            <a:endParaRPr kumimoji="1" lang="ja-JP" altLang="en-US"/>
+          </a:p>
+        </p:txBody>
+      </p:sp>
+      <p:sp>
+        <p:nvSpPr>
+          <p:cNvPr id="9" name="テキスト ボックス 8">
+            <a:extLst>
+              <a:ext uri="{FF2B5EF4-FFF2-40B4-BE49-F238E27FC236}">
+                <a16:creationId xmlns:a16="http://schemas.microsoft.com/office/drawing/2014/main" id="{1B297106-8380-E0EA-A366-5FE6D4118554}"/>
+              </a:ext>
+            </a:extLst>
+          </p:cNvPr>
+          <p:cNvSpPr txBox="1"/>
+          <p:nvPr/>
+        </p:nvSpPr>
+        <p:spPr>
+          <a:xfrm>
+            <a:off x="1043608" y="5085184"/>
+            <a:ext cx="6750566" cy="461665"/>
+          </a:xfrm>
+          <a:prstGeom prst="rect">
+            <a:avLst/>
+          </a:prstGeom>
+          <a:noFill/>
+        </p:spPr>
+        <p:txBody>
+          <a:bodyPr wrap="none" rtlCol="0">
+            <a:spAutoFit/>
+          </a:bodyPr>
+          <a:lstStyle/>
+          <a:p>
+            <a:r>
+              <a:rPr lang="ja-JP" altLang="en-US" sz="2400"/>
+              <a:t>この項は、</a:t>
+            </a:r>
+            <a:r>
+              <a:rPr lang="en-US" altLang="ja-JP" sz="2400"/>
+              <a:t>X</a:t>
+            </a:r>
+            <a:r>
+              <a:rPr lang="ja-JP" altLang="en-US" sz="2400"/>
+              <a:t>と</a:t>
+            </a:r>
+            <a:r>
+              <a:rPr lang="en-US" altLang="ja-JP" sz="2400"/>
+              <a:t>Y</a:t>
+            </a:r>
+            <a:r>
+              <a:rPr lang="ja-JP" altLang="en-US" sz="2400"/>
+              <a:t>を入れ替えても値が変わらない</a:t>
+            </a:r>
+            <a:endParaRPr kumimoji="1" lang="ja-JP" altLang="en-US" sz="2400"/>
+          </a:p>
+        </p:txBody>
+      </p:sp>
+      <mc:AlternateContent xmlns:mc="http://schemas.openxmlformats.org/markup-compatibility/2006">
+        <mc:Choice xmlns:a14="http://schemas.microsoft.com/office/drawing/2010/main" Requires="a14">
+          <p:sp>
+            <p:nvSpPr>
+              <p:cNvPr id="11" name="テキスト ボックス 10">
+                <a:extLst>
+                  <a:ext uri="{FF2B5EF4-FFF2-40B4-BE49-F238E27FC236}">
+                    <a16:creationId xmlns:a16="http://schemas.microsoft.com/office/drawing/2014/main" id="{3CF8DC5C-050B-D913-D3A6-307540239ACF}"/>
+                  </a:ext>
+                </a:extLst>
+              </p:cNvPr>
+              <p:cNvSpPr txBox="1"/>
+              <p:nvPr/>
+            </p:nvSpPr>
+            <p:spPr>
+              <a:xfrm>
+                <a:off x="1835696" y="5668506"/>
+                <a:ext cx="1008112" cy="856838"/>
+              </a:xfrm>
+              <a:prstGeom prst="rect">
+                <a:avLst/>
+              </a:prstGeom>
+              <a:noFill/>
+            </p:spPr>
+            <p:txBody>
+              <a:bodyPr wrap="square">
+                <a:spAutoFit/>
+              </a:bodyPr>
+              <a:lstStyle/>
+              <a:p>
+                <a:pPr/>
+                <a14:m>
+                  <m:oMathPara xmlns:m="http://schemas.openxmlformats.org/officeDocument/2006/math">
+                    <m:oMathParaPr>
+                      <m:jc m:val="centerGroup"/>
+                    </m:oMathParaPr>
+                    <m:oMath xmlns:m="http://schemas.openxmlformats.org/officeDocument/2006/math">
+                      <m:f>
+                        <m:fPr>
+                          <m:ctrlPr>
+                            <a:rPr kumimoji="1" lang="en-US" altLang="ja-JP" sz="2400" b="0" i="1" smtClean="0">
+                              <a:latin typeface="Cambria Math" panose="02040503050406030204" pitchFamily="18" charset="0"/>
+                            </a:rPr>
+                          </m:ctrlPr>
+                        </m:fPr>
+                        <m:num>
+                          <m:r>
+                            <a:rPr kumimoji="1" lang="en-US" altLang="ja-JP" sz="2400" b="0" i="1" smtClean="0">
+                              <a:latin typeface="Cambria Math" panose="02040503050406030204" pitchFamily="18" charset="0"/>
+                            </a:rPr>
+                            <m:t>𝜕</m:t>
+                          </m:r>
+                          <m:r>
+                            <a:rPr kumimoji="1" lang="en-US" altLang="ja-JP" sz="2400" b="0" i="1" smtClean="0">
+                              <a:latin typeface="Cambria Math" panose="02040503050406030204" pitchFamily="18" charset="0"/>
+                            </a:rPr>
+                            <m:t>𝑌</m:t>
+                          </m:r>
+                        </m:num>
+                        <m:den>
+                          <m:r>
+                            <a:rPr kumimoji="1" lang="en-US" altLang="ja-JP" sz="2400" b="0" i="1" smtClean="0">
+                              <a:latin typeface="Cambria Math" panose="02040503050406030204" pitchFamily="18" charset="0"/>
+                            </a:rPr>
+                            <m:t>𝜕</m:t>
+                          </m:r>
+                          <m:r>
+                            <a:rPr kumimoji="1" lang="en-US" altLang="ja-JP" sz="2400" b="0" i="1" smtClean="0">
+                              <a:latin typeface="Cambria Math" panose="02040503050406030204" pitchFamily="18" charset="0"/>
+                            </a:rPr>
+                            <m:t>𝑞</m:t>
+                          </m:r>
+                        </m:den>
+                      </m:f>
+                      <m:f>
+                        <m:fPr>
+                          <m:ctrlPr>
+                            <a:rPr lang="en-US" altLang="ja-JP" sz="2400" i="1">
+                              <a:latin typeface="Cambria Math" panose="02040503050406030204" pitchFamily="18" charset="0"/>
+                            </a:rPr>
+                          </m:ctrlPr>
+                        </m:fPr>
+                        <m:num>
+                          <m:r>
+                            <a:rPr lang="en-US" altLang="ja-JP" sz="2400" i="1">
+                              <a:latin typeface="Cambria Math" panose="02040503050406030204" pitchFamily="18" charset="0"/>
+                            </a:rPr>
+                            <m:t>𝜕</m:t>
+                          </m:r>
+                          <m:r>
+                            <a:rPr lang="en-US" altLang="ja-JP" sz="2400" b="0" i="1" smtClean="0">
+                              <a:latin typeface="Cambria Math" panose="02040503050406030204" pitchFamily="18" charset="0"/>
+                            </a:rPr>
+                            <m:t>𝑋</m:t>
+                          </m:r>
+                        </m:num>
+                        <m:den>
+                          <m:r>
+                            <a:rPr lang="en-US" altLang="ja-JP" sz="2400" i="1">
+                              <a:latin typeface="Cambria Math" panose="02040503050406030204" pitchFamily="18" charset="0"/>
+                            </a:rPr>
+                            <m:t>𝜕</m:t>
+                          </m:r>
+                          <m:r>
+                            <a:rPr lang="en-US" altLang="ja-JP" sz="2400" b="0" i="1" smtClean="0">
+                              <a:latin typeface="Cambria Math" panose="02040503050406030204" pitchFamily="18" charset="0"/>
+                            </a:rPr>
+                            <m:t>𝑝</m:t>
+                          </m:r>
+                        </m:den>
+                      </m:f>
+                    </m:oMath>
+                  </m:oMathPara>
+                </a14:m>
+                <a:endParaRPr lang="ja-JP" altLang="en-US" sz="2400"/>
+              </a:p>
+            </p:txBody>
+          </p:sp>
+        </mc:Choice>
+        <mc:Fallback>
+          <p:sp>
+            <p:nvSpPr>
+              <p:cNvPr id="11" name="テキスト ボックス 10">
+                <a:extLst>
+                  <a:ext uri="{FF2B5EF4-FFF2-40B4-BE49-F238E27FC236}">
+                    <a16:creationId xmlns:a16="http://schemas.microsoft.com/office/drawing/2014/main" id="{3CF8DC5C-050B-D913-D3A6-307540239ACF}"/>
+                  </a:ext>
+                </a:extLst>
+              </p:cNvPr>
+              <p:cNvSpPr txBox="1">
+                <a:spLocks noRot="1" noChangeAspect="1" noMove="1" noResize="1" noEditPoints="1" noAdjustHandles="1" noChangeArrowheads="1" noChangeShapeType="1" noTextEdit="1"/>
+              </p:cNvSpPr>
+              <p:nvPr/>
+            </p:nvSpPr>
+            <p:spPr>
+              <a:xfrm>
+                <a:off x="1835696" y="5668506"/>
+                <a:ext cx="1008112" cy="856838"/>
+              </a:xfrm>
+              <a:prstGeom prst="rect">
+                <a:avLst/>
+              </a:prstGeom>
+              <a:blipFill>
+                <a:blip r:embed="rId5"/>
+                <a:stretch>
+                  <a:fillRect/>
+                </a:stretch>
+              </a:blipFill>
+            </p:spPr>
+            <p:txBody>
+              <a:bodyPr/>
+              <a:lstStyle/>
+              <a:p>
+                <a:r>
+                  <a:rPr lang="ja-JP" altLang="en-US">
+                    <a:noFill/>
+                  </a:rPr>
+                  <a:t> </a:t>
+                </a:r>
+              </a:p>
+            </p:txBody>
+          </p:sp>
+        </mc:Fallback>
+      </mc:AlternateContent>
+      <p:sp>
+        <p:nvSpPr>
+          <p:cNvPr id="12" name="テキスト ボックス 11">
+            <a:extLst>
+              <a:ext uri="{FF2B5EF4-FFF2-40B4-BE49-F238E27FC236}">
+                <a16:creationId xmlns:a16="http://schemas.microsoft.com/office/drawing/2014/main" id="{A38F11FB-2031-6CAD-AF89-8C7EAF60CC59}"/>
+              </a:ext>
+            </a:extLst>
+          </p:cNvPr>
+          <p:cNvSpPr txBox="1"/>
+          <p:nvPr/>
+        </p:nvSpPr>
+        <p:spPr>
+          <a:xfrm>
+            <a:off x="2987824" y="5805264"/>
+            <a:ext cx="3877985" cy="584775"/>
+          </a:xfrm>
+          <a:prstGeom prst="rect">
+            <a:avLst/>
+          </a:prstGeom>
+          <a:noFill/>
+        </p:spPr>
+        <p:txBody>
+          <a:bodyPr wrap="none" rtlCol="0">
+            <a:spAutoFit/>
+          </a:bodyPr>
+          <a:lstStyle/>
+          <a:p>
+            <a:r>
+              <a:rPr lang="ja-JP" altLang="en-US" sz="3200"/>
+              <a:t>を引いた時に消える</a:t>
+            </a:r>
+            <a:endParaRPr kumimoji="1" lang="ja-JP" altLang="en-US" sz="3200"/>
+          </a:p>
+        </p:txBody>
+      </p:sp>
+    </p:spTree>
+    <p:extLst>
+      <p:ext uri="{BB962C8B-B14F-4D97-AF65-F5344CB8AC3E}">
+        <p14:creationId xmlns:p14="http://schemas.microsoft.com/office/powerpoint/2010/main" val="1300680498"/>
+      </p:ext>
+    </p:extLst>
+  </p:cSld>
+  <p:clrMapOvr>
+    <a:masterClrMapping/>
+  </p:clrMapOvr>
+</p:sld>
+</file>
+
+<file path=ppt/slides/slide11.xml><?xml version="1.0" encoding="utf-8"?>
+<p:sld xmlns:a="http://schemas.openxmlformats.org/drawingml/2006/main" xmlns:r="http://schemas.openxmlformats.org/officeDocument/2006/relationships" xmlns:p="http://schemas.openxmlformats.org/presentationml/2006/main">
+  <p:cSld>
+    <p:spTree>
+      <p:nvGrpSpPr>
+        <p:cNvPr id="1" name=""/>
+        <p:cNvGrpSpPr/>
+        <p:nvPr/>
+      </p:nvGrpSpPr>
+      <p:grpSpPr>
+        <a:xfrm>
+          <a:off x="0" y="0"/>
+          <a:ext cx="0" cy="0"/>
+          <a:chOff x="0" y="0"/>
+          <a:chExt cx="0" cy="0"/>
+        </a:xfrm>
+      </p:grpSpPr>
+      <p:sp>
+        <p:nvSpPr>
+          <p:cNvPr id="2" name="テキスト プレースホルダー 1">
+            <a:extLst>
+              <a:ext uri="{FF2B5EF4-FFF2-40B4-BE49-F238E27FC236}">
+                <a16:creationId xmlns:a16="http://schemas.microsoft.com/office/drawing/2014/main" id="{98173A5A-57F3-3278-E4B3-B41833036D14}"/>
+              </a:ext>
+            </a:extLst>
+          </p:cNvPr>
+          <p:cNvSpPr>
+            <a:spLocks noGrp="1"/>
+          </p:cNvSpPr>
+          <p:nvPr>
+            <p:ph type="body" sz="quarter" idx="10"/>
+          </p:nvPr>
+        </p:nvSpPr>
+        <p:spPr/>
+        <p:txBody>
+          <a:bodyPr/>
+          <a:lstStyle/>
+          <a:p>
+            <a:r>
+              <a:rPr lang="ja-JP" altLang="en-US"/>
+              <a:t>ポアソン括弧と正準変換</a:t>
+            </a:r>
+            <a:endParaRPr kumimoji="1" lang="ja-JP" altLang="en-US"/>
+          </a:p>
+        </p:txBody>
+      </p:sp>
+      <mc:AlternateContent xmlns:mc="http://schemas.openxmlformats.org/markup-compatibility/2006">
+        <mc:Choice xmlns:a14="http://schemas.microsoft.com/office/drawing/2010/main" Requires="a14">
+          <p:sp>
+            <p:nvSpPr>
+              <p:cNvPr id="4" name="テキスト ボックス 3">
+                <a:extLst>
+                  <a:ext uri="{FF2B5EF4-FFF2-40B4-BE49-F238E27FC236}">
+                    <a16:creationId xmlns:a16="http://schemas.microsoft.com/office/drawing/2014/main" id="{EF61D381-6087-FFB5-19E3-2414CBE284BE}"/>
+                  </a:ext>
+                </a:extLst>
+              </p:cNvPr>
+              <p:cNvSpPr txBox="1"/>
+              <p:nvPr/>
+            </p:nvSpPr>
+            <p:spPr>
+              <a:xfrm>
+                <a:off x="2483768" y="1916832"/>
+                <a:ext cx="4116448" cy="764505"/>
+              </a:xfrm>
+              <a:prstGeom prst="rect">
+                <a:avLst/>
+              </a:prstGeom>
+              <a:noFill/>
+            </p:spPr>
+            <p:txBody>
+              <a:bodyPr wrap="none" lIns="0" tIns="0" rIns="0" bIns="0" rtlCol="0">
+                <a:spAutoFit/>
+              </a:bodyPr>
+              <a:lstStyle/>
+              <a:p>
+                <a14:m>
+                  <m:oMathPara xmlns:m="http://schemas.openxmlformats.org/officeDocument/2006/math">
+                    <m:oMathParaPr>
+                      <m:jc m:val="centerGroup"/>
+                    </m:oMathParaPr>
+                    <m:oMath xmlns:m="http://schemas.openxmlformats.org/officeDocument/2006/math">
+                      <m:r>
+                        <a:rPr kumimoji="1" lang="en-US" altLang="ja-JP" sz="2400" b="0" i="1" smtClean="0">
+                          <a:latin typeface="Cambria Math" panose="02040503050406030204" pitchFamily="18" charset="0"/>
+                        </a:rPr>
+                        <m:t>=</m:t>
+                      </m:r>
+                      <m:f>
+                        <m:fPr>
+                          <m:ctrlPr>
+                            <a:rPr lang="en-US" altLang="ja-JP" sz="2400" i="1">
+                              <a:latin typeface="Cambria Math" panose="02040503050406030204" pitchFamily="18" charset="0"/>
+                            </a:rPr>
+                          </m:ctrlPr>
+                        </m:fPr>
+                        <m:num>
+                          <m:r>
+                            <a:rPr lang="en-US" altLang="ja-JP" sz="2400" i="1">
+                              <a:latin typeface="Cambria Math" panose="02040503050406030204" pitchFamily="18" charset="0"/>
+                            </a:rPr>
+                            <m:t>𝜕</m:t>
+                          </m:r>
+                          <m:r>
+                            <a:rPr lang="en-US" altLang="ja-JP" sz="2400" i="1">
+                              <a:latin typeface="Cambria Math" panose="02040503050406030204" pitchFamily="18" charset="0"/>
+                            </a:rPr>
+                            <m:t>𝑋</m:t>
+                          </m:r>
+                        </m:num>
+                        <m:den>
+                          <m:r>
+                            <a:rPr lang="en-US" altLang="ja-JP" sz="2400" i="1">
+                              <a:latin typeface="Cambria Math" panose="02040503050406030204" pitchFamily="18" charset="0"/>
+                            </a:rPr>
+                            <m:t>𝜕</m:t>
+                          </m:r>
+                          <m:r>
+                            <a:rPr lang="en-US" altLang="ja-JP" sz="2400" i="1">
+                              <a:latin typeface="Cambria Math" panose="02040503050406030204" pitchFamily="18" charset="0"/>
+                            </a:rPr>
+                            <m:t>𝑄</m:t>
+                          </m:r>
+                        </m:den>
+                      </m:f>
+                      <m:f>
+                        <m:fPr>
+                          <m:ctrlPr>
+                            <a:rPr lang="en-US" altLang="ja-JP" sz="2400" i="1">
+                              <a:latin typeface="Cambria Math" panose="02040503050406030204" pitchFamily="18" charset="0"/>
+                            </a:rPr>
+                          </m:ctrlPr>
+                        </m:fPr>
+                        <m:num>
+                          <m:r>
+                            <a:rPr lang="en-US" altLang="ja-JP" sz="2400" i="1">
+                              <a:latin typeface="Cambria Math" panose="02040503050406030204" pitchFamily="18" charset="0"/>
+                            </a:rPr>
+                            <m:t>𝜕</m:t>
+                          </m:r>
+                          <m:r>
+                            <a:rPr lang="en-US" altLang="ja-JP" sz="2400" i="1">
+                              <a:latin typeface="Cambria Math" panose="02040503050406030204" pitchFamily="18" charset="0"/>
+                            </a:rPr>
+                            <m:t>𝑌</m:t>
+                          </m:r>
+                        </m:num>
+                        <m:den>
+                          <m:r>
+                            <a:rPr lang="en-US" altLang="ja-JP" sz="2400" i="1">
+                              <a:latin typeface="Cambria Math" panose="02040503050406030204" pitchFamily="18" charset="0"/>
+                            </a:rPr>
+                            <m:t>𝜕</m:t>
+                          </m:r>
+                          <m:r>
+                            <a:rPr lang="en-US" altLang="ja-JP" sz="2400" i="1">
+                              <a:latin typeface="Cambria Math" panose="02040503050406030204" pitchFamily="18" charset="0"/>
+                            </a:rPr>
+                            <m:t>𝑃</m:t>
+                          </m:r>
+                        </m:den>
+                      </m:f>
+                      <m:f>
+                        <m:fPr>
+                          <m:ctrlPr>
+                            <a:rPr lang="en-US" altLang="ja-JP" sz="2400" i="1">
+                              <a:latin typeface="Cambria Math" panose="02040503050406030204" pitchFamily="18" charset="0"/>
+                            </a:rPr>
+                          </m:ctrlPr>
+                        </m:fPr>
+                        <m:num>
+                          <m:r>
+                            <a:rPr lang="en-US" altLang="ja-JP" sz="2400" i="1">
+                              <a:latin typeface="Cambria Math" panose="02040503050406030204" pitchFamily="18" charset="0"/>
+                            </a:rPr>
+                            <m:t>𝜕</m:t>
+                          </m:r>
+                          <m:r>
+                            <a:rPr lang="en-US" altLang="ja-JP" sz="2400" i="1">
+                              <a:latin typeface="Cambria Math" panose="02040503050406030204" pitchFamily="18" charset="0"/>
+                            </a:rPr>
+                            <m:t>𝑄</m:t>
+                          </m:r>
+                        </m:num>
+                        <m:den>
+                          <m:r>
+                            <a:rPr lang="en-US" altLang="ja-JP" sz="2400" i="1">
+                              <a:latin typeface="Cambria Math" panose="02040503050406030204" pitchFamily="18" charset="0"/>
+                            </a:rPr>
+                            <m:t>𝜕</m:t>
+                          </m:r>
+                          <m:r>
+                            <a:rPr lang="en-US" altLang="ja-JP" sz="2400" i="1">
+                              <a:latin typeface="Cambria Math" panose="02040503050406030204" pitchFamily="18" charset="0"/>
+                            </a:rPr>
+                            <m:t>𝑞</m:t>
+                          </m:r>
+                        </m:den>
+                      </m:f>
+                      <m:f>
+                        <m:fPr>
+                          <m:ctrlPr>
+                            <a:rPr lang="en-US" altLang="ja-JP" sz="2400" i="1">
+                              <a:latin typeface="Cambria Math" panose="02040503050406030204" pitchFamily="18" charset="0"/>
+                            </a:rPr>
+                          </m:ctrlPr>
+                        </m:fPr>
+                        <m:num>
+                          <m:r>
+                            <a:rPr lang="en-US" altLang="ja-JP" sz="2400" i="1">
+                              <a:latin typeface="Cambria Math" panose="02040503050406030204" pitchFamily="18" charset="0"/>
+                            </a:rPr>
+                            <m:t>𝜕</m:t>
+                          </m:r>
+                          <m:r>
+                            <a:rPr lang="en-US" altLang="ja-JP" sz="2400" i="1">
+                              <a:latin typeface="Cambria Math" panose="02040503050406030204" pitchFamily="18" charset="0"/>
+                            </a:rPr>
+                            <m:t>𝑃</m:t>
+                          </m:r>
+                        </m:num>
+                        <m:den>
+                          <m:r>
+                            <a:rPr lang="en-US" altLang="ja-JP" sz="2400" i="1">
+                              <a:latin typeface="Cambria Math" panose="02040503050406030204" pitchFamily="18" charset="0"/>
+                            </a:rPr>
+                            <m:t>𝜕</m:t>
+                          </m:r>
+                          <m:r>
+                            <a:rPr lang="en-US" altLang="ja-JP" sz="2400" i="1">
+                              <a:latin typeface="Cambria Math" panose="02040503050406030204" pitchFamily="18" charset="0"/>
+                            </a:rPr>
+                            <m:t>𝑝</m:t>
+                          </m:r>
+                        </m:den>
+                      </m:f>
+                      <m:r>
+                        <a:rPr lang="en-US" altLang="ja-JP" sz="2400" b="0" i="1" smtClean="0">
+                          <a:latin typeface="Cambria Math" panose="02040503050406030204" pitchFamily="18" charset="0"/>
+                        </a:rPr>
+                        <m:t>+</m:t>
+                      </m:r>
+                      <m:f>
+                        <m:fPr>
+                          <m:ctrlPr>
+                            <a:rPr lang="en-US" altLang="ja-JP" sz="2400" i="1">
+                              <a:latin typeface="Cambria Math" panose="02040503050406030204" pitchFamily="18" charset="0"/>
+                            </a:rPr>
+                          </m:ctrlPr>
+                        </m:fPr>
+                        <m:num>
+                          <m:r>
+                            <a:rPr lang="en-US" altLang="ja-JP" sz="2400" i="1">
+                              <a:latin typeface="Cambria Math" panose="02040503050406030204" pitchFamily="18" charset="0"/>
+                            </a:rPr>
+                            <m:t>𝜕</m:t>
+                          </m:r>
+                          <m:r>
+                            <a:rPr lang="en-US" altLang="ja-JP" sz="2400" i="1">
+                              <a:latin typeface="Cambria Math" panose="02040503050406030204" pitchFamily="18" charset="0"/>
+                            </a:rPr>
+                            <m:t>𝑋</m:t>
+                          </m:r>
+                        </m:num>
+                        <m:den>
+                          <m:r>
+                            <a:rPr lang="en-US" altLang="ja-JP" sz="2400" i="1">
+                              <a:latin typeface="Cambria Math" panose="02040503050406030204" pitchFamily="18" charset="0"/>
+                            </a:rPr>
+                            <m:t>𝜕</m:t>
+                          </m:r>
+                          <m:r>
+                            <a:rPr lang="en-US" altLang="ja-JP" sz="2400" b="0" i="1" smtClean="0">
+                              <a:latin typeface="Cambria Math" panose="02040503050406030204" pitchFamily="18" charset="0"/>
+                            </a:rPr>
+                            <m:t>𝑃</m:t>
+                          </m:r>
+                        </m:den>
+                      </m:f>
+                      <m:f>
+                        <m:fPr>
+                          <m:ctrlPr>
+                            <a:rPr lang="en-US" altLang="ja-JP" sz="2400" i="1">
+                              <a:latin typeface="Cambria Math" panose="02040503050406030204" pitchFamily="18" charset="0"/>
+                            </a:rPr>
+                          </m:ctrlPr>
+                        </m:fPr>
+                        <m:num>
+                          <m:r>
+                            <a:rPr lang="en-US" altLang="ja-JP" sz="2400" i="1">
+                              <a:latin typeface="Cambria Math" panose="02040503050406030204" pitchFamily="18" charset="0"/>
+                            </a:rPr>
+                            <m:t>𝜕</m:t>
+                          </m:r>
+                          <m:r>
+                            <a:rPr lang="en-US" altLang="ja-JP" sz="2400" i="1">
+                              <a:latin typeface="Cambria Math" panose="02040503050406030204" pitchFamily="18" charset="0"/>
+                            </a:rPr>
+                            <m:t>𝑌</m:t>
+                          </m:r>
+                        </m:num>
+                        <m:den>
+                          <m:r>
+                            <a:rPr lang="en-US" altLang="ja-JP" sz="2400" i="1">
+                              <a:latin typeface="Cambria Math" panose="02040503050406030204" pitchFamily="18" charset="0"/>
+                            </a:rPr>
+                            <m:t>𝜕</m:t>
+                          </m:r>
+                          <m:r>
+                            <a:rPr lang="en-US" altLang="ja-JP" sz="2400" b="0" i="1" smtClean="0">
+                              <a:latin typeface="Cambria Math" panose="02040503050406030204" pitchFamily="18" charset="0"/>
+                            </a:rPr>
+                            <m:t>𝑄</m:t>
+                          </m:r>
+                        </m:den>
+                      </m:f>
+                      <m:f>
+                        <m:fPr>
+                          <m:ctrlPr>
+                            <a:rPr lang="en-US" altLang="ja-JP" sz="2400" i="1">
+                              <a:latin typeface="Cambria Math" panose="02040503050406030204" pitchFamily="18" charset="0"/>
+                            </a:rPr>
+                          </m:ctrlPr>
+                        </m:fPr>
+                        <m:num>
+                          <m:r>
+                            <a:rPr lang="en-US" altLang="ja-JP" sz="2400" i="1">
+                              <a:latin typeface="Cambria Math" panose="02040503050406030204" pitchFamily="18" charset="0"/>
+                            </a:rPr>
+                            <m:t>𝜕</m:t>
+                          </m:r>
+                          <m:r>
+                            <a:rPr lang="en-US" altLang="ja-JP" sz="2400" i="1">
+                              <a:latin typeface="Cambria Math" panose="02040503050406030204" pitchFamily="18" charset="0"/>
+                            </a:rPr>
+                            <m:t>𝑄</m:t>
+                          </m:r>
+                        </m:num>
+                        <m:den>
+                          <m:r>
+                            <a:rPr lang="en-US" altLang="ja-JP" sz="2400" i="1">
+                              <a:latin typeface="Cambria Math" panose="02040503050406030204" pitchFamily="18" charset="0"/>
+                            </a:rPr>
+                            <m:t>𝜕</m:t>
+                          </m:r>
+                          <m:r>
+                            <a:rPr lang="en-US" altLang="ja-JP" sz="2400" b="0" i="1" smtClean="0">
+                              <a:latin typeface="Cambria Math" panose="02040503050406030204" pitchFamily="18" charset="0"/>
+                            </a:rPr>
+                            <m:t>𝑝</m:t>
+                          </m:r>
+                        </m:den>
+                      </m:f>
+                      <m:f>
+                        <m:fPr>
+                          <m:ctrlPr>
+                            <a:rPr lang="en-US" altLang="ja-JP" sz="2400" i="1">
+                              <a:latin typeface="Cambria Math" panose="02040503050406030204" pitchFamily="18" charset="0"/>
+                            </a:rPr>
+                          </m:ctrlPr>
+                        </m:fPr>
+                        <m:num>
+                          <m:r>
+                            <a:rPr lang="en-US" altLang="ja-JP" sz="2400" i="1">
+                              <a:latin typeface="Cambria Math" panose="02040503050406030204" pitchFamily="18" charset="0"/>
+                            </a:rPr>
+                            <m:t>𝜕</m:t>
+                          </m:r>
+                          <m:r>
+                            <a:rPr lang="en-US" altLang="ja-JP" sz="2400" i="1">
+                              <a:latin typeface="Cambria Math" panose="02040503050406030204" pitchFamily="18" charset="0"/>
+                            </a:rPr>
+                            <m:t>𝑃</m:t>
+                          </m:r>
+                        </m:num>
+                        <m:den>
+                          <m:r>
+                            <a:rPr lang="en-US" altLang="ja-JP" sz="2400" i="1">
+                              <a:latin typeface="Cambria Math" panose="02040503050406030204" pitchFamily="18" charset="0"/>
+                            </a:rPr>
+                            <m:t>𝜕</m:t>
+                          </m:r>
+                          <m:r>
+                            <a:rPr lang="en-US" altLang="ja-JP" sz="2400" b="0" i="1" smtClean="0">
+                              <a:latin typeface="Cambria Math" panose="02040503050406030204" pitchFamily="18" charset="0"/>
+                            </a:rPr>
+                            <m:t>𝑞</m:t>
+                          </m:r>
+                        </m:den>
+                      </m:f>
+                    </m:oMath>
+                  </m:oMathPara>
+                </a14:m>
+                <a:endParaRPr kumimoji="1" lang="ja-JP" altLang="en-US" sz="2400"/>
+              </a:p>
+            </p:txBody>
+          </p:sp>
+        </mc:Choice>
+        <mc:Fallback>
+          <p:sp>
+            <p:nvSpPr>
+              <p:cNvPr id="4" name="テキスト ボックス 3">
+                <a:extLst>
+                  <a:ext uri="{FF2B5EF4-FFF2-40B4-BE49-F238E27FC236}">
+                    <a16:creationId xmlns:a16="http://schemas.microsoft.com/office/drawing/2014/main" id="{EF61D381-6087-FFB5-19E3-2414CBE284BE}"/>
+                  </a:ext>
+                </a:extLst>
+              </p:cNvPr>
+              <p:cNvSpPr txBox="1">
+                <a:spLocks noRot="1" noChangeAspect="1" noMove="1" noResize="1" noEditPoints="1" noAdjustHandles="1" noChangeArrowheads="1" noChangeShapeType="1" noTextEdit="1"/>
+              </p:cNvSpPr>
+              <p:nvPr/>
+            </p:nvSpPr>
+            <p:spPr>
+              <a:xfrm>
+                <a:off x="2483768" y="1916832"/>
+                <a:ext cx="4116448" cy="764505"/>
+              </a:xfrm>
+              <a:prstGeom prst="rect">
+                <a:avLst/>
+              </a:prstGeom>
+              <a:blipFill>
+                <a:blip r:embed="rId2"/>
+                <a:stretch>
+                  <a:fillRect/>
+                </a:stretch>
+              </a:blipFill>
+            </p:spPr>
+            <p:txBody>
+              <a:bodyPr/>
+              <a:lstStyle/>
+              <a:p>
+                <a:r>
+                  <a:rPr lang="ja-JP" altLang="en-US">
+                    <a:noFill/>
+                  </a:rPr>
+                  <a:t> </a:t>
+                </a:r>
+              </a:p>
+            </p:txBody>
+          </p:sp>
+        </mc:Fallback>
+      </mc:AlternateContent>
+      <mc:AlternateContent xmlns:mc="http://schemas.openxmlformats.org/markup-compatibility/2006">
+        <mc:Choice xmlns:a14="http://schemas.microsoft.com/office/drawing/2010/main" Requires="a14">
+          <p:sp>
+            <p:nvSpPr>
+              <p:cNvPr id="5" name="テキスト ボックス 4">
+                <a:extLst>
+                  <a:ext uri="{FF2B5EF4-FFF2-40B4-BE49-F238E27FC236}">
+                    <a16:creationId xmlns:a16="http://schemas.microsoft.com/office/drawing/2014/main" id="{FFEB5BA7-AED2-1D22-1A3C-D8FC9B0D047D}"/>
+                  </a:ext>
+                </a:extLst>
+              </p:cNvPr>
+              <p:cNvSpPr txBox="1"/>
+              <p:nvPr/>
+            </p:nvSpPr>
+            <p:spPr>
+              <a:xfrm>
+                <a:off x="2627784" y="2924944"/>
+                <a:ext cx="3955634" cy="764505"/>
+              </a:xfrm>
+              <a:prstGeom prst="rect">
+                <a:avLst/>
+              </a:prstGeom>
+              <a:noFill/>
+            </p:spPr>
+            <p:txBody>
+              <a:bodyPr wrap="none" lIns="0" tIns="0" rIns="0" bIns="0" rtlCol="0">
+                <a:spAutoFit/>
+              </a:bodyPr>
+              <a:lstStyle/>
+              <a:p>
+                <a14:m>
+                  <m:oMathPara xmlns:m="http://schemas.openxmlformats.org/officeDocument/2006/math">
+                    <m:oMathParaPr>
+                      <m:jc m:val="centerGroup"/>
+                    </m:oMathParaPr>
+                    <m:oMath xmlns:m="http://schemas.openxmlformats.org/officeDocument/2006/math">
+                      <m:r>
+                        <a:rPr lang="en-US" altLang="ja-JP" sz="2400" i="1" smtClean="0">
+                          <a:latin typeface="Cambria Math" panose="02040503050406030204" pitchFamily="18" charset="0"/>
+                        </a:rPr>
+                        <m:t>-</m:t>
+                      </m:r>
+                      <m:f>
+                        <m:fPr>
+                          <m:ctrlPr>
+                            <a:rPr lang="en-US" altLang="ja-JP" sz="2400" i="1">
+                              <a:latin typeface="Cambria Math" panose="02040503050406030204" pitchFamily="18" charset="0"/>
+                            </a:rPr>
+                          </m:ctrlPr>
+                        </m:fPr>
+                        <m:num>
+                          <m:r>
+                            <a:rPr lang="en-US" altLang="ja-JP" sz="2400" i="1">
+                              <a:latin typeface="Cambria Math" panose="02040503050406030204" pitchFamily="18" charset="0"/>
+                            </a:rPr>
+                            <m:t>𝜕</m:t>
+                          </m:r>
+                          <m:r>
+                            <a:rPr lang="en-US" altLang="ja-JP" sz="2400" i="1">
+                              <a:latin typeface="Cambria Math" panose="02040503050406030204" pitchFamily="18" charset="0"/>
+                            </a:rPr>
+                            <m:t>𝑋</m:t>
+                          </m:r>
+                        </m:num>
+                        <m:den>
+                          <m:r>
+                            <a:rPr lang="en-US" altLang="ja-JP" sz="2400" i="1">
+                              <a:latin typeface="Cambria Math" panose="02040503050406030204" pitchFamily="18" charset="0"/>
+                            </a:rPr>
+                            <m:t>𝜕</m:t>
+                          </m:r>
+                          <m:r>
+                            <a:rPr lang="en-US" altLang="ja-JP" sz="2400" b="0" i="1" smtClean="0">
+                              <a:latin typeface="Cambria Math" panose="02040503050406030204" pitchFamily="18" charset="0"/>
+                            </a:rPr>
+                            <m:t>𝑃</m:t>
+                          </m:r>
+                        </m:den>
+                      </m:f>
+                      <m:f>
+                        <m:fPr>
+                          <m:ctrlPr>
+                            <a:rPr lang="en-US" altLang="ja-JP" sz="2400" i="1">
+                              <a:latin typeface="Cambria Math" panose="02040503050406030204" pitchFamily="18" charset="0"/>
+                            </a:rPr>
+                          </m:ctrlPr>
+                        </m:fPr>
+                        <m:num>
+                          <m:r>
+                            <a:rPr lang="en-US" altLang="ja-JP" sz="2400" i="1">
+                              <a:latin typeface="Cambria Math" panose="02040503050406030204" pitchFamily="18" charset="0"/>
+                            </a:rPr>
+                            <m:t>𝜕</m:t>
+                          </m:r>
+                          <m:r>
+                            <a:rPr lang="en-US" altLang="ja-JP" sz="2400" i="1">
+                              <a:latin typeface="Cambria Math" panose="02040503050406030204" pitchFamily="18" charset="0"/>
+                            </a:rPr>
+                            <m:t>𝑌</m:t>
+                          </m:r>
+                        </m:num>
+                        <m:den>
+                          <m:r>
+                            <a:rPr lang="en-US" altLang="ja-JP" sz="2400" i="1">
+                              <a:latin typeface="Cambria Math" panose="02040503050406030204" pitchFamily="18" charset="0"/>
+                            </a:rPr>
+                            <m:t>𝜕</m:t>
+                          </m:r>
+                          <m:r>
+                            <a:rPr lang="en-US" altLang="ja-JP" sz="2400" b="0" i="1" smtClean="0">
+                              <a:latin typeface="Cambria Math" panose="02040503050406030204" pitchFamily="18" charset="0"/>
+                            </a:rPr>
+                            <m:t>𝑄</m:t>
+                          </m:r>
+                        </m:den>
+                      </m:f>
+                      <m:f>
+                        <m:fPr>
+                          <m:ctrlPr>
+                            <a:rPr lang="en-US" altLang="ja-JP" sz="2400" i="1">
+                              <a:latin typeface="Cambria Math" panose="02040503050406030204" pitchFamily="18" charset="0"/>
+                            </a:rPr>
+                          </m:ctrlPr>
+                        </m:fPr>
+                        <m:num>
+                          <m:r>
+                            <a:rPr lang="en-US" altLang="ja-JP" sz="2400" i="1">
+                              <a:latin typeface="Cambria Math" panose="02040503050406030204" pitchFamily="18" charset="0"/>
+                            </a:rPr>
+                            <m:t>𝜕</m:t>
+                          </m:r>
+                          <m:r>
+                            <a:rPr lang="en-US" altLang="ja-JP" sz="2400" i="1">
+                              <a:latin typeface="Cambria Math" panose="02040503050406030204" pitchFamily="18" charset="0"/>
+                            </a:rPr>
+                            <m:t>𝑄</m:t>
+                          </m:r>
+                        </m:num>
+                        <m:den>
+                          <m:r>
+                            <a:rPr lang="en-US" altLang="ja-JP" sz="2400" i="1">
+                              <a:latin typeface="Cambria Math" panose="02040503050406030204" pitchFamily="18" charset="0"/>
+                            </a:rPr>
+                            <m:t>𝜕</m:t>
+                          </m:r>
+                          <m:r>
+                            <a:rPr lang="en-US" altLang="ja-JP" sz="2400" i="1">
+                              <a:latin typeface="Cambria Math" panose="02040503050406030204" pitchFamily="18" charset="0"/>
+                            </a:rPr>
+                            <m:t>𝑞</m:t>
+                          </m:r>
+                        </m:den>
+                      </m:f>
+                      <m:f>
+                        <m:fPr>
+                          <m:ctrlPr>
+                            <a:rPr lang="en-US" altLang="ja-JP" sz="2400" i="1">
+                              <a:latin typeface="Cambria Math" panose="02040503050406030204" pitchFamily="18" charset="0"/>
+                            </a:rPr>
+                          </m:ctrlPr>
+                        </m:fPr>
+                        <m:num>
+                          <m:r>
+                            <a:rPr lang="en-US" altLang="ja-JP" sz="2400" i="1">
+                              <a:latin typeface="Cambria Math" panose="02040503050406030204" pitchFamily="18" charset="0"/>
+                            </a:rPr>
+                            <m:t>𝜕</m:t>
+                          </m:r>
+                          <m:r>
+                            <a:rPr lang="en-US" altLang="ja-JP" sz="2400" i="1">
+                              <a:latin typeface="Cambria Math" panose="02040503050406030204" pitchFamily="18" charset="0"/>
+                            </a:rPr>
+                            <m:t>𝑃</m:t>
+                          </m:r>
+                        </m:num>
+                        <m:den>
+                          <m:r>
+                            <a:rPr lang="en-US" altLang="ja-JP" sz="2400" i="1">
+                              <a:latin typeface="Cambria Math" panose="02040503050406030204" pitchFamily="18" charset="0"/>
+                            </a:rPr>
+                            <m:t>𝜕</m:t>
+                          </m:r>
+                          <m:r>
+                            <a:rPr lang="en-US" altLang="ja-JP" sz="2400" i="1">
+                              <a:latin typeface="Cambria Math" panose="02040503050406030204" pitchFamily="18" charset="0"/>
+                            </a:rPr>
+                            <m:t>𝑝</m:t>
+                          </m:r>
+                        </m:den>
+                      </m:f>
+                      <m:r>
+                        <a:rPr lang="en-US" altLang="ja-JP" sz="2400" b="0" i="1" smtClean="0">
+                          <a:latin typeface="Cambria Math" panose="02040503050406030204" pitchFamily="18" charset="0"/>
+                        </a:rPr>
+                        <m:t>+</m:t>
+                      </m:r>
+                      <m:f>
+                        <m:fPr>
+                          <m:ctrlPr>
+                            <a:rPr lang="en-US" altLang="ja-JP" sz="2400" i="1">
+                              <a:latin typeface="Cambria Math" panose="02040503050406030204" pitchFamily="18" charset="0"/>
+                            </a:rPr>
+                          </m:ctrlPr>
+                        </m:fPr>
+                        <m:num>
+                          <m:r>
+                            <a:rPr lang="en-US" altLang="ja-JP" sz="2400" i="1">
+                              <a:latin typeface="Cambria Math" panose="02040503050406030204" pitchFamily="18" charset="0"/>
+                            </a:rPr>
+                            <m:t>𝜕</m:t>
+                          </m:r>
+                          <m:r>
+                            <a:rPr lang="en-US" altLang="ja-JP" sz="2400" i="1">
+                              <a:latin typeface="Cambria Math" panose="02040503050406030204" pitchFamily="18" charset="0"/>
+                            </a:rPr>
+                            <m:t>𝑋</m:t>
+                          </m:r>
+                        </m:num>
+                        <m:den>
+                          <m:r>
+                            <a:rPr lang="en-US" altLang="ja-JP" sz="2400" i="1">
+                              <a:latin typeface="Cambria Math" panose="02040503050406030204" pitchFamily="18" charset="0"/>
+                            </a:rPr>
+                            <m:t>𝜕</m:t>
+                          </m:r>
+                          <m:r>
+                            <a:rPr lang="en-US" altLang="ja-JP" sz="2400" b="0" i="1" smtClean="0">
+                              <a:latin typeface="Cambria Math" panose="02040503050406030204" pitchFamily="18" charset="0"/>
+                            </a:rPr>
+                            <m:t>𝑄</m:t>
+                          </m:r>
+                        </m:den>
+                      </m:f>
+                      <m:f>
+                        <m:fPr>
+                          <m:ctrlPr>
+                            <a:rPr lang="en-US" altLang="ja-JP" sz="2400" i="1">
+                              <a:latin typeface="Cambria Math" panose="02040503050406030204" pitchFamily="18" charset="0"/>
+                            </a:rPr>
+                          </m:ctrlPr>
+                        </m:fPr>
+                        <m:num>
+                          <m:r>
+                            <a:rPr lang="en-US" altLang="ja-JP" sz="2400" i="1">
+                              <a:latin typeface="Cambria Math" panose="02040503050406030204" pitchFamily="18" charset="0"/>
+                            </a:rPr>
+                            <m:t>𝜕</m:t>
+                          </m:r>
+                          <m:r>
+                            <a:rPr lang="en-US" altLang="ja-JP" sz="2400" i="1">
+                              <a:latin typeface="Cambria Math" panose="02040503050406030204" pitchFamily="18" charset="0"/>
+                            </a:rPr>
+                            <m:t>𝑌</m:t>
+                          </m:r>
+                        </m:num>
+                        <m:den>
+                          <m:r>
+                            <a:rPr lang="en-US" altLang="ja-JP" sz="2400" i="1">
+                              <a:latin typeface="Cambria Math" panose="02040503050406030204" pitchFamily="18" charset="0"/>
+                            </a:rPr>
+                            <m:t>𝜕</m:t>
+                          </m:r>
+                          <m:r>
+                            <a:rPr lang="en-US" altLang="ja-JP" sz="2400" b="0" i="1" smtClean="0">
+                              <a:latin typeface="Cambria Math" panose="02040503050406030204" pitchFamily="18" charset="0"/>
+                            </a:rPr>
+                            <m:t>𝑃</m:t>
+                          </m:r>
+                        </m:den>
+                      </m:f>
+                      <m:f>
+                        <m:fPr>
+                          <m:ctrlPr>
+                            <a:rPr lang="en-US" altLang="ja-JP" sz="2400" i="1">
+                              <a:latin typeface="Cambria Math" panose="02040503050406030204" pitchFamily="18" charset="0"/>
+                            </a:rPr>
+                          </m:ctrlPr>
+                        </m:fPr>
+                        <m:num>
+                          <m:r>
+                            <a:rPr lang="en-US" altLang="ja-JP" sz="2400" i="1">
+                              <a:latin typeface="Cambria Math" panose="02040503050406030204" pitchFamily="18" charset="0"/>
+                            </a:rPr>
+                            <m:t>𝜕</m:t>
+                          </m:r>
+                          <m:r>
+                            <a:rPr lang="en-US" altLang="ja-JP" sz="2400" i="1">
+                              <a:latin typeface="Cambria Math" panose="02040503050406030204" pitchFamily="18" charset="0"/>
+                            </a:rPr>
+                            <m:t>𝑄</m:t>
+                          </m:r>
+                        </m:num>
+                        <m:den>
+                          <m:r>
+                            <a:rPr lang="en-US" altLang="ja-JP" sz="2400" i="1">
+                              <a:latin typeface="Cambria Math" panose="02040503050406030204" pitchFamily="18" charset="0"/>
+                            </a:rPr>
+                            <m:t>𝜕</m:t>
+                          </m:r>
+                          <m:r>
+                            <a:rPr lang="en-US" altLang="ja-JP" sz="2400" b="0" i="1" smtClean="0">
+                              <a:latin typeface="Cambria Math" panose="02040503050406030204" pitchFamily="18" charset="0"/>
+                            </a:rPr>
+                            <m:t>𝑝</m:t>
+                          </m:r>
+                        </m:den>
+                      </m:f>
+                      <m:f>
+                        <m:fPr>
+                          <m:ctrlPr>
+                            <a:rPr lang="en-US" altLang="ja-JP" sz="2400" i="1">
+                              <a:latin typeface="Cambria Math" panose="02040503050406030204" pitchFamily="18" charset="0"/>
+                            </a:rPr>
+                          </m:ctrlPr>
+                        </m:fPr>
+                        <m:num>
+                          <m:r>
+                            <a:rPr lang="en-US" altLang="ja-JP" sz="2400" i="1">
+                              <a:latin typeface="Cambria Math" panose="02040503050406030204" pitchFamily="18" charset="0"/>
+                            </a:rPr>
+                            <m:t>𝜕</m:t>
+                          </m:r>
+                          <m:r>
+                            <a:rPr lang="en-US" altLang="ja-JP" sz="2400" i="1">
+                              <a:latin typeface="Cambria Math" panose="02040503050406030204" pitchFamily="18" charset="0"/>
+                            </a:rPr>
+                            <m:t>𝑃</m:t>
+                          </m:r>
+                        </m:num>
+                        <m:den>
+                          <m:r>
+                            <a:rPr lang="en-US" altLang="ja-JP" sz="2400" i="1">
+                              <a:latin typeface="Cambria Math" panose="02040503050406030204" pitchFamily="18" charset="0"/>
+                            </a:rPr>
+                            <m:t>𝜕</m:t>
+                          </m:r>
+                          <m:r>
+                            <a:rPr lang="en-US" altLang="ja-JP" sz="2400" b="0" i="1" smtClean="0">
+                              <a:latin typeface="Cambria Math" panose="02040503050406030204" pitchFamily="18" charset="0"/>
+                            </a:rPr>
+                            <m:t>𝑞</m:t>
+                          </m:r>
+                        </m:den>
+                      </m:f>
+                    </m:oMath>
+                  </m:oMathPara>
+                </a14:m>
+                <a:endParaRPr kumimoji="1" lang="ja-JP" altLang="en-US" sz="2400"/>
+              </a:p>
+            </p:txBody>
+          </p:sp>
+        </mc:Choice>
+        <mc:Fallback>
+          <p:sp>
+            <p:nvSpPr>
+              <p:cNvPr id="5" name="テキスト ボックス 4">
+                <a:extLst>
+                  <a:ext uri="{FF2B5EF4-FFF2-40B4-BE49-F238E27FC236}">
+                    <a16:creationId xmlns:a16="http://schemas.microsoft.com/office/drawing/2014/main" id="{FFEB5BA7-AED2-1D22-1A3C-D8FC9B0D047D}"/>
+                  </a:ext>
+                </a:extLst>
+              </p:cNvPr>
+              <p:cNvSpPr txBox="1">
+                <a:spLocks noRot="1" noChangeAspect="1" noMove="1" noResize="1" noEditPoints="1" noAdjustHandles="1" noChangeArrowheads="1" noChangeShapeType="1" noTextEdit="1"/>
+              </p:cNvSpPr>
+              <p:nvPr/>
+            </p:nvSpPr>
+            <p:spPr>
+              <a:xfrm>
+                <a:off x="2627784" y="2924944"/>
+                <a:ext cx="3955634" cy="764505"/>
+              </a:xfrm>
+              <a:prstGeom prst="rect">
+                <a:avLst/>
+              </a:prstGeom>
+              <a:blipFill>
+                <a:blip r:embed="rId3"/>
+                <a:stretch>
+                  <a:fillRect/>
+                </a:stretch>
+              </a:blipFill>
+            </p:spPr>
+            <p:txBody>
+              <a:bodyPr/>
+              <a:lstStyle/>
+              <a:p>
+                <a:r>
+                  <a:rPr lang="ja-JP" altLang="en-US">
+                    <a:noFill/>
+                  </a:rPr>
+                  <a:t> </a:t>
+                </a:r>
+              </a:p>
+            </p:txBody>
+          </p:sp>
+        </mc:Fallback>
+      </mc:AlternateContent>
+      <mc:AlternateContent xmlns:mc="http://schemas.openxmlformats.org/markup-compatibility/2006">
+        <mc:Choice xmlns:a14="http://schemas.microsoft.com/office/drawing/2010/main" Requires="a14">
+          <p:sp>
+            <p:nvSpPr>
+              <p:cNvPr id="6" name="テキスト ボックス 5">
+                <a:extLst>
+                  <a:ext uri="{FF2B5EF4-FFF2-40B4-BE49-F238E27FC236}">
+                    <a16:creationId xmlns:a16="http://schemas.microsoft.com/office/drawing/2014/main" id="{CD723FA4-473D-B3DB-38F5-05367DA237B1}"/>
+                  </a:ext>
+                </a:extLst>
+              </p:cNvPr>
+              <p:cNvSpPr txBox="1"/>
+              <p:nvPr/>
+            </p:nvSpPr>
+            <p:spPr>
+              <a:xfrm>
+                <a:off x="2555895" y="3933056"/>
+                <a:ext cx="3600281" cy="829843"/>
+              </a:xfrm>
+              <a:prstGeom prst="rect">
+                <a:avLst/>
+              </a:prstGeom>
+              <a:noFill/>
+            </p:spPr>
+            <p:txBody>
+              <a:bodyPr wrap="none" lIns="0" tIns="0" rIns="0" bIns="0" rtlCol="0">
+                <a:spAutoFit/>
+              </a:bodyPr>
+              <a:lstStyle/>
+              <a:p>
+                <a14:m>
+                  <m:oMathPara xmlns:m="http://schemas.openxmlformats.org/officeDocument/2006/math">
+                    <m:oMathParaPr>
+                      <m:jc m:val="centerGroup"/>
+                    </m:oMathParaPr>
+                    <m:oMath xmlns:m="http://schemas.openxmlformats.org/officeDocument/2006/math">
+                      <m:r>
+                        <a:rPr kumimoji="1" lang="en-US" altLang="ja-JP" sz="2400" b="0" i="1" smtClean="0">
+                          <a:latin typeface="Cambria Math" panose="02040503050406030204" pitchFamily="18" charset="0"/>
+                        </a:rPr>
+                        <m:t>=</m:t>
+                      </m:r>
+                      <m:f>
+                        <m:fPr>
+                          <m:ctrlPr>
+                            <a:rPr lang="en-US" altLang="ja-JP" sz="2400" i="1">
+                              <a:latin typeface="Cambria Math" panose="02040503050406030204" pitchFamily="18" charset="0"/>
+                            </a:rPr>
+                          </m:ctrlPr>
+                        </m:fPr>
+                        <m:num>
+                          <m:r>
+                            <a:rPr lang="en-US" altLang="ja-JP" sz="2400" i="1">
+                              <a:latin typeface="Cambria Math" panose="02040503050406030204" pitchFamily="18" charset="0"/>
+                            </a:rPr>
+                            <m:t>𝜕</m:t>
+                          </m:r>
+                          <m:r>
+                            <a:rPr lang="en-US" altLang="ja-JP" sz="2400" i="1">
+                              <a:latin typeface="Cambria Math" panose="02040503050406030204" pitchFamily="18" charset="0"/>
+                            </a:rPr>
+                            <m:t>𝑋</m:t>
+                          </m:r>
+                        </m:num>
+                        <m:den>
+                          <m:r>
+                            <a:rPr lang="en-US" altLang="ja-JP" sz="2400" i="1">
+                              <a:latin typeface="Cambria Math" panose="02040503050406030204" pitchFamily="18" charset="0"/>
+                            </a:rPr>
+                            <m:t>𝜕</m:t>
+                          </m:r>
+                          <m:r>
+                            <a:rPr lang="en-US" altLang="ja-JP" sz="2400" i="1">
+                              <a:latin typeface="Cambria Math" panose="02040503050406030204" pitchFamily="18" charset="0"/>
+                            </a:rPr>
+                            <m:t>𝑄</m:t>
+                          </m:r>
+                        </m:den>
+                      </m:f>
+                      <m:f>
+                        <m:fPr>
+                          <m:ctrlPr>
+                            <a:rPr lang="en-US" altLang="ja-JP" sz="2400" i="1">
+                              <a:latin typeface="Cambria Math" panose="02040503050406030204" pitchFamily="18" charset="0"/>
+                            </a:rPr>
+                          </m:ctrlPr>
+                        </m:fPr>
+                        <m:num>
+                          <m:r>
+                            <a:rPr lang="en-US" altLang="ja-JP" sz="2400" i="1">
+                              <a:latin typeface="Cambria Math" panose="02040503050406030204" pitchFamily="18" charset="0"/>
+                            </a:rPr>
+                            <m:t>𝜕</m:t>
+                          </m:r>
+                          <m:r>
+                            <a:rPr lang="en-US" altLang="ja-JP" sz="2400" i="1">
+                              <a:latin typeface="Cambria Math" panose="02040503050406030204" pitchFamily="18" charset="0"/>
+                            </a:rPr>
+                            <m:t>𝑌</m:t>
+                          </m:r>
+                        </m:num>
+                        <m:den>
+                          <m:r>
+                            <a:rPr lang="en-US" altLang="ja-JP" sz="2400" i="1">
+                              <a:latin typeface="Cambria Math" panose="02040503050406030204" pitchFamily="18" charset="0"/>
+                            </a:rPr>
+                            <m:t>𝜕</m:t>
+                          </m:r>
+                          <m:r>
+                            <a:rPr lang="en-US" altLang="ja-JP" sz="2400" i="1">
+                              <a:latin typeface="Cambria Math" panose="02040503050406030204" pitchFamily="18" charset="0"/>
+                            </a:rPr>
+                            <m:t>𝑃</m:t>
+                          </m:r>
+                        </m:den>
+                      </m:f>
+                      <m:d>
+                        <m:dPr>
+                          <m:ctrlPr>
+                            <a:rPr lang="en-US" altLang="ja-JP" sz="2400" i="1" smtClean="0">
+                              <a:latin typeface="Cambria Math" panose="02040503050406030204" pitchFamily="18" charset="0"/>
+                            </a:rPr>
+                          </m:ctrlPr>
+                        </m:dPr>
+                        <m:e>
+                          <m:f>
+                            <m:fPr>
+                              <m:ctrlPr>
+                                <a:rPr lang="en-US" altLang="ja-JP" sz="2400" i="1">
+                                  <a:latin typeface="Cambria Math" panose="02040503050406030204" pitchFamily="18" charset="0"/>
+                                </a:rPr>
+                              </m:ctrlPr>
+                            </m:fPr>
+                            <m:num>
+                              <m:r>
+                                <a:rPr lang="en-US" altLang="ja-JP" sz="2400" i="1">
+                                  <a:latin typeface="Cambria Math" panose="02040503050406030204" pitchFamily="18" charset="0"/>
+                                </a:rPr>
+                                <m:t>𝜕</m:t>
+                              </m:r>
+                              <m:r>
+                                <a:rPr lang="en-US" altLang="ja-JP" sz="2400" i="1">
+                                  <a:latin typeface="Cambria Math" panose="02040503050406030204" pitchFamily="18" charset="0"/>
+                                </a:rPr>
+                                <m:t>𝑄</m:t>
+                              </m:r>
+                            </m:num>
+                            <m:den>
+                              <m:r>
+                                <a:rPr lang="en-US" altLang="ja-JP" sz="2400" i="1">
+                                  <a:latin typeface="Cambria Math" panose="02040503050406030204" pitchFamily="18" charset="0"/>
+                                </a:rPr>
+                                <m:t>𝜕</m:t>
+                              </m:r>
+                              <m:r>
+                                <a:rPr lang="en-US" altLang="ja-JP" sz="2400" i="1">
+                                  <a:latin typeface="Cambria Math" panose="02040503050406030204" pitchFamily="18" charset="0"/>
+                                </a:rPr>
+                                <m:t>𝑞</m:t>
+                              </m:r>
+                            </m:den>
+                          </m:f>
+                          <m:f>
+                            <m:fPr>
+                              <m:ctrlPr>
+                                <a:rPr lang="en-US" altLang="ja-JP" sz="2400" i="1">
+                                  <a:latin typeface="Cambria Math" panose="02040503050406030204" pitchFamily="18" charset="0"/>
+                                </a:rPr>
+                              </m:ctrlPr>
+                            </m:fPr>
+                            <m:num>
+                              <m:r>
+                                <a:rPr lang="en-US" altLang="ja-JP" sz="2400" i="1">
+                                  <a:latin typeface="Cambria Math" panose="02040503050406030204" pitchFamily="18" charset="0"/>
+                                </a:rPr>
+                                <m:t>𝜕</m:t>
+                              </m:r>
+                              <m:r>
+                                <a:rPr lang="en-US" altLang="ja-JP" sz="2400" i="1">
+                                  <a:latin typeface="Cambria Math" panose="02040503050406030204" pitchFamily="18" charset="0"/>
+                                </a:rPr>
+                                <m:t>𝑃</m:t>
+                              </m:r>
+                            </m:num>
+                            <m:den>
+                              <m:r>
+                                <a:rPr lang="en-US" altLang="ja-JP" sz="2400" i="1">
+                                  <a:latin typeface="Cambria Math" panose="02040503050406030204" pitchFamily="18" charset="0"/>
+                                </a:rPr>
+                                <m:t>𝜕</m:t>
+                              </m:r>
+                              <m:r>
+                                <a:rPr lang="en-US" altLang="ja-JP" sz="2400" i="1">
+                                  <a:latin typeface="Cambria Math" panose="02040503050406030204" pitchFamily="18" charset="0"/>
+                                </a:rPr>
+                                <m:t>𝑝</m:t>
+                              </m:r>
+                            </m:den>
+                          </m:f>
+                          <m:r>
+                            <a:rPr lang="en-US" altLang="ja-JP" sz="2400" b="0" i="1" smtClean="0">
+                              <a:latin typeface="Cambria Math" panose="02040503050406030204" pitchFamily="18" charset="0"/>
+                            </a:rPr>
+                            <m:t>−</m:t>
+                          </m:r>
+                          <m:f>
+                            <m:fPr>
+                              <m:ctrlPr>
+                                <a:rPr lang="en-US" altLang="ja-JP" sz="2400" i="1">
+                                  <a:latin typeface="Cambria Math" panose="02040503050406030204" pitchFamily="18" charset="0"/>
+                                </a:rPr>
+                              </m:ctrlPr>
+                            </m:fPr>
+                            <m:num>
+                              <m:r>
+                                <a:rPr lang="en-US" altLang="ja-JP" sz="2400" i="1">
+                                  <a:latin typeface="Cambria Math" panose="02040503050406030204" pitchFamily="18" charset="0"/>
+                                </a:rPr>
+                                <m:t>𝜕</m:t>
+                              </m:r>
+                              <m:r>
+                                <a:rPr lang="en-US" altLang="ja-JP" sz="2400" i="1">
+                                  <a:latin typeface="Cambria Math" panose="02040503050406030204" pitchFamily="18" charset="0"/>
+                                </a:rPr>
+                                <m:t>𝑄</m:t>
+                              </m:r>
+                            </m:num>
+                            <m:den>
+                              <m:r>
+                                <a:rPr lang="en-US" altLang="ja-JP" sz="2400" i="1">
+                                  <a:latin typeface="Cambria Math" panose="02040503050406030204" pitchFamily="18" charset="0"/>
+                                </a:rPr>
+                                <m:t>𝜕</m:t>
+                              </m:r>
+                              <m:r>
+                                <a:rPr lang="en-US" altLang="ja-JP" sz="2400" b="0" i="1" smtClean="0">
+                                  <a:latin typeface="Cambria Math" panose="02040503050406030204" pitchFamily="18" charset="0"/>
+                                </a:rPr>
+                                <m:t>𝑝</m:t>
+                              </m:r>
+                            </m:den>
+                          </m:f>
+                          <m:f>
+                            <m:fPr>
+                              <m:ctrlPr>
+                                <a:rPr lang="en-US" altLang="ja-JP" sz="2400" i="1">
+                                  <a:latin typeface="Cambria Math" panose="02040503050406030204" pitchFamily="18" charset="0"/>
+                                </a:rPr>
+                              </m:ctrlPr>
+                            </m:fPr>
+                            <m:num>
+                              <m:r>
+                                <a:rPr lang="en-US" altLang="ja-JP" sz="2400" i="1">
+                                  <a:latin typeface="Cambria Math" panose="02040503050406030204" pitchFamily="18" charset="0"/>
+                                </a:rPr>
+                                <m:t>𝜕</m:t>
+                              </m:r>
+                              <m:r>
+                                <a:rPr lang="en-US" altLang="ja-JP" sz="2400" i="1">
+                                  <a:latin typeface="Cambria Math" panose="02040503050406030204" pitchFamily="18" charset="0"/>
+                                </a:rPr>
+                                <m:t>𝑃</m:t>
+                              </m:r>
+                            </m:num>
+                            <m:den>
+                              <m:r>
+                                <a:rPr lang="en-US" altLang="ja-JP" sz="2400" i="1">
+                                  <a:latin typeface="Cambria Math" panose="02040503050406030204" pitchFamily="18" charset="0"/>
+                                </a:rPr>
+                                <m:t>𝜕</m:t>
+                              </m:r>
+                              <m:r>
+                                <a:rPr lang="en-US" altLang="ja-JP" sz="2400" b="0" i="1" smtClean="0">
+                                  <a:latin typeface="Cambria Math" panose="02040503050406030204" pitchFamily="18" charset="0"/>
+                                </a:rPr>
+                                <m:t>𝑞</m:t>
+                              </m:r>
+                            </m:den>
+                          </m:f>
+                        </m:e>
+                      </m:d>
+                    </m:oMath>
+                  </m:oMathPara>
+                </a14:m>
+                <a:endParaRPr kumimoji="1" lang="ja-JP" altLang="en-US" sz="2400"/>
+              </a:p>
+            </p:txBody>
+          </p:sp>
+        </mc:Choice>
+        <mc:Fallback>
+          <p:sp>
+            <p:nvSpPr>
+              <p:cNvPr id="6" name="テキスト ボックス 5">
+                <a:extLst>
+                  <a:ext uri="{FF2B5EF4-FFF2-40B4-BE49-F238E27FC236}">
+                    <a16:creationId xmlns:a16="http://schemas.microsoft.com/office/drawing/2014/main" id="{CD723FA4-473D-B3DB-38F5-05367DA237B1}"/>
+                  </a:ext>
+                </a:extLst>
+              </p:cNvPr>
+              <p:cNvSpPr txBox="1">
+                <a:spLocks noRot="1" noChangeAspect="1" noMove="1" noResize="1" noEditPoints="1" noAdjustHandles="1" noChangeArrowheads="1" noChangeShapeType="1" noTextEdit="1"/>
+              </p:cNvSpPr>
+              <p:nvPr/>
+            </p:nvSpPr>
+            <p:spPr>
+              <a:xfrm>
+                <a:off x="2555895" y="3933056"/>
+                <a:ext cx="3600281" cy="829843"/>
+              </a:xfrm>
+              <a:prstGeom prst="rect">
+                <a:avLst/>
+              </a:prstGeom>
+              <a:blipFill>
+                <a:blip r:embed="rId4"/>
+                <a:stretch>
+                  <a:fillRect/>
+                </a:stretch>
+              </a:blipFill>
+            </p:spPr>
+            <p:txBody>
+              <a:bodyPr/>
+              <a:lstStyle/>
+              <a:p>
+                <a:r>
+                  <a:rPr lang="ja-JP" altLang="en-US">
+                    <a:noFill/>
+                  </a:rPr>
+                  <a:t> </a:t>
+                </a:r>
+              </a:p>
+            </p:txBody>
+          </p:sp>
+        </mc:Fallback>
+      </mc:AlternateContent>
+      <mc:AlternateContent xmlns:mc="http://schemas.openxmlformats.org/markup-compatibility/2006">
+        <mc:Choice xmlns:a14="http://schemas.microsoft.com/office/drawing/2010/main" Requires="a14">
+          <p:sp>
+            <p:nvSpPr>
+              <p:cNvPr id="7" name="テキスト ボックス 6">
+                <a:extLst>
+                  <a:ext uri="{FF2B5EF4-FFF2-40B4-BE49-F238E27FC236}">
+                    <a16:creationId xmlns:a16="http://schemas.microsoft.com/office/drawing/2014/main" id="{33D3D506-B098-6DA6-6754-3024D35701A5}"/>
+                  </a:ext>
+                </a:extLst>
+              </p:cNvPr>
+              <p:cNvSpPr txBox="1"/>
+              <p:nvPr/>
+            </p:nvSpPr>
+            <p:spPr>
+              <a:xfrm>
+                <a:off x="539552" y="980728"/>
+                <a:ext cx="5040560" cy="764505"/>
+              </a:xfrm>
+              <a:prstGeom prst="rect">
+                <a:avLst/>
+              </a:prstGeom>
+              <a:noFill/>
+            </p:spPr>
+            <p:txBody>
+              <a:bodyPr wrap="square" lIns="0" tIns="0" rIns="0" bIns="0" rtlCol="0">
+                <a:spAutoFit/>
+              </a:bodyPr>
+              <a:lstStyle/>
+              <a:p>
+                <a:pPr/>
+                <a14:m>
+                  <m:oMathPara xmlns:m="http://schemas.openxmlformats.org/officeDocument/2006/math">
+                    <m:oMathParaPr>
+                      <m:jc m:val="centerGroup"/>
+                    </m:oMathParaPr>
+                    <m:oMath xmlns:m="http://schemas.openxmlformats.org/officeDocument/2006/math">
+                      <m:sSub>
+                        <m:sSubPr>
+                          <m:ctrlPr>
+                            <a:rPr kumimoji="1" lang="en-US" altLang="ja-JP" sz="2400" b="0" i="1" smtClean="0">
+                              <a:latin typeface="Cambria Math" panose="02040503050406030204" pitchFamily="18" charset="0"/>
+                            </a:rPr>
+                          </m:ctrlPr>
+                        </m:sSubPr>
+                        <m:e>
+                          <m:d>
+                            <m:dPr>
+                              <m:begChr m:val="{"/>
+                              <m:endChr m:val="}"/>
+                              <m:ctrlPr>
+                                <a:rPr kumimoji="1" lang="en-US" altLang="ja-JP" sz="2400" b="0" i="1" smtClean="0">
+                                  <a:latin typeface="Cambria Math" panose="02040503050406030204" pitchFamily="18" charset="0"/>
+                                </a:rPr>
+                              </m:ctrlPr>
+                            </m:dPr>
+                            <m:e>
+                              <m:r>
+                                <a:rPr kumimoji="1" lang="en-US" altLang="ja-JP" sz="2400" b="0" i="1" smtClean="0">
+                                  <a:latin typeface="Cambria Math" panose="02040503050406030204" pitchFamily="18" charset="0"/>
+                                </a:rPr>
+                                <m:t>𝑋</m:t>
+                              </m:r>
+                              <m:r>
+                                <a:rPr kumimoji="1" lang="en-US" altLang="ja-JP" sz="2400" b="0" i="1" smtClean="0">
+                                  <a:latin typeface="Cambria Math" panose="02040503050406030204" pitchFamily="18" charset="0"/>
+                                </a:rPr>
+                                <m:t>,</m:t>
+                              </m:r>
+                              <m:r>
+                                <a:rPr kumimoji="1" lang="en-US" altLang="ja-JP" sz="2400" b="0" i="1" smtClean="0">
+                                  <a:latin typeface="Cambria Math" panose="02040503050406030204" pitchFamily="18" charset="0"/>
+                                </a:rPr>
+                                <m:t>𝑌</m:t>
+                              </m:r>
+                            </m:e>
+                          </m:d>
+                        </m:e>
+                        <m:sub>
+                          <m:r>
+                            <a:rPr kumimoji="1" lang="en-US" altLang="ja-JP" sz="2400" b="0" i="1" smtClean="0">
+                              <a:latin typeface="Cambria Math" panose="02040503050406030204" pitchFamily="18" charset="0"/>
+                            </a:rPr>
+                            <m:t>𝑞</m:t>
+                          </m:r>
+                          <m:r>
+                            <a:rPr kumimoji="1" lang="en-US" altLang="ja-JP" sz="2400" b="0" i="1" smtClean="0">
+                              <a:latin typeface="Cambria Math" panose="02040503050406030204" pitchFamily="18" charset="0"/>
+                            </a:rPr>
+                            <m:t>,</m:t>
+                          </m:r>
+                          <m:r>
+                            <a:rPr kumimoji="1" lang="en-US" altLang="ja-JP" sz="2400" b="0" i="1" smtClean="0">
+                              <a:latin typeface="Cambria Math" panose="02040503050406030204" pitchFamily="18" charset="0"/>
+                            </a:rPr>
+                            <m:t>𝑝</m:t>
+                          </m:r>
+                        </m:sub>
+                      </m:sSub>
+                      <m:r>
+                        <a:rPr kumimoji="1" lang="en-US" altLang="ja-JP" sz="2400" b="0" i="1" smtClean="0">
+                          <a:latin typeface="Cambria Math" panose="02040503050406030204" pitchFamily="18" charset="0"/>
+                        </a:rPr>
+                        <m:t>=</m:t>
+                      </m:r>
+                      <m:f>
+                        <m:fPr>
+                          <m:ctrlPr>
+                            <a:rPr lang="en-US" altLang="ja-JP" sz="2400" i="1">
+                              <a:latin typeface="Cambria Math" panose="02040503050406030204" pitchFamily="18" charset="0"/>
+                            </a:rPr>
+                          </m:ctrlPr>
+                        </m:fPr>
+                        <m:num>
+                          <m:r>
+                            <a:rPr lang="en-US" altLang="ja-JP" sz="2400" i="1">
+                              <a:latin typeface="Cambria Math" panose="02040503050406030204" pitchFamily="18" charset="0"/>
+                            </a:rPr>
+                            <m:t>𝜕</m:t>
+                          </m:r>
+                          <m:r>
+                            <a:rPr lang="en-US" altLang="ja-JP" sz="2400" b="0" i="1" smtClean="0">
+                              <a:latin typeface="Cambria Math" panose="02040503050406030204" pitchFamily="18" charset="0"/>
+                            </a:rPr>
+                            <m:t>𝑋</m:t>
+                          </m:r>
+                        </m:num>
+                        <m:den>
+                          <m:r>
+                            <a:rPr lang="en-US" altLang="ja-JP" sz="2400" i="1">
+                              <a:latin typeface="Cambria Math" panose="02040503050406030204" pitchFamily="18" charset="0"/>
+                            </a:rPr>
+                            <m:t>𝜕</m:t>
+                          </m:r>
+                          <m:r>
+                            <a:rPr lang="en-US" altLang="ja-JP" sz="2400" i="1">
+                              <a:latin typeface="Cambria Math" panose="02040503050406030204" pitchFamily="18" charset="0"/>
+                            </a:rPr>
+                            <m:t>𝑞</m:t>
+                          </m:r>
+                        </m:den>
+                      </m:f>
+                      <m:f>
+                        <m:fPr>
+                          <m:ctrlPr>
+                            <a:rPr lang="en-US" altLang="ja-JP" sz="2400" i="1">
+                              <a:latin typeface="Cambria Math" panose="02040503050406030204" pitchFamily="18" charset="0"/>
+                            </a:rPr>
+                          </m:ctrlPr>
+                        </m:fPr>
+                        <m:num>
+                          <m:r>
+                            <a:rPr lang="en-US" altLang="ja-JP" sz="2400" i="1">
+                              <a:latin typeface="Cambria Math" panose="02040503050406030204" pitchFamily="18" charset="0"/>
+                            </a:rPr>
+                            <m:t>𝜕</m:t>
+                          </m:r>
+                          <m:r>
+                            <a:rPr lang="en-US" altLang="ja-JP" sz="2400" b="0" i="1" smtClean="0">
+                              <a:latin typeface="Cambria Math" panose="02040503050406030204" pitchFamily="18" charset="0"/>
+                            </a:rPr>
+                            <m:t>𝑌</m:t>
+                          </m:r>
+                        </m:num>
+                        <m:den>
+                          <m:r>
+                            <a:rPr lang="en-US" altLang="ja-JP" sz="2400" i="1">
+                              <a:latin typeface="Cambria Math" panose="02040503050406030204" pitchFamily="18" charset="0"/>
+                            </a:rPr>
+                            <m:t>𝜕</m:t>
+                          </m:r>
+                          <m:r>
+                            <a:rPr lang="en-US" altLang="ja-JP" sz="2400" b="0" i="1" smtClean="0">
+                              <a:latin typeface="Cambria Math" panose="02040503050406030204" pitchFamily="18" charset="0"/>
+                            </a:rPr>
+                            <m:t>𝑝</m:t>
+                          </m:r>
+                        </m:den>
+                      </m:f>
+                      <m:r>
+                        <a:rPr lang="en-US" altLang="ja-JP" sz="2400" b="0" i="1" smtClean="0">
+                          <a:latin typeface="Cambria Math" panose="02040503050406030204" pitchFamily="18" charset="0"/>
+                        </a:rPr>
+                        <m:t>−</m:t>
+                      </m:r>
+                      <m:f>
+                        <m:fPr>
+                          <m:ctrlPr>
+                            <a:rPr lang="en-US" altLang="ja-JP" sz="2400" i="1">
+                              <a:latin typeface="Cambria Math" panose="02040503050406030204" pitchFamily="18" charset="0"/>
+                            </a:rPr>
+                          </m:ctrlPr>
+                        </m:fPr>
+                        <m:num>
+                          <m:r>
+                            <a:rPr lang="en-US" altLang="ja-JP" sz="2400" i="1">
+                              <a:latin typeface="Cambria Math" panose="02040503050406030204" pitchFamily="18" charset="0"/>
+                            </a:rPr>
+                            <m:t>𝜕</m:t>
+                          </m:r>
+                          <m:r>
+                            <a:rPr lang="en-US" altLang="ja-JP" sz="2400" b="0" i="1" smtClean="0">
+                              <a:latin typeface="Cambria Math" panose="02040503050406030204" pitchFamily="18" charset="0"/>
+                            </a:rPr>
+                            <m:t>𝑋</m:t>
+                          </m:r>
+                        </m:num>
+                        <m:den>
+                          <m:r>
+                            <a:rPr lang="en-US" altLang="ja-JP" sz="2400" i="1">
+                              <a:latin typeface="Cambria Math" panose="02040503050406030204" pitchFamily="18" charset="0"/>
+                            </a:rPr>
+                            <m:t>𝜕</m:t>
+                          </m:r>
+                          <m:r>
+                            <a:rPr lang="en-US" altLang="ja-JP" sz="2400" b="0" i="1" smtClean="0">
+                              <a:latin typeface="Cambria Math" panose="02040503050406030204" pitchFamily="18" charset="0"/>
+                            </a:rPr>
+                            <m:t>𝑝</m:t>
+                          </m:r>
+                        </m:den>
+                      </m:f>
+                      <m:f>
+                        <m:fPr>
+                          <m:ctrlPr>
+                            <a:rPr lang="en-US" altLang="ja-JP" sz="2400" i="1">
+                              <a:latin typeface="Cambria Math" panose="02040503050406030204" pitchFamily="18" charset="0"/>
+                            </a:rPr>
+                          </m:ctrlPr>
+                        </m:fPr>
+                        <m:num>
+                          <m:r>
+                            <a:rPr lang="en-US" altLang="ja-JP" sz="2400" i="1">
+                              <a:latin typeface="Cambria Math" panose="02040503050406030204" pitchFamily="18" charset="0"/>
+                            </a:rPr>
+                            <m:t>𝜕</m:t>
+                          </m:r>
+                          <m:r>
+                            <a:rPr lang="en-US" altLang="ja-JP" sz="2400" b="0" i="1" smtClean="0">
+                              <a:latin typeface="Cambria Math" panose="02040503050406030204" pitchFamily="18" charset="0"/>
+                            </a:rPr>
+                            <m:t>𝑌</m:t>
+                          </m:r>
+                        </m:num>
+                        <m:den>
+                          <m:r>
+                            <a:rPr lang="en-US" altLang="ja-JP" sz="2400" i="1">
+                              <a:latin typeface="Cambria Math" panose="02040503050406030204" pitchFamily="18" charset="0"/>
+                            </a:rPr>
+                            <m:t>𝜕</m:t>
+                          </m:r>
+                          <m:r>
+                            <a:rPr lang="en-US" altLang="ja-JP" sz="2400" b="0" i="1" smtClean="0">
+                              <a:latin typeface="Cambria Math" panose="02040503050406030204" pitchFamily="18" charset="0"/>
+                            </a:rPr>
+                            <m:t>𝑞</m:t>
+                          </m:r>
+                        </m:den>
+                      </m:f>
+                    </m:oMath>
+                  </m:oMathPara>
+                </a14:m>
+                <a:endParaRPr kumimoji="1" lang="ja-JP" altLang="en-US" sz="2400"/>
+              </a:p>
+            </p:txBody>
+          </p:sp>
+        </mc:Choice>
+        <mc:Fallback>
+          <p:sp>
+            <p:nvSpPr>
+              <p:cNvPr id="7" name="テキスト ボックス 6">
+                <a:extLst>
+                  <a:ext uri="{FF2B5EF4-FFF2-40B4-BE49-F238E27FC236}">
+                    <a16:creationId xmlns:a16="http://schemas.microsoft.com/office/drawing/2014/main" id="{33D3D506-B098-6DA6-6754-3024D35701A5}"/>
+                  </a:ext>
+                </a:extLst>
+              </p:cNvPr>
+              <p:cNvSpPr txBox="1">
+                <a:spLocks noRot="1" noChangeAspect="1" noMove="1" noResize="1" noEditPoints="1" noAdjustHandles="1" noChangeArrowheads="1" noChangeShapeType="1" noTextEdit="1"/>
+              </p:cNvSpPr>
+              <p:nvPr/>
+            </p:nvSpPr>
+            <p:spPr>
+              <a:xfrm>
+                <a:off x="539552" y="980728"/>
+                <a:ext cx="5040560" cy="764505"/>
+              </a:xfrm>
+              <a:prstGeom prst="rect">
+                <a:avLst/>
+              </a:prstGeom>
+              <a:blipFill>
+                <a:blip r:embed="rId5"/>
+                <a:stretch>
+                  <a:fillRect/>
+                </a:stretch>
+              </a:blipFill>
+            </p:spPr>
+            <p:txBody>
+              <a:bodyPr/>
+              <a:lstStyle/>
+              <a:p>
+                <a:r>
+                  <a:rPr lang="ja-JP" altLang="en-US">
+                    <a:noFill/>
+                  </a:rPr>
+                  <a:t> </a:t>
+                </a:r>
+              </a:p>
+            </p:txBody>
+          </p:sp>
+        </mc:Fallback>
+      </mc:AlternateContent>
+      <mc:AlternateContent xmlns:mc="http://schemas.openxmlformats.org/markup-compatibility/2006">
+        <mc:Choice xmlns:a14="http://schemas.microsoft.com/office/drawing/2010/main" Requires="a14">
+          <p:sp>
+            <p:nvSpPr>
+              <p:cNvPr id="8" name="テキスト ボックス 7">
+                <a:extLst>
+                  <a:ext uri="{FF2B5EF4-FFF2-40B4-BE49-F238E27FC236}">
+                    <a16:creationId xmlns:a16="http://schemas.microsoft.com/office/drawing/2014/main" id="{2DA2B753-AAB1-C689-437F-D734A2CCB899}"/>
+                  </a:ext>
+                </a:extLst>
+              </p:cNvPr>
+              <p:cNvSpPr txBox="1"/>
+              <p:nvPr/>
+            </p:nvSpPr>
+            <p:spPr>
+              <a:xfrm>
+                <a:off x="2555776" y="4941168"/>
+                <a:ext cx="3600281" cy="829843"/>
+              </a:xfrm>
+              <a:prstGeom prst="rect">
+                <a:avLst/>
+              </a:prstGeom>
+              <a:noFill/>
+            </p:spPr>
+            <p:txBody>
+              <a:bodyPr wrap="none" lIns="0" tIns="0" rIns="0" bIns="0" rtlCol="0">
+                <a:spAutoFit/>
+              </a:bodyPr>
+              <a:lstStyle/>
+              <a:p>
+                <a14:m>
+                  <m:oMathPara xmlns:m="http://schemas.openxmlformats.org/officeDocument/2006/math">
+                    <m:oMathParaPr>
+                      <m:jc m:val="centerGroup"/>
+                    </m:oMathParaPr>
+                    <m:oMath xmlns:m="http://schemas.openxmlformats.org/officeDocument/2006/math">
+                      <m:r>
+                        <a:rPr kumimoji="1" lang="en-US" altLang="ja-JP" sz="2400" b="0" i="1" smtClean="0">
+                          <a:latin typeface="Cambria Math" panose="02040503050406030204" pitchFamily="18" charset="0"/>
+                        </a:rPr>
+                        <m:t>−</m:t>
+                      </m:r>
+                      <m:f>
+                        <m:fPr>
+                          <m:ctrlPr>
+                            <a:rPr lang="en-US" altLang="ja-JP" sz="2400" i="1">
+                              <a:latin typeface="Cambria Math" panose="02040503050406030204" pitchFamily="18" charset="0"/>
+                            </a:rPr>
+                          </m:ctrlPr>
+                        </m:fPr>
+                        <m:num>
+                          <m:r>
+                            <a:rPr lang="en-US" altLang="ja-JP" sz="2400" i="1">
+                              <a:latin typeface="Cambria Math" panose="02040503050406030204" pitchFamily="18" charset="0"/>
+                            </a:rPr>
+                            <m:t>𝜕</m:t>
+                          </m:r>
+                          <m:r>
+                            <a:rPr lang="en-US" altLang="ja-JP" sz="2400" i="1">
+                              <a:latin typeface="Cambria Math" panose="02040503050406030204" pitchFamily="18" charset="0"/>
+                            </a:rPr>
+                            <m:t>𝑋</m:t>
+                          </m:r>
+                        </m:num>
+                        <m:den>
+                          <m:r>
+                            <a:rPr lang="en-US" altLang="ja-JP" sz="2400" i="1">
+                              <a:latin typeface="Cambria Math" panose="02040503050406030204" pitchFamily="18" charset="0"/>
+                            </a:rPr>
+                            <m:t>𝜕</m:t>
+                          </m:r>
+                          <m:r>
+                            <a:rPr lang="en-US" altLang="ja-JP" sz="2400" b="0" i="1" smtClean="0">
+                              <a:latin typeface="Cambria Math" panose="02040503050406030204" pitchFamily="18" charset="0"/>
+                            </a:rPr>
+                            <m:t>𝑃</m:t>
+                          </m:r>
+                        </m:den>
+                      </m:f>
+                      <m:f>
+                        <m:fPr>
+                          <m:ctrlPr>
+                            <a:rPr lang="en-US" altLang="ja-JP" sz="2400" i="1">
+                              <a:latin typeface="Cambria Math" panose="02040503050406030204" pitchFamily="18" charset="0"/>
+                            </a:rPr>
+                          </m:ctrlPr>
+                        </m:fPr>
+                        <m:num>
+                          <m:r>
+                            <a:rPr lang="en-US" altLang="ja-JP" sz="2400" i="1">
+                              <a:latin typeface="Cambria Math" panose="02040503050406030204" pitchFamily="18" charset="0"/>
+                            </a:rPr>
+                            <m:t>𝜕</m:t>
+                          </m:r>
+                          <m:r>
+                            <a:rPr lang="en-US" altLang="ja-JP" sz="2400" i="1">
+                              <a:latin typeface="Cambria Math" panose="02040503050406030204" pitchFamily="18" charset="0"/>
+                            </a:rPr>
+                            <m:t>𝑌</m:t>
+                          </m:r>
+                        </m:num>
+                        <m:den>
+                          <m:r>
+                            <a:rPr lang="en-US" altLang="ja-JP" sz="2400" i="1">
+                              <a:latin typeface="Cambria Math" panose="02040503050406030204" pitchFamily="18" charset="0"/>
+                            </a:rPr>
+                            <m:t>𝜕</m:t>
+                          </m:r>
+                          <m:r>
+                            <a:rPr lang="en-US" altLang="ja-JP" sz="2400" b="0" i="1" smtClean="0">
+                              <a:latin typeface="Cambria Math" panose="02040503050406030204" pitchFamily="18" charset="0"/>
+                            </a:rPr>
+                            <m:t>𝑄</m:t>
+                          </m:r>
+                        </m:den>
+                      </m:f>
+                      <m:d>
+                        <m:dPr>
+                          <m:ctrlPr>
+                            <a:rPr lang="en-US" altLang="ja-JP" sz="2400" i="1" smtClean="0">
+                              <a:latin typeface="Cambria Math" panose="02040503050406030204" pitchFamily="18" charset="0"/>
+                            </a:rPr>
+                          </m:ctrlPr>
+                        </m:dPr>
+                        <m:e>
+                          <m:f>
+                            <m:fPr>
+                              <m:ctrlPr>
+                                <a:rPr lang="en-US" altLang="ja-JP" sz="2400" i="1">
+                                  <a:latin typeface="Cambria Math" panose="02040503050406030204" pitchFamily="18" charset="0"/>
+                                </a:rPr>
+                              </m:ctrlPr>
+                            </m:fPr>
+                            <m:num>
+                              <m:r>
+                                <a:rPr lang="en-US" altLang="ja-JP" sz="2400" i="1">
+                                  <a:latin typeface="Cambria Math" panose="02040503050406030204" pitchFamily="18" charset="0"/>
+                                </a:rPr>
+                                <m:t>𝜕</m:t>
+                              </m:r>
+                              <m:r>
+                                <a:rPr lang="en-US" altLang="ja-JP" sz="2400" i="1">
+                                  <a:latin typeface="Cambria Math" panose="02040503050406030204" pitchFamily="18" charset="0"/>
+                                </a:rPr>
+                                <m:t>𝑄</m:t>
+                              </m:r>
+                            </m:num>
+                            <m:den>
+                              <m:r>
+                                <a:rPr lang="en-US" altLang="ja-JP" sz="2400" i="1">
+                                  <a:latin typeface="Cambria Math" panose="02040503050406030204" pitchFamily="18" charset="0"/>
+                                </a:rPr>
+                                <m:t>𝜕</m:t>
+                              </m:r>
+                              <m:r>
+                                <a:rPr lang="en-US" altLang="ja-JP" sz="2400" i="1">
+                                  <a:latin typeface="Cambria Math" panose="02040503050406030204" pitchFamily="18" charset="0"/>
+                                </a:rPr>
+                                <m:t>𝑞</m:t>
+                              </m:r>
+                            </m:den>
+                          </m:f>
+                          <m:f>
+                            <m:fPr>
+                              <m:ctrlPr>
+                                <a:rPr lang="en-US" altLang="ja-JP" sz="2400" i="1">
+                                  <a:latin typeface="Cambria Math" panose="02040503050406030204" pitchFamily="18" charset="0"/>
+                                </a:rPr>
+                              </m:ctrlPr>
+                            </m:fPr>
+                            <m:num>
+                              <m:r>
+                                <a:rPr lang="en-US" altLang="ja-JP" sz="2400" i="1">
+                                  <a:latin typeface="Cambria Math" panose="02040503050406030204" pitchFamily="18" charset="0"/>
+                                </a:rPr>
+                                <m:t>𝜕</m:t>
+                              </m:r>
+                              <m:r>
+                                <a:rPr lang="en-US" altLang="ja-JP" sz="2400" i="1">
+                                  <a:latin typeface="Cambria Math" panose="02040503050406030204" pitchFamily="18" charset="0"/>
+                                </a:rPr>
+                                <m:t>𝑃</m:t>
+                              </m:r>
+                            </m:num>
+                            <m:den>
+                              <m:r>
+                                <a:rPr lang="en-US" altLang="ja-JP" sz="2400" i="1">
+                                  <a:latin typeface="Cambria Math" panose="02040503050406030204" pitchFamily="18" charset="0"/>
+                                </a:rPr>
+                                <m:t>𝜕</m:t>
+                              </m:r>
+                              <m:r>
+                                <a:rPr lang="en-US" altLang="ja-JP" sz="2400" i="1">
+                                  <a:latin typeface="Cambria Math" panose="02040503050406030204" pitchFamily="18" charset="0"/>
+                                </a:rPr>
+                                <m:t>𝑝</m:t>
+                              </m:r>
+                            </m:den>
+                          </m:f>
+                          <m:r>
+                            <a:rPr lang="en-US" altLang="ja-JP" sz="2400" b="0" i="1" smtClean="0">
+                              <a:latin typeface="Cambria Math" panose="02040503050406030204" pitchFamily="18" charset="0"/>
+                            </a:rPr>
+                            <m:t>−</m:t>
+                          </m:r>
+                          <m:f>
+                            <m:fPr>
+                              <m:ctrlPr>
+                                <a:rPr lang="en-US" altLang="ja-JP" sz="2400" i="1">
+                                  <a:latin typeface="Cambria Math" panose="02040503050406030204" pitchFamily="18" charset="0"/>
+                                </a:rPr>
+                              </m:ctrlPr>
+                            </m:fPr>
+                            <m:num>
+                              <m:r>
+                                <a:rPr lang="en-US" altLang="ja-JP" sz="2400" i="1">
+                                  <a:latin typeface="Cambria Math" panose="02040503050406030204" pitchFamily="18" charset="0"/>
+                                </a:rPr>
+                                <m:t>𝜕</m:t>
+                              </m:r>
+                              <m:r>
+                                <a:rPr lang="en-US" altLang="ja-JP" sz="2400" i="1">
+                                  <a:latin typeface="Cambria Math" panose="02040503050406030204" pitchFamily="18" charset="0"/>
+                                </a:rPr>
+                                <m:t>𝑄</m:t>
+                              </m:r>
+                            </m:num>
+                            <m:den>
+                              <m:r>
+                                <a:rPr lang="en-US" altLang="ja-JP" sz="2400" i="1">
+                                  <a:latin typeface="Cambria Math" panose="02040503050406030204" pitchFamily="18" charset="0"/>
+                                </a:rPr>
+                                <m:t>𝜕</m:t>
+                              </m:r>
+                              <m:r>
+                                <a:rPr lang="en-US" altLang="ja-JP" sz="2400" b="0" i="1" smtClean="0">
+                                  <a:latin typeface="Cambria Math" panose="02040503050406030204" pitchFamily="18" charset="0"/>
+                                </a:rPr>
+                                <m:t>𝑝</m:t>
+                              </m:r>
+                            </m:den>
+                          </m:f>
+                          <m:f>
+                            <m:fPr>
+                              <m:ctrlPr>
+                                <a:rPr lang="en-US" altLang="ja-JP" sz="2400" i="1">
+                                  <a:latin typeface="Cambria Math" panose="02040503050406030204" pitchFamily="18" charset="0"/>
+                                </a:rPr>
+                              </m:ctrlPr>
+                            </m:fPr>
+                            <m:num>
+                              <m:r>
+                                <a:rPr lang="en-US" altLang="ja-JP" sz="2400" i="1">
+                                  <a:latin typeface="Cambria Math" panose="02040503050406030204" pitchFamily="18" charset="0"/>
+                                </a:rPr>
+                                <m:t>𝜕</m:t>
+                              </m:r>
+                              <m:r>
+                                <a:rPr lang="en-US" altLang="ja-JP" sz="2400" i="1">
+                                  <a:latin typeface="Cambria Math" panose="02040503050406030204" pitchFamily="18" charset="0"/>
+                                </a:rPr>
+                                <m:t>𝑃</m:t>
+                              </m:r>
+                            </m:num>
+                            <m:den>
+                              <m:r>
+                                <a:rPr lang="en-US" altLang="ja-JP" sz="2400" i="1">
+                                  <a:latin typeface="Cambria Math" panose="02040503050406030204" pitchFamily="18" charset="0"/>
+                                </a:rPr>
+                                <m:t>𝜕</m:t>
+                              </m:r>
+                              <m:r>
+                                <a:rPr lang="en-US" altLang="ja-JP" sz="2400" b="0" i="1" smtClean="0">
+                                  <a:latin typeface="Cambria Math" panose="02040503050406030204" pitchFamily="18" charset="0"/>
+                                </a:rPr>
+                                <m:t>𝑞</m:t>
+                              </m:r>
+                            </m:den>
+                          </m:f>
+                        </m:e>
+                      </m:d>
+                    </m:oMath>
+                  </m:oMathPara>
+                </a14:m>
+                <a:endParaRPr kumimoji="1" lang="ja-JP" altLang="en-US" sz="2400"/>
+              </a:p>
+            </p:txBody>
+          </p:sp>
+        </mc:Choice>
+        <mc:Fallback>
+          <p:sp>
+            <p:nvSpPr>
+              <p:cNvPr id="8" name="テキスト ボックス 7">
+                <a:extLst>
+                  <a:ext uri="{FF2B5EF4-FFF2-40B4-BE49-F238E27FC236}">
+                    <a16:creationId xmlns:a16="http://schemas.microsoft.com/office/drawing/2014/main" id="{2DA2B753-AAB1-C689-437F-D734A2CCB899}"/>
+                  </a:ext>
+                </a:extLst>
+              </p:cNvPr>
+              <p:cNvSpPr txBox="1">
+                <a:spLocks noRot="1" noChangeAspect="1" noMove="1" noResize="1" noEditPoints="1" noAdjustHandles="1" noChangeArrowheads="1" noChangeShapeType="1" noTextEdit="1"/>
+              </p:cNvSpPr>
+              <p:nvPr/>
+            </p:nvSpPr>
+            <p:spPr>
+              <a:xfrm>
+                <a:off x="2555776" y="4941168"/>
+                <a:ext cx="3600281" cy="829843"/>
+              </a:xfrm>
+              <a:prstGeom prst="rect">
+                <a:avLst/>
+              </a:prstGeom>
+              <a:blipFill>
+                <a:blip r:embed="rId6"/>
+                <a:stretch>
+                  <a:fillRect/>
+                </a:stretch>
+              </a:blipFill>
+            </p:spPr>
+            <p:txBody>
+              <a:bodyPr/>
+              <a:lstStyle/>
+              <a:p>
+                <a:r>
+                  <a:rPr lang="ja-JP" altLang="en-US">
+                    <a:noFill/>
+                  </a:rPr>
+                  <a:t> </a:t>
+                </a:r>
+              </a:p>
+            </p:txBody>
+          </p:sp>
+        </mc:Fallback>
+      </mc:AlternateContent>
+      <p:sp>
+        <p:nvSpPr>
+          <p:cNvPr id="9" name="四角形: 角を丸くする 8">
+            <a:extLst>
+              <a:ext uri="{FF2B5EF4-FFF2-40B4-BE49-F238E27FC236}">
+                <a16:creationId xmlns:a16="http://schemas.microsoft.com/office/drawing/2014/main" id="{026DF69A-64E2-B7A1-2C13-07BB79FE417E}"/>
+              </a:ext>
+            </a:extLst>
+          </p:cNvPr>
+          <p:cNvSpPr/>
+          <p:nvPr/>
+        </p:nvSpPr>
+        <p:spPr>
+          <a:xfrm>
+            <a:off x="3779912" y="3861048"/>
+            <a:ext cx="2376264" cy="936104"/>
+          </a:xfrm>
+          <a:prstGeom prst="roundRect">
+            <a:avLst/>
+          </a:prstGeom>
+          <a:noFill/>
+          <a:ln>
+            <a:solidFill>
+              <a:srgbClr val="FF0000"/>
+            </a:solidFill>
+          </a:ln>
+        </p:spPr>
+        <p:style>
+          <a:lnRef idx="2">
+            <a:schemeClr val="accent1">
+              <a:shade val="50000"/>
+            </a:schemeClr>
+          </a:lnRef>
+          <a:fillRef idx="1">
+            <a:schemeClr val="accent1"/>
+          </a:fillRef>
+          <a:effectRef idx="0">
+            <a:schemeClr val="accent1"/>
+          </a:effectRef>
+          <a:fontRef idx="minor">
+            <a:schemeClr val="lt1"/>
+          </a:fontRef>
+        </p:style>
+        <p:txBody>
+          <a:bodyPr rtlCol="0" anchor="ctr"/>
+          <a:lstStyle/>
+          <a:p>
+            <a:pPr algn="ctr"/>
+            <a:endParaRPr kumimoji="1" lang="ja-JP" altLang="en-US"/>
+          </a:p>
+        </p:txBody>
+      </p:sp>
+      <p:sp>
+        <p:nvSpPr>
+          <p:cNvPr id="10" name="四角形: 角を丸くする 9">
+            <a:extLst>
+              <a:ext uri="{FF2B5EF4-FFF2-40B4-BE49-F238E27FC236}">
+                <a16:creationId xmlns:a16="http://schemas.microsoft.com/office/drawing/2014/main" id="{524D4C7C-BE5F-BA23-AB59-03E54B0D3747}"/>
+              </a:ext>
+            </a:extLst>
+          </p:cNvPr>
+          <p:cNvSpPr/>
+          <p:nvPr/>
+        </p:nvSpPr>
+        <p:spPr>
+          <a:xfrm>
+            <a:off x="3779912" y="4941168"/>
+            <a:ext cx="2376264" cy="936104"/>
+          </a:xfrm>
+          <a:prstGeom prst="roundRect">
+            <a:avLst/>
+          </a:prstGeom>
+          <a:noFill/>
+          <a:ln>
+            <a:solidFill>
+              <a:srgbClr val="FF0000"/>
+            </a:solidFill>
+          </a:ln>
+        </p:spPr>
+        <p:style>
+          <a:lnRef idx="2">
+            <a:schemeClr val="accent1">
+              <a:shade val="50000"/>
+            </a:schemeClr>
+          </a:lnRef>
+          <a:fillRef idx="1">
+            <a:schemeClr val="accent1"/>
+          </a:fillRef>
+          <a:effectRef idx="0">
+            <a:schemeClr val="accent1"/>
+          </a:effectRef>
+          <a:fontRef idx="minor">
+            <a:schemeClr val="lt1"/>
+          </a:fontRef>
+        </p:style>
+        <p:txBody>
+          <a:bodyPr rtlCol="0" anchor="ctr"/>
+          <a:lstStyle/>
+          <a:p>
+            <a:pPr algn="ctr"/>
+            <a:endParaRPr kumimoji="1" lang="ja-JP" altLang="en-US"/>
+          </a:p>
+        </p:txBody>
+      </p:sp>
+      <p:sp>
+        <p:nvSpPr>
+          <p:cNvPr id="12" name="テキスト ボックス 11">
+            <a:extLst>
+              <a:ext uri="{FF2B5EF4-FFF2-40B4-BE49-F238E27FC236}">
+                <a16:creationId xmlns:a16="http://schemas.microsoft.com/office/drawing/2014/main" id="{46149F9F-D9AE-8011-319F-983515F84374}"/>
+              </a:ext>
+            </a:extLst>
+          </p:cNvPr>
+          <p:cNvSpPr txBox="1"/>
+          <p:nvPr/>
+        </p:nvSpPr>
+        <p:spPr>
+          <a:xfrm>
+            <a:off x="6588224" y="4221088"/>
+            <a:ext cx="1800493" cy="646331"/>
+          </a:xfrm>
+          <a:prstGeom prst="rect">
+            <a:avLst/>
+          </a:prstGeom>
+          <a:noFill/>
+        </p:spPr>
+        <p:txBody>
+          <a:bodyPr wrap="none" rtlCol="0">
+            <a:spAutoFit/>
+          </a:bodyPr>
+          <a:lstStyle/>
+          <a:p>
+            <a:r>
+              <a:rPr kumimoji="1" lang="ja-JP" altLang="en-US"/>
+              <a:t>正準変換の条件</a:t>
+            </a:r>
+            <a:endParaRPr kumimoji="1" lang="en-US" altLang="ja-JP"/>
+          </a:p>
+          <a:p>
+            <a:r>
+              <a:rPr lang="ja-JP" altLang="en-US"/>
+              <a:t>により</a:t>
+            </a:r>
+            <a:r>
+              <a:rPr lang="en-US" altLang="ja-JP"/>
+              <a:t>1</a:t>
+            </a:r>
+            <a:endParaRPr kumimoji="1" lang="ja-JP" altLang="en-US"/>
+          </a:p>
+        </p:txBody>
+      </p:sp>
+      <mc:AlternateContent xmlns:mc="http://schemas.openxmlformats.org/markup-compatibility/2006">
+        <mc:Choice xmlns:a14="http://schemas.microsoft.com/office/drawing/2010/main" Requires="a14">
+          <p:sp>
+            <p:nvSpPr>
+              <p:cNvPr id="14" name="テキスト ボックス 13">
+                <a:extLst>
+                  <a:ext uri="{FF2B5EF4-FFF2-40B4-BE49-F238E27FC236}">
+                    <a16:creationId xmlns:a16="http://schemas.microsoft.com/office/drawing/2014/main" id="{3CF8C947-68D1-F382-4452-94E6BA1F33DB}"/>
+                  </a:ext>
+                </a:extLst>
+              </p:cNvPr>
+              <p:cNvSpPr txBox="1"/>
+              <p:nvPr/>
+            </p:nvSpPr>
+            <p:spPr>
+              <a:xfrm>
+                <a:off x="2195736" y="5949280"/>
+                <a:ext cx="4572000" cy="849592"/>
+              </a:xfrm>
+              <a:prstGeom prst="rect">
+                <a:avLst/>
+              </a:prstGeom>
+              <a:noFill/>
+            </p:spPr>
+            <p:txBody>
+              <a:bodyPr wrap="square">
+                <a:spAutoFit/>
+              </a:bodyPr>
+              <a:lstStyle/>
+              <a:p>
+                <a:pPr/>
+                <a14:m>
+                  <m:oMathPara xmlns:m="http://schemas.openxmlformats.org/officeDocument/2006/math">
+                    <m:oMathParaPr>
+                      <m:jc m:val="centerGroup"/>
+                    </m:oMathParaPr>
+                    <m:oMath xmlns:m="http://schemas.openxmlformats.org/officeDocument/2006/math">
+                      <m:r>
+                        <a:rPr lang="en-US" altLang="ja-JP" sz="2400" b="0" i="1" smtClean="0">
+                          <a:latin typeface="Cambria Math" panose="02040503050406030204" pitchFamily="18" charset="0"/>
+                        </a:rPr>
+                        <m:t>=</m:t>
+                      </m:r>
+                      <m:f>
+                        <m:fPr>
+                          <m:ctrlPr>
+                            <a:rPr lang="en-US" altLang="ja-JP" sz="2400" i="1" smtClean="0">
+                              <a:latin typeface="Cambria Math" panose="02040503050406030204" pitchFamily="18" charset="0"/>
+                            </a:rPr>
+                          </m:ctrlPr>
+                        </m:fPr>
+                        <m:num>
+                          <m:r>
+                            <a:rPr lang="en-US" altLang="ja-JP" sz="2400" i="1">
+                              <a:latin typeface="Cambria Math" panose="02040503050406030204" pitchFamily="18" charset="0"/>
+                            </a:rPr>
+                            <m:t>𝜕</m:t>
+                          </m:r>
+                          <m:r>
+                            <a:rPr lang="en-US" altLang="ja-JP" sz="2400" b="0" i="1" smtClean="0">
+                              <a:latin typeface="Cambria Math" panose="02040503050406030204" pitchFamily="18" charset="0"/>
+                            </a:rPr>
+                            <m:t>𝑋</m:t>
+                          </m:r>
+                        </m:num>
+                        <m:den>
+                          <m:r>
+                            <a:rPr lang="en-US" altLang="ja-JP" sz="2400" i="1">
+                              <a:latin typeface="Cambria Math" panose="02040503050406030204" pitchFamily="18" charset="0"/>
+                            </a:rPr>
+                            <m:t>𝜕</m:t>
+                          </m:r>
+                          <m:r>
+                            <a:rPr lang="en-US" altLang="ja-JP" sz="2400" b="0" i="1" smtClean="0">
+                              <a:latin typeface="Cambria Math" panose="02040503050406030204" pitchFamily="18" charset="0"/>
+                            </a:rPr>
+                            <m:t>𝑄</m:t>
+                          </m:r>
+                        </m:den>
+                      </m:f>
+                      <m:f>
+                        <m:fPr>
+                          <m:ctrlPr>
+                            <a:rPr lang="en-US" altLang="ja-JP" sz="2400" i="1">
+                              <a:latin typeface="Cambria Math" panose="02040503050406030204" pitchFamily="18" charset="0"/>
+                            </a:rPr>
+                          </m:ctrlPr>
+                        </m:fPr>
+                        <m:num>
+                          <m:r>
+                            <a:rPr lang="en-US" altLang="ja-JP" sz="2400" i="1">
+                              <a:latin typeface="Cambria Math" panose="02040503050406030204" pitchFamily="18" charset="0"/>
+                            </a:rPr>
+                            <m:t>𝜕</m:t>
+                          </m:r>
+                          <m:r>
+                            <a:rPr lang="en-US" altLang="ja-JP" sz="2400" b="0" i="1" smtClean="0">
+                              <a:latin typeface="Cambria Math" panose="02040503050406030204" pitchFamily="18" charset="0"/>
+                            </a:rPr>
+                            <m:t>𝑌</m:t>
+                          </m:r>
+                        </m:num>
+                        <m:den>
+                          <m:r>
+                            <a:rPr lang="en-US" altLang="ja-JP" sz="2400" i="1">
+                              <a:latin typeface="Cambria Math" panose="02040503050406030204" pitchFamily="18" charset="0"/>
+                            </a:rPr>
+                            <m:t>𝜕</m:t>
+                          </m:r>
+                          <m:r>
+                            <a:rPr lang="en-US" altLang="ja-JP" sz="2400" b="0" i="1" smtClean="0">
+                              <a:latin typeface="Cambria Math" panose="02040503050406030204" pitchFamily="18" charset="0"/>
+                            </a:rPr>
+                            <m:t>𝑃</m:t>
+                          </m:r>
+                        </m:den>
+                      </m:f>
+                      <m:r>
+                        <a:rPr lang="en-US" altLang="ja-JP" sz="2400" b="0" i="1" smtClean="0">
+                          <a:latin typeface="Cambria Math" panose="02040503050406030204" pitchFamily="18" charset="0"/>
+                        </a:rPr>
+                        <m:t>−</m:t>
+                      </m:r>
+                      <m:f>
+                        <m:fPr>
+                          <m:ctrlPr>
+                            <a:rPr lang="en-US" altLang="ja-JP" sz="2400" i="1">
+                              <a:latin typeface="Cambria Math" panose="02040503050406030204" pitchFamily="18" charset="0"/>
+                            </a:rPr>
+                          </m:ctrlPr>
+                        </m:fPr>
+                        <m:num>
+                          <m:r>
+                            <a:rPr lang="en-US" altLang="ja-JP" sz="2400" i="1">
+                              <a:latin typeface="Cambria Math" panose="02040503050406030204" pitchFamily="18" charset="0"/>
+                            </a:rPr>
+                            <m:t>𝜕</m:t>
+                          </m:r>
+                          <m:r>
+                            <a:rPr lang="en-US" altLang="ja-JP" sz="2400" b="0" i="1" smtClean="0">
+                              <a:latin typeface="Cambria Math" panose="02040503050406030204" pitchFamily="18" charset="0"/>
+                            </a:rPr>
+                            <m:t>𝑋</m:t>
+                          </m:r>
+                        </m:num>
+                        <m:den>
+                          <m:r>
+                            <a:rPr lang="en-US" altLang="ja-JP" sz="2400" i="1">
+                              <a:latin typeface="Cambria Math" panose="02040503050406030204" pitchFamily="18" charset="0"/>
+                            </a:rPr>
+                            <m:t>𝜕</m:t>
+                          </m:r>
+                          <m:r>
+                            <a:rPr lang="en-US" altLang="ja-JP" sz="2400" b="0" i="1" smtClean="0">
+                              <a:latin typeface="Cambria Math" panose="02040503050406030204" pitchFamily="18" charset="0"/>
+                            </a:rPr>
+                            <m:t>𝑃</m:t>
+                          </m:r>
+                        </m:den>
+                      </m:f>
+                      <m:f>
+                        <m:fPr>
+                          <m:ctrlPr>
+                            <a:rPr lang="en-US" altLang="ja-JP" sz="2400" i="1">
+                              <a:latin typeface="Cambria Math" panose="02040503050406030204" pitchFamily="18" charset="0"/>
+                            </a:rPr>
+                          </m:ctrlPr>
+                        </m:fPr>
+                        <m:num>
+                          <m:r>
+                            <a:rPr lang="en-US" altLang="ja-JP" sz="2400" i="1">
+                              <a:latin typeface="Cambria Math" panose="02040503050406030204" pitchFamily="18" charset="0"/>
+                            </a:rPr>
+                            <m:t>𝜕</m:t>
+                          </m:r>
+                          <m:r>
+                            <a:rPr lang="en-US" altLang="ja-JP" sz="2400" b="0" i="1" smtClean="0">
+                              <a:latin typeface="Cambria Math" panose="02040503050406030204" pitchFamily="18" charset="0"/>
+                            </a:rPr>
+                            <m:t>𝑌</m:t>
+                          </m:r>
+                        </m:num>
+                        <m:den>
+                          <m:r>
+                            <a:rPr lang="en-US" altLang="ja-JP" sz="2400" i="1">
+                              <a:latin typeface="Cambria Math" panose="02040503050406030204" pitchFamily="18" charset="0"/>
+                            </a:rPr>
+                            <m:t>𝜕</m:t>
+                          </m:r>
+                          <m:r>
+                            <a:rPr lang="en-US" altLang="ja-JP" sz="2400" b="0" i="1" smtClean="0">
+                              <a:latin typeface="Cambria Math" panose="02040503050406030204" pitchFamily="18" charset="0"/>
+                            </a:rPr>
+                            <m:t>𝑄</m:t>
+                          </m:r>
+                        </m:den>
+                      </m:f>
+                      <m:r>
+                        <a:rPr lang="en-US" altLang="ja-JP" sz="2400" b="0" i="1" smtClean="0">
+                          <a:latin typeface="Cambria Math" panose="02040503050406030204" pitchFamily="18" charset="0"/>
+                        </a:rPr>
+                        <m:t>=</m:t>
+                      </m:r>
+                      <m:sSub>
+                        <m:sSubPr>
+                          <m:ctrlPr>
+                            <a:rPr lang="en-US" altLang="ja-JP" sz="2400" i="1">
+                              <a:latin typeface="Cambria Math" panose="02040503050406030204" pitchFamily="18" charset="0"/>
+                            </a:rPr>
+                          </m:ctrlPr>
+                        </m:sSubPr>
+                        <m:e>
+                          <m:d>
+                            <m:dPr>
+                              <m:begChr m:val="{"/>
+                              <m:endChr m:val="}"/>
+                              <m:ctrlPr>
+                                <a:rPr lang="en-US" altLang="ja-JP" sz="2400" i="1">
+                                  <a:latin typeface="Cambria Math" panose="02040503050406030204" pitchFamily="18" charset="0"/>
+                                </a:rPr>
+                              </m:ctrlPr>
+                            </m:dPr>
+                            <m:e>
+                              <m:r>
+                                <a:rPr lang="en-US" altLang="ja-JP" sz="2400" i="1">
+                                  <a:latin typeface="Cambria Math" panose="02040503050406030204" pitchFamily="18" charset="0"/>
+                                </a:rPr>
+                                <m:t>𝑋</m:t>
+                              </m:r>
+                              <m:r>
+                                <a:rPr lang="en-US" altLang="ja-JP" sz="2400" i="1">
+                                  <a:latin typeface="Cambria Math" panose="02040503050406030204" pitchFamily="18" charset="0"/>
+                                </a:rPr>
+                                <m:t>,</m:t>
+                              </m:r>
+                              <m:r>
+                                <a:rPr lang="en-US" altLang="ja-JP" sz="2400" i="1">
+                                  <a:latin typeface="Cambria Math" panose="02040503050406030204" pitchFamily="18" charset="0"/>
+                                </a:rPr>
+                                <m:t>𝑌</m:t>
+                              </m:r>
+                            </m:e>
+                          </m:d>
+                        </m:e>
+                        <m:sub>
+                          <m:r>
+                            <a:rPr lang="en-US" altLang="ja-JP" sz="2400" b="0" i="1" smtClean="0">
+                              <a:latin typeface="Cambria Math" panose="02040503050406030204" pitchFamily="18" charset="0"/>
+                            </a:rPr>
+                            <m:t>𝑄</m:t>
+                          </m:r>
+                          <m:r>
+                            <a:rPr lang="en-US" altLang="ja-JP" sz="2400" i="1">
+                              <a:latin typeface="Cambria Math" panose="02040503050406030204" pitchFamily="18" charset="0"/>
+                            </a:rPr>
+                            <m:t>,</m:t>
+                          </m:r>
+                          <m:r>
+                            <a:rPr lang="en-US" altLang="ja-JP" sz="2400" b="0" i="1" smtClean="0">
+                              <a:latin typeface="Cambria Math" panose="02040503050406030204" pitchFamily="18" charset="0"/>
+                            </a:rPr>
+                            <m:t>𝑃</m:t>
+                          </m:r>
+                        </m:sub>
+                      </m:sSub>
+                    </m:oMath>
+                  </m:oMathPara>
+                </a14:m>
+                <a:endParaRPr lang="ja-JP" altLang="en-US" sz="2400"/>
+              </a:p>
+            </p:txBody>
+          </p:sp>
+        </mc:Choice>
+        <mc:Fallback>
+          <p:sp>
+            <p:nvSpPr>
+              <p:cNvPr id="14" name="テキスト ボックス 13">
+                <a:extLst>
+                  <a:ext uri="{FF2B5EF4-FFF2-40B4-BE49-F238E27FC236}">
+                    <a16:creationId xmlns:a16="http://schemas.microsoft.com/office/drawing/2014/main" id="{3CF8C947-68D1-F382-4452-94E6BA1F33DB}"/>
+                  </a:ext>
+                </a:extLst>
+              </p:cNvPr>
+              <p:cNvSpPr txBox="1">
+                <a:spLocks noRot="1" noChangeAspect="1" noMove="1" noResize="1" noEditPoints="1" noAdjustHandles="1" noChangeArrowheads="1" noChangeShapeType="1" noTextEdit="1"/>
+              </p:cNvSpPr>
+              <p:nvPr/>
+            </p:nvSpPr>
+            <p:spPr>
+              <a:xfrm>
+                <a:off x="2195736" y="5949280"/>
+                <a:ext cx="4572000" cy="849592"/>
+              </a:xfrm>
+              <a:prstGeom prst="rect">
+                <a:avLst/>
+              </a:prstGeom>
+              <a:blipFill>
+                <a:blip r:embed="rId7"/>
+                <a:stretch>
+                  <a:fillRect/>
+                </a:stretch>
+              </a:blipFill>
+            </p:spPr>
+            <p:txBody>
+              <a:bodyPr/>
+              <a:lstStyle/>
+              <a:p>
+                <a:r>
+                  <a:rPr lang="ja-JP" altLang="en-US">
+                    <a:noFill/>
+                  </a:rPr>
+                  <a:t> </a:t>
+                </a:r>
+              </a:p>
+            </p:txBody>
+          </p:sp>
+        </mc:Fallback>
+      </mc:AlternateContent>
+    </p:spTree>
+    <p:extLst>
+      <p:ext uri="{BB962C8B-B14F-4D97-AF65-F5344CB8AC3E}">
+        <p14:creationId xmlns:p14="http://schemas.microsoft.com/office/powerpoint/2010/main" val="402958489"/>
+      </p:ext>
+    </p:extLst>
+  </p:cSld>
+  <p:clrMapOvr>
+    <a:masterClrMapping/>
+  </p:clrMapOvr>
+</p:sld>
+</file>
+
+<file path=ppt/slides/slide12.xml><?xml version="1.0" encoding="utf-8"?>
+<p:sld xmlns:a="http://schemas.openxmlformats.org/drawingml/2006/main" xmlns:r="http://schemas.openxmlformats.org/officeDocument/2006/relationships" xmlns:p="http://schemas.openxmlformats.org/presentationml/2006/main">
+  <p:cSld>
+    <p:spTree>
+      <p:nvGrpSpPr>
+        <p:cNvPr id="1" name=""/>
+        <p:cNvGrpSpPr/>
+        <p:nvPr/>
+      </p:nvGrpSpPr>
+      <p:grpSpPr>
+        <a:xfrm>
+          <a:off x="0" y="0"/>
+          <a:ext cx="0" cy="0"/>
+          <a:chOff x="0" y="0"/>
+          <a:chExt cx="0" cy="0"/>
+        </a:xfrm>
+      </p:grpSpPr>
+      <p:sp>
+        <p:nvSpPr>
+          <p:cNvPr id="2" name="テキスト プレースホルダー 1">
+            <a:extLst>
+              <a:ext uri="{FF2B5EF4-FFF2-40B4-BE49-F238E27FC236}">
+                <a16:creationId xmlns:a16="http://schemas.microsoft.com/office/drawing/2014/main" id="{4B347D3B-A5A1-FB1C-2D70-1C9E65E0E9C1}"/>
+              </a:ext>
+            </a:extLst>
+          </p:cNvPr>
+          <p:cNvSpPr>
+            <a:spLocks noGrp="1"/>
+          </p:cNvSpPr>
+          <p:nvPr>
+            <p:ph type="body" sz="quarter" idx="10"/>
+          </p:nvPr>
+        </p:nvSpPr>
+        <p:spPr/>
+        <p:txBody>
+          <a:bodyPr/>
+          <a:lstStyle/>
+          <a:p>
+            <a:r>
+              <a:rPr lang="ja-JP" altLang="en-US"/>
+              <a:t>ポアソン括弧と正準変換</a:t>
+            </a:r>
+            <a:endParaRPr kumimoji="1" lang="ja-JP" altLang="en-US"/>
+          </a:p>
+          <a:p>
+            <a:endParaRPr kumimoji="1" lang="ja-JP" altLang="en-US"/>
+          </a:p>
+        </p:txBody>
+      </p:sp>
+      <p:sp>
+        <p:nvSpPr>
+          <p:cNvPr id="3" name="テキスト ボックス 2">
+            <a:extLst>
+              <a:ext uri="{FF2B5EF4-FFF2-40B4-BE49-F238E27FC236}">
+                <a16:creationId xmlns:a16="http://schemas.microsoft.com/office/drawing/2014/main" id="{BE2F79B7-D250-D03A-0307-038640AFA13D}"/>
+              </a:ext>
+            </a:extLst>
+          </p:cNvPr>
+          <p:cNvSpPr txBox="1"/>
+          <p:nvPr/>
+        </p:nvSpPr>
+        <p:spPr>
+          <a:xfrm>
+            <a:off x="323528" y="1340768"/>
+            <a:ext cx="8392041" cy="400110"/>
+          </a:xfrm>
+          <a:prstGeom prst="rect">
+            <a:avLst/>
+          </a:prstGeom>
+          <a:noFill/>
+        </p:spPr>
+        <p:txBody>
+          <a:bodyPr wrap="none" rtlCol="0">
+            <a:spAutoFit/>
+          </a:bodyPr>
+          <a:lstStyle/>
+          <a:p>
+            <a:r>
+              <a:rPr kumimoji="1" lang="ja-JP" altLang="en-US" sz="2000"/>
+              <a:t>以上から、ポアソン括弧は正準変換に関して不変であることがわかった</a:t>
+            </a:r>
+          </a:p>
+        </p:txBody>
+      </p:sp>
+      <mc:AlternateContent xmlns:mc="http://schemas.openxmlformats.org/markup-compatibility/2006">
+        <mc:Choice xmlns:a14="http://schemas.microsoft.com/office/drawing/2010/main" Requires="a14">
+          <p:sp>
+            <p:nvSpPr>
+              <p:cNvPr id="4" name="テキスト ボックス 3">
+                <a:extLst>
+                  <a:ext uri="{FF2B5EF4-FFF2-40B4-BE49-F238E27FC236}">
+                    <a16:creationId xmlns:a16="http://schemas.microsoft.com/office/drawing/2014/main" id="{D1AAFB03-3101-E594-6092-4AA8D8EFF66C}"/>
+                  </a:ext>
+                </a:extLst>
+              </p:cNvPr>
+              <p:cNvSpPr txBox="1"/>
+              <p:nvPr/>
+            </p:nvSpPr>
+            <p:spPr>
+              <a:xfrm>
+                <a:off x="683568" y="2276872"/>
+                <a:ext cx="7272808" cy="821700"/>
+              </a:xfrm>
+              <a:prstGeom prst="rect">
+                <a:avLst/>
+              </a:prstGeom>
+              <a:noFill/>
+            </p:spPr>
+            <p:txBody>
+              <a:bodyPr wrap="square">
+                <a:spAutoFit/>
+              </a:bodyPr>
+              <a:lstStyle/>
+              <a:p>
+                <a:pPr/>
+                <a14:m>
+                  <m:oMathPara xmlns:m="http://schemas.openxmlformats.org/officeDocument/2006/math">
+                    <m:oMathParaPr>
+                      <m:jc m:val="centerGroup"/>
+                    </m:oMathParaPr>
+                    <m:oMath xmlns:m="http://schemas.openxmlformats.org/officeDocument/2006/math">
+                      <m:sSub>
+                        <m:sSubPr>
+                          <m:ctrlPr>
+                            <a:rPr kumimoji="1" lang="en-US" altLang="ja-JP" sz="4400" b="0" i="1" smtClean="0">
+                              <a:latin typeface="Cambria Math" panose="02040503050406030204" pitchFamily="18" charset="0"/>
+                            </a:rPr>
+                          </m:ctrlPr>
+                        </m:sSubPr>
+                        <m:e>
+                          <m:d>
+                            <m:dPr>
+                              <m:begChr m:val="{"/>
+                              <m:endChr m:val="}"/>
+                              <m:ctrlPr>
+                                <a:rPr kumimoji="1" lang="en-US" altLang="ja-JP" sz="4400" b="0" i="1" smtClean="0">
+                                  <a:latin typeface="Cambria Math" panose="02040503050406030204" pitchFamily="18" charset="0"/>
+                                </a:rPr>
+                              </m:ctrlPr>
+                            </m:dPr>
+                            <m:e>
+                              <m:r>
+                                <a:rPr kumimoji="1" lang="en-US" altLang="ja-JP" sz="4400" b="0" i="1" smtClean="0">
+                                  <a:latin typeface="Cambria Math" panose="02040503050406030204" pitchFamily="18" charset="0"/>
+                                </a:rPr>
+                                <m:t>𝑋</m:t>
+                              </m:r>
+                              <m:r>
+                                <a:rPr kumimoji="1" lang="en-US" altLang="ja-JP" sz="4400" b="0" i="1" smtClean="0">
+                                  <a:latin typeface="Cambria Math" panose="02040503050406030204" pitchFamily="18" charset="0"/>
+                                </a:rPr>
+                                <m:t>,</m:t>
+                              </m:r>
+                              <m:r>
+                                <a:rPr kumimoji="1" lang="en-US" altLang="ja-JP" sz="4400" b="0" i="1" smtClean="0">
+                                  <a:latin typeface="Cambria Math" panose="02040503050406030204" pitchFamily="18" charset="0"/>
+                                </a:rPr>
+                                <m:t>𝑌</m:t>
+                              </m:r>
+                            </m:e>
+                          </m:d>
+                        </m:e>
+                        <m:sub>
+                          <m:r>
+                            <a:rPr kumimoji="1" lang="en-US" altLang="ja-JP" sz="4400" b="0" i="1" smtClean="0">
+                              <a:latin typeface="Cambria Math" panose="02040503050406030204" pitchFamily="18" charset="0"/>
+                            </a:rPr>
+                            <m:t>𝑞</m:t>
+                          </m:r>
+                          <m:r>
+                            <a:rPr kumimoji="1" lang="en-US" altLang="ja-JP" sz="4400" b="0" i="1" smtClean="0">
+                              <a:latin typeface="Cambria Math" panose="02040503050406030204" pitchFamily="18" charset="0"/>
+                            </a:rPr>
+                            <m:t>,</m:t>
+                          </m:r>
+                          <m:r>
+                            <a:rPr kumimoji="1" lang="en-US" altLang="ja-JP" sz="4400" b="0" i="1" smtClean="0">
+                              <a:latin typeface="Cambria Math" panose="02040503050406030204" pitchFamily="18" charset="0"/>
+                            </a:rPr>
+                            <m:t>𝑝</m:t>
+                          </m:r>
+                        </m:sub>
+                      </m:sSub>
+                      <m:r>
+                        <a:rPr kumimoji="1" lang="en-US" altLang="ja-JP" sz="4400" b="0" i="1" smtClean="0">
+                          <a:latin typeface="Cambria Math" panose="02040503050406030204" pitchFamily="18" charset="0"/>
+                        </a:rPr>
+                        <m:t>=</m:t>
+                      </m:r>
+                      <m:sSub>
+                        <m:sSubPr>
+                          <m:ctrlPr>
+                            <a:rPr lang="en-US" altLang="ja-JP" sz="4400" i="1">
+                              <a:latin typeface="Cambria Math" panose="02040503050406030204" pitchFamily="18" charset="0"/>
+                            </a:rPr>
+                          </m:ctrlPr>
+                        </m:sSubPr>
+                        <m:e>
+                          <m:d>
+                            <m:dPr>
+                              <m:begChr m:val="{"/>
+                              <m:endChr m:val="}"/>
+                              <m:ctrlPr>
+                                <a:rPr lang="en-US" altLang="ja-JP" sz="4400" i="1">
+                                  <a:latin typeface="Cambria Math" panose="02040503050406030204" pitchFamily="18" charset="0"/>
+                                </a:rPr>
+                              </m:ctrlPr>
+                            </m:dPr>
+                            <m:e>
+                              <m:r>
+                                <a:rPr lang="en-US" altLang="ja-JP" sz="4400" i="1">
+                                  <a:latin typeface="Cambria Math" panose="02040503050406030204" pitchFamily="18" charset="0"/>
+                                </a:rPr>
+                                <m:t>𝑋</m:t>
+                              </m:r>
+                              <m:r>
+                                <a:rPr lang="en-US" altLang="ja-JP" sz="4400" i="1">
+                                  <a:latin typeface="Cambria Math" panose="02040503050406030204" pitchFamily="18" charset="0"/>
+                                </a:rPr>
+                                <m:t>,</m:t>
+                              </m:r>
+                              <m:r>
+                                <a:rPr lang="en-US" altLang="ja-JP" sz="4400" i="1">
+                                  <a:latin typeface="Cambria Math" panose="02040503050406030204" pitchFamily="18" charset="0"/>
+                                </a:rPr>
+                                <m:t>𝑌</m:t>
+                              </m:r>
+                            </m:e>
+                          </m:d>
+                        </m:e>
+                        <m:sub>
+                          <m:r>
+                            <a:rPr lang="en-US" altLang="ja-JP" sz="4400" b="0" i="1" smtClean="0">
+                              <a:latin typeface="Cambria Math" panose="02040503050406030204" pitchFamily="18" charset="0"/>
+                            </a:rPr>
+                            <m:t>𝑄</m:t>
+                          </m:r>
+                          <m:r>
+                            <a:rPr lang="en-US" altLang="ja-JP" sz="4400" i="1">
+                              <a:latin typeface="Cambria Math" panose="02040503050406030204" pitchFamily="18" charset="0"/>
+                            </a:rPr>
+                            <m:t>,</m:t>
+                          </m:r>
+                          <m:r>
+                            <a:rPr lang="en-US" altLang="ja-JP" sz="4400" b="0" i="1" smtClean="0">
+                              <a:latin typeface="Cambria Math" panose="02040503050406030204" pitchFamily="18" charset="0"/>
+                            </a:rPr>
+                            <m:t>𝑃</m:t>
+                          </m:r>
+                        </m:sub>
+                      </m:sSub>
+                      <m:r>
+                        <a:rPr lang="en-US" altLang="ja-JP" sz="4400" b="0" i="1" smtClean="0">
+                          <a:latin typeface="Cambria Math" panose="02040503050406030204" pitchFamily="18" charset="0"/>
+                        </a:rPr>
+                        <m:t>=</m:t>
+                      </m:r>
+                      <m:d>
+                        <m:dPr>
+                          <m:begChr m:val="{"/>
+                          <m:endChr m:val="}"/>
+                          <m:ctrlPr>
+                            <a:rPr lang="en-US" altLang="ja-JP" sz="4400" i="1">
+                              <a:latin typeface="Cambria Math" panose="02040503050406030204" pitchFamily="18" charset="0"/>
+                            </a:rPr>
+                          </m:ctrlPr>
+                        </m:dPr>
+                        <m:e>
+                          <m:r>
+                            <a:rPr lang="en-US" altLang="ja-JP" sz="4400" i="1">
+                              <a:latin typeface="Cambria Math" panose="02040503050406030204" pitchFamily="18" charset="0"/>
+                            </a:rPr>
+                            <m:t>𝑋</m:t>
+                          </m:r>
+                          <m:r>
+                            <a:rPr lang="en-US" altLang="ja-JP" sz="4400" i="1">
+                              <a:latin typeface="Cambria Math" panose="02040503050406030204" pitchFamily="18" charset="0"/>
+                            </a:rPr>
+                            <m:t>,</m:t>
+                          </m:r>
+                          <m:r>
+                            <a:rPr lang="en-US" altLang="ja-JP" sz="4400" i="1">
+                              <a:latin typeface="Cambria Math" panose="02040503050406030204" pitchFamily="18" charset="0"/>
+                            </a:rPr>
+                            <m:t>𝑌</m:t>
+                          </m:r>
+                        </m:e>
+                      </m:d>
+                    </m:oMath>
+                  </m:oMathPara>
+                </a14:m>
+                <a:endParaRPr lang="ja-JP" altLang="en-US" sz="4400"/>
+              </a:p>
+            </p:txBody>
+          </p:sp>
+        </mc:Choice>
+        <mc:Fallback>
+          <p:sp>
+            <p:nvSpPr>
+              <p:cNvPr id="4" name="テキスト ボックス 3">
+                <a:extLst>
+                  <a:ext uri="{FF2B5EF4-FFF2-40B4-BE49-F238E27FC236}">
+                    <a16:creationId xmlns:a16="http://schemas.microsoft.com/office/drawing/2014/main" id="{D1AAFB03-3101-E594-6092-4AA8D8EFF66C}"/>
+                  </a:ext>
+                </a:extLst>
+              </p:cNvPr>
+              <p:cNvSpPr txBox="1">
+                <a:spLocks noRot="1" noChangeAspect="1" noMove="1" noResize="1" noEditPoints="1" noAdjustHandles="1" noChangeArrowheads="1" noChangeShapeType="1" noTextEdit="1"/>
+              </p:cNvSpPr>
+              <p:nvPr/>
+            </p:nvSpPr>
+            <p:spPr>
+              <a:xfrm>
+                <a:off x="683568" y="2276872"/>
+                <a:ext cx="7272808" cy="821700"/>
+              </a:xfrm>
+              <a:prstGeom prst="rect">
+                <a:avLst/>
+              </a:prstGeom>
+              <a:blipFill>
+                <a:blip r:embed="rId2"/>
+                <a:stretch>
+                  <a:fillRect/>
+                </a:stretch>
+              </a:blipFill>
+            </p:spPr>
+            <p:txBody>
+              <a:bodyPr/>
+              <a:lstStyle/>
+              <a:p>
+                <a:r>
+                  <a:rPr lang="ja-JP" altLang="en-US">
+                    <a:noFill/>
+                  </a:rPr>
+                  <a:t> </a:t>
+                </a:r>
+              </a:p>
+            </p:txBody>
+          </p:sp>
+        </mc:Fallback>
+      </mc:AlternateContent>
+    </p:spTree>
+    <p:extLst>
+      <p:ext uri="{BB962C8B-B14F-4D97-AF65-F5344CB8AC3E}">
+        <p14:creationId xmlns:p14="http://schemas.microsoft.com/office/powerpoint/2010/main" val="1052819594"/>
+      </p:ext>
+    </p:extLst>
+  </p:cSld>
+  <p:clrMapOvr>
+    <a:masterClrMapping/>
+  </p:clrMapOvr>
+</p:sld>
+</file>
+
 <file path=ppt/slides/slide2.xml><?xml version="1.0" encoding="utf-8"?>
 <p:sld xmlns:a="http://schemas.openxmlformats.org/drawingml/2006/main" xmlns:r="http://schemas.openxmlformats.org/officeDocument/2006/relationships" xmlns:p="http://schemas.openxmlformats.org/presentationml/2006/main">
   <p:cSld>
@@ -3697,8 +8013,8 @@
         </p:nvSpPr>
         <p:spPr>
           <a:xfrm>
-            <a:off x="1087542" y="4509120"/>
-            <a:ext cx="4852610" cy="523220"/>
+            <a:off x="1763688" y="4941168"/>
+            <a:ext cx="4801314" cy="646331"/>
           </a:xfrm>
           <a:prstGeom prst="rect">
             <a:avLst/>
@@ -3712,8 +8028,12 @@
           <a:lstStyle/>
           <a:p>
             <a:r>
-              <a:rPr kumimoji="1" lang="ja-JP" altLang="en-US" sz="2800"/>
-              <a:t>これが正準変換で不変だから</a:t>
+              <a:rPr kumimoji="1" lang="ja-JP" altLang="en-US" sz="3600">
+                <a:solidFill>
+                  <a:srgbClr val="FF0000"/>
+                </a:solidFill>
+              </a:rPr>
+              <a:t>正準変換で不変だから</a:t>
             </a:r>
           </a:p>
         </p:txBody>
@@ -3813,8 +8133,8 @@
           </a:p>
         </p:txBody>
       </p:sp>
-      <mc:AlternateContent xmlns:mc="http://schemas.openxmlformats.org/markup-compatibility/2006">
-        <mc:Choice xmlns:a14="http://schemas.microsoft.com/office/drawing/2010/main" Requires="a14">
+      <mc:AlternateContent xmlns:mc="http://schemas.openxmlformats.org/markup-compatibility/2006" xmlns:a14="http://schemas.microsoft.com/office/drawing/2010/main">
+        <mc:Choice Requires="a14">
           <p:sp>
             <p:nvSpPr>
               <p:cNvPr id="4" name="テキスト ボックス 3">
@@ -3843,6 +8163,7 @@
               </a:bodyPr>
               <a:lstStyle/>
               <a:p>
+                <a:pPr/>
                 <a14:m>
                   <m:oMathPara xmlns:m="http://schemas.openxmlformats.org/officeDocument/2006/math">
                     <m:oMathParaPr>
@@ -3979,7 +8300,7 @@
             </p:txBody>
           </p:sp>
         </mc:Choice>
-        <mc:Fallback>
+        <mc:Fallback xmlns="">
           <p:sp>
             <p:nvSpPr>
               <p:cNvPr id="4" name="テキスト ボックス 3">
@@ -4067,8 +8388,8 @@
           </a:p>
         </p:txBody>
       </p:sp>
-      <mc:AlternateContent xmlns:mc="http://schemas.openxmlformats.org/markup-compatibility/2006">
-        <mc:Choice xmlns:a14="http://schemas.microsoft.com/office/drawing/2010/main" Requires="a14">
+      <mc:AlternateContent xmlns:mc="http://schemas.openxmlformats.org/markup-compatibility/2006" xmlns:a14="http://schemas.microsoft.com/office/drawing/2010/main">
+        <mc:Choice Requires="a14">
           <p:sp>
             <p:nvSpPr>
               <p:cNvPr id="6" name="テキスト ボックス 5">
@@ -4266,7 +8587,7 @@
             </p:txBody>
           </p:sp>
         </mc:Choice>
-        <mc:Fallback>
+        <mc:Fallback xmlns="">
           <p:sp>
             <p:nvSpPr>
               <p:cNvPr id="6" name="テキスト ボックス 5">
@@ -4311,8 +8632,8 @@
           </p:sp>
         </mc:Fallback>
       </mc:AlternateContent>
-      <mc:AlternateContent xmlns:mc="http://schemas.openxmlformats.org/markup-compatibility/2006">
-        <mc:Choice xmlns:a14="http://schemas.microsoft.com/office/drawing/2010/main" Requires="a14">
+      <mc:AlternateContent xmlns:mc="http://schemas.openxmlformats.org/markup-compatibility/2006" xmlns:a14="http://schemas.microsoft.com/office/drawing/2010/main">
+        <mc:Choice Requires="a14">
           <p:sp>
             <p:nvSpPr>
               <p:cNvPr id="7" name="テキスト ボックス 6">
@@ -4513,7 +8834,7 @@
             </p:txBody>
           </p:sp>
         </mc:Choice>
-        <mc:Fallback>
+        <mc:Fallback xmlns="">
           <p:sp>
             <p:nvSpPr>
               <p:cNvPr id="7" name="テキスト ボックス 6">
@@ -4670,8 +8991,8 @@
           </a:p>
         </p:txBody>
       </p:sp>
-      <mc:AlternateContent xmlns:mc="http://schemas.openxmlformats.org/markup-compatibility/2006">
-        <mc:Choice xmlns:a14="http://schemas.microsoft.com/office/drawing/2010/main" Requires="a14">
+      <mc:AlternateContent xmlns:mc="http://schemas.openxmlformats.org/markup-compatibility/2006" xmlns:a14="http://schemas.microsoft.com/office/drawing/2010/main">
+        <mc:Choice Requires="a14">
           <p:sp>
             <p:nvSpPr>
               <p:cNvPr id="3" name="テキスト ボックス 2">
@@ -4869,7 +9190,7 @@
             </p:txBody>
           </p:sp>
         </mc:Choice>
-        <mc:Fallback>
+        <mc:Fallback xmlns="">
           <p:sp>
             <p:nvSpPr>
               <p:cNvPr id="3" name="テキスト ボックス 2">
@@ -4914,8 +9235,8 @@
           </p:sp>
         </mc:Fallback>
       </mc:AlternateContent>
-      <mc:AlternateContent xmlns:mc="http://schemas.openxmlformats.org/markup-compatibility/2006">
-        <mc:Choice xmlns:a14="http://schemas.microsoft.com/office/drawing/2010/main" Requires="a14">
+      <mc:AlternateContent xmlns:mc="http://schemas.openxmlformats.org/markup-compatibility/2006" xmlns:a14="http://schemas.microsoft.com/office/drawing/2010/main">
+        <mc:Choice Requires="a14">
           <p:sp>
             <p:nvSpPr>
               <p:cNvPr id="4" name="テキスト ボックス 3">
@@ -5116,7 +9437,7 @@
             </p:txBody>
           </p:sp>
         </mc:Choice>
-        <mc:Fallback>
+        <mc:Fallback xmlns="">
           <p:sp>
             <p:nvSpPr>
               <p:cNvPr id="4" name="テキスト ボックス 3">
@@ -5290,8 +9611,8 @@
           </a:p>
         </p:txBody>
       </p:sp>
-      <mc:AlternateContent xmlns:mc="http://schemas.openxmlformats.org/markup-compatibility/2006">
-        <mc:Choice xmlns:a14="http://schemas.microsoft.com/office/drawing/2010/main" Requires="a14">
+      <mc:AlternateContent xmlns:mc="http://schemas.openxmlformats.org/markup-compatibility/2006" xmlns:a14="http://schemas.microsoft.com/office/drawing/2010/main">
+        <mc:Choice Requires="a14">
           <p:sp>
             <p:nvSpPr>
               <p:cNvPr id="8" name="テキスト ボックス 7">
@@ -5320,6 +9641,7 @@
               </a:bodyPr>
               <a:lstStyle/>
               <a:p>
+                <a:pPr/>
                 <a14:m>
                   <m:oMathPara xmlns:m="http://schemas.openxmlformats.org/officeDocument/2006/math">
                     <m:oMathParaPr>
@@ -5530,7 +9852,7 @@
             </p:txBody>
           </p:sp>
         </mc:Choice>
-        <mc:Fallback>
+        <mc:Fallback xmlns="">
           <p:sp>
             <p:nvSpPr>
               <p:cNvPr id="8" name="テキスト ボックス 7">
@@ -5672,7 +9994,7 @@
           <a:p>
             <a:r>
               <a:rPr lang="ja-JP" altLang="en-US"/>
-              <a:t>ポアソン括弧</a:t>
+              <a:t>ポアソン括弧と正準変換</a:t>
             </a:r>
             <a:endParaRPr kumimoji="1" lang="ja-JP" altLang="en-US"/>
           </a:p>
@@ -5713,8 +10035,8 @@
           </a:p>
         </p:txBody>
       </p:sp>
-      <mc:AlternateContent xmlns:mc="http://schemas.openxmlformats.org/markup-compatibility/2006">
-        <mc:Choice xmlns:a14="http://schemas.microsoft.com/office/drawing/2010/main" Requires="a14">
+      <mc:AlternateContent xmlns:mc="http://schemas.openxmlformats.org/markup-compatibility/2006" xmlns:a14="http://schemas.microsoft.com/office/drawing/2010/main">
+        <mc:Choice Requires="a14">
           <p:sp>
             <p:nvSpPr>
               <p:cNvPr id="4" name="テキスト ボックス 3">
@@ -5980,7 +10302,7 @@
             </p:txBody>
           </p:sp>
         </mc:Choice>
-        <mc:Fallback>
+        <mc:Fallback xmlns="">
           <p:sp>
             <p:nvSpPr>
               <p:cNvPr id="4" name="テキスト ボックス 3">
@@ -6025,8 +10347,8 @@
           </p:sp>
         </mc:Fallback>
       </mc:AlternateContent>
-      <mc:AlternateContent xmlns:mc="http://schemas.openxmlformats.org/markup-compatibility/2006">
-        <mc:Choice xmlns:a14="http://schemas.microsoft.com/office/drawing/2010/main" Requires="a14">
+      <mc:AlternateContent xmlns:mc="http://schemas.openxmlformats.org/markup-compatibility/2006" xmlns:a14="http://schemas.microsoft.com/office/drawing/2010/main">
+        <mc:Choice Requires="a14">
           <p:sp>
             <p:nvSpPr>
               <p:cNvPr id="5" name="テキスト ボックス 4">
@@ -6292,7 +10614,7 @@
             </p:txBody>
           </p:sp>
         </mc:Choice>
-        <mc:Fallback>
+        <mc:Fallback xmlns="">
           <p:sp>
             <p:nvSpPr>
               <p:cNvPr id="5" name="テキスト ボックス 4">
@@ -6337,8 +10659,8 @@
           </p:sp>
         </mc:Fallback>
       </mc:AlternateContent>
-      <mc:AlternateContent xmlns:mc="http://schemas.openxmlformats.org/markup-compatibility/2006">
-        <mc:Choice xmlns:a14="http://schemas.microsoft.com/office/drawing/2010/main" Requires="a14">
+      <mc:AlternateContent xmlns:mc="http://schemas.openxmlformats.org/markup-compatibility/2006" xmlns:a14="http://schemas.microsoft.com/office/drawing/2010/main">
+        <mc:Choice Requires="a14">
           <p:sp>
             <p:nvSpPr>
               <p:cNvPr id="6" name="テキスト ボックス 5">
@@ -6442,7 +10764,7 @@
             </p:txBody>
           </p:sp>
         </mc:Choice>
-        <mc:Fallback>
+        <mc:Fallback xmlns="">
           <p:sp>
             <p:nvSpPr>
               <p:cNvPr id="6" name="テキスト ボックス 5">
@@ -6487,8 +10809,8 @@
           </p:sp>
         </mc:Fallback>
       </mc:AlternateContent>
-      <mc:AlternateContent xmlns:mc="http://schemas.openxmlformats.org/markup-compatibility/2006">
-        <mc:Choice xmlns:a14="http://schemas.microsoft.com/office/drawing/2010/main" Requires="a14">
+      <mc:AlternateContent xmlns:mc="http://schemas.openxmlformats.org/markup-compatibility/2006" xmlns:a14="http://schemas.microsoft.com/office/drawing/2010/main">
+        <mc:Choice Requires="a14">
           <p:sp>
             <p:nvSpPr>
               <p:cNvPr id="8" name="テキスト ボックス 7">
@@ -6662,7 +10984,7 @@
             </p:txBody>
           </p:sp>
         </mc:Choice>
-        <mc:Fallback>
+        <mc:Fallback xmlns="">
           <p:sp>
             <p:nvSpPr>
               <p:cNvPr id="8" name="テキスト ボックス 7">
@@ -6711,6 +11033,1025 @@
     <p:extLst>
       <p:ext uri="{BB962C8B-B14F-4D97-AF65-F5344CB8AC3E}">
         <p14:creationId xmlns:p14="http://schemas.microsoft.com/office/powerpoint/2010/main" val="1866534610"/>
+      </p:ext>
+    </p:extLst>
+  </p:cSld>
+  <p:clrMapOvr>
+    <a:masterClrMapping/>
+  </p:clrMapOvr>
+</p:sld>
+</file>
+
+<file path=ppt/slides/slide9.xml><?xml version="1.0" encoding="utf-8"?>
+<p:sld xmlns:a="http://schemas.openxmlformats.org/drawingml/2006/main" xmlns:r="http://schemas.openxmlformats.org/officeDocument/2006/relationships" xmlns:p="http://schemas.openxmlformats.org/presentationml/2006/main">
+  <p:cSld>
+    <p:spTree>
+      <p:nvGrpSpPr>
+        <p:cNvPr id="1" name=""/>
+        <p:cNvGrpSpPr/>
+        <p:nvPr/>
+      </p:nvGrpSpPr>
+      <p:grpSpPr>
+        <a:xfrm>
+          <a:off x="0" y="0"/>
+          <a:ext cx="0" cy="0"/>
+          <a:chOff x="0" y="0"/>
+          <a:chExt cx="0" cy="0"/>
+        </a:xfrm>
+      </p:grpSpPr>
+      <p:sp>
+        <p:nvSpPr>
+          <p:cNvPr id="2" name="テキスト プレースホルダー 1">
+            <a:extLst>
+              <a:ext uri="{FF2B5EF4-FFF2-40B4-BE49-F238E27FC236}">
+                <a16:creationId xmlns:a16="http://schemas.microsoft.com/office/drawing/2014/main" id="{FE42CAE7-2A6A-FFE3-8954-39D9EF3E4974}"/>
+              </a:ext>
+            </a:extLst>
+          </p:cNvPr>
+          <p:cNvSpPr>
+            <a:spLocks noGrp="1"/>
+          </p:cNvSpPr>
+          <p:nvPr>
+            <p:ph type="body" sz="quarter" idx="10"/>
+          </p:nvPr>
+        </p:nvSpPr>
+        <p:spPr/>
+        <p:txBody>
+          <a:bodyPr/>
+          <a:lstStyle/>
+          <a:p>
+            <a:r>
+              <a:rPr lang="ja-JP" altLang="en-US"/>
+              <a:t>ポアソン括弧と正準変換</a:t>
+            </a:r>
+            <a:endParaRPr kumimoji="1" lang="ja-JP" altLang="en-US"/>
+          </a:p>
+        </p:txBody>
+      </p:sp>
+      <mc:AlternateContent xmlns:mc="http://schemas.openxmlformats.org/markup-compatibility/2006">
+        <mc:Choice xmlns:a14="http://schemas.microsoft.com/office/drawing/2010/main" Requires="a14">
+          <p:sp>
+            <p:nvSpPr>
+              <p:cNvPr id="4" name="テキスト ボックス 3">
+                <a:extLst>
+                  <a:ext uri="{FF2B5EF4-FFF2-40B4-BE49-F238E27FC236}">
+                    <a16:creationId xmlns:a16="http://schemas.microsoft.com/office/drawing/2014/main" id="{FEE32BBE-EA51-89AF-021A-660FC8F7A3F0}"/>
+                  </a:ext>
+                </a:extLst>
+              </p:cNvPr>
+              <p:cNvSpPr txBox="1"/>
+              <p:nvPr/>
+            </p:nvSpPr>
+            <p:spPr>
+              <a:xfrm>
+                <a:off x="827584" y="1844824"/>
+                <a:ext cx="4133311" cy="984885"/>
+              </a:xfrm>
+              <a:prstGeom prst="rect">
+                <a:avLst/>
+              </a:prstGeom>
+              <a:noFill/>
+            </p:spPr>
+            <p:txBody>
+              <a:bodyPr wrap="none" lIns="0" tIns="0" rIns="0" bIns="0" rtlCol="0">
+                <a:spAutoFit/>
+              </a:bodyPr>
+              <a:lstStyle/>
+              <a:p>
+                <a:pPr algn="ctr"/>
+                <a14:m>
+                  <m:oMath xmlns:m="http://schemas.openxmlformats.org/officeDocument/2006/math">
+                    <m:r>
+                      <a:rPr lang="en-US" altLang="ja-JP" sz="3200" i="1" smtClean="0">
+                        <a:latin typeface="Cambria Math" panose="02040503050406030204" pitchFamily="18" charset="0"/>
+                      </a:rPr>
+                      <m:t>𝑋</m:t>
+                    </m:r>
+                    <m:r>
+                      <a:rPr lang="en-US" altLang="ja-JP" sz="3200" i="1" smtClean="0">
+                        <a:latin typeface="Cambria Math" panose="02040503050406030204" pitchFamily="18" charset="0"/>
+                      </a:rPr>
+                      <m:t>=</m:t>
+                    </m:r>
+                    <m:r>
+                      <a:rPr lang="en-US" altLang="ja-JP" sz="3200" i="1" smtClean="0">
+                        <a:latin typeface="Cambria Math" panose="02040503050406030204" pitchFamily="18" charset="0"/>
+                      </a:rPr>
+                      <m:t>𝑋</m:t>
+                    </m:r>
+                    <m:r>
+                      <a:rPr lang="en-US" altLang="ja-JP" sz="3200" i="1" smtClean="0">
+                        <a:latin typeface="Cambria Math" panose="02040503050406030204" pitchFamily="18" charset="0"/>
+                      </a:rPr>
+                      <m:t>(</m:t>
+                    </m:r>
+                    <m:r>
+                      <a:rPr lang="en-US" altLang="ja-JP" sz="3200" i="1" smtClean="0">
+                        <a:latin typeface="Cambria Math" panose="02040503050406030204" pitchFamily="18" charset="0"/>
+                      </a:rPr>
+                      <m:t>𝑄</m:t>
+                    </m:r>
+                    <m:d>
+                      <m:dPr>
+                        <m:ctrlPr>
+                          <a:rPr lang="en-US" altLang="ja-JP" sz="3200" i="1">
+                            <a:latin typeface="Cambria Math" panose="02040503050406030204" pitchFamily="18" charset="0"/>
+                          </a:rPr>
+                        </m:ctrlPr>
+                      </m:dPr>
+                      <m:e>
+                        <m:r>
+                          <a:rPr lang="en-US" altLang="ja-JP" sz="3200" i="1">
+                            <a:latin typeface="Cambria Math" panose="02040503050406030204" pitchFamily="18" charset="0"/>
+                          </a:rPr>
+                          <m:t>𝑞</m:t>
+                        </m:r>
+                        <m:r>
+                          <a:rPr lang="en-US" altLang="ja-JP" sz="3200" i="1">
+                            <a:latin typeface="Cambria Math" panose="02040503050406030204" pitchFamily="18" charset="0"/>
+                          </a:rPr>
+                          <m:t>,</m:t>
+                        </m:r>
+                        <m:r>
+                          <a:rPr lang="en-US" altLang="ja-JP" sz="3200" i="1">
+                            <a:latin typeface="Cambria Math" panose="02040503050406030204" pitchFamily="18" charset="0"/>
+                          </a:rPr>
+                          <m:t>𝑝</m:t>
+                        </m:r>
+                      </m:e>
+                    </m:d>
+                    <m:r>
+                      <a:rPr lang="en-US" altLang="ja-JP" sz="3200" i="1">
+                        <a:latin typeface="Cambria Math" panose="02040503050406030204" pitchFamily="18" charset="0"/>
+                      </a:rPr>
+                      <m:t>,</m:t>
+                    </m:r>
+                    <m:r>
+                      <a:rPr lang="en-US" altLang="ja-JP" sz="3200" i="1">
+                        <a:latin typeface="Cambria Math" panose="02040503050406030204" pitchFamily="18" charset="0"/>
+                      </a:rPr>
+                      <m:t>𝑃</m:t>
+                    </m:r>
+                    <m:r>
+                      <a:rPr lang="en-US" altLang="ja-JP" sz="3200" i="1">
+                        <a:latin typeface="Cambria Math" panose="02040503050406030204" pitchFamily="18" charset="0"/>
+                      </a:rPr>
+                      <m:t>(</m:t>
+                    </m:r>
+                    <m:r>
+                      <a:rPr lang="en-US" altLang="ja-JP" sz="3200" i="1">
+                        <a:latin typeface="Cambria Math" panose="02040503050406030204" pitchFamily="18" charset="0"/>
+                      </a:rPr>
+                      <m:t>𝑞</m:t>
+                    </m:r>
+                    <m:r>
+                      <a:rPr lang="en-US" altLang="ja-JP" sz="3200" i="1">
+                        <a:latin typeface="Cambria Math" panose="02040503050406030204" pitchFamily="18" charset="0"/>
+                      </a:rPr>
+                      <m:t>,</m:t>
+                    </m:r>
+                    <m:r>
+                      <a:rPr lang="en-US" altLang="ja-JP" sz="3200" i="1">
+                        <a:latin typeface="Cambria Math" panose="02040503050406030204" pitchFamily="18" charset="0"/>
+                      </a:rPr>
+                      <m:t>𝑝</m:t>
+                    </m:r>
+                    <m:r>
+                      <a:rPr lang="en-US" altLang="ja-JP" sz="3200" i="1">
+                        <a:latin typeface="Cambria Math" panose="02040503050406030204" pitchFamily="18" charset="0"/>
+                      </a:rPr>
+                      <m:t>)</m:t>
+                    </m:r>
+                  </m:oMath>
+                </a14:m>
+                <a:r>
+                  <a:rPr lang="en-US" altLang="ja-JP" sz="3200"/>
+                  <a:t>)</a:t>
+                </a:r>
+              </a:p>
+              <a:p>
+                <a:pPr algn="ctr"/>
+                <a14:m>
+                  <m:oMathPara xmlns:m="http://schemas.openxmlformats.org/officeDocument/2006/math">
+                    <m:oMathParaPr>
+                      <m:jc m:val="centerGroup"/>
+                    </m:oMathParaPr>
+                    <m:oMath xmlns:m="http://schemas.openxmlformats.org/officeDocument/2006/math">
+                      <m:r>
+                        <a:rPr kumimoji="1" lang="en-US" altLang="ja-JP" sz="3200" b="0" i="1" smtClean="0">
+                          <a:latin typeface="Cambria Math" panose="02040503050406030204" pitchFamily="18" charset="0"/>
+                        </a:rPr>
+                        <m:t>𝑌</m:t>
+                      </m:r>
+                      <m:r>
+                        <a:rPr kumimoji="1" lang="en-US" altLang="ja-JP" sz="3200" b="0" i="1" smtClean="0">
+                          <a:latin typeface="Cambria Math" panose="02040503050406030204" pitchFamily="18" charset="0"/>
+                        </a:rPr>
+                        <m:t>=</m:t>
+                      </m:r>
+                      <m:r>
+                        <a:rPr kumimoji="1" lang="en-US" altLang="ja-JP" sz="3200" b="0" i="1" smtClean="0">
+                          <a:latin typeface="Cambria Math" panose="02040503050406030204" pitchFamily="18" charset="0"/>
+                        </a:rPr>
+                        <m:t>𝑌</m:t>
+                      </m:r>
+                      <m:r>
+                        <a:rPr kumimoji="1" lang="en-US" altLang="ja-JP" sz="3200" b="0" i="1" smtClean="0">
+                          <a:latin typeface="Cambria Math" panose="02040503050406030204" pitchFamily="18" charset="0"/>
+                        </a:rPr>
+                        <m:t>(</m:t>
+                      </m:r>
+                      <m:r>
+                        <a:rPr kumimoji="1" lang="en-US" altLang="ja-JP" sz="3200" b="0" i="1" smtClean="0">
+                          <a:latin typeface="Cambria Math" panose="02040503050406030204" pitchFamily="18" charset="0"/>
+                        </a:rPr>
+                        <m:t>𝑄</m:t>
+                      </m:r>
+                      <m:d>
+                        <m:dPr>
+                          <m:ctrlPr>
+                            <a:rPr kumimoji="1" lang="en-US" altLang="ja-JP" sz="3200" b="0" i="1" smtClean="0">
+                              <a:latin typeface="Cambria Math" panose="02040503050406030204" pitchFamily="18" charset="0"/>
+                            </a:rPr>
+                          </m:ctrlPr>
+                        </m:dPr>
+                        <m:e>
+                          <m:r>
+                            <a:rPr kumimoji="1" lang="en-US" altLang="ja-JP" sz="3200" b="0" i="1" smtClean="0">
+                              <a:latin typeface="Cambria Math" panose="02040503050406030204" pitchFamily="18" charset="0"/>
+                            </a:rPr>
+                            <m:t>𝑞</m:t>
+                          </m:r>
+                          <m:r>
+                            <a:rPr kumimoji="1" lang="en-US" altLang="ja-JP" sz="3200" b="0" i="1" smtClean="0">
+                              <a:latin typeface="Cambria Math" panose="02040503050406030204" pitchFamily="18" charset="0"/>
+                            </a:rPr>
+                            <m:t>,</m:t>
+                          </m:r>
+                          <m:r>
+                            <a:rPr kumimoji="1" lang="en-US" altLang="ja-JP" sz="3200" b="0" i="1" smtClean="0">
+                              <a:latin typeface="Cambria Math" panose="02040503050406030204" pitchFamily="18" charset="0"/>
+                            </a:rPr>
+                            <m:t>𝑝</m:t>
+                          </m:r>
+                        </m:e>
+                      </m:d>
+                      <m:r>
+                        <a:rPr kumimoji="1" lang="en-US" altLang="ja-JP" sz="3200" b="0" i="1" smtClean="0">
+                          <a:latin typeface="Cambria Math" panose="02040503050406030204" pitchFamily="18" charset="0"/>
+                        </a:rPr>
+                        <m:t>,</m:t>
+                      </m:r>
+                      <m:r>
+                        <a:rPr kumimoji="1" lang="en-US" altLang="ja-JP" sz="3200" b="0" i="1" smtClean="0">
+                          <a:latin typeface="Cambria Math" panose="02040503050406030204" pitchFamily="18" charset="0"/>
+                        </a:rPr>
+                        <m:t>𝑃</m:t>
+                      </m:r>
+                      <m:d>
+                        <m:dPr>
+                          <m:ctrlPr>
+                            <a:rPr kumimoji="1" lang="en-US" altLang="ja-JP" sz="3200" b="0" i="1" smtClean="0">
+                              <a:latin typeface="Cambria Math" panose="02040503050406030204" pitchFamily="18" charset="0"/>
+                            </a:rPr>
+                          </m:ctrlPr>
+                        </m:dPr>
+                        <m:e>
+                          <m:r>
+                            <a:rPr kumimoji="1" lang="en-US" altLang="ja-JP" sz="3200" b="0" i="1" smtClean="0">
+                              <a:latin typeface="Cambria Math" panose="02040503050406030204" pitchFamily="18" charset="0"/>
+                            </a:rPr>
+                            <m:t>𝑞</m:t>
+                          </m:r>
+                          <m:r>
+                            <a:rPr kumimoji="1" lang="en-US" altLang="ja-JP" sz="3200" b="0" i="1" smtClean="0">
+                              <a:latin typeface="Cambria Math" panose="02040503050406030204" pitchFamily="18" charset="0"/>
+                            </a:rPr>
+                            <m:t>,</m:t>
+                          </m:r>
+                          <m:r>
+                            <a:rPr kumimoji="1" lang="en-US" altLang="ja-JP" sz="3200" b="0" i="1" smtClean="0">
+                              <a:latin typeface="Cambria Math" panose="02040503050406030204" pitchFamily="18" charset="0"/>
+                            </a:rPr>
+                            <m:t>𝑝</m:t>
+                          </m:r>
+                        </m:e>
+                      </m:d>
+                      <m:r>
+                        <a:rPr kumimoji="1" lang="en-US" altLang="ja-JP" sz="3200" b="0" i="1" smtClean="0">
+                          <a:latin typeface="Cambria Math" panose="02040503050406030204" pitchFamily="18" charset="0"/>
+                        </a:rPr>
+                        <m:t>)</m:t>
+                      </m:r>
+                    </m:oMath>
+                  </m:oMathPara>
+                </a14:m>
+                <a:endParaRPr kumimoji="1" lang="en-US" altLang="ja-JP" sz="3200" b="0"/>
+              </a:p>
+            </p:txBody>
+          </p:sp>
+        </mc:Choice>
+        <mc:Fallback>
+          <p:sp>
+            <p:nvSpPr>
+              <p:cNvPr id="4" name="テキスト ボックス 3">
+                <a:extLst>
+                  <a:ext uri="{FF2B5EF4-FFF2-40B4-BE49-F238E27FC236}">
+                    <a16:creationId xmlns:a16="http://schemas.microsoft.com/office/drawing/2014/main" id="{FEE32BBE-EA51-89AF-021A-660FC8F7A3F0}"/>
+                  </a:ext>
+                </a:extLst>
+              </p:cNvPr>
+              <p:cNvSpPr txBox="1">
+                <a:spLocks noRot="1" noChangeAspect="1" noMove="1" noResize="1" noEditPoints="1" noAdjustHandles="1" noChangeArrowheads="1" noChangeShapeType="1" noTextEdit="1"/>
+              </p:cNvSpPr>
+              <p:nvPr/>
+            </p:nvSpPr>
+            <p:spPr>
+              <a:xfrm>
+                <a:off x="827584" y="1844824"/>
+                <a:ext cx="4133311" cy="984885"/>
+              </a:xfrm>
+              <a:prstGeom prst="rect">
+                <a:avLst/>
+              </a:prstGeom>
+              <a:blipFill>
+                <a:blip r:embed="rId2"/>
+                <a:stretch>
+                  <a:fillRect t="-13043" r="-2655"/>
+                </a:stretch>
+              </a:blipFill>
+            </p:spPr>
+            <p:txBody>
+              <a:bodyPr/>
+              <a:lstStyle/>
+              <a:p>
+                <a:r>
+                  <a:rPr lang="ja-JP" altLang="en-US">
+                    <a:noFill/>
+                  </a:rPr>
+                  <a:t> </a:t>
+                </a:r>
+              </a:p>
+            </p:txBody>
+          </p:sp>
+        </mc:Fallback>
+      </mc:AlternateContent>
+      <p:sp>
+        <p:nvSpPr>
+          <p:cNvPr id="5" name="テキスト ボックス 4">
+            <a:extLst>
+              <a:ext uri="{FF2B5EF4-FFF2-40B4-BE49-F238E27FC236}">
+                <a16:creationId xmlns:a16="http://schemas.microsoft.com/office/drawing/2014/main" id="{868E3BE6-30F0-3FEC-1763-66EFD20851AA}"/>
+              </a:ext>
+            </a:extLst>
+          </p:cNvPr>
+          <p:cNvSpPr txBox="1"/>
+          <p:nvPr/>
+        </p:nvSpPr>
+        <p:spPr>
+          <a:xfrm>
+            <a:off x="395536" y="1177588"/>
+            <a:ext cx="3416320" cy="523220"/>
+          </a:xfrm>
+          <a:prstGeom prst="rect">
+            <a:avLst/>
+          </a:prstGeom>
+          <a:noFill/>
+        </p:spPr>
+        <p:txBody>
+          <a:bodyPr wrap="none" rtlCol="0">
+            <a:spAutoFit/>
+          </a:bodyPr>
+          <a:lstStyle/>
+          <a:p>
+            <a:r>
+              <a:rPr lang="ja-JP" altLang="en-US" sz="2800"/>
+              <a:t>物理量の変数依存性</a:t>
+            </a:r>
+            <a:endParaRPr kumimoji="1" lang="ja-JP" altLang="en-US" sz="2800"/>
+          </a:p>
+        </p:txBody>
+      </p:sp>
+      <mc:AlternateContent xmlns:mc="http://schemas.openxmlformats.org/markup-compatibility/2006">
+        <mc:Choice xmlns:a14="http://schemas.microsoft.com/office/drawing/2010/main" Requires="a14">
+          <p:sp>
+            <p:nvSpPr>
+              <p:cNvPr id="6" name="テキスト ボックス 5">
+                <a:extLst>
+                  <a:ext uri="{FF2B5EF4-FFF2-40B4-BE49-F238E27FC236}">
+                    <a16:creationId xmlns:a16="http://schemas.microsoft.com/office/drawing/2014/main" id="{29C04F11-780E-B220-558C-8268DD76FDD4}"/>
+                  </a:ext>
+                </a:extLst>
+              </p:cNvPr>
+              <p:cNvSpPr txBox="1"/>
+              <p:nvPr/>
+            </p:nvSpPr>
+            <p:spPr>
+              <a:xfrm>
+                <a:off x="971600" y="4149080"/>
+                <a:ext cx="3331360" cy="891783"/>
+              </a:xfrm>
+              <a:prstGeom prst="rect">
+                <a:avLst/>
+              </a:prstGeom>
+              <a:noFill/>
+            </p:spPr>
+            <p:txBody>
+              <a:bodyPr wrap="none" lIns="0" tIns="0" rIns="0" bIns="0" rtlCol="0">
+                <a:spAutoFit/>
+              </a:bodyPr>
+              <a:lstStyle/>
+              <a:p>
+                <a14:m>
+                  <m:oMathPara xmlns:m="http://schemas.openxmlformats.org/officeDocument/2006/math">
+                    <m:oMathParaPr>
+                      <m:jc m:val="centerGroup"/>
+                    </m:oMathParaPr>
+                    <m:oMath xmlns:m="http://schemas.openxmlformats.org/officeDocument/2006/math">
+                      <m:f>
+                        <m:fPr>
+                          <m:ctrlPr>
+                            <a:rPr kumimoji="1" lang="en-US" altLang="ja-JP" sz="2800" b="0" i="1" smtClean="0">
+                              <a:latin typeface="Cambria Math" panose="02040503050406030204" pitchFamily="18" charset="0"/>
+                            </a:rPr>
+                          </m:ctrlPr>
+                        </m:fPr>
+                        <m:num>
+                          <m:r>
+                            <a:rPr kumimoji="1" lang="en-US" altLang="ja-JP" sz="2800" b="0" i="1" smtClean="0">
+                              <a:latin typeface="Cambria Math" panose="02040503050406030204" pitchFamily="18" charset="0"/>
+                            </a:rPr>
+                            <m:t>𝜕</m:t>
+                          </m:r>
+                          <m:r>
+                            <a:rPr kumimoji="1" lang="en-US" altLang="ja-JP" sz="2800" b="0" i="1" smtClean="0">
+                              <a:latin typeface="Cambria Math" panose="02040503050406030204" pitchFamily="18" charset="0"/>
+                            </a:rPr>
+                            <m:t>𝑋</m:t>
+                          </m:r>
+                        </m:num>
+                        <m:den>
+                          <m:r>
+                            <a:rPr kumimoji="1" lang="en-US" altLang="ja-JP" sz="2800" b="0" i="1" smtClean="0">
+                              <a:latin typeface="Cambria Math" panose="02040503050406030204" pitchFamily="18" charset="0"/>
+                            </a:rPr>
+                            <m:t>𝜕</m:t>
+                          </m:r>
+                          <m:r>
+                            <a:rPr kumimoji="1" lang="en-US" altLang="ja-JP" sz="2800" b="0" i="1" smtClean="0">
+                              <a:latin typeface="Cambria Math" panose="02040503050406030204" pitchFamily="18" charset="0"/>
+                            </a:rPr>
+                            <m:t>𝑞</m:t>
+                          </m:r>
+                        </m:den>
+                      </m:f>
+                      <m:r>
+                        <a:rPr kumimoji="1" lang="en-US" altLang="ja-JP" sz="2800" b="0" i="1" smtClean="0">
+                          <a:latin typeface="Cambria Math" panose="02040503050406030204" pitchFamily="18" charset="0"/>
+                        </a:rPr>
+                        <m:t>=</m:t>
+                      </m:r>
+                      <m:f>
+                        <m:fPr>
+                          <m:ctrlPr>
+                            <a:rPr lang="en-US" altLang="ja-JP" sz="2800" i="1">
+                              <a:latin typeface="Cambria Math" panose="02040503050406030204" pitchFamily="18" charset="0"/>
+                            </a:rPr>
+                          </m:ctrlPr>
+                        </m:fPr>
+                        <m:num>
+                          <m:r>
+                            <a:rPr lang="en-US" altLang="ja-JP" sz="2800" i="1">
+                              <a:latin typeface="Cambria Math" panose="02040503050406030204" pitchFamily="18" charset="0"/>
+                            </a:rPr>
+                            <m:t>𝜕</m:t>
+                          </m:r>
+                          <m:r>
+                            <a:rPr lang="en-US" altLang="ja-JP" sz="2800" i="1">
+                              <a:latin typeface="Cambria Math" panose="02040503050406030204" pitchFamily="18" charset="0"/>
+                            </a:rPr>
+                            <m:t>𝑋</m:t>
+                          </m:r>
+                        </m:num>
+                        <m:den>
+                          <m:r>
+                            <a:rPr lang="en-US" altLang="ja-JP" sz="2800" i="1">
+                              <a:latin typeface="Cambria Math" panose="02040503050406030204" pitchFamily="18" charset="0"/>
+                            </a:rPr>
+                            <m:t>𝜕</m:t>
+                          </m:r>
+                          <m:r>
+                            <a:rPr lang="en-US" altLang="ja-JP" sz="2800" b="0" i="1" smtClean="0">
+                              <a:latin typeface="Cambria Math" panose="02040503050406030204" pitchFamily="18" charset="0"/>
+                            </a:rPr>
+                            <m:t>𝑄</m:t>
+                          </m:r>
+                        </m:den>
+                      </m:f>
+                      <m:f>
+                        <m:fPr>
+                          <m:ctrlPr>
+                            <a:rPr lang="en-US" altLang="ja-JP" sz="2800" i="1">
+                              <a:latin typeface="Cambria Math" panose="02040503050406030204" pitchFamily="18" charset="0"/>
+                            </a:rPr>
+                          </m:ctrlPr>
+                        </m:fPr>
+                        <m:num>
+                          <m:r>
+                            <a:rPr lang="en-US" altLang="ja-JP" sz="2800" i="1">
+                              <a:latin typeface="Cambria Math" panose="02040503050406030204" pitchFamily="18" charset="0"/>
+                            </a:rPr>
+                            <m:t>𝜕</m:t>
+                          </m:r>
+                          <m:r>
+                            <a:rPr lang="en-US" altLang="ja-JP" sz="2800" b="0" i="1" smtClean="0">
+                              <a:latin typeface="Cambria Math" panose="02040503050406030204" pitchFamily="18" charset="0"/>
+                            </a:rPr>
+                            <m:t>𝑄</m:t>
+                          </m:r>
+                        </m:num>
+                        <m:den>
+                          <m:r>
+                            <a:rPr lang="en-US" altLang="ja-JP" sz="2800" i="1">
+                              <a:latin typeface="Cambria Math" panose="02040503050406030204" pitchFamily="18" charset="0"/>
+                            </a:rPr>
+                            <m:t>𝜕</m:t>
+                          </m:r>
+                          <m:r>
+                            <a:rPr lang="en-US" altLang="ja-JP" sz="2800" b="0" i="1" smtClean="0">
+                              <a:latin typeface="Cambria Math" panose="02040503050406030204" pitchFamily="18" charset="0"/>
+                            </a:rPr>
+                            <m:t>𝑞</m:t>
+                          </m:r>
+                        </m:den>
+                      </m:f>
+                      <m:r>
+                        <a:rPr lang="en-US" altLang="ja-JP" sz="2800" b="0" i="1" smtClean="0">
+                          <a:latin typeface="Cambria Math" panose="02040503050406030204" pitchFamily="18" charset="0"/>
+                        </a:rPr>
+                        <m:t>+</m:t>
+                      </m:r>
+                      <m:f>
+                        <m:fPr>
+                          <m:ctrlPr>
+                            <a:rPr lang="en-US" altLang="ja-JP" sz="2800" i="1">
+                              <a:latin typeface="Cambria Math" panose="02040503050406030204" pitchFamily="18" charset="0"/>
+                            </a:rPr>
+                          </m:ctrlPr>
+                        </m:fPr>
+                        <m:num>
+                          <m:r>
+                            <a:rPr lang="en-US" altLang="ja-JP" sz="2800" i="1">
+                              <a:latin typeface="Cambria Math" panose="02040503050406030204" pitchFamily="18" charset="0"/>
+                            </a:rPr>
+                            <m:t>𝜕</m:t>
+                          </m:r>
+                          <m:r>
+                            <a:rPr lang="en-US" altLang="ja-JP" sz="2800" i="1">
+                              <a:latin typeface="Cambria Math" panose="02040503050406030204" pitchFamily="18" charset="0"/>
+                            </a:rPr>
+                            <m:t>𝑋</m:t>
+                          </m:r>
+                        </m:num>
+                        <m:den>
+                          <m:r>
+                            <a:rPr lang="en-US" altLang="ja-JP" sz="2800" i="1">
+                              <a:latin typeface="Cambria Math" panose="02040503050406030204" pitchFamily="18" charset="0"/>
+                            </a:rPr>
+                            <m:t>𝜕</m:t>
+                          </m:r>
+                          <m:r>
+                            <a:rPr lang="en-US" altLang="ja-JP" sz="2800" b="0" i="1" smtClean="0">
+                              <a:latin typeface="Cambria Math" panose="02040503050406030204" pitchFamily="18" charset="0"/>
+                            </a:rPr>
+                            <m:t>𝑃</m:t>
+                          </m:r>
+                        </m:den>
+                      </m:f>
+                      <m:f>
+                        <m:fPr>
+                          <m:ctrlPr>
+                            <a:rPr lang="en-US" altLang="ja-JP" sz="2800" i="1">
+                              <a:latin typeface="Cambria Math" panose="02040503050406030204" pitchFamily="18" charset="0"/>
+                            </a:rPr>
+                          </m:ctrlPr>
+                        </m:fPr>
+                        <m:num>
+                          <m:r>
+                            <a:rPr lang="en-US" altLang="ja-JP" sz="2800" i="1">
+                              <a:latin typeface="Cambria Math" panose="02040503050406030204" pitchFamily="18" charset="0"/>
+                            </a:rPr>
+                            <m:t>𝜕</m:t>
+                          </m:r>
+                          <m:r>
+                            <a:rPr lang="en-US" altLang="ja-JP" sz="2800" b="0" i="1" smtClean="0">
+                              <a:latin typeface="Cambria Math" panose="02040503050406030204" pitchFamily="18" charset="0"/>
+                            </a:rPr>
+                            <m:t>𝑃</m:t>
+                          </m:r>
+                        </m:num>
+                        <m:den>
+                          <m:r>
+                            <a:rPr lang="en-US" altLang="ja-JP" sz="2800" i="1">
+                              <a:latin typeface="Cambria Math" panose="02040503050406030204" pitchFamily="18" charset="0"/>
+                            </a:rPr>
+                            <m:t>𝜕</m:t>
+                          </m:r>
+                          <m:r>
+                            <a:rPr lang="en-US" altLang="ja-JP" sz="2800" i="1">
+                              <a:latin typeface="Cambria Math" panose="02040503050406030204" pitchFamily="18" charset="0"/>
+                            </a:rPr>
+                            <m:t>𝑞</m:t>
+                          </m:r>
+                        </m:den>
+                      </m:f>
+                    </m:oMath>
+                  </m:oMathPara>
+                </a14:m>
+                <a:endParaRPr kumimoji="1" lang="ja-JP" altLang="en-US" sz="2800"/>
+              </a:p>
+            </p:txBody>
+          </p:sp>
+        </mc:Choice>
+        <mc:Fallback>
+          <p:sp>
+            <p:nvSpPr>
+              <p:cNvPr id="6" name="テキスト ボックス 5">
+                <a:extLst>
+                  <a:ext uri="{FF2B5EF4-FFF2-40B4-BE49-F238E27FC236}">
+                    <a16:creationId xmlns:a16="http://schemas.microsoft.com/office/drawing/2014/main" id="{29C04F11-780E-B220-558C-8268DD76FDD4}"/>
+                  </a:ext>
+                </a:extLst>
+              </p:cNvPr>
+              <p:cNvSpPr txBox="1">
+                <a:spLocks noRot="1" noChangeAspect="1" noMove="1" noResize="1" noEditPoints="1" noAdjustHandles="1" noChangeArrowheads="1" noChangeShapeType="1" noTextEdit="1"/>
+              </p:cNvSpPr>
+              <p:nvPr/>
+            </p:nvSpPr>
+            <p:spPr>
+              <a:xfrm>
+                <a:off x="971600" y="4149080"/>
+                <a:ext cx="3331360" cy="891783"/>
+              </a:xfrm>
+              <a:prstGeom prst="rect">
+                <a:avLst/>
+              </a:prstGeom>
+              <a:blipFill>
+                <a:blip r:embed="rId3"/>
+                <a:stretch>
+                  <a:fillRect/>
+                </a:stretch>
+              </a:blipFill>
+            </p:spPr>
+            <p:txBody>
+              <a:bodyPr/>
+              <a:lstStyle/>
+              <a:p>
+                <a:r>
+                  <a:rPr lang="ja-JP" altLang="en-US">
+                    <a:noFill/>
+                  </a:rPr>
+                  <a:t> </a:t>
+                </a:r>
+              </a:p>
+            </p:txBody>
+          </p:sp>
+        </mc:Fallback>
+      </mc:AlternateContent>
+      <mc:AlternateContent xmlns:mc="http://schemas.openxmlformats.org/markup-compatibility/2006">
+        <mc:Choice xmlns:a14="http://schemas.microsoft.com/office/drawing/2010/main" Requires="a14">
+          <p:sp>
+            <p:nvSpPr>
+              <p:cNvPr id="7" name="テキスト ボックス 6">
+                <a:extLst>
+                  <a:ext uri="{FF2B5EF4-FFF2-40B4-BE49-F238E27FC236}">
+                    <a16:creationId xmlns:a16="http://schemas.microsoft.com/office/drawing/2014/main" id="{4BEE771C-B819-6049-8A1A-C40347098A9D}"/>
+                  </a:ext>
+                </a:extLst>
+              </p:cNvPr>
+              <p:cNvSpPr txBox="1"/>
+              <p:nvPr/>
+            </p:nvSpPr>
+            <p:spPr>
+              <a:xfrm>
+                <a:off x="971600" y="5445224"/>
+                <a:ext cx="3331360" cy="891783"/>
+              </a:xfrm>
+              <a:prstGeom prst="rect">
+                <a:avLst/>
+              </a:prstGeom>
+              <a:noFill/>
+            </p:spPr>
+            <p:txBody>
+              <a:bodyPr wrap="none" lIns="0" tIns="0" rIns="0" bIns="0" rtlCol="0">
+                <a:spAutoFit/>
+              </a:bodyPr>
+              <a:lstStyle/>
+              <a:p>
+                <a14:m>
+                  <m:oMathPara xmlns:m="http://schemas.openxmlformats.org/officeDocument/2006/math">
+                    <m:oMathParaPr>
+                      <m:jc m:val="centerGroup"/>
+                    </m:oMathParaPr>
+                    <m:oMath xmlns:m="http://schemas.openxmlformats.org/officeDocument/2006/math">
+                      <m:f>
+                        <m:fPr>
+                          <m:ctrlPr>
+                            <a:rPr kumimoji="1" lang="en-US" altLang="ja-JP" sz="2800" b="0" i="1" smtClean="0">
+                              <a:latin typeface="Cambria Math" panose="02040503050406030204" pitchFamily="18" charset="0"/>
+                            </a:rPr>
+                          </m:ctrlPr>
+                        </m:fPr>
+                        <m:num>
+                          <m:r>
+                            <a:rPr kumimoji="1" lang="en-US" altLang="ja-JP" sz="2800" b="0" i="1" smtClean="0">
+                              <a:latin typeface="Cambria Math" panose="02040503050406030204" pitchFamily="18" charset="0"/>
+                            </a:rPr>
+                            <m:t>𝜕</m:t>
+                          </m:r>
+                          <m:r>
+                            <a:rPr kumimoji="1" lang="en-US" altLang="ja-JP" sz="2800" b="0" i="1" smtClean="0">
+                              <a:latin typeface="Cambria Math" panose="02040503050406030204" pitchFamily="18" charset="0"/>
+                            </a:rPr>
+                            <m:t>𝑌</m:t>
+                          </m:r>
+                        </m:num>
+                        <m:den>
+                          <m:r>
+                            <a:rPr kumimoji="1" lang="en-US" altLang="ja-JP" sz="2800" b="0" i="1" smtClean="0">
+                              <a:latin typeface="Cambria Math" panose="02040503050406030204" pitchFamily="18" charset="0"/>
+                            </a:rPr>
+                            <m:t>𝜕</m:t>
+                          </m:r>
+                          <m:r>
+                            <a:rPr kumimoji="1" lang="en-US" altLang="ja-JP" sz="2800" b="0" i="1" smtClean="0">
+                              <a:latin typeface="Cambria Math" panose="02040503050406030204" pitchFamily="18" charset="0"/>
+                            </a:rPr>
+                            <m:t>𝑝</m:t>
+                          </m:r>
+                        </m:den>
+                      </m:f>
+                      <m:r>
+                        <a:rPr kumimoji="1" lang="en-US" altLang="ja-JP" sz="2800" b="0" i="1" smtClean="0">
+                          <a:latin typeface="Cambria Math" panose="02040503050406030204" pitchFamily="18" charset="0"/>
+                        </a:rPr>
+                        <m:t>=</m:t>
+                      </m:r>
+                      <m:f>
+                        <m:fPr>
+                          <m:ctrlPr>
+                            <a:rPr lang="en-US" altLang="ja-JP" sz="2800" i="1">
+                              <a:latin typeface="Cambria Math" panose="02040503050406030204" pitchFamily="18" charset="0"/>
+                            </a:rPr>
+                          </m:ctrlPr>
+                        </m:fPr>
+                        <m:num>
+                          <m:r>
+                            <a:rPr lang="en-US" altLang="ja-JP" sz="2800" i="1">
+                              <a:latin typeface="Cambria Math" panose="02040503050406030204" pitchFamily="18" charset="0"/>
+                            </a:rPr>
+                            <m:t>𝜕</m:t>
+                          </m:r>
+                          <m:r>
+                            <a:rPr lang="en-US" altLang="ja-JP" sz="2800" b="0" i="1" smtClean="0">
+                              <a:latin typeface="Cambria Math" panose="02040503050406030204" pitchFamily="18" charset="0"/>
+                            </a:rPr>
+                            <m:t>𝑌</m:t>
+                          </m:r>
+                        </m:num>
+                        <m:den>
+                          <m:r>
+                            <a:rPr lang="en-US" altLang="ja-JP" sz="2800" i="1">
+                              <a:latin typeface="Cambria Math" panose="02040503050406030204" pitchFamily="18" charset="0"/>
+                            </a:rPr>
+                            <m:t>𝜕</m:t>
+                          </m:r>
+                          <m:r>
+                            <a:rPr lang="en-US" altLang="ja-JP" sz="2800" b="0" i="1" smtClean="0">
+                              <a:latin typeface="Cambria Math" panose="02040503050406030204" pitchFamily="18" charset="0"/>
+                            </a:rPr>
+                            <m:t>𝑄</m:t>
+                          </m:r>
+                        </m:den>
+                      </m:f>
+                      <m:f>
+                        <m:fPr>
+                          <m:ctrlPr>
+                            <a:rPr lang="en-US" altLang="ja-JP" sz="2800" i="1">
+                              <a:latin typeface="Cambria Math" panose="02040503050406030204" pitchFamily="18" charset="0"/>
+                            </a:rPr>
+                          </m:ctrlPr>
+                        </m:fPr>
+                        <m:num>
+                          <m:r>
+                            <a:rPr lang="en-US" altLang="ja-JP" sz="2800" i="1">
+                              <a:latin typeface="Cambria Math" panose="02040503050406030204" pitchFamily="18" charset="0"/>
+                            </a:rPr>
+                            <m:t>𝜕</m:t>
+                          </m:r>
+                          <m:r>
+                            <a:rPr lang="en-US" altLang="ja-JP" sz="2800" b="0" i="1" smtClean="0">
+                              <a:latin typeface="Cambria Math" panose="02040503050406030204" pitchFamily="18" charset="0"/>
+                            </a:rPr>
+                            <m:t>𝑄</m:t>
+                          </m:r>
+                        </m:num>
+                        <m:den>
+                          <m:r>
+                            <a:rPr lang="en-US" altLang="ja-JP" sz="2800" i="1">
+                              <a:latin typeface="Cambria Math" panose="02040503050406030204" pitchFamily="18" charset="0"/>
+                            </a:rPr>
+                            <m:t>𝜕</m:t>
+                          </m:r>
+                          <m:r>
+                            <a:rPr lang="en-US" altLang="ja-JP" sz="2800" b="0" i="1" smtClean="0">
+                              <a:latin typeface="Cambria Math" panose="02040503050406030204" pitchFamily="18" charset="0"/>
+                            </a:rPr>
+                            <m:t>𝑝</m:t>
+                          </m:r>
+                        </m:den>
+                      </m:f>
+                      <m:r>
+                        <a:rPr lang="en-US" altLang="ja-JP" sz="2800" b="0" i="1" smtClean="0">
+                          <a:latin typeface="Cambria Math" panose="02040503050406030204" pitchFamily="18" charset="0"/>
+                        </a:rPr>
+                        <m:t>+</m:t>
+                      </m:r>
+                      <m:f>
+                        <m:fPr>
+                          <m:ctrlPr>
+                            <a:rPr lang="en-US" altLang="ja-JP" sz="2800" i="1">
+                              <a:latin typeface="Cambria Math" panose="02040503050406030204" pitchFamily="18" charset="0"/>
+                            </a:rPr>
+                          </m:ctrlPr>
+                        </m:fPr>
+                        <m:num>
+                          <m:r>
+                            <a:rPr lang="en-US" altLang="ja-JP" sz="2800" i="1">
+                              <a:latin typeface="Cambria Math" panose="02040503050406030204" pitchFamily="18" charset="0"/>
+                            </a:rPr>
+                            <m:t>𝜕</m:t>
+                          </m:r>
+                          <m:r>
+                            <a:rPr lang="en-US" altLang="ja-JP" sz="2800" b="0" i="1" smtClean="0">
+                              <a:latin typeface="Cambria Math" panose="02040503050406030204" pitchFamily="18" charset="0"/>
+                            </a:rPr>
+                            <m:t>𝑌</m:t>
+                          </m:r>
+                        </m:num>
+                        <m:den>
+                          <m:r>
+                            <a:rPr lang="en-US" altLang="ja-JP" sz="2800" i="1">
+                              <a:latin typeface="Cambria Math" panose="02040503050406030204" pitchFamily="18" charset="0"/>
+                            </a:rPr>
+                            <m:t>𝜕</m:t>
+                          </m:r>
+                          <m:r>
+                            <a:rPr lang="en-US" altLang="ja-JP" sz="2800" b="0" i="1" smtClean="0">
+                              <a:latin typeface="Cambria Math" panose="02040503050406030204" pitchFamily="18" charset="0"/>
+                            </a:rPr>
+                            <m:t>𝑃</m:t>
+                          </m:r>
+                        </m:den>
+                      </m:f>
+                      <m:f>
+                        <m:fPr>
+                          <m:ctrlPr>
+                            <a:rPr lang="en-US" altLang="ja-JP" sz="2800" i="1">
+                              <a:latin typeface="Cambria Math" panose="02040503050406030204" pitchFamily="18" charset="0"/>
+                            </a:rPr>
+                          </m:ctrlPr>
+                        </m:fPr>
+                        <m:num>
+                          <m:r>
+                            <a:rPr lang="en-US" altLang="ja-JP" sz="2800" i="1">
+                              <a:latin typeface="Cambria Math" panose="02040503050406030204" pitchFamily="18" charset="0"/>
+                            </a:rPr>
+                            <m:t>𝜕</m:t>
+                          </m:r>
+                          <m:r>
+                            <a:rPr lang="en-US" altLang="ja-JP" sz="2800" b="0" i="1" smtClean="0">
+                              <a:latin typeface="Cambria Math" panose="02040503050406030204" pitchFamily="18" charset="0"/>
+                            </a:rPr>
+                            <m:t>𝑃</m:t>
+                          </m:r>
+                        </m:num>
+                        <m:den>
+                          <m:r>
+                            <a:rPr lang="en-US" altLang="ja-JP" sz="2800" i="1">
+                              <a:latin typeface="Cambria Math" panose="02040503050406030204" pitchFamily="18" charset="0"/>
+                            </a:rPr>
+                            <m:t>𝜕</m:t>
+                          </m:r>
+                          <m:r>
+                            <a:rPr lang="en-US" altLang="ja-JP" sz="2800" b="0" i="1" smtClean="0">
+                              <a:latin typeface="Cambria Math" panose="02040503050406030204" pitchFamily="18" charset="0"/>
+                            </a:rPr>
+                            <m:t>𝑝</m:t>
+                          </m:r>
+                        </m:den>
+                      </m:f>
+                    </m:oMath>
+                  </m:oMathPara>
+                </a14:m>
+                <a:endParaRPr kumimoji="1" lang="ja-JP" altLang="en-US" sz="2800"/>
+              </a:p>
+            </p:txBody>
+          </p:sp>
+        </mc:Choice>
+        <mc:Fallback>
+          <p:sp>
+            <p:nvSpPr>
+              <p:cNvPr id="7" name="テキスト ボックス 6">
+                <a:extLst>
+                  <a:ext uri="{FF2B5EF4-FFF2-40B4-BE49-F238E27FC236}">
+                    <a16:creationId xmlns:a16="http://schemas.microsoft.com/office/drawing/2014/main" id="{4BEE771C-B819-6049-8A1A-C40347098A9D}"/>
+                  </a:ext>
+                </a:extLst>
+              </p:cNvPr>
+              <p:cNvSpPr txBox="1">
+                <a:spLocks noRot="1" noChangeAspect="1" noMove="1" noResize="1" noEditPoints="1" noAdjustHandles="1" noChangeArrowheads="1" noChangeShapeType="1" noTextEdit="1"/>
+              </p:cNvSpPr>
+              <p:nvPr/>
+            </p:nvSpPr>
+            <p:spPr>
+              <a:xfrm>
+                <a:off x="971600" y="5445224"/>
+                <a:ext cx="3331360" cy="891783"/>
+              </a:xfrm>
+              <a:prstGeom prst="rect">
+                <a:avLst/>
+              </a:prstGeom>
+              <a:blipFill>
+                <a:blip r:embed="rId4"/>
+                <a:stretch>
+                  <a:fillRect/>
+                </a:stretch>
+              </a:blipFill>
+            </p:spPr>
+            <p:txBody>
+              <a:bodyPr/>
+              <a:lstStyle/>
+              <a:p>
+                <a:r>
+                  <a:rPr lang="ja-JP" altLang="en-US">
+                    <a:noFill/>
+                  </a:rPr>
+                  <a:t> </a:t>
+                </a:r>
+              </a:p>
+            </p:txBody>
+          </p:sp>
+        </mc:Fallback>
+      </mc:AlternateContent>
+      <p:sp>
+        <p:nvSpPr>
+          <p:cNvPr id="8" name="テキスト ボックス 7">
+            <a:extLst>
+              <a:ext uri="{FF2B5EF4-FFF2-40B4-BE49-F238E27FC236}">
+                <a16:creationId xmlns:a16="http://schemas.microsoft.com/office/drawing/2014/main" id="{8F8B1750-FBD4-C3F5-1B93-AFD184C04D54}"/>
+              </a:ext>
+            </a:extLst>
+          </p:cNvPr>
+          <p:cNvSpPr txBox="1"/>
+          <p:nvPr/>
+        </p:nvSpPr>
+        <p:spPr>
+          <a:xfrm>
+            <a:off x="467544" y="3212976"/>
+            <a:ext cx="4275529" cy="523220"/>
+          </a:xfrm>
+          <a:prstGeom prst="rect">
+            <a:avLst/>
+          </a:prstGeom>
+          <a:noFill/>
+        </p:spPr>
+        <p:txBody>
+          <a:bodyPr wrap="none" rtlCol="0">
+            <a:spAutoFit/>
+          </a:bodyPr>
+          <a:lstStyle/>
+          <a:p>
+            <a:r>
+              <a:rPr lang="ja-JP" altLang="en-US" sz="2800"/>
+              <a:t>それぞれ</a:t>
+            </a:r>
+            <a:r>
+              <a:rPr lang="en-US" altLang="ja-JP" sz="2800"/>
+              <a:t>q,p</a:t>
+            </a:r>
+            <a:r>
+              <a:rPr lang="ja-JP" altLang="en-US" sz="2800"/>
+              <a:t>で微分すると</a:t>
+            </a:r>
+            <a:endParaRPr kumimoji="1" lang="ja-JP" altLang="en-US" sz="2800"/>
+          </a:p>
+        </p:txBody>
+      </p:sp>
+    </p:spTree>
+    <p:extLst>
+      <p:ext uri="{BB962C8B-B14F-4D97-AF65-F5344CB8AC3E}">
+        <p14:creationId xmlns:p14="http://schemas.microsoft.com/office/powerpoint/2010/main" val="255355968"/>
       </p:ext>
     </p:extLst>
   </p:cSld>

--- a/poisson/fig/slide.pptx
+++ b/poisson/fig/slide.pptx
@@ -5,7 +5,7 @@
     <p:sldMasterId id="2147483663" r:id="rId1"/>
   </p:sldMasterIdLst>
   <p:notesMasterIdLst>
-    <p:notesMasterId r:id="rId14"/>
+    <p:notesMasterId r:id="rId18"/>
   </p:notesMasterIdLst>
   <p:sldIdLst>
     <p:sldId id="256" r:id="rId2"/>
@@ -20,6 +20,10 @@
     <p:sldId id="269" r:id="rId11"/>
     <p:sldId id="270" r:id="rId12"/>
     <p:sldId id="271" r:id="rId13"/>
+    <p:sldId id="272" r:id="rId14"/>
+    <p:sldId id="273" r:id="rId15"/>
+    <p:sldId id="275" r:id="rId16"/>
+    <p:sldId id="274" r:id="rId17"/>
   </p:sldIdLst>
   <p:sldSz cx="9144000" cy="6858000" type="screen4x3"/>
   <p:notesSz cx="6858000" cy="9144000"/>
@@ -1350,8 +1354,8 @@
           </a:p>
         </p:txBody>
       </p:sp>
-      <mc:AlternateContent xmlns:mc="http://schemas.openxmlformats.org/markup-compatibility/2006">
-        <mc:Choice xmlns:a14="http://schemas.microsoft.com/office/drawing/2010/main" Requires="a14">
+      <mc:AlternateContent xmlns:mc="http://schemas.openxmlformats.org/markup-compatibility/2006" xmlns:a14="http://schemas.microsoft.com/office/drawing/2010/main">
+        <mc:Choice Requires="a14">
           <p:sp>
             <p:nvSpPr>
               <p:cNvPr id="5" name="テキスト ボックス 4">
@@ -1380,6 +1384,7 @@
               </a:bodyPr>
               <a:lstStyle/>
               <a:p>
+                <a:pPr/>
                 <a14:m>
                   <m:oMathPara xmlns:m="http://schemas.openxmlformats.org/officeDocument/2006/math">
                     <m:oMathParaPr>
@@ -1804,7 +1809,7 @@
             </p:txBody>
           </p:sp>
         </mc:Choice>
-        <mc:Fallback>
+        <mc:Fallback xmlns="">
           <p:sp>
             <p:nvSpPr>
               <p:cNvPr id="5" name="テキスト ボックス 4">
@@ -1849,8 +1854,8 @@
           </p:sp>
         </mc:Fallback>
       </mc:AlternateContent>
-      <mc:AlternateContent xmlns:mc="http://schemas.openxmlformats.org/markup-compatibility/2006">
-        <mc:Choice xmlns:a14="http://schemas.microsoft.com/office/drawing/2010/main" Requires="a14">
+      <mc:AlternateContent xmlns:mc="http://schemas.openxmlformats.org/markup-compatibility/2006" xmlns:a14="http://schemas.microsoft.com/office/drawing/2010/main">
+        <mc:Choice Requires="a14">
           <p:sp>
             <p:nvSpPr>
               <p:cNvPr id="6" name="テキスト ボックス 5">
@@ -1879,6 +1884,7 @@
               </a:bodyPr>
               <a:lstStyle/>
               <a:p>
+                <a:pPr/>
                 <a14:m>
                   <m:oMathPara xmlns:m="http://schemas.openxmlformats.org/officeDocument/2006/math">
                     <m:oMathParaPr>
@@ -2201,7 +2207,7 @@
             </p:txBody>
           </p:sp>
         </mc:Choice>
-        <mc:Fallback>
+        <mc:Fallback xmlns="">
           <p:sp>
             <p:nvSpPr>
               <p:cNvPr id="6" name="テキスト ボックス 5">
@@ -2246,8 +2252,8 @@
           </p:sp>
         </mc:Fallback>
       </mc:AlternateContent>
-      <mc:AlternateContent xmlns:mc="http://schemas.openxmlformats.org/markup-compatibility/2006">
-        <mc:Choice xmlns:a14="http://schemas.microsoft.com/office/drawing/2010/main" Requires="a14">
+      <mc:AlternateContent xmlns:mc="http://schemas.openxmlformats.org/markup-compatibility/2006" xmlns:a14="http://schemas.microsoft.com/office/drawing/2010/main">
+        <mc:Choice Requires="a14">
           <p:sp>
             <p:nvSpPr>
               <p:cNvPr id="7" name="テキスト ボックス 6">
@@ -2276,6 +2282,7 @@
               </a:bodyPr>
               <a:lstStyle/>
               <a:p>
+                <a:pPr/>
                 <a14:m>
                   <m:oMathPara xmlns:m="http://schemas.openxmlformats.org/officeDocument/2006/math">
                     <m:oMathParaPr>
@@ -2598,7 +2605,7 @@
             </p:txBody>
           </p:sp>
         </mc:Choice>
-        <mc:Fallback>
+        <mc:Fallback xmlns="">
           <p:sp>
             <p:nvSpPr>
               <p:cNvPr id="7" name="テキスト ボックス 6">
@@ -2747,8 +2754,8 @@
           </a:p>
         </p:txBody>
       </p:sp>
-      <mc:AlternateContent xmlns:mc="http://schemas.openxmlformats.org/markup-compatibility/2006">
-        <mc:Choice xmlns:a14="http://schemas.microsoft.com/office/drawing/2010/main" Requires="a14">
+      <mc:AlternateContent xmlns:mc="http://schemas.openxmlformats.org/markup-compatibility/2006" xmlns:a14="http://schemas.microsoft.com/office/drawing/2010/main">
+        <mc:Choice Requires="a14">
           <p:sp>
             <p:nvSpPr>
               <p:cNvPr id="11" name="テキスト ボックス 10">
@@ -2866,7 +2873,7 @@
             </p:txBody>
           </p:sp>
         </mc:Choice>
-        <mc:Fallback>
+        <mc:Fallback xmlns="">
           <p:sp>
             <p:nvSpPr>
               <p:cNvPr id="11" name="テキスト ボックス 10">
@@ -3006,8 +3013,8 @@
           </a:p>
         </p:txBody>
       </p:sp>
-      <mc:AlternateContent xmlns:mc="http://schemas.openxmlformats.org/markup-compatibility/2006">
-        <mc:Choice xmlns:a14="http://schemas.microsoft.com/office/drawing/2010/main" Requires="a14">
+      <mc:AlternateContent xmlns:mc="http://schemas.openxmlformats.org/markup-compatibility/2006" xmlns:a14="http://schemas.microsoft.com/office/drawing/2010/main">
+        <mc:Choice Requires="a14">
           <p:sp>
             <p:nvSpPr>
               <p:cNvPr id="4" name="テキスト ボックス 3">
@@ -3036,6 +3043,7 @@
               </a:bodyPr>
               <a:lstStyle/>
               <a:p>
+                <a:pPr/>
                 <a14:m>
                   <m:oMathPara xmlns:m="http://schemas.openxmlformats.org/officeDocument/2006/math">
                     <m:oMathParaPr>
@@ -3358,7 +3366,7 @@
             </p:txBody>
           </p:sp>
         </mc:Choice>
-        <mc:Fallback>
+        <mc:Fallback xmlns="">
           <p:sp>
             <p:nvSpPr>
               <p:cNvPr id="4" name="テキスト ボックス 3">
@@ -3403,8 +3411,8 @@
           </p:sp>
         </mc:Fallback>
       </mc:AlternateContent>
-      <mc:AlternateContent xmlns:mc="http://schemas.openxmlformats.org/markup-compatibility/2006">
-        <mc:Choice xmlns:a14="http://schemas.microsoft.com/office/drawing/2010/main" Requires="a14">
+      <mc:AlternateContent xmlns:mc="http://schemas.openxmlformats.org/markup-compatibility/2006" xmlns:a14="http://schemas.microsoft.com/office/drawing/2010/main">
+        <mc:Choice Requires="a14">
           <p:sp>
             <p:nvSpPr>
               <p:cNvPr id="5" name="テキスト ボックス 4">
@@ -3433,6 +3441,7 @@
               </a:bodyPr>
               <a:lstStyle/>
               <a:p>
+                <a:pPr/>
                 <a14:m>
                   <m:oMathPara xmlns:m="http://schemas.openxmlformats.org/officeDocument/2006/math">
                     <m:oMathParaPr>
@@ -3443,7 +3452,7 @@
                         <a:rPr lang="en-US" altLang="ja-JP" sz="2400" i="1" smtClean="0">
                           <a:latin typeface="Cambria Math" panose="02040503050406030204" pitchFamily="18" charset="0"/>
                         </a:rPr>
-                        <m:t>-</m:t>
+                        <m:t>−</m:t>
                       </m:r>
                       <m:f>
                         <m:fPr>
@@ -3755,7 +3764,7 @@
             </p:txBody>
           </p:sp>
         </mc:Choice>
-        <mc:Fallback>
+        <mc:Fallback xmlns="">
           <p:sp>
             <p:nvSpPr>
               <p:cNvPr id="5" name="テキスト ボックス 4">
@@ -3800,8 +3809,8 @@
           </p:sp>
         </mc:Fallback>
       </mc:AlternateContent>
-      <mc:AlternateContent xmlns:mc="http://schemas.openxmlformats.org/markup-compatibility/2006">
-        <mc:Choice xmlns:a14="http://schemas.microsoft.com/office/drawing/2010/main" Requires="a14">
+      <mc:AlternateContent xmlns:mc="http://schemas.openxmlformats.org/markup-compatibility/2006" xmlns:a14="http://schemas.microsoft.com/office/drawing/2010/main">
+        <mc:Choice Requires="a14">
           <p:sp>
             <p:nvSpPr>
               <p:cNvPr id="6" name="テキスト ボックス 5">
@@ -3830,6 +3839,7 @@
               </a:bodyPr>
               <a:lstStyle/>
               <a:p>
+                <a:pPr/>
                 <a14:m>
                   <m:oMathPara xmlns:m="http://schemas.openxmlformats.org/officeDocument/2006/math">
                     <m:oMathParaPr>
@@ -4089,7 +4099,7 @@
             </p:txBody>
           </p:sp>
         </mc:Choice>
-        <mc:Fallback>
+        <mc:Fallback xmlns="">
           <p:sp>
             <p:nvSpPr>
               <p:cNvPr id="6" name="テキスト ボックス 5">
@@ -4134,8 +4144,8 @@
           </p:sp>
         </mc:Fallback>
       </mc:AlternateContent>
-      <mc:AlternateContent xmlns:mc="http://schemas.openxmlformats.org/markup-compatibility/2006">
-        <mc:Choice xmlns:a14="http://schemas.microsoft.com/office/drawing/2010/main" Requires="a14">
+      <mc:AlternateContent xmlns:mc="http://schemas.openxmlformats.org/markup-compatibility/2006" xmlns:a14="http://schemas.microsoft.com/office/drawing/2010/main">
+        <mc:Choice Requires="a14">
           <p:sp>
             <p:nvSpPr>
               <p:cNvPr id="7" name="テキスト ボックス 6">
@@ -4401,7 +4411,7 @@
             </p:txBody>
           </p:sp>
         </mc:Choice>
-        <mc:Fallback>
+        <mc:Fallback xmlns="">
           <p:sp>
             <p:nvSpPr>
               <p:cNvPr id="7" name="テキスト ボックス 6">
@@ -4446,8 +4456,8 @@
           </p:sp>
         </mc:Fallback>
       </mc:AlternateContent>
-      <mc:AlternateContent xmlns:mc="http://schemas.openxmlformats.org/markup-compatibility/2006">
-        <mc:Choice xmlns:a14="http://schemas.microsoft.com/office/drawing/2010/main" Requires="a14">
+      <mc:AlternateContent xmlns:mc="http://schemas.openxmlformats.org/markup-compatibility/2006" xmlns:a14="http://schemas.microsoft.com/office/drawing/2010/main">
+        <mc:Choice Requires="a14">
           <p:sp>
             <p:nvSpPr>
               <p:cNvPr id="8" name="テキスト ボックス 7">
@@ -4476,6 +4486,7 @@
               </a:bodyPr>
               <a:lstStyle/>
               <a:p>
+                <a:pPr/>
                 <a14:m>
                   <m:oMathPara xmlns:m="http://schemas.openxmlformats.org/officeDocument/2006/math">
                     <m:oMathParaPr>
@@ -4735,7 +4746,7 @@
             </p:txBody>
           </p:sp>
         </mc:Choice>
-        <mc:Fallback>
+        <mc:Fallback xmlns="">
           <p:sp>
             <p:nvSpPr>
               <p:cNvPr id="8" name="テキスト ボックス 7">
@@ -4931,8 +4942,8 @@
           </a:p>
         </p:txBody>
       </p:sp>
-      <mc:AlternateContent xmlns:mc="http://schemas.openxmlformats.org/markup-compatibility/2006">
-        <mc:Choice xmlns:a14="http://schemas.microsoft.com/office/drawing/2010/main" Requires="a14">
+      <mc:AlternateContent xmlns:mc="http://schemas.openxmlformats.org/markup-compatibility/2006" xmlns:a14="http://schemas.microsoft.com/office/drawing/2010/main">
+        <mc:Choice Requires="a14">
           <p:sp>
             <p:nvSpPr>
               <p:cNvPr id="14" name="テキスト ボックス 13">
@@ -5204,7 +5215,7 @@
             </p:txBody>
           </p:sp>
         </mc:Choice>
-        <mc:Fallback>
+        <mc:Fallback xmlns="">
           <p:sp>
             <p:nvSpPr>
               <p:cNvPr id="14" name="テキスト ボックス 13">
@@ -5362,7 +5373,7 @@
             </p:nvSpPr>
             <p:spPr>
               <a:xfrm>
-                <a:off x="683568" y="2276872"/>
+                <a:off x="755576" y="2276872"/>
                 <a:ext cx="7272808" cy="821700"/>
               </a:xfrm>
               <a:prstGeom prst="rect">
@@ -5575,7 +5586,7 @@
             </p:nvSpPr>
             <p:spPr>
               <a:xfrm>
-                <a:off x="683568" y="2276872"/>
+                <a:off x="755576" y="2276872"/>
                 <a:ext cx="7272808" cy="821700"/>
               </a:xfrm>
               <a:prstGeom prst="rect">
@@ -5603,10 +5614,4999 @@
           </p:sp>
         </mc:Fallback>
       </mc:AlternateContent>
+      <p:sp>
+        <p:nvSpPr>
+          <p:cNvPr id="5" name="テキスト ボックス 4">
+            <a:extLst>
+              <a:ext uri="{FF2B5EF4-FFF2-40B4-BE49-F238E27FC236}">
+                <a16:creationId xmlns:a16="http://schemas.microsoft.com/office/drawing/2014/main" id="{48524DB1-1FCE-DE8F-9223-B594B81FB4E6}"/>
+              </a:ext>
+            </a:extLst>
+          </p:cNvPr>
+          <p:cNvSpPr txBox="1"/>
+          <p:nvPr/>
+        </p:nvSpPr>
+        <p:spPr>
+          <a:xfrm>
+            <a:off x="539552" y="3573016"/>
+            <a:ext cx="7622600" cy="400110"/>
+          </a:xfrm>
+          <a:prstGeom prst="rect">
+            <a:avLst/>
+          </a:prstGeom>
+          <a:noFill/>
+        </p:spPr>
+        <p:txBody>
+          <a:bodyPr wrap="none" rtlCol="0">
+            <a:spAutoFit/>
+          </a:bodyPr>
+          <a:lstStyle/>
+          <a:p>
+            <a:r>
+              <a:rPr kumimoji="1" lang="ja-JP" altLang="en-US" sz="2000"/>
+              <a:t>したがって、「どの局所座標を使ったか」を表記する必要はない</a:t>
+            </a:r>
+          </a:p>
+        </p:txBody>
+      </p:sp>
+      <p:sp>
+        <p:nvSpPr>
+          <p:cNvPr id="6" name="四角形: 角を丸くする 5">
+            <a:extLst>
+              <a:ext uri="{FF2B5EF4-FFF2-40B4-BE49-F238E27FC236}">
+                <a16:creationId xmlns:a16="http://schemas.microsoft.com/office/drawing/2014/main" id="{EBC2E5B0-FD20-434E-5C51-3097E084CB1F}"/>
+              </a:ext>
+            </a:extLst>
+          </p:cNvPr>
+          <p:cNvSpPr/>
+          <p:nvPr/>
+        </p:nvSpPr>
+        <p:spPr>
+          <a:xfrm>
+            <a:off x="2267744" y="2708920"/>
+            <a:ext cx="792088" cy="432048"/>
+          </a:xfrm>
+          <a:prstGeom prst="roundRect">
+            <a:avLst/>
+          </a:prstGeom>
+          <a:noFill/>
+          <a:ln>
+            <a:solidFill>
+              <a:srgbClr val="FF0000"/>
+            </a:solidFill>
+          </a:ln>
+        </p:spPr>
+        <p:style>
+          <a:lnRef idx="2">
+            <a:schemeClr val="accent1">
+              <a:shade val="50000"/>
+            </a:schemeClr>
+          </a:lnRef>
+          <a:fillRef idx="1">
+            <a:schemeClr val="accent1"/>
+          </a:fillRef>
+          <a:effectRef idx="0">
+            <a:schemeClr val="accent1"/>
+          </a:effectRef>
+          <a:fontRef idx="minor">
+            <a:schemeClr val="lt1"/>
+          </a:fontRef>
+        </p:style>
+        <p:txBody>
+          <a:bodyPr rtlCol="0" anchor="ctr"/>
+          <a:lstStyle/>
+          <a:p>
+            <a:pPr algn="ctr"/>
+            <a:endParaRPr kumimoji="1" lang="ja-JP" altLang="en-US"/>
+          </a:p>
+        </p:txBody>
+      </p:sp>
+      <p:sp>
+        <p:nvSpPr>
+          <p:cNvPr id="7" name="四角形: 角を丸くする 6">
+            <a:extLst>
+              <a:ext uri="{FF2B5EF4-FFF2-40B4-BE49-F238E27FC236}">
+                <a16:creationId xmlns:a16="http://schemas.microsoft.com/office/drawing/2014/main" id="{FE68122E-06D8-5D26-9FCD-3296E972B0BF}"/>
+              </a:ext>
+            </a:extLst>
+          </p:cNvPr>
+          <p:cNvSpPr/>
+          <p:nvPr/>
+        </p:nvSpPr>
+        <p:spPr>
+          <a:xfrm>
+            <a:off x="5004048" y="2636912"/>
+            <a:ext cx="792088" cy="432048"/>
+          </a:xfrm>
+          <a:prstGeom prst="roundRect">
+            <a:avLst/>
+          </a:prstGeom>
+          <a:noFill/>
+          <a:ln>
+            <a:solidFill>
+              <a:srgbClr val="FF0000"/>
+            </a:solidFill>
+          </a:ln>
+        </p:spPr>
+        <p:style>
+          <a:lnRef idx="2">
+            <a:schemeClr val="accent1">
+              <a:shade val="50000"/>
+            </a:schemeClr>
+          </a:lnRef>
+          <a:fillRef idx="1">
+            <a:schemeClr val="accent1"/>
+          </a:fillRef>
+          <a:effectRef idx="0">
+            <a:schemeClr val="accent1"/>
+          </a:effectRef>
+          <a:fontRef idx="minor">
+            <a:schemeClr val="lt1"/>
+          </a:fontRef>
+        </p:style>
+        <p:txBody>
+          <a:bodyPr rtlCol="0" anchor="ctr"/>
+          <a:lstStyle/>
+          <a:p>
+            <a:pPr algn="ctr"/>
+            <a:endParaRPr kumimoji="1" lang="ja-JP" altLang="en-US"/>
+          </a:p>
+        </p:txBody>
+      </p:sp>
     </p:spTree>
     <p:extLst>
       <p:ext uri="{BB962C8B-B14F-4D97-AF65-F5344CB8AC3E}">
         <p14:creationId xmlns:p14="http://schemas.microsoft.com/office/powerpoint/2010/main" val="1052819594"/>
+      </p:ext>
+    </p:extLst>
+  </p:cSld>
+  <p:clrMapOvr>
+    <a:masterClrMapping/>
+  </p:clrMapOvr>
+</p:sld>
+</file>
+
+<file path=ppt/slides/slide13.xml><?xml version="1.0" encoding="utf-8"?>
+<p:sld xmlns:a="http://schemas.openxmlformats.org/drawingml/2006/main" xmlns:r="http://schemas.openxmlformats.org/officeDocument/2006/relationships" xmlns:p="http://schemas.openxmlformats.org/presentationml/2006/main">
+  <p:cSld>
+    <p:spTree>
+      <p:nvGrpSpPr>
+        <p:cNvPr id="1" name=""/>
+        <p:cNvGrpSpPr/>
+        <p:nvPr/>
+      </p:nvGrpSpPr>
+      <p:grpSpPr>
+        <a:xfrm>
+          <a:off x="0" y="0"/>
+          <a:ext cx="0" cy="0"/>
+          <a:chOff x="0" y="0"/>
+          <a:chExt cx="0" cy="0"/>
+        </a:xfrm>
+      </p:grpSpPr>
+      <p:sp>
+        <p:nvSpPr>
+          <p:cNvPr id="2" name="テキスト プレースホルダー 1">
+            <a:extLst>
+              <a:ext uri="{FF2B5EF4-FFF2-40B4-BE49-F238E27FC236}">
+                <a16:creationId xmlns:a16="http://schemas.microsoft.com/office/drawing/2014/main" id="{A15945E0-732C-19CB-B170-E267B14089AA}"/>
+              </a:ext>
+            </a:extLst>
+          </p:cNvPr>
+          <p:cNvSpPr>
+            <a:spLocks noGrp="1"/>
+          </p:cNvSpPr>
+          <p:nvPr>
+            <p:ph type="body" sz="quarter" idx="10"/>
+          </p:nvPr>
+        </p:nvSpPr>
+        <p:spPr/>
+        <p:txBody>
+          <a:bodyPr/>
+          <a:lstStyle/>
+          <a:p>
+            <a:r>
+              <a:rPr lang="ja-JP" altLang="en-US"/>
+              <a:t>多</a:t>
+            </a:r>
+            <a:r>
+              <a:rPr kumimoji="1" lang="ja-JP" altLang="en-US"/>
+              <a:t>自由度系の場合</a:t>
+            </a:r>
+          </a:p>
+        </p:txBody>
+      </p:sp>
+      <mc:AlternateContent xmlns:mc="http://schemas.openxmlformats.org/markup-compatibility/2006">
+        <mc:Choice xmlns:a14="http://schemas.microsoft.com/office/drawing/2010/main" Requires="a14">
+          <p:sp>
+            <p:nvSpPr>
+              <p:cNvPr id="3" name="テキスト ボックス 2">
+                <a:extLst>
+                  <a:ext uri="{FF2B5EF4-FFF2-40B4-BE49-F238E27FC236}">
+                    <a16:creationId xmlns:a16="http://schemas.microsoft.com/office/drawing/2014/main" id="{CAB86FAA-2417-184E-757D-80E16E52C9E7}"/>
+                  </a:ext>
+                </a:extLst>
+              </p:cNvPr>
+              <p:cNvSpPr txBox="1"/>
+              <p:nvPr/>
+            </p:nvSpPr>
+            <p:spPr>
+              <a:xfrm>
+                <a:off x="3203848" y="1340768"/>
+                <a:ext cx="5544616" cy="1146661"/>
+              </a:xfrm>
+              <a:prstGeom prst="rect">
+                <a:avLst/>
+              </a:prstGeom>
+              <a:noFill/>
+            </p:spPr>
+            <p:txBody>
+              <a:bodyPr wrap="square" lIns="0" tIns="0" rIns="0" bIns="0" rtlCol="0">
+                <a:spAutoFit/>
+              </a:bodyPr>
+              <a:lstStyle/>
+              <a:p>
+                <a:pPr/>
+                <a14:m>
+                  <m:oMathPara xmlns:m="http://schemas.openxmlformats.org/officeDocument/2006/math">
+                    <m:oMathParaPr>
+                      <m:jc m:val="centerGroup"/>
+                    </m:oMathParaPr>
+                    <m:oMath xmlns:m="http://schemas.openxmlformats.org/officeDocument/2006/math">
+                      <m:d>
+                        <m:dPr>
+                          <m:begChr m:val="{"/>
+                          <m:endChr m:val="}"/>
+                          <m:ctrlPr>
+                            <a:rPr kumimoji="1" lang="en-US" altLang="ja-JP" sz="3600" b="0" i="1" smtClean="0">
+                              <a:latin typeface="Cambria Math" panose="02040503050406030204" pitchFamily="18" charset="0"/>
+                            </a:rPr>
+                          </m:ctrlPr>
+                        </m:dPr>
+                        <m:e>
+                          <m:r>
+                            <a:rPr kumimoji="1" lang="en-US" altLang="ja-JP" sz="3600" b="0" i="1" smtClean="0">
+                              <a:latin typeface="Cambria Math" panose="02040503050406030204" pitchFamily="18" charset="0"/>
+                            </a:rPr>
+                            <m:t>𝑋</m:t>
+                          </m:r>
+                          <m:r>
+                            <a:rPr kumimoji="1" lang="en-US" altLang="ja-JP" sz="3600" b="0" i="1" smtClean="0">
+                              <a:latin typeface="Cambria Math" panose="02040503050406030204" pitchFamily="18" charset="0"/>
+                            </a:rPr>
+                            <m:t>,</m:t>
+                          </m:r>
+                          <m:r>
+                            <a:rPr kumimoji="1" lang="en-US" altLang="ja-JP" sz="3600" b="0" i="1" smtClean="0">
+                              <a:latin typeface="Cambria Math" panose="02040503050406030204" pitchFamily="18" charset="0"/>
+                            </a:rPr>
+                            <m:t>𝑌</m:t>
+                          </m:r>
+                        </m:e>
+                      </m:d>
+                      <m:r>
+                        <a:rPr kumimoji="1" lang="en-US" altLang="ja-JP" sz="3600" b="0" i="1" smtClean="0">
+                          <a:latin typeface="Cambria Math" panose="02040503050406030204" pitchFamily="18" charset="0"/>
+                        </a:rPr>
+                        <m:t>=</m:t>
+                      </m:r>
+                      <m:f>
+                        <m:fPr>
+                          <m:ctrlPr>
+                            <a:rPr lang="en-US" altLang="ja-JP" sz="3600" i="1">
+                              <a:latin typeface="Cambria Math" panose="02040503050406030204" pitchFamily="18" charset="0"/>
+                            </a:rPr>
+                          </m:ctrlPr>
+                        </m:fPr>
+                        <m:num>
+                          <m:r>
+                            <a:rPr lang="en-US" altLang="ja-JP" sz="3600" i="1">
+                              <a:latin typeface="Cambria Math" panose="02040503050406030204" pitchFamily="18" charset="0"/>
+                            </a:rPr>
+                            <m:t>𝜕</m:t>
+                          </m:r>
+                          <m:r>
+                            <a:rPr lang="en-US" altLang="ja-JP" sz="3600" b="0" i="1" smtClean="0">
+                              <a:latin typeface="Cambria Math" panose="02040503050406030204" pitchFamily="18" charset="0"/>
+                            </a:rPr>
+                            <m:t>𝑋</m:t>
+                          </m:r>
+                        </m:num>
+                        <m:den>
+                          <m:r>
+                            <a:rPr lang="en-US" altLang="ja-JP" sz="3600" i="1">
+                              <a:latin typeface="Cambria Math" panose="02040503050406030204" pitchFamily="18" charset="0"/>
+                            </a:rPr>
+                            <m:t>𝜕</m:t>
+                          </m:r>
+                          <m:sSup>
+                            <m:sSupPr>
+                              <m:ctrlPr>
+                                <a:rPr lang="en-US" altLang="ja-JP" sz="3600" b="0" i="1" smtClean="0">
+                                  <a:latin typeface="Cambria Math" panose="02040503050406030204" pitchFamily="18" charset="0"/>
+                                </a:rPr>
+                              </m:ctrlPr>
+                            </m:sSupPr>
+                            <m:e>
+                              <m:r>
+                                <a:rPr lang="en-US" altLang="ja-JP" sz="3600" i="1">
+                                  <a:latin typeface="Cambria Math" panose="02040503050406030204" pitchFamily="18" charset="0"/>
+                                </a:rPr>
+                                <m:t>𝑞</m:t>
+                              </m:r>
+                            </m:e>
+                            <m:sup>
+                              <m:r>
+                                <a:rPr lang="en-US" altLang="ja-JP" sz="3600" b="0" i="1" smtClean="0">
+                                  <a:latin typeface="Cambria Math" panose="02040503050406030204" pitchFamily="18" charset="0"/>
+                                </a:rPr>
+                                <m:t>𝑖</m:t>
+                              </m:r>
+                            </m:sup>
+                          </m:sSup>
+                        </m:den>
+                      </m:f>
+                      <m:f>
+                        <m:fPr>
+                          <m:ctrlPr>
+                            <a:rPr lang="en-US" altLang="ja-JP" sz="3600" i="1">
+                              <a:latin typeface="Cambria Math" panose="02040503050406030204" pitchFamily="18" charset="0"/>
+                            </a:rPr>
+                          </m:ctrlPr>
+                        </m:fPr>
+                        <m:num>
+                          <m:r>
+                            <a:rPr lang="en-US" altLang="ja-JP" sz="3600" i="1">
+                              <a:latin typeface="Cambria Math" panose="02040503050406030204" pitchFamily="18" charset="0"/>
+                            </a:rPr>
+                            <m:t>𝜕</m:t>
+                          </m:r>
+                          <m:r>
+                            <a:rPr lang="en-US" altLang="ja-JP" sz="3600" b="0" i="1" smtClean="0">
+                              <a:latin typeface="Cambria Math" panose="02040503050406030204" pitchFamily="18" charset="0"/>
+                            </a:rPr>
+                            <m:t>𝑌</m:t>
+                          </m:r>
+                        </m:num>
+                        <m:den>
+                          <m:r>
+                            <a:rPr lang="en-US" altLang="ja-JP" sz="3600" i="1">
+                              <a:latin typeface="Cambria Math" panose="02040503050406030204" pitchFamily="18" charset="0"/>
+                            </a:rPr>
+                            <m:t>𝜕</m:t>
+                          </m:r>
+                          <m:sSub>
+                            <m:sSubPr>
+                              <m:ctrlPr>
+                                <a:rPr lang="en-US" altLang="ja-JP" sz="3600" b="0" i="1" smtClean="0">
+                                  <a:latin typeface="Cambria Math" panose="02040503050406030204" pitchFamily="18" charset="0"/>
+                                </a:rPr>
+                              </m:ctrlPr>
+                            </m:sSubPr>
+                            <m:e>
+                              <m:r>
+                                <a:rPr lang="en-US" altLang="ja-JP" sz="3600" b="0" i="1" smtClean="0">
+                                  <a:latin typeface="Cambria Math" panose="02040503050406030204" pitchFamily="18" charset="0"/>
+                                </a:rPr>
+                                <m:t>𝑝</m:t>
+                              </m:r>
+                            </m:e>
+                            <m:sub>
+                              <m:r>
+                                <a:rPr lang="en-US" altLang="ja-JP" sz="3600" b="0" i="1" smtClean="0">
+                                  <a:latin typeface="Cambria Math" panose="02040503050406030204" pitchFamily="18" charset="0"/>
+                                </a:rPr>
+                                <m:t>𝑖</m:t>
+                              </m:r>
+                            </m:sub>
+                          </m:sSub>
+                        </m:den>
+                      </m:f>
+                      <m:r>
+                        <a:rPr lang="en-US" altLang="ja-JP" sz="3600" b="0" i="1" smtClean="0">
+                          <a:latin typeface="Cambria Math" panose="02040503050406030204" pitchFamily="18" charset="0"/>
+                        </a:rPr>
+                        <m:t>−</m:t>
+                      </m:r>
+                      <m:f>
+                        <m:fPr>
+                          <m:ctrlPr>
+                            <a:rPr lang="en-US" altLang="ja-JP" sz="3600" i="1">
+                              <a:latin typeface="Cambria Math" panose="02040503050406030204" pitchFamily="18" charset="0"/>
+                            </a:rPr>
+                          </m:ctrlPr>
+                        </m:fPr>
+                        <m:num>
+                          <m:r>
+                            <a:rPr lang="en-US" altLang="ja-JP" sz="3600" i="1">
+                              <a:latin typeface="Cambria Math" panose="02040503050406030204" pitchFamily="18" charset="0"/>
+                            </a:rPr>
+                            <m:t>𝜕</m:t>
+                          </m:r>
+                          <m:r>
+                            <a:rPr lang="en-US" altLang="ja-JP" sz="3600" b="0" i="1" smtClean="0">
+                              <a:latin typeface="Cambria Math" panose="02040503050406030204" pitchFamily="18" charset="0"/>
+                            </a:rPr>
+                            <m:t>𝑋</m:t>
+                          </m:r>
+                        </m:num>
+                        <m:den>
+                          <m:r>
+                            <a:rPr lang="en-US" altLang="ja-JP" sz="3600" i="1">
+                              <a:latin typeface="Cambria Math" panose="02040503050406030204" pitchFamily="18" charset="0"/>
+                            </a:rPr>
+                            <m:t>𝜕</m:t>
+                          </m:r>
+                          <m:sSub>
+                            <m:sSubPr>
+                              <m:ctrlPr>
+                                <a:rPr lang="en-US" altLang="ja-JP" sz="3600" b="0" i="1" smtClean="0">
+                                  <a:latin typeface="Cambria Math" panose="02040503050406030204" pitchFamily="18" charset="0"/>
+                                </a:rPr>
+                              </m:ctrlPr>
+                            </m:sSubPr>
+                            <m:e>
+                              <m:r>
+                                <a:rPr lang="en-US" altLang="ja-JP" sz="3600" b="0" i="1" smtClean="0">
+                                  <a:latin typeface="Cambria Math" panose="02040503050406030204" pitchFamily="18" charset="0"/>
+                                </a:rPr>
+                                <m:t>𝑝</m:t>
+                              </m:r>
+                            </m:e>
+                            <m:sub>
+                              <m:r>
+                                <a:rPr lang="en-US" altLang="ja-JP" sz="3600" b="0" i="1" smtClean="0">
+                                  <a:latin typeface="Cambria Math" panose="02040503050406030204" pitchFamily="18" charset="0"/>
+                                </a:rPr>
+                                <m:t>𝑖</m:t>
+                              </m:r>
+                            </m:sub>
+                          </m:sSub>
+                        </m:den>
+                      </m:f>
+                      <m:f>
+                        <m:fPr>
+                          <m:ctrlPr>
+                            <a:rPr lang="en-US" altLang="ja-JP" sz="3600" i="1">
+                              <a:latin typeface="Cambria Math" panose="02040503050406030204" pitchFamily="18" charset="0"/>
+                            </a:rPr>
+                          </m:ctrlPr>
+                        </m:fPr>
+                        <m:num>
+                          <m:r>
+                            <a:rPr lang="en-US" altLang="ja-JP" sz="3600" i="1">
+                              <a:latin typeface="Cambria Math" panose="02040503050406030204" pitchFamily="18" charset="0"/>
+                            </a:rPr>
+                            <m:t>𝜕</m:t>
+                          </m:r>
+                          <m:r>
+                            <a:rPr lang="en-US" altLang="ja-JP" sz="3600" b="0" i="1" smtClean="0">
+                              <a:latin typeface="Cambria Math" panose="02040503050406030204" pitchFamily="18" charset="0"/>
+                            </a:rPr>
+                            <m:t>𝑌</m:t>
+                          </m:r>
+                        </m:num>
+                        <m:den>
+                          <m:r>
+                            <a:rPr lang="en-US" altLang="ja-JP" sz="3600" i="1">
+                              <a:latin typeface="Cambria Math" panose="02040503050406030204" pitchFamily="18" charset="0"/>
+                            </a:rPr>
+                            <m:t>𝜕</m:t>
+                          </m:r>
+                          <m:sSup>
+                            <m:sSupPr>
+                              <m:ctrlPr>
+                                <a:rPr lang="en-US" altLang="ja-JP" sz="3600" b="0" i="1" smtClean="0">
+                                  <a:latin typeface="Cambria Math" panose="02040503050406030204" pitchFamily="18" charset="0"/>
+                                </a:rPr>
+                              </m:ctrlPr>
+                            </m:sSupPr>
+                            <m:e>
+                              <m:r>
+                                <a:rPr lang="en-US" altLang="ja-JP" sz="3600" b="0" i="1" smtClean="0">
+                                  <a:latin typeface="Cambria Math" panose="02040503050406030204" pitchFamily="18" charset="0"/>
+                                </a:rPr>
+                                <m:t>𝑞</m:t>
+                              </m:r>
+                            </m:e>
+                            <m:sup>
+                              <m:r>
+                                <a:rPr lang="en-US" altLang="ja-JP" sz="3600" b="0" i="1" smtClean="0">
+                                  <a:latin typeface="Cambria Math" panose="02040503050406030204" pitchFamily="18" charset="0"/>
+                                </a:rPr>
+                                <m:t>𝑖</m:t>
+                              </m:r>
+                            </m:sup>
+                          </m:sSup>
+                        </m:den>
+                      </m:f>
+                    </m:oMath>
+                  </m:oMathPara>
+                </a14:m>
+                <a:endParaRPr kumimoji="1" lang="ja-JP" altLang="en-US" sz="3600"/>
+              </a:p>
+            </p:txBody>
+          </p:sp>
+        </mc:Choice>
+        <mc:Fallback>
+          <p:sp>
+            <p:nvSpPr>
+              <p:cNvPr id="3" name="テキスト ボックス 2">
+                <a:extLst>
+                  <a:ext uri="{FF2B5EF4-FFF2-40B4-BE49-F238E27FC236}">
+                    <a16:creationId xmlns:a16="http://schemas.microsoft.com/office/drawing/2014/main" id="{CAB86FAA-2417-184E-757D-80E16E52C9E7}"/>
+                  </a:ext>
+                </a:extLst>
+              </p:cNvPr>
+              <p:cNvSpPr txBox="1">
+                <a:spLocks noRot="1" noChangeAspect="1" noMove="1" noResize="1" noEditPoints="1" noAdjustHandles="1" noChangeArrowheads="1" noChangeShapeType="1" noTextEdit="1"/>
+              </p:cNvSpPr>
+              <p:nvPr/>
+            </p:nvSpPr>
+            <p:spPr>
+              <a:xfrm>
+                <a:off x="3203848" y="1340768"/>
+                <a:ext cx="5544616" cy="1146661"/>
+              </a:xfrm>
+              <a:prstGeom prst="rect">
+                <a:avLst/>
+              </a:prstGeom>
+              <a:blipFill>
+                <a:blip r:embed="rId2"/>
+                <a:stretch>
+                  <a:fillRect/>
+                </a:stretch>
+              </a:blipFill>
+            </p:spPr>
+            <p:txBody>
+              <a:bodyPr/>
+              <a:lstStyle/>
+              <a:p>
+                <a:r>
+                  <a:rPr lang="ja-JP" altLang="en-US">
+                    <a:noFill/>
+                  </a:rPr>
+                  <a:t> </a:t>
+                </a:r>
+              </a:p>
+            </p:txBody>
+          </p:sp>
+        </mc:Fallback>
+      </mc:AlternateContent>
+      <mc:AlternateContent xmlns:mc="http://schemas.openxmlformats.org/markup-compatibility/2006">
+        <mc:Choice xmlns:a14="http://schemas.microsoft.com/office/drawing/2010/main" Requires="a14">
+          <p:sp>
+            <p:nvSpPr>
+              <p:cNvPr id="4" name="テキスト ボックス 3">
+                <a:extLst>
+                  <a:ext uri="{FF2B5EF4-FFF2-40B4-BE49-F238E27FC236}">
+                    <a16:creationId xmlns:a16="http://schemas.microsoft.com/office/drawing/2014/main" id="{6958473B-06DC-620E-F7BE-B09443A2BFE5}"/>
+                  </a:ext>
+                </a:extLst>
+              </p:cNvPr>
+              <p:cNvSpPr txBox="1"/>
+              <p:nvPr/>
+            </p:nvSpPr>
+            <p:spPr>
+              <a:xfrm>
+                <a:off x="3491880" y="2924944"/>
+                <a:ext cx="2701381" cy="1307346"/>
+              </a:xfrm>
+              <a:prstGeom prst="rect">
+                <a:avLst/>
+              </a:prstGeom>
+              <a:noFill/>
+            </p:spPr>
+            <p:txBody>
+              <a:bodyPr wrap="none" lIns="0" tIns="0" rIns="0" bIns="0" rtlCol="0">
+                <a:spAutoFit/>
+              </a:bodyPr>
+              <a:lstStyle/>
+              <a:p>
+                <a14:m>
+                  <m:oMathPara xmlns:m="http://schemas.openxmlformats.org/officeDocument/2006/math">
+                    <m:oMathParaPr>
+                      <m:jc m:val="centerGroup"/>
+                    </m:oMathParaPr>
+                    <m:oMath xmlns:m="http://schemas.openxmlformats.org/officeDocument/2006/math">
+                      <m:sSup>
+                        <m:sSupPr>
+                          <m:ctrlPr>
+                            <a:rPr lang="en-US" altLang="ja-JP" sz="4000" b="0" i="1" smtClean="0">
+                              <a:latin typeface="Cambria Math" panose="02040503050406030204" pitchFamily="18" charset="0"/>
+                            </a:rPr>
+                          </m:ctrlPr>
+                        </m:sSupPr>
+                        <m:e>
+                          <m:acc>
+                            <m:accPr>
+                              <m:chr m:val="̇"/>
+                              <m:ctrlPr>
+                                <a:rPr lang="en-US" altLang="ja-JP" sz="4000" b="0" i="1" smtClean="0">
+                                  <a:latin typeface="Cambria Math" panose="02040503050406030204" pitchFamily="18" charset="0"/>
+                                </a:rPr>
+                              </m:ctrlPr>
+                            </m:accPr>
+                            <m:e>
+                              <m:r>
+                                <a:rPr lang="en-US" altLang="ja-JP" sz="4000" b="0" i="1" smtClean="0">
+                                  <a:latin typeface="Cambria Math" panose="02040503050406030204" pitchFamily="18" charset="0"/>
+                                </a:rPr>
+                                <m:t>𝑞</m:t>
+                              </m:r>
+                            </m:e>
+                          </m:acc>
+                        </m:e>
+                        <m:sup>
+                          <m:r>
+                            <a:rPr lang="en-US" altLang="ja-JP" sz="4000" b="0" i="1" smtClean="0">
+                              <a:latin typeface="Cambria Math" panose="02040503050406030204" pitchFamily="18" charset="0"/>
+                            </a:rPr>
+                            <m:t>𝑖</m:t>
+                          </m:r>
+                        </m:sup>
+                      </m:sSup>
+                      <m:r>
+                        <a:rPr lang="en-US" altLang="ja-JP" sz="4000" i="1">
+                          <a:latin typeface="Cambria Math" panose="02040503050406030204" pitchFamily="18" charset="0"/>
+                        </a:rPr>
+                        <m:t>=</m:t>
+                      </m:r>
+                      <m:d>
+                        <m:dPr>
+                          <m:begChr m:val="{"/>
+                          <m:endChr m:val="}"/>
+                          <m:ctrlPr>
+                            <a:rPr lang="en-US" altLang="ja-JP" sz="4000" i="1">
+                              <a:latin typeface="Cambria Math" panose="02040503050406030204" pitchFamily="18" charset="0"/>
+                            </a:rPr>
+                          </m:ctrlPr>
+                        </m:dPr>
+                        <m:e>
+                          <m:sSup>
+                            <m:sSupPr>
+                              <m:ctrlPr>
+                                <a:rPr lang="en-US" altLang="ja-JP" sz="4000" b="0" i="1" smtClean="0">
+                                  <a:latin typeface="Cambria Math" panose="02040503050406030204" pitchFamily="18" charset="0"/>
+                                </a:rPr>
+                              </m:ctrlPr>
+                            </m:sSupPr>
+                            <m:e>
+                              <m:r>
+                                <a:rPr lang="en-US" altLang="ja-JP" sz="4000" b="0" i="1" smtClean="0">
+                                  <a:latin typeface="Cambria Math" panose="02040503050406030204" pitchFamily="18" charset="0"/>
+                                </a:rPr>
+                                <m:t>𝑞</m:t>
+                              </m:r>
+                            </m:e>
+                            <m:sup>
+                              <m:r>
+                                <a:rPr lang="en-US" altLang="ja-JP" sz="4000" b="0" i="1" smtClean="0">
+                                  <a:latin typeface="Cambria Math" panose="02040503050406030204" pitchFamily="18" charset="0"/>
+                                </a:rPr>
+                                <m:t>𝑖</m:t>
+                              </m:r>
+                            </m:sup>
+                          </m:sSup>
+                          <m:r>
+                            <a:rPr lang="en-US" altLang="ja-JP" sz="4000" i="1">
+                              <a:latin typeface="Cambria Math" panose="02040503050406030204" pitchFamily="18" charset="0"/>
+                            </a:rPr>
+                            <m:t>,</m:t>
+                          </m:r>
+                          <m:r>
+                            <a:rPr lang="en-US" altLang="ja-JP" sz="4000" i="1">
+                              <a:latin typeface="Cambria Math" panose="02040503050406030204" pitchFamily="18" charset="0"/>
+                            </a:rPr>
+                            <m:t>𝐻</m:t>
+                          </m:r>
+                        </m:e>
+                      </m:d>
+                    </m:oMath>
+                  </m:oMathPara>
+                </a14:m>
+                <a:endParaRPr lang="ja-JP" altLang="en-US" sz="4000"/>
+              </a:p>
+              <a:p>
+                <a14:m>
+                  <m:oMathPara xmlns:m="http://schemas.openxmlformats.org/officeDocument/2006/math">
+                    <m:oMathParaPr>
+                      <m:jc m:val="centerGroup"/>
+                    </m:oMathParaPr>
+                    <m:oMath xmlns:m="http://schemas.openxmlformats.org/officeDocument/2006/math">
+                      <m:sSub>
+                        <m:sSubPr>
+                          <m:ctrlPr>
+                            <a:rPr kumimoji="1" lang="en-US" altLang="ja-JP" sz="4000" b="0" i="1" smtClean="0">
+                              <a:latin typeface="Cambria Math" panose="02040503050406030204" pitchFamily="18" charset="0"/>
+                            </a:rPr>
+                          </m:ctrlPr>
+                        </m:sSubPr>
+                        <m:e>
+                          <m:acc>
+                            <m:accPr>
+                              <m:chr m:val="̇"/>
+                              <m:ctrlPr>
+                                <a:rPr kumimoji="1" lang="en-US" altLang="ja-JP" sz="4000" b="0" i="1" smtClean="0">
+                                  <a:latin typeface="Cambria Math" panose="02040503050406030204" pitchFamily="18" charset="0"/>
+                                </a:rPr>
+                              </m:ctrlPr>
+                            </m:accPr>
+                            <m:e>
+                              <m:r>
+                                <a:rPr kumimoji="1" lang="en-US" altLang="ja-JP" sz="4000" b="0" i="1" smtClean="0">
+                                  <a:latin typeface="Cambria Math" panose="02040503050406030204" pitchFamily="18" charset="0"/>
+                                </a:rPr>
+                                <m:t>𝑝</m:t>
+                              </m:r>
+                            </m:e>
+                          </m:acc>
+                        </m:e>
+                        <m:sub>
+                          <m:r>
+                            <a:rPr kumimoji="1" lang="en-US" altLang="ja-JP" sz="4000" b="0" i="1" smtClean="0">
+                              <a:latin typeface="Cambria Math" panose="02040503050406030204" pitchFamily="18" charset="0"/>
+                            </a:rPr>
+                            <m:t>𝑖</m:t>
+                          </m:r>
+                        </m:sub>
+                      </m:sSub>
+                      <m:r>
+                        <a:rPr kumimoji="1" lang="en-US" altLang="ja-JP" sz="4000" b="0" i="1" smtClean="0">
+                          <a:latin typeface="Cambria Math" panose="02040503050406030204" pitchFamily="18" charset="0"/>
+                        </a:rPr>
+                        <m:t>=</m:t>
+                      </m:r>
+                      <m:d>
+                        <m:dPr>
+                          <m:begChr m:val="{"/>
+                          <m:endChr m:val="}"/>
+                          <m:ctrlPr>
+                            <a:rPr kumimoji="1" lang="en-US" altLang="ja-JP" sz="4000" b="0" i="1" smtClean="0">
+                              <a:latin typeface="Cambria Math" panose="02040503050406030204" pitchFamily="18" charset="0"/>
+                            </a:rPr>
+                          </m:ctrlPr>
+                        </m:dPr>
+                        <m:e>
+                          <m:sSub>
+                            <m:sSubPr>
+                              <m:ctrlPr>
+                                <a:rPr kumimoji="1" lang="en-US" altLang="ja-JP" sz="4000" b="0" i="1" smtClean="0">
+                                  <a:latin typeface="Cambria Math" panose="02040503050406030204" pitchFamily="18" charset="0"/>
+                                </a:rPr>
+                              </m:ctrlPr>
+                            </m:sSubPr>
+                            <m:e>
+                              <m:r>
+                                <a:rPr kumimoji="1" lang="en-US" altLang="ja-JP" sz="4000" b="0" i="1" smtClean="0">
+                                  <a:latin typeface="Cambria Math" panose="02040503050406030204" pitchFamily="18" charset="0"/>
+                                </a:rPr>
+                                <m:t>𝑝</m:t>
+                              </m:r>
+                            </m:e>
+                            <m:sub>
+                              <m:r>
+                                <a:rPr kumimoji="1" lang="en-US" altLang="ja-JP" sz="4000" b="0" i="1" smtClean="0">
+                                  <a:latin typeface="Cambria Math" panose="02040503050406030204" pitchFamily="18" charset="0"/>
+                                </a:rPr>
+                                <m:t>𝑖</m:t>
+                              </m:r>
+                            </m:sub>
+                          </m:sSub>
+                          <m:r>
+                            <a:rPr kumimoji="1" lang="en-US" altLang="ja-JP" sz="4000" b="0" i="1" smtClean="0">
+                              <a:latin typeface="Cambria Math" panose="02040503050406030204" pitchFamily="18" charset="0"/>
+                            </a:rPr>
+                            <m:t>,</m:t>
+                          </m:r>
+                          <m:r>
+                            <a:rPr kumimoji="1" lang="en-US" altLang="ja-JP" sz="4000" b="0" i="1" smtClean="0">
+                              <a:latin typeface="Cambria Math" panose="02040503050406030204" pitchFamily="18" charset="0"/>
+                            </a:rPr>
+                            <m:t>𝐻</m:t>
+                          </m:r>
+                        </m:e>
+                      </m:d>
+                    </m:oMath>
+                  </m:oMathPara>
+                </a14:m>
+                <a:endParaRPr kumimoji="1" lang="ja-JP" altLang="en-US" sz="4000"/>
+              </a:p>
+            </p:txBody>
+          </p:sp>
+        </mc:Choice>
+        <mc:Fallback>
+          <p:sp>
+            <p:nvSpPr>
+              <p:cNvPr id="4" name="テキスト ボックス 3">
+                <a:extLst>
+                  <a:ext uri="{FF2B5EF4-FFF2-40B4-BE49-F238E27FC236}">
+                    <a16:creationId xmlns:a16="http://schemas.microsoft.com/office/drawing/2014/main" id="{6958473B-06DC-620E-F7BE-B09443A2BFE5}"/>
+                  </a:ext>
+                </a:extLst>
+              </p:cNvPr>
+              <p:cNvSpPr txBox="1">
+                <a:spLocks noRot="1" noChangeAspect="1" noMove="1" noResize="1" noEditPoints="1" noAdjustHandles="1" noChangeArrowheads="1" noChangeShapeType="1" noTextEdit="1"/>
+              </p:cNvSpPr>
+              <p:nvPr/>
+            </p:nvSpPr>
+            <p:spPr>
+              <a:xfrm>
+                <a:off x="3491880" y="2924944"/>
+                <a:ext cx="2701381" cy="1307346"/>
+              </a:xfrm>
+              <a:prstGeom prst="rect">
+                <a:avLst/>
+              </a:prstGeom>
+              <a:blipFill>
+                <a:blip r:embed="rId3"/>
+                <a:stretch>
+                  <a:fillRect/>
+                </a:stretch>
+              </a:blipFill>
+            </p:spPr>
+            <p:txBody>
+              <a:bodyPr/>
+              <a:lstStyle/>
+              <a:p>
+                <a:r>
+                  <a:rPr lang="ja-JP" altLang="en-US">
+                    <a:noFill/>
+                  </a:rPr>
+                  <a:t> </a:t>
+                </a:r>
+              </a:p>
+            </p:txBody>
+          </p:sp>
+        </mc:Fallback>
+      </mc:AlternateContent>
+      <p:sp>
+        <p:nvSpPr>
+          <p:cNvPr id="5" name="テキスト ボックス 4">
+            <a:extLst>
+              <a:ext uri="{FF2B5EF4-FFF2-40B4-BE49-F238E27FC236}">
+                <a16:creationId xmlns:a16="http://schemas.microsoft.com/office/drawing/2014/main" id="{D6465975-4DC6-8A53-EC65-AA01B324BCEA}"/>
+              </a:ext>
+            </a:extLst>
+          </p:cNvPr>
+          <p:cNvSpPr txBox="1"/>
+          <p:nvPr/>
+        </p:nvSpPr>
+        <p:spPr>
+          <a:xfrm>
+            <a:off x="683568" y="1700808"/>
+            <a:ext cx="2339102" cy="523220"/>
+          </a:xfrm>
+          <a:prstGeom prst="rect">
+            <a:avLst/>
+          </a:prstGeom>
+          <a:noFill/>
+        </p:spPr>
+        <p:txBody>
+          <a:bodyPr wrap="none" rtlCol="0">
+            <a:spAutoFit/>
+          </a:bodyPr>
+          <a:lstStyle/>
+          <a:p>
+            <a:r>
+              <a:rPr lang="ja-JP" altLang="en-US" sz="2800"/>
+              <a:t>ポアソン括弧</a:t>
+            </a:r>
+            <a:endParaRPr kumimoji="1" lang="ja-JP" altLang="en-US" sz="2800"/>
+          </a:p>
+        </p:txBody>
+      </p:sp>
+      <p:sp>
+        <p:nvSpPr>
+          <p:cNvPr id="6" name="テキスト ボックス 5">
+            <a:extLst>
+              <a:ext uri="{FF2B5EF4-FFF2-40B4-BE49-F238E27FC236}">
+                <a16:creationId xmlns:a16="http://schemas.microsoft.com/office/drawing/2014/main" id="{1EAEE80D-0E54-999A-C73F-496301E9EAEC}"/>
+              </a:ext>
+            </a:extLst>
+          </p:cNvPr>
+          <p:cNvSpPr txBox="1"/>
+          <p:nvPr/>
+        </p:nvSpPr>
+        <p:spPr>
+          <a:xfrm>
+            <a:off x="971600" y="3356992"/>
+            <a:ext cx="1980029" cy="523220"/>
+          </a:xfrm>
+          <a:prstGeom prst="rect">
+            <a:avLst/>
+          </a:prstGeom>
+          <a:noFill/>
+        </p:spPr>
+        <p:txBody>
+          <a:bodyPr wrap="none" rtlCol="0">
+            <a:spAutoFit/>
+          </a:bodyPr>
+          <a:lstStyle/>
+          <a:p>
+            <a:r>
+              <a:rPr kumimoji="1" lang="ja-JP" altLang="en-US" sz="2800"/>
+              <a:t>正準方程式</a:t>
+            </a:r>
+          </a:p>
+        </p:txBody>
+      </p:sp>
+      <p:sp>
+        <p:nvSpPr>
+          <p:cNvPr id="7" name="テキスト ボックス 6">
+            <a:extLst>
+              <a:ext uri="{FF2B5EF4-FFF2-40B4-BE49-F238E27FC236}">
+                <a16:creationId xmlns:a16="http://schemas.microsoft.com/office/drawing/2014/main" id="{9FBE53A1-467E-4F65-5490-8311D3DEE7DB}"/>
+              </a:ext>
+            </a:extLst>
+          </p:cNvPr>
+          <p:cNvSpPr txBox="1"/>
+          <p:nvPr/>
+        </p:nvSpPr>
+        <p:spPr>
+          <a:xfrm>
+            <a:off x="179512" y="4869160"/>
+            <a:ext cx="3057247" cy="523220"/>
+          </a:xfrm>
+          <a:prstGeom prst="rect">
+            <a:avLst/>
+          </a:prstGeom>
+          <a:noFill/>
+        </p:spPr>
+        <p:txBody>
+          <a:bodyPr wrap="none" rtlCol="0">
+            <a:spAutoFit/>
+          </a:bodyPr>
+          <a:lstStyle/>
+          <a:p>
+            <a:r>
+              <a:rPr kumimoji="1" lang="ja-JP" altLang="en-US" sz="2800"/>
+              <a:t>物理量の時間微分</a:t>
+            </a:r>
+          </a:p>
+        </p:txBody>
+      </p:sp>
+      <mc:AlternateContent xmlns:mc="http://schemas.openxmlformats.org/markup-compatibility/2006">
+        <mc:Choice xmlns:a14="http://schemas.microsoft.com/office/drawing/2010/main" Requires="a14">
+          <p:sp>
+            <p:nvSpPr>
+              <p:cNvPr id="8" name="テキスト ボックス 7">
+                <a:extLst>
+                  <a:ext uri="{FF2B5EF4-FFF2-40B4-BE49-F238E27FC236}">
+                    <a16:creationId xmlns:a16="http://schemas.microsoft.com/office/drawing/2014/main" id="{C6F94964-B49B-9134-E364-23B1D99BAE2C}"/>
+                  </a:ext>
+                </a:extLst>
+              </p:cNvPr>
+              <p:cNvSpPr txBox="1"/>
+              <p:nvPr/>
+            </p:nvSpPr>
+            <p:spPr>
+              <a:xfrm>
+                <a:off x="3131840" y="4581128"/>
+                <a:ext cx="3240360" cy="1051826"/>
+              </a:xfrm>
+              <a:prstGeom prst="rect">
+                <a:avLst/>
+              </a:prstGeom>
+              <a:noFill/>
+            </p:spPr>
+            <p:txBody>
+              <a:bodyPr wrap="square" lIns="0" tIns="0" rIns="0" bIns="0" rtlCol="0">
+                <a:spAutoFit/>
+              </a:bodyPr>
+              <a:lstStyle/>
+              <a:p>
+                <a:pPr/>
+                <a14:m>
+                  <m:oMathPara xmlns:m="http://schemas.openxmlformats.org/officeDocument/2006/math">
+                    <m:oMathParaPr>
+                      <m:jc m:val="centerGroup"/>
+                    </m:oMathParaPr>
+                    <m:oMath xmlns:m="http://schemas.openxmlformats.org/officeDocument/2006/math">
+                      <m:f>
+                        <m:fPr>
+                          <m:ctrlPr>
+                            <a:rPr kumimoji="1" lang="en-US" altLang="ja-JP" sz="3600" b="0" i="1" smtClean="0">
+                              <a:latin typeface="Cambria Math" panose="02040503050406030204" pitchFamily="18" charset="0"/>
+                            </a:rPr>
+                          </m:ctrlPr>
+                        </m:fPr>
+                        <m:num>
+                          <m:r>
+                            <a:rPr kumimoji="1" lang="en-US" altLang="ja-JP" sz="3600" b="0" i="1" smtClean="0">
+                              <a:latin typeface="Cambria Math" panose="02040503050406030204" pitchFamily="18" charset="0"/>
+                            </a:rPr>
+                            <m:t>𝑑𝐴</m:t>
+                          </m:r>
+                        </m:num>
+                        <m:den>
+                          <m:r>
+                            <a:rPr kumimoji="1" lang="en-US" altLang="ja-JP" sz="3600" b="0" i="1" smtClean="0">
+                              <a:latin typeface="Cambria Math" panose="02040503050406030204" pitchFamily="18" charset="0"/>
+                            </a:rPr>
+                            <m:t>𝑑𝑡</m:t>
+                          </m:r>
+                        </m:den>
+                      </m:f>
+                      <m:r>
+                        <a:rPr kumimoji="1" lang="en-US" altLang="ja-JP" sz="3600" b="0" i="1" smtClean="0">
+                          <a:latin typeface="Cambria Math" panose="02040503050406030204" pitchFamily="18" charset="0"/>
+                        </a:rPr>
+                        <m:t>=</m:t>
+                      </m:r>
+                      <m:d>
+                        <m:dPr>
+                          <m:begChr m:val="{"/>
+                          <m:endChr m:val="}"/>
+                          <m:ctrlPr>
+                            <a:rPr kumimoji="1" lang="en-US" altLang="ja-JP" sz="3600" b="0" i="1" smtClean="0">
+                              <a:latin typeface="Cambria Math" panose="02040503050406030204" pitchFamily="18" charset="0"/>
+                            </a:rPr>
+                          </m:ctrlPr>
+                        </m:dPr>
+                        <m:e>
+                          <m:r>
+                            <a:rPr kumimoji="1" lang="en-US" altLang="ja-JP" sz="3600" b="0" i="1" smtClean="0">
+                              <a:latin typeface="Cambria Math" panose="02040503050406030204" pitchFamily="18" charset="0"/>
+                            </a:rPr>
+                            <m:t>𝐴</m:t>
+                          </m:r>
+                          <m:r>
+                            <a:rPr kumimoji="1" lang="en-US" altLang="ja-JP" sz="3600" b="0" i="1" smtClean="0">
+                              <a:latin typeface="Cambria Math" panose="02040503050406030204" pitchFamily="18" charset="0"/>
+                            </a:rPr>
+                            <m:t>,</m:t>
+                          </m:r>
+                          <m:r>
+                            <a:rPr kumimoji="1" lang="en-US" altLang="ja-JP" sz="3600" b="0" i="1" smtClean="0">
+                              <a:latin typeface="Cambria Math" panose="02040503050406030204" pitchFamily="18" charset="0"/>
+                            </a:rPr>
+                            <m:t>𝐻</m:t>
+                          </m:r>
+                        </m:e>
+                      </m:d>
+                    </m:oMath>
+                  </m:oMathPara>
+                </a14:m>
+                <a:endParaRPr kumimoji="1" lang="ja-JP" altLang="en-US" sz="3600"/>
+              </a:p>
+            </p:txBody>
+          </p:sp>
+        </mc:Choice>
+        <mc:Fallback>
+          <p:sp>
+            <p:nvSpPr>
+              <p:cNvPr id="8" name="テキスト ボックス 7">
+                <a:extLst>
+                  <a:ext uri="{FF2B5EF4-FFF2-40B4-BE49-F238E27FC236}">
+                    <a16:creationId xmlns:a16="http://schemas.microsoft.com/office/drawing/2014/main" id="{C6F94964-B49B-9134-E364-23B1D99BAE2C}"/>
+                  </a:ext>
+                </a:extLst>
+              </p:cNvPr>
+              <p:cNvSpPr txBox="1">
+                <a:spLocks noRot="1" noChangeAspect="1" noMove="1" noResize="1" noEditPoints="1" noAdjustHandles="1" noChangeArrowheads="1" noChangeShapeType="1" noTextEdit="1"/>
+              </p:cNvSpPr>
+              <p:nvPr/>
+            </p:nvSpPr>
+            <p:spPr>
+              <a:xfrm>
+                <a:off x="3131840" y="4581128"/>
+                <a:ext cx="3240360" cy="1051826"/>
+              </a:xfrm>
+              <a:prstGeom prst="rect">
+                <a:avLst/>
+              </a:prstGeom>
+              <a:blipFill>
+                <a:blip r:embed="rId4"/>
+                <a:stretch>
+                  <a:fillRect/>
+                </a:stretch>
+              </a:blipFill>
+            </p:spPr>
+            <p:txBody>
+              <a:bodyPr/>
+              <a:lstStyle/>
+              <a:p>
+                <a:r>
+                  <a:rPr lang="ja-JP" altLang="en-US">
+                    <a:noFill/>
+                  </a:rPr>
+                  <a:t> </a:t>
+                </a:r>
+              </a:p>
+            </p:txBody>
+          </p:sp>
+        </mc:Fallback>
+      </mc:AlternateContent>
+      <p:sp>
+        <p:nvSpPr>
+          <p:cNvPr id="9" name="テキスト ボックス 8">
+            <a:extLst>
+              <a:ext uri="{FF2B5EF4-FFF2-40B4-BE49-F238E27FC236}">
+                <a16:creationId xmlns:a16="http://schemas.microsoft.com/office/drawing/2014/main" id="{A009B484-D01A-8A6B-A9B5-5A37B0ED6CB7}"/>
+              </a:ext>
+            </a:extLst>
+          </p:cNvPr>
+          <p:cNvSpPr txBox="1"/>
+          <p:nvPr/>
+        </p:nvSpPr>
+        <p:spPr>
+          <a:xfrm>
+            <a:off x="539552" y="5949280"/>
+            <a:ext cx="7263527" cy="461665"/>
+          </a:xfrm>
+          <a:prstGeom prst="rect">
+            <a:avLst/>
+          </a:prstGeom>
+          <a:noFill/>
+        </p:spPr>
+        <p:txBody>
+          <a:bodyPr wrap="none" rtlCol="0">
+            <a:spAutoFit/>
+          </a:bodyPr>
+          <a:lstStyle/>
+          <a:p>
+            <a:r>
+              <a:rPr lang="ja-JP" altLang="en-US" sz="2400"/>
+              <a:t>ハミルトニアンとポアソン括弧をとる　　時間微分</a:t>
+            </a:r>
+            <a:endParaRPr kumimoji="1" lang="ja-JP" altLang="en-US" sz="2400"/>
+          </a:p>
+        </p:txBody>
+      </p:sp>
+      <p:sp>
+        <p:nvSpPr>
+          <p:cNvPr id="10" name="矢印: 右 9">
+            <a:extLst>
+              <a:ext uri="{FF2B5EF4-FFF2-40B4-BE49-F238E27FC236}">
+                <a16:creationId xmlns:a16="http://schemas.microsoft.com/office/drawing/2014/main" id="{971124E1-A0D1-B477-BB2C-BF6A030F6E1C}"/>
+              </a:ext>
+            </a:extLst>
+          </p:cNvPr>
+          <p:cNvSpPr/>
+          <p:nvPr/>
+        </p:nvSpPr>
+        <p:spPr>
+          <a:xfrm>
+            <a:off x="5868144" y="5949280"/>
+            <a:ext cx="504056" cy="412624"/>
+          </a:xfrm>
+          <a:prstGeom prst="rightArrow">
+            <a:avLst/>
+          </a:prstGeom>
+          <a:solidFill>
+            <a:srgbClr val="FF0000"/>
+          </a:solidFill>
+          <a:ln>
+            <a:solidFill>
+              <a:schemeClr val="tx1"/>
+            </a:solidFill>
+          </a:ln>
+        </p:spPr>
+        <p:style>
+          <a:lnRef idx="2">
+            <a:schemeClr val="accent1">
+              <a:shade val="50000"/>
+            </a:schemeClr>
+          </a:lnRef>
+          <a:fillRef idx="1">
+            <a:schemeClr val="accent1"/>
+          </a:fillRef>
+          <a:effectRef idx="0">
+            <a:schemeClr val="accent1"/>
+          </a:effectRef>
+          <a:fontRef idx="minor">
+            <a:schemeClr val="lt1"/>
+          </a:fontRef>
+        </p:style>
+        <p:txBody>
+          <a:bodyPr rtlCol="0" anchor="ctr"/>
+          <a:lstStyle/>
+          <a:p>
+            <a:pPr algn="ctr"/>
+            <a:endParaRPr kumimoji="1" lang="ja-JP" altLang="en-US"/>
+          </a:p>
+        </p:txBody>
+      </p:sp>
+    </p:spTree>
+    <p:extLst>
+      <p:ext uri="{BB962C8B-B14F-4D97-AF65-F5344CB8AC3E}">
+        <p14:creationId xmlns:p14="http://schemas.microsoft.com/office/powerpoint/2010/main" val="4252231326"/>
+      </p:ext>
+    </p:extLst>
+  </p:cSld>
+  <p:clrMapOvr>
+    <a:masterClrMapping/>
+  </p:clrMapOvr>
+</p:sld>
+</file>
+
+<file path=ppt/slides/slide14.xml><?xml version="1.0" encoding="utf-8"?>
+<p:sld xmlns:a="http://schemas.openxmlformats.org/drawingml/2006/main" xmlns:r="http://schemas.openxmlformats.org/officeDocument/2006/relationships" xmlns:p="http://schemas.openxmlformats.org/presentationml/2006/main">
+  <p:cSld>
+    <p:spTree>
+      <p:nvGrpSpPr>
+        <p:cNvPr id="1" name=""/>
+        <p:cNvGrpSpPr/>
+        <p:nvPr/>
+      </p:nvGrpSpPr>
+      <p:grpSpPr>
+        <a:xfrm>
+          <a:off x="0" y="0"/>
+          <a:ext cx="0" cy="0"/>
+          <a:chOff x="0" y="0"/>
+          <a:chExt cx="0" cy="0"/>
+        </a:xfrm>
+      </p:grpSpPr>
+      <p:sp>
+        <p:nvSpPr>
+          <p:cNvPr id="2" name="テキスト プレースホルダー 1">
+            <a:extLst>
+              <a:ext uri="{FF2B5EF4-FFF2-40B4-BE49-F238E27FC236}">
+                <a16:creationId xmlns:a16="http://schemas.microsoft.com/office/drawing/2014/main" id="{C4AA17C1-D544-BF05-079B-4309D03A8927}"/>
+              </a:ext>
+            </a:extLst>
+          </p:cNvPr>
+          <p:cNvSpPr>
+            <a:spLocks noGrp="1"/>
+          </p:cNvSpPr>
+          <p:nvPr>
+            <p:ph type="body" sz="quarter" idx="10"/>
+          </p:nvPr>
+        </p:nvSpPr>
+        <p:spPr/>
+        <p:txBody>
+          <a:bodyPr/>
+          <a:lstStyle/>
+          <a:p>
+            <a:r>
+              <a:rPr lang="ja-JP" altLang="en-US"/>
+              <a:t>ポアソン括弧の性質</a:t>
+            </a:r>
+            <a:endParaRPr kumimoji="1" lang="ja-JP" altLang="en-US"/>
+          </a:p>
+        </p:txBody>
+      </p:sp>
+      <mc:AlternateContent xmlns:mc="http://schemas.openxmlformats.org/markup-compatibility/2006">
+        <mc:Choice xmlns:a14="http://schemas.microsoft.com/office/drawing/2010/main" Requires="a14">
+          <p:sp>
+            <p:nvSpPr>
+              <p:cNvPr id="4" name="テキスト ボックス 3">
+                <a:extLst>
+                  <a:ext uri="{FF2B5EF4-FFF2-40B4-BE49-F238E27FC236}">
+                    <a16:creationId xmlns:a16="http://schemas.microsoft.com/office/drawing/2014/main" id="{DCB4CD29-B4D3-B931-133C-E4E682A18774}"/>
+                  </a:ext>
+                </a:extLst>
+              </p:cNvPr>
+              <p:cNvSpPr txBox="1"/>
+              <p:nvPr/>
+            </p:nvSpPr>
+            <p:spPr>
+              <a:xfrm>
+                <a:off x="2915816" y="980728"/>
+                <a:ext cx="3456384" cy="584840"/>
+              </a:xfrm>
+              <a:prstGeom prst="rect">
+                <a:avLst/>
+              </a:prstGeom>
+              <a:noFill/>
+            </p:spPr>
+            <p:txBody>
+              <a:bodyPr wrap="square">
+                <a:spAutoFit/>
+              </a:bodyPr>
+              <a:lstStyle/>
+              <a:p>
+                <a:pPr/>
+                <a14:m>
+                  <m:oMathPara xmlns:m="http://schemas.openxmlformats.org/officeDocument/2006/math">
+                    <m:oMathParaPr>
+                      <m:jc m:val="centerGroup"/>
+                    </m:oMathParaPr>
+                    <m:oMath xmlns:m="http://schemas.openxmlformats.org/officeDocument/2006/math">
+                      <m:d>
+                        <m:dPr>
+                          <m:begChr m:val="{"/>
+                          <m:endChr m:val="}"/>
+                          <m:ctrlPr>
+                            <a:rPr kumimoji="1" lang="en-US" altLang="ja-JP" sz="3200" b="0" i="1" smtClean="0">
+                              <a:latin typeface="Cambria Math" panose="02040503050406030204" pitchFamily="18" charset="0"/>
+                            </a:rPr>
+                          </m:ctrlPr>
+                        </m:dPr>
+                        <m:e>
+                          <m:r>
+                            <a:rPr kumimoji="1" lang="en-US" altLang="ja-JP" sz="3200" b="0" i="1" smtClean="0">
+                              <a:latin typeface="Cambria Math" panose="02040503050406030204" pitchFamily="18" charset="0"/>
+                            </a:rPr>
+                            <m:t>𝑋</m:t>
+                          </m:r>
+                          <m:r>
+                            <a:rPr kumimoji="1" lang="en-US" altLang="ja-JP" sz="3200" b="0" i="1" smtClean="0">
+                              <a:latin typeface="Cambria Math" panose="02040503050406030204" pitchFamily="18" charset="0"/>
+                            </a:rPr>
+                            <m:t>,</m:t>
+                          </m:r>
+                          <m:r>
+                            <a:rPr kumimoji="1" lang="en-US" altLang="ja-JP" sz="3200" b="0" i="1" smtClean="0">
+                              <a:latin typeface="Cambria Math" panose="02040503050406030204" pitchFamily="18" charset="0"/>
+                            </a:rPr>
+                            <m:t>𝑌</m:t>
+                          </m:r>
+                        </m:e>
+                      </m:d>
+                      <m:r>
+                        <a:rPr kumimoji="1" lang="en-US" altLang="ja-JP" sz="3200" b="0" i="1" smtClean="0">
+                          <a:latin typeface="Cambria Math" panose="02040503050406030204" pitchFamily="18" charset="0"/>
+                        </a:rPr>
+                        <m:t>=−</m:t>
+                      </m:r>
+                      <m:d>
+                        <m:dPr>
+                          <m:begChr m:val="{"/>
+                          <m:endChr m:val="}"/>
+                          <m:ctrlPr>
+                            <a:rPr lang="en-US" altLang="ja-JP" sz="3200" i="1">
+                              <a:latin typeface="Cambria Math" panose="02040503050406030204" pitchFamily="18" charset="0"/>
+                            </a:rPr>
+                          </m:ctrlPr>
+                        </m:dPr>
+                        <m:e>
+                          <m:r>
+                            <a:rPr lang="en-US" altLang="ja-JP" sz="3200" b="0" i="1" smtClean="0">
+                              <a:latin typeface="Cambria Math" panose="02040503050406030204" pitchFamily="18" charset="0"/>
+                            </a:rPr>
+                            <m:t>𝑌</m:t>
+                          </m:r>
+                          <m:r>
+                            <a:rPr lang="en-US" altLang="ja-JP" sz="3200" i="1">
+                              <a:latin typeface="Cambria Math" panose="02040503050406030204" pitchFamily="18" charset="0"/>
+                            </a:rPr>
+                            <m:t>,</m:t>
+                          </m:r>
+                          <m:r>
+                            <a:rPr lang="en-US" altLang="ja-JP" sz="3200" b="0" i="1" smtClean="0">
+                              <a:latin typeface="Cambria Math" panose="02040503050406030204" pitchFamily="18" charset="0"/>
+                            </a:rPr>
+                            <m:t>𝑋</m:t>
+                          </m:r>
+                        </m:e>
+                      </m:d>
+                    </m:oMath>
+                  </m:oMathPara>
+                </a14:m>
+                <a:br>
+                  <a:rPr kumimoji="1" lang="en-US" altLang="ja-JP" sz="3200" b="0"/>
+                </a:br>
+                <a:endParaRPr lang="ja-JP" altLang="en-US" sz="3200"/>
+              </a:p>
+            </p:txBody>
+          </p:sp>
+        </mc:Choice>
+        <mc:Fallback>
+          <p:sp>
+            <p:nvSpPr>
+              <p:cNvPr id="4" name="テキスト ボックス 3">
+                <a:extLst>
+                  <a:ext uri="{FF2B5EF4-FFF2-40B4-BE49-F238E27FC236}">
+                    <a16:creationId xmlns:a16="http://schemas.microsoft.com/office/drawing/2014/main" id="{DCB4CD29-B4D3-B931-133C-E4E682A18774}"/>
+                  </a:ext>
+                </a:extLst>
+              </p:cNvPr>
+              <p:cNvSpPr txBox="1">
+                <a:spLocks noRot="1" noChangeAspect="1" noMove="1" noResize="1" noEditPoints="1" noAdjustHandles="1" noChangeArrowheads="1" noChangeShapeType="1" noTextEdit="1"/>
+              </p:cNvSpPr>
+              <p:nvPr/>
+            </p:nvSpPr>
+            <p:spPr>
+              <a:xfrm>
+                <a:off x="2915816" y="980728"/>
+                <a:ext cx="3456384" cy="584840"/>
+              </a:xfrm>
+              <a:prstGeom prst="rect">
+                <a:avLst/>
+              </a:prstGeom>
+              <a:blipFill>
+                <a:blip r:embed="rId2"/>
+                <a:stretch>
+                  <a:fillRect/>
+                </a:stretch>
+              </a:blipFill>
+            </p:spPr>
+            <p:txBody>
+              <a:bodyPr/>
+              <a:lstStyle/>
+              <a:p>
+                <a:r>
+                  <a:rPr lang="ja-JP" altLang="en-US">
+                    <a:noFill/>
+                  </a:rPr>
+                  <a:t> </a:t>
+                </a:r>
+              </a:p>
+            </p:txBody>
+          </p:sp>
+        </mc:Fallback>
+      </mc:AlternateContent>
+      <p:sp>
+        <p:nvSpPr>
+          <p:cNvPr id="5" name="テキスト ボックス 4">
+            <a:extLst>
+              <a:ext uri="{FF2B5EF4-FFF2-40B4-BE49-F238E27FC236}">
+                <a16:creationId xmlns:a16="http://schemas.microsoft.com/office/drawing/2014/main" id="{158795E2-C6D7-EC0D-AF02-0B350FC32F17}"/>
+              </a:ext>
+            </a:extLst>
+          </p:cNvPr>
+          <p:cNvSpPr txBox="1"/>
+          <p:nvPr/>
+        </p:nvSpPr>
+        <p:spPr>
+          <a:xfrm>
+            <a:off x="899592" y="980728"/>
+            <a:ext cx="1826141" cy="584775"/>
+          </a:xfrm>
+          <a:prstGeom prst="rect">
+            <a:avLst/>
+          </a:prstGeom>
+          <a:noFill/>
+        </p:spPr>
+        <p:txBody>
+          <a:bodyPr wrap="none" rtlCol="0">
+            <a:spAutoFit/>
+          </a:bodyPr>
+          <a:lstStyle/>
+          <a:p>
+            <a:r>
+              <a:rPr kumimoji="1" lang="ja-JP" altLang="en-US" sz="3200"/>
+              <a:t>反対称</a:t>
+            </a:r>
+            <a:r>
+              <a:rPr lang="ja-JP" altLang="en-US" sz="3200"/>
+              <a:t>性</a:t>
+            </a:r>
+            <a:endParaRPr kumimoji="1" lang="ja-JP" altLang="en-US" sz="3200"/>
+          </a:p>
+        </p:txBody>
+      </p:sp>
+      <p:sp>
+        <p:nvSpPr>
+          <p:cNvPr id="6" name="テキスト ボックス 5">
+            <a:extLst>
+              <a:ext uri="{FF2B5EF4-FFF2-40B4-BE49-F238E27FC236}">
+                <a16:creationId xmlns:a16="http://schemas.microsoft.com/office/drawing/2014/main" id="{3017ACC2-B2A6-2EB1-1E76-D8D2468C6D77}"/>
+              </a:ext>
+            </a:extLst>
+          </p:cNvPr>
+          <p:cNvSpPr txBox="1"/>
+          <p:nvPr/>
+        </p:nvSpPr>
+        <p:spPr>
+          <a:xfrm>
+            <a:off x="827584" y="2204864"/>
+            <a:ext cx="1826141" cy="584775"/>
+          </a:xfrm>
+          <a:prstGeom prst="rect">
+            <a:avLst/>
+          </a:prstGeom>
+          <a:noFill/>
+        </p:spPr>
+        <p:txBody>
+          <a:bodyPr wrap="none" rtlCol="0">
+            <a:spAutoFit/>
+          </a:bodyPr>
+          <a:lstStyle/>
+          <a:p>
+            <a:r>
+              <a:rPr lang="ja-JP" altLang="en-US" sz="3200"/>
+              <a:t>双線形性</a:t>
+            </a:r>
+            <a:endParaRPr kumimoji="1" lang="ja-JP" altLang="en-US" sz="3200"/>
+          </a:p>
+        </p:txBody>
+      </p:sp>
+      <mc:AlternateContent xmlns:mc="http://schemas.openxmlformats.org/markup-compatibility/2006">
+        <mc:Choice xmlns:a14="http://schemas.microsoft.com/office/drawing/2010/main" Requires="a14">
+          <p:sp>
+            <p:nvSpPr>
+              <p:cNvPr id="7" name="テキスト ボックス 6">
+                <a:extLst>
+                  <a:ext uri="{FF2B5EF4-FFF2-40B4-BE49-F238E27FC236}">
+                    <a16:creationId xmlns:a16="http://schemas.microsoft.com/office/drawing/2014/main" id="{6E970A09-2892-9649-4CC6-5E82384B820F}"/>
+                  </a:ext>
+                </a:extLst>
+              </p:cNvPr>
+              <p:cNvSpPr txBox="1"/>
+              <p:nvPr/>
+            </p:nvSpPr>
+            <p:spPr>
+              <a:xfrm>
+                <a:off x="2771800" y="1844824"/>
+                <a:ext cx="6120680" cy="584840"/>
+              </a:xfrm>
+              <a:prstGeom prst="rect">
+                <a:avLst/>
+              </a:prstGeom>
+              <a:noFill/>
+            </p:spPr>
+            <p:txBody>
+              <a:bodyPr wrap="square">
+                <a:spAutoFit/>
+              </a:bodyPr>
+              <a:lstStyle/>
+              <a:p>
+                <a:pPr/>
+                <a14:m>
+                  <m:oMathPara xmlns:m="http://schemas.openxmlformats.org/officeDocument/2006/math">
+                    <m:oMathParaPr>
+                      <m:jc m:val="centerGroup"/>
+                    </m:oMathParaPr>
+                    <m:oMath xmlns:m="http://schemas.openxmlformats.org/officeDocument/2006/math">
+                      <m:d>
+                        <m:dPr>
+                          <m:begChr m:val="{"/>
+                          <m:endChr m:val="}"/>
+                          <m:ctrlPr>
+                            <a:rPr kumimoji="1" lang="en-US" altLang="ja-JP" sz="3200" b="0" i="1" smtClean="0">
+                              <a:latin typeface="Cambria Math" panose="02040503050406030204" pitchFamily="18" charset="0"/>
+                            </a:rPr>
+                          </m:ctrlPr>
+                        </m:dPr>
+                        <m:e>
+                          <m:r>
+                            <a:rPr kumimoji="1" lang="en-US" altLang="ja-JP" sz="3200" b="0" i="1" smtClean="0">
+                              <a:latin typeface="Cambria Math" panose="02040503050406030204" pitchFamily="18" charset="0"/>
+                            </a:rPr>
+                            <m:t>𝑎</m:t>
+                          </m:r>
+                          <m:r>
+                            <a:rPr kumimoji="1" lang="en-US" altLang="ja-JP" sz="3200" b="0" i="1" smtClean="0">
+                              <a:latin typeface="Cambria Math" panose="02040503050406030204" pitchFamily="18" charset="0"/>
+                            </a:rPr>
+                            <m:t>𝑋</m:t>
+                          </m:r>
+                          <m:r>
+                            <a:rPr kumimoji="1" lang="en-US" altLang="ja-JP" sz="3200" b="0" i="1" smtClean="0">
+                              <a:latin typeface="Cambria Math" panose="02040503050406030204" pitchFamily="18" charset="0"/>
+                            </a:rPr>
+                            <m:t>+</m:t>
+                          </m:r>
+                          <m:r>
+                            <a:rPr kumimoji="1" lang="en-US" altLang="ja-JP" sz="3200" b="0" i="1" smtClean="0">
+                              <a:latin typeface="Cambria Math" panose="02040503050406030204" pitchFamily="18" charset="0"/>
+                            </a:rPr>
+                            <m:t>𝑏𝑌</m:t>
+                          </m:r>
+                          <m:r>
+                            <a:rPr kumimoji="1" lang="en-US" altLang="ja-JP" sz="3200" b="0" i="1" smtClean="0">
+                              <a:latin typeface="Cambria Math" panose="02040503050406030204" pitchFamily="18" charset="0"/>
+                            </a:rPr>
+                            <m:t>,</m:t>
+                          </m:r>
+                          <m:r>
+                            <a:rPr kumimoji="1" lang="en-US" altLang="ja-JP" sz="3200" b="0" i="1" smtClean="0">
+                              <a:latin typeface="Cambria Math" panose="02040503050406030204" pitchFamily="18" charset="0"/>
+                            </a:rPr>
+                            <m:t>𝑍</m:t>
+                          </m:r>
+                        </m:e>
+                      </m:d>
+                      <m:r>
+                        <a:rPr kumimoji="1" lang="en-US" altLang="ja-JP" sz="3200" b="0" i="1" smtClean="0">
+                          <a:latin typeface="Cambria Math" panose="02040503050406030204" pitchFamily="18" charset="0"/>
+                        </a:rPr>
+                        <m:t>=</m:t>
+                      </m:r>
+                      <m:r>
+                        <a:rPr kumimoji="1" lang="en-US" altLang="ja-JP" sz="3200" b="0" i="1" smtClean="0">
+                          <a:latin typeface="Cambria Math" panose="02040503050406030204" pitchFamily="18" charset="0"/>
+                        </a:rPr>
+                        <m:t>𝑎</m:t>
+                      </m:r>
+                      <m:d>
+                        <m:dPr>
+                          <m:begChr m:val="{"/>
+                          <m:endChr m:val="}"/>
+                          <m:ctrlPr>
+                            <a:rPr lang="en-US" altLang="ja-JP" sz="3200" i="1">
+                              <a:latin typeface="Cambria Math" panose="02040503050406030204" pitchFamily="18" charset="0"/>
+                            </a:rPr>
+                          </m:ctrlPr>
+                        </m:dPr>
+                        <m:e>
+                          <m:r>
+                            <a:rPr lang="en-US" altLang="ja-JP" sz="3200" b="0" i="1" smtClean="0">
+                              <a:latin typeface="Cambria Math" panose="02040503050406030204" pitchFamily="18" charset="0"/>
+                            </a:rPr>
+                            <m:t>𝑋</m:t>
+                          </m:r>
+                          <m:r>
+                            <a:rPr lang="en-US" altLang="ja-JP" sz="3200" i="1">
+                              <a:latin typeface="Cambria Math" panose="02040503050406030204" pitchFamily="18" charset="0"/>
+                            </a:rPr>
+                            <m:t>,</m:t>
+                          </m:r>
+                          <m:r>
+                            <a:rPr lang="en-US" altLang="ja-JP" sz="3200" b="0" i="1" smtClean="0">
+                              <a:latin typeface="Cambria Math" panose="02040503050406030204" pitchFamily="18" charset="0"/>
+                            </a:rPr>
+                            <m:t>𝑍</m:t>
+                          </m:r>
+                        </m:e>
+                      </m:d>
+                      <m:r>
+                        <a:rPr lang="en-US" altLang="ja-JP" sz="3200" b="0" i="1" smtClean="0">
+                          <a:latin typeface="Cambria Math" panose="02040503050406030204" pitchFamily="18" charset="0"/>
+                        </a:rPr>
+                        <m:t>+</m:t>
+                      </m:r>
+                      <m:r>
+                        <a:rPr lang="en-US" altLang="ja-JP" sz="3200" b="0" i="1" smtClean="0">
+                          <a:latin typeface="Cambria Math" panose="02040503050406030204" pitchFamily="18" charset="0"/>
+                        </a:rPr>
+                        <m:t>𝑏</m:t>
+                      </m:r>
+                      <m:d>
+                        <m:dPr>
+                          <m:begChr m:val="{"/>
+                          <m:endChr m:val="}"/>
+                          <m:ctrlPr>
+                            <a:rPr lang="en-US" altLang="ja-JP" sz="3200" i="1">
+                              <a:latin typeface="Cambria Math" panose="02040503050406030204" pitchFamily="18" charset="0"/>
+                            </a:rPr>
+                          </m:ctrlPr>
+                        </m:dPr>
+                        <m:e>
+                          <m:r>
+                            <a:rPr lang="en-US" altLang="ja-JP" sz="3200" b="0" i="1" smtClean="0">
+                              <a:latin typeface="Cambria Math" panose="02040503050406030204" pitchFamily="18" charset="0"/>
+                            </a:rPr>
+                            <m:t>𝑌</m:t>
+                          </m:r>
+                          <m:r>
+                            <a:rPr lang="en-US" altLang="ja-JP" sz="3200" i="1">
+                              <a:latin typeface="Cambria Math" panose="02040503050406030204" pitchFamily="18" charset="0"/>
+                            </a:rPr>
+                            <m:t>,</m:t>
+                          </m:r>
+                          <m:r>
+                            <a:rPr lang="en-US" altLang="ja-JP" sz="3200" i="1">
+                              <a:latin typeface="Cambria Math" panose="02040503050406030204" pitchFamily="18" charset="0"/>
+                            </a:rPr>
+                            <m:t>𝑍</m:t>
+                          </m:r>
+                        </m:e>
+                      </m:d>
+                    </m:oMath>
+                  </m:oMathPara>
+                </a14:m>
+                <a:br>
+                  <a:rPr kumimoji="1" lang="en-US" altLang="ja-JP" sz="3200" b="0"/>
+                </a:br>
+                <a:endParaRPr lang="ja-JP" altLang="en-US" sz="3200"/>
+              </a:p>
+            </p:txBody>
+          </p:sp>
+        </mc:Choice>
+        <mc:Fallback>
+          <p:sp>
+            <p:nvSpPr>
+              <p:cNvPr id="7" name="テキスト ボックス 6">
+                <a:extLst>
+                  <a:ext uri="{FF2B5EF4-FFF2-40B4-BE49-F238E27FC236}">
+                    <a16:creationId xmlns:a16="http://schemas.microsoft.com/office/drawing/2014/main" id="{6E970A09-2892-9649-4CC6-5E82384B820F}"/>
+                  </a:ext>
+                </a:extLst>
+              </p:cNvPr>
+              <p:cNvSpPr txBox="1">
+                <a:spLocks noRot="1" noChangeAspect="1" noMove="1" noResize="1" noEditPoints="1" noAdjustHandles="1" noChangeArrowheads="1" noChangeShapeType="1" noTextEdit="1"/>
+              </p:cNvSpPr>
+              <p:nvPr/>
+            </p:nvSpPr>
+            <p:spPr>
+              <a:xfrm>
+                <a:off x="2771800" y="1844824"/>
+                <a:ext cx="6120680" cy="584840"/>
+              </a:xfrm>
+              <a:prstGeom prst="rect">
+                <a:avLst/>
+              </a:prstGeom>
+              <a:blipFill>
+                <a:blip r:embed="rId3"/>
+                <a:stretch>
+                  <a:fillRect/>
+                </a:stretch>
+              </a:blipFill>
+            </p:spPr>
+            <p:txBody>
+              <a:bodyPr/>
+              <a:lstStyle/>
+              <a:p>
+                <a:r>
+                  <a:rPr lang="ja-JP" altLang="en-US">
+                    <a:noFill/>
+                  </a:rPr>
+                  <a:t> </a:t>
+                </a:r>
+              </a:p>
+            </p:txBody>
+          </p:sp>
+        </mc:Fallback>
+      </mc:AlternateContent>
+      <mc:AlternateContent xmlns:mc="http://schemas.openxmlformats.org/markup-compatibility/2006">
+        <mc:Choice xmlns:a14="http://schemas.microsoft.com/office/drawing/2010/main" Requires="a14">
+          <p:sp>
+            <p:nvSpPr>
+              <p:cNvPr id="8" name="テキスト ボックス 7">
+                <a:extLst>
+                  <a:ext uri="{FF2B5EF4-FFF2-40B4-BE49-F238E27FC236}">
+                    <a16:creationId xmlns:a16="http://schemas.microsoft.com/office/drawing/2014/main" id="{27351513-6B3B-07B3-A425-8CC6B7D566CD}"/>
+                  </a:ext>
+                </a:extLst>
+              </p:cNvPr>
+              <p:cNvSpPr txBox="1"/>
+              <p:nvPr/>
+            </p:nvSpPr>
+            <p:spPr>
+              <a:xfrm>
+                <a:off x="2771800" y="2564904"/>
+                <a:ext cx="6120680" cy="584840"/>
+              </a:xfrm>
+              <a:prstGeom prst="rect">
+                <a:avLst/>
+              </a:prstGeom>
+              <a:noFill/>
+            </p:spPr>
+            <p:txBody>
+              <a:bodyPr wrap="square">
+                <a:spAutoFit/>
+              </a:bodyPr>
+              <a:lstStyle/>
+              <a:p>
+                <a:pPr/>
+                <a14:m>
+                  <m:oMathPara xmlns:m="http://schemas.openxmlformats.org/officeDocument/2006/math">
+                    <m:oMathParaPr>
+                      <m:jc m:val="centerGroup"/>
+                    </m:oMathParaPr>
+                    <m:oMath xmlns:m="http://schemas.openxmlformats.org/officeDocument/2006/math">
+                      <m:d>
+                        <m:dPr>
+                          <m:begChr m:val="{"/>
+                          <m:endChr m:val="}"/>
+                          <m:ctrlPr>
+                            <a:rPr kumimoji="1" lang="en-US" altLang="ja-JP" sz="3200" b="0" i="1" smtClean="0">
+                              <a:latin typeface="Cambria Math" panose="02040503050406030204" pitchFamily="18" charset="0"/>
+                            </a:rPr>
+                          </m:ctrlPr>
+                        </m:dPr>
+                        <m:e>
+                          <m:r>
+                            <a:rPr kumimoji="1" lang="en-US" altLang="ja-JP" sz="3200" b="0" i="1" smtClean="0">
+                              <a:latin typeface="Cambria Math" panose="02040503050406030204" pitchFamily="18" charset="0"/>
+                            </a:rPr>
+                            <m:t>𝑋</m:t>
+                          </m:r>
+                          <m:r>
+                            <a:rPr kumimoji="1" lang="en-US" altLang="ja-JP" sz="3200" b="0" i="1" smtClean="0">
+                              <a:latin typeface="Cambria Math" panose="02040503050406030204" pitchFamily="18" charset="0"/>
+                            </a:rPr>
+                            <m:t>,</m:t>
+                          </m:r>
+                          <m:r>
+                            <a:rPr kumimoji="1" lang="en-US" altLang="ja-JP" sz="3200" b="0" i="1" smtClean="0">
+                              <a:latin typeface="Cambria Math" panose="02040503050406030204" pitchFamily="18" charset="0"/>
+                            </a:rPr>
+                            <m:t>𝑎𝑌</m:t>
+                          </m:r>
+                          <m:r>
+                            <a:rPr kumimoji="1" lang="en-US" altLang="ja-JP" sz="3200" b="0" i="1" smtClean="0">
+                              <a:latin typeface="Cambria Math" panose="02040503050406030204" pitchFamily="18" charset="0"/>
+                            </a:rPr>
+                            <m:t>+</m:t>
+                          </m:r>
+                          <m:r>
+                            <a:rPr kumimoji="1" lang="en-US" altLang="ja-JP" sz="3200" b="0" i="1" smtClean="0">
+                              <a:latin typeface="Cambria Math" panose="02040503050406030204" pitchFamily="18" charset="0"/>
+                            </a:rPr>
+                            <m:t>𝑏𝑍</m:t>
+                          </m:r>
+                        </m:e>
+                      </m:d>
+                      <m:r>
+                        <a:rPr kumimoji="1" lang="en-US" altLang="ja-JP" sz="3200" b="0" i="1" smtClean="0">
+                          <a:latin typeface="Cambria Math" panose="02040503050406030204" pitchFamily="18" charset="0"/>
+                        </a:rPr>
+                        <m:t>=</m:t>
+                      </m:r>
+                      <m:r>
+                        <a:rPr kumimoji="1" lang="en-US" altLang="ja-JP" sz="3200" b="0" i="1" smtClean="0">
+                          <a:latin typeface="Cambria Math" panose="02040503050406030204" pitchFamily="18" charset="0"/>
+                        </a:rPr>
+                        <m:t>𝑎</m:t>
+                      </m:r>
+                      <m:d>
+                        <m:dPr>
+                          <m:begChr m:val="{"/>
+                          <m:endChr m:val="}"/>
+                          <m:ctrlPr>
+                            <a:rPr lang="en-US" altLang="ja-JP" sz="3200" i="1">
+                              <a:latin typeface="Cambria Math" panose="02040503050406030204" pitchFamily="18" charset="0"/>
+                            </a:rPr>
+                          </m:ctrlPr>
+                        </m:dPr>
+                        <m:e>
+                          <m:r>
+                            <a:rPr lang="en-US" altLang="ja-JP" sz="3200" b="0" i="1" smtClean="0">
+                              <a:latin typeface="Cambria Math" panose="02040503050406030204" pitchFamily="18" charset="0"/>
+                            </a:rPr>
+                            <m:t>𝑋</m:t>
+                          </m:r>
+                          <m:r>
+                            <a:rPr lang="en-US" altLang="ja-JP" sz="3200" i="1">
+                              <a:latin typeface="Cambria Math" panose="02040503050406030204" pitchFamily="18" charset="0"/>
+                            </a:rPr>
+                            <m:t>,</m:t>
+                          </m:r>
+                          <m:r>
+                            <a:rPr lang="en-US" altLang="ja-JP" sz="3200" b="0" i="1" smtClean="0">
+                              <a:latin typeface="Cambria Math" panose="02040503050406030204" pitchFamily="18" charset="0"/>
+                            </a:rPr>
+                            <m:t>𝑌</m:t>
+                          </m:r>
+                        </m:e>
+                      </m:d>
+                      <m:r>
+                        <a:rPr lang="en-US" altLang="ja-JP" sz="3200" b="0" i="1" smtClean="0">
+                          <a:latin typeface="Cambria Math" panose="02040503050406030204" pitchFamily="18" charset="0"/>
+                        </a:rPr>
+                        <m:t>+</m:t>
+                      </m:r>
+                      <m:r>
+                        <a:rPr lang="en-US" altLang="ja-JP" sz="3200" b="0" i="1" smtClean="0">
+                          <a:latin typeface="Cambria Math" panose="02040503050406030204" pitchFamily="18" charset="0"/>
+                        </a:rPr>
+                        <m:t>𝑏</m:t>
+                      </m:r>
+                      <m:d>
+                        <m:dPr>
+                          <m:begChr m:val="{"/>
+                          <m:endChr m:val="}"/>
+                          <m:ctrlPr>
+                            <a:rPr lang="en-US" altLang="ja-JP" sz="3200" i="1">
+                              <a:latin typeface="Cambria Math" panose="02040503050406030204" pitchFamily="18" charset="0"/>
+                            </a:rPr>
+                          </m:ctrlPr>
+                        </m:dPr>
+                        <m:e>
+                          <m:r>
+                            <a:rPr lang="en-US" altLang="ja-JP" sz="3200" b="0" i="1" smtClean="0">
+                              <a:latin typeface="Cambria Math" panose="02040503050406030204" pitchFamily="18" charset="0"/>
+                            </a:rPr>
+                            <m:t>𝑋</m:t>
+                          </m:r>
+                          <m:r>
+                            <a:rPr lang="en-US" altLang="ja-JP" sz="3200" i="1">
+                              <a:latin typeface="Cambria Math" panose="02040503050406030204" pitchFamily="18" charset="0"/>
+                            </a:rPr>
+                            <m:t>,</m:t>
+                          </m:r>
+                          <m:r>
+                            <a:rPr lang="en-US" altLang="ja-JP" sz="3200" i="1">
+                              <a:latin typeface="Cambria Math" panose="02040503050406030204" pitchFamily="18" charset="0"/>
+                            </a:rPr>
+                            <m:t>𝑍</m:t>
+                          </m:r>
+                        </m:e>
+                      </m:d>
+                    </m:oMath>
+                  </m:oMathPara>
+                </a14:m>
+                <a:br>
+                  <a:rPr kumimoji="1" lang="en-US" altLang="ja-JP" sz="3200" b="0"/>
+                </a:br>
+                <a:endParaRPr lang="ja-JP" altLang="en-US" sz="3200"/>
+              </a:p>
+            </p:txBody>
+          </p:sp>
+        </mc:Choice>
+        <mc:Fallback>
+          <p:sp>
+            <p:nvSpPr>
+              <p:cNvPr id="8" name="テキスト ボックス 7">
+                <a:extLst>
+                  <a:ext uri="{FF2B5EF4-FFF2-40B4-BE49-F238E27FC236}">
+                    <a16:creationId xmlns:a16="http://schemas.microsoft.com/office/drawing/2014/main" id="{27351513-6B3B-07B3-A425-8CC6B7D566CD}"/>
+                  </a:ext>
+                </a:extLst>
+              </p:cNvPr>
+              <p:cNvSpPr txBox="1">
+                <a:spLocks noRot="1" noChangeAspect="1" noMove="1" noResize="1" noEditPoints="1" noAdjustHandles="1" noChangeArrowheads="1" noChangeShapeType="1" noTextEdit="1"/>
+              </p:cNvSpPr>
+              <p:nvPr/>
+            </p:nvSpPr>
+            <p:spPr>
+              <a:xfrm>
+                <a:off x="2771800" y="2564904"/>
+                <a:ext cx="6120680" cy="584840"/>
+              </a:xfrm>
+              <a:prstGeom prst="rect">
+                <a:avLst/>
+              </a:prstGeom>
+              <a:blipFill>
+                <a:blip r:embed="rId4"/>
+                <a:stretch>
+                  <a:fillRect/>
+                </a:stretch>
+              </a:blipFill>
+            </p:spPr>
+            <p:txBody>
+              <a:bodyPr/>
+              <a:lstStyle/>
+              <a:p>
+                <a:r>
+                  <a:rPr lang="ja-JP" altLang="en-US">
+                    <a:noFill/>
+                  </a:rPr>
+                  <a:t> </a:t>
+                </a:r>
+              </a:p>
+            </p:txBody>
+          </p:sp>
+        </mc:Fallback>
+      </mc:AlternateContent>
+      <p:sp>
+        <p:nvSpPr>
+          <p:cNvPr id="9" name="テキスト ボックス 8">
+            <a:extLst>
+              <a:ext uri="{FF2B5EF4-FFF2-40B4-BE49-F238E27FC236}">
+                <a16:creationId xmlns:a16="http://schemas.microsoft.com/office/drawing/2014/main" id="{B642026B-E6D5-9D85-A15F-A801DF07E620}"/>
+              </a:ext>
+            </a:extLst>
+          </p:cNvPr>
+          <p:cNvSpPr txBox="1"/>
+          <p:nvPr/>
+        </p:nvSpPr>
+        <p:spPr>
+          <a:xfrm>
+            <a:off x="251520" y="3501008"/>
+            <a:ext cx="2646878" cy="584775"/>
+          </a:xfrm>
+          <a:prstGeom prst="rect">
+            <a:avLst/>
+          </a:prstGeom>
+          <a:noFill/>
+        </p:spPr>
+        <p:txBody>
+          <a:bodyPr wrap="none" rtlCol="0">
+            <a:spAutoFit/>
+          </a:bodyPr>
+          <a:lstStyle/>
+          <a:p>
+            <a:r>
+              <a:rPr lang="ja-JP" altLang="en-US" sz="3200"/>
+              <a:t>ヤコビ恒等式</a:t>
+            </a:r>
+            <a:endParaRPr kumimoji="1" lang="ja-JP" altLang="en-US" sz="3200"/>
+          </a:p>
+        </p:txBody>
+      </p:sp>
+      <mc:AlternateContent xmlns:mc="http://schemas.openxmlformats.org/markup-compatibility/2006">
+        <mc:Choice xmlns:a14="http://schemas.microsoft.com/office/drawing/2010/main" Requires="a14">
+          <p:sp>
+            <p:nvSpPr>
+              <p:cNvPr id="10" name="テキスト ボックス 9">
+                <a:extLst>
+                  <a:ext uri="{FF2B5EF4-FFF2-40B4-BE49-F238E27FC236}">
+                    <a16:creationId xmlns:a16="http://schemas.microsoft.com/office/drawing/2014/main" id="{FFDA3994-C254-89B8-915A-43FED58B8938}"/>
+                  </a:ext>
+                </a:extLst>
+              </p:cNvPr>
+              <p:cNvSpPr txBox="1"/>
+              <p:nvPr/>
+            </p:nvSpPr>
+            <p:spPr>
+              <a:xfrm>
+                <a:off x="2915816" y="3615407"/>
+                <a:ext cx="5976664" cy="461665"/>
+              </a:xfrm>
+              <a:prstGeom prst="rect">
+                <a:avLst/>
+              </a:prstGeom>
+              <a:noFill/>
+            </p:spPr>
+            <p:txBody>
+              <a:bodyPr wrap="square">
+                <a:spAutoFit/>
+              </a:bodyPr>
+              <a:lstStyle/>
+              <a:p>
+                <a:pPr/>
+                <a14:m>
+                  <m:oMath xmlns:m="http://schemas.openxmlformats.org/officeDocument/2006/math">
+                    <m:d>
+                      <m:dPr>
+                        <m:begChr m:val="{"/>
+                        <m:endChr m:val="}"/>
+                        <m:ctrlPr>
+                          <a:rPr lang="en-US" altLang="ja-JP" sz="2400" i="1" smtClean="0">
+                            <a:latin typeface="Cambria Math" panose="02040503050406030204" pitchFamily="18" charset="0"/>
+                          </a:rPr>
+                        </m:ctrlPr>
+                      </m:dPr>
+                      <m:e>
+                        <m:r>
+                          <a:rPr lang="en-US" altLang="ja-JP" sz="2400" i="1">
+                            <a:latin typeface="Cambria Math" panose="02040503050406030204" pitchFamily="18" charset="0"/>
+                          </a:rPr>
+                          <m:t>𝑋</m:t>
+                        </m:r>
+                        <m:r>
+                          <a:rPr lang="en-US" altLang="ja-JP" sz="2400" i="1">
+                            <a:latin typeface="Cambria Math" panose="02040503050406030204" pitchFamily="18" charset="0"/>
+                          </a:rPr>
+                          <m:t>,</m:t>
+                        </m:r>
+                        <m:d>
+                          <m:dPr>
+                            <m:begChr m:val="{"/>
+                            <m:endChr m:val="}"/>
+                            <m:ctrlPr>
+                              <a:rPr lang="en-US" altLang="ja-JP" sz="2400" i="1">
+                                <a:latin typeface="Cambria Math" panose="02040503050406030204" pitchFamily="18" charset="0"/>
+                              </a:rPr>
+                            </m:ctrlPr>
+                          </m:dPr>
+                          <m:e>
+                            <m:r>
+                              <a:rPr lang="en-US" altLang="ja-JP" sz="2400" i="1">
+                                <a:latin typeface="Cambria Math" panose="02040503050406030204" pitchFamily="18" charset="0"/>
+                              </a:rPr>
+                              <m:t>𝑌</m:t>
+                            </m:r>
+                            <m:r>
+                              <a:rPr lang="en-US" altLang="ja-JP" sz="2400" i="1">
+                                <a:latin typeface="Cambria Math" panose="02040503050406030204" pitchFamily="18" charset="0"/>
+                              </a:rPr>
+                              <m:t>,</m:t>
+                            </m:r>
+                            <m:r>
+                              <a:rPr lang="en-US" altLang="ja-JP" sz="2400" i="1">
+                                <a:latin typeface="Cambria Math" panose="02040503050406030204" pitchFamily="18" charset="0"/>
+                              </a:rPr>
+                              <m:t>𝑍</m:t>
+                            </m:r>
+                          </m:e>
+                        </m:d>
+                        <m:r>
+                          <a:rPr lang="en-US" altLang="ja-JP" sz="2400" i="1">
+                            <a:latin typeface="Cambria Math" panose="02040503050406030204" pitchFamily="18" charset="0"/>
+                          </a:rPr>
+                          <m:t> </m:t>
+                        </m:r>
+                      </m:e>
+                    </m:d>
+                    <m:r>
+                      <a:rPr lang="en-US" altLang="ja-JP" sz="2400" i="1">
+                        <a:latin typeface="Cambria Math" panose="02040503050406030204" pitchFamily="18" charset="0"/>
+                      </a:rPr>
+                      <m:t>+</m:t>
+                    </m:r>
+                  </m:oMath>
+                </a14:m>
+                <a:r>
+                  <a:rPr lang="en-US" altLang="ja-JP" sz="2400"/>
+                  <a:t> </a:t>
+                </a:r>
+                <a14:m>
+                  <m:oMath xmlns:m="http://schemas.openxmlformats.org/officeDocument/2006/math">
+                    <m:d>
+                      <m:dPr>
+                        <m:begChr m:val="{"/>
+                        <m:endChr m:val="}"/>
+                        <m:ctrlPr>
+                          <a:rPr lang="en-US" altLang="ja-JP" sz="2400" i="1">
+                            <a:latin typeface="Cambria Math" panose="02040503050406030204" pitchFamily="18" charset="0"/>
+                          </a:rPr>
+                        </m:ctrlPr>
+                      </m:dPr>
+                      <m:e>
+                        <m:r>
+                          <a:rPr lang="en-US" altLang="ja-JP" sz="2400" b="0" i="1" smtClean="0">
+                            <a:latin typeface="Cambria Math" panose="02040503050406030204" pitchFamily="18" charset="0"/>
+                          </a:rPr>
+                          <m:t>𝑌</m:t>
+                        </m:r>
+                        <m:r>
+                          <a:rPr lang="en-US" altLang="ja-JP" sz="2400" i="1">
+                            <a:latin typeface="Cambria Math" panose="02040503050406030204" pitchFamily="18" charset="0"/>
+                          </a:rPr>
+                          <m:t>,</m:t>
+                        </m:r>
+                        <m:d>
+                          <m:dPr>
+                            <m:begChr m:val="{"/>
+                            <m:endChr m:val="}"/>
+                            <m:ctrlPr>
+                              <a:rPr lang="en-US" altLang="ja-JP" sz="2400" i="1">
+                                <a:latin typeface="Cambria Math" panose="02040503050406030204" pitchFamily="18" charset="0"/>
+                              </a:rPr>
+                            </m:ctrlPr>
+                          </m:dPr>
+                          <m:e>
+                            <m:r>
+                              <a:rPr lang="en-US" altLang="ja-JP" sz="2400" b="0" i="1" smtClean="0">
+                                <a:latin typeface="Cambria Math" panose="02040503050406030204" pitchFamily="18" charset="0"/>
+                              </a:rPr>
+                              <m:t>𝑍</m:t>
+                            </m:r>
+                            <m:r>
+                              <a:rPr lang="en-US" altLang="ja-JP" sz="2400" i="1">
+                                <a:latin typeface="Cambria Math" panose="02040503050406030204" pitchFamily="18" charset="0"/>
+                              </a:rPr>
+                              <m:t>,</m:t>
+                            </m:r>
+                            <m:r>
+                              <a:rPr lang="en-US" altLang="ja-JP" sz="2400" b="0" i="1" smtClean="0">
+                                <a:latin typeface="Cambria Math" panose="02040503050406030204" pitchFamily="18" charset="0"/>
+                              </a:rPr>
+                              <m:t>𝑋</m:t>
+                            </m:r>
+                          </m:e>
+                        </m:d>
+                        <m:r>
+                          <a:rPr lang="en-US" altLang="ja-JP" sz="2400" i="1">
+                            <a:latin typeface="Cambria Math" panose="02040503050406030204" pitchFamily="18" charset="0"/>
+                          </a:rPr>
+                          <m:t> </m:t>
+                        </m:r>
+                      </m:e>
+                    </m:d>
+                    <m:r>
+                      <a:rPr lang="en-US" altLang="ja-JP" sz="2400" i="1">
+                        <a:latin typeface="Cambria Math" panose="02040503050406030204" pitchFamily="18" charset="0"/>
+                      </a:rPr>
+                      <m:t>+</m:t>
+                    </m:r>
+                  </m:oMath>
+                </a14:m>
+                <a:r>
+                  <a:rPr lang="en-US" altLang="ja-JP" sz="2400"/>
+                  <a:t> </a:t>
+                </a:r>
+                <a14:m>
+                  <m:oMath xmlns:m="http://schemas.openxmlformats.org/officeDocument/2006/math">
+                    <m:d>
+                      <m:dPr>
+                        <m:begChr m:val="{"/>
+                        <m:endChr m:val="}"/>
+                        <m:ctrlPr>
+                          <a:rPr lang="en-US" altLang="ja-JP" sz="2400" i="1">
+                            <a:latin typeface="Cambria Math" panose="02040503050406030204" pitchFamily="18" charset="0"/>
+                          </a:rPr>
+                        </m:ctrlPr>
+                      </m:dPr>
+                      <m:e>
+                        <m:r>
+                          <a:rPr lang="en-US" altLang="ja-JP" sz="2400" b="0" i="1" smtClean="0">
+                            <a:latin typeface="Cambria Math" panose="02040503050406030204" pitchFamily="18" charset="0"/>
+                          </a:rPr>
+                          <m:t>𝑍</m:t>
+                        </m:r>
+                        <m:r>
+                          <a:rPr lang="en-US" altLang="ja-JP" sz="2400" i="1">
+                            <a:latin typeface="Cambria Math" panose="02040503050406030204" pitchFamily="18" charset="0"/>
+                          </a:rPr>
+                          <m:t>,</m:t>
+                        </m:r>
+                        <m:d>
+                          <m:dPr>
+                            <m:begChr m:val="{"/>
+                            <m:endChr m:val="}"/>
+                            <m:ctrlPr>
+                              <a:rPr lang="en-US" altLang="ja-JP" sz="2400" i="1">
+                                <a:latin typeface="Cambria Math" panose="02040503050406030204" pitchFamily="18" charset="0"/>
+                              </a:rPr>
+                            </m:ctrlPr>
+                          </m:dPr>
+                          <m:e>
+                            <m:r>
+                              <a:rPr lang="en-US" altLang="ja-JP" sz="2400" b="0" i="1" smtClean="0">
+                                <a:latin typeface="Cambria Math" panose="02040503050406030204" pitchFamily="18" charset="0"/>
+                              </a:rPr>
+                              <m:t>𝑋</m:t>
+                            </m:r>
+                            <m:r>
+                              <a:rPr lang="en-US" altLang="ja-JP" sz="2400" i="1">
+                                <a:latin typeface="Cambria Math" panose="02040503050406030204" pitchFamily="18" charset="0"/>
+                              </a:rPr>
+                              <m:t>,</m:t>
+                            </m:r>
+                            <m:r>
+                              <a:rPr lang="en-US" altLang="ja-JP" sz="2400" b="0" i="1" smtClean="0">
+                                <a:latin typeface="Cambria Math" panose="02040503050406030204" pitchFamily="18" charset="0"/>
+                              </a:rPr>
+                              <m:t>𝑌</m:t>
+                            </m:r>
+                          </m:e>
+                        </m:d>
+                        <m:r>
+                          <a:rPr lang="en-US" altLang="ja-JP" sz="2400" i="1">
+                            <a:latin typeface="Cambria Math" panose="02040503050406030204" pitchFamily="18" charset="0"/>
+                          </a:rPr>
+                          <m:t> </m:t>
+                        </m:r>
+                      </m:e>
+                    </m:d>
+                    <m:r>
+                      <a:rPr lang="en-US" altLang="ja-JP" sz="2400" b="0" i="1" smtClean="0">
+                        <a:latin typeface="Cambria Math" panose="02040503050406030204" pitchFamily="18" charset="0"/>
+                      </a:rPr>
+                      <m:t>=0</m:t>
+                    </m:r>
+                  </m:oMath>
+                </a14:m>
+                <a:endParaRPr lang="ja-JP" altLang="en-US" sz="2400"/>
+              </a:p>
+            </p:txBody>
+          </p:sp>
+        </mc:Choice>
+        <mc:Fallback>
+          <p:sp>
+            <p:nvSpPr>
+              <p:cNvPr id="10" name="テキスト ボックス 9">
+                <a:extLst>
+                  <a:ext uri="{FF2B5EF4-FFF2-40B4-BE49-F238E27FC236}">
+                    <a16:creationId xmlns:a16="http://schemas.microsoft.com/office/drawing/2014/main" id="{FFDA3994-C254-89B8-915A-43FED58B8938}"/>
+                  </a:ext>
+                </a:extLst>
+              </p:cNvPr>
+              <p:cNvSpPr txBox="1">
+                <a:spLocks noRot="1" noChangeAspect="1" noMove="1" noResize="1" noEditPoints="1" noAdjustHandles="1" noChangeArrowheads="1" noChangeShapeType="1" noTextEdit="1"/>
+              </p:cNvSpPr>
+              <p:nvPr/>
+            </p:nvSpPr>
+            <p:spPr>
+              <a:xfrm>
+                <a:off x="2915816" y="3615407"/>
+                <a:ext cx="5976664" cy="461665"/>
+              </a:xfrm>
+              <a:prstGeom prst="rect">
+                <a:avLst/>
+              </a:prstGeom>
+              <a:blipFill>
+                <a:blip r:embed="rId5"/>
+                <a:stretch>
+                  <a:fillRect/>
+                </a:stretch>
+              </a:blipFill>
+            </p:spPr>
+            <p:txBody>
+              <a:bodyPr/>
+              <a:lstStyle/>
+              <a:p>
+                <a:r>
+                  <a:rPr lang="ja-JP" altLang="en-US">
+                    <a:noFill/>
+                  </a:rPr>
+                  <a:t> </a:t>
+                </a:r>
+              </a:p>
+            </p:txBody>
+          </p:sp>
+        </mc:Fallback>
+      </mc:AlternateContent>
+      <p:sp>
+        <p:nvSpPr>
+          <p:cNvPr id="11" name="テキスト ボックス 10">
+            <a:extLst>
+              <a:ext uri="{FF2B5EF4-FFF2-40B4-BE49-F238E27FC236}">
+                <a16:creationId xmlns:a16="http://schemas.microsoft.com/office/drawing/2014/main" id="{D6BB88B7-D627-0195-7B0B-C8F13763326B}"/>
+              </a:ext>
+            </a:extLst>
+          </p:cNvPr>
+          <p:cNvSpPr txBox="1"/>
+          <p:nvPr/>
+        </p:nvSpPr>
+        <p:spPr>
+          <a:xfrm>
+            <a:off x="179512" y="4869160"/>
+            <a:ext cx="3057247" cy="584775"/>
+          </a:xfrm>
+          <a:prstGeom prst="rect">
+            <a:avLst/>
+          </a:prstGeom>
+          <a:noFill/>
+        </p:spPr>
+        <p:txBody>
+          <a:bodyPr wrap="none" rtlCol="0">
+            <a:spAutoFit/>
+          </a:bodyPr>
+          <a:lstStyle/>
+          <a:p>
+            <a:r>
+              <a:rPr kumimoji="1" lang="ja-JP" altLang="en-US" sz="3200"/>
+              <a:t>ライプニッツ</a:t>
+            </a:r>
+            <a:r>
+              <a:rPr lang="ja-JP" altLang="en-US" sz="3200"/>
+              <a:t>則</a:t>
+            </a:r>
+            <a:endParaRPr kumimoji="1" lang="ja-JP" altLang="en-US" sz="3200"/>
+          </a:p>
+        </p:txBody>
+      </p:sp>
+      <mc:AlternateContent xmlns:mc="http://schemas.openxmlformats.org/markup-compatibility/2006">
+        <mc:Choice xmlns:a14="http://schemas.microsoft.com/office/drawing/2010/main" Requires="a14">
+          <p:sp>
+            <p:nvSpPr>
+              <p:cNvPr id="12" name="テキスト ボックス 11">
+                <a:extLst>
+                  <a:ext uri="{FF2B5EF4-FFF2-40B4-BE49-F238E27FC236}">
+                    <a16:creationId xmlns:a16="http://schemas.microsoft.com/office/drawing/2014/main" id="{0CC3252C-58E4-5C1B-0FC3-DF8E7D7D1629}"/>
+                  </a:ext>
+                </a:extLst>
+              </p:cNvPr>
+              <p:cNvSpPr txBox="1"/>
+              <p:nvPr/>
+            </p:nvSpPr>
+            <p:spPr>
+              <a:xfrm>
+                <a:off x="3347864" y="4797152"/>
+                <a:ext cx="5112568" cy="584840"/>
+              </a:xfrm>
+              <a:prstGeom prst="rect">
+                <a:avLst/>
+              </a:prstGeom>
+              <a:noFill/>
+            </p:spPr>
+            <p:txBody>
+              <a:bodyPr wrap="square">
+                <a:spAutoFit/>
+              </a:bodyPr>
+              <a:lstStyle/>
+              <a:p>
+                <a:pPr/>
+                <a14:m>
+                  <m:oMathPara xmlns:m="http://schemas.openxmlformats.org/officeDocument/2006/math">
+                    <m:oMathParaPr>
+                      <m:jc m:val="centerGroup"/>
+                    </m:oMathParaPr>
+                    <m:oMath xmlns:m="http://schemas.openxmlformats.org/officeDocument/2006/math">
+                      <m:d>
+                        <m:dPr>
+                          <m:begChr m:val="{"/>
+                          <m:endChr m:val="}"/>
+                          <m:ctrlPr>
+                            <a:rPr kumimoji="1" lang="en-US" altLang="ja-JP" sz="3200" b="0" i="1" smtClean="0">
+                              <a:latin typeface="Cambria Math" panose="02040503050406030204" pitchFamily="18" charset="0"/>
+                            </a:rPr>
+                          </m:ctrlPr>
+                        </m:dPr>
+                        <m:e>
+                          <m:r>
+                            <a:rPr kumimoji="1" lang="en-US" altLang="ja-JP" sz="3200" b="0" i="1" smtClean="0">
+                              <a:latin typeface="Cambria Math" panose="02040503050406030204" pitchFamily="18" charset="0"/>
+                            </a:rPr>
+                            <m:t>𝑋𝑌</m:t>
+                          </m:r>
+                          <m:r>
+                            <a:rPr kumimoji="1" lang="en-US" altLang="ja-JP" sz="3200" b="0" i="1" smtClean="0">
+                              <a:latin typeface="Cambria Math" panose="02040503050406030204" pitchFamily="18" charset="0"/>
+                            </a:rPr>
+                            <m:t>,</m:t>
+                          </m:r>
+                          <m:r>
+                            <a:rPr kumimoji="1" lang="en-US" altLang="ja-JP" sz="3200" b="0" i="1" smtClean="0">
+                              <a:latin typeface="Cambria Math" panose="02040503050406030204" pitchFamily="18" charset="0"/>
+                            </a:rPr>
+                            <m:t>𝑍</m:t>
+                          </m:r>
+                        </m:e>
+                      </m:d>
+                      <m:r>
+                        <a:rPr kumimoji="1" lang="en-US" altLang="ja-JP" sz="3200" b="0" i="1" smtClean="0">
+                          <a:latin typeface="Cambria Math" panose="02040503050406030204" pitchFamily="18" charset="0"/>
+                        </a:rPr>
+                        <m:t>=</m:t>
+                      </m:r>
+                      <m:r>
+                        <a:rPr kumimoji="1" lang="en-US" altLang="ja-JP" sz="3200" b="0" i="1" smtClean="0">
+                          <a:latin typeface="Cambria Math" panose="02040503050406030204" pitchFamily="18" charset="0"/>
+                        </a:rPr>
+                        <m:t>𝑋</m:t>
+                      </m:r>
+                      <m:d>
+                        <m:dPr>
+                          <m:begChr m:val="{"/>
+                          <m:endChr m:val="}"/>
+                          <m:ctrlPr>
+                            <a:rPr lang="en-US" altLang="ja-JP" sz="3200" i="1">
+                              <a:latin typeface="Cambria Math" panose="02040503050406030204" pitchFamily="18" charset="0"/>
+                            </a:rPr>
+                          </m:ctrlPr>
+                        </m:dPr>
+                        <m:e>
+                          <m:r>
+                            <a:rPr lang="en-US" altLang="ja-JP" sz="3200" b="0" i="1" smtClean="0">
+                              <a:latin typeface="Cambria Math" panose="02040503050406030204" pitchFamily="18" charset="0"/>
+                            </a:rPr>
+                            <m:t>𝑌</m:t>
+                          </m:r>
+                          <m:r>
+                            <a:rPr lang="en-US" altLang="ja-JP" sz="3200" i="1">
+                              <a:latin typeface="Cambria Math" panose="02040503050406030204" pitchFamily="18" charset="0"/>
+                            </a:rPr>
+                            <m:t>,</m:t>
+                          </m:r>
+                          <m:r>
+                            <a:rPr lang="en-US" altLang="ja-JP" sz="3200" b="0" i="1" smtClean="0">
+                              <a:latin typeface="Cambria Math" panose="02040503050406030204" pitchFamily="18" charset="0"/>
+                            </a:rPr>
+                            <m:t>𝑍</m:t>
+                          </m:r>
+                        </m:e>
+                      </m:d>
+                      <m:r>
+                        <a:rPr lang="en-US" altLang="ja-JP" sz="3200" b="0" i="1" smtClean="0">
+                          <a:latin typeface="Cambria Math" panose="02040503050406030204" pitchFamily="18" charset="0"/>
+                        </a:rPr>
+                        <m:t>+</m:t>
+                      </m:r>
+                      <m:d>
+                        <m:dPr>
+                          <m:begChr m:val="{"/>
+                          <m:endChr m:val="}"/>
+                          <m:ctrlPr>
+                            <a:rPr lang="en-US" altLang="ja-JP" sz="3200" i="1">
+                              <a:latin typeface="Cambria Math" panose="02040503050406030204" pitchFamily="18" charset="0"/>
+                            </a:rPr>
+                          </m:ctrlPr>
+                        </m:dPr>
+                        <m:e>
+                          <m:r>
+                            <a:rPr lang="en-US" altLang="ja-JP" sz="3200" b="0" i="1" smtClean="0">
+                              <a:latin typeface="Cambria Math" panose="02040503050406030204" pitchFamily="18" charset="0"/>
+                            </a:rPr>
+                            <m:t>𝑋</m:t>
+                          </m:r>
+                          <m:r>
+                            <a:rPr lang="en-US" altLang="ja-JP" sz="3200" i="1">
+                              <a:latin typeface="Cambria Math" panose="02040503050406030204" pitchFamily="18" charset="0"/>
+                            </a:rPr>
+                            <m:t>,</m:t>
+                          </m:r>
+                          <m:r>
+                            <a:rPr lang="en-US" altLang="ja-JP" sz="3200" i="1">
+                              <a:latin typeface="Cambria Math" panose="02040503050406030204" pitchFamily="18" charset="0"/>
+                            </a:rPr>
+                            <m:t>𝑍</m:t>
+                          </m:r>
+                        </m:e>
+                      </m:d>
+                      <m:r>
+                        <a:rPr lang="en-US" altLang="ja-JP" sz="3200" b="0" i="1" smtClean="0">
+                          <a:latin typeface="Cambria Math" panose="02040503050406030204" pitchFamily="18" charset="0"/>
+                        </a:rPr>
+                        <m:t>𝑌</m:t>
+                      </m:r>
+                    </m:oMath>
+                  </m:oMathPara>
+                </a14:m>
+                <a:br>
+                  <a:rPr kumimoji="1" lang="en-US" altLang="ja-JP" sz="3200" b="0"/>
+                </a:br>
+                <a:endParaRPr lang="ja-JP" altLang="en-US" sz="3200"/>
+              </a:p>
+            </p:txBody>
+          </p:sp>
+        </mc:Choice>
+        <mc:Fallback>
+          <p:sp>
+            <p:nvSpPr>
+              <p:cNvPr id="12" name="テキスト ボックス 11">
+                <a:extLst>
+                  <a:ext uri="{FF2B5EF4-FFF2-40B4-BE49-F238E27FC236}">
+                    <a16:creationId xmlns:a16="http://schemas.microsoft.com/office/drawing/2014/main" id="{0CC3252C-58E4-5C1B-0FC3-DF8E7D7D1629}"/>
+                  </a:ext>
+                </a:extLst>
+              </p:cNvPr>
+              <p:cNvSpPr txBox="1">
+                <a:spLocks noRot="1" noChangeAspect="1" noMove="1" noResize="1" noEditPoints="1" noAdjustHandles="1" noChangeArrowheads="1" noChangeShapeType="1" noTextEdit="1"/>
+              </p:cNvSpPr>
+              <p:nvPr/>
+            </p:nvSpPr>
+            <p:spPr>
+              <a:xfrm>
+                <a:off x="3347864" y="4797152"/>
+                <a:ext cx="5112568" cy="584840"/>
+              </a:xfrm>
+              <a:prstGeom prst="rect">
+                <a:avLst/>
+              </a:prstGeom>
+              <a:blipFill>
+                <a:blip r:embed="rId6"/>
+                <a:stretch>
+                  <a:fillRect/>
+                </a:stretch>
+              </a:blipFill>
+            </p:spPr>
+            <p:txBody>
+              <a:bodyPr/>
+              <a:lstStyle/>
+              <a:p>
+                <a:r>
+                  <a:rPr lang="ja-JP" altLang="en-US">
+                    <a:noFill/>
+                  </a:rPr>
+                  <a:t> </a:t>
+                </a:r>
+              </a:p>
+            </p:txBody>
+          </p:sp>
+        </mc:Fallback>
+      </mc:AlternateContent>
+      <mc:AlternateContent xmlns:mc="http://schemas.openxmlformats.org/markup-compatibility/2006">
+        <mc:Choice xmlns:a14="http://schemas.microsoft.com/office/drawing/2010/main" Requires="a14">
+          <p:sp>
+            <p:nvSpPr>
+              <p:cNvPr id="13" name="テキスト ボックス 12">
+                <a:extLst>
+                  <a:ext uri="{FF2B5EF4-FFF2-40B4-BE49-F238E27FC236}">
+                    <a16:creationId xmlns:a16="http://schemas.microsoft.com/office/drawing/2014/main" id="{2D8991F4-FE06-527F-A101-0344A08B0903}"/>
+                  </a:ext>
+                </a:extLst>
+              </p:cNvPr>
+              <p:cNvSpPr txBox="1"/>
+              <p:nvPr/>
+            </p:nvSpPr>
+            <p:spPr>
+              <a:xfrm>
+                <a:off x="3347864" y="5517232"/>
+                <a:ext cx="5112568" cy="584840"/>
+              </a:xfrm>
+              <a:prstGeom prst="rect">
+                <a:avLst/>
+              </a:prstGeom>
+              <a:noFill/>
+            </p:spPr>
+            <p:txBody>
+              <a:bodyPr wrap="square">
+                <a:spAutoFit/>
+              </a:bodyPr>
+              <a:lstStyle/>
+              <a:p>
+                <a:pPr/>
+                <a14:m>
+                  <m:oMathPara xmlns:m="http://schemas.openxmlformats.org/officeDocument/2006/math">
+                    <m:oMathParaPr>
+                      <m:jc m:val="centerGroup"/>
+                    </m:oMathParaPr>
+                    <m:oMath xmlns:m="http://schemas.openxmlformats.org/officeDocument/2006/math">
+                      <m:d>
+                        <m:dPr>
+                          <m:begChr m:val="{"/>
+                          <m:endChr m:val="}"/>
+                          <m:ctrlPr>
+                            <a:rPr kumimoji="1" lang="en-US" altLang="ja-JP" sz="3200" b="0" i="1" smtClean="0">
+                              <a:latin typeface="Cambria Math" panose="02040503050406030204" pitchFamily="18" charset="0"/>
+                            </a:rPr>
+                          </m:ctrlPr>
+                        </m:dPr>
+                        <m:e>
+                          <m:r>
+                            <a:rPr kumimoji="1" lang="en-US" altLang="ja-JP" sz="3200" b="0" i="1" smtClean="0">
+                              <a:latin typeface="Cambria Math" panose="02040503050406030204" pitchFamily="18" charset="0"/>
+                            </a:rPr>
+                            <m:t>𝑋</m:t>
+                          </m:r>
+                          <m:r>
+                            <a:rPr kumimoji="1" lang="en-US" altLang="ja-JP" sz="3200" b="0" i="1" smtClean="0">
+                              <a:latin typeface="Cambria Math" panose="02040503050406030204" pitchFamily="18" charset="0"/>
+                            </a:rPr>
+                            <m:t>,</m:t>
+                          </m:r>
+                          <m:r>
+                            <a:rPr kumimoji="1" lang="en-US" altLang="ja-JP" sz="3200" b="0" i="1" smtClean="0">
+                              <a:latin typeface="Cambria Math" panose="02040503050406030204" pitchFamily="18" charset="0"/>
+                            </a:rPr>
+                            <m:t>𝑌𝑍</m:t>
+                          </m:r>
+                        </m:e>
+                      </m:d>
+                      <m:r>
+                        <a:rPr kumimoji="1" lang="en-US" altLang="ja-JP" sz="3200" b="0" i="1" smtClean="0">
+                          <a:latin typeface="Cambria Math" panose="02040503050406030204" pitchFamily="18" charset="0"/>
+                        </a:rPr>
+                        <m:t>=</m:t>
+                      </m:r>
+                      <m:d>
+                        <m:dPr>
+                          <m:begChr m:val="{"/>
+                          <m:endChr m:val="}"/>
+                          <m:ctrlPr>
+                            <a:rPr lang="en-US" altLang="ja-JP" sz="3200" i="1">
+                              <a:latin typeface="Cambria Math" panose="02040503050406030204" pitchFamily="18" charset="0"/>
+                            </a:rPr>
+                          </m:ctrlPr>
+                        </m:dPr>
+                        <m:e>
+                          <m:r>
+                            <a:rPr lang="en-US" altLang="ja-JP" sz="3200" b="0" i="1" smtClean="0">
+                              <a:latin typeface="Cambria Math" panose="02040503050406030204" pitchFamily="18" charset="0"/>
+                            </a:rPr>
+                            <m:t>𝑋</m:t>
+                          </m:r>
+                          <m:r>
+                            <a:rPr lang="en-US" altLang="ja-JP" sz="3200" i="1">
+                              <a:latin typeface="Cambria Math" panose="02040503050406030204" pitchFamily="18" charset="0"/>
+                            </a:rPr>
+                            <m:t>,</m:t>
+                          </m:r>
+                          <m:r>
+                            <a:rPr lang="en-US" altLang="ja-JP" sz="3200" b="0" i="1" smtClean="0">
+                              <a:latin typeface="Cambria Math" panose="02040503050406030204" pitchFamily="18" charset="0"/>
+                            </a:rPr>
+                            <m:t>𝑌</m:t>
+                          </m:r>
+                        </m:e>
+                      </m:d>
+                      <m:r>
+                        <a:rPr lang="en-US" altLang="ja-JP" sz="3200" b="0" i="1" smtClean="0">
+                          <a:latin typeface="Cambria Math" panose="02040503050406030204" pitchFamily="18" charset="0"/>
+                        </a:rPr>
+                        <m:t>𝑍</m:t>
+                      </m:r>
+                      <m:r>
+                        <a:rPr lang="en-US" altLang="ja-JP" sz="3200" b="0" i="1" smtClean="0">
+                          <a:latin typeface="Cambria Math" panose="02040503050406030204" pitchFamily="18" charset="0"/>
+                        </a:rPr>
+                        <m:t>+</m:t>
+                      </m:r>
+                      <m:r>
+                        <a:rPr lang="en-US" altLang="ja-JP" sz="3200" b="0" i="1" smtClean="0">
+                          <a:latin typeface="Cambria Math" panose="02040503050406030204" pitchFamily="18" charset="0"/>
+                        </a:rPr>
+                        <m:t>𝑌</m:t>
+                      </m:r>
+                      <m:d>
+                        <m:dPr>
+                          <m:begChr m:val="{"/>
+                          <m:endChr m:val="}"/>
+                          <m:ctrlPr>
+                            <a:rPr lang="en-US" altLang="ja-JP" sz="3200" i="1">
+                              <a:latin typeface="Cambria Math" panose="02040503050406030204" pitchFamily="18" charset="0"/>
+                            </a:rPr>
+                          </m:ctrlPr>
+                        </m:dPr>
+                        <m:e>
+                          <m:r>
+                            <a:rPr lang="en-US" altLang="ja-JP" sz="3200" b="0" i="1" smtClean="0">
+                              <a:latin typeface="Cambria Math" panose="02040503050406030204" pitchFamily="18" charset="0"/>
+                            </a:rPr>
+                            <m:t>𝑋</m:t>
+                          </m:r>
+                          <m:r>
+                            <a:rPr lang="en-US" altLang="ja-JP" sz="3200" i="1">
+                              <a:latin typeface="Cambria Math" panose="02040503050406030204" pitchFamily="18" charset="0"/>
+                            </a:rPr>
+                            <m:t>,</m:t>
+                          </m:r>
+                          <m:r>
+                            <a:rPr lang="en-US" altLang="ja-JP" sz="3200" i="1">
+                              <a:latin typeface="Cambria Math" panose="02040503050406030204" pitchFamily="18" charset="0"/>
+                            </a:rPr>
+                            <m:t>𝑍</m:t>
+                          </m:r>
+                        </m:e>
+                      </m:d>
+                    </m:oMath>
+                  </m:oMathPara>
+                </a14:m>
+                <a:br>
+                  <a:rPr kumimoji="1" lang="en-US" altLang="ja-JP" sz="3200" b="0"/>
+                </a:br>
+                <a:endParaRPr lang="ja-JP" altLang="en-US" sz="3200"/>
+              </a:p>
+            </p:txBody>
+          </p:sp>
+        </mc:Choice>
+        <mc:Fallback>
+          <p:sp>
+            <p:nvSpPr>
+              <p:cNvPr id="13" name="テキスト ボックス 12">
+                <a:extLst>
+                  <a:ext uri="{FF2B5EF4-FFF2-40B4-BE49-F238E27FC236}">
+                    <a16:creationId xmlns:a16="http://schemas.microsoft.com/office/drawing/2014/main" id="{2D8991F4-FE06-527F-A101-0344A08B0903}"/>
+                  </a:ext>
+                </a:extLst>
+              </p:cNvPr>
+              <p:cNvSpPr txBox="1">
+                <a:spLocks noRot="1" noChangeAspect="1" noMove="1" noResize="1" noEditPoints="1" noAdjustHandles="1" noChangeArrowheads="1" noChangeShapeType="1" noTextEdit="1"/>
+              </p:cNvSpPr>
+              <p:nvPr/>
+            </p:nvSpPr>
+            <p:spPr>
+              <a:xfrm>
+                <a:off x="3347864" y="5517232"/>
+                <a:ext cx="5112568" cy="584840"/>
+              </a:xfrm>
+              <a:prstGeom prst="rect">
+                <a:avLst/>
+              </a:prstGeom>
+              <a:blipFill>
+                <a:blip r:embed="rId7"/>
+                <a:stretch>
+                  <a:fillRect/>
+                </a:stretch>
+              </a:blipFill>
+            </p:spPr>
+            <p:txBody>
+              <a:bodyPr/>
+              <a:lstStyle/>
+              <a:p>
+                <a:r>
+                  <a:rPr lang="ja-JP" altLang="en-US">
+                    <a:noFill/>
+                  </a:rPr>
+                  <a:t> </a:t>
+                </a:r>
+              </a:p>
+            </p:txBody>
+          </p:sp>
+        </mc:Fallback>
+      </mc:AlternateContent>
+    </p:spTree>
+    <p:extLst>
+      <p:ext uri="{BB962C8B-B14F-4D97-AF65-F5344CB8AC3E}">
+        <p14:creationId xmlns:p14="http://schemas.microsoft.com/office/powerpoint/2010/main" val="2063825927"/>
+      </p:ext>
+    </p:extLst>
+  </p:cSld>
+  <p:clrMapOvr>
+    <a:masterClrMapping/>
+  </p:clrMapOvr>
+</p:sld>
+</file>
+
+<file path=ppt/slides/slide15.xml><?xml version="1.0" encoding="utf-8"?>
+<p:sld xmlns:a="http://schemas.openxmlformats.org/drawingml/2006/main" xmlns:r="http://schemas.openxmlformats.org/officeDocument/2006/relationships" xmlns:p="http://schemas.openxmlformats.org/presentationml/2006/main">
+  <p:cSld>
+    <p:spTree>
+      <p:nvGrpSpPr>
+        <p:cNvPr id="1" name=""/>
+        <p:cNvGrpSpPr/>
+        <p:nvPr/>
+      </p:nvGrpSpPr>
+      <p:grpSpPr>
+        <a:xfrm>
+          <a:off x="0" y="0"/>
+          <a:ext cx="0" cy="0"/>
+          <a:chOff x="0" y="0"/>
+          <a:chExt cx="0" cy="0"/>
+        </a:xfrm>
+      </p:grpSpPr>
+      <p:sp>
+        <p:nvSpPr>
+          <p:cNvPr id="2" name="テキスト プレースホルダー 1">
+            <a:extLst>
+              <a:ext uri="{FF2B5EF4-FFF2-40B4-BE49-F238E27FC236}">
+                <a16:creationId xmlns:a16="http://schemas.microsoft.com/office/drawing/2014/main" id="{C4AA17C1-D544-BF05-079B-4309D03A8927}"/>
+              </a:ext>
+            </a:extLst>
+          </p:cNvPr>
+          <p:cNvSpPr>
+            <a:spLocks noGrp="1"/>
+          </p:cNvSpPr>
+          <p:nvPr>
+            <p:ph type="body" sz="quarter" idx="10"/>
+          </p:nvPr>
+        </p:nvSpPr>
+        <p:spPr/>
+        <p:txBody>
+          <a:bodyPr/>
+          <a:lstStyle/>
+          <a:p>
+            <a:r>
+              <a:rPr lang="ja-JP" altLang="en-US"/>
+              <a:t>ポアソン括弧の性質</a:t>
+            </a:r>
+            <a:endParaRPr kumimoji="1" lang="ja-JP" altLang="en-US"/>
+          </a:p>
+        </p:txBody>
+      </p:sp>
+      <mc:AlternateContent xmlns:mc="http://schemas.openxmlformats.org/markup-compatibility/2006">
+        <mc:Choice xmlns:a14="http://schemas.microsoft.com/office/drawing/2010/main" Requires="a14">
+          <p:sp>
+            <p:nvSpPr>
+              <p:cNvPr id="4" name="テキスト ボックス 3">
+                <a:extLst>
+                  <a:ext uri="{FF2B5EF4-FFF2-40B4-BE49-F238E27FC236}">
+                    <a16:creationId xmlns:a16="http://schemas.microsoft.com/office/drawing/2014/main" id="{DCB4CD29-B4D3-B931-133C-E4E682A18774}"/>
+                  </a:ext>
+                </a:extLst>
+              </p:cNvPr>
+              <p:cNvSpPr txBox="1"/>
+              <p:nvPr/>
+            </p:nvSpPr>
+            <p:spPr>
+              <a:xfrm>
+                <a:off x="2915816" y="980728"/>
+                <a:ext cx="3456384" cy="584840"/>
+              </a:xfrm>
+              <a:prstGeom prst="rect">
+                <a:avLst/>
+              </a:prstGeom>
+              <a:noFill/>
+            </p:spPr>
+            <p:txBody>
+              <a:bodyPr wrap="square">
+                <a:spAutoFit/>
+              </a:bodyPr>
+              <a:lstStyle/>
+              <a:p>
+                <a:pPr/>
+                <a14:m>
+                  <m:oMathPara xmlns:m="http://schemas.openxmlformats.org/officeDocument/2006/math">
+                    <m:oMathParaPr>
+                      <m:jc m:val="centerGroup"/>
+                    </m:oMathParaPr>
+                    <m:oMath xmlns:m="http://schemas.openxmlformats.org/officeDocument/2006/math">
+                      <m:d>
+                        <m:dPr>
+                          <m:begChr m:val="{"/>
+                          <m:endChr m:val="}"/>
+                          <m:ctrlPr>
+                            <a:rPr kumimoji="1" lang="en-US" altLang="ja-JP" sz="3200" b="0" i="1" smtClean="0">
+                              <a:latin typeface="Cambria Math" panose="02040503050406030204" pitchFamily="18" charset="0"/>
+                            </a:rPr>
+                          </m:ctrlPr>
+                        </m:dPr>
+                        <m:e>
+                          <m:r>
+                            <a:rPr kumimoji="1" lang="en-US" altLang="ja-JP" sz="3200" b="0" i="1" smtClean="0">
+                              <a:latin typeface="Cambria Math" panose="02040503050406030204" pitchFamily="18" charset="0"/>
+                            </a:rPr>
+                            <m:t>𝑋</m:t>
+                          </m:r>
+                          <m:r>
+                            <a:rPr kumimoji="1" lang="en-US" altLang="ja-JP" sz="3200" b="0" i="1" smtClean="0">
+                              <a:latin typeface="Cambria Math" panose="02040503050406030204" pitchFamily="18" charset="0"/>
+                            </a:rPr>
+                            <m:t>,</m:t>
+                          </m:r>
+                          <m:r>
+                            <a:rPr kumimoji="1" lang="en-US" altLang="ja-JP" sz="3200" b="0" i="1" smtClean="0">
+                              <a:latin typeface="Cambria Math" panose="02040503050406030204" pitchFamily="18" charset="0"/>
+                            </a:rPr>
+                            <m:t>𝑌</m:t>
+                          </m:r>
+                        </m:e>
+                      </m:d>
+                      <m:r>
+                        <a:rPr kumimoji="1" lang="en-US" altLang="ja-JP" sz="3200" b="0" i="1" smtClean="0">
+                          <a:latin typeface="Cambria Math" panose="02040503050406030204" pitchFamily="18" charset="0"/>
+                        </a:rPr>
+                        <m:t>=−</m:t>
+                      </m:r>
+                      <m:d>
+                        <m:dPr>
+                          <m:begChr m:val="{"/>
+                          <m:endChr m:val="}"/>
+                          <m:ctrlPr>
+                            <a:rPr lang="en-US" altLang="ja-JP" sz="3200" i="1">
+                              <a:latin typeface="Cambria Math" panose="02040503050406030204" pitchFamily="18" charset="0"/>
+                            </a:rPr>
+                          </m:ctrlPr>
+                        </m:dPr>
+                        <m:e>
+                          <m:r>
+                            <a:rPr lang="en-US" altLang="ja-JP" sz="3200" b="0" i="1" smtClean="0">
+                              <a:latin typeface="Cambria Math" panose="02040503050406030204" pitchFamily="18" charset="0"/>
+                            </a:rPr>
+                            <m:t>𝑌</m:t>
+                          </m:r>
+                          <m:r>
+                            <a:rPr lang="en-US" altLang="ja-JP" sz="3200" i="1">
+                              <a:latin typeface="Cambria Math" panose="02040503050406030204" pitchFamily="18" charset="0"/>
+                            </a:rPr>
+                            <m:t>,</m:t>
+                          </m:r>
+                          <m:r>
+                            <a:rPr lang="en-US" altLang="ja-JP" sz="3200" b="0" i="1" smtClean="0">
+                              <a:latin typeface="Cambria Math" panose="02040503050406030204" pitchFamily="18" charset="0"/>
+                            </a:rPr>
+                            <m:t>𝑋</m:t>
+                          </m:r>
+                        </m:e>
+                      </m:d>
+                    </m:oMath>
+                  </m:oMathPara>
+                </a14:m>
+                <a:br>
+                  <a:rPr kumimoji="1" lang="en-US" altLang="ja-JP" sz="3200" b="0"/>
+                </a:br>
+                <a:endParaRPr lang="ja-JP" altLang="en-US" sz="3200"/>
+              </a:p>
+            </p:txBody>
+          </p:sp>
+        </mc:Choice>
+        <mc:Fallback>
+          <p:sp>
+            <p:nvSpPr>
+              <p:cNvPr id="4" name="テキスト ボックス 3">
+                <a:extLst>
+                  <a:ext uri="{FF2B5EF4-FFF2-40B4-BE49-F238E27FC236}">
+                    <a16:creationId xmlns:a16="http://schemas.microsoft.com/office/drawing/2014/main" id="{DCB4CD29-B4D3-B931-133C-E4E682A18774}"/>
+                  </a:ext>
+                </a:extLst>
+              </p:cNvPr>
+              <p:cNvSpPr txBox="1">
+                <a:spLocks noRot="1" noChangeAspect="1" noMove="1" noResize="1" noEditPoints="1" noAdjustHandles="1" noChangeArrowheads="1" noChangeShapeType="1" noTextEdit="1"/>
+              </p:cNvSpPr>
+              <p:nvPr/>
+            </p:nvSpPr>
+            <p:spPr>
+              <a:xfrm>
+                <a:off x="2915816" y="980728"/>
+                <a:ext cx="3456384" cy="584840"/>
+              </a:xfrm>
+              <a:prstGeom prst="rect">
+                <a:avLst/>
+              </a:prstGeom>
+              <a:blipFill>
+                <a:blip r:embed="rId2"/>
+                <a:stretch>
+                  <a:fillRect/>
+                </a:stretch>
+              </a:blipFill>
+            </p:spPr>
+            <p:txBody>
+              <a:bodyPr/>
+              <a:lstStyle/>
+              <a:p>
+                <a:r>
+                  <a:rPr lang="ja-JP" altLang="en-US">
+                    <a:noFill/>
+                  </a:rPr>
+                  <a:t> </a:t>
+                </a:r>
+              </a:p>
+            </p:txBody>
+          </p:sp>
+        </mc:Fallback>
+      </mc:AlternateContent>
+      <p:sp>
+        <p:nvSpPr>
+          <p:cNvPr id="5" name="テキスト ボックス 4">
+            <a:extLst>
+              <a:ext uri="{FF2B5EF4-FFF2-40B4-BE49-F238E27FC236}">
+                <a16:creationId xmlns:a16="http://schemas.microsoft.com/office/drawing/2014/main" id="{158795E2-C6D7-EC0D-AF02-0B350FC32F17}"/>
+              </a:ext>
+            </a:extLst>
+          </p:cNvPr>
+          <p:cNvSpPr txBox="1"/>
+          <p:nvPr/>
+        </p:nvSpPr>
+        <p:spPr>
+          <a:xfrm>
+            <a:off x="899592" y="980728"/>
+            <a:ext cx="1826141" cy="584775"/>
+          </a:xfrm>
+          <a:prstGeom prst="rect">
+            <a:avLst/>
+          </a:prstGeom>
+          <a:noFill/>
+        </p:spPr>
+        <p:txBody>
+          <a:bodyPr wrap="none" rtlCol="0">
+            <a:spAutoFit/>
+          </a:bodyPr>
+          <a:lstStyle/>
+          <a:p>
+            <a:r>
+              <a:rPr kumimoji="1" lang="ja-JP" altLang="en-US" sz="3200"/>
+              <a:t>反対称</a:t>
+            </a:r>
+            <a:r>
+              <a:rPr lang="ja-JP" altLang="en-US" sz="3200"/>
+              <a:t>性</a:t>
+            </a:r>
+            <a:endParaRPr kumimoji="1" lang="ja-JP" altLang="en-US" sz="3200"/>
+          </a:p>
+        </p:txBody>
+      </p:sp>
+      <p:sp>
+        <p:nvSpPr>
+          <p:cNvPr id="6" name="テキスト ボックス 5">
+            <a:extLst>
+              <a:ext uri="{FF2B5EF4-FFF2-40B4-BE49-F238E27FC236}">
+                <a16:creationId xmlns:a16="http://schemas.microsoft.com/office/drawing/2014/main" id="{3017ACC2-B2A6-2EB1-1E76-D8D2468C6D77}"/>
+              </a:ext>
+            </a:extLst>
+          </p:cNvPr>
+          <p:cNvSpPr txBox="1"/>
+          <p:nvPr/>
+        </p:nvSpPr>
+        <p:spPr>
+          <a:xfrm>
+            <a:off x="827584" y="2204864"/>
+            <a:ext cx="1826141" cy="584775"/>
+          </a:xfrm>
+          <a:prstGeom prst="rect">
+            <a:avLst/>
+          </a:prstGeom>
+          <a:noFill/>
+        </p:spPr>
+        <p:txBody>
+          <a:bodyPr wrap="none" rtlCol="0">
+            <a:spAutoFit/>
+          </a:bodyPr>
+          <a:lstStyle/>
+          <a:p>
+            <a:r>
+              <a:rPr lang="ja-JP" altLang="en-US" sz="3200"/>
+              <a:t>双線形性</a:t>
+            </a:r>
+            <a:endParaRPr kumimoji="1" lang="ja-JP" altLang="en-US" sz="3200"/>
+          </a:p>
+        </p:txBody>
+      </p:sp>
+      <mc:AlternateContent xmlns:mc="http://schemas.openxmlformats.org/markup-compatibility/2006">
+        <mc:Choice xmlns:a14="http://schemas.microsoft.com/office/drawing/2010/main" Requires="a14">
+          <p:sp>
+            <p:nvSpPr>
+              <p:cNvPr id="7" name="テキスト ボックス 6">
+                <a:extLst>
+                  <a:ext uri="{FF2B5EF4-FFF2-40B4-BE49-F238E27FC236}">
+                    <a16:creationId xmlns:a16="http://schemas.microsoft.com/office/drawing/2014/main" id="{6E970A09-2892-9649-4CC6-5E82384B820F}"/>
+                  </a:ext>
+                </a:extLst>
+              </p:cNvPr>
+              <p:cNvSpPr txBox="1"/>
+              <p:nvPr/>
+            </p:nvSpPr>
+            <p:spPr>
+              <a:xfrm>
+                <a:off x="2771800" y="1844824"/>
+                <a:ext cx="6120680" cy="584840"/>
+              </a:xfrm>
+              <a:prstGeom prst="rect">
+                <a:avLst/>
+              </a:prstGeom>
+              <a:noFill/>
+            </p:spPr>
+            <p:txBody>
+              <a:bodyPr wrap="square">
+                <a:spAutoFit/>
+              </a:bodyPr>
+              <a:lstStyle/>
+              <a:p>
+                <a:pPr/>
+                <a14:m>
+                  <m:oMathPara xmlns:m="http://schemas.openxmlformats.org/officeDocument/2006/math">
+                    <m:oMathParaPr>
+                      <m:jc m:val="centerGroup"/>
+                    </m:oMathParaPr>
+                    <m:oMath xmlns:m="http://schemas.openxmlformats.org/officeDocument/2006/math">
+                      <m:d>
+                        <m:dPr>
+                          <m:begChr m:val="{"/>
+                          <m:endChr m:val="}"/>
+                          <m:ctrlPr>
+                            <a:rPr kumimoji="1" lang="en-US" altLang="ja-JP" sz="3200" b="0" i="1" smtClean="0">
+                              <a:latin typeface="Cambria Math" panose="02040503050406030204" pitchFamily="18" charset="0"/>
+                            </a:rPr>
+                          </m:ctrlPr>
+                        </m:dPr>
+                        <m:e>
+                          <m:r>
+                            <a:rPr kumimoji="1" lang="en-US" altLang="ja-JP" sz="3200" b="0" i="1" smtClean="0">
+                              <a:latin typeface="Cambria Math" panose="02040503050406030204" pitchFamily="18" charset="0"/>
+                            </a:rPr>
+                            <m:t>𝑎</m:t>
+                          </m:r>
+                          <m:r>
+                            <a:rPr kumimoji="1" lang="en-US" altLang="ja-JP" sz="3200" b="0" i="1" smtClean="0">
+                              <a:latin typeface="Cambria Math" panose="02040503050406030204" pitchFamily="18" charset="0"/>
+                            </a:rPr>
+                            <m:t>𝑋</m:t>
+                          </m:r>
+                          <m:r>
+                            <a:rPr kumimoji="1" lang="en-US" altLang="ja-JP" sz="3200" b="0" i="1" smtClean="0">
+                              <a:latin typeface="Cambria Math" panose="02040503050406030204" pitchFamily="18" charset="0"/>
+                            </a:rPr>
+                            <m:t>+</m:t>
+                          </m:r>
+                          <m:r>
+                            <a:rPr kumimoji="1" lang="en-US" altLang="ja-JP" sz="3200" b="0" i="1" smtClean="0">
+                              <a:latin typeface="Cambria Math" panose="02040503050406030204" pitchFamily="18" charset="0"/>
+                            </a:rPr>
+                            <m:t>𝑏𝑌</m:t>
+                          </m:r>
+                          <m:r>
+                            <a:rPr kumimoji="1" lang="en-US" altLang="ja-JP" sz="3200" b="0" i="1" smtClean="0">
+                              <a:latin typeface="Cambria Math" panose="02040503050406030204" pitchFamily="18" charset="0"/>
+                            </a:rPr>
+                            <m:t>,</m:t>
+                          </m:r>
+                          <m:r>
+                            <a:rPr kumimoji="1" lang="en-US" altLang="ja-JP" sz="3200" b="0" i="1" smtClean="0">
+                              <a:latin typeface="Cambria Math" panose="02040503050406030204" pitchFamily="18" charset="0"/>
+                            </a:rPr>
+                            <m:t>𝑍</m:t>
+                          </m:r>
+                        </m:e>
+                      </m:d>
+                      <m:r>
+                        <a:rPr kumimoji="1" lang="en-US" altLang="ja-JP" sz="3200" b="0" i="1" smtClean="0">
+                          <a:latin typeface="Cambria Math" panose="02040503050406030204" pitchFamily="18" charset="0"/>
+                        </a:rPr>
+                        <m:t>=</m:t>
+                      </m:r>
+                      <m:r>
+                        <a:rPr kumimoji="1" lang="en-US" altLang="ja-JP" sz="3200" b="0" i="1" smtClean="0">
+                          <a:latin typeface="Cambria Math" panose="02040503050406030204" pitchFamily="18" charset="0"/>
+                        </a:rPr>
+                        <m:t>𝑎</m:t>
+                      </m:r>
+                      <m:d>
+                        <m:dPr>
+                          <m:begChr m:val="{"/>
+                          <m:endChr m:val="}"/>
+                          <m:ctrlPr>
+                            <a:rPr lang="en-US" altLang="ja-JP" sz="3200" i="1">
+                              <a:latin typeface="Cambria Math" panose="02040503050406030204" pitchFamily="18" charset="0"/>
+                            </a:rPr>
+                          </m:ctrlPr>
+                        </m:dPr>
+                        <m:e>
+                          <m:r>
+                            <a:rPr lang="en-US" altLang="ja-JP" sz="3200" b="0" i="1" smtClean="0">
+                              <a:latin typeface="Cambria Math" panose="02040503050406030204" pitchFamily="18" charset="0"/>
+                            </a:rPr>
+                            <m:t>𝑋</m:t>
+                          </m:r>
+                          <m:r>
+                            <a:rPr lang="en-US" altLang="ja-JP" sz="3200" i="1">
+                              <a:latin typeface="Cambria Math" panose="02040503050406030204" pitchFamily="18" charset="0"/>
+                            </a:rPr>
+                            <m:t>,</m:t>
+                          </m:r>
+                          <m:r>
+                            <a:rPr lang="en-US" altLang="ja-JP" sz="3200" b="0" i="1" smtClean="0">
+                              <a:latin typeface="Cambria Math" panose="02040503050406030204" pitchFamily="18" charset="0"/>
+                            </a:rPr>
+                            <m:t>𝑍</m:t>
+                          </m:r>
+                        </m:e>
+                      </m:d>
+                      <m:r>
+                        <a:rPr lang="en-US" altLang="ja-JP" sz="3200" b="0" i="1" smtClean="0">
+                          <a:latin typeface="Cambria Math" panose="02040503050406030204" pitchFamily="18" charset="0"/>
+                        </a:rPr>
+                        <m:t>+</m:t>
+                      </m:r>
+                      <m:r>
+                        <a:rPr lang="en-US" altLang="ja-JP" sz="3200" b="0" i="1" smtClean="0">
+                          <a:latin typeface="Cambria Math" panose="02040503050406030204" pitchFamily="18" charset="0"/>
+                        </a:rPr>
+                        <m:t>𝑏</m:t>
+                      </m:r>
+                      <m:d>
+                        <m:dPr>
+                          <m:begChr m:val="{"/>
+                          <m:endChr m:val="}"/>
+                          <m:ctrlPr>
+                            <a:rPr lang="en-US" altLang="ja-JP" sz="3200" i="1">
+                              <a:latin typeface="Cambria Math" panose="02040503050406030204" pitchFamily="18" charset="0"/>
+                            </a:rPr>
+                          </m:ctrlPr>
+                        </m:dPr>
+                        <m:e>
+                          <m:r>
+                            <a:rPr lang="en-US" altLang="ja-JP" sz="3200" b="0" i="1" smtClean="0">
+                              <a:latin typeface="Cambria Math" panose="02040503050406030204" pitchFamily="18" charset="0"/>
+                            </a:rPr>
+                            <m:t>𝑌</m:t>
+                          </m:r>
+                          <m:r>
+                            <a:rPr lang="en-US" altLang="ja-JP" sz="3200" i="1">
+                              <a:latin typeface="Cambria Math" panose="02040503050406030204" pitchFamily="18" charset="0"/>
+                            </a:rPr>
+                            <m:t>,</m:t>
+                          </m:r>
+                          <m:r>
+                            <a:rPr lang="en-US" altLang="ja-JP" sz="3200" i="1">
+                              <a:latin typeface="Cambria Math" panose="02040503050406030204" pitchFamily="18" charset="0"/>
+                            </a:rPr>
+                            <m:t>𝑍</m:t>
+                          </m:r>
+                        </m:e>
+                      </m:d>
+                    </m:oMath>
+                  </m:oMathPara>
+                </a14:m>
+                <a:br>
+                  <a:rPr kumimoji="1" lang="en-US" altLang="ja-JP" sz="3200" b="0"/>
+                </a:br>
+                <a:endParaRPr lang="ja-JP" altLang="en-US" sz="3200"/>
+              </a:p>
+            </p:txBody>
+          </p:sp>
+        </mc:Choice>
+        <mc:Fallback>
+          <p:sp>
+            <p:nvSpPr>
+              <p:cNvPr id="7" name="テキスト ボックス 6">
+                <a:extLst>
+                  <a:ext uri="{FF2B5EF4-FFF2-40B4-BE49-F238E27FC236}">
+                    <a16:creationId xmlns:a16="http://schemas.microsoft.com/office/drawing/2014/main" id="{6E970A09-2892-9649-4CC6-5E82384B820F}"/>
+                  </a:ext>
+                </a:extLst>
+              </p:cNvPr>
+              <p:cNvSpPr txBox="1">
+                <a:spLocks noRot="1" noChangeAspect="1" noMove="1" noResize="1" noEditPoints="1" noAdjustHandles="1" noChangeArrowheads="1" noChangeShapeType="1" noTextEdit="1"/>
+              </p:cNvSpPr>
+              <p:nvPr/>
+            </p:nvSpPr>
+            <p:spPr>
+              <a:xfrm>
+                <a:off x="2771800" y="1844824"/>
+                <a:ext cx="6120680" cy="584840"/>
+              </a:xfrm>
+              <a:prstGeom prst="rect">
+                <a:avLst/>
+              </a:prstGeom>
+              <a:blipFill>
+                <a:blip r:embed="rId3"/>
+                <a:stretch>
+                  <a:fillRect/>
+                </a:stretch>
+              </a:blipFill>
+            </p:spPr>
+            <p:txBody>
+              <a:bodyPr/>
+              <a:lstStyle/>
+              <a:p>
+                <a:r>
+                  <a:rPr lang="ja-JP" altLang="en-US">
+                    <a:noFill/>
+                  </a:rPr>
+                  <a:t> </a:t>
+                </a:r>
+              </a:p>
+            </p:txBody>
+          </p:sp>
+        </mc:Fallback>
+      </mc:AlternateContent>
+      <mc:AlternateContent xmlns:mc="http://schemas.openxmlformats.org/markup-compatibility/2006">
+        <mc:Choice xmlns:a14="http://schemas.microsoft.com/office/drawing/2010/main" Requires="a14">
+          <p:sp>
+            <p:nvSpPr>
+              <p:cNvPr id="8" name="テキスト ボックス 7">
+                <a:extLst>
+                  <a:ext uri="{FF2B5EF4-FFF2-40B4-BE49-F238E27FC236}">
+                    <a16:creationId xmlns:a16="http://schemas.microsoft.com/office/drawing/2014/main" id="{27351513-6B3B-07B3-A425-8CC6B7D566CD}"/>
+                  </a:ext>
+                </a:extLst>
+              </p:cNvPr>
+              <p:cNvSpPr txBox="1"/>
+              <p:nvPr/>
+            </p:nvSpPr>
+            <p:spPr>
+              <a:xfrm>
+                <a:off x="2771800" y="2564904"/>
+                <a:ext cx="6120680" cy="584840"/>
+              </a:xfrm>
+              <a:prstGeom prst="rect">
+                <a:avLst/>
+              </a:prstGeom>
+              <a:noFill/>
+            </p:spPr>
+            <p:txBody>
+              <a:bodyPr wrap="square">
+                <a:spAutoFit/>
+              </a:bodyPr>
+              <a:lstStyle/>
+              <a:p>
+                <a:pPr/>
+                <a14:m>
+                  <m:oMathPara xmlns:m="http://schemas.openxmlformats.org/officeDocument/2006/math">
+                    <m:oMathParaPr>
+                      <m:jc m:val="centerGroup"/>
+                    </m:oMathParaPr>
+                    <m:oMath xmlns:m="http://schemas.openxmlformats.org/officeDocument/2006/math">
+                      <m:d>
+                        <m:dPr>
+                          <m:begChr m:val="{"/>
+                          <m:endChr m:val="}"/>
+                          <m:ctrlPr>
+                            <a:rPr kumimoji="1" lang="en-US" altLang="ja-JP" sz="3200" b="0" i="1" smtClean="0">
+                              <a:latin typeface="Cambria Math" panose="02040503050406030204" pitchFamily="18" charset="0"/>
+                            </a:rPr>
+                          </m:ctrlPr>
+                        </m:dPr>
+                        <m:e>
+                          <m:r>
+                            <a:rPr kumimoji="1" lang="en-US" altLang="ja-JP" sz="3200" b="0" i="1" smtClean="0">
+                              <a:latin typeface="Cambria Math" panose="02040503050406030204" pitchFamily="18" charset="0"/>
+                            </a:rPr>
+                            <m:t>𝑋</m:t>
+                          </m:r>
+                          <m:r>
+                            <a:rPr kumimoji="1" lang="en-US" altLang="ja-JP" sz="3200" b="0" i="1" smtClean="0">
+                              <a:latin typeface="Cambria Math" panose="02040503050406030204" pitchFamily="18" charset="0"/>
+                            </a:rPr>
+                            <m:t>,</m:t>
+                          </m:r>
+                          <m:r>
+                            <a:rPr kumimoji="1" lang="en-US" altLang="ja-JP" sz="3200" b="0" i="1" smtClean="0">
+                              <a:latin typeface="Cambria Math" panose="02040503050406030204" pitchFamily="18" charset="0"/>
+                            </a:rPr>
+                            <m:t>𝑎𝑌</m:t>
+                          </m:r>
+                          <m:r>
+                            <a:rPr kumimoji="1" lang="en-US" altLang="ja-JP" sz="3200" b="0" i="1" smtClean="0">
+                              <a:latin typeface="Cambria Math" panose="02040503050406030204" pitchFamily="18" charset="0"/>
+                            </a:rPr>
+                            <m:t>+</m:t>
+                          </m:r>
+                          <m:r>
+                            <a:rPr kumimoji="1" lang="en-US" altLang="ja-JP" sz="3200" b="0" i="1" smtClean="0">
+                              <a:latin typeface="Cambria Math" panose="02040503050406030204" pitchFamily="18" charset="0"/>
+                            </a:rPr>
+                            <m:t>𝑏𝑍</m:t>
+                          </m:r>
+                        </m:e>
+                      </m:d>
+                      <m:r>
+                        <a:rPr kumimoji="1" lang="en-US" altLang="ja-JP" sz="3200" b="0" i="1" smtClean="0">
+                          <a:latin typeface="Cambria Math" panose="02040503050406030204" pitchFamily="18" charset="0"/>
+                        </a:rPr>
+                        <m:t>=</m:t>
+                      </m:r>
+                      <m:r>
+                        <a:rPr kumimoji="1" lang="en-US" altLang="ja-JP" sz="3200" b="0" i="1" smtClean="0">
+                          <a:latin typeface="Cambria Math" panose="02040503050406030204" pitchFamily="18" charset="0"/>
+                        </a:rPr>
+                        <m:t>𝑎</m:t>
+                      </m:r>
+                      <m:d>
+                        <m:dPr>
+                          <m:begChr m:val="{"/>
+                          <m:endChr m:val="}"/>
+                          <m:ctrlPr>
+                            <a:rPr lang="en-US" altLang="ja-JP" sz="3200" i="1">
+                              <a:latin typeface="Cambria Math" panose="02040503050406030204" pitchFamily="18" charset="0"/>
+                            </a:rPr>
+                          </m:ctrlPr>
+                        </m:dPr>
+                        <m:e>
+                          <m:r>
+                            <a:rPr lang="en-US" altLang="ja-JP" sz="3200" b="0" i="1" smtClean="0">
+                              <a:latin typeface="Cambria Math" panose="02040503050406030204" pitchFamily="18" charset="0"/>
+                            </a:rPr>
+                            <m:t>𝑋</m:t>
+                          </m:r>
+                          <m:r>
+                            <a:rPr lang="en-US" altLang="ja-JP" sz="3200" i="1">
+                              <a:latin typeface="Cambria Math" panose="02040503050406030204" pitchFamily="18" charset="0"/>
+                            </a:rPr>
+                            <m:t>,</m:t>
+                          </m:r>
+                          <m:r>
+                            <a:rPr lang="en-US" altLang="ja-JP" sz="3200" b="0" i="1" smtClean="0">
+                              <a:latin typeface="Cambria Math" panose="02040503050406030204" pitchFamily="18" charset="0"/>
+                            </a:rPr>
+                            <m:t>𝑌</m:t>
+                          </m:r>
+                        </m:e>
+                      </m:d>
+                      <m:r>
+                        <a:rPr lang="en-US" altLang="ja-JP" sz="3200" b="0" i="1" smtClean="0">
+                          <a:latin typeface="Cambria Math" panose="02040503050406030204" pitchFamily="18" charset="0"/>
+                        </a:rPr>
+                        <m:t>+</m:t>
+                      </m:r>
+                      <m:r>
+                        <a:rPr lang="en-US" altLang="ja-JP" sz="3200" b="0" i="1" smtClean="0">
+                          <a:latin typeface="Cambria Math" panose="02040503050406030204" pitchFamily="18" charset="0"/>
+                        </a:rPr>
+                        <m:t>𝑏</m:t>
+                      </m:r>
+                      <m:d>
+                        <m:dPr>
+                          <m:begChr m:val="{"/>
+                          <m:endChr m:val="}"/>
+                          <m:ctrlPr>
+                            <a:rPr lang="en-US" altLang="ja-JP" sz="3200" i="1">
+                              <a:latin typeface="Cambria Math" panose="02040503050406030204" pitchFamily="18" charset="0"/>
+                            </a:rPr>
+                          </m:ctrlPr>
+                        </m:dPr>
+                        <m:e>
+                          <m:r>
+                            <a:rPr lang="en-US" altLang="ja-JP" sz="3200" b="0" i="1" smtClean="0">
+                              <a:latin typeface="Cambria Math" panose="02040503050406030204" pitchFamily="18" charset="0"/>
+                            </a:rPr>
+                            <m:t>𝑋</m:t>
+                          </m:r>
+                          <m:r>
+                            <a:rPr lang="en-US" altLang="ja-JP" sz="3200" i="1">
+                              <a:latin typeface="Cambria Math" panose="02040503050406030204" pitchFamily="18" charset="0"/>
+                            </a:rPr>
+                            <m:t>,</m:t>
+                          </m:r>
+                          <m:r>
+                            <a:rPr lang="en-US" altLang="ja-JP" sz="3200" i="1">
+                              <a:latin typeface="Cambria Math" panose="02040503050406030204" pitchFamily="18" charset="0"/>
+                            </a:rPr>
+                            <m:t>𝑍</m:t>
+                          </m:r>
+                        </m:e>
+                      </m:d>
+                    </m:oMath>
+                  </m:oMathPara>
+                </a14:m>
+                <a:br>
+                  <a:rPr kumimoji="1" lang="en-US" altLang="ja-JP" sz="3200" b="0"/>
+                </a:br>
+                <a:endParaRPr lang="ja-JP" altLang="en-US" sz="3200"/>
+              </a:p>
+            </p:txBody>
+          </p:sp>
+        </mc:Choice>
+        <mc:Fallback>
+          <p:sp>
+            <p:nvSpPr>
+              <p:cNvPr id="8" name="テキスト ボックス 7">
+                <a:extLst>
+                  <a:ext uri="{FF2B5EF4-FFF2-40B4-BE49-F238E27FC236}">
+                    <a16:creationId xmlns:a16="http://schemas.microsoft.com/office/drawing/2014/main" id="{27351513-6B3B-07B3-A425-8CC6B7D566CD}"/>
+                  </a:ext>
+                </a:extLst>
+              </p:cNvPr>
+              <p:cNvSpPr txBox="1">
+                <a:spLocks noRot="1" noChangeAspect="1" noMove="1" noResize="1" noEditPoints="1" noAdjustHandles="1" noChangeArrowheads="1" noChangeShapeType="1" noTextEdit="1"/>
+              </p:cNvSpPr>
+              <p:nvPr/>
+            </p:nvSpPr>
+            <p:spPr>
+              <a:xfrm>
+                <a:off x="2771800" y="2564904"/>
+                <a:ext cx="6120680" cy="584840"/>
+              </a:xfrm>
+              <a:prstGeom prst="rect">
+                <a:avLst/>
+              </a:prstGeom>
+              <a:blipFill>
+                <a:blip r:embed="rId4"/>
+                <a:stretch>
+                  <a:fillRect/>
+                </a:stretch>
+              </a:blipFill>
+            </p:spPr>
+            <p:txBody>
+              <a:bodyPr/>
+              <a:lstStyle/>
+              <a:p>
+                <a:r>
+                  <a:rPr lang="ja-JP" altLang="en-US">
+                    <a:noFill/>
+                  </a:rPr>
+                  <a:t> </a:t>
+                </a:r>
+              </a:p>
+            </p:txBody>
+          </p:sp>
+        </mc:Fallback>
+      </mc:AlternateContent>
+      <p:sp>
+        <p:nvSpPr>
+          <p:cNvPr id="9" name="テキスト ボックス 8">
+            <a:extLst>
+              <a:ext uri="{FF2B5EF4-FFF2-40B4-BE49-F238E27FC236}">
+                <a16:creationId xmlns:a16="http://schemas.microsoft.com/office/drawing/2014/main" id="{B642026B-E6D5-9D85-A15F-A801DF07E620}"/>
+              </a:ext>
+            </a:extLst>
+          </p:cNvPr>
+          <p:cNvSpPr txBox="1"/>
+          <p:nvPr/>
+        </p:nvSpPr>
+        <p:spPr>
+          <a:xfrm>
+            <a:off x="251520" y="3501008"/>
+            <a:ext cx="2646878" cy="584775"/>
+          </a:xfrm>
+          <a:prstGeom prst="rect">
+            <a:avLst/>
+          </a:prstGeom>
+          <a:noFill/>
+        </p:spPr>
+        <p:txBody>
+          <a:bodyPr wrap="none" rtlCol="0">
+            <a:spAutoFit/>
+          </a:bodyPr>
+          <a:lstStyle/>
+          <a:p>
+            <a:r>
+              <a:rPr lang="ja-JP" altLang="en-US" sz="3200"/>
+              <a:t>ヤコビ恒等式</a:t>
+            </a:r>
+            <a:endParaRPr kumimoji="1" lang="ja-JP" altLang="en-US" sz="3200"/>
+          </a:p>
+        </p:txBody>
+      </p:sp>
+      <mc:AlternateContent xmlns:mc="http://schemas.openxmlformats.org/markup-compatibility/2006">
+        <mc:Choice xmlns:a14="http://schemas.microsoft.com/office/drawing/2010/main" Requires="a14">
+          <p:sp>
+            <p:nvSpPr>
+              <p:cNvPr id="10" name="テキスト ボックス 9">
+                <a:extLst>
+                  <a:ext uri="{FF2B5EF4-FFF2-40B4-BE49-F238E27FC236}">
+                    <a16:creationId xmlns:a16="http://schemas.microsoft.com/office/drawing/2014/main" id="{FFDA3994-C254-89B8-915A-43FED58B8938}"/>
+                  </a:ext>
+                </a:extLst>
+              </p:cNvPr>
+              <p:cNvSpPr txBox="1"/>
+              <p:nvPr/>
+            </p:nvSpPr>
+            <p:spPr>
+              <a:xfrm>
+                <a:off x="2915816" y="3615407"/>
+                <a:ext cx="5976664" cy="461665"/>
+              </a:xfrm>
+              <a:prstGeom prst="rect">
+                <a:avLst/>
+              </a:prstGeom>
+              <a:noFill/>
+            </p:spPr>
+            <p:txBody>
+              <a:bodyPr wrap="square">
+                <a:spAutoFit/>
+              </a:bodyPr>
+              <a:lstStyle/>
+              <a:p>
+                <a:pPr/>
+                <a14:m>
+                  <m:oMath xmlns:m="http://schemas.openxmlformats.org/officeDocument/2006/math">
+                    <m:d>
+                      <m:dPr>
+                        <m:begChr m:val="{"/>
+                        <m:endChr m:val="}"/>
+                        <m:ctrlPr>
+                          <a:rPr lang="en-US" altLang="ja-JP" sz="2400" i="1" smtClean="0">
+                            <a:latin typeface="Cambria Math" panose="02040503050406030204" pitchFamily="18" charset="0"/>
+                          </a:rPr>
+                        </m:ctrlPr>
+                      </m:dPr>
+                      <m:e>
+                        <m:r>
+                          <a:rPr lang="en-US" altLang="ja-JP" sz="2400" i="1">
+                            <a:latin typeface="Cambria Math" panose="02040503050406030204" pitchFamily="18" charset="0"/>
+                          </a:rPr>
+                          <m:t>𝑋</m:t>
+                        </m:r>
+                        <m:r>
+                          <a:rPr lang="en-US" altLang="ja-JP" sz="2400" i="1">
+                            <a:latin typeface="Cambria Math" panose="02040503050406030204" pitchFamily="18" charset="0"/>
+                          </a:rPr>
+                          <m:t>,</m:t>
+                        </m:r>
+                        <m:d>
+                          <m:dPr>
+                            <m:begChr m:val="{"/>
+                            <m:endChr m:val="}"/>
+                            <m:ctrlPr>
+                              <a:rPr lang="en-US" altLang="ja-JP" sz="2400" i="1">
+                                <a:latin typeface="Cambria Math" panose="02040503050406030204" pitchFamily="18" charset="0"/>
+                              </a:rPr>
+                            </m:ctrlPr>
+                          </m:dPr>
+                          <m:e>
+                            <m:r>
+                              <a:rPr lang="en-US" altLang="ja-JP" sz="2400" i="1">
+                                <a:latin typeface="Cambria Math" panose="02040503050406030204" pitchFamily="18" charset="0"/>
+                              </a:rPr>
+                              <m:t>𝑌</m:t>
+                            </m:r>
+                            <m:r>
+                              <a:rPr lang="en-US" altLang="ja-JP" sz="2400" i="1">
+                                <a:latin typeface="Cambria Math" panose="02040503050406030204" pitchFamily="18" charset="0"/>
+                              </a:rPr>
+                              <m:t>,</m:t>
+                            </m:r>
+                            <m:r>
+                              <a:rPr lang="en-US" altLang="ja-JP" sz="2400" i="1">
+                                <a:latin typeface="Cambria Math" panose="02040503050406030204" pitchFamily="18" charset="0"/>
+                              </a:rPr>
+                              <m:t>𝑍</m:t>
+                            </m:r>
+                          </m:e>
+                        </m:d>
+                        <m:r>
+                          <a:rPr lang="en-US" altLang="ja-JP" sz="2400" i="1">
+                            <a:latin typeface="Cambria Math" panose="02040503050406030204" pitchFamily="18" charset="0"/>
+                          </a:rPr>
+                          <m:t> </m:t>
+                        </m:r>
+                      </m:e>
+                    </m:d>
+                    <m:r>
+                      <a:rPr lang="en-US" altLang="ja-JP" sz="2400" i="1">
+                        <a:latin typeface="Cambria Math" panose="02040503050406030204" pitchFamily="18" charset="0"/>
+                      </a:rPr>
+                      <m:t>+</m:t>
+                    </m:r>
+                  </m:oMath>
+                </a14:m>
+                <a:r>
+                  <a:rPr lang="en-US" altLang="ja-JP" sz="2400"/>
+                  <a:t> </a:t>
+                </a:r>
+                <a14:m>
+                  <m:oMath xmlns:m="http://schemas.openxmlformats.org/officeDocument/2006/math">
+                    <m:d>
+                      <m:dPr>
+                        <m:begChr m:val="{"/>
+                        <m:endChr m:val="}"/>
+                        <m:ctrlPr>
+                          <a:rPr lang="en-US" altLang="ja-JP" sz="2400" i="1">
+                            <a:latin typeface="Cambria Math" panose="02040503050406030204" pitchFamily="18" charset="0"/>
+                          </a:rPr>
+                        </m:ctrlPr>
+                      </m:dPr>
+                      <m:e>
+                        <m:r>
+                          <a:rPr lang="en-US" altLang="ja-JP" sz="2400" b="0" i="1" smtClean="0">
+                            <a:latin typeface="Cambria Math" panose="02040503050406030204" pitchFamily="18" charset="0"/>
+                          </a:rPr>
+                          <m:t>𝑌</m:t>
+                        </m:r>
+                        <m:r>
+                          <a:rPr lang="en-US" altLang="ja-JP" sz="2400" i="1">
+                            <a:latin typeface="Cambria Math" panose="02040503050406030204" pitchFamily="18" charset="0"/>
+                          </a:rPr>
+                          <m:t>,</m:t>
+                        </m:r>
+                        <m:d>
+                          <m:dPr>
+                            <m:begChr m:val="{"/>
+                            <m:endChr m:val="}"/>
+                            <m:ctrlPr>
+                              <a:rPr lang="en-US" altLang="ja-JP" sz="2400" i="1">
+                                <a:latin typeface="Cambria Math" panose="02040503050406030204" pitchFamily="18" charset="0"/>
+                              </a:rPr>
+                            </m:ctrlPr>
+                          </m:dPr>
+                          <m:e>
+                            <m:r>
+                              <a:rPr lang="en-US" altLang="ja-JP" sz="2400" b="0" i="1" smtClean="0">
+                                <a:latin typeface="Cambria Math" panose="02040503050406030204" pitchFamily="18" charset="0"/>
+                              </a:rPr>
+                              <m:t>𝑍</m:t>
+                            </m:r>
+                            <m:r>
+                              <a:rPr lang="en-US" altLang="ja-JP" sz="2400" i="1">
+                                <a:latin typeface="Cambria Math" panose="02040503050406030204" pitchFamily="18" charset="0"/>
+                              </a:rPr>
+                              <m:t>,</m:t>
+                            </m:r>
+                            <m:r>
+                              <a:rPr lang="en-US" altLang="ja-JP" sz="2400" b="0" i="1" smtClean="0">
+                                <a:latin typeface="Cambria Math" panose="02040503050406030204" pitchFamily="18" charset="0"/>
+                              </a:rPr>
+                              <m:t>𝑋</m:t>
+                            </m:r>
+                          </m:e>
+                        </m:d>
+                        <m:r>
+                          <a:rPr lang="en-US" altLang="ja-JP" sz="2400" i="1">
+                            <a:latin typeface="Cambria Math" panose="02040503050406030204" pitchFamily="18" charset="0"/>
+                          </a:rPr>
+                          <m:t> </m:t>
+                        </m:r>
+                      </m:e>
+                    </m:d>
+                    <m:r>
+                      <a:rPr lang="en-US" altLang="ja-JP" sz="2400" i="1">
+                        <a:latin typeface="Cambria Math" panose="02040503050406030204" pitchFamily="18" charset="0"/>
+                      </a:rPr>
+                      <m:t>+</m:t>
+                    </m:r>
+                  </m:oMath>
+                </a14:m>
+                <a:r>
+                  <a:rPr lang="en-US" altLang="ja-JP" sz="2400"/>
+                  <a:t> </a:t>
+                </a:r>
+                <a14:m>
+                  <m:oMath xmlns:m="http://schemas.openxmlformats.org/officeDocument/2006/math">
+                    <m:d>
+                      <m:dPr>
+                        <m:begChr m:val="{"/>
+                        <m:endChr m:val="}"/>
+                        <m:ctrlPr>
+                          <a:rPr lang="en-US" altLang="ja-JP" sz="2400" i="1">
+                            <a:latin typeface="Cambria Math" panose="02040503050406030204" pitchFamily="18" charset="0"/>
+                          </a:rPr>
+                        </m:ctrlPr>
+                      </m:dPr>
+                      <m:e>
+                        <m:r>
+                          <a:rPr lang="en-US" altLang="ja-JP" sz="2400" b="0" i="1" smtClean="0">
+                            <a:latin typeface="Cambria Math" panose="02040503050406030204" pitchFamily="18" charset="0"/>
+                          </a:rPr>
+                          <m:t>𝑍</m:t>
+                        </m:r>
+                        <m:r>
+                          <a:rPr lang="en-US" altLang="ja-JP" sz="2400" i="1">
+                            <a:latin typeface="Cambria Math" panose="02040503050406030204" pitchFamily="18" charset="0"/>
+                          </a:rPr>
+                          <m:t>,</m:t>
+                        </m:r>
+                        <m:d>
+                          <m:dPr>
+                            <m:begChr m:val="{"/>
+                            <m:endChr m:val="}"/>
+                            <m:ctrlPr>
+                              <a:rPr lang="en-US" altLang="ja-JP" sz="2400" i="1">
+                                <a:latin typeface="Cambria Math" panose="02040503050406030204" pitchFamily="18" charset="0"/>
+                              </a:rPr>
+                            </m:ctrlPr>
+                          </m:dPr>
+                          <m:e>
+                            <m:r>
+                              <a:rPr lang="en-US" altLang="ja-JP" sz="2400" b="0" i="1" smtClean="0">
+                                <a:latin typeface="Cambria Math" panose="02040503050406030204" pitchFamily="18" charset="0"/>
+                              </a:rPr>
+                              <m:t>𝑋</m:t>
+                            </m:r>
+                            <m:r>
+                              <a:rPr lang="en-US" altLang="ja-JP" sz="2400" i="1">
+                                <a:latin typeface="Cambria Math" panose="02040503050406030204" pitchFamily="18" charset="0"/>
+                              </a:rPr>
+                              <m:t>,</m:t>
+                            </m:r>
+                            <m:r>
+                              <a:rPr lang="en-US" altLang="ja-JP" sz="2400" b="0" i="1" smtClean="0">
+                                <a:latin typeface="Cambria Math" panose="02040503050406030204" pitchFamily="18" charset="0"/>
+                              </a:rPr>
+                              <m:t>𝑌</m:t>
+                            </m:r>
+                          </m:e>
+                        </m:d>
+                        <m:r>
+                          <a:rPr lang="en-US" altLang="ja-JP" sz="2400" i="1">
+                            <a:latin typeface="Cambria Math" panose="02040503050406030204" pitchFamily="18" charset="0"/>
+                          </a:rPr>
+                          <m:t> </m:t>
+                        </m:r>
+                      </m:e>
+                    </m:d>
+                    <m:r>
+                      <a:rPr lang="en-US" altLang="ja-JP" sz="2400" b="0" i="1" smtClean="0">
+                        <a:latin typeface="Cambria Math" panose="02040503050406030204" pitchFamily="18" charset="0"/>
+                      </a:rPr>
+                      <m:t>=0</m:t>
+                    </m:r>
+                  </m:oMath>
+                </a14:m>
+                <a:endParaRPr lang="ja-JP" altLang="en-US" sz="2400"/>
+              </a:p>
+            </p:txBody>
+          </p:sp>
+        </mc:Choice>
+        <mc:Fallback>
+          <p:sp>
+            <p:nvSpPr>
+              <p:cNvPr id="10" name="テキスト ボックス 9">
+                <a:extLst>
+                  <a:ext uri="{FF2B5EF4-FFF2-40B4-BE49-F238E27FC236}">
+                    <a16:creationId xmlns:a16="http://schemas.microsoft.com/office/drawing/2014/main" id="{FFDA3994-C254-89B8-915A-43FED58B8938}"/>
+                  </a:ext>
+                </a:extLst>
+              </p:cNvPr>
+              <p:cNvSpPr txBox="1">
+                <a:spLocks noRot="1" noChangeAspect="1" noMove="1" noResize="1" noEditPoints="1" noAdjustHandles="1" noChangeArrowheads="1" noChangeShapeType="1" noTextEdit="1"/>
+              </p:cNvSpPr>
+              <p:nvPr/>
+            </p:nvSpPr>
+            <p:spPr>
+              <a:xfrm>
+                <a:off x="2915816" y="3615407"/>
+                <a:ext cx="5976664" cy="461665"/>
+              </a:xfrm>
+              <a:prstGeom prst="rect">
+                <a:avLst/>
+              </a:prstGeom>
+              <a:blipFill>
+                <a:blip r:embed="rId5"/>
+                <a:stretch>
+                  <a:fillRect/>
+                </a:stretch>
+              </a:blipFill>
+            </p:spPr>
+            <p:txBody>
+              <a:bodyPr/>
+              <a:lstStyle/>
+              <a:p>
+                <a:r>
+                  <a:rPr lang="ja-JP" altLang="en-US">
+                    <a:noFill/>
+                  </a:rPr>
+                  <a:t> </a:t>
+                </a:r>
+              </a:p>
+            </p:txBody>
+          </p:sp>
+        </mc:Fallback>
+      </mc:AlternateContent>
+      <p:sp>
+        <p:nvSpPr>
+          <p:cNvPr id="11" name="テキスト ボックス 10">
+            <a:extLst>
+              <a:ext uri="{FF2B5EF4-FFF2-40B4-BE49-F238E27FC236}">
+                <a16:creationId xmlns:a16="http://schemas.microsoft.com/office/drawing/2014/main" id="{D6BB88B7-D627-0195-7B0B-C8F13763326B}"/>
+              </a:ext>
+            </a:extLst>
+          </p:cNvPr>
+          <p:cNvSpPr txBox="1"/>
+          <p:nvPr/>
+        </p:nvSpPr>
+        <p:spPr>
+          <a:xfrm>
+            <a:off x="179512" y="4869160"/>
+            <a:ext cx="3057247" cy="584775"/>
+          </a:xfrm>
+          <a:prstGeom prst="rect">
+            <a:avLst/>
+          </a:prstGeom>
+          <a:noFill/>
+        </p:spPr>
+        <p:txBody>
+          <a:bodyPr wrap="none" rtlCol="0">
+            <a:spAutoFit/>
+          </a:bodyPr>
+          <a:lstStyle/>
+          <a:p>
+            <a:r>
+              <a:rPr kumimoji="1" lang="ja-JP" altLang="en-US" sz="3200">
+                <a:solidFill>
+                  <a:schemeClr val="bg1">
+                    <a:lumMod val="75000"/>
+                  </a:schemeClr>
+                </a:solidFill>
+              </a:rPr>
+              <a:t>ライプニッツ</a:t>
+            </a:r>
+            <a:r>
+              <a:rPr lang="ja-JP" altLang="en-US" sz="3200">
+                <a:solidFill>
+                  <a:schemeClr val="bg1">
+                    <a:lumMod val="75000"/>
+                  </a:schemeClr>
+                </a:solidFill>
+              </a:rPr>
+              <a:t>則</a:t>
+            </a:r>
+            <a:endParaRPr kumimoji="1" lang="ja-JP" altLang="en-US" sz="3200">
+              <a:solidFill>
+                <a:schemeClr val="bg1">
+                  <a:lumMod val="75000"/>
+                </a:schemeClr>
+              </a:solidFill>
+            </a:endParaRPr>
+          </a:p>
+        </p:txBody>
+      </p:sp>
+      <mc:AlternateContent xmlns:mc="http://schemas.openxmlformats.org/markup-compatibility/2006">
+        <mc:Choice xmlns:a14="http://schemas.microsoft.com/office/drawing/2010/main" Requires="a14">
+          <p:sp>
+            <p:nvSpPr>
+              <p:cNvPr id="12" name="テキスト ボックス 11">
+                <a:extLst>
+                  <a:ext uri="{FF2B5EF4-FFF2-40B4-BE49-F238E27FC236}">
+                    <a16:creationId xmlns:a16="http://schemas.microsoft.com/office/drawing/2014/main" id="{0CC3252C-58E4-5C1B-0FC3-DF8E7D7D1629}"/>
+                  </a:ext>
+                </a:extLst>
+              </p:cNvPr>
+              <p:cNvSpPr txBox="1"/>
+              <p:nvPr/>
+            </p:nvSpPr>
+            <p:spPr>
+              <a:xfrm>
+                <a:off x="3347864" y="4797152"/>
+                <a:ext cx="5112568" cy="584840"/>
+              </a:xfrm>
+              <a:prstGeom prst="rect">
+                <a:avLst/>
+              </a:prstGeom>
+              <a:noFill/>
+            </p:spPr>
+            <p:txBody>
+              <a:bodyPr wrap="square">
+                <a:spAutoFit/>
+              </a:bodyPr>
+              <a:lstStyle/>
+              <a:p>
+                <a:pPr/>
+                <a14:m>
+                  <m:oMathPara xmlns:m="http://schemas.openxmlformats.org/officeDocument/2006/math">
+                    <m:oMathParaPr>
+                      <m:jc m:val="centerGroup"/>
+                    </m:oMathParaPr>
+                    <m:oMath xmlns:m="http://schemas.openxmlformats.org/officeDocument/2006/math">
+                      <m:d>
+                        <m:dPr>
+                          <m:begChr m:val="{"/>
+                          <m:endChr m:val="}"/>
+                          <m:ctrlPr>
+                            <a:rPr kumimoji="1" lang="en-US" altLang="ja-JP" sz="3200" b="0" i="1" smtClean="0">
+                              <a:solidFill>
+                                <a:schemeClr val="bg1">
+                                  <a:lumMod val="75000"/>
+                                </a:schemeClr>
+                              </a:solidFill>
+                              <a:latin typeface="Cambria Math" panose="02040503050406030204" pitchFamily="18" charset="0"/>
+                            </a:rPr>
+                          </m:ctrlPr>
+                        </m:dPr>
+                        <m:e>
+                          <m:r>
+                            <a:rPr kumimoji="1" lang="en-US" altLang="ja-JP" sz="3200" b="0" i="1" smtClean="0">
+                              <a:solidFill>
+                                <a:schemeClr val="bg1">
+                                  <a:lumMod val="75000"/>
+                                </a:schemeClr>
+                              </a:solidFill>
+                              <a:latin typeface="Cambria Math" panose="02040503050406030204" pitchFamily="18" charset="0"/>
+                            </a:rPr>
+                            <m:t>𝑋𝑌</m:t>
+                          </m:r>
+                          <m:r>
+                            <a:rPr kumimoji="1" lang="en-US" altLang="ja-JP" sz="3200" b="0" i="1" smtClean="0">
+                              <a:solidFill>
+                                <a:schemeClr val="bg1">
+                                  <a:lumMod val="75000"/>
+                                </a:schemeClr>
+                              </a:solidFill>
+                              <a:latin typeface="Cambria Math" panose="02040503050406030204" pitchFamily="18" charset="0"/>
+                            </a:rPr>
+                            <m:t>,</m:t>
+                          </m:r>
+                          <m:r>
+                            <a:rPr kumimoji="1" lang="en-US" altLang="ja-JP" sz="3200" b="0" i="1" smtClean="0">
+                              <a:solidFill>
+                                <a:schemeClr val="bg1">
+                                  <a:lumMod val="75000"/>
+                                </a:schemeClr>
+                              </a:solidFill>
+                              <a:latin typeface="Cambria Math" panose="02040503050406030204" pitchFamily="18" charset="0"/>
+                            </a:rPr>
+                            <m:t>𝑍</m:t>
+                          </m:r>
+                        </m:e>
+                      </m:d>
+                      <m:r>
+                        <a:rPr kumimoji="1" lang="en-US" altLang="ja-JP" sz="3200" b="0" i="1" smtClean="0">
+                          <a:solidFill>
+                            <a:schemeClr val="bg1">
+                              <a:lumMod val="75000"/>
+                            </a:schemeClr>
+                          </a:solidFill>
+                          <a:latin typeface="Cambria Math" panose="02040503050406030204" pitchFamily="18" charset="0"/>
+                        </a:rPr>
+                        <m:t>=</m:t>
+                      </m:r>
+                      <m:r>
+                        <a:rPr kumimoji="1" lang="en-US" altLang="ja-JP" sz="3200" b="0" i="1" smtClean="0">
+                          <a:solidFill>
+                            <a:schemeClr val="bg1">
+                              <a:lumMod val="75000"/>
+                            </a:schemeClr>
+                          </a:solidFill>
+                          <a:latin typeface="Cambria Math" panose="02040503050406030204" pitchFamily="18" charset="0"/>
+                        </a:rPr>
+                        <m:t>𝑋</m:t>
+                      </m:r>
+                      <m:d>
+                        <m:dPr>
+                          <m:begChr m:val="{"/>
+                          <m:endChr m:val="}"/>
+                          <m:ctrlPr>
+                            <a:rPr lang="en-US" altLang="ja-JP" sz="3200" i="1">
+                              <a:solidFill>
+                                <a:schemeClr val="bg1">
+                                  <a:lumMod val="75000"/>
+                                </a:schemeClr>
+                              </a:solidFill>
+                              <a:latin typeface="Cambria Math" panose="02040503050406030204" pitchFamily="18" charset="0"/>
+                            </a:rPr>
+                          </m:ctrlPr>
+                        </m:dPr>
+                        <m:e>
+                          <m:r>
+                            <a:rPr lang="en-US" altLang="ja-JP" sz="3200" b="0" i="1" smtClean="0">
+                              <a:solidFill>
+                                <a:schemeClr val="bg1">
+                                  <a:lumMod val="75000"/>
+                                </a:schemeClr>
+                              </a:solidFill>
+                              <a:latin typeface="Cambria Math" panose="02040503050406030204" pitchFamily="18" charset="0"/>
+                            </a:rPr>
+                            <m:t>𝑌</m:t>
+                          </m:r>
+                          <m:r>
+                            <a:rPr lang="en-US" altLang="ja-JP" sz="3200" i="1">
+                              <a:solidFill>
+                                <a:schemeClr val="bg1">
+                                  <a:lumMod val="75000"/>
+                                </a:schemeClr>
+                              </a:solidFill>
+                              <a:latin typeface="Cambria Math" panose="02040503050406030204" pitchFamily="18" charset="0"/>
+                            </a:rPr>
+                            <m:t>,</m:t>
+                          </m:r>
+                          <m:r>
+                            <a:rPr lang="en-US" altLang="ja-JP" sz="3200" b="0" i="1" smtClean="0">
+                              <a:solidFill>
+                                <a:schemeClr val="bg1">
+                                  <a:lumMod val="75000"/>
+                                </a:schemeClr>
+                              </a:solidFill>
+                              <a:latin typeface="Cambria Math" panose="02040503050406030204" pitchFamily="18" charset="0"/>
+                            </a:rPr>
+                            <m:t>𝑍</m:t>
+                          </m:r>
+                        </m:e>
+                      </m:d>
+                      <m:r>
+                        <a:rPr lang="en-US" altLang="ja-JP" sz="3200" b="0" i="1" smtClean="0">
+                          <a:solidFill>
+                            <a:schemeClr val="bg1">
+                              <a:lumMod val="75000"/>
+                            </a:schemeClr>
+                          </a:solidFill>
+                          <a:latin typeface="Cambria Math" panose="02040503050406030204" pitchFamily="18" charset="0"/>
+                        </a:rPr>
+                        <m:t>+</m:t>
+                      </m:r>
+                      <m:d>
+                        <m:dPr>
+                          <m:begChr m:val="{"/>
+                          <m:endChr m:val="}"/>
+                          <m:ctrlPr>
+                            <a:rPr lang="en-US" altLang="ja-JP" sz="3200" i="1">
+                              <a:solidFill>
+                                <a:schemeClr val="bg1">
+                                  <a:lumMod val="75000"/>
+                                </a:schemeClr>
+                              </a:solidFill>
+                              <a:latin typeface="Cambria Math" panose="02040503050406030204" pitchFamily="18" charset="0"/>
+                            </a:rPr>
+                          </m:ctrlPr>
+                        </m:dPr>
+                        <m:e>
+                          <m:r>
+                            <a:rPr lang="en-US" altLang="ja-JP" sz="3200" b="0" i="1" smtClean="0">
+                              <a:solidFill>
+                                <a:schemeClr val="bg1">
+                                  <a:lumMod val="75000"/>
+                                </a:schemeClr>
+                              </a:solidFill>
+                              <a:latin typeface="Cambria Math" panose="02040503050406030204" pitchFamily="18" charset="0"/>
+                            </a:rPr>
+                            <m:t>𝑋</m:t>
+                          </m:r>
+                          <m:r>
+                            <a:rPr lang="en-US" altLang="ja-JP" sz="3200" i="1">
+                              <a:solidFill>
+                                <a:schemeClr val="bg1">
+                                  <a:lumMod val="75000"/>
+                                </a:schemeClr>
+                              </a:solidFill>
+                              <a:latin typeface="Cambria Math" panose="02040503050406030204" pitchFamily="18" charset="0"/>
+                            </a:rPr>
+                            <m:t>,</m:t>
+                          </m:r>
+                          <m:r>
+                            <a:rPr lang="en-US" altLang="ja-JP" sz="3200" i="1">
+                              <a:solidFill>
+                                <a:schemeClr val="bg1">
+                                  <a:lumMod val="75000"/>
+                                </a:schemeClr>
+                              </a:solidFill>
+                              <a:latin typeface="Cambria Math" panose="02040503050406030204" pitchFamily="18" charset="0"/>
+                            </a:rPr>
+                            <m:t>𝑍</m:t>
+                          </m:r>
+                        </m:e>
+                      </m:d>
+                      <m:r>
+                        <a:rPr lang="en-US" altLang="ja-JP" sz="3200" b="0" i="1" smtClean="0">
+                          <a:solidFill>
+                            <a:schemeClr val="bg1">
+                              <a:lumMod val="75000"/>
+                            </a:schemeClr>
+                          </a:solidFill>
+                          <a:latin typeface="Cambria Math" panose="02040503050406030204" pitchFamily="18" charset="0"/>
+                        </a:rPr>
+                        <m:t>𝑌</m:t>
+                      </m:r>
+                    </m:oMath>
+                  </m:oMathPara>
+                </a14:m>
+                <a:br>
+                  <a:rPr kumimoji="1" lang="en-US" altLang="ja-JP" sz="3200" b="0">
+                    <a:solidFill>
+                      <a:schemeClr val="bg1">
+                        <a:lumMod val="75000"/>
+                      </a:schemeClr>
+                    </a:solidFill>
+                  </a:rPr>
+                </a:br>
+                <a:endParaRPr lang="ja-JP" altLang="en-US" sz="3200">
+                  <a:solidFill>
+                    <a:schemeClr val="bg1">
+                      <a:lumMod val="75000"/>
+                    </a:schemeClr>
+                  </a:solidFill>
+                </a:endParaRPr>
+              </a:p>
+            </p:txBody>
+          </p:sp>
+        </mc:Choice>
+        <mc:Fallback>
+          <p:sp>
+            <p:nvSpPr>
+              <p:cNvPr id="12" name="テキスト ボックス 11">
+                <a:extLst>
+                  <a:ext uri="{FF2B5EF4-FFF2-40B4-BE49-F238E27FC236}">
+                    <a16:creationId xmlns:a16="http://schemas.microsoft.com/office/drawing/2014/main" id="{0CC3252C-58E4-5C1B-0FC3-DF8E7D7D1629}"/>
+                  </a:ext>
+                </a:extLst>
+              </p:cNvPr>
+              <p:cNvSpPr txBox="1">
+                <a:spLocks noRot="1" noChangeAspect="1" noMove="1" noResize="1" noEditPoints="1" noAdjustHandles="1" noChangeArrowheads="1" noChangeShapeType="1" noTextEdit="1"/>
+              </p:cNvSpPr>
+              <p:nvPr/>
+            </p:nvSpPr>
+            <p:spPr>
+              <a:xfrm>
+                <a:off x="3347864" y="4797152"/>
+                <a:ext cx="5112568" cy="584840"/>
+              </a:xfrm>
+              <a:prstGeom prst="rect">
+                <a:avLst/>
+              </a:prstGeom>
+              <a:blipFill>
+                <a:blip r:embed="rId6"/>
+                <a:stretch>
+                  <a:fillRect/>
+                </a:stretch>
+              </a:blipFill>
+            </p:spPr>
+            <p:txBody>
+              <a:bodyPr/>
+              <a:lstStyle/>
+              <a:p>
+                <a:r>
+                  <a:rPr lang="ja-JP" altLang="en-US">
+                    <a:noFill/>
+                  </a:rPr>
+                  <a:t> </a:t>
+                </a:r>
+              </a:p>
+            </p:txBody>
+          </p:sp>
+        </mc:Fallback>
+      </mc:AlternateContent>
+      <mc:AlternateContent xmlns:mc="http://schemas.openxmlformats.org/markup-compatibility/2006">
+        <mc:Choice xmlns:a14="http://schemas.microsoft.com/office/drawing/2010/main" Requires="a14">
+          <p:sp>
+            <p:nvSpPr>
+              <p:cNvPr id="13" name="テキスト ボックス 12">
+                <a:extLst>
+                  <a:ext uri="{FF2B5EF4-FFF2-40B4-BE49-F238E27FC236}">
+                    <a16:creationId xmlns:a16="http://schemas.microsoft.com/office/drawing/2014/main" id="{2D8991F4-FE06-527F-A101-0344A08B0903}"/>
+                  </a:ext>
+                </a:extLst>
+              </p:cNvPr>
+              <p:cNvSpPr txBox="1"/>
+              <p:nvPr/>
+            </p:nvSpPr>
+            <p:spPr>
+              <a:xfrm>
+                <a:off x="3347864" y="5517232"/>
+                <a:ext cx="5112568" cy="584840"/>
+              </a:xfrm>
+              <a:prstGeom prst="rect">
+                <a:avLst/>
+              </a:prstGeom>
+              <a:noFill/>
+            </p:spPr>
+            <p:txBody>
+              <a:bodyPr wrap="square">
+                <a:spAutoFit/>
+              </a:bodyPr>
+              <a:lstStyle/>
+              <a:p>
+                <a:pPr/>
+                <a14:m>
+                  <m:oMathPara xmlns:m="http://schemas.openxmlformats.org/officeDocument/2006/math">
+                    <m:oMathParaPr>
+                      <m:jc m:val="centerGroup"/>
+                    </m:oMathParaPr>
+                    <m:oMath xmlns:m="http://schemas.openxmlformats.org/officeDocument/2006/math">
+                      <m:d>
+                        <m:dPr>
+                          <m:begChr m:val="{"/>
+                          <m:endChr m:val="}"/>
+                          <m:ctrlPr>
+                            <a:rPr kumimoji="1" lang="en-US" altLang="ja-JP" sz="3200" b="0" i="1" smtClean="0">
+                              <a:solidFill>
+                                <a:schemeClr val="bg1">
+                                  <a:lumMod val="75000"/>
+                                </a:schemeClr>
+                              </a:solidFill>
+                              <a:latin typeface="Cambria Math" panose="02040503050406030204" pitchFamily="18" charset="0"/>
+                            </a:rPr>
+                          </m:ctrlPr>
+                        </m:dPr>
+                        <m:e>
+                          <m:r>
+                            <a:rPr kumimoji="1" lang="en-US" altLang="ja-JP" sz="3200" b="0" i="1" smtClean="0">
+                              <a:solidFill>
+                                <a:schemeClr val="bg1">
+                                  <a:lumMod val="75000"/>
+                                </a:schemeClr>
+                              </a:solidFill>
+                              <a:latin typeface="Cambria Math" panose="02040503050406030204" pitchFamily="18" charset="0"/>
+                            </a:rPr>
+                            <m:t>𝑋</m:t>
+                          </m:r>
+                          <m:r>
+                            <a:rPr kumimoji="1" lang="en-US" altLang="ja-JP" sz="3200" b="0" i="1" smtClean="0">
+                              <a:solidFill>
+                                <a:schemeClr val="bg1">
+                                  <a:lumMod val="75000"/>
+                                </a:schemeClr>
+                              </a:solidFill>
+                              <a:latin typeface="Cambria Math" panose="02040503050406030204" pitchFamily="18" charset="0"/>
+                            </a:rPr>
+                            <m:t>,</m:t>
+                          </m:r>
+                          <m:r>
+                            <a:rPr kumimoji="1" lang="en-US" altLang="ja-JP" sz="3200" b="0" i="1" smtClean="0">
+                              <a:solidFill>
+                                <a:schemeClr val="bg1">
+                                  <a:lumMod val="75000"/>
+                                </a:schemeClr>
+                              </a:solidFill>
+                              <a:latin typeface="Cambria Math" panose="02040503050406030204" pitchFamily="18" charset="0"/>
+                            </a:rPr>
+                            <m:t>𝑌𝑍</m:t>
+                          </m:r>
+                        </m:e>
+                      </m:d>
+                      <m:r>
+                        <a:rPr kumimoji="1" lang="en-US" altLang="ja-JP" sz="3200" b="0" i="1" smtClean="0">
+                          <a:solidFill>
+                            <a:schemeClr val="bg1">
+                              <a:lumMod val="75000"/>
+                            </a:schemeClr>
+                          </a:solidFill>
+                          <a:latin typeface="Cambria Math" panose="02040503050406030204" pitchFamily="18" charset="0"/>
+                        </a:rPr>
+                        <m:t>=</m:t>
+                      </m:r>
+                      <m:d>
+                        <m:dPr>
+                          <m:begChr m:val="{"/>
+                          <m:endChr m:val="}"/>
+                          <m:ctrlPr>
+                            <a:rPr lang="en-US" altLang="ja-JP" sz="3200" i="1">
+                              <a:solidFill>
+                                <a:schemeClr val="bg1">
+                                  <a:lumMod val="75000"/>
+                                </a:schemeClr>
+                              </a:solidFill>
+                              <a:latin typeface="Cambria Math" panose="02040503050406030204" pitchFamily="18" charset="0"/>
+                            </a:rPr>
+                          </m:ctrlPr>
+                        </m:dPr>
+                        <m:e>
+                          <m:r>
+                            <a:rPr lang="en-US" altLang="ja-JP" sz="3200" b="0" i="1" smtClean="0">
+                              <a:solidFill>
+                                <a:schemeClr val="bg1">
+                                  <a:lumMod val="75000"/>
+                                </a:schemeClr>
+                              </a:solidFill>
+                              <a:latin typeface="Cambria Math" panose="02040503050406030204" pitchFamily="18" charset="0"/>
+                            </a:rPr>
+                            <m:t>𝑋</m:t>
+                          </m:r>
+                          <m:r>
+                            <a:rPr lang="en-US" altLang="ja-JP" sz="3200" i="1">
+                              <a:solidFill>
+                                <a:schemeClr val="bg1">
+                                  <a:lumMod val="75000"/>
+                                </a:schemeClr>
+                              </a:solidFill>
+                              <a:latin typeface="Cambria Math" panose="02040503050406030204" pitchFamily="18" charset="0"/>
+                            </a:rPr>
+                            <m:t>,</m:t>
+                          </m:r>
+                          <m:r>
+                            <a:rPr lang="en-US" altLang="ja-JP" sz="3200" b="0" i="1" smtClean="0">
+                              <a:solidFill>
+                                <a:schemeClr val="bg1">
+                                  <a:lumMod val="75000"/>
+                                </a:schemeClr>
+                              </a:solidFill>
+                              <a:latin typeface="Cambria Math" panose="02040503050406030204" pitchFamily="18" charset="0"/>
+                            </a:rPr>
+                            <m:t>𝑌</m:t>
+                          </m:r>
+                        </m:e>
+                      </m:d>
+                      <m:r>
+                        <a:rPr lang="en-US" altLang="ja-JP" sz="3200" b="0" i="1" smtClean="0">
+                          <a:solidFill>
+                            <a:schemeClr val="bg1">
+                              <a:lumMod val="75000"/>
+                            </a:schemeClr>
+                          </a:solidFill>
+                          <a:latin typeface="Cambria Math" panose="02040503050406030204" pitchFamily="18" charset="0"/>
+                        </a:rPr>
+                        <m:t>𝑍</m:t>
+                      </m:r>
+                      <m:r>
+                        <a:rPr lang="en-US" altLang="ja-JP" sz="3200" b="0" i="1" smtClean="0">
+                          <a:solidFill>
+                            <a:schemeClr val="bg1">
+                              <a:lumMod val="75000"/>
+                            </a:schemeClr>
+                          </a:solidFill>
+                          <a:latin typeface="Cambria Math" panose="02040503050406030204" pitchFamily="18" charset="0"/>
+                        </a:rPr>
+                        <m:t>+</m:t>
+                      </m:r>
+                      <m:r>
+                        <a:rPr lang="en-US" altLang="ja-JP" sz="3200" b="0" i="1" smtClean="0">
+                          <a:solidFill>
+                            <a:schemeClr val="bg1">
+                              <a:lumMod val="75000"/>
+                            </a:schemeClr>
+                          </a:solidFill>
+                          <a:latin typeface="Cambria Math" panose="02040503050406030204" pitchFamily="18" charset="0"/>
+                        </a:rPr>
+                        <m:t>𝑌</m:t>
+                      </m:r>
+                      <m:d>
+                        <m:dPr>
+                          <m:begChr m:val="{"/>
+                          <m:endChr m:val="}"/>
+                          <m:ctrlPr>
+                            <a:rPr lang="en-US" altLang="ja-JP" sz="3200" i="1">
+                              <a:solidFill>
+                                <a:schemeClr val="bg1">
+                                  <a:lumMod val="75000"/>
+                                </a:schemeClr>
+                              </a:solidFill>
+                              <a:latin typeface="Cambria Math" panose="02040503050406030204" pitchFamily="18" charset="0"/>
+                            </a:rPr>
+                          </m:ctrlPr>
+                        </m:dPr>
+                        <m:e>
+                          <m:r>
+                            <a:rPr lang="en-US" altLang="ja-JP" sz="3200" b="0" i="1" smtClean="0">
+                              <a:solidFill>
+                                <a:schemeClr val="bg1">
+                                  <a:lumMod val="75000"/>
+                                </a:schemeClr>
+                              </a:solidFill>
+                              <a:latin typeface="Cambria Math" panose="02040503050406030204" pitchFamily="18" charset="0"/>
+                            </a:rPr>
+                            <m:t>𝑋</m:t>
+                          </m:r>
+                          <m:r>
+                            <a:rPr lang="en-US" altLang="ja-JP" sz="3200" i="1">
+                              <a:solidFill>
+                                <a:schemeClr val="bg1">
+                                  <a:lumMod val="75000"/>
+                                </a:schemeClr>
+                              </a:solidFill>
+                              <a:latin typeface="Cambria Math" panose="02040503050406030204" pitchFamily="18" charset="0"/>
+                            </a:rPr>
+                            <m:t>,</m:t>
+                          </m:r>
+                          <m:r>
+                            <a:rPr lang="en-US" altLang="ja-JP" sz="3200" i="1">
+                              <a:solidFill>
+                                <a:schemeClr val="bg1">
+                                  <a:lumMod val="75000"/>
+                                </a:schemeClr>
+                              </a:solidFill>
+                              <a:latin typeface="Cambria Math" panose="02040503050406030204" pitchFamily="18" charset="0"/>
+                            </a:rPr>
+                            <m:t>𝑍</m:t>
+                          </m:r>
+                        </m:e>
+                      </m:d>
+                    </m:oMath>
+                  </m:oMathPara>
+                </a14:m>
+                <a:br>
+                  <a:rPr kumimoji="1" lang="en-US" altLang="ja-JP" sz="3200" b="0">
+                    <a:solidFill>
+                      <a:schemeClr val="bg1">
+                        <a:lumMod val="75000"/>
+                      </a:schemeClr>
+                    </a:solidFill>
+                  </a:rPr>
+                </a:br>
+                <a:endParaRPr lang="ja-JP" altLang="en-US" sz="3200">
+                  <a:solidFill>
+                    <a:schemeClr val="bg1">
+                      <a:lumMod val="75000"/>
+                    </a:schemeClr>
+                  </a:solidFill>
+                </a:endParaRPr>
+              </a:p>
+            </p:txBody>
+          </p:sp>
+        </mc:Choice>
+        <mc:Fallback>
+          <p:sp>
+            <p:nvSpPr>
+              <p:cNvPr id="13" name="テキスト ボックス 12">
+                <a:extLst>
+                  <a:ext uri="{FF2B5EF4-FFF2-40B4-BE49-F238E27FC236}">
+                    <a16:creationId xmlns:a16="http://schemas.microsoft.com/office/drawing/2014/main" id="{2D8991F4-FE06-527F-A101-0344A08B0903}"/>
+                  </a:ext>
+                </a:extLst>
+              </p:cNvPr>
+              <p:cNvSpPr txBox="1">
+                <a:spLocks noRot="1" noChangeAspect="1" noMove="1" noResize="1" noEditPoints="1" noAdjustHandles="1" noChangeArrowheads="1" noChangeShapeType="1" noTextEdit="1"/>
+              </p:cNvSpPr>
+              <p:nvPr/>
+            </p:nvSpPr>
+            <p:spPr>
+              <a:xfrm>
+                <a:off x="3347864" y="5517232"/>
+                <a:ext cx="5112568" cy="584840"/>
+              </a:xfrm>
+              <a:prstGeom prst="rect">
+                <a:avLst/>
+              </a:prstGeom>
+              <a:blipFill>
+                <a:blip r:embed="rId7"/>
+                <a:stretch>
+                  <a:fillRect/>
+                </a:stretch>
+              </a:blipFill>
+            </p:spPr>
+            <p:txBody>
+              <a:bodyPr/>
+              <a:lstStyle/>
+              <a:p>
+                <a:r>
+                  <a:rPr lang="ja-JP" altLang="en-US">
+                    <a:noFill/>
+                  </a:rPr>
+                  <a:t> </a:t>
+                </a:r>
+              </a:p>
+            </p:txBody>
+          </p:sp>
+        </mc:Fallback>
+      </mc:AlternateContent>
+      <p:sp>
+        <p:nvSpPr>
+          <p:cNvPr id="3" name="四角形: 角を丸くする 2">
+            <a:extLst>
+              <a:ext uri="{FF2B5EF4-FFF2-40B4-BE49-F238E27FC236}">
+                <a16:creationId xmlns:a16="http://schemas.microsoft.com/office/drawing/2014/main" id="{B0C3DA65-1B08-BC4E-027F-7057B4BCF765}"/>
+              </a:ext>
+            </a:extLst>
+          </p:cNvPr>
+          <p:cNvSpPr/>
+          <p:nvPr/>
+        </p:nvSpPr>
+        <p:spPr>
+          <a:xfrm>
+            <a:off x="251520" y="836712"/>
+            <a:ext cx="8712968" cy="3600400"/>
+          </a:xfrm>
+          <a:prstGeom prst="roundRect">
+            <a:avLst>
+              <a:gd name="adj" fmla="val 13563"/>
+            </a:avLst>
+          </a:prstGeom>
+          <a:noFill/>
+          <a:ln>
+            <a:solidFill>
+              <a:srgbClr val="FF0000"/>
+            </a:solidFill>
+          </a:ln>
+        </p:spPr>
+        <p:style>
+          <a:lnRef idx="2">
+            <a:schemeClr val="accent1">
+              <a:shade val="50000"/>
+            </a:schemeClr>
+          </a:lnRef>
+          <a:fillRef idx="1">
+            <a:schemeClr val="accent1"/>
+          </a:fillRef>
+          <a:effectRef idx="0">
+            <a:schemeClr val="accent1"/>
+          </a:effectRef>
+          <a:fontRef idx="minor">
+            <a:schemeClr val="lt1"/>
+          </a:fontRef>
+        </p:style>
+        <p:txBody>
+          <a:bodyPr rtlCol="0" anchor="ctr"/>
+          <a:lstStyle/>
+          <a:p>
+            <a:pPr algn="ctr"/>
+            <a:endParaRPr kumimoji="1" lang="ja-JP" altLang="en-US"/>
+          </a:p>
+        </p:txBody>
+      </p:sp>
+      <p:sp>
+        <p:nvSpPr>
+          <p:cNvPr id="14" name="テキスト ボックス 13">
+            <a:extLst>
+              <a:ext uri="{FF2B5EF4-FFF2-40B4-BE49-F238E27FC236}">
+                <a16:creationId xmlns:a16="http://schemas.microsoft.com/office/drawing/2014/main" id="{3BF8CD27-6948-B4C0-705A-E2131D2D3151}"/>
+              </a:ext>
+            </a:extLst>
+          </p:cNvPr>
+          <p:cNvSpPr txBox="1"/>
+          <p:nvPr/>
+        </p:nvSpPr>
+        <p:spPr>
+          <a:xfrm>
+            <a:off x="755576" y="5157192"/>
+            <a:ext cx="7435049" cy="954107"/>
+          </a:xfrm>
+          <a:prstGeom prst="rect">
+            <a:avLst/>
+          </a:prstGeom>
+          <a:solidFill>
+            <a:schemeClr val="bg1"/>
+          </a:solidFill>
+          <a:ln>
+            <a:solidFill>
+              <a:schemeClr val="tx1"/>
+            </a:solidFill>
+          </a:ln>
+        </p:spPr>
+        <p:txBody>
+          <a:bodyPr wrap="none" rtlCol="0">
+            <a:spAutoFit/>
+          </a:bodyPr>
+          <a:lstStyle/>
+          <a:p>
+            <a:r>
+              <a:rPr kumimoji="1" lang="ja-JP" altLang="en-US" sz="2800"/>
+              <a:t>この</a:t>
+            </a:r>
+            <a:r>
+              <a:rPr kumimoji="1" lang="en-US" altLang="ja-JP" sz="2800"/>
+              <a:t>3</a:t>
+            </a:r>
+            <a:r>
+              <a:rPr kumimoji="1" lang="ja-JP" altLang="en-US" sz="2800"/>
+              <a:t>つを満たす代数をリー代数</a:t>
+            </a:r>
+            <a:r>
+              <a:rPr kumimoji="1" lang="en-US" altLang="ja-JP" sz="2800"/>
+              <a:t>(Lie algebra)</a:t>
+            </a:r>
+          </a:p>
+          <a:p>
+            <a:r>
+              <a:rPr kumimoji="1" lang="ja-JP" altLang="en-US" sz="2800"/>
+              <a:t>もしくはリー環と呼ぶ</a:t>
+            </a:r>
+          </a:p>
+        </p:txBody>
+      </p:sp>
+      <p:cxnSp>
+        <p:nvCxnSpPr>
+          <p:cNvPr id="16" name="コネクタ: カギ線 15">
+            <a:extLst>
+              <a:ext uri="{FF2B5EF4-FFF2-40B4-BE49-F238E27FC236}">
+                <a16:creationId xmlns:a16="http://schemas.microsoft.com/office/drawing/2014/main" id="{D7968DC2-7BC5-CAEE-9997-5A84F6F34E64}"/>
+              </a:ext>
+            </a:extLst>
+          </p:cNvPr>
+          <p:cNvCxnSpPr>
+            <a:stCxn id="14" idx="1"/>
+            <a:endCxn id="3" idx="1"/>
+          </p:cNvCxnSpPr>
+          <p:nvPr/>
+        </p:nvCxnSpPr>
+        <p:spPr>
+          <a:xfrm rot="10800000">
+            <a:off x="251520" y="2636912"/>
+            <a:ext cx="504056" cy="2997334"/>
+          </a:xfrm>
+          <a:prstGeom prst="bentConnector3">
+            <a:avLst>
+              <a:gd name="adj1" fmla="val 137289"/>
+            </a:avLst>
+          </a:prstGeom>
+          <a:ln>
+            <a:solidFill>
+              <a:schemeClr val="tx1"/>
+            </a:solidFill>
+            <a:headEnd type="none" w="med" len="med"/>
+            <a:tailEnd type="triangle"/>
+          </a:ln>
+        </p:spPr>
+        <p:style>
+          <a:lnRef idx="1">
+            <a:schemeClr val="accent1"/>
+          </a:lnRef>
+          <a:fillRef idx="0">
+            <a:schemeClr val="accent1"/>
+          </a:fillRef>
+          <a:effectRef idx="0">
+            <a:schemeClr val="accent1"/>
+          </a:effectRef>
+          <a:fontRef idx="minor">
+            <a:schemeClr val="tx1"/>
+          </a:fontRef>
+        </p:style>
+      </p:cxnSp>
+    </p:spTree>
+    <p:extLst>
+      <p:ext uri="{BB962C8B-B14F-4D97-AF65-F5344CB8AC3E}">
+        <p14:creationId xmlns:p14="http://schemas.microsoft.com/office/powerpoint/2010/main" val="1975220920"/>
+      </p:ext>
+    </p:extLst>
+  </p:cSld>
+  <p:clrMapOvr>
+    <a:masterClrMapping/>
+  </p:clrMapOvr>
+</p:sld>
+</file>
+
+<file path=ppt/slides/slide16.xml><?xml version="1.0" encoding="utf-8"?>
+<p:sld xmlns:a="http://schemas.openxmlformats.org/drawingml/2006/main" xmlns:r="http://schemas.openxmlformats.org/officeDocument/2006/relationships" xmlns:p="http://schemas.openxmlformats.org/presentationml/2006/main">
+  <p:cSld>
+    <p:spTree>
+      <p:nvGrpSpPr>
+        <p:cNvPr id="1" name=""/>
+        <p:cNvGrpSpPr/>
+        <p:nvPr/>
+      </p:nvGrpSpPr>
+      <p:grpSpPr>
+        <a:xfrm>
+          <a:off x="0" y="0"/>
+          <a:ext cx="0" cy="0"/>
+          <a:chOff x="0" y="0"/>
+          <a:chExt cx="0" cy="0"/>
+        </a:xfrm>
+      </p:grpSpPr>
+      <p:sp>
+        <p:nvSpPr>
+          <p:cNvPr id="2" name="テキスト プレースホルダー 1">
+            <a:extLst>
+              <a:ext uri="{FF2B5EF4-FFF2-40B4-BE49-F238E27FC236}">
+                <a16:creationId xmlns:a16="http://schemas.microsoft.com/office/drawing/2014/main" id="{F8ED1B52-3710-2D17-A35E-C6280B1D3964}"/>
+              </a:ext>
+            </a:extLst>
+          </p:cNvPr>
+          <p:cNvSpPr>
+            <a:spLocks noGrp="1"/>
+          </p:cNvSpPr>
+          <p:nvPr>
+            <p:ph type="body" sz="quarter" idx="10"/>
+          </p:nvPr>
+        </p:nvSpPr>
+        <p:spPr/>
+        <p:txBody>
+          <a:bodyPr/>
+          <a:lstStyle/>
+          <a:p>
+            <a:r>
+              <a:rPr lang="ja-JP" altLang="en-US"/>
+              <a:t>代数とは？</a:t>
+            </a:r>
+            <a:endParaRPr kumimoji="1" lang="ja-JP" altLang="en-US"/>
+          </a:p>
+        </p:txBody>
+      </p:sp>
+      <p:sp>
+        <p:nvSpPr>
+          <p:cNvPr id="3" name="テキスト ボックス 2">
+            <a:extLst>
+              <a:ext uri="{FF2B5EF4-FFF2-40B4-BE49-F238E27FC236}">
+                <a16:creationId xmlns:a16="http://schemas.microsoft.com/office/drawing/2014/main" id="{FEDBF612-0D09-DC58-7935-D3B6B0656BF2}"/>
+              </a:ext>
+            </a:extLst>
+          </p:cNvPr>
+          <p:cNvSpPr txBox="1"/>
+          <p:nvPr/>
+        </p:nvSpPr>
+        <p:spPr>
+          <a:xfrm>
+            <a:off x="323528" y="1196752"/>
+            <a:ext cx="7843814" cy="584775"/>
+          </a:xfrm>
+          <a:prstGeom prst="rect">
+            <a:avLst/>
+          </a:prstGeom>
+          <a:noFill/>
+        </p:spPr>
+        <p:txBody>
+          <a:bodyPr wrap="none" rtlCol="0">
+            <a:spAutoFit/>
+          </a:bodyPr>
+          <a:lstStyle/>
+          <a:p>
+            <a:r>
+              <a:rPr lang="ja-JP" altLang="en-US" sz="3200"/>
+              <a:t>数学の三大分野</a:t>
+            </a:r>
+            <a:r>
+              <a:rPr lang="en-US" altLang="ja-JP" sz="3200"/>
+              <a:t>(</a:t>
+            </a:r>
+            <a:r>
+              <a:rPr lang="ja-JP" altLang="en-US" sz="3200"/>
+              <a:t>代数、解析、幾何</a:t>
+            </a:r>
+            <a:r>
+              <a:rPr lang="en-US" altLang="ja-JP" sz="3200"/>
+              <a:t>)</a:t>
+            </a:r>
+            <a:r>
+              <a:rPr lang="ja-JP" altLang="en-US" sz="3200"/>
+              <a:t>の一つ</a:t>
+            </a:r>
+            <a:endParaRPr kumimoji="1" lang="ja-JP" altLang="en-US" sz="3200"/>
+          </a:p>
+        </p:txBody>
+      </p:sp>
+      <p:sp>
+        <p:nvSpPr>
+          <p:cNvPr id="4" name="テキスト ボックス 3">
+            <a:extLst>
+              <a:ext uri="{FF2B5EF4-FFF2-40B4-BE49-F238E27FC236}">
+                <a16:creationId xmlns:a16="http://schemas.microsoft.com/office/drawing/2014/main" id="{66A0B029-A095-B6DA-7328-36138B46B37B}"/>
+              </a:ext>
+            </a:extLst>
+          </p:cNvPr>
+          <p:cNvSpPr txBox="1"/>
+          <p:nvPr/>
+        </p:nvSpPr>
+        <p:spPr>
+          <a:xfrm>
+            <a:off x="323528" y="2132856"/>
+            <a:ext cx="1107996" cy="646331"/>
+          </a:xfrm>
+          <a:prstGeom prst="rect">
+            <a:avLst/>
+          </a:prstGeom>
+          <a:noFill/>
+        </p:spPr>
+        <p:txBody>
+          <a:bodyPr wrap="none" rtlCol="0">
+            <a:spAutoFit/>
+          </a:bodyPr>
+          <a:lstStyle/>
+          <a:p>
+            <a:r>
+              <a:rPr kumimoji="1" lang="ja-JP" altLang="en-US" sz="3600"/>
+              <a:t>代数</a:t>
+            </a:r>
+          </a:p>
+        </p:txBody>
+      </p:sp>
+      <p:sp>
+        <p:nvSpPr>
+          <p:cNvPr id="6" name="テキスト ボックス 5">
+            <a:extLst>
+              <a:ext uri="{FF2B5EF4-FFF2-40B4-BE49-F238E27FC236}">
+                <a16:creationId xmlns:a16="http://schemas.microsoft.com/office/drawing/2014/main" id="{F96D0350-72F0-A694-E1AE-AE3ADEEA2FA8}"/>
+              </a:ext>
+            </a:extLst>
+          </p:cNvPr>
+          <p:cNvSpPr txBox="1"/>
+          <p:nvPr/>
+        </p:nvSpPr>
+        <p:spPr>
+          <a:xfrm>
+            <a:off x="1691680" y="2132856"/>
+            <a:ext cx="6678488" cy="954107"/>
+          </a:xfrm>
+          <a:prstGeom prst="rect">
+            <a:avLst/>
+          </a:prstGeom>
+          <a:noFill/>
+        </p:spPr>
+        <p:txBody>
+          <a:bodyPr wrap="square">
+            <a:spAutoFit/>
+          </a:bodyPr>
+          <a:lstStyle/>
+          <a:p>
+            <a:r>
+              <a:rPr kumimoji="1" lang="ja-JP" altLang="en-US" sz="2800"/>
+              <a:t>広い意味の演算</a:t>
+            </a:r>
+            <a:r>
+              <a:rPr kumimoji="1" lang="en-US" altLang="ja-JP" sz="2800"/>
+              <a:t>(</a:t>
+            </a:r>
+            <a:r>
+              <a:rPr kumimoji="1" lang="ja-JP" altLang="en-US" sz="2800"/>
+              <a:t>足し算や掛け算</a:t>
+            </a:r>
+            <a:r>
+              <a:rPr kumimoji="1" lang="en-US" altLang="ja-JP" sz="2800"/>
+              <a:t>)</a:t>
+            </a:r>
+            <a:r>
+              <a:rPr kumimoji="1" lang="ja-JP" altLang="en-US" sz="2800"/>
+              <a:t>の構造を調べる学問</a:t>
+            </a:r>
+          </a:p>
+        </p:txBody>
+      </p:sp>
+      <p:sp>
+        <p:nvSpPr>
+          <p:cNvPr id="7" name="テキスト ボックス 6">
+            <a:extLst>
+              <a:ext uri="{FF2B5EF4-FFF2-40B4-BE49-F238E27FC236}">
+                <a16:creationId xmlns:a16="http://schemas.microsoft.com/office/drawing/2014/main" id="{323AB2EE-EA1A-38AE-F46B-7F9ECFDFBCAA}"/>
+              </a:ext>
+            </a:extLst>
+          </p:cNvPr>
+          <p:cNvSpPr txBox="1"/>
+          <p:nvPr/>
+        </p:nvSpPr>
+        <p:spPr>
+          <a:xfrm>
+            <a:off x="323528" y="3789040"/>
+            <a:ext cx="1107996" cy="646331"/>
+          </a:xfrm>
+          <a:prstGeom prst="rect">
+            <a:avLst/>
+          </a:prstGeom>
+          <a:noFill/>
+        </p:spPr>
+        <p:txBody>
+          <a:bodyPr wrap="none" rtlCol="0">
+            <a:spAutoFit/>
+          </a:bodyPr>
+          <a:lstStyle/>
+          <a:p>
+            <a:r>
+              <a:rPr lang="ja-JP" altLang="en-US" sz="3600"/>
+              <a:t>解析</a:t>
+            </a:r>
+            <a:endParaRPr kumimoji="1" lang="ja-JP" altLang="en-US" sz="3600"/>
+          </a:p>
+        </p:txBody>
+      </p:sp>
+      <p:sp>
+        <p:nvSpPr>
+          <p:cNvPr id="8" name="テキスト ボックス 7">
+            <a:extLst>
+              <a:ext uri="{FF2B5EF4-FFF2-40B4-BE49-F238E27FC236}">
+                <a16:creationId xmlns:a16="http://schemas.microsoft.com/office/drawing/2014/main" id="{E7B0D88E-58FD-3FE0-34FD-44923CD0F1B2}"/>
+              </a:ext>
+            </a:extLst>
+          </p:cNvPr>
+          <p:cNvSpPr txBox="1"/>
+          <p:nvPr/>
+        </p:nvSpPr>
+        <p:spPr>
+          <a:xfrm>
+            <a:off x="1691680" y="3861048"/>
+            <a:ext cx="6678488" cy="523220"/>
+          </a:xfrm>
+          <a:prstGeom prst="rect">
+            <a:avLst/>
+          </a:prstGeom>
+          <a:noFill/>
+        </p:spPr>
+        <p:txBody>
+          <a:bodyPr wrap="square">
+            <a:spAutoFit/>
+          </a:bodyPr>
+          <a:lstStyle/>
+          <a:p>
+            <a:r>
+              <a:rPr kumimoji="1" lang="ja-JP" altLang="en-US" sz="2800"/>
+              <a:t>極限を扱う学問。微分や積分など。</a:t>
+            </a:r>
+          </a:p>
+        </p:txBody>
+      </p:sp>
+      <p:sp>
+        <p:nvSpPr>
+          <p:cNvPr id="9" name="テキスト ボックス 8">
+            <a:extLst>
+              <a:ext uri="{FF2B5EF4-FFF2-40B4-BE49-F238E27FC236}">
+                <a16:creationId xmlns:a16="http://schemas.microsoft.com/office/drawing/2014/main" id="{DBD88DF9-15C3-525D-056E-43A39D17921E}"/>
+              </a:ext>
+            </a:extLst>
+          </p:cNvPr>
+          <p:cNvSpPr txBox="1"/>
+          <p:nvPr/>
+        </p:nvSpPr>
+        <p:spPr>
+          <a:xfrm>
+            <a:off x="323528" y="5301208"/>
+            <a:ext cx="1107996" cy="646331"/>
+          </a:xfrm>
+          <a:prstGeom prst="rect">
+            <a:avLst/>
+          </a:prstGeom>
+          <a:noFill/>
+        </p:spPr>
+        <p:txBody>
+          <a:bodyPr wrap="none" rtlCol="0">
+            <a:spAutoFit/>
+          </a:bodyPr>
+          <a:lstStyle/>
+          <a:p>
+            <a:r>
+              <a:rPr kumimoji="1" lang="ja-JP" altLang="en-US" sz="3600"/>
+              <a:t>幾何</a:t>
+            </a:r>
+          </a:p>
+        </p:txBody>
+      </p:sp>
+      <p:sp>
+        <p:nvSpPr>
+          <p:cNvPr id="10" name="テキスト ボックス 9">
+            <a:extLst>
+              <a:ext uri="{FF2B5EF4-FFF2-40B4-BE49-F238E27FC236}">
+                <a16:creationId xmlns:a16="http://schemas.microsoft.com/office/drawing/2014/main" id="{9E94ECF9-35D8-99C4-947C-A0515DFC4ACF}"/>
+              </a:ext>
+            </a:extLst>
+          </p:cNvPr>
+          <p:cNvSpPr txBox="1"/>
+          <p:nvPr/>
+        </p:nvSpPr>
+        <p:spPr>
+          <a:xfrm>
+            <a:off x="1763688" y="5373216"/>
+            <a:ext cx="6678488" cy="523220"/>
+          </a:xfrm>
+          <a:prstGeom prst="rect">
+            <a:avLst/>
+          </a:prstGeom>
+          <a:noFill/>
+        </p:spPr>
+        <p:txBody>
+          <a:bodyPr wrap="square">
+            <a:spAutoFit/>
+          </a:bodyPr>
+          <a:lstStyle/>
+          <a:p>
+            <a:r>
+              <a:rPr kumimoji="1" lang="ja-JP" altLang="en-US" sz="2800"/>
+              <a:t>広い意味での図形を扱う学問</a:t>
+            </a:r>
+          </a:p>
+        </p:txBody>
+      </p:sp>
+    </p:spTree>
+    <p:extLst>
+      <p:ext uri="{BB962C8B-B14F-4D97-AF65-F5344CB8AC3E}">
+        <p14:creationId xmlns:p14="http://schemas.microsoft.com/office/powerpoint/2010/main" val="2138591825"/>
       </p:ext>
     </p:extLst>
   </p:cSld>
@@ -11088,8 +16088,8 @@
           </a:p>
         </p:txBody>
       </p:sp>
-      <mc:AlternateContent xmlns:mc="http://schemas.openxmlformats.org/markup-compatibility/2006">
-        <mc:Choice xmlns:a14="http://schemas.microsoft.com/office/drawing/2010/main" Requires="a14">
+      <mc:AlternateContent xmlns:mc="http://schemas.openxmlformats.org/markup-compatibility/2006" xmlns:a14="http://schemas.microsoft.com/office/drawing/2010/main">
+        <mc:Choice Requires="a14">
           <p:sp>
             <p:nvSpPr>
               <p:cNvPr id="4" name="テキスト ボックス 3">
@@ -11351,7 +16351,7 @@
             </p:txBody>
           </p:sp>
         </mc:Choice>
-        <mc:Fallback>
+        <mc:Fallback xmlns="">
           <p:sp>
             <p:nvSpPr>
               <p:cNvPr id="4" name="テキスト ボックス 3">
@@ -11432,8 +16432,8 @@
           </a:p>
         </p:txBody>
       </p:sp>
-      <mc:AlternateContent xmlns:mc="http://schemas.openxmlformats.org/markup-compatibility/2006">
-        <mc:Choice xmlns:a14="http://schemas.microsoft.com/office/drawing/2010/main" Requires="a14">
+      <mc:AlternateContent xmlns:mc="http://schemas.openxmlformats.org/markup-compatibility/2006" xmlns:a14="http://schemas.microsoft.com/office/drawing/2010/main">
+        <mc:Choice Requires="a14">
           <p:sp>
             <p:nvSpPr>
               <p:cNvPr id="6" name="テキスト ボックス 5">
@@ -11462,6 +16462,7 @@
               </a:bodyPr>
               <a:lstStyle/>
               <a:p>
+                <a:pPr/>
                 <a14:m>
                   <m:oMathPara xmlns:m="http://schemas.openxmlformats.org/officeDocument/2006/math">
                     <m:oMathParaPr>
@@ -11673,7 +16674,7 @@
             </p:txBody>
           </p:sp>
         </mc:Choice>
-        <mc:Fallback>
+        <mc:Fallback xmlns="">
           <p:sp>
             <p:nvSpPr>
               <p:cNvPr id="6" name="テキスト ボックス 5">
@@ -11718,8 +16719,8 @@
           </p:sp>
         </mc:Fallback>
       </mc:AlternateContent>
-      <mc:AlternateContent xmlns:mc="http://schemas.openxmlformats.org/markup-compatibility/2006">
-        <mc:Choice xmlns:a14="http://schemas.microsoft.com/office/drawing/2010/main" Requires="a14">
+      <mc:AlternateContent xmlns:mc="http://schemas.openxmlformats.org/markup-compatibility/2006" xmlns:a14="http://schemas.microsoft.com/office/drawing/2010/main">
+        <mc:Choice Requires="a14">
           <p:sp>
             <p:nvSpPr>
               <p:cNvPr id="7" name="テキスト ボックス 6">
@@ -11748,6 +16749,7 @@
               </a:bodyPr>
               <a:lstStyle/>
               <a:p>
+                <a:pPr/>
                 <a14:m>
                   <m:oMathPara xmlns:m="http://schemas.openxmlformats.org/officeDocument/2006/math">
                     <m:oMathParaPr>
@@ -11959,7 +16961,7 @@
             </p:txBody>
           </p:sp>
         </mc:Choice>
-        <mc:Fallback>
+        <mc:Fallback xmlns="">
           <p:sp>
             <p:nvSpPr>
               <p:cNvPr id="7" name="テキスト ボックス 6">

--- a/poisson/fig/slide.pptx
+++ b/poisson/fig/slide.pptx
@@ -5,7 +5,7 @@
     <p:sldMasterId id="2147483663" r:id="rId1"/>
   </p:sldMasterIdLst>
   <p:notesMasterIdLst>
-    <p:notesMasterId r:id="rId18"/>
+    <p:notesMasterId r:id="rId23"/>
   </p:notesMasterIdLst>
   <p:sldIdLst>
     <p:sldId id="256" r:id="rId2"/>
@@ -23,7 +23,12 @@
     <p:sldId id="272" r:id="rId14"/>
     <p:sldId id="273" r:id="rId15"/>
     <p:sldId id="275" r:id="rId16"/>
-    <p:sldId id="274" r:id="rId17"/>
+    <p:sldId id="277" r:id="rId17"/>
+    <p:sldId id="274" r:id="rId18"/>
+    <p:sldId id="276" r:id="rId19"/>
+    <p:sldId id="278" r:id="rId20"/>
+    <p:sldId id="279" r:id="rId21"/>
+    <p:sldId id="280" r:id="rId22"/>
   </p:sldIdLst>
   <p:sldSz cx="9144000" cy="6858000" type="screen4x3"/>
   <p:notesSz cx="6858000" cy="9144000"/>
@@ -10171,7 +10176,7 @@
         </p:nvSpPr>
         <p:spPr>
           <a:xfrm>
-            <a:off x="755576" y="5157192"/>
+            <a:off x="827584" y="5085184"/>
             <a:ext cx="7435049" cy="954107"/>
           </a:xfrm>
           <a:prstGeom prst="rect">
@@ -10235,11 +10240,11 @@
         <p:spPr>
           <a:xfrm rot="10800000">
             <a:off x="251520" y="2636912"/>
-            <a:ext cx="504056" cy="2997334"/>
+            <a:ext cx="576064" cy="2925326"/>
           </a:xfrm>
           <a:prstGeom prst="bentConnector3">
             <a:avLst>
-              <a:gd name="adj1" fmla="val 137289"/>
+              <a:gd name="adj1" fmla="val 139683"/>
             </a:avLst>
           </a:prstGeom>
           <a:ln>
@@ -10279,6 +10284,192 @@
 </file>
 
 <file path=ppt/slides/slide16.xml><?xml version="1.0" encoding="utf-8"?>
+<p:sld xmlns:a="http://schemas.openxmlformats.org/drawingml/2006/main" xmlns:r="http://schemas.openxmlformats.org/officeDocument/2006/relationships" xmlns:p="http://schemas.openxmlformats.org/presentationml/2006/main">
+  <p:cSld>
+    <p:spTree>
+      <p:nvGrpSpPr>
+        <p:cNvPr id="1" name=""/>
+        <p:cNvGrpSpPr/>
+        <p:nvPr/>
+      </p:nvGrpSpPr>
+      <p:grpSpPr>
+        <a:xfrm>
+          <a:off x="0" y="0"/>
+          <a:ext cx="0" cy="0"/>
+          <a:chOff x="0" y="0"/>
+          <a:chExt cx="0" cy="0"/>
+        </a:xfrm>
+      </p:grpSpPr>
+      <p:sp>
+        <p:nvSpPr>
+          <p:cNvPr id="2" name="テキスト プレースホルダー 1">
+            <a:extLst>
+              <a:ext uri="{FF2B5EF4-FFF2-40B4-BE49-F238E27FC236}">
+                <a16:creationId xmlns:a16="http://schemas.microsoft.com/office/drawing/2014/main" id="{6730037B-3283-8646-B137-37D94BBD6BED}"/>
+              </a:ext>
+            </a:extLst>
+          </p:cNvPr>
+          <p:cNvSpPr>
+            <a:spLocks noGrp="1"/>
+          </p:cNvSpPr>
+          <p:nvPr>
+            <p:ph type="body" sz="quarter" idx="10"/>
+          </p:nvPr>
+        </p:nvSpPr>
+        <p:spPr/>
+        <p:txBody>
+          <a:bodyPr/>
+          <a:lstStyle/>
+          <a:p>
+            <a:r>
+              <a:rPr lang="ja-JP" altLang="en-US"/>
+              <a:t>リー環とは？</a:t>
+            </a:r>
+            <a:endParaRPr kumimoji="1" lang="ja-JP" altLang="en-US"/>
+          </a:p>
+        </p:txBody>
+      </p:sp>
+      <p:sp>
+        <p:nvSpPr>
+          <p:cNvPr id="3" name="テキスト ボックス 2">
+            <a:extLst>
+              <a:ext uri="{FF2B5EF4-FFF2-40B4-BE49-F238E27FC236}">
+                <a16:creationId xmlns:a16="http://schemas.microsoft.com/office/drawing/2014/main" id="{64A8326A-671A-C790-0813-662A7E9D7C44}"/>
+              </a:ext>
+            </a:extLst>
+          </p:cNvPr>
+          <p:cNvSpPr txBox="1"/>
+          <p:nvPr/>
+        </p:nvSpPr>
+        <p:spPr>
+          <a:xfrm>
+            <a:off x="305127" y="1340768"/>
+            <a:ext cx="8443337" cy="954107"/>
+          </a:xfrm>
+          <a:prstGeom prst="rect">
+            <a:avLst/>
+          </a:prstGeom>
+          <a:noFill/>
+        </p:spPr>
+        <p:txBody>
+          <a:bodyPr wrap="none" rtlCol="0">
+            <a:spAutoFit/>
+          </a:bodyPr>
+          <a:lstStyle/>
+          <a:p>
+            <a:r>
+              <a:rPr kumimoji="1" lang="ja-JP" altLang="en-US" sz="2800"/>
+              <a:t>リー環</a:t>
+            </a:r>
+            <a:r>
+              <a:rPr lang="ja-JP" altLang="en-US" sz="2800"/>
+              <a:t>とは、リー積と呼ばれる積が定義された環</a:t>
+            </a:r>
+            <a:endParaRPr lang="en-US" altLang="ja-JP" sz="2800"/>
+          </a:p>
+          <a:p>
+            <a:r>
+              <a:rPr kumimoji="1" lang="ja-JP" altLang="en-US" sz="2800"/>
+              <a:t>リー群から自然に作られ、力学と密接な関係がある</a:t>
+            </a:r>
+          </a:p>
+        </p:txBody>
+      </p:sp>
+      <p:sp>
+        <p:nvSpPr>
+          <p:cNvPr id="4" name="テキスト ボックス 3">
+            <a:extLst>
+              <a:ext uri="{FF2B5EF4-FFF2-40B4-BE49-F238E27FC236}">
+                <a16:creationId xmlns:a16="http://schemas.microsoft.com/office/drawing/2014/main" id="{169F41AF-1F9F-5420-8403-1F611282F096}"/>
+              </a:ext>
+            </a:extLst>
+          </p:cNvPr>
+          <p:cNvSpPr txBox="1"/>
+          <p:nvPr/>
+        </p:nvSpPr>
+        <p:spPr>
+          <a:xfrm>
+            <a:off x="339779" y="2708920"/>
+            <a:ext cx="7007046" cy="954107"/>
+          </a:xfrm>
+          <a:prstGeom prst="rect">
+            <a:avLst/>
+          </a:prstGeom>
+          <a:noFill/>
+        </p:spPr>
+        <p:txBody>
+          <a:bodyPr wrap="none" rtlCol="0">
+            <a:spAutoFit/>
+          </a:bodyPr>
+          <a:lstStyle/>
+          <a:p>
+            <a:r>
+              <a:rPr kumimoji="1" lang="ja-JP" altLang="en-US" sz="2800"/>
+              <a:t>リー群</a:t>
+            </a:r>
+            <a:r>
+              <a:rPr lang="ja-JP" altLang="en-US" sz="2800"/>
+              <a:t>とは、簡単に言えば微分ができる群</a:t>
+            </a:r>
+            <a:endParaRPr lang="en-US" altLang="ja-JP" sz="2800"/>
+          </a:p>
+          <a:p>
+            <a:r>
+              <a:rPr kumimoji="1" lang="ja-JP" altLang="en-US" sz="2800"/>
+              <a:t>なんらかの連続操作を表す</a:t>
+            </a:r>
+          </a:p>
+        </p:txBody>
+      </p:sp>
+      <p:sp>
+        <p:nvSpPr>
+          <p:cNvPr id="5" name="テキスト ボックス 4">
+            <a:extLst>
+              <a:ext uri="{FF2B5EF4-FFF2-40B4-BE49-F238E27FC236}">
+                <a16:creationId xmlns:a16="http://schemas.microsoft.com/office/drawing/2014/main" id="{F5ECCE97-28AC-4B62-4FE1-79E0A1BFEAA2}"/>
+              </a:ext>
+            </a:extLst>
+          </p:cNvPr>
+          <p:cNvSpPr txBox="1"/>
+          <p:nvPr/>
+        </p:nvSpPr>
+        <p:spPr>
+          <a:xfrm>
+            <a:off x="2627784" y="4725144"/>
+            <a:ext cx="3877985" cy="646331"/>
+          </a:xfrm>
+          <a:prstGeom prst="rect">
+            <a:avLst/>
+          </a:prstGeom>
+          <a:noFill/>
+        </p:spPr>
+        <p:txBody>
+          <a:bodyPr wrap="none" rtlCol="0">
+            <a:spAutoFit/>
+          </a:bodyPr>
+          <a:lstStyle/>
+          <a:p>
+            <a:r>
+              <a:rPr kumimoji="1" lang="ja-JP" altLang="en-US" sz="3600"/>
+              <a:t>そもそも群とは？</a:t>
+            </a:r>
+          </a:p>
+        </p:txBody>
+      </p:sp>
+    </p:spTree>
+    <p:extLst>
+      <p:ext uri="{BB962C8B-B14F-4D97-AF65-F5344CB8AC3E}">
+        <p14:creationId xmlns:p14="http://schemas.microsoft.com/office/powerpoint/2010/main" val="3843310942"/>
+      </p:ext>
+    </p:extLst>
+  </p:cSld>
+  <p:clrMapOvr>
+    <a:masterClrMapping/>
+  </p:clrMapOvr>
+</p:sld>
+</file>
+
+<file path=ppt/slides/slide17.xml><?xml version="1.0" encoding="utf-8"?>
 <p:sld xmlns:a="http://schemas.openxmlformats.org/drawingml/2006/main" xmlns:r="http://schemas.openxmlformats.org/officeDocument/2006/relationships" xmlns:p="http://schemas.openxmlformats.org/presentationml/2006/main">
   <p:cSld>
     <p:spTree>
@@ -10405,7 +10596,11 @@
           <a:lstStyle/>
           <a:p>
             <a:r>
-              <a:rPr kumimoji="1" lang="ja-JP" altLang="en-US" sz="3600"/>
+              <a:rPr kumimoji="1" lang="ja-JP" altLang="en-US" sz="3600">
+                <a:solidFill>
+                  <a:srgbClr val="011893"/>
+                </a:solidFill>
+              </a:rPr>
               <a:t>代数</a:t>
             </a:r>
           </a:p>
@@ -10457,7 +10652,7 @@
             </a:r>
             <a:r>
               <a:rPr kumimoji="1" lang="ja-JP" altLang="en-US" sz="2800"/>
-              <a:t>の構造を調べる学問</a:t>
+              <a:t>の構造を調べる学問。群、環、体など。</a:t>
             </a:r>
           </a:p>
         </p:txBody>
@@ -10491,10 +10686,18 @@
           <a:lstStyle/>
           <a:p>
             <a:r>
-              <a:rPr lang="ja-JP" altLang="en-US" sz="3600"/>
+              <a:rPr lang="ja-JP" altLang="en-US" sz="3600">
+                <a:solidFill>
+                  <a:srgbClr val="011893"/>
+                </a:solidFill>
+              </a:rPr>
               <a:t>解析</a:t>
             </a:r>
-            <a:endParaRPr kumimoji="1" lang="ja-JP" altLang="en-US" sz="3600"/>
+            <a:endParaRPr kumimoji="1" lang="ja-JP" altLang="en-US" sz="3600">
+              <a:solidFill>
+                <a:srgbClr val="011893"/>
+              </a:solidFill>
+            </a:endParaRPr>
           </a:p>
         </p:txBody>
       </p:sp>
@@ -10562,7 +10765,11 @@
           <a:lstStyle/>
           <a:p>
             <a:r>
-              <a:rPr kumimoji="1" lang="ja-JP" altLang="en-US" sz="3600"/>
+              <a:rPr kumimoji="1" lang="ja-JP" altLang="en-US" sz="3600">
+                <a:solidFill>
+                  <a:srgbClr val="011893"/>
+                </a:solidFill>
+              </a:rPr>
               <a:t>幾何</a:t>
             </a:r>
           </a:p>
@@ -10607,6 +10814,1513 @@
     <p:extLst>
       <p:ext uri="{BB962C8B-B14F-4D97-AF65-F5344CB8AC3E}">
         <p14:creationId xmlns:p14="http://schemas.microsoft.com/office/powerpoint/2010/main" val="2138591825"/>
+      </p:ext>
+    </p:extLst>
+  </p:cSld>
+  <p:clrMapOvr>
+    <a:masterClrMapping/>
+  </p:clrMapOvr>
+</p:sld>
+</file>
+
+<file path=ppt/slides/slide18.xml><?xml version="1.0" encoding="utf-8"?>
+<p:sld xmlns:a="http://schemas.openxmlformats.org/drawingml/2006/main" xmlns:r="http://schemas.openxmlformats.org/officeDocument/2006/relationships" xmlns:p="http://schemas.openxmlformats.org/presentationml/2006/main">
+  <p:cSld>
+    <p:spTree>
+      <p:nvGrpSpPr>
+        <p:cNvPr id="1" name=""/>
+        <p:cNvGrpSpPr/>
+        <p:nvPr/>
+      </p:nvGrpSpPr>
+      <p:grpSpPr>
+        <a:xfrm>
+          <a:off x="0" y="0"/>
+          <a:ext cx="0" cy="0"/>
+          <a:chOff x="0" y="0"/>
+          <a:chExt cx="0" cy="0"/>
+        </a:xfrm>
+      </p:grpSpPr>
+      <p:sp>
+        <p:nvSpPr>
+          <p:cNvPr id="2" name="テキスト プレースホルダー 1">
+            <a:extLst>
+              <a:ext uri="{FF2B5EF4-FFF2-40B4-BE49-F238E27FC236}">
+                <a16:creationId xmlns:a16="http://schemas.microsoft.com/office/drawing/2014/main" id="{E3CF6D10-E453-6C67-1A33-F25F7D948C0E}"/>
+              </a:ext>
+            </a:extLst>
+          </p:cNvPr>
+          <p:cNvSpPr>
+            <a:spLocks noGrp="1"/>
+          </p:cNvSpPr>
+          <p:nvPr>
+            <p:ph type="body" sz="quarter" idx="10"/>
+          </p:nvPr>
+        </p:nvSpPr>
+        <p:spPr/>
+        <p:txBody>
+          <a:bodyPr/>
+          <a:lstStyle/>
+          <a:p>
+            <a:r>
+              <a:rPr lang="ja-JP" altLang="en-US"/>
+              <a:t>群とは</a:t>
+            </a:r>
+            <a:endParaRPr kumimoji="1" lang="ja-JP" altLang="en-US"/>
+          </a:p>
+        </p:txBody>
+      </p:sp>
+      <p:sp>
+        <p:nvSpPr>
+          <p:cNvPr id="3" name="テキスト ボックス 2">
+            <a:extLst>
+              <a:ext uri="{FF2B5EF4-FFF2-40B4-BE49-F238E27FC236}">
+                <a16:creationId xmlns:a16="http://schemas.microsoft.com/office/drawing/2014/main" id="{5A5425CC-2EF8-1924-2108-589751EAD018}"/>
+              </a:ext>
+            </a:extLst>
+          </p:cNvPr>
+          <p:cNvSpPr txBox="1"/>
+          <p:nvPr/>
+        </p:nvSpPr>
+        <p:spPr>
+          <a:xfrm>
+            <a:off x="307256" y="1268760"/>
+            <a:ext cx="8820472" cy="1077218"/>
+          </a:xfrm>
+          <a:prstGeom prst="rect">
+            <a:avLst/>
+          </a:prstGeom>
+          <a:noFill/>
+        </p:spPr>
+        <p:txBody>
+          <a:bodyPr wrap="square" rtlCol="0">
+            <a:spAutoFit/>
+          </a:bodyPr>
+          <a:lstStyle/>
+          <a:p>
+            <a:r>
+              <a:rPr kumimoji="1" lang="ja-JP" altLang="en-US" sz="3200"/>
+              <a:t>操作の対象と、操作の組があり、任意の操作をあとから打ち消せるもの</a:t>
+            </a:r>
+            <a:endParaRPr kumimoji="1" lang="en-US" altLang="ja-JP" sz="3200"/>
+          </a:p>
+        </p:txBody>
+      </p:sp>
+      <p:sp>
+        <p:nvSpPr>
+          <p:cNvPr id="4" name="楕円 3">
+            <a:extLst>
+              <a:ext uri="{FF2B5EF4-FFF2-40B4-BE49-F238E27FC236}">
+                <a16:creationId xmlns:a16="http://schemas.microsoft.com/office/drawing/2014/main" id="{A2C9C691-F493-1A88-9DBA-B0CC11AF8E44}"/>
+              </a:ext>
+            </a:extLst>
+          </p:cNvPr>
+          <p:cNvSpPr/>
+          <p:nvPr/>
+        </p:nvSpPr>
+        <p:spPr>
+          <a:xfrm>
+            <a:off x="6732240" y="2708920"/>
+            <a:ext cx="1440160" cy="1440160"/>
+          </a:xfrm>
+          <a:prstGeom prst="ellipse">
+            <a:avLst/>
+          </a:prstGeom>
+          <a:noFill/>
+          <a:ln>
+            <a:solidFill>
+              <a:schemeClr val="tx1"/>
+            </a:solidFill>
+          </a:ln>
+        </p:spPr>
+        <p:style>
+          <a:lnRef idx="2">
+            <a:schemeClr val="accent1">
+              <a:shade val="50000"/>
+            </a:schemeClr>
+          </a:lnRef>
+          <a:fillRef idx="1">
+            <a:schemeClr val="accent1"/>
+          </a:fillRef>
+          <a:effectRef idx="0">
+            <a:schemeClr val="accent1"/>
+          </a:effectRef>
+          <a:fontRef idx="minor">
+            <a:schemeClr val="lt1"/>
+          </a:fontRef>
+        </p:style>
+        <p:txBody>
+          <a:bodyPr rtlCol="0" anchor="ctr"/>
+          <a:lstStyle/>
+          <a:p>
+            <a:pPr algn="ctr"/>
+            <a:endParaRPr kumimoji="1" lang="ja-JP" altLang="en-US">
+              <a:solidFill>
+                <a:sysClr val="windowText" lastClr="000000"/>
+              </a:solidFill>
+            </a:endParaRPr>
+          </a:p>
+        </p:txBody>
+      </p:sp>
+      <p:cxnSp>
+        <p:nvCxnSpPr>
+          <p:cNvPr id="6" name="直線矢印コネクタ 5">
+            <a:extLst>
+              <a:ext uri="{FF2B5EF4-FFF2-40B4-BE49-F238E27FC236}">
+                <a16:creationId xmlns:a16="http://schemas.microsoft.com/office/drawing/2014/main" id="{A82CD563-0004-1671-2480-2E68F6CAB379}"/>
+              </a:ext>
+            </a:extLst>
+          </p:cNvPr>
+          <p:cNvCxnSpPr>
+            <a:cxnSpLocks/>
+          </p:cNvCxnSpPr>
+          <p:nvPr/>
+        </p:nvCxnSpPr>
+        <p:spPr>
+          <a:xfrm flipV="1">
+            <a:off x="7452320" y="2780928"/>
+            <a:ext cx="360040" cy="648072"/>
+          </a:xfrm>
+          <a:prstGeom prst="straightConnector1">
+            <a:avLst/>
+          </a:prstGeom>
+          <a:ln>
+            <a:solidFill>
+              <a:schemeClr val="tx1"/>
+            </a:solidFill>
+            <a:headEnd type="none" w="med" len="med"/>
+            <a:tailEnd type="triangle"/>
+          </a:ln>
+        </p:spPr>
+        <p:style>
+          <a:lnRef idx="1">
+            <a:schemeClr val="accent1"/>
+          </a:lnRef>
+          <a:fillRef idx="0">
+            <a:schemeClr val="accent1"/>
+          </a:fillRef>
+          <a:effectRef idx="0">
+            <a:schemeClr val="accent1"/>
+          </a:effectRef>
+          <a:fontRef idx="minor">
+            <a:schemeClr val="tx1"/>
+          </a:fontRef>
+        </p:style>
+      </p:cxnSp>
+      <p:sp>
+        <p:nvSpPr>
+          <p:cNvPr id="9" name="テキスト ボックス 8">
+            <a:extLst>
+              <a:ext uri="{FF2B5EF4-FFF2-40B4-BE49-F238E27FC236}">
+                <a16:creationId xmlns:a16="http://schemas.microsoft.com/office/drawing/2014/main" id="{EC408BE1-BFC7-42F2-5D48-BED39C31F9AD}"/>
+              </a:ext>
+            </a:extLst>
+          </p:cNvPr>
+          <p:cNvSpPr txBox="1"/>
+          <p:nvPr/>
+        </p:nvSpPr>
+        <p:spPr>
+          <a:xfrm>
+            <a:off x="539552" y="2852936"/>
+            <a:ext cx="4134465" cy="954107"/>
+          </a:xfrm>
+          <a:prstGeom prst="rect">
+            <a:avLst/>
+          </a:prstGeom>
+          <a:noFill/>
+        </p:spPr>
+        <p:txBody>
+          <a:bodyPr wrap="none" rtlCol="0">
+            <a:spAutoFit/>
+          </a:bodyPr>
+          <a:lstStyle/>
+          <a:p>
+            <a:r>
+              <a:rPr kumimoji="1" lang="ja-JP" altLang="en-US" sz="2800"/>
+              <a:t>対象：ダイアル</a:t>
+            </a:r>
+            <a:r>
+              <a:rPr lang="ja-JP" altLang="en-US" sz="2800"/>
+              <a:t>のツマミ</a:t>
+            </a:r>
+            <a:endParaRPr kumimoji="1" lang="en-US" altLang="ja-JP" sz="2800"/>
+          </a:p>
+          <a:p>
+            <a:r>
+              <a:rPr kumimoji="1" lang="ja-JP" altLang="en-US" sz="2800"/>
+              <a:t>操作</a:t>
+            </a:r>
+            <a:r>
+              <a:rPr lang="ja-JP" altLang="en-US" sz="2800"/>
+              <a:t>：ツマミを回す</a:t>
+            </a:r>
+            <a:endParaRPr lang="en-US" altLang="ja-JP" sz="2800"/>
+          </a:p>
+        </p:txBody>
+      </p:sp>
+      <p:cxnSp>
+        <p:nvCxnSpPr>
+          <p:cNvPr id="11" name="直線コネクタ 10">
+            <a:extLst>
+              <a:ext uri="{FF2B5EF4-FFF2-40B4-BE49-F238E27FC236}">
+                <a16:creationId xmlns:a16="http://schemas.microsoft.com/office/drawing/2014/main" id="{FD216F19-9AB4-7CF1-2C0C-369FE9CCB07C}"/>
+              </a:ext>
+            </a:extLst>
+          </p:cNvPr>
+          <p:cNvCxnSpPr>
+            <a:cxnSpLocks/>
+            <a:endCxn id="4" idx="6"/>
+          </p:cNvCxnSpPr>
+          <p:nvPr/>
+        </p:nvCxnSpPr>
+        <p:spPr>
+          <a:xfrm>
+            <a:off x="7452320" y="3429000"/>
+            <a:ext cx="720080" cy="0"/>
+          </a:xfrm>
+          <a:prstGeom prst="line">
+            <a:avLst/>
+          </a:prstGeom>
+          <a:ln>
+            <a:solidFill>
+              <a:schemeClr val="tx1"/>
+            </a:solidFill>
+            <a:headEnd type="none" w="med" len="med"/>
+            <a:tailEnd type="none" w="med" len="med"/>
+          </a:ln>
+        </p:spPr>
+        <p:style>
+          <a:lnRef idx="1">
+            <a:schemeClr val="accent1"/>
+          </a:lnRef>
+          <a:fillRef idx="0">
+            <a:schemeClr val="accent1"/>
+          </a:fillRef>
+          <a:effectRef idx="0">
+            <a:schemeClr val="accent1"/>
+          </a:effectRef>
+          <a:fontRef idx="minor">
+            <a:schemeClr val="tx1"/>
+          </a:fontRef>
+        </p:style>
+      </p:cxnSp>
+      <mc:AlternateContent xmlns:mc="http://schemas.openxmlformats.org/markup-compatibility/2006">
+        <mc:Choice xmlns:a14="http://schemas.microsoft.com/office/drawing/2010/main" Requires="a14">
+          <p:sp>
+            <p:nvSpPr>
+              <p:cNvPr id="14" name="テキスト ボックス 13">
+                <a:extLst>
+                  <a:ext uri="{FF2B5EF4-FFF2-40B4-BE49-F238E27FC236}">
+                    <a16:creationId xmlns:a16="http://schemas.microsoft.com/office/drawing/2014/main" id="{E1491DCE-A60A-B18C-D21D-75D6EAE7CFAE}"/>
+                  </a:ext>
+                </a:extLst>
+              </p:cNvPr>
+              <p:cNvSpPr txBox="1"/>
+              <p:nvPr/>
+            </p:nvSpPr>
+            <p:spPr>
+              <a:xfrm>
+                <a:off x="7596336" y="3152001"/>
+                <a:ext cx="200696" cy="276999"/>
+              </a:xfrm>
+              <a:prstGeom prst="rect">
+                <a:avLst/>
+              </a:prstGeom>
+              <a:noFill/>
+            </p:spPr>
+            <p:txBody>
+              <a:bodyPr wrap="none" lIns="0" tIns="0" rIns="0" bIns="0" rtlCol="0">
+                <a:spAutoFit/>
+              </a:bodyPr>
+              <a:lstStyle/>
+              <a:p>
+                <a14:m>
+                  <m:oMathPara xmlns:m="http://schemas.openxmlformats.org/officeDocument/2006/math">
+                    <m:oMathParaPr>
+                      <m:jc m:val="centerGroup"/>
+                    </m:oMathParaPr>
+                    <m:oMath xmlns:m="http://schemas.openxmlformats.org/officeDocument/2006/math">
+                      <m:r>
+                        <a:rPr kumimoji="1" lang="en-US" altLang="ja-JP" b="0" i="1" smtClean="0">
+                          <a:latin typeface="Cambria Math" panose="02040503050406030204" pitchFamily="18" charset="0"/>
+                        </a:rPr>
+                        <m:t>𝜃</m:t>
+                      </m:r>
+                    </m:oMath>
+                  </m:oMathPara>
+                </a14:m>
+                <a:endParaRPr kumimoji="1" lang="ja-JP" altLang="en-US"/>
+              </a:p>
+            </p:txBody>
+          </p:sp>
+        </mc:Choice>
+        <mc:Fallback>
+          <p:sp>
+            <p:nvSpPr>
+              <p:cNvPr id="14" name="テキスト ボックス 13">
+                <a:extLst>
+                  <a:ext uri="{FF2B5EF4-FFF2-40B4-BE49-F238E27FC236}">
+                    <a16:creationId xmlns:a16="http://schemas.microsoft.com/office/drawing/2014/main" id="{E1491DCE-A60A-B18C-D21D-75D6EAE7CFAE}"/>
+                  </a:ext>
+                </a:extLst>
+              </p:cNvPr>
+              <p:cNvSpPr txBox="1">
+                <a:spLocks noRot="1" noChangeAspect="1" noMove="1" noResize="1" noEditPoints="1" noAdjustHandles="1" noChangeArrowheads="1" noChangeShapeType="1" noTextEdit="1"/>
+              </p:cNvSpPr>
+              <p:nvPr/>
+            </p:nvSpPr>
+            <p:spPr>
+              <a:xfrm>
+                <a:off x="7596336" y="3152001"/>
+                <a:ext cx="200696" cy="276999"/>
+              </a:xfrm>
+              <a:prstGeom prst="rect">
+                <a:avLst/>
+              </a:prstGeom>
+              <a:blipFill>
+                <a:blip r:embed="rId2"/>
+                <a:stretch>
+                  <a:fillRect l="-24242" r="-21212" b="-8696"/>
+                </a:stretch>
+              </a:blipFill>
+            </p:spPr>
+            <p:txBody>
+              <a:bodyPr/>
+              <a:lstStyle/>
+              <a:p>
+                <a:r>
+                  <a:rPr lang="ja-JP" altLang="en-US">
+                    <a:noFill/>
+                  </a:rPr>
+                  <a:t> </a:t>
+                </a:r>
+              </a:p>
+            </p:txBody>
+          </p:sp>
+        </mc:Fallback>
+      </mc:AlternateContent>
+      <p:sp>
+        <p:nvSpPr>
+          <p:cNvPr id="15" name="テキスト ボックス 14">
+            <a:extLst>
+              <a:ext uri="{FF2B5EF4-FFF2-40B4-BE49-F238E27FC236}">
+                <a16:creationId xmlns:a16="http://schemas.microsoft.com/office/drawing/2014/main" id="{10D0063A-E754-E391-B81D-458E8B1DDA91}"/>
+              </a:ext>
+            </a:extLst>
+          </p:cNvPr>
+          <p:cNvSpPr txBox="1"/>
+          <p:nvPr/>
+        </p:nvSpPr>
+        <p:spPr>
+          <a:xfrm>
+            <a:off x="467544" y="4509120"/>
+            <a:ext cx="2339102" cy="523220"/>
+          </a:xfrm>
+          <a:prstGeom prst="rect">
+            <a:avLst/>
+          </a:prstGeom>
+          <a:noFill/>
+        </p:spPr>
+        <p:txBody>
+          <a:bodyPr wrap="none" rtlCol="0">
+            <a:spAutoFit/>
+          </a:bodyPr>
+          <a:lstStyle/>
+          <a:p>
+            <a:r>
+              <a:rPr lang="ja-JP" altLang="en-US" sz="2800"/>
+              <a:t>ツマミの状態</a:t>
+            </a:r>
+            <a:endParaRPr kumimoji="1" lang="ja-JP" altLang="en-US" sz="2800"/>
+          </a:p>
+        </p:txBody>
+      </p:sp>
+      <mc:AlternateContent xmlns:mc="http://schemas.openxmlformats.org/markup-compatibility/2006">
+        <mc:Choice xmlns:a14="http://schemas.microsoft.com/office/drawing/2010/main" Requires="a14">
+          <p:sp>
+            <p:nvSpPr>
+              <p:cNvPr id="16" name="テキスト ボックス 15">
+                <a:extLst>
+                  <a:ext uri="{FF2B5EF4-FFF2-40B4-BE49-F238E27FC236}">
+                    <a16:creationId xmlns:a16="http://schemas.microsoft.com/office/drawing/2014/main" id="{E06CAED5-6F97-ACE5-5224-D3CA6E15755C}"/>
+                  </a:ext>
+                </a:extLst>
+              </p:cNvPr>
+              <p:cNvSpPr txBox="1"/>
+              <p:nvPr/>
+            </p:nvSpPr>
+            <p:spPr>
+              <a:xfrm>
+                <a:off x="3280551" y="4448725"/>
+                <a:ext cx="931409" cy="492443"/>
+              </a:xfrm>
+              <a:prstGeom prst="rect">
+                <a:avLst/>
+              </a:prstGeom>
+              <a:noFill/>
+            </p:spPr>
+            <p:txBody>
+              <a:bodyPr wrap="none" lIns="0" tIns="0" rIns="0" bIns="0" rtlCol="0">
+                <a:spAutoFit/>
+              </a:bodyPr>
+              <a:lstStyle/>
+              <a:p>
+                <a14:m>
+                  <m:oMathPara xmlns:m="http://schemas.openxmlformats.org/officeDocument/2006/math">
+                    <m:oMathParaPr>
+                      <m:jc m:val="centerGroup"/>
+                    </m:oMathParaPr>
+                    <m:oMath xmlns:m="http://schemas.openxmlformats.org/officeDocument/2006/math">
+                      <m:r>
+                        <a:rPr kumimoji="1" lang="en-US" altLang="ja-JP" sz="3200" b="0" i="1" smtClean="0">
+                          <a:latin typeface="Cambria Math" panose="02040503050406030204" pitchFamily="18" charset="0"/>
+                        </a:rPr>
+                        <m:t>𝑣</m:t>
+                      </m:r>
+                      <m:r>
+                        <a:rPr kumimoji="1" lang="en-US" altLang="ja-JP" sz="3200" b="0" i="1" smtClean="0">
+                          <a:latin typeface="Cambria Math" panose="02040503050406030204" pitchFamily="18" charset="0"/>
+                        </a:rPr>
+                        <m:t>(</m:t>
+                      </m:r>
+                      <m:r>
+                        <a:rPr kumimoji="1" lang="en-US" altLang="ja-JP" sz="3200" b="0" i="1" smtClean="0">
+                          <a:latin typeface="Cambria Math" panose="02040503050406030204" pitchFamily="18" charset="0"/>
+                        </a:rPr>
+                        <m:t>𝜃</m:t>
+                      </m:r>
+                      <m:r>
+                        <a:rPr kumimoji="1" lang="en-US" altLang="ja-JP" sz="3200" b="0" i="1" smtClean="0">
+                          <a:latin typeface="Cambria Math" panose="02040503050406030204" pitchFamily="18" charset="0"/>
+                        </a:rPr>
+                        <m:t>)</m:t>
+                      </m:r>
+                    </m:oMath>
+                  </m:oMathPara>
+                </a14:m>
+                <a:endParaRPr kumimoji="1" lang="ja-JP" altLang="en-US" sz="3200"/>
+              </a:p>
+            </p:txBody>
+          </p:sp>
+        </mc:Choice>
+        <mc:Fallback>
+          <p:sp>
+            <p:nvSpPr>
+              <p:cNvPr id="16" name="テキスト ボックス 15">
+                <a:extLst>
+                  <a:ext uri="{FF2B5EF4-FFF2-40B4-BE49-F238E27FC236}">
+                    <a16:creationId xmlns:a16="http://schemas.microsoft.com/office/drawing/2014/main" id="{E06CAED5-6F97-ACE5-5224-D3CA6E15755C}"/>
+                  </a:ext>
+                </a:extLst>
+              </p:cNvPr>
+              <p:cNvSpPr txBox="1">
+                <a:spLocks noRot="1" noChangeAspect="1" noMove="1" noResize="1" noEditPoints="1" noAdjustHandles="1" noChangeArrowheads="1" noChangeShapeType="1" noTextEdit="1"/>
+              </p:cNvSpPr>
+              <p:nvPr/>
+            </p:nvSpPr>
+            <p:spPr>
+              <a:xfrm>
+                <a:off x="3280551" y="4448725"/>
+                <a:ext cx="931409" cy="492443"/>
+              </a:xfrm>
+              <a:prstGeom prst="rect">
+                <a:avLst/>
+              </a:prstGeom>
+              <a:blipFill>
+                <a:blip r:embed="rId3"/>
+                <a:stretch>
+                  <a:fillRect/>
+                </a:stretch>
+              </a:blipFill>
+            </p:spPr>
+            <p:txBody>
+              <a:bodyPr/>
+              <a:lstStyle/>
+              <a:p>
+                <a:r>
+                  <a:rPr lang="ja-JP" altLang="en-US">
+                    <a:noFill/>
+                  </a:rPr>
+                  <a:t> </a:t>
+                </a:r>
+              </a:p>
+            </p:txBody>
+          </p:sp>
+        </mc:Fallback>
+      </mc:AlternateContent>
+      <mc:AlternateContent xmlns:mc="http://schemas.openxmlformats.org/markup-compatibility/2006">
+        <mc:Choice xmlns:a14="http://schemas.microsoft.com/office/drawing/2010/main" Requires="a14">
+          <p:sp>
+            <p:nvSpPr>
+              <p:cNvPr id="17" name="テキスト ボックス 16">
+                <a:extLst>
+                  <a:ext uri="{FF2B5EF4-FFF2-40B4-BE49-F238E27FC236}">
+                    <a16:creationId xmlns:a16="http://schemas.microsoft.com/office/drawing/2014/main" id="{60074511-B27C-62B2-3432-FBF7352AC2A5}"/>
+                  </a:ext>
+                </a:extLst>
+              </p:cNvPr>
+              <p:cNvSpPr txBox="1"/>
+              <p:nvPr/>
+            </p:nvSpPr>
+            <p:spPr>
+              <a:xfrm>
+                <a:off x="467544" y="5301208"/>
+                <a:ext cx="4746492" cy="523220"/>
+              </a:xfrm>
+              <a:prstGeom prst="rect">
+                <a:avLst/>
+              </a:prstGeom>
+              <a:noFill/>
+            </p:spPr>
+            <p:txBody>
+              <a:bodyPr wrap="none" rtlCol="0">
+                <a:spAutoFit/>
+              </a:bodyPr>
+              <a:lstStyle/>
+              <a:p>
+                <a:r>
+                  <a:rPr kumimoji="1" lang="ja-JP" altLang="en-US" sz="2800"/>
+                  <a:t>ツマミを角度</a:t>
+                </a:r>
+                <a14:m>
+                  <m:oMath xmlns:m="http://schemas.openxmlformats.org/officeDocument/2006/math">
+                    <m:r>
+                      <a:rPr kumimoji="1" lang="en-US" altLang="ja-JP" sz="2800" b="0" i="1" smtClean="0">
+                        <a:latin typeface="Cambria Math" panose="02040503050406030204" pitchFamily="18" charset="0"/>
+                      </a:rPr>
+                      <m:t>𝜙</m:t>
+                    </m:r>
+                  </m:oMath>
+                </a14:m>
+                <a:r>
+                  <a:rPr kumimoji="1" lang="ja-JP" altLang="en-US" sz="2800"/>
+                  <a:t>だけ回す操作</a:t>
+                </a:r>
+              </a:p>
+            </p:txBody>
+          </p:sp>
+        </mc:Choice>
+        <mc:Fallback>
+          <p:sp>
+            <p:nvSpPr>
+              <p:cNvPr id="17" name="テキスト ボックス 16">
+                <a:extLst>
+                  <a:ext uri="{FF2B5EF4-FFF2-40B4-BE49-F238E27FC236}">
+                    <a16:creationId xmlns:a16="http://schemas.microsoft.com/office/drawing/2014/main" id="{60074511-B27C-62B2-3432-FBF7352AC2A5}"/>
+                  </a:ext>
+                </a:extLst>
+              </p:cNvPr>
+              <p:cNvSpPr txBox="1">
+                <a:spLocks noRot="1" noChangeAspect="1" noMove="1" noResize="1" noEditPoints="1" noAdjustHandles="1" noChangeArrowheads="1" noChangeShapeType="1" noTextEdit="1"/>
+              </p:cNvSpPr>
+              <p:nvPr/>
+            </p:nvSpPr>
+            <p:spPr>
+              <a:xfrm>
+                <a:off x="467544" y="5301208"/>
+                <a:ext cx="4746492" cy="523220"/>
+              </a:xfrm>
+              <a:prstGeom prst="rect">
+                <a:avLst/>
+              </a:prstGeom>
+              <a:blipFill>
+                <a:blip r:embed="rId4"/>
+                <a:stretch>
+                  <a:fillRect l="-2699" t="-16471" r="-1671" b="-29412"/>
+                </a:stretch>
+              </a:blipFill>
+            </p:spPr>
+            <p:txBody>
+              <a:bodyPr/>
+              <a:lstStyle/>
+              <a:p>
+                <a:r>
+                  <a:rPr lang="ja-JP" altLang="en-US">
+                    <a:noFill/>
+                  </a:rPr>
+                  <a:t> </a:t>
+                </a:r>
+              </a:p>
+            </p:txBody>
+          </p:sp>
+        </mc:Fallback>
+      </mc:AlternateContent>
+      <mc:AlternateContent xmlns:mc="http://schemas.openxmlformats.org/markup-compatibility/2006">
+        <mc:Choice xmlns:a14="http://schemas.microsoft.com/office/drawing/2010/main" Requires="a14">
+          <p:sp>
+            <p:nvSpPr>
+              <p:cNvPr id="18" name="テキスト ボックス 17">
+                <a:extLst>
+                  <a:ext uri="{FF2B5EF4-FFF2-40B4-BE49-F238E27FC236}">
+                    <a16:creationId xmlns:a16="http://schemas.microsoft.com/office/drawing/2014/main" id="{A66588CD-2472-1B8F-42B9-C4E5B4E47C63}"/>
+                  </a:ext>
+                </a:extLst>
+              </p:cNvPr>
+              <p:cNvSpPr txBox="1"/>
+              <p:nvPr/>
+            </p:nvSpPr>
+            <p:spPr>
+              <a:xfrm>
+                <a:off x="5292080" y="5229200"/>
+                <a:ext cx="1033168" cy="492443"/>
+              </a:xfrm>
+              <a:prstGeom prst="rect">
+                <a:avLst/>
+              </a:prstGeom>
+              <a:noFill/>
+            </p:spPr>
+            <p:txBody>
+              <a:bodyPr wrap="none" lIns="0" tIns="0" rIns="0" bIns="0" rtlCol="0">
+                <a:spAutoFit/>
+              </a:bodyPr>
+              <a:lstStyle/>
+              <a:p>
+                <a14:m>
+                  <m:oMathPara xmlns:m="http://schemas.openxmlformats.org/officeDocument/2006/math">
+                    <m:oMathParaPr>
+                      <m:jc m:val="centerGroup"/>
+                    </m:oMathParaPr>
+                    <m:oMath xmlns:m="http://schemas.openxmlformats.org/officeDocument/2006/math">
+                      <m:r>
+                        <a:rPr kumimoji="1" lang="en-US" altLang="ja-JP" sz="3200" b="0" i="1" smtClean="0">
+                          <a:latin typeface="Cambria Math" panose="02040503050406030204" pitchFamily="18" charset="0"/>
+                        </a:rPr>
+                        <m:t>𝑈</m:t>
+                      </m:r>
+                      <m:r>
+                        <a:rPr kumimoji="1" lang="en-US" altLang="ja-JP" sz="3200" b="0" i="1" smtClean="0">
+                          <a:latin typeface="Cambria Math" panose="02040503050406030204" pitchFamily="18" charset="0"/>
+                        </a:rPr>
+                        <m:t>(</m:t>
+                      </m:r>
+                      <m:r>
+                        <a:rPr kumimoji="1" lang="en-US" altLang="ja-JP" sz="3200" b="0" i="1" smtClean="0">
+                          <a:latin typeface="Cambria Math" panose="02040503050406030204" pitchFamily="18" charset="0"/>
+                        </a:rPr>
+                        <m:t>𝜙</m:t>
+                      </m:r>
+                      <m:r>
+                        <a:rPr kumimoji="1" lang="en-US" altLang="ja-JP" sz="3200" b="0" i="1" smtClean="0">
+                          <a:latin typeface="Cambria Math" panose="02040503050406030204" pitchFamily="18" charset="0"/>
+                        </a:rPr>
+                        <m:t>)</m:t>
+                      </m:r>
+                    </m:oMath>
+                  </m:oMathPara>
+                </a14:m>
+                <a:endParaRPr kumimoji="1" lang="ja-JP" altLang="en-US" sz="3200"/>
+              </a:p>
+            </p:txBody>
+          </p:sp>
+        </mc:Choice>
+        <mc:Fallback>
+          <p:sp>
+            <p:nvSpPr>
+              <p:cNvPr id="18" name="テキスト ボックス 17">
+                <a:extLst>
+                  <a:ext uri="{FF2B5EF4-FFF2-40B4-BE49-F238E27FC236}">
+                    <a16:creationId xmlns:a16="http://schemas.microsoft.com/office/drawing/2014/main" id="{A66588CD-2472-1B8F-42B9-C4E5B4E47C63}"/>
+                  </a:ext>
+                </a:extLst>
+              </p:cNvPr>
+              <p:cNvSpPr txBox="1">
+                <a:spLocks noRot="1" noChangeAspect="1" noMove="1" noResize="1" noEditPoints="1" noAdjustHandles="1" noChangeArrowheads="1" noChangeShapeType="1" noTextEdit="1"/>
+              </p:cNvSpPr>
+              <p:nvPr/>
+            </p:nvSpPr>
+            <p:spPr>
+              <a:xfrm>
+                <a:off x="5292080" y="5229200"/>
+                <a:ext cx="1033168" cy="492443"/>
+              </a:xfrm>
+              <a:prstGeom prst="rect">
+                <a:avLst/>
+              </a:prstGeom>
+              <a:blipFill>
+                <a:blip r:embed="rId5"/>
+                <a:stretch>
+                  <a:fillRect/>
+                </a:stretch>
+              </a:blipFill>
+            </p:spPr>
+            <p:txBody>
+              <a:bodyPr/>
+              <a:lstStyle/>
+              <a:p>
+                <a:r>
+                  <a:rPr lang="ja-JP" altLang="en-US">
+                    <a:noFill/>
+                  </a:rPr>
+                  <a:t> </a:t>
+                </a:r>
+              </a:p>
+            </p:txBody>
+          </p:sp>
+        </mc:Fallback>
+      </mc:AlternateContent>
+    </p:spTree>
+    <p:extLst>
+      <p:ext uri="{BB962C8B-B14F-4D97-AF65-F5344CB8AC3E}">
+        <p14:creationId xmlns:p14="http://schemas.microsoft.com/office/powerpoint/2010/main" val="3808683066"/>
+      </p:ext>
+    </p:extLst>
+  </p:cSld>
+  <p:clrMapOvr>
+    <a:masterClrMapping/>
+  </p:clrMapOvr>
+</p:sld>
+</file>
+
+<file path=ppt/slides/slide19.xml><?xml version="1.0" encoding="utf-8"?>
+<p:sld xmlns:a="http://schemas.openxmlformats.org/drawingml/2006/main" xmlns:r="http://schemas.openxmlformats.org/officeDocument/2006/relationships" xmlns:p="http://schemas.openxmlformats.org/presentationml/2006/main">
+  <p:cSld>
+    <p:spTree>
+      <p:nvGrpSpPr>
+        <p:cNvPr id="1" name=""/>
+        <p:cNvGrpSpPr/>
+        <p:nvPr/>
+      </p:nvGrpSpPr>
+      <p:grpSpPr>
+        <a:xfrm>
+          <a:off x="0" y="0"/>
+          <a:ext cx="0" cy="0"/>
+          <a:chOff x="0" y="0"/>
+          <a:chExt cx="0" cy="0"/>
+        </a:xfrm>
+      </p:grpSpPr>
+      <p:sp>
+        <p:nvSpPr>
+          <p:cNvPr id="2" name="テキスト プレースホルダー 1">
+            <a:extLst>
+              <a:ext uri="{FF2B5EF4-FFF2-40B4-BE49-F238E27FC236}">
+                <a16:creationId xmlns:a16="http://schemas.microsoft.com/office/drawing/2014/main" id="{F3E705FE-85F9-9E4D-842F-16961DBBE8C8}"/>
+              </a:ext>
+            </a:extLst>
+          </p:cNvPr>
+          <p:cNvSpPr>
+            <a:spLocks noGrp="1"/>
+          </p:cNvSpPr>
+          <p:nvPr>
+            <p:ph type="body" sz="quarter" idx="10"/>
+          </p:nvPr>
+        </p:nvSpPr>
+        <p:spPr/>
+        <p:txBody>
+          <a:bodyPr/>
+          <a:lstStyle/>
+          <a:p>
+            <a:r>
+              <a:rPr lang="ja-JP" altLang="en-US"/>
+              <a:t>群とは</a:t>
+            </a:r>
+            <a:endParaRPr kumimoji="1" lang="ja-JP" altLang="en-US"/>
+          </a:p>
+        </p:txBody>
+      </p:sp>
+      <mc:AlternateContent xmlns:mc="http://schemas.openxmlformats.org/markup-compatibility/2006">
+        <mc:Choice xmlns:a14="http://schemas.microsoft.com/office/drawing/2010/main" Requires="a14">
+          <p:sp>
+            <p:nvSpPr>
+              <p:cNvPr id="3" name="テキスト ボックス 2">
+                <a:extLst>
+                  <a:ext uri="{FF2B5EF4-FFF2-40B4-BE49-F238E27FC236}">
+                    <a16:creationId xmlns:a16="http://schemas.microsoft.com/office/drawing/2014/main" id="{5F0C8775-4000-B871-58C0-65DB99E6163A}"/>
+                  </a:ext>
+                </a:extLst>
+              </p:cNvPr>
+              <p:cNvSpPr txBox="1"/>
+              <p:nvPr/>
+            </p:nvSpPr>
+            <p:spPr>
+              <a:xfrm>
+                <a:off x="539552" y="1196752"/>
+                <a:ext cx="4678460" cy="523220"/>
+              </a:xfrm>
+              <a:prstGeom prst="rect">
+                <a:avLst/>
+              </a:prstGeom>
+              <a:noFill/>
+            </p:spPr>
+            <p:txBody>
+              <a:bodyPr wrap="none" rtlCol="0">
+                <a:spAutoFit/>
+              </a:bodyPr>
+              <a:lstStyle/>
+              <a:p>
+                <a:r>
+                  <a:rPr lang="ja-JP" altLang="en-US" sz="2800"/>
+                  <a:t>角度</a:t>
+                </a:r>
+                <a14:m>
+                  <m:oMath xmlns:m="http://schemas.openxmlformats.org/officeDocument/2006/math">
+                    <m:r>
+                      <a:rPr lang="en-US" altLang="ja-JP" sz="2800" b="0" i="1" smtClean="0">
+                        <a:latin typeface="Cambria Math" panose="02040503050406030204" pitchFamily="18" charset="0"/>
+                      </a:rPr>
+                      <m:t>𝜃</m:t>
+                    </m:r>
+                  </m:oMath>
+                </a14:m>
+                <a:r>
+                  <a:rPr lang="ja-JP" altLang="en-US" sz="2800"/>
+                  <a:t>のツマミを</a:t>
+                </a:r>
+                <a14:m>
+                  <m:oMath xmlns:m="http://schemas.openxmlformats.org/officeDocument/2006/math">
+                    <m:r>
+                      <a:rPr lang="en-US" altLang="ja-JP" sz="2800" b="0" i="1" smtClean="0">
+                        <a:latin typeface="Cambria Math" panose="02040503050406030204" pitchFamily="18" charset="0"/>
+                      </a:rPr>
+                      <m:t>𝜙</m:t>
+                    </m:r>
+                    <m:r>
+                      <a:rPr lang="en-US" altLang="ja-JP" sz="2800" b="0" i="1" smtClean="0">
+                        <a:latin typeface="Cambria Math" panose="02040503050406030204" pitchFamily="18" charset="0"/>
+                      </a:rPr>
+                      <m:t> </m:t>
+                    </m:r>
+                  </m:oMath>
+                </a14:m>
+                <a:r>
+                  <a:rPr lang="ja-JP" altLang="en-US" sz="2800"/>
+                  <a:t>だけ回す</a:t>
+                </a:r>
+                <a:endParaRPr kumimoji="1" lang="ja-JP" altLang="en-US" sz="2800"/>
+              </a:p>
+            </p:txBody>
+          </p:sp>
+        </mc:Choice>
+        <mc:Fallback>
+          <p:sp>
+            <p:nvSpPr>
+              <p:cNvPr id="3" name="テキスト ボックス 2">
+                <a:extLst>
+                  <a:ext uri="{FF2B5EF4-FFF2-40B4-BE49-F238E27FC236}">
+                    <a16:creationId xmlns:a16="http://schemas.microsoft.com/office/drawing/2014/main" id="{5F0C8775-4000-B871-58C0-65DB99E6163A}"/>
+                  </a:ext>
+                </a:extLst>
+              </p:cNvPr>
+              <p:cNvSpPr txBox="1">
+                <a:spLocks noRot="1" noChangeAspect="1" noMove="1" noResize="1" noEditPoints="1" noAdjustHandles="1" noChangeArrowheads="1" noChangeShapeType="1" noTextEdit="1"/>
+              </p:cNvSpPr>
+              <p:nvPr/>
+            </p:nvSpPr>
+            <p:spPr>
+              <a:xfrm>
+                <a:off x="539552" y="1196752"/>
+                <a:ext cx="4678460" cy="523220"/>
+              </a:xfrm>
+              <a:prstGeom prst="rect">
+                <a:avLst/>
+              </a:prstGeom>
+              <a:blipFill>
+                <a:blip r:embed="rId2"/>
+                <a:stretch>
+                  <a:fillRect l="-2738" t="-15116" r="-1825" b="-27907"/>
+                </a:stretch>
+              </a:blipFill>
+            </p:spPr>
+            <p:txBody>
+              <a:bodyPr/>
+              <a:lstStyle/>
+              <a:p>
+                <a:r>
+                  <a:rPr lang="ja-JP" altLang="en-US">
+                    <a:noFill/>
+                  </a:rPr>
+                  <a:t> </a:t>
+                </a:r>
+              </a:p>
+            </p:txBody>
+          </p:sp>
+        </mc:Fallback>
+      </mc:AlternateContent>
+      <mc:AlternateContent xmlns:mc="http://schemas.openxmlformats.org/markup-compatibility/2006">
+        <mc:Choice xmlns:a14="http://schemas.microsoft.com/office/drawing/2010/main" Requires="a14">
+          <p:sp>
+            <p:nvSpPr>
+              <p:cNvPr id="4" name="テキスト ボックス 3">
+                <a:extLst>
+                  <a:ext uri="{FF2B5EF4-FFF2-40B4-BE49-F238E27FC236}">
+                    <a16:creationId xmlns:a16="http://schemas.microsoft.com/office/drawing/2014/main" id="{B935AE93-260F-09AC-636A-17E423D474F8}"/>
+                  </a:ext>
+                </a:extLst>
+              </p:cNvPr>
+              <p:cNvSpPr txBox="1"/>
+              <p:nvPr/>
+            </p:nvSpPr>
+            <p:spPr>
+              <a:xfrm>
+                <a:off x="1763688" y="1916832"/>
+                <a:ext cx="3981988" cy="492443"/>
+              </a:xfrm>
+              <a:prstGeom prst="rect">
+                <a:avLst/>
+              </a:prstGeom>
+              <a:noFill/>
+            </p:spPr>
+            <p:txBody>
+              <a:bodyPr wrap="none" lIns="0" tIns="0" rIns="0" bIns="0" rtlCol="0">
+                <a:spAutoFit/>
+              </a:bodyPr>
+              <a:lstStyle/>
+              <a:p>
+                <a14:m>
+                  <m:oMathPara xmlns:m="http://schemas.openxmlformats.org/officeDocument/2006/math">
+                    <m:oMathParaPr>
+                      <m:jc m:val="centerGroup"/>
+                    </m:oMathParaPr>
+                    <m:oMath xmlns:m="http://schemas.openxmlformats.org/officeDocument/2006/math">
+                      <m:r>
+                        <a:rPr kumimoji="1" lang="en-US" altLang="ja-JP" sz="3200" b="0" i="1" smtClean="0">
+                          <a:latin typeface="Cambria Math" panose="02040503050406030204" pitchFamily="18" charset="0"/>
+                        </a:rPr>
+                        <m:t>𝑈</m:t>
+                      </m:r>
+                      <m:d>
+                        <m:dPr>
+                          <m:ctrlPr>
+                            <a:rPr kumimoji="1" lang="en-US" altLang="ja-JP" sz="3200" b="0" i="1" smtClean="0">
+                              <a:latin typeface="Cambria Math" panose="02040503050406030204" pitchFamily="18" charset="0"/>
+                            </a:rPr>
+                          </m:ctrlPr>
+                        </m:dPr>
+                        <m:e>
+                          <m:r>
+                            <a:rPr kumimoji="1" lang="en-US" altLang="ja-JP" sz="3200" b="0" i="1" smtClean="0">
+                              <a:latin typeface="Cambria Math" panose="02040503050406030204" pitchFamily="18" charset="0"/>
+                            </a:rPr>
+                            <m:t>𝜙</m:t>
+                          </m:r>
+                        </m:e>
+                      </m:d>
+                      <m:r>
+                        <a:rPr kumimoji="1" lang="en-US" altLang="ja-JP" sz="3200" b="0" i="1" smtClean="0">
+                          <a:latin typeface="Cambria Math" panose="02040503050406030204" pitchFamily="18" charset="0"/>
+                        </a:rPr>
+                        <m:t>𝑣</m:t>
+                      </m:r>
+                      <m:d>
+                        <m:dPr>
+                          <m:ctrlPr>
+                            <a:rPr kumimoji="1" lang="en-US" altLang="ja-JP" sz="3200" b="0" i="1" smtClean="0">
+                              <a:latin typeface="Cambria Math" panose="02040503050406030204" pitchFamily="18" charset="0"/>
+                            </a:rPr>
+                          </m:ctrlPr>
+                        </m:dPr>
+                        <m:e>
+                          <m:r>
+                            <a:rPr kumimoji="1" lang="en-US" altLang="ja-JP" sz="3200" b="0" i="1" smtClean="0">
+                              <a:latin typeface="Cambria Math" panose="02040503050406030204" pitchFamily="18" charset="0"/>
+                            </a:rPr>
+                            <m:t>𝜃</m:t>
+                          </m:r>
+                        </m:e>
+                      </m:d>
+                      <m:r>
+                        <a:rPr kumimoji="1" lang="en-US" altLang="ja-JP" sz="3200" b="0" i="1" smtClean="0">
+                          <a:latin typeface="Cambria Math" panose="02040503050406030204" pitchFamily="18" charset="0"/>
+                        </a:rPr>
+                        <m:t>=</m:t>
+                      </m:r>
+                      <m:r>
+                        <a:rPr kumimoji="1" lang="en-US" altLang="ja-JP" sz="3200" b="0" i="1" smtClean="0">
+                          <a:latin typeface="Cambria Math" panose="02040503050406030204" pitchFamily="18" charset="0"/>
+                        </a:rPr>
+                        <m:t>𝑣</m:t>
+                      </m:r>
+                      <m:r>
+                        <a:rPr kumimoji="1" lang="en-US" altLang="ja-JP" sz="3200" b="0" i="1" smtClean="0">
+                          <a:latin typeface="Cambria Math" panose="02040503050406030204" pitchFamily="18" charset="0"/>
+                        </a:rPr>
+                        <m:t>(</m:t>
+                      </m:r>
+                      <m:r>
+                        <a:rPr kumimoji="1" lang="en-US" altLang="ja-JP" sz="3200" b="0" i="1" smtClean="0">
+                          <a:latin typeface="Cambria Math" panose="02040503050406030204" pitchFamily="18" charset="0"/>
+                        </a:rPr>
+                        <m:t>𝜃</m:t>
+                      </m:r>
+                      <m:r>
+                        <a:rPr kumimoji="1" lang="en-US" altLang="ja-JP" sz="3200" b="0" i="1" smtClean="0">
+                          <a:latin typeface="Cambria Math" panose="02040503050406030204" pitchFamily="18" charset="0"/>
+                        </a:rPr>
+                        <m:t>+</m:t>
+                      </m:r>
+                      <m:r>
+                        <a:rPr kumimoji="1" lang="en-US" altLang="ja-JP" sz="3200" b="0" i="1" smtClean="0">
+                          <a:latin typeface="Cambria Math" panose="02040503050406030204" pitchFamily="18" charset="0"/>
+                        </a:rPr>
+                        <m:t>𝜙</m:t>
+                      </m:r>
+                      <m:r>
+                        <a:rPr kumimoji="1" lang="en-US" altLang="ja-JP" sz="3200" b="0" i="1" smtClean="0">
+                          <a:latin typeface="Cambria Math" panose="02040503050406030204" pitchFamily="18" charset="0"/>
+                        </a:rPr>
+                        <m:t>)</m:t>
+                      </m:r>
+                    </m:oMath>
+                  </m:oMathPara>
+                </a14:m>
+                <a:endParaRPr kumimoji="1" lang="ja-JP" altLang="en-US" sz="3200"/>
+              </a:p>
+            </p:txBody>
+          </p:sp>
+        </mc:Choice>
+        <mc:Fallback>
+          <p:sp>
+            <p:nvSpPr>
+              <p:cNvPr id="4" name="テキスト ボックス 3">
+                <a:extLst>
+                  <a:ext uri="{FF2B5EF4-FFF2-40B4-BE49-F238E27FC236}">
+                    <a16:creationId xmlns:a16="http://schemas.microsoft.com/office/drawing/2014/main" id="{B935AE93-260F-09AC-636A-17E423D474F8}"/>
+                  </a:ext>
+                </a:extLst>
+              </p:cNvPr>
+              <p:cNvSpPr txBox="1">
+                <a:spLocks noRot="1" noChangeAspect="1" noMove="1" noResize="1" noEditPoints="1" noAdjustHandles="1" noChangeArrowheads="1" noChangeShapeType="1" noTextEdit="1"/>
+              </p:cNvSpPr>
+              <p:nvPr/>
+            </p:nvSpPr>
+            <p:spPr>
+              <a:xfrm>
+                <a:off x="1763688" y="1916832"/>
+                <a:ext cx="3981988" cy="492443"/>
+              </a:xfrm>
+              <a:prstGeom prst="rect">
+                <a:avLst/>
+              </a:prstGeom>
+              <a:blipFill>
+                <a:blip r:embed="rId3"/>
+                <a:stretch>
+                  <a:fillRect/>
+                </a:stretch>
+              </a:blipFill>
+            </p:spPr>
+            <p:txBody>
+              <a:bodyPr/>
+              <a:lstStyle/>
+              <a:p>
+                <a:r>
+                  <a:rPr lang="ja-JP" altLang="en-US">
+                    <a:noFill/>
+                  </a:rPr>
+                  <a:t> </a:t>
+                </a:r>
+              </a:p>
+            </p:txBody>
+          </p:sp>
+        </mc:Fallback>
+      </mc:AlternateContent>
+      <mc:AlternateContent xmlns:mc="http://schemas.openxmlformats.org/markup-compatibility/2006">
+        <mc:Choice xmlns:a14="http://schemas.microsoft.com/office/drawing/2010/main" Requires="a14">
+          <p:sp>
+            <p:nvSpPr>
+              <p:cNvPr id="5" name="テキスト ボックス 4">
+                <a:extLst>
+                  <a:ext uri="{FF2B5EF4-FFF2-40B4-BE49-F238E27FC236}">
+                    <a16:creationId xmlns:a16="http://schemas.microsoft.com/office/drawing/2014/main" id="{CA6B7C41-E7B5-A6EA-7C81-804504D2DC23}"/>
+                  </a:ext>
+                </a:extLst>
+              </p:cNvPr>
+              <p:cNvSpPr txBox="1"/>
+              <p:nvPr/>
+            </p:nvSpPr>
+            <p:spPr>
+              <a:xfrm>
+                <a:off x="611560" y="2636912"/>
+                <a:ext cx="6888104" cy="523220"/>
+              </a:xfrm>
+              <a:prstGeom prst="rect">
+                <a:avLst/>
+              </a:prstGeom>
+              <a:noFill/>
+            </p:spPr>
+            <p:txBody>
+              <a:bodyPr wrap="none" rtlCol="0">
+                <a:spAutoFit/>
+              </a:bodyPr>
+              <a:lstStyle/>
+              <a:p>
+                <a:r>
+                  <a:rPr lang="ja-JP" altLang="en-US" sz="2800"/>
+                  <a:t>その後ツマミを</a:t>
+                </a:r>
+                <a14:m>
+                  <m:oMath xmlns:m="http://schemas.openxmlformats.org/officeDocument/2006/math">
+                    <m:r>
+                      <a:rPr lang="en-US" altLang="ja-JP" sz="2800" b="0" i="0" smtClean="0">
+                        <a:latin typeface="Cambria Math" panose="02040503050406030204" pitchFamily="18" charset="0"/>
+                      </a:rPr>
+                      <m:t>−</m:t>
+                    </m:r>
+                    <m:r>
+                      <a:rPr lang="en-US" altLang="ja-JP" sz="2800" b="0" i="1" smtClean="0">
+                        <a:latin typeface="Cambria Math" panose="02040503050406030204" pitchFamily="18" charset="0"/>
+                      </a:rPr>
+                      <m:t>𝜙</m:t>
+                    </m:r>
+                    <m:r>
+                      <a:rPr lang="en-US" altLang="ja-JP" sz="2800" b="0" i="1" smtClean="0">
+                        <a:latin typeface="Cambria Math" panose="02040503050406030204" pitchFamily="18" charset="0"/>
+                      </a:rPr>
+                      <m:t> </m:t>
+                    </m:r>
+                  </m:oMath>
+                </a14:m>
+                <a:r>
+                  <a:rPr lang="ja-JP" altLang="en-US" sz="2800"/>
+                  <a:t>だけ回すと元にもどる</a:t>
+                </a:r>
+                <a:endParaRPr kumimoji="1" lang="ja-JP" altLang="en-US" sz="2800"/>
+              </a:p>
+            </p:txBody>
+          </p:sp>
+        </mc:Choice>
+        <mc:Fallback>
+          <p:sp>
+            <p:nvSpPr>
+              <p:cNvPr id="5" name="テキスト ボックス 4">
+                <a:extLst>
+                  <a:ext uri="{FF2B5EF4-FFF2-40B4-BE49-F238E27FC236}">
+                    <a16:creationId xmlns:a16="http://schemas.microsoft.com/office/drawing/2014/main" id="{CA6B7C41-E7B5-A6EA-7C81-804504D2DC23}"/>
+                  </a:ext>
+                </a:extLst>
+              </p:cNvPr>
+              <p:cNvSpPr txBox="1">
+                <a:spLocks noRot="1" noChangeAspect="1" noMove="1" noResize="1" noEditPoints="1" noAdjustHandles="1" noChangeArrowheads="1" noChangeShapeType="1" noTextEdit="1"/>
+              </p:cNvSpPr>
+              <p:nvPr/>
+            </p:nvSpPr>
+            <p:spPr>
+              <a:xfrm>
+                <a:off x="611560" y="2636912"/>
+                <a:ext cx="6888104" cy="523220"/>
+              </a:xfrm>
+              <a:prstGeom prst="rect">
+                <a:avLst/>
+              </a:prstGeom>
+              <a:blipFill>
+                <a:blip r:embed="rId4"/>
+                <a:stretch>
+                  <a:fillRect l="-1770" t="-16471" r="-885" b="-29412"/>
+                </a:stretch>
+              </a:blipFill>
+            </p:spPr>
+            <p:txBody>
+              <a:bodyPr/>
+              <a:lstStyle/>
+              <a:p>
+                <a:r>
+                  <a:rPr lang="ja-JP" altLang="en-US">
+                    <a:noFill/>
+                  </a:rPr>
+                  <a:t> </a:t>
+                </a:r>
+              </a:p>
+            </p:txBody>
+          </p:sp>
+        </mc:Fallback>
+      </mc:AlternateContent>
+      <mc:AlternateContent xmlns:mc="http://schemas.openxmlformats.org/markup-compatibility/2006">
+        <mc:Choice xmlns:a14="http://schemas.microsoft.com/office/drawing/2010/main" Requires="a14">
+          <p:sp>
+            <p:nvSpPr>
+              <p:cNvPr id="6" name="テキスト ボックス 5">
+                <a:extLst>
+                  <a:ext uri="{FF2B5EF4-FFF2-40B4-BE49-F238E27FC236}">
+                    <a16:creationId xmlns:a16="http://schemas.microsoft.com/office/drawing/2014/main" id="{90CC6481-AE5C-3690-6D68-56C06B181202}"/>
+                  </a:ext>
+                </a:extLst>
+              </p:cNvPr>
+              <p:cNvSpPr txBox="1"/>
+              <p:nvPr/>
+            </p:nvSpPr>
+            <p:spPr>
+              <a:xfrm>
+                <a:off x="1763688" y="3284984"/>
+                <a:ext cx="4288162" cy="492443"/>
+              </a:xfrm>
+              <a:prstGeom prst="rect">
+                <a:avLst/>
+              </a:prstGeom>
+              <a:noFill/>
+            </p:spPr>
+            <p:txBody>
+              <a:bodyPr wrap="none" lIns="0" tIns="0" rIns="0" bIns="0" rtlCol="0">
+                <a:spAutoFit/>
+              </a:bodyPr>
+              <a:lstStyle/>
+              <a:p>
+                <a14:m>
+                  <m:oMathPara xmlns:m="http://schemas.openxmlformats.org/officeDocument/2006/math">
+                    <m:oMathParaPr>
+                      <m:jc m:val="centerGroup"/>
+                    </m:oMathParaPr>
+                    <m:oMath xmlns:m="http://schemas.openxmlformats.org/officeDocument/2006/math">
+                      <m:r>
+                        <a:rPr kumimoji="1" lang="en-US" altLang="ja-JP" sz="3200" b="0" i="1" smtClean="0">
+                          <a:latin typeface="Cambria Math" panose="02040503050406030204" pitchFamily="18" charset="0"/>
+                        </a:rPr>
+                        <m:t>𝑈</m:t>
+                      </m:r>
+                      <m:d>
+                        <m:dPr>
+                          <m:ctrlPr>
+                            <a:rPr kumimoji="1" lang="en-US" altLang="ja-JP" sz="3200" b="0" i="1" smtClean="0">
+                              <a:latin typeface="Cambria Math" panose="02040503050406030204" pitchFamily="18" charset="0"/>
+                            </a:rPr>
+                          </m:ctrlPr>
+                        </m:dPr>
+                        <m:e>
+                          <m:r>
+                            <a:rPr kumimoji="1" lang="en-US" altLang="ja-JP" sz="3200" b="0" i="1" smtClean="0">
+                              <a:latin typeface="Cambria Math" panose="02040503050406030204" pitchFamily="18" charset="0"/>
+                            </a:rPr>
+                            <m:t>−</m:t>
+                          </m:r>
+                          <m:r>
+                            <a:rPr kumimoji="1" lang="en-US" altLang="ja-JP" sz="3200" b="0" i="1" smtClean="0">
+                              <a:latin typeface="Cambria Math" panose="02040503050406030204" pitchFamily="18" charset="0"/>
+                            </a:rPr>
+                            <m:t>𝜙</m:t>
+                          </m:r>
+                        </m:e>
+                      </m:d>
+                      <m:r>
+                        <a:rPr kumimoji="1" lang="en-US" altLang="ja-JP" sz="3200" b="0" i="1" smtClean="0">
+                          <a:latin typeface="Cambria Math" panose="02040503050406030204" pitchFamily="18" charset="0"/>
+                        </a:rPr>
+                        <m:t>𝑣</m:t>
+                      </m:r>
+                      <m:d>
+                        <m:dPr>
+                          <m:ctrlPr>
+                            <a:rPr kumimoji="1" lang="en-US" altLang="ja-JP" sz="3200" b="0" i="1" smtClean="0">
+                              <a:latin typeface="Cambria Math" panose="02040503050406030204" pitchFamily="18" charset="0"/>
+                            </a:rPr>
+                          </m:ctrlPr>
+                        </m:dPr>
+                        <m:e>
+                          <m:r>
+                            <a:rPr kumimoji="1" lang="en-US" altLang="ja-JP" sz="3200" b="0" i="1" smtClean="0">
+                              <a:latin typeface="Cambria Math" panose="02040503050406030204" pitchFamily="18" charset="0"/>
+                            </a:rPr>
+                            <m:t>𝜃</m:t>
+                          </m:r>
+                          <m:r>
+                            <a:rPr kumimoji="1" lang="en-US" altLang="ja-JP" sz="3200" b="0" i="1" smtClean="0">
+                              <a:latin typeface="Cambria Math" panose="02040503050406030204" pitchFamily="18" charset="0"/>
+                            </a:rPr>
+                            <m:t>+</m:t>
+                          </m:r>
+                          <m:r>
+                            <a:rPr kumimoji="1" lang="en-US" altLang="ja-JP" sz="3200" b="0" i="1" smtClean="0">
+                              <a:latin typeface="Cambria Math" panose="02040503050406030204" pitchFamily="18" charset="0"/>
+                            </a:rPr>
+                            <m:t>𝜙</m:t>
+                          </m:r>
+                        </m:e>
+                      </m:d>
+                      <m:r>
+                        <a:rPr kumimoji="1" lang="en-US" altLang="ja-JP" sz="3200" b="0" i="1" smtClean="0">
+                          <a:latin typeface="Cambria Math" panose="02040503050406030204" pitchFamily="18" charset="0"/>
+                        </a:rPr>
+                        <m:t>=</m:t>
+                      </m:r>
+                      <m:r>
+                        <a:rPr kumimoji="1" lang="en-US" altLang="ja-JP" sz="3200" b="0" i="1" smtClean="0">
+                          <a:latin typeface="Cambria Math" panose="02040503050406030204" pitchFamily="18" charset="0"/>
+                        </a:rPr>
+                        <m:t>𝑣</m:t>
+                      </m:r>
+                      <m:r>
+                        <a:rPr kumimoji="1" lang="en-US" altLang="ja-JP" sz="3200" b="0" i="1" smtClean="0">
+                          <a:latin typeface="Cambria Math" panose="02040503050406030204" pitchFamily="18" charset="0"/>
+                        </a:rPr>
+                        <m:t>(</m:t>
+                      </m:r>
+                      <m:r>
+                        <a:rPr kumimoji="1" lang="en-US" altLang="ja-JP" sz="3200" b="0" i="1" smtClean="0">
+                          <a:latin typeface="Cambria Math" panose="02040503050406030204" pitchFamily="18" charset="0"/>
+                        </a:rPr>
+                        <m:t>𝜃</m:t>
+                      </m:r>
+                      <m:r>
+                        <a:rPr kumimoji="1" lang="en-US" altLang="ja-JP" sz="3200" b="0" i="1" smtClean="0">
+                          <a:latin typeface="Cambria Math" panose="02040503050406030204" pitchFamily="18" charset="0"/>
+                        </a:rPr>
+                        <m:t>)</m:t>
+                      </m:r>
+                    </m:oMath>
+                  </m:oMathPara>
+                </a14:m>
+                <a:endParaRPr kumimoji="1" lang="ja-JP" altLang="en-US" sz="3200"/>
+              </a:p>
+            </p:txBody>
+          </p:sp>
+        </mc:Choice>
+        <mc:Fallback>
+          <p:sp>
+            <p:nvSpPr>
+              <p:cNvPr id="6" name="テキスト ボックス 5">
+                <a:extLst>
+                  <a:ext uri="{FF2B5EF4-FFF2-40B4-BE49-F238E27FC236}">
+                    <a16:creationId xmlns:a16="http://schemas.microsoft.com/office/drawing/2014/main" id="{90CC6481-AE5C-3690-6D68-56C06B181202}"/>
+                  </a:ext>
+                </a:extLst>
+              </p:cNvPr>
+              <p:cNvSpPr txBox="1">
+                <a:spLocks noRot="1" noChangeAspect="1" noMove="1" noResize="1" noEditPoints="1" noAdjustHandles="1" noChangeArrowheads="1" noChangeShapeType="1" noTextEdit="1"/>
+              </p:cNvSpPr>
+              <p:nvPr/>
+            </p:nvSpPr>
+            <p:spPr>
+              <a:xfrm>
+                <a:off x="1763688" y="3284984"/>
+                <a:ext cx="4288162" cy="492443"/>
+              </a:xfrm>
+              <a:prstGeom prst="rect">
+                <a:avLst/>
+              </a:prstGeom>
+              <a:blipFill>
+                <a:blip r:embed="rId5"/>
+                <a:stretch>
+                  <a:fillRect/>
+                </a:stretch>
+              </a:blipFill>
+            </p:spPr>
+            <p:txBody>
+              <a:bodyPr/>
+              <a:lstStyle/>
+              <a:p>
+                <a:r>
+                  <a:rPr lang="ja-JP" altLang="en-US">
+                    <a:noFill/>
+                  </a:rPr>
+                  <a:t> </a:t>
+                </a:r>
+              </a:p>
+            </p:txBody>
+          </p:sp>
+        </mc:Fallback>
+      </mc:AlternateContent>
+      <p:sp>
+        <p:nvSpPr>
+          <p:cNvPr id="7" name="テキスト ボックス 6">
+            <a:extLst>
+              <a:ext uri="{FF2B5EF4-FFF2-40B4-BE49-F238E27FC236}">
+                <a16:creationId xmlns:a16="http://schemas.microsoft.com/office/drawing/2014/main" id="{A4CFB56B-1BC2-CF51-6445-1B55AB3F218A}"/>
+              </a:ext>
+            </a:extLst>
+          </p:cNvPr>
+          <p:cNvSpPr txBox="1"/>
+          <p:nvPr/>
+        </p:nvSpPr>
+        <p:spPr>
+          <a:xfrm>
+            <a:off x="323528" y="4221088"/>
+            <a:ext cx="1620957" cy="523220"/>
+          </a:xfrm>
+          <a:prstGeom prst="rect">
+            <a:avLst/>
+          </a:prstGeom>
+          <a:noFill/>
+        </p:spPr>
+        <p:txBody>
+          <a:bodyPr wrap="none" rtlCol="0">
+            <a:spAutoFit/>
+          </a:bodyPr>
+          <a:lstStyle/>
+          <a:p>
+            <a:r>
+              <a:rPr lang="ja-JP" altLang="en-US" sz="2800">
+                <a:solidFill>
+                  <a:srgbClr val="011893"/>
+                </a:solidFill>
+              </a:rPr>
+              <a:t>群の公理</a:t>
+            </a:r>
+            <a:endParaRPr kumimoji="1" lang="ja-JP" altLang="en-US" sz="2800">
+              <a:solidFill>
+                <a:srgbClr val="011893"/>
+              </a:solidFill>
+            </a:endParaRPr>
+          </a:p>
+        </p:txBody>
+      </p:sp>
+      <p:sp>
+        <p:nvSpPr>
+          <p:cNvPr id="8" name="テキスト ボックス 7">
+            <a:extLst>
+              <a:ext uri="{FF2B5EF4-FFF2-40B4-BE49-F238E27FC236}">
+                <a16:creationId xmlns:a16="http://schemas.microsoft.com/office/drawing/2014/main" id="{8F5B3B19-DD1F-09C5-00B3-367E18DBECEE}"/>
+              </a:ext>
+            </a:extLst>
+          </p:cNvPr>
+          <p:cNvSpPr txBox="1"/>
+          <p:nvPr/>
+        </p:nvSpPr>
+        <p:spPr>
+          <a:xfrm>
+            <a:off x="755576" y="4869160"/>
+            <a:ext cx="5147563" cy="1569660"/>
+          </a:xfrm>
+          <a:prstGeom prst="rect">
+            <a:avLst/>
+          </a:prstGeom>
+          <a:noFill/>
+        </p:spPr>
+        <p:txBody>
+          <a:bodyPr wrap="none" rtlCol="0">
+            <a:spAutoFit/>
+          </a:bodyPr>
+          <a:lstStyle/>
+          <a:p>
+            <a:pPr marL="342900" indent="-342900">
+              <a:buAutoNum type="arabicPeriod"/>
+            </a:pPr>
+            <a:r>
+              <a:rPr kumimoji="1" lang="ja-JP" altLang="en-US" sz="2400"/>
+              <a:t>集合が演算に対して閉じている</a:t>
+            </a:r>
+            <a:endParaRPr kumimoji="1" lang="en-US" altLang="ja-JP" sz="2400"/>
+          </a:p>
+          <a:p>
+            <a:pPr marL="342900" indent="-342900">
+              <a:buAutoNum type="arabicPeriod"/>
+            </a:pPr>
+            <a:r>
+              <a:rPr lang="ja-JP" altLang="en-US" sz="2400"/>
+              <a:t>演算に対して結合法則が成り立つ</a:t>
+            </a:r>
+            <a:endParaRPr lang="en-US" altLang="ja-JP" sz="2400"/>
+          </a:p>
+          <a:p>
+            <a:pPr marL="342900" indent="-342900">
+              <a:buAutoNum type="arabicPeriod"/>
+            </a:pPr>
+            <a:r>
+              <a:rPr kumimoji="1" lang="ja-JP" altLang="en-US" sz="2400"/>
+              <a:t>演算について単位元が存在する</a:t>
+            </a:r>
+            <a:endParaRPr kumimoji="1" lang="en-US" altLang="ja-JP" sz="2400"/>
+          </a:p>
+          <a:p>
+            <a:pPr marL="342900" indent="-342900">
+              <a:buAutoNum type="arabicPeriod"/>
+            </a:pPr>
+            <a:r>
+              <a:rPr lang="ja-JP" altLang="en-US" sz="2400"/>
+              <a:t>任意の演算に逆元が存在する</a:t>
+            </a:r>
+            <a:endParaRPr kumimoji="1" lang="ja-JP" altLang="en-US" sz="2400"/>
+          </a:p>
+        </p:txBody>
+      </p:sp>
+    </p:spTree>
+    <p:extLst>
+      <p:ext uri="{BB962C8B-B14F-4D97-AF65-F5344CB8AC3E}">
+        <p14:creationId xmlns:p14="http://schemas.microsoft.com/office/powerpoint/2010/main" val="78318484"/>
       </p:ext>
     </p:extLst>
   </p:cSld>
@@ -10744,6 +12458,863 @@
     <p:extLst>
       <p:ext uri="{BB962C8B-B14F-4D97-AF65-F5344CB8AC3E}">
         <p14:creationId xmlns:p14="http://schemas.microsoft.com/office/powerpoint/2010/main" val="4142738931"/>
+      </p:ext>
+    </p:extLst>
+  </p:cSld>
+  <p:clrMapOvr>
+    <a:masterClrMapping/>
+  </p:clrMapOvr>
+</p:sld>
+</file>
+
+<file path=ppt/slides/slide20.xml><?xml version="1.0" encoding="utf-8"?>
+<p:sld xmlns:a="http://schemas.openxmlformats.org/drawingml/2006/main" xmlns:r="http://schemas.openxmlformats.org/officeDocument/2006/relationships" xmlns:p="http://schemas.openxmlformats.org/presentationml/2006/main">
+  <p:cSld>
+    <p:spTree>
+      <p:nvGrpSpPr>
+        <p:cNvPr id="1" name=""/>
+        <p:cNvGrpSpPr/>
+        <p:nvPr/>
+      </p:nvGrpSpPr>
+      <p:grpSpPr>
+        <a:xfrm>
+          <a:off x="0" y="0"/>
+          <a:ext cx="0" cy="0"/>
+          <a:chOff x="0" y="0"/>
+          <a:chExt cx="0" cy="0"/>
+        </a:xfrm>
+      </p:grpSpPr>
+      <p:sp>
+        <p:nvSpPr>
+          <p:cNvPr id="2" name="テキスト プレースホルダー 1">
+            <a:extLst>
+              <a:ext uri="{FF2B5EF4-FFF2-40B4-BE49-F238E27FC236}">
+                <a16:creationId xmlns:a16="http://schemas.microsoft.com/office/drawing/2014/main" id="{ABA71122-B7D7-9A6A-969D-7FF103BF52FD}"/>
+              </a:ext>
+            </a:extLst>
+          </p:cNvPr>
+          <p:cNvSpPr>
+            <a:spLocks noGrp="1"/>
+          </p:cNvSpPr>
+          <p:nvPr>
+            <p:ph type="body" sz="quarter" idx="10"/>
+          </p:nvPr>
+        </p:nvSpPr>
+        <p:spPr/>
+        <p:txBody>
+          <a:bodyPr/>
+          <a:lstStyle/>
+          <a:p>
+            <a:r>
+              <a:rPr lang="ja-JP" altLang="en-US"/>
+              <a:t>リー群</a:t>
+            </a:r>
+            <a:endParaRPr kumimoji="1" lang="ja-JP" altLang="en-US"/>
+          </a:p>
+        </p:txBody>
+      </p:sp>
+      <mc:AlternateContent xmlns:mc="http://schemas.openxmlformats.org/markup-compatibility/2006">
+        <mc:Choice xmlns:a14="http://schemas.microsoft.com/office/drawing/2010/main" Requires="a14">
+          <p:sp>
+            <p:nvSpPr>
+              <p:cNvPr id="3" name="テキスト ボックス 2">
+                <a:extLst>
+                  <a:ext uri="{FF2B5EF4-FFF2-40B4-BE49-F238E27FC236}">
+                    <a16:creationId xmlns:a16="http://schemas.microsoft.com/office/drawing/2014/main" id="{3ADE15EC-29CF-0026-B0BF-CDA8B362D285}"/>
+                  </a:ext>
+                </a:extLst>
+              </p:cNvPr>
+              <p:cNvSpPr txBox="1"/>
+              <p:nvPr/>
+            </p:nvSpPr>
+            <p:spPr>
+              <a:xfrm>
+                <a:off x="179512" y="1196752"/>
+                <a:ext cx="8208911" cy="1938992"/>
+              </a:xfrm>
+              <a:prstGeom prst="rect">
+                <a:avLst/>
+              </a:prstGeom>
+              <a:noFill/>
+            </p:spPr>
+            <p:txBody>
+              <a:bodyPr wrap="square" rtlCol="0">
+                <a:spAutoFit/>
+              </a:bodyPr>
+              <a:lstStyle/>
+              <a:p>
+                <a:r>
+                  <a:rPr lang="ja-JP" altLang="en-US" sz="2400"/>
+                  <a:t>ツマミを回す操作は</a:t>
+                </a:r>
+                <a:r>
+                  <a:rPr lang="en-US" altLang="ja-JP" sz="2400" b="0"/>
+                  <a:t> </a:t>
+                </a:r>
+                <a14:m>
+                  <m:oMath xmlns:m="http://schemas.openxmlformats.org/officeDocument/2006/math">
+                    <m:r>
+                      <a:rPr lang="en-US" altLang="ja-JP" sz="2400" b="0" i="1" smtClean="0">
+                        <a:latin typeface="Cambria Math" panose="02040503050406030204" pitchFamily="18" charset="0"/>
+                      </a:rPr>
+                      <m:t>𝜃</m:t>
+                    </m:r>
+                  </m:oMath>
+                </a14:m>
+                <a:r>
+                  <a:rPr lang="ja-JP" altLang="en-US" sz="2400"/>
+                  <a:t>という連続変数で特徴づけられる</a:t>
+                </a:r>
+                <a:endParaRPr lang="en-US" altLang="ja-JP" sz="2400"/>
+              </a:p>
+              <a:p>
+                <a:r>
+                  <a:rPr lang="ja-JP" altLang="en-US" sz="2400"/>
+                  <a:t>この変数について微分を考えることができる</a:t>
+                </a:r>
+                <a:endParaRPr lang="en-US" altLang="ja-JP" sz="2400"/>
+              </a:p>
+              <a:p>
+                <a:endParaRPr kumimoji="1" lang="en-US" altLang="ja-JP" sz="2400"/>
+              </a:p>
+              <a:p>
+                <a:r>
+                  <a:rPr lang="ja-JP" altLang="en-US" sz="2400"/>
+                  <a:t>このように、連続パラメタで特徴づけられ、パラメタに対して微分できるような群を</a:t>
+                </a:r>
+                <a:r>
+                  <a:rPr lang="ja-JP" altLang="en-US" sz="2400">
+                    <a:solidFill>
+                      <a:srgbClr val="FF0000"/>
+                    </a:solidFill>
+                  </a:rPr>
+                  <a:t>リー群</a:t>
+                </a:r>
+                <a:r>
+                  <a:rPr lang="en-US" altLang="ja-JP" sz="2400">
+                    <a:solidFill>
+                      <a:srgbClr val="FF0000"/>
+                    </a:solidFill>
+                  </a:rPr>
+                  <a:t>(Lie Group)</a:t>
+                </a:r>
+                <a:r>
+                  <a:rPr lang="ja-JP" altLang="en-US" sz="2400"/>
+                  <a:t>と呼ぶ</a:t>
+                </a:r>
+                <a:endParaRPr kumimoji="1" lang="ja-JP" altLang="en-US" sz="2400"/>
+              </a:p>
+            </p:txBody>
+          </p:sp>
+        </mc:Choice>
+        <mc:Fallback>
+          <p:sp>
+            <p:nvSpPr>
+              <p:cNvPr id="3" name="テキスト ボックス 2">
+                <a:extLst>
+                  <a:ext uri="{FF2B5EF4-FFF2-40B4-BE49-F238E27FC236}">
+                    <a16:creationId xmlns:a16="http://schemas.microsoft.com/office/drawing/2014/main" id="{3ADE15EC-29CF-0026-B0BF-CDA8B362D285}"/>
+                  </a:ext>
+                </a:extLst>
+              </p:cNvPr>
+              <p:cNvSpPr txBox="1">
+                <a:spLocks noRot="1" noChangeAspect="1" noMove="1" noResize="1" noEditPoints="1" noAdjustHandles="1" noChangeArrowheads="1" noChangeShapeType="1" noTextEdit="1"/>
+              </p:cNvSpPr>
+              <p:nvPr/>
+            </p:nvSpPr>
+            <p:spPr>
+              <a:xfrm>
+                <a:off x="179512" y="1196752"/>
+                <a:ext cx="8208911" cy="1938992"/>
+              </a:xfrm>
+              <a:prstGeom prst="rect">
+                <a:avLst/>
+              </a:prstGeom>
+              <a:blipFill>
+                <a:blip r:embed="rId2"/>
+                <a:stretch>
+                  <a:fillRect l="-1114" t="-3459" b="-6604"/>
+                </a:stretch>
+              </a:blipFill>
+            </p:spPr>
+            <p:txBody>
+              <a:bodyPr/>
+              <a:lstStyle/>
+              <a:p>
+                <a:r>
+                  <a:rPr lang="ja-JP" altLang="en-US">
+                    <a:noFill/>
+                  </a:rPr>
+                  <a:t> </a:t>
+                </a:r>
+              </a:p>
+            </p:txBody>
+          </p:sp>
+        </mc:Fallback>
+      </mc:AlternateContent>
+    </p:spTree>
+    <p:extLst>
+      <p:ext uri="{BB962C8B-B14F-4D97-AF65-F5344CB8AC3E}">
+        <p14:creationId xmlns:p14="http://schemas.microsoft.com/office/powerpoint/2010/main" val="3654023893"/>
+      </p:ext>
+    </p:extLst>
+  </p:cSld>
+  <p:clrMapOvr>
+    <a:masterClrMapping/>
+  </p:clrMapOvr>
+</p:sld>
+</file>
+
+<file path=ppt/slides/slide21.xml><?xml version="1.0" encoding="utf-8"?>
+<p:sld xmlns:a="http://schemas.openxmlformats.org/drawingml/2006/main" xmlns:r="http://schemas.openxmlformats.org/officeDocument/2006/relationships" xmlns:p="http://schemas.openxmlformats.org/presentationml/2006/main">
+  <p:cSld>
+    <p:spTree>
+      <p:nvGrpSpPr>
+        <p:cNvPr id="1" name=""/>
+        <p:cNvGrpSpPr/>
+        <p:nvPr/>
+      </p:nvGrpSpPr>
+      <p:grpSpPr>
+        <a:xfrm>
+          <a:off x="0" y="0"/>
+          <a:ext cx="0" cy="0"/>
+          <a:chOff x="0" y="0"/>
+          <a:chExt cx="0" cy="0"/>
+        </a:xfrm>
+      </p:grpSpPr>
+      <p:sp>
+        <p:nvSpPr>
+          <p:cNvPr id="2" name="テキスト プレースホルダー 1">
+            <a:extLst>
+              <a:ext uri="{FF2B5EF4-FFF2-40B4-BE49-F238E27FC236}">
+                <a16:creationId xmlns:a16="http://schemas.microsoft.com/office/drawing/2014/main" id="{C092EBCE-7925-99C0-5670-7361DDAB0DC0}"/>
+              </a:ext>
+            </a:extLst>
+          </p:cNvPr>
+          <p:cNvSpPr>
+            <a:spLocks noGrp="1"/>
+          </p:cNvSpPr>
+          <p:nvPr>
+            <p:ph type="body" sz="quarter" idx="10"/>
+          </p:nvPr>
+        </p:nvSpPr>
+        <p:spPr/>
+        <p:txBody>
+          <a:bodyPr/>
+          <a:lstStyle/>
+          <a:p>
+            <a:r>
+              <a:rPr lang="ja-JP" altLang="en-US"/>
+              <a:t>群の表現</a:t>
+            </a:r>
+            <a:endParaRPr kumimoji="1" lang="ja-JP" altLang="en-US"/>
+          </a:p>
+        </p:txBody>
+      </p:sp>
+      <p:sp>
+        <p:nvSpPr>
+          <p:cNvPr id="3" name="テキスト ボックス 2">
+            <a:extLst>
+              <a:ext uri="{FF2B5EF4-FFF2-40B4-BE49-F238E27FC236}">
+                <a16:creationId xmlns:a16="http://schemas.microsoft.com/office/drawing/2014/main" id="{BADD7B54-D9B8-A4A9-E68A-86EDC0241390}"/>
+              </a:ext>
+            </a:extLst>
+          </p:cNvPr>
+          <p:cNvSpPr txBox="1"/>
+          <p:nvPr/>
+        </p:nvSpPr>
+        <p:spPr>
+          <a:xfrm>
+            <a:off x="395536" y="1844824"/>
+            <a:ext cx="2339102" cy="523220"/>
+          </a:xfrm>
+          <a:prstGeom prst="rect">
+            <a:avLst/>
+          </a:prstGeom>
+          <a:noFill/>
+        </p:spPr>
+        <p:txBody>
+          <a:bodyPr wrap="none" rtlCol="0">
+            <a:spAutoFit/>
+          </a:bodyPr>
+          <a:lstStyle/>
+          <a:p>
+            <a:r>
+              <a:rPr lang="ja-JP" altLang="en-US" sz="2800"/>
+              <a:t>ツマミの状態</a:t>
+            </a:r>
+            <a:endParaRPr kumimoji="1" lang="ja-JP" altLang="en-US" sz="2800"/>
+          </a:p>
+        </p:txBody>
+      </p:sp>
+      <mc:AlternateContent xmlns:mc="http://schemas.openxmlformats.org/markup-compatibility/2006">
+        <mc:Choice xmlns:a14="http://schemas.microsoft.com/office/drawing/2010/main" Requires="a14">
+          <p:sp>
+            <p:nvSpPr>
+              <p:cNvPr id="4" name="テキスト ボックス 3">
+                <a:extLst>
+                  <a:ext uri="{FF2B5EF4-FFF2-40B4-BE49-F238E27FC236}">
+                    <a16:creationId xmlns:a16="http://schemas.microsoft.com/office/drawing/2014/main" id="{E6578941-3910-FFE7-428A-867C3564C79E}"/>
+                  </a:ext>
+                </a:extLst>
+              </p:cNvPr>
+              <p:cNvSpPr txBox="1"/>
+              <p:nvPr/>
+            </p:nvSpPr>
+            <p:spPr>
+              <a:xfrm>
+                <a:off x="3779912" y="1556792"/>
+                <a:ext cx="2758768" cy="870879"/>
+              </a:xfrm>
+              <a:prstGeom prst="rect">
+                <a:avLst/>
+              </a:prstGeom>
+              <a:noFill/>
+            </p:spPr>
+            <p:txBody>
+              <a:bodyPr wrap="none" lIns="0" tIns="0" rIns="0" bIns="0" rtlCol="0">
+                <a:spAutoFit/>
+              </a:bodyPr>
+              <a:lstStyle/>
+              <a:p>
+                <a14:m>
+                  <m:oMathPara xmlns:m="http://schemas.openxmlformats.org/officeDocument/2006/math">
+                    <m:oMathParaPr>
+                      <m:jc m:val="centerGroup"/>
+                    </m:oMathParaPr>
+                    <m:oMath xmlns:m="http://schemas.openxmlformats.org/officeDocument/2006/math">
+                      <m:r>
+                        <a:rPr kumimoji="1" lang="en-US" altLang="ja-JP" sz="3200" b="0" i="1" smtClean="0">
+                          <a:latin typeface="Cambria Math" panose="02040503050406030204" pitchFamily="18" charset="0"/>
+                        </a:rPr>
+                        <m:t>𝑣</m:t>
+                      </m:r>
+                      <m:d>
+                        <m:dPr>
+                          <m:ctrlPr>
+                            <a:rPr kumimoji="1" lang="en-US" altLang="ja-JP" sz="3200" b="0" i="1" smtClean="0">
+                              <a:latin typeface="Cambria Math" panose="02040503050406030204" pitchFamily="18" charset="0"/>
+                            </a:rPr>
+                          </m:ctrlPr>
+                        </m:dPr>
+                        <m:e>
+                          <m:r>
+                            <a:rPr kumimoji="1" lang="en-US" altLang="ja-JP" sz="3200" b="0" i="1" smtClean="0">
+                              <a:latin typeface="Cambria Math" panose="02040503050406030204" pitchFamily="18" charset="0"/>
+                            </a:rPr>
+                            <m:t>𝜃</m:t>
+                          </m:r>
+                        </m:e>
+                      </m:d>
+                      <m:r>
+                        <a:rPr kumimoji="1" lang="en-US" altLang="ja-JP" sz="3200" b="0" i="1" smtClean="0">
+                          <a:latin typeface="Cambria Math" panose="02040503050406030204" pitchFamily="18" charset="0"/>
+                        </a:rPr>
+                        <m:t>=</m:t>
+                      </m:r>
+                      <m:d>
+                        <m:dPr>
+                          <m:ctrlPr>
+                            <a:rPr kumimoji="1" lang="en-US" altLang="ja-JP" sz="3200" b="0" i="1" smtClean="0">
+                              <a:latin typeface="Cambria Math" panose="02040503050406030204" pitchFamily="18" charset="0"/>
+                            </a:rPr>
+                          </m:ctrlPr>
+                        </m:dPr>
+                        <m:e>
+                          <m:m>
+                            <m:mPr>
+                              <m:mcs>
+                                <m:mc>
+                                  <m:mcPr>
+                                    <m:count m:val="1"/>
+                                    <m:mcJc m:val="center"/>
+                                  </m:mcPr>
+                                </m:mc>
+                              </m:mcs>
+                              <m:ctrlPr>
+                                <a:rPr kumimoji="1" lang="en-US" altLang="ja-JP" sz="3200" b="0" i="1" smtClean="0">
+                                  <a:latin typeface="Cambria Math" panose="02040503050406030204" pitchFamily="18" charset="0"/>
+                                </a:rPr>
+                              </m:ctrlPr>
+                            </m:mPr>
+                            <m:mr>
+                              <m:e>
+                                <m:func>
+                                  <m:funcPr>
+                                    <m:ctrlPr>
+                                      <a:rPr kumimoji="1" lang="en-US" altLang="ja-JP" sz="3200" b="0" i="1" smtClean="0">
+                                        <a:latin typeface="Cambria Math" panose="02040503050406030204" pitchFamily="18" charset="0"/>
+                                      </a:rPr>
+                                    </m:ctrlPr>
+                                  </m:funcPr>
+                                  <m:fName>
+                                    <m:r>
+                                      <m:rPr>
+                                        <m:sty m:val="p"/>
+                                        <m:brk m:alnAt="7"/>
+                                      </m:rPr>
+                                      <a:rPr kumimoji="1" lang="en-US" altLang="ja-JP" sz="3200" b="0" i="0" smtClean="0">
+                                        <a:latin typeface="Cambria Math" panose="02040503050406030204" pitchFamily="18" charset="0"/>
+                                      </a:rPr>
+                                      <m:t>cos</m:t>
+                                    </m:r>
+                                  </m:fName>
+                                  <m:e>
+                                    <m:r>
+                                      <m:rPr>
+                                        <m:brk m:alnAt="7"/>
+                                      </m:rPr>
+                                      <a:rPr kumimoji="1" lang="en-US" altLang="ja-JP" sz="3200" b="0" i="1" smtClean="0">
+                                        <a:latin typeface="Cambria Math" panose="02040503050406030204" pitchFamily="18" charset="0"/>
+                                      </a:rPr>
+                                      <m:t>𝜃</m:t>
+                                    </m:r>
+                                  </m:e>
+                                </m:func>
+                              </m:e>
+                            </m:mr>
+                            <m:mr>
+                              <m:e>
+                                <m:func>
+                                  <m:funcPr>
+                                    <m:ctrlPr>
+                                      <a:rPr kumimoji="1" lang="en-US" altLang="ja-JP" sz="3200" b="0" i="1" smtClean="0">
+                                        <a:latin typeface="Cambria Math" panose="02040503050406030204" pitchFamily="18" charset="0"/>
+                                      </a:rPr>
+                                    </m:ctrlPr>
+                                  </m:funcPr>
+                                  <m:fName>
+                                    <m:r>
+                                      <m:rPr>
+                                        <m:sty m:val="p"/>
+                                      </m:rPr>
+                                      <a:rPr kumimoji="1" lang="en-US" altLang="ja-JP" sz="3200" b="0" i="0" smtClean="0">
+                                        <a:latin typeface="Cambria Math" panose="02040503050406030204" pitchFamily="18" charset="0"/>
+                                      </a:rPr>
+                                      <m:t>sin</m:t>
+                                    </m:r>
+                                  </m:fName>
+                                  <m:e>
+                                    <m:r>
+                                      <a:rPr kumimoji="1" lang="en-US" altLang="ja-JP" sz="3200" b="0" i="1" smtClean="0">
+                                        <a:latin typeface="Cambria Math" panose="02040503050406030204" pitchFamily="18" charset="0"/>
+                                      </a:rPr>
+                                      <m:t>𝜃</m:t>
+                                    </m:r>
+                                  </m:e>
+                                </m:func>
+                              </m:e>
+                            </m:mr>
+                          </m:m>
+                        </m:e>
+                      </m:d>
+                    </m:oMath>
+                  </m:oMathPara>
+                </a14:m>
+                <a:endParaRPr kumimoji="1" lang="ja-JP" altLang="en-US" sz="3200"/>
+              </a:p>
+            </p:txBody>
+          </p:sp>
+        </mc:Choice>
+        <mc:Fallback>
+          <p:sp>
+            <p:nvSpPr>
+              <p:cNvPr id="4" name="テキスト ボックス 3">
+                <a:extLst>
+                  <a:ext uri="{FF2B5EF4-FFF2-40B4-BE49-F238E27FC236}">
+                    <a16:creationId xmlns:a16="http://schemas.microsoft.com/office/drawing/2014/main" id="{E6578941-3910-FFE7-428A-867C3564C79E}"/>
+                  </a:ext>
+                </a:extLst>
+              </p:cNvPr>
+              <p:cNvSpPr txBox="1">
+                <a:spLocks noRot="1" noChangeAspect="1" noMove="1" noResize="1" noEditPoints="1" noAdjustHandles="1" noChangeArrowheads="1" noChangeShapeType="1" noTextEdit="1"/>
+              </p:cNvSpPr>
+              <p:nvPr/>
+            </p:nvSpPr>
+            <p:spPr>
+              <a:xfrm>
+                <a:off x="3779912" y="1556792"/>
+                <a:ext cx="2758768" cy="870879"/>
+              </a:xfrm>
+              <a:prstGeom prst="rect">
+                <a:avLst/>
+              </a:prstGeom>
+              <a:blipFill>
+                <a:blip r:embed="rId2"/>
+                <a:stretch>
+                  <a:fillRect/>
+                </a:stretch>
+              </a:blipFill>
+            </p:spPr>
+            <p:txBody>
+              <a:bodyPr/>
+              <a:lstStyle/>
+              <a:p>
+                <a:r>
+                  <a:rPr lang="ja-JP" altLang="en-US">
+                    <a:noFill/>
+                  </a:rPr>
+                  <a:t> </a:t>
+                </a:r>
+              </a:p>
+            </p:txBody>
+          </p:sp>
+        </mc:Fallback>
+      </mc:AlternateContent>
+      <p:sp>
+        <p:nvSpPr>
+          <p:cNvPr id="5" name="テキスト ボックス 4">
+            <a:extLst>
+              <a:ext uri="{FF2B5EF4-FFF2-40B4-BE49-F238E27FC236}">
+                <a16:creationId xmlns:a16="http://schemas.microsoft.com/office/drawing/2014/main" id="{94DDB5E7-EB87-ABEB-73CF-D560B9FB7911}"/>
+              </a:ext>
+            </a:extLst>
+          </p:cNvPr>
+          <p:cNvSpPr txBox="1"/>
+          <p:nvPr/>
+        </p:nvSpPr>
+        <p:spPr>
+          <a:xfrm>
+            <a:off x="611560" y="3140968"/>
+            <a:ext cx="1620957" cy="523220"/>
+          </a:xfrm>
+          <a:prstGeom prst="rect">
+            <a:avLst/>
+          </a:prstGeom>
+          <a:noFill/>
+        </p:spPr>
+        <p:txBody>
+          <a:bodyPr wrap="none" rtlCol="0">
+            <a:spAutoFit/>
+          </a:bodyPr>
+          <a:lstStyle/>
+          <a:p>
+            <a:r>
+              <a:rPr kumimoji="1" lang="ja-JP" altLang="en-US" sz="2800"/>
+              <a:t>回転操作</a:t>
+            </a:r>
+          </a:p>
+        </p:txBody>
+      </p:sp>
+      <mc:AlternateContent xmlns:mc="http://schemas.openxmlformats.org/markup-compatibility/2006">
+        <mc:Choice xmlns:a14="http://schemas.microsoft.com/office/drawing/2010/main" Requires="a14">
+          <p:sp>
+            <p:nvSpPr>
+              <p:cNvPr id="6" name="テキスト ボックス 5">
+                <a:extLst>
+                  <a:ext uri="{FF2B5EF4-FFF2-40B4-BE49-F238E27FC236}">
+                    <a16:creationId xmlns:a16="http://schemas.microsoft.com/office/drawing/2014/main" id="{43B5C97F-C36D-054A-FAC4-687893AB1C4D}"/>
+                  </a:ext>
+                </a:extLst>
+              </p:cNvPr>
+              <p:cNvSpPr txBox="1"/>
+              <p:nvPr/>
+            </p:nvSpPr>
+            <p:spPr>
+              <a:xfrm>
+                <a:off x="3347864" y="3068960"/>
+                <a:ext cx="4569135" cy="925190"/>
+              </a:xfrm>
+              <a:prstGeom prst="rect">
+                <a:avLst/>
+              </a:prstGeom>
+              <a:noFill/>
+            </p:spPr>
+            <p:txBody>
+              <a:bodyPr wrap="none" lIns="0" tIns="0" rIns="0" bIns="0" rtlCol="0">
+                <a:spAutoFit/>
+              </a:bodyPr>
+              <a:lstStyle/>
+              <a:p>
+                <a14:m>
+                  <m:oMathPara xmlns:m="http://schemas.openxmlformats.org/officeDocument/2006/math">
+                    <m:oMathParaPr>
+                      <m:jc m:val="centerGroup"/>
+                    </m:oMathParaPr>
+                    <m:oMath xmlns:m="http://schemas.openxmlformats.org/officeDocument/2006/math">
+                      <m:r>
+                        <a:rPr kumimoji="1" lang="en-US" altLang="ja-JP" sz="3200" b="0" i="1" smtClean="0">
+                          <a:latin typeface="Cambria Math" panose="02040503050406030204" pitchFamily="18" charset="0"/>
+                        </a:rPr>
+                        <m:t>𝑈</m:t>
+                      </m:r>
+                      <m:d>
+                        <m:dPr>
+                          <m:ctrlPr>
+                            <a:rPr kumimoji="1" lang="en-US" altLang="ja-JP" sz="3200" b="0" i="1" smtClean="0">
+                              <a:latin typeface="Cambria Math" panose="02040503050406030204" pitchFamily="18" charset="0"/>
+                            </a:rPr>
+                          </m:ctrlPr>
+                        </m:dPr>
+                        <m:e>
+                          <m:r>
+                            <a:rPr kumimoji="1" lang="en-US" altLang="ja-JP" sz="3200" b="0" i="1" smtClean="0">
+                              <a:latin typeface="Cambria Math" panose="02040503050406030204" pitchFamily="18" charset="0"/>
+                            </a:rPr>
+                            <m:t>𝜙</m:t>
+                          </m:r>
+                        </m:e>
+                      </m:d>
+                      <m:r>
+                        <a:rPr kumimoji="1" lang="en-US" altLang="ja-JP" sz="3200" b="0" i="1" smtClean="0">
+                          <a:latin typeface="Cambria Math" panose="02040503050406030204" pitchFamily="18" charset="0"/>
+                        </a:rPr>
+                        <m:t>=</m:t>
+                      </m:r>
+                      <m:d>
+                        <m:dPr>
+                          <m:ctrlPr>
+                            <a:rPr kumimoji="1" lang="en-US" altLang="ja-JP" sz="3200" b="0" i="1" smtClean="0">
+                              <a:latin typeface="Cambria Math" panose="02040503050406030204" pitchFamily="18" charset="0"/>
+                            </a:rPr>
+                          </m:ctrlPr>
+                        </m:dPr>
+                        <m:e>
+                          <m:m>
+                            <m:mPr>
+                              <m:mcs>
+                                <m:mc>
+                                  <m:mcPr>
+                                    <m:count m:val="2"/>
+                                    <m:mcJc m:val="center"/>
+                                  </m:mcPr>
+                                </m:mc>
+                              </m:mcs>
+                              <m:ctrlPr>
+                                <a:rPr kumimoji="1" lang="en-US" altLang="ja-JP" sz="3200" b="0" i="1" smtClean="0">
+                                  <a:latin typeface="Cambria Math" panose="02040503050406030204" pitchFamily="18" charset="0"/>
+                                </a:rPr>
+                              </m:ctrlPr>
+                            </m:mPr>
+                            <m:mr>
+                              <m:e>
+                                <m:func>
+                                  <m:funcPr>
+                                    <m:ctrlPr>
+                                      <a:rPr kumimoji="1" lang="en-US" altLang="ja-JP" sz="3200" b="0" i="1" smtClean="0">
+                                        <a:latin typeface="Cambria Math" panose="02040503050406030204" pitchFamily="18" charset="0"/>
+                                      </a:rPr>
+                                    </m:ctrlPr>
+                                  </m:funcPr>
+                                  <m:fName>
+                                    <m:r>
+                                      <m:rPr>
+                                        <m:sty m:val="p"/>
+                                        <m:brk m:alnAt="7"/>
+                                      </m:rPr>
+                                      <a:rPr kumimoji="1" lang="en-US" altLang="ja-JP" sz="3200" b="0" i="0" smtClean="0">
+                                        <a:latin typeface="Cambria Math" panose="02040503050406030204" pitchFamily="18" charset="0"/>
+                                      </a:rPr>
+                                      <m:t>cos</m:t>
+                                    </m:r>
+                                  </m:fName>
+                                  <m:e>
+                                    <m:r>
+                                      <m:rPr>
+                                        <m:brk m:alnAt="7"/>
+                                      </m:rPr>
+                                      <a:rPr kumimoji="1" lang="en-US" altLang="ja-JP" sz="3200" b="0" i="1" smtClean="0">
+                                        <a:latin typeface="Cambria Math" panose="02040503050406030204" pitchFamily="18" charset="0"/>
+                                      </a:rPr>
+                                      <m:t>𝜙</m:t>
+                                    </m:r>
+                                  </m:e>
+                                </m:func>
+                              </m:e>
+                              <m:e>
+                                <m:r>
+                                  <a:rPr kumimoji="1" lang="en-US" altLang="ja-JP" sz="3200" b="0" i="1" smtClean="0">
+                                    <a:latin typeface="Cambria Math" panose="02040503050406030204" pitchFamily="18" charset="0"/>
+                                  </a:rPr>
+                                  <m:t>−</m:t>
+                                </m:r>
+                                <m:func>
+                                  <m:funcPr>
+                                    <m:ctrlPr>
+                                      <a:rPr kumimoji="1" lang="en-US" altLang="ja-JP" sz="3200" b="0" i="1" smtClean="0">
+                                        <a:latin typeface="Cambria Math" panose="02040503050406030204" pitchFamily="18" charset="0"/>
+                                      </a:rPr>
+                                    </m:ctrlPr>
+                                  </m:funcPr>
+                                  <m:fName>
+                                    <m:r>
+                                      <m:rPr>
+                                        <m:sty m:val="p"/>
+                                      </m:rPr>
+                                      <a:rPr kumimoji="1" lang="en-US" altLang="ja-JP" sz="3200" b="0" i="0" smtClean="0">
+                                        <a:latin typeface="Cambria Math" panose="02040503050406030204" pitchFamily="18" charset="0"/>
+                                      </a:rPr>
+                                      <m:t>sin</m:t>
+                                    </m:r>
+                                  </m:fName>
+                                  <m:e>
+                                    <m:r>
+                                      <a:rPr kumimoji="1" lang="en-US" altLang="ja-JP" sz="3200" b="0" i="1" smtClean="0">
+                                        <a:latin typeface="Cambria Math" panose="02040503050406030204" pitchFamily="18" charset="0"/>
+                                      </a:rPr>
+                                      <m:t>𝜙</m:t>
+                                    </m:r>
+                                  </m:e>
+                                </m:func>
+                              </m:e>
+                            </m:mr>
+                            <m:mr>
+                              <m:e>
+                                <m:func>
+                                  <m:funcPr>
+                                    <m:ctrlPr>
+                                      <a:rPr kumimoji="1" lang="en-US" altLang="ja-JP" sz="3200" b="0" i="1" smtClean="0">
+                                        <a:latin typeface="Cambria Math" panose="02040503050406030204" pitchFamily="18" charset="0"/>
+                                      </a:rPr>
+                                    </m:ctrlPr>
+                                  </m:funcPr>
+                                  <m:fName>
+                                    <m:r>
+                                      <m:rPr>
+                                        <m:sty m:val="p"/>
+                                      </m:rPr>
+                                      <a:rPr kumimoji="1" lang="en-US" altLang="ja-JP" sz="3200" b="0" i="0" smtClean="0">
+                                        <a:latin typeface="Cambria Math" panose="02040503050406030204" pitchFamily="18" charset="0"/>
+                                      </a:rPr>
+                                      <m:t>sin</m:t>
+                                    </m:r>
+                                  </m:fName>
+                                  <m:e>
+                                    <m:r>
+                                      <a:rPr kumimoji="1" lang="en-US" altLang="ja-JP" sz="3200" b="0" i="1" smtClean="0">
+                                        <a:latin typeface="Cambria Math" panose="02040503050406030204" pitchFamily="18" charset="0"/>
+                                      </a:rPr>
+                                      <m:t>𝜙</m:t>
+                                    </m:r>
+                                  </m:e>
+                                </m:func>
+                              </m:e>
+                              <m:e>
+                                <m:func>
+                                  <m:funcPr>
+                                    <m:ctrlPr>
+                                      <a:rPr kumimoji="1" lang="en-US" altLang="ja-JP" sz="3200" b="0" i="1" smtClean="0">
+                                        <a:latin typeface="Cambria Math" panose="02040503050406030204" pitchFamily="18" charset="0"/>
+                                      </a:rPr>
+                                    </m:ctrlPr>
+                                  </m:funcPr>
+                                  <m:fName>
+                                    <m:r>
+                                      <m:rPr>
+                                        <m:sty m:val="p"/>
+                                      </m:rPr>
+                                      <a:rPr kumimoji="1" lang="en-US" altLang="ja-JP" sz="3200" b="0" i="0" smtClean="0">
+                                        <a:latin typeface="Cambria Math" panose="02040503050406030204" pitchFamily="18" charset="0"/>
+                                      </a:rPr>
+                                      <m:t>cos</m:t>
+                                    </m:r>
+                                  </m:fName>
+                                  <m:e>
+                                    <m:r>
+                                      <a:rPr kumimoji="1" lang="en-US" altLang="ja-JP" sz="3200" b="0" i="1" smtClean="0">
+                                        <a:latin typeface="Cambria Math" panose="02040503050406030204" pitchFamily="18" charset="0"/>
+                                      </a:rPr>
+                                      <m:t>𝜙</m:t>
+                                    </m:r>
+                                  </m:e>
+                                </m:func>
+                              </m:e>
+                            </m:mr>
+                          </m:m>
+                        </m:e>
+                      </m:d>
+                    </m:oMath>
+                  </m:oMathPara>
+                </a14:m>
+                <a:endParaRPr kumimoji="1" lang="ja-JP" altLang="en-US" sz="3200"/>
+              </a:p>
+            </p:txBody>
+          </p:sp>
+        </mc:Choice>
+        <mc:Fallback>
+          <p:sp>
+            <p:nvSpPr>
+              <p:cNvPr id="6" name="テキスト ボックス 5">
+                <a:extLst>
+                  <a:ext uri="{FF2B5EF4-FFF2-40B4-BE49-F238E27FC236}">
+                    <a16:creationId xmlns:a16="http://schemas.microsoft.com/office/drawing/2014/main" id="{43B5C97F-C36D-054A-FAC4-687893AB1C4D}"/>
+                  </a:ext>
+                </a:extLst>
+              </p:cNvPr>
+              <p:cNvSpPr txBox="1">
+                <a:spLocks noRot="1" noChangeAspect="1" noMove="1" noResize="1" noEditPoints="1" noAdjustHandles="1" noChangeArrowheads="1" noChangeShapeType="1" noTextEdit="1"/>
+              </p:cNvSpPr>
+              <p:nvPr/>
+            </p:nvSpPr>
+            <p:spPr>
+              <a:xfrm>
+                <a:off x="3347864" y="3068960"/>
+                <a:ext cx="4569135" cy="925190"/>
+              </a:xfrm>
+              <a:prstGeom prst="rect">
+                <a:avLst/>
+              </a:prstGeom>
+              <a:blipFill>
+                <a:blip r:embed="rId3"/>
+                <a:stretch>
+                  <a:fillRect/>
+                </a:stretch>
+              </a:blipFill>
+            </p:spPr>
+            <p:txBody>
+              <a:bodyPr/>
+              <a:lstStyle/>
+              <a:p>
+                <a:r>
+                  <a:rPr lang="ja-JP" altLang="en-US">
+                    <a:noFill/>
+                  </a:rPr>
+                  <a:t> </a:t>
+                </a:r>
+              </a:p>
+            </p:txBody>
+          </p:sp>
+        </mc:Fallback>
+      </mc:AlternateContent>
+      <p:sp>
+        <p:nvSpPr>
+          <p:cNvPr id="7" name="テキスト ボックス 6">
+            <a:extLst>
+              <a:ext uri="{FF2B5EF4-FFF2-40B4-BE49-F238E27FC236}">
+                <a16:creationId xmlns:a16="http://schemas.microsoft.com/office/drawing/2014/main" id="{FC2D3558-1FAF-5541-6D7C-9C127B157D5E}"/>
+              </a:ext>
+            </a:extLst>
+          </p:cNvPr>
+          <p:cNvSpPr txBox="1"/>
+          <p:nvPr/>
+        </p:nvSpPr>
+        <p:spPr>
+          <a:xfrm>
+            <a:off x="1331640" y="5013176"/>
+            <a:ext cx="5724644" cy="646331"/>
+          </a:xfrm>
+          <a:prstGeom prst="rect">
+            <a:avLst/>
+          </a:prstGeom>
+          <a:noFill/>
+        </p:spPr>
+        <p:txBody>
+          <a:bodyPr wrap="none" rtlCol="0">
+            <a:spAutoFit/>
+          </a:bodyPr>
+          <a:lstStyle/>
+          <a:p>
+            <a:r>
+              <a:rPr kumimoji="1" lang="ja-JP" altLang="en-US" sz="3600"/>
+              <a:t>これを群の表現行列と呼ぶ</a:t>
+            </a:r>
+          </a:p>
+        </p:txBody>
+      </p:sp>
+    </p:spTree>
+    <p:extLst>
+      <p:ext uri="{BB962C8B-B14F-4D97-AF65-F5344CB8AC3E}">
+        <p14:creationId xmlns:p14="http://schemas.microsoft.com/office/powerpoint/2010/main" val="857868012"/>
       </p:ext>
     </p:extLst>
   </p:cSld>

--- a/poisson/fig/slide.pptx
+++ b/poisson/fig/slide.pptx
@@ -5,7 +5,7 @@
     <p:sldMasterId id="2147483663" r:id="rId1"/>
   </p:sldMasterIdLst>
   <p:notesMasterIdLst>
-    <p:notesMasterId r:id="rId23"/>
+    <p:notesMasterId r:id="rId30"/>
   </p:notesMasterIdLst>
   <p:sldIdLst>
     <p:sldId id="256" r:id="rId2"/>
@@ -29,6 +29,13 @@
     <p:sldId id="278" r:id="rId20"/>
     <p:sldId id="279" r:id="rId21"/>
     <p:sldId id="280" r:id="rId22"/>
+    <p:sldId id="281" r:id="rId23"/>
+    <p:sldId id="282" r:id="rId24"/>
+    <p:sldId id="283" r:id="rId25"/>
+    <p:sldId id="284" r:id="rId26"/>
+    <p:sldId id="285" r:id="rId27"/>
+    <p:sldId id="286" r:id="rId28"/>
+    <p:sldId id="287" r:id="rId29"/>
   </p:sldIdLst>
   <p:sldSz cx="9144000" cy="6858000" type="screen4x3"/>
   <p:notesSz cx="6858000" cy="9144000"/>
@@ -227,7 +234,7 @@
           </a:lstStyle>
           <a:p>
             <a:fld id="{6B8D1B20-A248-FB47-8240-73C0C5F47C9D}" type="datetimeFigureOut">
-              <a:t>2023/7/16</a:t>
+              <a:t>2023/7/17</a:t>
             </a:fld>
             <a:endParaRPr kumimoji="1" lang="ja-JP" altLang="en-US"/>
           </a:p>
@@ -5362,8 +5369,8 @@
           </a:p>
         </p:txBody>
       </p:sp>
-      <mc:AlternateContent xmlns:mc="http://schemas.openxmlformats.org/markup-compatibility/2006">
-        <mc:Choice xmlns:a14="http://schemas.microsoft.com/office/drawing/2010/main" Requires="a14">
+      <mc:AlternateContent xmlns:mc="http://schemas.openxmlformats.org/markup-compatibility/2006" xmlns:a14="http://schemas.microsoft.com/office/drawing/2010/main">
+        <mc:Choice Requires="a14">
           <p:sp>
             <p:nvSpPr>
               <p:cNvPr id="4" name="テキスト ボックス 3">
@@ -5574,7 +5581,7 @@
             </p:txBody>
           </p:sp>
         </mc:Choice>
-        <mc:Fallback>
+        <mc:Fallback xmlns="">
           <p:sp>
             <p:nvSpPr>
               <p:cNvPr id="4" name="テキスト ボックス 3">
@@ -5820,8 +5827,8 @@
           </a:p>
         </p:txBody>
       </p:sp>
-      <mc:AlternateContent xmlns:mc="http://schemas.openxmlformats.org/markup-compatibility/2006">
-        <mc:Choice xmlns:a14="http://schemas.microsoft.com/office/drawing/2010/main" Requires="a14">
+      <mc:AlternateContent xmlns:mc="http://schemas.openxmlformats.org/markup-compatibility/2006" xmlns:a14="http://schemas.microsoft.com/office/drawing/2010/main">
+        <mc:Choice Requires="a14">
           <p:sp>
             <p:nvSpPr>
               <p:cNvPr id="3" name="テキスト ボックス 2">
@@ -6132,7 +6139,7 @@
             </p:txBody>
           </p:sp>
         </mc:Choice>
-        <mc:Fallback>
+        <mc:Fallback xmlns="">
           <p:sp>
             <p:nvSpPr>
               <p:cNvPr id="3" name="テキスト ボックス 2">
@@ -6177,8 +6184,8 @@
           </p:sp>
         </mc:Fallback>
       </mc:AlternateContent>
-      <mc:AlternateContent xmlns:mc="http://schemas.openxmlformats.org/markup-compatibility/2006">
-        <mc:Choice xmlns:a14="http://schemas.microsoft.com/office/drawing/2010/main" Requires="a14">
+      <mc:AlternateContent xmlns:mc="http://schemas.openxmlformats.org/markup-compatibility/2006" xmlns:a14="http://schemas.microsoft.com/office/drawing/2010/main">
+        <mc:Choice Requires="a14">
           <p:sp>
             <p:nvSpPr>
               <p:cNvPr id="4" name="テキスト ボックス 3">
@@ -6207,6 +6214,7 @@
               </a:bodyPr>
               <a:lstStyle/>
               <a:p>
+                <a:pPr/>
                 <a14:m>
                   <m:oMathPara xmlns:m="http://schemas.openxmlformats.org/officeDocument/2006/math">
                     <m:oMathParaPr>
@@ -6312,6 +6320,7 @@
                 <a:endParaRPr lang="ja-JP" altLang="en-US" sz="4000"/>
               </a:p>
               <a:p>
+                <a:pPr/>
                 <a14:m>
                   <m:oMathPara xmlns:m="http://schemas.openxmlformats.org/officeDocument/2006/math">
                     <m:oMathParaPr>
@@ -6419,7 +6428,7 @@
             </p:txBody>
           </p:sp>
         </mc:Choice>
-        <mc:Fallback>
+        <mc:Fallback xmlns="">
           <p:sp>
             <p:nvSpPr>
               <p:cNvPr id="4" name="テキスト ボックス 3">
@@ -6570,8 +6579,8 @@
           </a:p>
         </p:txBody>
       </p:sp>
-      <mc:AlternateContent xmlns:mc="http://schemas.openxmlformats.org/markup-compatibility/2006">
-        <mc:Choice xmlns:a14="http://schemas.microsoft.com/office/drawing/2010/main" Requires="a14">
+      <mc:AlternateContent xmlns:mc="http://schemas.openxmlformats.org/markup-compatibility/2006" xmlns:a14="http://schemas.microsoft.com/office/drawing/2010/main">
+        <mc:Choice Requires="a14">
           <p:sp>
             <p:nvSpPr>
               <p:cNvPr id="8" name="テキスト ボックス 7">
@@ -6677,7 +6686,7 @@
             </p:txBody>
           </p:sp>
         </mc:Choice>
-        <mc:Fallback>
+        <mc:Fallback xmlns="">
           <p:sp>
             <p:nvSpPr>
               <p:cNvPr id="8" name="テキスト ボックス 7">
@@ -6871,8 +6880,8 @@
           </a:p>
         </p:txBody>
       </p:sp>
-      <mc:AlternateContent xmlns:mc="http://schemas.openxmlformats.org/markup-compatibility/2006">
-        <mc:Choice xmlns:a14="http://schemas.microsoft.com/office/drawing/2010/main" Requires="a14">
+      <mc:AlternateContent xmlns:mc="http://schemas.openxmlformats.org/markup-compatibility/2006" xmlns:a14="http://schemas.microsoft.com/office/drawing/2010/main">
+        <mc:Choice Requires="a14">
           <p:sp>
             <p:nvSpPr>
               <p:cNvPr id="4" name="テキスト ボックス 3">
@@ -6987,7 +6996,7 @@
             </p:txBody>
           </p:sp>
         </mc:Choice>
-        <mc:Fallback>
+        <mc:Fallback xmlns="">
           <p:sp>
             <p:nvSpPr>
               <p:cNvPr id="4" name="テキスト ボックス 3">
@@ -7108,8 +7117,8 @@
           </a:p>
         </p:txBody>
       </p:sp>
-      <mc:AlternateContent xmlns:mc="http://schemas.openxmlformats.org/markup-compatibility/2006">
-        <mc:Choice xmlns:a14="http://schemas.microsoft.com/office/drawing/2010/main" Requires="a14">
+      <mc:AlternateContent xmlns:mc="http://schemas.openxmlformats.org/markup-compatibility/2006" xmlns:a14="http://schemas.microsoft.com/office/drawing/2010/main">
+        <mc:Choice Requires="a14">
           <p:sp>
             <p:nvSpPr>
               <p:cNvPr id="7" name="テキスト ボックス 6">
@@ -7160,13 +7169,7 @@
                             <a:rPr kumimoji="1" lang="en-US" altLang="ja-JP" sz="3200" b="0" i="1" smtClean="0">
                               <a:latin typeface="Cambria Math" panose="02040503050406030204" pitchFamily="18" charset="0"/>
                             </a:rPr>
-                            <m:t>𝑎</m:t>
-                          </m:r>
-                          <m:r>
-                            <a:rPr kumimoji="1" lang="en-US" altLang="ja-JP" sz="3200" b="0" i="1" smtClean="0">
-                              <a:latin typeface="Cambria Math" panose="02040503050406030204" pitchFamily="18" charset="0"/>
-                            </a:rPr>
-                            <m:t>𝑋</m:t>
+                            <m:t>𝑎𝑋</m:t>
                           </m:r>
                           <m:r>
                             <a:rPr kumimoji="1" lang="en-US" altLang="ja-JP" sz="3200" b="0" i="1" smtClean="0">
@@ -7291,7 +7294,7 @@
             </p:txBody>
           </p:sp>
         </mc:Choice>
-        <mc:Fallback>
+        <mc:Fallback xmlns="">
           <p:sp>
             <p:nvSpPr>
               <p:cNvPr id="7" name="テキスト ボックス 6">
@@ -7336,8 +7339,8 @@
           </p:sp>
         </mc:Fallback>
       </mc:AlternateContent>
-      <mc:AlternateContent xmlns:mc="http://schemas.openxmlformats.org/markup-compatibility/2006">
-        <mc:Choice xmlns:a14="http://schemas.microsoft.com/office/drawing/2010/main" Requires="a14">
+      <mc:AlternateContent xmlns:mc="http://schemas.openxmlformats.org/markup-compatibility/2006" xmlns:a14="http://schemas.microsoft.com/office/drawing/2010/main">
+        <mc:Choice Requires="a14">
           <p:sp>
             <p:nvSpPr>
               <p:cNvPr id="8" name="テキスト ボックス 7">
@@ -7513,7 +7516,7 @@
             </p:txBody>
           </p:sp>
         </mc:Choice>
-        <mc:Fallback>
+        <mc:Fallback xmlns="">
           <p:sp>
             <p:nvSpPr>
               <p:cNvPr id="8" name="テキスト ボックス 7">
@@ -7594,8 +7597,8 @@
           </a:p>
         </p:txBody>
       </p:sp>
-      <mc:AlternateContent xmlns:mc="http://schemas.openxmlformats.org/markup-compatibility/2006">
-        <mc:Choice xmlns:a14="http://schemas.microsoft.com/office/drawing/2010/main" Requires="a14">
+      <mc:AlternateContent xmlns:mc="http://schemas.openxmlformats.org/markup-compatibility/2006" xmlns:a14="http://schemas.microsoft.com/office/drawing/2010/main">
+        <mc:Choice Requires="a14">
           <p:sp>
             <p:nvSpPr>
               <p:cNvPr id="10" name="テキスト ボックス 9">
@@ -7624,7 +7627,6 @@
               </a:bodyPr>
               <a:lstStyle/>
               <a:p>
-                <a:pPr/>
                 <a14:m>
                   <m:oMath xmlns:m="http://schemas.openxmlformats.org/officeDocument/2006/math">
                     <m:d>
@@ -7854,7 +7856,7 @@
             </p:txBody>
           </p:sp>
         </mc:Choice>
-        <mc:Fallback>
+        <mc:Fallback xmlns="">
           <p:sp>
             <p:nvSpPr>
               <p:cNvPr id="10" name="テキスト ボックス 9">
@@ -7939,8 +7941,8 @@
           </a:p>
         </p:txBody>
       </p:sp>
-      <mc:AlternateContent xmlns:mc="http://schemas.openxmlformats.org/markup-compatibility/2006">
-        <mc:Choice xmlns:a14="http://schemas.microsoft.com/office/drawing/2010/main" Requires="a14">
+      <mc:AlternateContent xmlns:mc="http://schemas.openxmlformats.org/markup-compatibility/2006" xmlns:a14="http://schemas.microsoft.com/office/drawing/2010/main">
+        <mc:Choice Requires="a14">
           <p:sp>
             <p:nvSpPr>
               <p:cNvPr id="12" name="テキスト ボックス 11">
@@ -8104,7 +8106,7 @@
             </p:txBody>
           </p:sp>
         </mc:Choice>
-        <mc:Fallback>
+        <mc:Fallback xmlns="">
           <p:sp>
             <p:nvSpPr>
               <p:cNvPr id="12" name="テキスト ボックス 11">
@@ -8149,8 +8151,8 @@
           </p:sp>
         </mc:Fallback>
       </mc:AlternateContent>
-      <mc:AlternateContent xmlns:mc="http://schemas.openxmlformats.org/markup-compatibility/2006">
-        <mc:Choice xmlns:a14="http://schemas.microsoft.com/office/drawing/2010/main" Requires="a14">
+      <mc:AlternateContent xmlns:mc="http://schemas.openxmlformats.org/markup-compatibility/2006" xmlns:a14="http://schemas.microsoft.com/office/drawing/2010/main">
+        <mc:Choice Requires="a14">
           <p:sp>
             <p:nvSpPr>
               <p:cNvPr id="13" name="テキスト ボックス 12">
@@ -8314,7 +8316,7 @@
             </p:txBody>
           </p:sp>
         </mc:Choice>
-        <mc:Fallback>
+        <mc:Fallback xmlns="">
           <p:sp>
             <p:nvSpPr>
               <p:cNvPr id="13" name="テキスト ボックス 12">
@@ -8418,8 +8420,8 @@
           </a:p>
         </p:txBody>
       </p:sp>
-      <mc:AlternateContent xmlns:mc="http://schemas.openxmlformats.org/markup-compatibility/2006">
-        <mc:Choice xmlns:a14="http://schemas.microsoft.com/office/drawing/2010/main" Requires="a14">
+      <mc:AlternateContent xmlns:mc="http://schemas.openxmlformats.org/markup-compatibility/2006" xmlns:a14="http://schemas.microsoft.com/office/drawing/2010/main">
+        <mc:Choice Requires="a14">
           <p:sp>
             <p:nvSpPr>
               <p:cNvPr id="4" name="テキスト ボックス 3">
@@ -8534,7 +8536,7 @@
             </p:txBody>
           </p:sp>
         </mc:Choice>
-        <mc:Fallback>
+        <mc:Fallback xmlns="">
           <p:sp>
             <p:nvSpPr>
               <p:cNvPr id="4" name="テキスト ボックス 3">
@@ -8655,8 +8657,8 @@
           </a:p>
         </p:txBody>
       </p:sp>
-      <mc:AlternateContent xmlns:mc="http://schemas.openxmlformats.org/markup-compatibility/2006">
-        <mc:Choice xmlns:a14="http://schemas.microsoft.com/office/drawing/2010/main" Requires="a14">
+      <mc:AlternateContent xmlns:mc="http://schemas.openxmlformats.org/markup-compatibility/2006" xmlns:a14="http://schemas.microsoft.com/office/drawing/2010/main">
+        <mc:Choice Requires="a14">
           <p:sp>
             <p:nvSpPr>
               <p:cNvPr id="7" name="テキスト ボックス 6">
@@ -8707,13 +8709,7 @@
                             <a:rPr kumimoji="1" lang="en-US" altLang="ja-JP" sz="3200" b="0" i="1" smtClean="0">
                               <a:latin typeface="Cambria Math" panose="02040503050406030204" pitchFamily="18" charset="0"/>
                             </a:rPr>
-                            <m:t>𝑎</m:t>
-                          </m:r>
-                          <m:r>
-                            <a:rPr kumimoji="1" lang="en-US" altLang="ja-JP" sz="3200" b="0" i="1" smtClean="0">
-                              <a:latin typeface="Cambria Math" panose="02040503050406030204" pitchFamily="18" charset="0"/>
-                            </a:rPr>
-                            <m:t>𝑋</m:t>
+                            <m:t>𝑎𝑋</m:t>
                           </m:r>
                           <m:r>
                             <a:rPr kumimoji="1" lang="en-US" altLang="ja-JP" sz="3200" b="0" i="1" smtClean="0">
@@ -8838,7 +8834,7 @@
             </p:txBody>
           </p:sp>
         </mc:Choice>
-        <mc:Fallback>
+        <mc:Fallback xmlns="">
           <p:sp>
             <p:nvSpPr>
               <p:cNvPr id="7" name="テキスト ボックス 6">
@@ -8883,8 +8879,8 @@
           </p:sp>
         </mc:Fallback>
       </mc:AlternateContent>
-      <mc:AlternateContent xmlns:mc="http://schemas.openxmlformats.org/markup-compatibility/2006">
-        <mc:Choice xmlns:a14="http://schemas.microsoft.com/office/drawing/2010/main" Requires="a14">
+      <mc:AlternateContent xmlns:mc="http://schemas.openxmlformats.org/markup-compatibility/2006" xmlns:a14="http://schemas.microsoft.com/office/drawing/2010/main">
+        <mc:Choice Requires="a14">
           <p:sp>
             <p:nvSpPr>
               <p:cNvPr id="8" name="テキスト ボックス 7">
@@ -9060,7 +9056,7 @@
             </p:txBody>
           </p:sp>
         </mc:Choice>
-        <mc:Fallback>
+        <mc:Fallback xmlns="">
           <p:sp>
             <p:nvSpPr>
               <p:cNvPr id="8" name="テキスト ボックス 7">
@@ -9141,8 +9137,8 @@
           </a:p>
         </p:txBody>
       </p:sp>
-      <mc:AlternateContent xmlns:mc="http://schemas.openxmlformats.org/markup-compatibility/2006">
-        <mc:Choice xmlns:a14="http://schemas.microsoft.com/office/drawing/2010/main" Requires="a14">
+      <mc:AlternateContent xmlns:mc="http://schemas.openxmlformats.org/markup-compatibility/2006" xmlns:a14="http://schemas.microsoft.com/office/drawing/2010/main">
+        <mc:Choice Requires="a14">
           <p:sp>
             <p:nvSpPr>
               <p:cNvPr id="10" name="テキスト ボックス 9">
@@ -9171,7 +9167,6 @@
               </a:bodyPr>
               <a:lstStyle/>
               <a:p>
-                <a:pPr/>
                 <a14:m>
                   <m:oMath xmlns:m="http://schemas.openxmlformats.org/officeDocument/2006/math">
                     <m:d>
@@ -9401,7 +9396,7 @@
             </p:txBody>
           </p:sp>
         </mc:Choice>
-        <mc:Fallback>
+        <mc:Fallback xmlns="">
           <p:sp>
             <p:nvSpPr>
               <p:cNvPr id="10" name="テキスト ボックス 9">
@@ -9504,8 +9499,8 @@
           </a:p>
         </p:txBody>
       </p:sp>
-      <mc:AlternateContent xmlns:mc="http://schemas.openxmlformats.org/markup-compatibility/2006">
-        <mc:Choice xmlns:a14="http://schemas.microsoft.com/office/drawing/2010/main" Requires="a14">
+      <mc:AlternateContent xmlns:mc="http://schemas.openxmlformats.org/markup-compatibility/2006" xmlns:a14="http://schemas.microsoft.com/office/drawing/2010/main">
+        <mc:Choice Requires="a14">
           <p:sp>
             <p:nvSpPr>
               <p:cNvPr id="12" name="テキスト ボックス 11">
@@ -9761,7 +9756,7 @@
             </p:txBody>
           </p:sp>
         </mc:Choice>
-        <mc:Fallback>
+        <mc:Fallback xmlns="">
           <p:sp>
             <p:nvSpPr>
               <p:cNvPr id="12" name="テキスト ボックス 11">
@@ -9806,8 +9801,8 @@
           </p:sp>
         </mc:Fallback>
       </mc:AlternateContent>
-      <mc:AlternateContent xmlns:mc="http://schemas.openxmlformats.org/markup-compatibility/2006">
-        <mc:Choice xmlns:a14="http://schemas.microsoft.com/office/drawing/2010/main" Requires="a14">
+      <mc:AlternateContent xmlns:mc="http://schemas.openxmlformats.org/markup-compatibility/2006" xmlns:a14="http://schemas.microsoft.com/office/drawing/2010/main">
+        <mc:Choice Requires="a14">
           <p:sp>
             <p:nvSpPr>
               <p:cNvPr id="13" name="テキスト ボックス 12">
@@ -10063,7 +10058,7 @@
             </p:txBody>
           </p:sp>
         </mc:Choice>
-        <mc:Fallback>
+        <mc:Fallback xmlns="">
           <p:sp>
             <p:nvSpPr>
               <p:cNvPr id="13" name="テキスト ボックス 12">
@@ -11103,8 +11098,8 @@
           </a:fontRef>
         </p:style>
       </p:cxnSp>
-      <mc:AlternateContent xmlns:mc="http://schemas.openxmlformats.org/markup-compatibility/2006">
-        <mc:Choice xmlns:a14="http://schemas.microsoft.com/office/drawing/2010/main" Requires="a14">
+      <mc:AlternateContent xmlns:mc="http://schemas.openxmlformats.org/markup-compatibility/2006" xmlns:a14="http://schemas.microsoft.com/office/drawing/2010/main">
+        <mc:Choice Requires="a14">
           <p:sp>
             <p:nvSpPr>
               <p:cNvPr id="14" name="テキスト ボックス 13">
@@ -11133,6 +11128,7 @@
               </a:bodyPr>
               <a:lstStyle/>
               <a:p>
+                <a:pPr/>
                 <a14:m>
                   <m:oMathPara xmlns:m="http://schemas.openxmlformats.org/officeDocument/2006/math">
                     <m:oMathParaPr>
@@ -11153,7 +11149,7 @@
             </p:txBody>
           </p:sp>
         </mc:Choice>
-        <mc:Fallback>
+        <mc:Fallback xmlns="">
           <p:sp>
             <p:nvSpPr>
               <p:cNvPr id="14" name="テキスト ボックス 13">
@@ -11234,8 +11230,8 @@
           </a:p>
         </p:txBody>
       </p:sp>
-      <mc:AlternateContent xmlns:mc="http://schemas.openxmlformats.org/markup-compatibility/2006">
-        <mc:Choice xmlns:a14="http://schemas.microsoft.com/office/drawing/2010/main" Requires="a14">
+      <mc:AlternateContent xmlns:mc="http://schemas.openxmlformats.org/markup-compatibility/2006" xmlns:a14="http://schemas.microsoft.com/office/drawing/2010/main">
+        <mc:Choice Requires="a14">
           <p:sp>
             <p:nvSpPr>
               <p:cNvPr id="16" name="テキスト ボックス 15">
@@ -11264,6 +11260,7 @@
               </a:bodyPr>
               <a:lstStyle/>
               <a:p>
+                <a:pPr/>
                 <a14:m>
                   <m:oMathPara xmlns:m="http://schemas.openxmlformats.org/officeDocument/2006/math">
                     <m:oMathParaPr>
@@ -11302,7 +11299,7 @@
             </p:txBody>
           </p:sp>
         </mc:Choice>
-        <mc:Fallback>
+        <mc:Fallback xmlns="">
           <p:sp>
             <p:nvSpPr>
               <p:cNvPr id="16" name="テキスト ボックス 15">
@@ -11347,8 +11344,8 @@
           </p:sp>
         </mc:Fallback>
       </mc:AlternateContent>
-      <mc:AlternateContent xmlns:mc="http://schemas.openxmlformats.org/markup-compatibility/2006">
-        <mc:Choice xmlns:a14="http://schemas.microsoft.com/office/drawing/2010/main" Requires="a14">
+      <mc:AlternateContent xmlns:mc="http://schemas.openxmlformats.org/markup-compatibility/2006" xmlns:a14="http://schemas.microsoft.com/office/drawing/2010/main">
+        <mc:Choice Requires="a14">
           <p:sp>
             <p:nvSpPr>
               <p:cNvPr id="17" name="テキスト ボックス 16">
@@ -11399,7 +11396,7 @@
             </p:txBody>
           </p:sp>
         </mc:Choice>
-        <mc:Fallback>
+        <mc:Fallback xmlns="">
           <p:sp>
             <p:nvSpPr>
               <p:cNvPr id="17" name="テキスト ボックス 16">
@@ -11444,8 +11441,8 @@
           </p:sp>
         </mc:Fallback>
       </mc:AlternateContent>
-      <mc:AlternateContent xmlns:mc="http://schemas.openxmlformats.org/markup-compatibility/2006">
-        <mc:Choice xmlns:a14="http://schemas.microsoft.com/office/drawing/2010/main" Requires="a14">
+      <mc:AlternateContent xmlns:mc="http://schemas.openxmlformats.org/markup-compatibility/2006" xmlns:a14="http://schemas.microsoft.com/office/drawing/2010/main">
+        <mc:Choice Requires="a14">
           <p:sp>
             <p:nvSpPr>
               <p:cNvPr id="18" name="テキスト ボックス 17">
@@ -11474,6 +11471,7 @@
               </a:bodyPr>
               <a:lstStyle/>
               <a:p>
+                <a:pPr/>
                 <a14:m>
                   <m:oMathPara xmlns:m="http://schemas.openxmlformats.org/officeDocument/2006/math">
                     <m:oMathParaPr>
@@ -11512,7 +11510,7 @@
             </p:txBody>
           </p:sp>
         </mc:Choice>
-        <mc:Fallback>
+        <mc:Fallback xmlns="">
           <p:sp>
             <p:nvSpPr>
               <p:cNvPr id="18" name="テキスト ボックス 17">
@@ -11616,8 +11614,8 @@
           </a:p>
         </p:txBody>
       </p:sp>
-      <mc:AlternateContent xmlns:mc="http://schemas.openxmlformats.org/markup-compatibility/2006">
-        <mc:Choice xmlns:a14="http://schemas.microsoft.com/office/drawing/2010/main" Requires="a14">
+      <mc:AlternateContent xmlns:mc="http://schemas.openxmlformats.org/markup-compatibility/2006" xmlns:a14="http://schemas.microsoft.com/office/drawing/2010/main">
+        <mc:Choice Requires="a14">
           <p:sp>
             <p:nvSpPr>
               <p:cNvPr id="3" name="テキスト ボックス 2">
@@ -11689,7 +11687,7 @@
             </p:txBody>
           </p:sp>
         </mc:Choice>
-        <mc:Fallback>
+        <mc:Fallback xmlns="">
           <p:sp>
             <p:nvSpPr>
               <p:cNvPr id="3" name="テキスト ボックス 2">
@@ -11734,8 +11732,8 @@
           </p:sp>
         </mc:Fallback>
       </mc:AlternateContent>
-      <mc:AlternateContent xmlns:mc="http://schemas.openxmlformats.org/markup-compatibility/2006">
-        <mc:Choice xmlns:a14="http://schemas.microsoft.com/office/drawing/2010/main" Requires="a14">
+      <mc:AlternateContent xmlns:mc="http://schemas.openxmlformats.org/markup-compatibility/2006" xmlns:a14="http://schemas.microsoft.com/office/drawing/2010/main">
+        <mc:Choice Requires="a14">
           <p:sp>
             <p:nvSpPr>
               <p:cNvPr id="4" name="テキスト ボックス 3">
@@ -11764,6 +11762,7 @@
               </a:bodyPr>
               <a:lstStyle/>
               <a:p>
+                <a:pPr/>
                 <a14:m>
                   <m:oMathPara xmlns:m="http://schemas.openxmlformats.org/officeDocument/2006/math">
                     <m:oMathParaPr>
@@ -11866,7 +11865,7 @@
             </p:txBody>
           </p:sp>
         </mc:Choice>
-        <mc:Fallback>
+        <mc:Fallback xmlns="">
           <p:sp>
             <p:nvSpPr>
               <p:cNvPr id="4" name="テキスト ボックス 3">
@@ -11911,8 +11910,8 @@
           </p:sp>
         </mc:Fallback>
       </mc:AlternateContent>
-      <mc:AlternateContent xmlns:mc="http://schemas.openxmlformats.org/markup-compatibility/2006">
-        <mc:Choice xmlns:a14="http://schemas.microsoft.com/office/drawing/2010/main" Requires="a14">
+      <mc:AlternateContent xmlns:mc="http://schemas.openxmlformats.org/markup-compatibility/2006" xmlns:a14="http://schemas.microsoft.com/office/drawing/2010/main">
+        <mc:Choice Requires="a14">
           <p:sp>
             <p:nvSpPr>
               <p:cNvPr id="5" name="テキスト ボックス 4">
@@ -11976,7 +11975,7 @@
             </p:txBody>
           </p:sp>
         </mc:Choice>
-        <mc:Fallback>
+        <mc:Fallback xmlns="">
           <p:sp>
             <p:nvSpPr>
               <p:cNvPr id="5" name="テキスト ボックス 4">
@@ -12021,8 +12020,8 @@
           </p:sp>
         </mc:Fallback>
       </mc:AlternateContent>
-      <mc:AlternateContent xmlns:mc="http://schemas.openxmlformats.org/markup-compatibility/2006">
-        <mc:Choice xmlns:a14="http://schemas.microsoft.com/office/drawing/2010/main" Requires="a14">
+      <mc:AlternateContent xmlns:mc="http://schemas.openxmlformats.org/markup-compatibility/2006" xmlns:a14="http://schemas.microsoft.com/office/drawing/2010/main">
+        <mc:Choice Requires="a14">
           <p:sp>
             <p:nvSpPr>
               <p:cNvPr id="6" name="テキスト ボックス 5">
@@ -12051,6 +12050,7 @@
               </a:bodyPr>
               <a:lstStyle/>
               <a:p>
+                <a:pPr/>
                 <a14:m>
                   <m:oMathPara xmlns:m="http://schemas.openxmlformats.org/officeDocument/2006/math">
                     <m:oMathParaPr>
@@ -12159,7 +12159,7 @@
             </p:txBody>
           </p:sp>
         </mc:Choice>
-        <mc:Fallback>
+        <mc:Fallback xmlns="">
           <p:sp>
             <p:nvSpPr>
               <p:cNvPr id="6" name="テキスト ボックス 5">
@@ -12530,7 +12530,7 @@
             <p:spPr>
               <a:xfrm>
                 <a:off x="179512" y="1196752"/>
-                <a:ext cx="8208911" cy="1938992"/>
+                <a:ext cx="8640960" cy="1584176"/>
               </a:xfrm>
               <a:prstGeom prst="rect">
                 <a:avLst/>
@@ -12544,17 +12544,17 @@
               <a:lstStyle/>
               <a:p>
                 <a:r>
-                  <a:rPr lang="ja-JP" altLang="en-US" sz="2400"/>
+                  <a:rPr lang="ja-JP" altLang="en-US" sz="3200"/>
                   <a:t>ツマミを回す操作は</a:t>
                 </a:r>
                 <a:r>
-                  <a:rPr lang="en-US" altLang="ja-JP" sz="2400" b="0"/>
+                  <a:rPr lang="en-US" altLang="ja-JP" sz="3200" b="0"/>
                   <a:t> </a:t>
                 </a:r>
                 <a14:m>
                   <m:oMath xmlns:m="http://schemas.openxmlformats.org/officeDocument/2006/math">
                     <m:r>
-                      <a:rPr lang="en-US" altLang="ja-JP" sz="2400" b="0" i="1" smtClean="0">
+                      <a:rPr lang="en-US" altLang="ja-JP" sz="3200" b="0" i="1" smtClean="0">
                         <a:latin typeface="Cambria Math" panose="02040503050406030204" pitchFamily="18" charset="0"/>
                       </a:rPr>
                       <m:t>𝜃</m:t>
@@ -12562,47 +12562,22 @@
                   </m:oMath>
                 </a14:m>
                 <a:r>
-                  <a:rPr lang="ja-JP" altLang="en-US" sz="2400"/>
-                  <a:t>という連続変数で特徴づけられる</a:t>
-                </a:r>
-                <a:endParaRPr lang="en-US" altLang="ja-JP" sz="2400"/>
-              </a:p>
-              <a:p>
-                <a:r>
-                  <a:rPr lang="ja-JP" altLang="en-US" sz="2400"/>
-                  <a:t>この変数について微分を考えることができる</a:t>
-                </a:r>
-                <a:endParaRPr lang="en-US" altLang="ja-JP" sz="2400"/>
-              </a:p>
-              <a:p>
-                <a:endParaRPr kumimoji="1" lang="en-US" altLang="ja-JP" sz="2400"/>
-              </a:p>
-              <a:p>
-                <a:r>
-                  <a:rPr lang="ja-JP" altLang="en-US" sz="2400"/>
-                  <a:t>このように、連続パラメタで特徴づけられ、パラメタに対して微分できるような群を</a:t>
+                  <a:rPr lang="ja-JP" altLang="en-US" sz="3200"/>
+                  <a:t>という連続変数で特徴づけられる。この変数について</a:t>
                 </a:r>
                 <a:r>
-                  <a:rPr lang="ja-JP" altLang="en-US" sz="2400">
+                  <a:rPr lang="ja-JP" altLang="en-US" sz="3200">
                     <a:solidFill>
                       <a:srgbClr val="FF0000"/>
                     </a:solidFill>
                   </a:rPr>
-                  <a:t>リー群</a:t>
+                  <a:t>微分</a:t>
                 </a:r>
                 <a:r>
-                  <a:rPr lang="en-US" altLang="ja-JP" sz="2400">
-                    <a:solidFill>
-                      <a:srgbClr val="FF0000"/>
-                    </a:solidFill>
-                  </a:rPr>
-                  <a:t>(Lie Group)</a:t>
+                  <a:rPr lang="ja-JP" altLang="en-US" sz="3200"/>
+                  <a:t>を考えることができる</a:t>
                 </a:r>
-                <a:r>
-                  <a:rPr lang="ja-JP" altLang="en-US" sz="2400"/>
-                  <a:t>と呼ぶ</a:t>
-                </a:r>
-                <a:endParaRPr kumimoji="1" lang="ja-JP" altLang="en-US" sz="2400"/>
+                <a:endParaRPr lang="en-US" altLang="ja-JP" sz="3200"/>
               </a:p>
             </p:txBody>
           </p:sp>
@@ -12625,7 +12600,7 @@
             <p:spPr>
               <a:xfrm>
                 <a:off x="179512" y="1196752"/>
-                <a:ext cx="8208911" cy="1938992"/>
+                <a:ext cx="8640960" cy="1584176"/>
               </a:xfrm>
               <a:prstGeom prst="rect">
                 <a:avLst/>
@@ -12633,7 +12608,7 @@
               <a:blipFill>
                 <a:blip r:embed="rId2"/>
                 <a:stretch>
-                  <a:fillRect l="-1114" t="-3459" b="-6604"/>
+                  <a:fillRect l="-1763" t="-6154" b="-9615"/>
                 </a:stretch>
               </a:blipFill>
             </p:spPr>
@@ -12652,6 +12627,62 @@
           </p:sp>
         </mc:Fallback>
       </mc:AlternateContent>
+      <p:sp>
+        <p:nvSpPr>
+          <p:cNvPr id="5" name="テキスト ボックス 4">
+            <a:extLst>
+              <a:ext uri="{FF2B5EF4-FFF2-40B4-BE49-F238E27FC236}">
+                <a16:creationId xmlns:a16="http://schemas.microsoft.com/office/drawing/2014/main" id="{7C606E46-B0B9-DB57-1024-D7E2289A7638}"/>
+              </a:ext>
+            </a:extLst>
+          </p:cNvPr>
+          <p:cNvSpPr txBox="1"/>
+          <p:nvPr/>
+        </p:nvSpPr>
+        <p:spPr>
+          <a:xfrm>
+            <a:off x="179512" y="4379620"/>
+            <a:ext cx="8640960" cy="1569660"/>
+          </a:xfrm>
+          <a:prstGeom prst="rect">
+            <a:avLst/>
+          </a:prstGeom>
+          <a:noFill/>
+        </p:spPr>
+        <p:txBody>
+          <a:bodyPr wrap="square">
+            <a:spAutoFit/>
+          </a:bodyPr>
+          <a:lstStyle/>
+          <a:p>
+            <a:r>
+              <a:rPr lang="ja-JP" altLang="en-US" sz="3200"/>
+              <a:t>連続パラメタで特徴づけられ、パラメタに対して微分できるような群を</a:t>
+            </a:r>
+            <a:r>
+              <a:rPr lang="ja-JP" altLang="en-US" sz="3200">
+                <a:solidFill>
+                  <a:srgbClr val="FF0000"/>
+                </a:solidFill>
+              </a:rPr>
+              <a:t>リー群</a:t>
+            </a:r>
+            <a:r>
+              <a:rPr lang="en-US" altLang="ja-JP" sz="3200">
+                <a:solidFill>
+                  <a:srgbClr val="FF0000"/>
+                </a:solidFill>
+              </a:rPr>
+              <a:t>(Lie Group)</a:t>
+            </a:r>
+            <a:r>
+              <a:rPr lang="ja-JP" altLang="en-US" sz="3200"/>
+              <a:t>と呼ぶ</a:t>
+            </a:r>
+            <a:endParaRPr kumimoji="1" lang="ja-JP" altLang="en-US" sz="3200"/>
+          </a:p>
+        </p:txBody>
+      </p:sp>
     </p:spTree>
     <p:extLst>
       <p:ext uri="{BB962C8B-B14F-4D97-AF65-F5344CB8AC3E}">
@@ -12747,8 +12778,8 @@
           </a:p>
         </p:txBody>
       </p:sp>
-      <mc:AlternateContent xmlns:mc="http://schemas.openxmlformats.org/markup-compatibility/2006">
-        <mc:Choice xmlns:a14="http://schemas.microsoft.com/office/drawing/2010/main" Requires="a14">
+      <mc:AlternateContent xmlns:mc="http://schemas.openxmlformats.org/markup-compatibility/2006" xmlns:a14="http://schemas.microsoft.com/office/drawing/2010/main">
+        <mc:Choice Requires="a14">
           <p:sp>
             <p:nvSpPr>
               <p:cNvPr id="4" name="テキスト ボックス 3">
@@ -12777,6 +12808,7 @@
               </a:bodyPr>
               <a:lstStyle/>
               <a:p>
+                <a:pPr/>
                 <a14:m>
                   <m:oMathPara xmlns:m="http://schemas.openxmlformats.org/officeDocument/2006/math">
                     <m:oMathParaPr>
@@ -12856,7 +12888,16 @@
                                       <a:rPr kumimoji="1" lang="en-US" altLang="ja-JP" sz="3200" b="0" i="0" smtClean="0">
                                         <a:latin typeface="Cambria Math" panose="02040503050406030204" pitchFamily="18" charset="0"/>
                                       </a:rPr>
-                                      <m:t>cos</m:t>
+                                      <m:t>c</m:t>
+                                    </m:r>
+                                    <m:r>
+                                      <m:rPr>
+                                        <m:sty m:val="p"/>
+                                      </m:rPr>
+                                      <a:rPr kumimoji="1" lang="en-US" altLang="ja-JP" sz="3200" b="0" i="0" smtClean="0">
+                                        <a:latin typeface="Cambria Math" panose="02040503050406030204" pitchFamily="18" charset="0"/>
+                                      </a:rPr>
+                                      <m:t>os</m:t>
                                     </m:r>
                                   </m:fName>
                                   <m:e>
@@ -12916,7 +12957,7 @@
             </p:txBody>
           </p:sp>
         </mc:Choice>
-        <mc:Fallback>
+        <mc:Fallback xmlns="">
           <p:sp>
             <p:nvSpPr>
               <p:cNvPr id="4" name="テキスト ボックス 3">
@@ -12996,8 +13037,8 @@
           </a:p>
         </p:txBody>
       </p:sp>
-      <mc:AlternateContent xmlns:mc="http://schemas.openxmlformats.org/markup-compatibility/2006">
-        <mc:Choice xmlns:a14="http://schemas.microsoft.com/office/drawing/2010/main" Requires="a14">
+      <mc:AlternateContent xmlns:mc="http://schemas.openxmlformats.org/markup-compatibility/2006" xmlns:a14="http://schemas.microsoft.com/office/drawing/2010/main">
+        <mc:Choice Requires="a14">
           <p:sp>
             <p:nvSpPr>
               <p:cNvPr id="6" name="テキスト ボックス 5">
@@ -13026,6 +13067,7 @@
               </a:bodyPr>
               <a:lstStyle/>
               <a:p>
+                <a:pPr/>
                 <a14:m>
                   <m:oMathPara xmlns:m="http://schemas.openxmlformats.org/officeDocument/2006/math">
                     <m:oMathParaPr>
@@ -13105,7 +13147,16 @@
                                       <a:rPr kumimoji="1" lang="en-US" altLang="ja-JP" sz="3200" b="0" i="0" smtClean="0">
                                         <a:latin typeface="Cambria Math" panose="02040503050406030204" pitchFamily="18" charset="0"/>
                                       </a:rPr>
-                                      <m:t>cos</m:t>
+                                      <m:t>c</m:t>
+                                    </m:r>
+                                    <m:r>
+                                      <m:rPr>
+                                        <m:sty m:val="p"/>
+                                      </m:rPr>
+                                      <a:rPr kumimoji="1" lang="en-US" altLang="ja-JP" sz="3200" b="0" i="0" smtClean="0">
+                                        <a:latin typeface="Cambria Math" panose="02040503050406030204" pitchFamily="18" charset="0"/>
+                                      </a:rPr>
+                                      <m:t>os</m:t>
                                     </m:r>
                                   </m:fName>
                                   <m:e>
@@ -13231,7 +13282,7 @@
             </p:txBody>
           </p:sp>
         </mc:Choice>
-        <mc:Fallback>
+        <mc:Fallback xmlns="">
           <p:sp>
             <p:nvSpPr>
               <p:cNvPr id="6" name="テキスト ボックス 5">
@@ -13315,6 +13366,6894 @@
     <p:extLst>
       <p:ext uri="{BB962C8B-B14F-4D97-AF65-F5344CB8AC3E}">
         <p14:creationId xmlns:p14="http://schemas.microsoft.com/office/powerpoint/2010/main" val="857868012"/>
+      </p:ext>
+    </p:extLst>
+  </p:cSld>
+  <p:clrMapOvr>
+    <a:masterClrMapping/>
+  </p:clrMapOvr>
+</p:sld>
+</file>
+
+<file path=ppt/slides/slide22.xml><?xml version="1.0" encoding="utf-8"?>
+<p:sld xmlns:a="http://schemas.openxmlformats.org/drawingml/2006/main" xmlns:r="http://schemas.openxmlformats.org/officeDocument/2006/relationships" xmlns:p="http://schemas.openxmlformats.org/presentationml/2006/main">
+  <p:cSld>
+    <p:spTree>
+      <p:nvGrpSpPr>
+        <p:cNvPr id="1" name=""/>
+        <p:cNvGrpSpPr/>
+        <p:nvPr/>
+      </p:nvGrpSpPr>
+      <p:grpSpPr>
+        <a:xfrm>
+          <a:off x="0" y="0"/>
+          <a:ext cx="0" cy="0"/>
+          <a:chOff x="0" y="0"/>
+          <a:chExt cx="0" cy="0"/>
+        </a:xfrm>
+      </p:grpSpPr>
+      <p:sp>
+        <p:nvSpPr>
+          <p:cNvPr id="2" name="テキスト プレースホルダー 1">
+            <a:extLst>
+              <a:ext uri="{FF2B5EF4-FFF2-40B4-BE49-F238E27FC236}">
+                <a16:creationId xmlns:a16="http://schemas.microsoft.com/office/drawing/2014/main" id="{344552A8-2F4C-4278-5911-D85DD1124FF5}"/>
+              </a:ext>
+            </a:extLst>
+          </p:cNvPr>
+          <p:cNvSpPr>
+            <a:spLocks noGrp="1"/>
+          </p:cNvSpPr>
+          <p:nvPr>
+            <p:ph type="body" sz="quarter" idx="10"/>
+          </p:nvPr>
+        </p:nvSpPr>
+        <p:spPr/>
+        <p:txBody>
+          <a:bodyPr/>
+          <a:lstStyle/>
+          <a:p>
+            <a:r>
+              <a:rPr kumimoji="1" lang="ja-JP" altLang="en-US"/>
+              <a:t>生成子</a:t>
+            </a:r>
+          </a:p>
+        </p:txBody>
+      </p:sp>
+      <p:sp>
+        <p:nvSpPr>
+          <p:cNvPr id="3" name="テキスト ボックス 2">
+            <a:extLst>
+              <a:ext uri="{FF2B5EF4-FFF2-40B4-BE49-F238E27FC236}">
+                <a16:creationId xmlns:a16="http://schemas.microsoft.com/office/drawing/2014/main" id="{39C61A1C-11A9-BB1A-F5F1-89E9EAB6483B}"/>
+              </a:ext>
+            </a:extLst>
+          </p:cNvPr>
+          <p:cNvSpPr txBox="1"/>
+          <p:nvPr/>
+        </p:nvSpPr>
+        <p:spPr>
+          <a:xfrm>
+            <a:off x="323528" y="1196752"/>
+            <a:ext cx="7725192" cy="523220"/>
+          </a:xfrm>
+          <a:prstGeom prst="rect">
+            <a:avLst/>
+          </a:prstGeom>
+          <a:noFill/>
+        </p:spPr>
+        <p:txBody>
+          <a:bodyPr wrap="none" rtlCol="0">
+            <a:spAutoFit/>
+          </a:bodyPr>
+          <a:lstStyle/>
+          <a:p>
+            <a:r>
+              <a:rPr kumimoji="1" lang="ja-JP" altLang="en-US" sz="2800"/>
+              <a:t>微分ができるのがリー群なので、微分</a:t>
+            </a:r>
+            <a:r>
+              <a:rPr lang="ja-JP" altLang="en-US" sz="2800"/>
+              <a:t>を考える</a:t>
+            </a:r>
+            <a:endParaRPr kumimoji="1" lang="en-US" altLang="ja-JP" sz="2800"/>
+          </a:p>
+        </p:txBody>
+      </p:sp>
+      <mc:AlternateContent xmlns:mc="http://schemas.openxmlformats.org/markup-compatibility/2006">
+        <mc:Choice xmlns:a14="http://schemas.microsoft.com/office/drawing/2010/main" Requires="a14">
+          <p:sp>
+            <p:nvSpPr>
+              <p:cNvPr id="4" name="テキスト ボックス 3">
+                <a:extLst>
+                  <a:ext uri="{FF2B5EF4-FFF2-40B4-BE49-F238E27FC236}">
+                    <a16:creationId xmlns:a16="http://schemas.microsoft.com/office/drawing/2014/main" id="{A287105C-D45F-7A94-95FD-9F394BC295A6}"/>
+                  </a:ext>
+                </a:extLst>
+              </p:cNvPr>
+              <p:cNvSpPr txBox="1"/>
+              <p:nvPr/>
+            </p:nvSpPr>
+            <p:spPr>
+              <a:xfrm>
+                <a:off x="2267744" y="1916832"/>
+                <a:ext cx="3872470" cy="492443"/>
+              </a:xfrm>
+              <a:prstGeom prst="rect">
+                <a:avLst/>
+              </a:prstGeom>
+              <a:noFill/>
+            </p:spPr>
+            <p:txBody>
+              <a:bodyPr wrap="none" lIns="0" tIns="0" rIns="0" bIns="0" rtlCol="0">
+                <a:spAutoFit/>
+              </a:bodyPr>
+              <a:lstStyle/>
+              <a:p>
+                <a:pPr/>
+                <a14:m>
+                  <m:oMathPara xmlns:m="http://schemas.openxmlformats.org/officeDocument/2006/math">
+                    <m:oMathParaPr>
+                      <m:jc m:val="centerGroup"/>
+                    </m:oMathParaPr>
+                    <m:oMath xmlns:m="http://schemas.openxmlformats.org/officeDocument/2006/math">
+                      <m:r>
+                        <a:rPr kumimoji="1" lang="en-US" altLang="ja-JP" sz="3200" b="0" i="1" smtClean="0">
+                          <a:latin typeface="Cambria Math" panose="02040503050406030204" pitchFamily="18" charset="0"/>
+                        </a:rPr>
+                        <m:t>𝑈</m:t>
+                      </m:r>
+                      <m:d>
+                        <m:dPr>
+                          <m:ctrlPr>
+                            <a:rPr kumimoji="1" lang="en-US" altLang="ja-JP" sz="3200" b="0" i="1" smtClean="0">
+                              <a:latin typeface="Cambria Math" panose="02040503050406030204" pitchFamily="18" charset="0"/>
+                            </a:rPr>
+                          </m:ctrlPr>
+                        </m:dPr>
+                        <m:e>
+                          <m:r>
+                            <a:rPr kumimoji="1" lang="en-US" altLang="ja-JP" sz="3200" b="0" i="1" smtClean="0">
+                              <a:latin typeface="Cambria Math" panose="02040503050406030204" pitchFamily="18" charset="0"/>
+                            </a:rPr>
+                            <m:t>h</m:t>
+                          </m:r>
+                        </m:e>
+                      </m:d>
+                      <m:r>
+                        <a:rPr kumimoji="1" lang="en-US" altLang="ja-JP" sz="3200" b="0" i="1" smtClean="0">
+                          <a:latin typeface="Cambria Math" panose="02040503050406030204" pitchFamily="18" charset="0"/>
+                        </a:rPr>
+                        <m:t>𝑣</m:t>
+                      </m:r>
+                      <m:d>
+                        <m:dPr>
+                          <m:ctrlPr>
+                            <a:rPr kumimoji="1" lang="en-US" altLang="ja-JP" sz="3200" b="0" i="1" smtClean="0">
+                              <a:latin typeface="Cambria Math" panose="02040503050406030204" pitchFamily="18" charset="0"/>
+                            </a:rPr>
+                          </m:ctrlPr>
+                        </m:dPr>
+                        <m:e>
+                          <m:r>
+                            <a:rPr kumimoji="1" lang="en-US" altLang="ja-JP" sz="3200" b="0" i="1" smtClean="0">
+                              <a:latin typeface="Cambria Math" panose="02040503050406030204" pitchFamily="18" charset="0"/>
+                            </a:rPr>
+                            <m:t>𝜃</m:t>
+                          </m:r>
+                        </m:e>
+                      </m:d>
+                      <m:r>
+                        <a:rPr kumimoji="1" lang="en-US" altLang="ja-JP" sz="3200" b="0" i="1" smtClean="0">
+                          <a:latin typeface="Cambria Math" panose="02040503050406030204" pitchFamily="18" charset="0"/>
+                        </a:rPr>
+                        <m:t>=</m:t>
+                      </m:r>
+                      <m:r>
+                        <a:rPr kumimoji="1" lang="en-US" altLang="ja-JP" sz="3200" b="0" i="1" smtClean="0">
+                          <a:latin typeface="Cambria Math" panose="02040503050406030204" pitchFamily="18" charset="0"/>
+                        </a:rPr>
+                        <m:t>𝑣</m:t>
+                      </m:r>
+                      <m:r>
+                        <a:rPr kumimoji="1" lang="en-US" altLang="ja-JP" sz="3200" b="0" i="1" smtClean="0">
+                          <a:latin typeface="Cambria Math" panose="02040503050406030204" pitchFamily="18" charset="0"/>
+                        </a:rPr>
+                        <m:t>(</m:t>
+                      </m:r>
+                      <m:r>
+                        <a:rPr kumimoji="1" lang="en-US" altLang="ja-JP" sz="3200" b="0" i="1" smtClean="0">
+                          <a:latin typeface="Cambria Math" panose="02040503050406030204" pitchFamily="18" charset="0"/>
+                        </a:rPr>
+                        <m:t>𝜃</m:t>
+                      </m:r>
+                      <m:r>
+                        <a:rPr kumimoji="1" lang="en-US" altLang="ja-JP" sz="3200" b="0" i="1" smtClean="0">
+                          <a:latin typeface="Cambria Math" panose="02040503050406030204" pitchFamily="18" charset="0"/>
+                        </a:rPr>
+                        <m:t>+</m:t>
+                      </m:r>
+                      <m:r>
+                        <a:rPr kumimoji="1" lang="en-US" altLang="ja-JP" sz="3200" b="0" i="1" smtClean="0">
+                          <a:latin typeface="Cambria Math" panose="02040503050406030204" pitchFamily="18" charset="0"/>
+                        </a:rPr>
+                        <m:t>h</m:t>
+                      </m:r>
+                      <m:r>
+                        <a:rPr kumimoji="1" lang="en-US" altLang="ja-JP" sz="3200" b="0" i="1" smtClean="0">
+                          <a:latin typeface="Cambria Math" panose="02040503050406030204" pitchFamily="18" charset="0"/>
+                        </a:rPr>
+                        <m:t>)</m:t>
+                      </m:r>
+                    </m:oMath>
+                  </m:oMathPara>
+                </a14:m>
+                <a:endParaRPr kumimoji="1" lang="ja-JP" altLang="en-US" sz="3200"/>
+              </a:p>
+            </p:txBody>
+          </p:sp>
+        </mc:Choice>
+        <mc:Fallback>
+          <p:sp>
+            <p:nvSpPr>
+              <p:cNvPr id="4" name="テキスト ボックス 3">
+                <a:extLst>
+                  <a:ext uri="{FF2B5EF4-FFF2-40B4-BE49-F238E27FC236}">
+                    <a16:creationId xmlns:a16="http://schemas.microsoft.com/office/drawing/2014/main" id="{A287105C-D45F-7A94-95FD-9F394BC295A6}"/>
+                  </a:ext>
+                </a:extLst>
+              </p:cNvPr>
+              <p:cNvSpPr txBox="1">
+                <a:spLocks noRot="1" noChangeAspect="1" noMove="1" noResize="1" noEditPoints="1" noAdjustHandles="1" noChangeArrowheads="1" noChangeShapeType="1" noTextEdit="1"/>
+              </p:cNvSpPr>
+              <p:nvPr/>
+            </p:nvSpPr>
+            <p:spPr>
+              <a:xfrm>
+                <a:off x="2267744" y="1916832"/>
+                <a:ext cx="3872470" cy="492443"/>
+              </a:xfrm>
+              <a:prstGeom prst="rect">
+                <a:avLst/>
+              </a:prstGeom>
+              <a:blipFill>
+                <a:blip r:embed="rId2"/>
+                <a:stretch>
+                  <a:fillRect/>
+                </a:stretch>
+              </a:blipFill>
+            </p:spPr>
+            <p:txBody>
+              <a:bodyPr/>
+              <a:lstStyle/>
+              <a:p>
+                <a:r>
+                  <a:rPr lang="ja-JP" altLang="en-US">
+                    <a:noFill/>
+                  </a:rPr>
+                  <a:t> </a:t>
+                </a:r>
+              </a:p>
+            </p:txBody>
+          </p:sp>
+        </mc:Fallback>
+      </mc:AlternateContent>
+      <p:sp>
+        <p:nvSpPr>
+          <p:cNvPr id="5" name="テキスト ボックス 4">
+            <a:extLst>
+              <a:ext uri="{FF2B5EF4-FFF2-40B4-BE49-F238E27FC236}">
+                <a16:creationId xmlns:a16="http://schemas.microsoft.com/office/drawing/2014/main" id="{E0E77538-E099-ED7A-57C8-F58EA18772F6}"/>
+              </a:ext>
+            </a:extLst>
+          </p:cNvPr>
+          <p:cNvSpPr txBox="1"/>
+          <p:nvPr/>
+        </p:nvSpPr>
+        <p:spPr>
+          <a:xfrm>
+            <a:off x="395536" y="2636912"/>
+            <a:ext cx="4134465" cy="523220"/>
+          </a:xfrm>
+          <a:prstGeom prst="rect">
+            <a:avLst/>
+          </a:prstGeom>
+          <a:noFill/>
+        </p:spPr>
+        <p:txBody>
+          <a:bodyPr wrap="none" rtlCol="0">
+            <a:spAutoFit/>
+          </a:bodyPr>
+          <a:lstStyle/>
+          <a:p>
+            <a:r>
+              <a:rPr kumimoji="1" lang="ja-JP" altLang="en-US" sz="2800"/>
+              <a:t>右辺をテイラー展開する</a:t>
+            </a:r>
+          </a:p>
+        </p:txBody>
+      </p:sp>
+      <mc:AlternateContent xmlns:mc="http://schemas.openxmlformats.org/markup-compatibility/2006">
+        <mc:Choice xmlns:a14="http://schemas.microsoft.com/office/drawing/2010/main" Requires="a14">
+          <p:sp>
+            <p:nvSpPr>
+              <p:cNvPr id="6" name="テキスト ボックス 5">
+                <a:extLst>
+                  <a:ext uri="{FF2B5EF4-FFF2-40B4-BE49-F238E27FC236}">
+                    <a16:creationId xmlns:a16="http://schemas.microsoft.com/office/drawing/2014/main" id="{2B1ABC99-407B-EF8C-83A8-276E4D67C433}"/>
+                  </a:ext>
+                </a:extLst>
+              </p:cNvPr>
+              <p:cNvSpPr txBox="1"/>
+              <p:nvPr/>
+            </p:nvSpPr>
+            <p:spPr>
+              <a:xfrm>
+                <a:off x="899592" y="3212976"/>
+                <a:ext cx="7569508" cy="984950"/>
+              </a:xfrm>
+              <a:prstGeom prst="rect">
+                <a:avLst/>
+              </a:prstGeom>
+              <a:noFill/>
+            </p:spPr>
+            <p:txBody>
+              <a:bodyPr wrap="none" lIns="0" tIns="0" rIns="0" bIns="0" rtlCol="0">
+                <a:spAutoFit/>
+              </a:bodyPr>
+              <a:lstStyle/>
+              <a:p>
+                <a:pPr/>
+                <a14:m>
+                  <m:oMathPara xmlns:m="http://schemas.openxmlformats.org/officeDocument/2006/math">
+                    <m:oMathParaPr>
+                      <m:jc m:val="centerGroup"/>
+                    </m:oMathParaPr>
+                    <m:oMath xmlns:m="http://schemas.openxmlformats.org/officeDocument/2006/math">
+                      <m:r>
+                        <a:rPr kumimoji="1" lang="en-US" altLang="ja-JP" sz="3200" b="0" i="1" smtClean="0">
+                          <a:latin typeface="Cambria Math" panose="02040503050406030204" pitchFamily="18" charset="0"/>
+                        </a:rPr>
+                        <m:t>𝑣</m:t>
+                      </m:r>
+                      <m:d>
+                        <m:dPr>
+                          <m:ctrlPr>
+                            <a:rPr kumimoji="1" lang="en-US" altLang="ja-JP" sz="3200" b="0" i="1" smtClean="0">
+                              <a:latin typeface="Cambria Math" panose="02040503050406030204" pitchFamily="18" charset="0"/>
+                            </a:rPr>
+                          </m:ctrlPr>
+                        </m:dPr>
+                        <m:e>
+                          <m:r>
+                            <a:rPr kumimoji="1" lang="en-US" altLang="ja-JP" sz="3200" b="0" i="1" smtClean="0">
+                              <a:latin typeface="Cambria Math" panose="02040503050406030204" pitchFamily="18" charset="0"/>
+                            </a:rPr>
+                            <m:t>𝜃</m:t>
+                          </m:r>
+                          <m:r>
+                            <a:rPr kumimoji="1" lang="en-US" altLang="ja-JP" sz="3200" b="0" i="1" smtClean="0">
+                              <a:latin typeface="Cambria Math" panose="02040503050406030204" pitchFamily="18" charset="0"/>
+                            </a:rPr>
+                            <m:t>+</m:t>
+                          </m:r>
+                          <m:r>
+                            <a:rPr kumimoji="1" lang="en-US" altLang="ja-JP" sz="3200" b="0" i="1" smtClean="0">
+                              <a:latin typeface="Cambria Math" panose="02040503050406030204" pitchFamily="18" charset="0"/>
+                            </a:rPr>
+                            <m:t>h</m:t>
+                          </m:r>
+                        </m:e>
+                      </m:d>
+                      <m:r>
+                        <a:rPr kumimoji="1" lang="en-US" altLang="ja-JP" sz="3200" b="0" i="1" smtClean="0">
+                          <a:latin typeface="Cambria Math" panose="02040503050406030204" pitchFamily="18" charset="0"/>
+                        </a:rPr>
+                        <m:t>=</m:t>
+                      </m:r>
+                      <m:r>
+                        <a:rPr kumimoji="1" lang="en-US" altLang="ja-JP" sz="3200" b="0" i="1" smtClean="0">
+                          <a:latin typeface="Cambria Math" panose="02040503050406030204" pitchFamily="18" charset="0"/>
+                        </a:rPr>
+                        <m:t>𝑣</m:t>
+                      </m:r>
+                      <m:d>
+                        <m:dPr>
+                          <m:ctrlPr>
+                            <a:rPr kumimoji="1" lang="en-US" altLang="ja-JP" sz="3200" b="0" i="1" smtClean="0">
+                              <a:latin typeface="Cambria Math" panose="02040503050406030204" pitchFamily="18" charset="0"/>
+                            </a:rPr>
+                          </m:ctrlPr>
+                        </m:dPr>
+                        <m:e>
+                          <m:r>
+                            <a:rPr kumimoji="1" lang="en-US" altLang="ja-JP" sz="3200" b="0" i="1" smtClean="0">
+                              <a:latin typeface="Cambria Math" panose="02040503050406030204" pitchFamily="18" charset="0"/>
+                            </a:rPr>
+                            <m:t>𝜃</m:t>
+                          </m:r>
+                        </m:e>
+                      </m:d>
+                      <m:r>
+                        <a:rPr kumimoji="1" lang="en-US" altLang="ja-JP" sz="3200" b="0" i="1" smtClean="0">
+                          <a:latin typeface="Cambria Math" panose="02040503050406030204" pitchFamily="18" charset="0"/>
+                        </a:rPr>
+                        <m:t>+</m:t>
+                      </m:r>
+                      <m:sSup>
+                        <m:sSupPr>
+                          <m:ctrlPr>
+                            <a:rPr kumimoji="1" lang="en-US" altLang="ja-JP" sz="3200" b="0" i="1" smtClean="0">
+                              <a:latin typeface="Cambria Math" panose="02040503050406030204" pitchFamily="18" charset="0"/>
+                            </a:rPr>
+                          </m:ctrlPr>
+                        </m:sSupPr>
+                        <m:e>
+                          <m:r>
+                            <a:rPr kumimoji="1" lang="en-US" altLang="ja-JP" sz="3200" b="0" i="1" smtClean="0">
+                              <a:latin typeface="Cambria Math" panose="02040503050406030204" pitchFamily="18" charset="0"/>
+                            </a:rPr>
+                            <m:t>𝑣</m:t>
+                          </m:r>
+                        </m:e>
+                        <m:sup>
+                          <m:r>
+                            <a:rPr kumimoji="1" lang="en-US" altLang="ja-JP" sz="3200" b="0" i="1" smtClean="0">
+                              <a:latin typeface="Cambria Math" panose="02040503050406030204" pitchFamily="18" charset="0"/>
+                            </a:rPr>
+                            <m:t>′</m:t>
+                          </m:r>
+                        </m:sup>
+                      </m:sSup>
+                      <m:d>
+                        <m:dPr>
+                          <m:ctrlPr>
+                            <a:rPr kumimoji="1" lang="en-US" altLang="ja-JP" sz="3200" b="0" i="1" smtClean="0">
+                              <a:latin typeface="Cambria Math" panose="02040503050406030204" pitchFamily="18" charset="0"/>
+                            </a:rPr>
+                          </m:ctrlPr>
+                        </m:dPr>
+                        <m:e>
+                          <m:r>
+                            <a:rPr kumimoji="1" lang="en-US" altLang="ja-JP" sz="3200" b="0" i="1" smtClean="0">
+                              <a:latin typeface="Cambria Math" panose="02040503050406030204" pitchFamily="18" charset="0"/>
+                            </a:rPr>
+                            <m:t>𝜃</m:t>
+                          </m:r>
+                        </m:e>
+                      </m:d>
+                      <m:r>
+                        <a:rPr kumimoji="1" lang="en-US" altLang="ja-JP" sz="3200" b="0" i="1" smtClean="0">
+                          <a:latin typeface="Cambria Math" panose="02040503050406030204" pitchFamily="18" charset="0"/>
+                        </a:rPr>
+                        <m:t>h</m:t>
+                      </m:r>
+                      <m:r>
+                        <a:rPr kumimoji="1" lang="en-US" altLang="ja-JP" sz="3200" b="0" i="1" smtClean="0">
+                          <a:latin typeface="Cambria Math" panose="02040503050406030204" pitchFamily="18" charset="0"/>
+                        </a:rPr>
+                        <m:t>+</m:t>
+                      </m:r>
+                      <m:sSup>
+                        <m:sSupPr>
+                          <m:ctrlPr>
+                            <a:rPr lang="en-US" altLang="ja-JP" sz="3200" i="1">
+                              <a:latin typeface="Cambria Math" panose="02040503050406030204" pitchFamily="18" charset="0"/>
+                            </a:rPr>
+                          </m:ctrlPr>
+                        </m:sSupPr>
+                        <m:e>
+                          <m:r>
+                            <a:rPr lang="en-US" altLang="ja-JP" sz="3200" i="1">
+                              <a:latin typeface="Cambria Math" panose="02040503050406030204" pitchFamily="18" charset="0"/>
+                            </a:rPr>
+                            <m:t>𝑣</m:t>
+                          </m:r>
+                        </m:e>
+                        <m:sup>
+                          <m:r>
+                            <a:rPr lang="en-US" altLang="ja-JP" sz="3200" i="1">
+                              <a:latin typeface="Cambria Math" panose="02040503050406030204" pitchFamily="18" charset="0"/>
+                            </a:rPr>
+                            <m:t>′′</m:t>
+                          </m:r>
+                        </m:sup>
+                      </m:sSup>
+                      <m:d>
+                        <m:dPr>
+                          <m:ctrlPr>
+                            <a:rPr lang="en-US" altLang="ja-JP" sz="3200" i="1">
+                              <a:latin typeface="Cambria Math" panose="02040503050406030204" pitchFamily="18" charset="0"/>
+                            </a:rPr>
+                          </m:ctrlPr>
+                        </m:dPr>
+                        <m:e>
+                          <m:r>
+                            <a:rPr lang="en-US" altLang="ja-JP" sz="3200" i="1">
+                              <a:latin typeface="Cambria Math" panose="02040503050406030204" pitchFamily="18" charset="0"/>
+                            </a:rPr>
+                            <m:t>𝜃</m:t>
+                          </m:r>
+                        </m:e>
+                      </m:d>
+                      <m:f>
+                        <m:fPr>
+                          <m:ctrlPr>
+                            <a:rPr kumimoji="1" lang="en-US" altLang="ja-JP" sz="3200" b="0" i="1" smtClean="0">
+                              <a:latin typeface="Cambria Math" panose="02040503050406030204" pitchFamily="18" charset="0"/>
+                            </a:rPr>
+                          </m:ctrlPr>
+                        </m:fPr>
+                        <m:num>
+                          <m:sSup>
+                            <m:sSupPr>
+                              <m:ctrlPr>
+                                <a:rPr kumimoji="1" lang="en-US" altLang="ja-JP" sz="3200" b="0" i="1" smtClean="0">
+                                  <a:latin typeface="Cambria Math" panose="02040503050406030204" pitchFamily="18" charset="0"/>
+                                </a:rPr>
+                              </m:ctrlPr>
+                            </m:sSupPr>
+                            <m:e>
+                              <m:r>
+                                <a:rPr kumimoji="1" lang="en-US" altLang="ja-JP" sz="3200" b="0" i="1" smtClean="0">
+                                  <a:latin typeface="Cambria Math" panose="02040503050406030204" pitchFamily="18" charset="0"/>
+                                </a:rPr>
+                                <m:t>h</m:t>
+                              </m:r>
+                            </m:e>
+                            <m:sup>
+                              <m:r>
+                                <a:rPr kumimoji="1" lang="en-US" altLang="ja-JP" sz="3200" b="0" i="1" smtClean="0">
+                                  <a:latin typeface="Cambria Math" panose="02040503050406030204" pitchFamily="18" charset="0"/>
+                                </a:rPr>
+                                <m:t>2</m:t>
+                              </m:r>
+                            </m:sup>
+                          </m:sSup>
+                        </m:num>
+                        <m:den>
+                          <m:r>
+                            <a:rPr kumimoji="1" lang="en-US" altLang="ja-JP" sz="3200" b="0" i="1" smtClean="0">
+                              <a:latin typeface="Cambria Math" panose="02040503050406030204" pitchFamily="18" charset="0"/>
+                            </a:rPr>
+                            <m:t>2</m:t>
+                          </m:r>
+                        </m:den>
+                      </m:f>
+                      <m:r>
+                        <a:rPr kumimoji="1" lang="en-US" altLang="ja-JP" sz="3200" b="0" i="1" smtClean="0">
+                          <a:latin typeface="Cambria Math" panose="02040503050406030204" pitchFamily="18" charset="0"/>
+                        </a:rPr>
+                        <m:t>+⋯</m:t>
+                      </m:r>
+                    </m:oMath>
+                  </m:oMathPara>
+                </a14:m>
+                <a:endParaRPr kumimoji="1" lang="ja-JP" altLang="en-US" sz="3200"/>
+              </a:p>
+            </p:txBody>
+          </p:sp>
+        </mc:Choice>
+        <mc:Fallback>
+          <p:sp>
+            <p:nvSpPr>
+              <p:cNvPr id="6" name="テキスト ボックス 5">
+                <a:extLst>
+                  <a:ext uri="{FF2B5EF4-FFF2-40B4-BE49-F238E27FC236}">
+                    <a16:creationId xmlns:a16="http://schemas.microsoft.com/office/drawing/2014/main" id="{2B1ABC99-407B-EF8C-83A8-276E4D67C433}"/>
+                  </a:ext>
+                </a:extLst>
+              </p:cNvPr>
+              <p:cNvSpPr txBox="1">
+                <a:spLocks noRot="1" noChangeAspect="1" noMove="1" noResize="1" noEditPoints="1" noAdjustHandles="1" noChangeArrowheads="1" noChangeShapeType="1" noTextEdit="1"/>
+              </p:cNvSpPr>
+              <p:nvPr/>
+            </p:nvSpPr>
+            <p:spPr>
+              <a:xfrm>
+                <a:off x="899592" y="3212976"/>
+                <a:ext cx="7569508" cy="984950"/>
+              </a:xfrm>
+              <a:prstGeom prst="rect">
+                <a:avLst/>
+              </a:prstGeom>
+              <a:blipFill>
+                <a:blip r:embed="rId3"/>
+                <a:stretch>
+                  <a:fillRect/>
+                </a:stretch>
+              </a:blipFill>
+            </p:spPr>
+            <p:txBody>
+              <a:bodyPr/>
+              <a:lstStyle/>
+              <a:p>
+                <a:r>
+                  <a:rPr lang="ja-JP" altLang="en-US">
+                    <a:noFill/>
+                  </a:rPr>
+                  <a:t> </a:t>
+                </a:r>
+              </a:p>
+            </p:txBody>
+          </p:sp>
+        </mc:Fallback>
+      </mc:AlternateContent>
+      <mc:AlternateContent xmlns:mc="http://schemas.openxmlformats.org/markup-compatibility/2006">
+        <mc:Choice xmlns:a14="http://schemas.microsoft.com/office/drawing/2010/main" Requires="a14">
+          <p:sp>
+            <p:nvSpPr>
+              <p:cNvPr id="7" name="テキスト ボックス 6">
+                <a:extLst>
+                  <a:ext uri="{FF2B5EF4-FFF2-40B4-BE49-F238E27FC236}">
+                    <a16:creationId xmlns:a16="http://schemas.microsoft.com/office/drawing/2014/main" id="{E3C4175B-C476-DB21-DE6C-321F32F7DA84}"/>
+                  </a:ext>
+                </a:extLst>
+              </p:cNvPr>
+              <p:cNvSpPr txBox="1"/>
+              <p:nvPr/>
+            </p:nvSpPr>
+            <p:spPr>
+              <a:xfrm>
+                <a:off x="2627784" y="4077072"/>
+                <a:ext cx="5743304" cy="988156"/>
+              </a:xfrm>
+              <a:prstGeom prst="rect">
+                <a:avLst/>
+              </a:prstGeom>
+              <a:noFill/>
+            </p:spPr>
+            <p:txBody>
+              <a:bodyPr wrap="none" lIns="0" tIns="0" rIns="0" bIns="0" rtlCol="0">
+                <a:spAutoFit/>
+              </a:bodyPr>
+              <a:lstStyle/>
+              <a:p>
+                <a:pPr/>
+                <a14:m>
+                  <m:oMathPara xmlns:m="http://schemas.openxmlformats.org/officeDocument/2006/math">
+                    <m:oMathParaPr>
+                      <m:jc m:val="centerGroup"/>
+                    </m:oMathParaPr>
+                    <m:oMath xmlns:m="http://schemas.openxmlformats.org/officeDocument/2006/math">
+                      <m:r>
+                        <a:rPr kumimoji="1" lang="en-US" altLang="ja-JP" sz="3200" b="0" i="1" smtClean="0">
+                          <a:latin typeface="Cambria Math" panose="02040503050406030204" pitchFamily="18" charset="0"/>
+                        </a:rPr>
+                        <m:t>=</m:t>
+                      </m:r>
+                      <m:r>
+                        <a:rPr kumimoji="1" lang="en-US" altLang="ja-JP" sz="3200" b="0" i="1" smtClean="0">
+                          <a:latin typeface="Cambria Math" panose="02040503050406030204" pitchFamily="18" charset="0"/>
+                        </a:rPr>
+                        <m:t>𝑣</m:t>
+                      </m:r>
+                      <m:d>
+                        <m:dPr>
+                          <m:ctrlPr>
+                            <a:rPr kumimoji="1" lang="en-US" altLang="ja-JP" sz="3200" b="0" i="1" smtClean="0">
+                              <a:latin typeface="Cambria Math" panose="02040503050406030204" pitchFamily="18" charset="0"/>
+                            </a:rPr>
+                          </m:ctrlPr>
+                        </m:dPr>
+                        <m:e>
+                          <m:r>
+                            <a:rPr kumimoji="1" lang="en-US" altLang="ja-JP" sz="3200" b="0" i="1" smtClean="0">
+                              <a:latin typeface="Cambria Math" panose="02040503050406030204" pitchFamily="18" charset="0"/>
+                            </a:rPr>
+                            <m:t>𝜃</m:t>
+                          </m:r>
+                        </m:e>
+                      </m:d>
+                      <m:r>
+                        <a:rPr kumimoji="1" lang="en-US" altLang="ja-JP" sz="3200" b="0" i="1" smtClean="0">
+                          <a:latin typeface="Cambria Math" panose="02040503050406030204" pitchFamily="18" charset="0"/>
+                        </a:rPr>
+                        <m:t>+</m:t>
+                      </m:r>
+                      <m:r>
+                        <a:rPr kumimoji="1" lang="en-US" altLang="ja-JP" sz="3200" b="0" i="1" smtClean="0">
+                          <a:latin typeface="Cambria Math" panose="02040503050406030204" pitchFamily="18" charset="0"/>
+                        </a:rPr>
+                        <m:t>h</m:t>
+                      </m:r>
+                      <m:f>
+                        <m:fPr>
+                          <m:ctrlPr>
+                            <a:rPr kumimoji="1" lang="en-US" altLang="ja-JP" sz="3200" b="0" i="1" smtClean="0">
+                              <a:latin typeface="Cambria Math" panose="02040503050406030204" pitchFamily="18" charset="0"/>
+                            </a:rPr>
+                          </m:ctrlPr>
+                        </m:fPr>
+                        <m:num>
+                          <m:r>
+                            <a:rPr kumimoji="1" lang="en-US" altLang="ja-JP" sz="3200" b="0" i="1" smtClean="0">
+                              <a:latin typeface="Cambria Math" panose="02040503050406030204" pitchFamily="18" charset="0"/>
+                            </a:rPr>
+                            <m:t>𝑑</m:t>
+                          </m:r>
+                        </m:num>
+                        <m:den>
+                          <m:r>
+                            <a:rPr kumimoji="1" lang="en-US" altLang="ja-JP" sz="3200" b="0" i="1" smtClean="0">
+                              <a:latin typeface="Cambria Math" panose="02040503050406030204" pitchFamily="18" charset="0"/>
+                            </a:rPr>
+                            <m:t>𝑑</m:t>
+                          </m:r>
+                          <m:r>
+                            <a:rPr kumimoji="1" lang="en-US" altLang="ja-JP" sz="3200" b="0" i="1" smtClean="0">
+                              <a:latin typeface="Cambria Math" panose="02040503050406030204" pitchFamily="18" charset="0"/>
+                            </a:rPr>
+                            <m:t>𝜃</m:t>
+                          </m:r>
+                        </m:den>
+                      </m:f>
+                      <m:r>
+                        <a:rPr kumimoji="1" lang="en-US" altLang="ja-JP" sz="3200" b="0" i="1" smtClean="0">
+                          <a:latin typeface="Cambria Math" panose="02040503050406030204" pitchFamily="18" charset="0"/>
+                        </a:rPr>
+                        <m:t>𝑣</m:t>
+                      </m:r>
+                      <m:r>
+                        <a:rPr kumimoji="1" lang="en-US" altLang="ja-JP" sz="3200" b="0" i="1" smtClean="0">
+                          <a:latin typeface="Cambria Math" panose="02040503050406030204" pitchFamily="18" charset="0"/>
+                        </a:rPr>
+                        <m:t>+</m:t>
+                      </m:r>
+                      <m:f>
+                        <m:fPr>
+                          <m:ctrlPr>
+                            <a:rPr kumimoji="1" lang="en-US" altLang="ja-JP" sz="3200" b="0" i="1" smtClean="0">
+                              <a:latin typeface="Cambria Math" panose="02040503050406030204" pitchFamily="18" charset="0"/>
+                            </a:rPr>
+                          </m:ctrlPr>
+                        </m:fPr>
+                        <m:num>
+                          <m:sSup>
+                            <m:sSupPr>
+                              <m:ctrlPr>
+                                <a:rPr kumimoji="1" lang="en-US" altLang="ja-JP" sz="3200" b="0" i="1" smtClean="0">
+                                  <a:latin typeface="Cambria Math" panose="02040503050406030204" pitchFamily="18" charset="0"/>
+                                </a:rPr>
+                              </m:ctrlPr>
+                            </m:sSupPr>
+                            <m:e>
+                              <m:r>
+                                <a:rPr kumimoji="1" lang="en-US" altLang="ja-JP" sz="3200" b="0" i="1" smtClean="0">
+                                  <a:latin typeface="Cambria Math" panose="02040503050406030204" pitchFamily="18" charset="0"/>
+                                </a:rPr>
+                                <m:t>h</m:t>
+                              </m:r>
+                            </m:e>
+                            <m:sup>
+                              <m:r>
+                                <a:rPr kumimoji="1" lang="en-US" altLang="ja-JP" sz="3200" b="0" i="1" smtClean="0">
+                                  <a:latin typeface="Cambria Math" panose="02040503050406030204" pitchFamily="18" charset="0"/>
+                                </a:rPr>
+                                <m:t>2</m:t>
+                              </m:r>
+                            </m:sup>
+                          </m:sSup>
+                        </m:num>
+                        <m:den>
+                          <m:r>
+                            <a:rPr kumimoji="1" lang="en-US" altLang="ja-JP" sz="3200" b="0" i="1" smtClean="0">
+                              <a:latin typeface="Cambria Math" panose="02040503050406030204" pitchFamily="18" charset="0"/>
+                            </a:rPr>
+                            <m:t>2</m:t>
+                          </m:r>
+                        </m:den>
+                      </m:f>
+                      <m:f>
+                        <m:fPr>
+                          <m:ctrlPr>
+                            <a:rPr kumimoji="1" lang="en-US" altLang="ja-JP" sz="3200" b="0" i="1" smtClean="0">
+                              <a:latin typeface="Cambria Math" panose="02040503050406030204" pitchFamily="18" charset="0"/>
+                            </a:rPr>
+                          </m:ctrlPr>
+                        </m:fPr>
+                        <m:num>
+                          <m:sSup>
+                            <m:sSupPr>
+                              <m:ctrlPr>
+                                <a:rPr kumimoji="1" lang="en-US" altLang="ja-JP" sz="3200" b="0" i="1" smtClean="0">
+                                  <a:latin typeface="Cambria Math" panose="02040503050406030204" pitchFamily="18" charset="0"/>
+                                </a:rPr>
+                              </m:ctrlPr>
+                            </m:sSupPr>
+                            <m:e>
+                              <m:r>
+                                <a:rPr kumimoji="1" lang="en-US" altLang="ja-JP" sz="3200" b="0" i="1" smtClean="0">
+                                  <a:latin typeface="Cambria Math" panose="02040503050406030204" pitchFamily="18" charset="0"/>
+                                </a:rPr>
+                                <m:t>𝑑</m:t>
+                              </m:r>
+                            </m:e>
+                            <m:sup>
+                              <m:r>
+                                <a:rPr kumimoji="1" lang="en-US" altLang="ja-JP" sz="3200" b="0" i="1" smtClean="0">
+                                  <a:latin typeface="Cambria Math" panose="02040503050406030204" pitchFamily="18" charset="0"/>
+                                </a:rPr>
+                                <m:t>2</m:t>
+                              </m:r>
+                            </m:sup>
+                          </m:sSup>
+                        </m:num>
+                        <m:den>
+                          <m:r>
+                            <a:rPr kumimoji="1" lang="en-US" altLang="ja-JP" sz="3200" b="0" i="1" smtClean="0">
+                              <a:latin typeface="Cambria Math" panose="02040503050406030204" pitchFamily="18" charset="0"/>
+                            </a:rPr>
+                            <m:t>𝑑</m:t>
+                          </m:r>
+                          <m:sSup>
+                            <m:sSupPr>
+                              <m:ctrlPr>
+                                <a:rPr kumimoji="1" lang="en-US" altLang="ja-JP" sz="3200" b="0" i="1" smtClean="0">
+                                  <a:latin typeface="Cambria Math" panose="02040503050406030204" pitchFamily="18" charset="0"/>
+                                </a:rPr>
+                              </m:ctrlPr>
+                            </m:sSupPr>
+                            <m:e>
+                              <m:r>
+                                <a:rPr kumimoji="1" lang="en-US" altLang="ja-JP" sz="3200" b="0" i="1" smtClean="0">
+                                  <a:latin typeface="Cambria Math" panose="02040503050406030204" pitchFamily="18" charset="0"/>
+                                </a:rPr>
+                                <m:t>𝜃</m:t>
+                              </m:r>
+                            </m:e>
+                            <m:sup>
+                              <m:r>
+                                <a:rPr kumimoji="1" lang="en-US" altLang="ja-JP" sz="3200" b="0" i="1" smtClean="0">
+                                  <a:latin typeface="Cambria Math" panose="02040503050406030204" pitchFamily="18" charset="0"/>
+                                </a:rPr>
+                                <m:t>2</m:t>
+                              </m:r>
+                            </m:sup>
+                          </m:sSup>
+                        </m:den>
+                      </m:f>
+                      <m:r>
+                        <a:rPr kumimoji="1" lang="en-US" altLang="ja-JP" sz="3200" b="0" i="1" smtClean="0">
+                          <a:latin typeface="Cambria Math" panose="02040503050406030204" pitchFamily="18" charset="0"/>
+                        </a:rPr>
+                        <m:t>𝑣</m:t>
+                      </m:r>
+                      <m:r>
+                        <a:rPr kumimoji="1" lang="en-US" altLang="ja-JP" sz="3200" b="0" i="1" smtClean="0">
+                          <a:latin typeface="Cambria Math" panose="02040503050406030204" pitchFamily="18" charset="0"/>
+                        </a:rPr>
+                        <m:t>+⋯</m:t>
+                      </m:r>
+                    </m:oMath>
+                  </m:oMathPara>
+                </a14:m>
+                <a:endParaRPr kumimoji="1" lang="ja-JP" altLang="en-US" sz="3200"/>
+              </a:p>
+            </p:txBody>
+          </p:sp>
+        </mc:Choice>
+        <mc:Fallback>
+          <p:sp>
+            <p:nvSpPr>
+              <p:cNvPr id="7" name="テキスト ボックス 6">
+                <a:extLst>
+                  <a:ext uri="{FF2B5EF4-FFF2-40B4-BE49-F238E27FC236}">
+                    <a16:creationId xmlns:a16="http://schemas.microsoft.com/office/drawing/2014/main" id="{E3C4175B-C476-DB21-DE6C-321F32F7DA84}"/>
+                  </a:ext>
+                </a:extLst>
+              </p:cNvPr>
+              <p:cNvSpPr txBox="1">
+                <a:spLocks noRot="1" noChangeAspect="1" noMove="1" noResize="1" noEditPoints="1" noAdjustHandles="1" noChangeArrowheads="1" noChangeShapeType="1" noTextEdit="1"/>
+              </p:cNvSpPr>
+              <p:nvPr/>
+            </p:nvSpPr>
+            <p:spPr>
+              <a:xfrm>
+                <a:off x="2627784" y="4077072"/>
+                <a:ext cx="5743304" cy="988156"/>
+              </a:xfrm>
+              <a:prstGeom prst="rect">
+                <a:avLst/>
+              </a:prstGeom>
+              <a:blipFill>
+                <a:blip r:embed="rId4"/>
+                <a:stretch>
+                  <a:fillRect/>
+                </a:stretch>
+              </a:blipFill>
+            </p:spPr>
+            <p:txBody>
+              <a:bodyPr/>
+              <a:lstStyle/>
+              <a:p>
+                <a:r>
+                  <a:rPr lang="ja-JP" altLang="en-US">
+                    <a:noFill/>
+                  </a:rPr>
+                  <a:t> </a:t>
+                </a:r>
+              </a:p>
+            </p:txBody>
+          </p:sp>
+        </mc:Fallback>
+      </mc:AlternateContent>
+      <mc:AlternateContent xmlns:mc="http://schemas.openxmlformats.org/markup-compatibility/2006">
+        <mc:Choice xmlns:a14="http://schemas.microsoft.com/office/drawing/2010/main" Requires="a14">
+          <p:sp>
+            <p:nvSpPr>
+              <p:cNvPr id="8" name="テキスト ボックス 7">
+                <a:extLst>
+                  <a:ext uri="{FF2B5EF4-FFF2-40B4-BE49-F238E27FC236}">
+                    <a16:creationId xmlns:a16="http://schemas.microsoft.com/office/drawing/2014/main" id="{3314985F-C5DD-5666-20C4-1C4D352707DB}"/>
+                  </a:ext>
+                </a:extLst>
+              </p:cNvPr>
+              <p:cNvSpPr txBox="1"/>
+              <p:nvPr/>
+            </p:nvSpPr>
+            <p:spPr>
+              <a:xfrm>
+                <a:off x="2699792" y="5085184"/>
+                <a:ext cx="3279616" cy="1343188"/>
+              </a:xfrm>
+              <a:prstGeom prst="rect">
+                <a:avLst/>
+              </a:prstGeom>
+              <a:noFill/>
+            </p:spPr>
+            <p:txBody>
+              <a:bodyPr wrap="none" lIns="0" tIns="0" rIns="0" bIns="0" rtlCol="0">
+                <a:spAutoFit/>
+              </a:bodyPr>
+              <a:lstStyle/>
+              <a:p>
+                <a:pPr/>
+                <a14:m>
+                  <m:oMathPara xmlns:m="http://schemas.openxmlformats.org/officeDocument/2006/math">
+                    <m:oMathParaPr>
+                      <m:jc m:val="centerGroup"/>
+                    </m:oMathParaPr>
+                    <m:oMath xmlns:m="http://schemas.openxmlformats.org/officeDocument/2006/math">
+                      <m:r>
+                        <a:rPr kumimoji="1" lang="en-US" altLang="ja-JP" sz="3200" b="0" i="1" smtClean="0">
+                          <a:latin typeface="Cambria Math" panose="02040503050406030204" pitchFamily="18" charset="0"/>
+                        </a:rPr>
+                        <m:t>=</m:t>
+                      </m:r>
+                      <m:nary>
+                        <m:naryPr>
+                          <m:chr m:val="∑"/>
+                          <m:ctrlPr>
+                            <a:rPr kumimoji="1" lang="en-US" altLang="ja-JP" sz="3200" b="0" i="1" smtClean="0">
+                              <a:latin typeface="Cambria Math" panose="02040503050406030204" pitchFamily="18" charset="0"/>
+                            </a:rPr>
+                          </m:ctrlPr>
+                        </m:naryPr>
+                        <m:sub>
+                          <m:r>
+                            <a:rPr kumimoji="1" lang="en-US" altLang="ja-JP" sz="3200" b="0" i="1" smtClean="0">
+                              <a:latin typeface="Cambria Math" panose="02040503050406030204" pitchFamily="18" charset="0"/>
+                            </a:rPr>
+                            <m:t>𝑘</m:t>
+                          </m:r>
+                          <m:r>
+                            <a:rPr kumimoji="1" lang="en-US" altLang="ja-JP" sz="3200" b="0" i="1" smtClean="0">
+                              <a:latin typeface="Cambria Math" panose="02040503050406030204" pitchFamily="18" charset="0"/>
+                            </a:rPr>
+                            <m:t>=0</m:t>
+                          </m:r>
+                        </m:sub>
+                        <m:sup>
+                          <m:r>
+                            <a:rPr kumimoji="1" lang="en-US" altLang="ja-JP" sz="3200" b="0" i="1" smtClean="0">
+                              <a:latin typeface="Cambria Math" panose="02040503050406030204" pitchFamily="18" charset="0"/>
+                            </a:rPr>
+                            <m:t>∞</m:t>
+                          </m:r>
+                        </m:sup>
+                        <m:e>
+                          <m:f>
+                            <m:fPr>
+                              <m:ctrlPr>
+                                <a:rPr kumimoji="1" lang="en-US" altLang="ja-JP" sz="3200" b="0" i="1" smtClean="0">
+                                  <a:latin typeface="Cambria Math" panose="02040503050406030204" pitchFamily="18" charset="0"/>
+                                </a:rPr>
+                              </m:ctrlPr>
+                            </m:fPr>
+                            <m:num>
+                              <m:sSup>
+                                <m:sSupPr>
+                                  <m:ctrlPr>
+                                    <a:rPr kumimoji="1" lang="en-US" altLang="ja-JP" sz="3200" b="0" i="1" smtClean="0">
+                                      <a:latin typeface="Cambria Math" panose="02040503050406030204" pitchFamily="18" charset="0"/>
+                                    </a:rPr>
+                                  </m:ctrlPr>
+                                </m:sSupPr>
+                                <m:e>
+                                  <m:r>
+                                    <a:rPr kumimoji="1" lang="en-US" altLang="ja-JP" sz="3200" b="0" i="1" smtClean="0">
+                                      <a:latin typeface="Cambria Math" panose="02040503050406030204" pitchFamily="18" charset="0"/>
+                                    </a:rPr>
+                                    <m:t>h</m:t>
+                                  </m:r>
+                                </m:e>
+                                <m:sup>
+                                  <m:r>
+                                    <a:rPr kumimoji="1" lang="en-US" altLang="ja-JP" sz="3200" b="0" i="1" smtClean="0">
+                                      <a:latin typeface="Cambria Math" panose="02040503050406030204" pitchFamily="18" charset="0"/>
+                                    </a:rPr>
+                                    <m:t>𝑘</m:t>
+                                  </m:r>
+                                </m:sup>
+                              </m:sSup>
+                            </m:num>
+                            <m:den>
+                              <m:r>
+                                <a:rPr kumimoji="1" lang="en-US" altLang="ja-JP" sz="3200" b="0" i="1" smtClean="0">
+                                  <a:latin typeface="Cambria Math" panose="02040503050406030204" pitchFamily="18" charset="0"/>
+                                </a:rPr>
+                                <m:t>𝑘</m:t>
+                              </m:r>
+                              <m:r>
+                                <a:rPr kumimoji="1" lang="en-US" altLang="ja-JP" sz="3200" b="0" i="1" smtClean="0">
+                                  <a:latin typeface="Cambria Math" panose="02040503050406030204" pitchFamily="18" charset="0"/>
+                                </a:rPr>
+                                <m:t>!</m:t>
+                              </m:r>
+                            </m:den>
+                          </m:f>
+                          <m:f>
+                            <m:fPr>
+                              <m:ctrlPr>
+                                <a:rPr kumimoji="1" lang="en-US" altLang="ja-JP" sz="3200" b="0" i="1" smtClean="0">
+                                  <a:latin typeface="Cambria Math" panose="02040503050406030204" pitchFamily="18" charset="0"/>
+                                </a:rPr>
+                              </m:ctrlPr>
+                            </m:fPr>
+                            <m:num>
+                              <m:sSup>
+                                <m:sSupPr>
+                                  <m:ctrlPr>
+                                    <a:rPr kumimoji="1" lang="en-US" altLang="ja-JP" sz="3200" b="0" i="1" smtClean="0">
+                                      <a:latin typeface="Cambria Math" panose="02040503050406030204" pitchFamily="18" charset="0"/>
+                                    </a:rPr>
+                                  </m:ctrlPr>
+                                </m:sSupPr>
+                                <m:e>
+                                  <m:r>
+                                    <a:rPr kumimoji="1" lang="en-US" altLang="ja-JP" sz="3200" b="0" i="1" smtClean="0">
+                                      <a:latin typeface="Cambria Math" panose="02040503050406030204" pitchFamily="18" charset="0"/>
+                                    </a:rPr>
+                                    <m:t>𝑑</m:t>
+                                  </m:r>
+                                </m:e>
+                                <m:sup>
+                                  <m:r>
+                                    <a:rPr kumimoji="1" lang="en-US" altLang="ja-JP" sz="3200" b="0" i="1" smtClean="0">
+                                      <a:latin typeface="Cambria Math" panose="02040503050406030204" pitchFamily="18" charset="0"/>
+                                    </a:rPr>
+                                    <m:t>𝑘</m:t>
+                                  </m:r>
+                                </m:sup>
+                              </m:sSup>
+                            </m:num>
+                            <m:den>
+                              <m:r>
+                                <a:rPr kumimoji="1" lang="en-US" altLang="ja-JP" sz="3200" b="0" i="1" smtClean="0">
+                                  <a:latin typeface="Cambria Math" panose="02040503050406030204" pitchFamily="18" charset="0"/>
+                                </a:rPr>
+                                <m:t>𝑑</m:t>
+                              </m:r>
+                              <m:sSup>
+                                <m:sSupPr>
+                                  <m:ctrlPr>
+                                    <a:rPr kumimoji="1" lang="en-US" altLang="ja-JP" sz="3200" b="0" i="1" smtClean="0">
+                                      <a:latin typeface="Cambria Math" panose="02040503050406030204" pitchFamily="18" charset="0"/>
+                                    </a:rPr>
+                                  </m:ctrlPr>
+                                </m:sSupPr>
+                                <m:e>
+                                  <m:r>
+                                    <a:rPr kumimoji="1" lang="en-US" altLang="ja-JP" sz="3200" b="0" i="1" smtClean="0">
+                                      <a:latin typeface="Cambria Math" panose="02040503050406030204" pitchFamily="18" charset="0"/>
+                                    </a:rPr>
+                                    <m:t>𝜃</m:t>
+                                  </m:r>
+                                </m:e>
+                                <m:sup>
+                                  <m:r>
+                                    <a:rPr kumimoji="1" lang="en-US" altLang="ja-JP" sz="3200" b="0" i="1" smtClean="0">
+                                      <a:latin typeface="Cambria Math" panose="02040503050406030204" pitchFamily="18" charset="0"/>
+                                    </a:rPr>
+                                    <m:t>𝑘</m:t>
+                                  </m:r>
+                                </m:sup>
+                              </m:sSup>
+                            </m:den>
+                          </m:f>
+                          <m:r>
+                            <a:rPr kumimoji="1" lang="en-US" altLang="ja-JP" sz="3200" b="0" i="1" smtClean="0">
+                              <a:latin typeface="Cambria Math" panose="02040503050406030204" pitchFamily="18" charset="0"/>
+                            </a:rPr>
+                            <m:t>𝑣</m:t>
+                          </m:r>
+                          <m:r>
+                            <a:rPr kumimoji="1" lang="en-US" altLang="ja-JP" sz="3200" b="0" i="1" smtClean="0">
+                              <a:latin typeface="Cambria Math" panose="02040503050406030204" pitchFamily="18" charset="0"/>
+                            </a:rPr>
+                            <m:t>(</m:t>
+                          </m:r>
+                          <m:r>
+                            <a:rPr kumimoji="1" lang="en-US" altLang="ja-JP" sz="3200" b="0" i="1" smtClean="0">
+                              <a:latin typeface="Cambria Math" panose="02040503050406030204" pitchFamily="18" charset="0"/>
+                            </a:rPr>
+                            <m:t>𝜃</m:t>
+                          </m:r>
+                          <m:r>
+                            <a:rPr kumimoji="1" lang="en-US" altLang="ja-JP" sz="3200" b="0" i="1" smtClean="0">
+                              <a:latin typeface="Cambria Math" panose="02040503050406030204" pitchFamily="18" charset="0"/>
+                            </a:rPr>
+                            <m:t>)</m:t>
+                          </m:r>
+                        </m:e>
+                      </m:nary>
+                    </m:oMath>
+                  </m:oMathPara>
+                </a14:m>
+                <a:endParaRPr kumimoji="1" lang="ja-JP" altLang="en-US" sz="3200"/>
+              </a:p>
+            </p:txBody>
+          </p:sp>
+        </mc:Choice>
+        <mc:Fallback>
+          <p:sp>
+            <p:nvSpPr>
+              <p:cNvPr id="8" name="テキスト ボックス 7">
+                <a:extLst>
+                  <a:ext uri="{FF2B5EF4-FFF2-40B4-BE49-F238E27FC236}">
+                    <a16:creationId xmlns:a16="http://schemas.microsoft.com/office/drawing/2014/main" id="{3314985F-C5DD-5666-20C4-1C4D352707DB}"/>
+                  </a:ext>
+                </a:extLst>
+              </p:cNvPr>
+              <p:cNvSpPr txBox="1">
+                <a:spLocks noRot="1" noChangeAspect="1" noMove="1" noResize="1" noEditPoints="1" noAdjustHandles="1" noChangeArrowheads="1" noChangeShapeType="1" noTextEdit="1"/>
+              </p:cNvSpPr>
+              <p:nvPr/>
+            </p:nvSpPr>
+            <p:spPr>
+              <a:xfrm>
+                <a:off x="2699792" y="5085184"/>
+                <a:ext cx="3279616" cy="1343188"/>
+              </a:xfrm>
+              <a:prstGeom prst="rect">
+                <a:avLst/>
+              </a:prstGeom>
+              <a:blipFill>
+                <a:blip r:embed="rId5"/>
+                <a:stretch>
+                  <a:fillRect/>
+                </a:stretch>
+              </a:blipFill>
+            </p:spPr>
+            <p:txBody>
+              <a:bodyPr/>
+              <a:lstStyle/>
+              <a:p>
+                <a:r>
+                  <a:rPr lang="ja-JP" altLang="en-US">
+                    <a:noFill/>
+                  </a:rPr>
+                  <a:t> </a:t>
+                </a:r>
+              </a:p>
+            </p:txBody>
+          </p:sp>
+        </mc:Fallback>
+      </mc:AlternateContent>
+    </p:spTree>
+    <p:extLst>
+      <p:ext uri="{BB962C8B-B14F-4D97-AF65-F5344CB8AC3E}">
+        <p14:creationId xmlns:p14="http://schemas.microsoft.com/office/powerpoint/2010/main" val="183485895"/>
+      </p:ext>
+    </p:extLst>
+  </p:cSld>
+  <p:clrMapOvr>
+    <a:masterClrMapping/>
+  </p:clrMapOvr>
+</p:sld>
+</file>
+
+<file path=ppt/slides/slide23.xml><?xml version="1.0" encoding="utf-8"?>
+<p:sld xmlns:a="http://schemas.openxmlformats.org/drawingml/2006/main" xmlns:r="http://schemas.openxmlformats.org/officeDocument/2006/relationships" xmlns:p="http://schemas.openxmlformats.org/presentationml/2006/main">
+  <p:cSld>
+    <p:spTree>
+      <p:nvGrpSpPr>
+        <p:cNvPr id="1" name=""/>
+        <p:cNvGrpSpPr/>
+        <p:nvPr/>
+      </p:nvGrpSpPr>
+      <p:grpSpPr>
+        <a:xfrm>
+          <a:off x="0" y="0"/>
+          <a:ext cx="0" cy="0"/>
+          <a:chOff x="0" y="0"/>
+          <a:chExt cx="0" cy="0"/>
+        </a:xfrm>
+      </p:grpSpPr>
+      <p:sp>
+        <p:nvSpPr>
+          <p:cNvPr id="2" name="テキスト プレースホルダー 1">
+            <a:extLst>
+              <a:ext uri="{FF2B5EF4-FFF2-40B4-BE49-F238E27FC236}">
+                <a16:creationId xmlns:a16="http://schemas.microsoft.com/office/drawing/2014/main" id="{2618C330-4ABF-E53C-A2D0-87124B4A9AA6}"/>
+              </a:ext>
+            </a:extLst>
+          </p:cNvPr>
+          <p:cNvSpPr>
+            <a:spLocks noGrp="1"/>
+          </p:cNvSpPr>
+          <p:nvPr>
+            <p:ph type="body" sz="quarter" idx="10"/>
+          </p:nvPr>
+        </p:nvSpPr>
+        <p:spPr/>
+        <p:txBody>
+          <a:bodyPr/>
+          <a:lstStyle/>
+          <a:p>
+            <a:r>
+              <a:rPr kumimoji="1" lang="ja-JP" altLang="en-US"/>
+              <a:t>生成子</a:t>
+            </a:r>
+          </a:p>
+        </p:txBody>
+      </p:sp>
+      <p:sp>
+        <p:nvSpPr>
+          <p:cNvPr id="3" name="テキスト ボックス 2">
+            <a:extLst>
+              <a:ext uri="{FF2B5EF4-FFF2-40B4-BE49-F238E27FC236}">
+                <a16:creationId xmlns:a16="http://schemas.microsoft.com/office/drawing/2014/main" id="{C968E658-F6A2-48C9-3AB5-C6A4C5F1E910}"/>
+              </a:ext>
+            </a:extLst>
+          </p:cNvPr>
+          <p:cNvSpPr txBox="1"/>
+          <p:nvPr/>
+        </p:nvSpPr>
+        <p:spPr>
+          <a:xfrm>
+            <a:off x="467544" y="1124744"/>
+            <a:ext cx="4134465" cy="523220"/>
+          </a:xfrm>
+          <a:prstGeom prst="rect">
+            <a:avLst/>
+          </a:prstGeom>
+          <a:noFill/>
+        </p:spPr>
+        <p:txBody>
+          <a:bodyPr wrap="none" rtlCol="0">
+            <a:spAutoFit/>
+          </a:bodyPr>
+          <a:lstStyle/>
+          <a:p>
+            <a:r>
+              <a:rPr lang="ja-JP" altLang="en-US" sz="2800"/>
+              <a:t>指数関数の定義と比べる</a:t>
+            </a:r>
+            <a:endParaRPr kumimoji="1" lang="ja-JP" altLang="en-US" sz="2800"/>
+          </a:p>
+        </p:txBody>
+      </p:sp>
+      <mc:AlternateContent xmlns:mc="http://schemas.openxmlformats.org/markup-compatibility/2006">
+        <mc:Choice xmlns:a14="http://schemas.microsoft.com/office/drawing/2010/main" Requires="a14">
+          <p:sp>
+            <p:nvSpPr>
+              <p:cNvPr id="4" name="テキスト ボックス 3">
+                <a:extLst>
+                  <a:ext uri="{FF2B5EF4-FFF2-40B4-BE49-F238E27FC236}">
+                    <a16:creationId xmlns:a16="http://schemas.microsoft.com/office/drawing/2014/main" id="{719DBE89-B197-26E9-85BC-3908AF1CEA51}"/>
+                  </a:ext>
+                </a:extLst>
+              </p:cNvPr>
+              <p:cNvSpPr txBox="1"/>
+              <p:nvPr/>
+            </p:nvSpPr>
+            <p:spPr>
+              <a:xfrm>
+                <a:off x="2051720" y="1700808"/>
+                <a:ext cx="3387081" cy="1343188"/>
+              </a:xfrm>
+              <a:prstGeom prst="rect">
+                <a:avLst/>
+              </a:prstGeom>
+              <a:noFill/>
+            </p:spPr>
+            <p:txBody>
+              <a:bodyPr wrap="none" lIns="0" tIns="0" rIns="0" bIns="0" rtlCol="0">
+                <a:spAutoFit/>
+              </a:bodyPr>
+              <a:lstStyle/>
+              <a:p>
+                <a:pPr/>
+                <a14:m>
+                  <m:oMathPara xmlns:m="http://schemas.openxmlformats.org/officeDocument/2006/math">
+                    <m:oMathParaPr>
+                      <m:jc m:val="centerGroup"/>
+                    </m:oMathParaPr>
+                    <m:oMath xmlns:m="http://schemas.openxmlformats.org/officeDocument/2006/math">
+                      <m:r>
+                        <m:rPr>
+                          <m:sty m:val="p"/>
+                        </m:rPr>
+                        <a:rPr lang="en-US" altLang="ja-JP" sz="3200" i="0" smtClean="0">
+                          <a:latin typeface="Cambria Math" panose="02040503050406030204" pitchFamily="18" charset="0"/>
+                        </a:rPr>
+                        <m:t>exp</m:t>
+                      </m:r>
+                      <m:r>
+                        <a:rPr lang="en-US" altLang="ja-JP" sz="3200" b="0" i="1" smtClean="0">
+                          <a:latin typeface="Cambria Math" panose="02040503050406030204" pitchFamily="18" charset="0"/>
+                        </a:rPr>
+                        <m:t>⁡(</m:t>
+                      </m:r>
+                      <m:r>
+                        <a:rPr lang="en-US" altLang="ja-JP" sz="3200" b="0" i="1" smtClean="0">
+                          <a:latin typeface="Cambria Math" panose="02040503050406030204" pitchFamily="18" charset="0"/>
+                        </a:rPr>
+                        <m:t>𝑥</m:t>
+                      </m:r>
+                      <m:r>
+                        <a:rPr lang="en-US" altLang="ja-JP" sz="3200" b="0" i="1" smtClean="0">
+                          <a:latin typeface="Cambria Math" panose="02040503050406030204" pitchFamily="18" charset="0"/>
+                        </a:rPr>
+                        <m:t>)=</m:t>
+                      </m:r>
+                      <m:nary>
+                        <m:naryPr>
+                          <m:chr m:val="∑"/>
+                          <m:ctrlPr>
+                            <a:rPr kumimoji="1" lang="en-US" altLang="ja-JP" sz="3200" b="0" i="1" smtClean="0">
+                              <a:latin typeface="Cambria Math" panose="02040503050406030204" pitchFamily="18" charset="0"/>
+                            </a:rPr>
+                          </m:ctrlPr>
+                        </m:naryPr>
+                        <m:sub>
+                          <m:r>
+                            <a:rPr kumimoji="1" lang="en-US" altLang="ja-JP" sz="3200" b="0" i="1" smtClean="0">
+                              <a:latin typeface="Cambria Math" panose="02040503050406030204" pitchFamily="18" charset="0"/>
+                            </a:rPr>
+                            <m:t>𝑘</m:t>
+                          </m:r>
+                          <m:r>
+                            <a:rPr kumimoji="1" lang="en-US" altLang="ja-JP" sz="3200" b="0" i="1" smtClean="0">
+                              <a:latin typeface="Cambria Math" panose="02040503050406030204" pitchFamily="18" charset="0"/>
+                            </a:rPr>
+                            <m:t>=0</m:t>
+                          </m:r>
+                        </m:sub>
+                        <m:sup>
+                          <m:r>
+                            <a:rPr kumimoji="1" lang="en-US" altLang="ja-JP" sz="3200" b="0" i="1" smtClean="0">
+                              <a:latin typeface="Cambria Math" panose="02040503050406030204" pitchFamily="18" charset="0"/>
+                            </a:rPr>
+                            <m:t>∞</m:t>
+                          </m:r>
+                        </m:sup>
+                        <m:e>
+                          <m:f>
+                            <m:fPr>
+                              <m:ctrlPr>
+                                <a:rPr kumimoji="1" lang="en-US" altLang="ja-JP" sz="3200" b="0" i="1" smtClean="0">
+                                  <a:latin typeface="Cambria Math" panose="02040503050406030204" pitchFamily="18" charset="0"/>
+                                </a:rPr>
+                              </m:ctrlPr>
+                            </m:fPr>
+                            <m:num>
+                              <m:r>
+                                <a:rPr kumimoji="1" lang="en-US" altLang="ja-JP" sz="3200" b="0" i="1" smtClean="0">
+                                  <a:latin typeface="Cambria Math" panose="02040503050406030204" pitchFamily="18" charset="0"/>
+                                </a:rPr>
+                                <m:t>1</m:t>
+                              </m:r>
+                            </m:num>
+                            <m:den>
+                              <m:r>
+                                <a:rPr kumimoji="1" lang="en-US" altLang="ja-JP" sz="3200" b="0" i="1" smtClean="0">
+                                  <a:latin typeface="Cambria Math" panose="02040503050406030204" pitchFamily="18" charset="0"/>
+                                </a:rPr>
+                                <m:t>𝑘</m:t>
+                              </m:r>
+                              <m:r>
+                                <a:rPr kumimoji="1" lang="en-US" altLang="ja-JP" sz="3200" b="0" i="1" smtClean="0">
+                                  <a:latin typeface="Cambria Math" panose="02040503050406030204" pitchFamily="18" charset="0"/>
+                                </a:rPr>
+                                <m:t>!</m:t>
+                              </m:r>
+                            </m:den>
+                          </m:f>
+                          <m:sSup>
+                            <m:sSupPr>
+                              <m:ctrlPr>
+                                <a:rPr lang="en-US" altLang="ja-JP" sz="3200" i="1">
+                                  <a:latin typeface="Cambria Math" panose="02040503050406030204" pitchFamily="18" charset="0"/>
+                                </a:rPr>
+                              </m:ctrlPr>
+                            </m:sSupPr>
+                            <m:e>
+                              <m:r>
+                                <a:rPr lang="en-US" altLang="ja-JP" sz="3200" i="1">
+                                  <a:latin typeface="Cambria Math" panose="02040503050406030204" pitchFamily="18" charset="0"/>
+                                </a:rPr>
+                                <m:t>𝑥</m:t>
+                              </m:r>
+                            </m:e>
+                            <m:sup>
+                              <m:r>
+                                <a:rPr lang="en-US" altLang="ja-JP" sz="3200" i="1">
+                                  <a:latin typeface="Cambria Math" panose="02040503050406030204" pitchFamily="18" charset="0"/>
+                                </a:rPr>
+                                <m:t>𝑘</m:t>
+                              </m:r>
+                            </m:sup>
+                          </m:sSup>
+                        </m:e>
+                      </m:nary>
+                    </m:oMath>
+                  </m:oMathPara>
+                </a14:m>
+                <a:endParaRPr kumimoji="1" lang="ja-JP" altLang="en-US" sz="3200"/>
+              </a:p>
+            </p:txBody>
+          </p:sp>
+        </mc:Choice>
+        <mc:Fallback>
+          <p:sp>
+            <p:nvSpPr>
+              <p:cNvPr id="4" name="テキスト ボックス 3">
+                <a:extLst>
+                  <a:ext uri="{FF2B5EF4-FFF2-40B4-BE49-F238E27FC236}">
+                    <a16:creationId xmlns:a16="http://schemas.microsoft.com/office/drawing/2014/main" id="{719DBE89-B197-26E9-85BC-3908AF1CEA51}"/>
+                  </a:ext>
+                </a:extLst>
+              </p:cNvPr>
+              <p:cNvSpPr txBox="1">
+                <a:spLocks noRot="1" noChangeAspect="1" noMove="1" noResize="1" noEditPoints="1" noAdjustHandles="1" noChangeArrowheads="1" noChangeShapeType="1" noTextEdit="1"/>
+              </p:cNvSpPr>
+              <p:nvPr/>
+            </p:nvSpPr>
+            <p:spPr>
+              <a:xfrm>
+                <a:off x="2051720" y="1700808"/>
+                <a:ext cx="3387081" cy="1343188"/>
+              </a:xfrm>
+              <a:prstGeom prst="rect">
+                <a:avLst/>
+              </a:prstGeom>
+              <a:blipFill>
+                <a:blip r:embed="rId2"/>
+                <a:stretch>
+                  <a:fillRect/>
+                </a:stretch>
+              </a:blipFill>
+            </p:spPr>
+            <p:txBody>
+              <a:bodyPr/>
+              <a:lstStyle/>
+              <a:p>
+                <a:r>
+                  <a:rPr lang="ja-JP" altLang="en-US">
+                    <a:noFill/>
+                  </a:rPr>
+                  <a:t> </a:t>
+                </a:r>
+              </a:p>
+            </p:txBody>
+          </p:sp>
+        </mc:Fallback>
+      </mc:AlternateContent>
+      <mc:AlternateContent xmlns:mc="http://schemas.openxmlformats.org/markup-compatibility/2006">
+        <mc:Choice xmlns:a14="http://schemas.microsoft.com/office/drawing/2010/main" Requires="a14">
+          <p:sp>
+            <p:nvSpPr>
+              <p:cNvPr id="5" name="テキスト ボックス 4">
+                <a:extLst>
+                  <a:ext uri="{FF2B5EF4-FFF2-40B4-BE49-F238E27FC236}">
+                    <a16:creationId xmlns:a16="http://schemas.microsoft.com/office/drawing/2014/main" id="{C5624392-05E2-D606-402D-6C4448748C95}"/>
+                  </a:ext>
+                </a:extLst>
+              </p:cNvPr>
+              <p:cNvSpPr txBox="1"/>
+              <p:nvPr/>
+            </p:nvSpPr>
+            <p:spPr>
+              <a:xfrm>
+                <a:off x="1725868" y="3068960"/>
+                <a:ext cx="5357877" cy="1343188"/>
+              </a:xfrm>
+              <a:prstGeom prst="rect">
+                <a:avLst/>
+              </a:prstGeom>
+              <a:noFill/>
+            </p:spPr>
+            <p:txBody>
+              <a:bodyPr wrap="none" lIns="0" tIns="0" rIns="0" bIns="0" rtlCol="0">
+                <a:spAutoFit/>
+              </a:bodyPr>
+              <a:lstStyle/>
+              <a:p>
+                <a:pPr/>
+                <a14:m>
+                  <m:oMathPara xmlns:m="http://schemas.openxmlformats.org/officeDocument/2006/math">
+                    <m:oMathParaPr>
+                      <m:jc m:val="centerGroup"/>
+                    </m:oMathParaPr>
+                    <m:oMath xmlns:m="http://schemas.openxmlformats.org/officeDocument/2006/math">
+                      <m:r>
+                        <a:rPr kumimoji="1" lang="en-US" altLang="ja-JP" sz="3200" b="0" i="1" smtClean="0">
+                          <a:latin typeface="Cambria Math" panose="02040503050406030204" pitchFamily="18" charset="0"/>
+                        </a:rPr>
+                        <m:t>𝑣</m:t>
+                      </m:r>
+                      <m:r>
+                        <a:rPr kumimoji="1" lang="en-US" altLang="ja-JP" sz="3200" b="0" i="1" smtClean="0">
+                          <a:latin typeface="Cambria Math" panose="02040503050406030204" pitchFamily="18" charset="0"/>
+                        </a:rPr>
+                        <m:t>(</m:t>
+                      </m:r>
+                      <m:r>
+                        <a:rPr kumimoji="1" lang="en-US" altLang="ja-JP" sz="3200" b="0" i="1" smtClean="0">
+                          <a:latin typeface="Cambria Math" panose="02040503050406030204" pitchFamily="18" charset="0"/>
+                        </a:rPr>
+                        <m:t>𝜃</m:t>
+                      </m:r>
+                      <m:r>
+                        <a:rPr kumimoji="1" lang="en-US" altLang="ja-JP" sz="3200" b="0" i="1" smtClean="0">
+                          <a:latin typeface="Cambria Math" panose="02040503050406030204" pitchFamily="18" charset="0"/>
+                        </a:rPr>
+                        <m:t>+</m:t>
+                      </m:r>
+                      <m:r>
+                        <a:rPr kumimoji="1" lang="en-US" altLang="ja-JP" sz="3200" b="0" i="1" smtClean="0">
+                          <a:latin typeface="Cambria Math" panose="02040503050406030204" pitchFamily="18" charset="0"/>
+                        </a:rPr>
+                        <m:t>h</m:t>
+                      </m:r>
+                      <m:r>
+                        <a:rPr kumimoji="1" lang="en-US" altLang="ja-JP" sz="3200" b="0" i="1" smtClean="0">
+                          <a:latin typeface="Cambria Math" panose="02040503050406030204" pitchFamily="18" charset="0"/>
+                        </a:rPr>
+                        <m:t>)=</m:t>
+                      </m:r>
+                      <m:nary>
+                        <m:naryPr>
+                          <m:chr m:val="∑"/>
+                          <m:ctrlPr>
+                            <a:rPr kumimoji="1" lang="en-US" altLang="ja-JP" sz="3200" b="0" i="1" smtClean="0">
+                              <a:latin typeface="Cambria Math" panose="02040503050406030204" pitchFamily="18" charset="0"/>
+                            </a:rPr>
+                          </m:ctrlPr>
+                        </m:naryPr>
+                        <m:sub>
+                          <m:r>
+                            <a:rPr kumimoji="1" lang="en-US" altLang="ja-JP" sz="3200" b="0" i="1" smtClean="0">
+                              <a:latin typeface="Cambria Math" panose="02040503050406030204" pitchFamily="18" charset="0"/>
+                            </a:rPr>
+                            <m:t>𝑘</m:t>
+                          </m:r>
+                          <m:r>
+                            <a:rPr kumimoji="1" lang="en-US" altLang="ja-JP" sz="3200" b="0" i="1" smtClean="0">
+                              <a:latin typeface="Cambria Math" panose="02040503050406030204" pitchFamily="18" charset="0"/>
+                            </a:rPr>
+                            <m:t>=0</m:t>
+                          </m:r>
+                        </m:sub>
+                        <m:sup>
+                          <m:r>
+                            <a:rPr kumimoji="1" lang="en-US" altLang="ja-JP" sz="3200" b="0" i="1" smtClean="0">
+                              <a:latin typeface="Cambria Math" panose="02040503050406030204" pitchFamily="18" charset="0"/>
+                            </a:rPr>
+                            <m:t>∞</m:t>
+                          </m:r>
+                        </m:sup>
+                        <m:e>
+                          <m:f>
+                            <m:fPr>
+                              <m:ctrlPr>
+                                <a:rPr kumimoji="1" lang="en-US" altLang="ja-JP" sz="3200" b="0" i="1" smtClean="0">
+                                  <a:latin typeface="Cambria Math" panose="02040503050406030204" pitchFamily="18" charset="0"/>
+                                </a:rPr>
+                              </m:ctrlPr>
+                            </m:fPr>
+                            <m:num>
+                              <m:r>
+                                <a:rPr kumimoji="1" lang="en-US" altLang="ja-JP" sz="3200" b="0" i="1" smtClean="0">
+                                  <a:latin typeface="Cambria Math" panose="02040503050406030204" pitchFamily="18" charset="0"/>
+                                </a:rPr>
+                                <m:t>1</m:t>
+                              </m:r>
+                            </m:num>
+                            <m:den>
+                              <m:r>
+                                <a:rPr kumimoji="1" lang="en-US" altLang="ja-JP" sz="3200" b="0" i="1" smtClean="0">
+                                  <a:latin typeface="Cambria Math" panose="02040503050406030204" pitchFamily="18" charset="0"/>
+                                </a:rPr>
+                                <m:t>𝑘</m:t>
+                              </m:r>
+                              <m:r>
+                                <a:rPr kumimoji="1" lang="en-US" altLang="ja-JP" sz="3200" b="0" i="1" smtClean="0">
+                                  <a:latin typeface="Cambria Math" panose="02040503050406030204" pitchFamily="18" charset="0"/>
+                                </a:rPr>
+                                <m:t>!</m:t>
+                              </m:r>
+                            </m:den>
+                          </m:f>
+                          <m:sSup>
+                            <m:sSupPr>
+                              <m:ctrlPr>
+                                <a:rPr lang="en-US" altLang="ja-JP" sz="3200" i="1">
+                                  <a:latin typeface="Cambria Math" panose="02040503050406030204" pitchFamily="18" charset="0"/>
+                                </a:rPr>
+                              </m:ctrlPr>
+                            </m:sSupPr>
+                            <m:e>
+                              <m:r>
+                                <a:rPr lang="en-US" altLang="ja-JP" sz="3200" i="1">
+                                  <a:latin typeface="Cambria Math" panose="02040503050406030204" pitchFamily="18" charset="0"/>
+                                </a:rPr>
+                                <m:t>h</m:t>
+                              </m:r>
+                            </m:e>
+                            <m:sup>
+                              <m:r>
+                                <a:rPr lang="en-US" altLang="ja-JP" sz="3200" i="1">
+                                  <a:latin typeface="Cambria Math" panose="02040503050406030204" pitchFamily="18" charset="0"/>
+                                </a:rPr>
+                                <m:t>𝑘</m:t>
+                              </m:r>
+                            </m:sup>
+                          </m:sSup>
+                          <m:f>
+                            <m:fPr>
+                              <m:ctrlPr>
+                                <a:rPr kumimoji="1" lang="en-US" altLang="ja-JP" sz="3200" b="0" i="1" smtClean="0">
+                                  <a:latin typeface="Cambria Math" panose="02040503050406030204" pitchFamily="18" charset="0"/>
+                                </a:rPr>
+                              </m:ctrlPr>
+                            </m:fPr>
+                            <m:num>
+                              <m:sSup>
+                                <m:sSupPr>
+                                  <m:ctrlPr>
+                                    <a:rPr kumimoji="1" lang="en-US" altLang="ja-JP" sz="3200" b="0" i="1" smtClean="0">
+                                      <a:latin typeface="Cambria Math" panose="02040503050406030204" pitchFamily="18" charset="0"/>
+                                    </a:rPr>
+                                  </m:ctrlPr>
+                                </m:sSupPr>
+                                <m:e>
+                                  <m:r>
+                                    <a:rPr kumimoji="1" lang="en-US" altLang="ja-JP" sz="3200" b="0" i="1" smtClean="0">
+                                      <a:latin typeface="Cambria Math" panose="02040503050406030204" pitchFamily="18" charset="0"/>
+                                    </a:rPr>
+                                    <m:t>𝑑</m:t>
+                                  </m:r>
+                                </m:e>
+                                <m:sup>
+                                  <m:r>
+                                    <a:rPr kumimoji="1" lang="en-US" altLang="ja-JP" sz="3200" b="0" i="1" smtClean="0">
+                                      <a:latin typeface="Cambria Math" panose="02040503050406030204" pitchFamily="18" charset="0"/>
+                                    </a:rPr>
+                                    <m:t>𝑘</m:t>
+                                  </m:r>
+                                </m:sup>
+                              </m:sSup>
+                            </m:num>
+                            <m:den>
+                              <m:r>
+                                <a:rPr kumimoji="1" lang="en-US" altLang="ja-JP" sz="3200" b="0" i="1" smtClean="0">
+                                  <a:latin typeface="Cambria Math" panose="02040503050406030204" pitchFamily="18" charset="0"/>
+                                </a:rPr>
+                                <m:t>𝑑</m:t>
+                              </m:r>
+                              <m:sSup>
+                                <m:sSupPr>
+                                  <m:ctrlPr>
+                                    <a:rPr kumimoji="1" lang="en-US" altLang="ja-JP" sz="3200" b="0" i="1" smtClean="0">
+                                      <a:latin typeface="Cambria Math" panose="02040503050406030204" pitchFamily="18" charset="0"/>
+                                    </a:rPr>
+                                  </m:ctrlPr>
+                                </m:sSupPr>
+                                <m:e>
+                                  <m:r>
+                                    <a:rPr kumimoji="1" lang="en-US" altLang="ja-JP" sz="3200" b="0" i="1" smtClean="0">
+                                      <a:latin typeface="Cambria Math" panose="02040503050406030204" pitchFamily="18" charset="0"/>
+                                    </a:rPr>
+                                    <m:t>𝜃</m:t>
+                                  </m:r>
+                                </m:e>
+                                <m:sup>
+                                  <m:r>
+                                    <a:rPr kumimoji="1" lang="en-US" altLang="ja-JP" sz="3200" b="0" i="1" smtClean="0">
+                                      <a:latin typeface="Cambria Math" panose="02040503050406030204" pitchFamily="18" charset="0"/>
+                                    </a:rPr>
+                                    <m:t>𝑘</m:t>
+                                  </m:r>
+                                </m:sup>
+                              </m:sSup>
+                            </m:den>
+                          </m:f>
+                          <m:r>
+                            <a:rPr kumimoji="1" lang="en-US" altLang="ja-JP" sz="3200" b="0" i="1" smtClean="0">
+                              <a:latin typeface="Cambria Math" panose="02040503050406030204" pitchFamily="18" charset="0"/>
+                            </a:rPr>
+                            <m:t>𝑣</m:t>
+                          </m:r>
+                          <m:r>
+                            <a:rPr kumimoji="1" lang="en-US" altLang="ja-JP" sz="3200" b="0" i="1" smtClean="0">
+                              <a:latin typeface="Cambria Math" panose="02040503050406030204" pitchFamily="18" charset="0"/>
+                            </a:rPr>
+                            <m:t>(</m:t>
+                          </m:r>
+                          <m:r>
+                            <a:rPr kumimoji="1" lang="en-US" altLang="ja-JP" sz="3200" b="0" i="1" smtClean="0">
+                              <a:latin typeface="Cambria Math" panose="02040503050406030204" pitchFamily="18" charset="0"/>
+                            </a:rPr>
+                            <m:t>𝜃</m:t>
+                          </m:r>
+                          <m:r>
+                            <a:rPr kumimoji="1" lang="en-US" altLang="ja-JP" sz="3200" b="0" i="1" smtClean="0">
+                              <a:latin typeface="Cambria Math" panose="02040503050406030204" pitchFamily="18" charset="0"/>
+                            </a:rPr>
+                            <m:t>)</m:t>
+                          </m:r>
+                        </m:e>
+                      </m:nary>
+                    </m:oMath>
+                  </m:oMathPara>
+                </a14:m>
+                <a:endParaRPr kumimoji="1" lang="ja-JP" altLang="en-US" sz="3200"/>
+              </a:p>
+            </p:txBody>
+          </p:sp>
+        </mc:Choice>
+        <mc:Fallback>
+          <p:sp>
+            <p:nvSpPr>
+              <p:cNvPr id="5" name="テキスト ボックス 4">
+                <a:extLst>
+                  <a:ext uri="{FF2B5EF4-FFF2-40B4-BE49-F238E27FC236}">
+                    <a16:creationId xmlns:a16="http://schemas.microsoft.com/office/drawing/2014/main" id="{C5624392-05E2-D606-402D-6C4448748C95}"/>
+                  </a:ext>
+                </a:extLst>
+              </p:cNvPr>
+              <p:cNvSpPr txBox="1">
+                <a:spLocks noRot="1" noChangeAspect="1" noMove="1" noResize="1" noEditPoints="1" noAdjustHandles="1" noChangeArrowheads="1" noChangeShapeType="1" noTextEdit="1"/>
+              </p:cNvSpPr>
+              <p:nvPr/>
+            </p:nvSpPr>
+            <p:spPr>
+              <a:xfrm>
+                <a:off x="1725868" y="3068960"/>
+                <a:ext cx="5357877" cy="1343188"/>
+              </a:xfrm>
+              <a:prstGeom prst="rect">
+                <a:avLst/>
+              </a:prstGeom>
+              <a:blipFill>
+                <a:blip r:embed="rId3"/>
+                <a:stretch>
+                  <a:fillRect/>
+                </a:stretch>
+              </a:blipFill>
+            </p:spPr>
+            <p:txBody>
+              <a:bodyPr/>
+              <a:lstStyle/>
+              <a:p>
+                <a:r>
+                  <a:rPr lang="ja-JP" altLang="en-US">
+                    <a:noFill/>
+                  </a:rPr>
+                  <a:t> </a:t>
+                </a:r>
+              </a:p>
+            </p:txBody>
+          </p:sp>
+        </mc:Fallback>
+      </mc:AlternateContent>
+      <mc:AlternateContent xmlns:mc="http://schemas.openxmlformats.org/markup-compatibility/2006">
+        <mc:Choice xmlns:a14="http://schemas.microsoft.com/office/drawing/2010/main" Requires="a14">
+          <p:sp>
+            <p:nvSpPr>
+              <p:cNvPr id="6" name="テキスト ボックス 5">
+                <a:extLst>
+                  <a:ext uri="{FF2B5EF4-FFF2-40B4-BE49-F238E27FC236}">
+                    <a16:creationId xmlns:a16="http://schemas.microsoft.com/office/drawing/2014/main" id="{EDF703B7-1197-6062-E716-E6FCBAA7A65F}"/>
+                  </a:ext>
+                </a:extLst>
+              </p:cNvPr>
+              <p:cNvSpPr txBox="1"/>
+              <p:nvPr/>
+            </p:nvSpPr>
+            <p:spPr>
+              <a:xfrm>
+                <a:off x="1691680" y="4725144"/>
+                <a:ext cx="5024004" cy="1106521"/>
+              </a:xfrm>
+              <a:prstGeom prst="rect">
+                <a:avLst/>
+              </a:prstGeom>
+              <a:noFill/>
+            </p:spPr>
+            <p:txBody>
+              <a:bodyPr wrap="none" lIns="0" tIns="0" rIns="0" bIns="0" rtlCol="0">
+                <a:spAutoFit/>
+              </a:bodyPr>
+              <a:lstStyle/>
+              <a:p>
+                <a:pPr/>
+                <a14:m>
+                  <m:oMathPara xmlns:m="http://schemas.openxmlformats.org/officeDocument/2006/math">
+                    <m:oMathParaPr>
+                      <m:jc m:val="centerGroup"/>
+                    </m:oMathParaPr>
+                    <m:oMath xmlns:m="http://schemas.openxmlformats.org/officeDocument/2006/math">
+                      <m:r>
+                        <a:rPr kumimoji="1" lang="en-US" altLang="ja-JP" sz="3200" b="0" i="1" smtClean="0">
+                          <a:latin typeface="Cambria Math" panose="02040503050406030204" pitchFamily="18" charset="0"/>
+                        </a:rPr>
+                        <m:t>𝑣</m:t>
+                      </m:r>
+                      <m:r>
+                        <a:rPr kumimoji="1" lang="en-US" altLang="ja-JP" sz="3200" b="0" i="1" smtClean="0">
+                          <a:latin typeface="Cambria Math" panose="02040503050406030204" pitchFamily="18" charset="0"/>
+                        </a:rPr>
+                        <m:t>(</m:t>
+                      </m:r>
+                      <m:r>
+                        <a:rPr kumimoji="1" lang="en-US" altLang="ja-JP" sz="3200" b="0" i="1" smtClean="0">
+                          <a:latin typeface="Cambria Math" panose="02040503050406030204" pitchFamily="18" charset="0"/>
+                        </a:rPr>
+                        <m:t>𝜃</m:t>
+                      </m:r>
+                      <m:r>
+                        <a:rPr kumimoji="1" lang="en-US" altLang="ja-JP" sz="3200" b="0" i="1" smtClean="0">
+                          <a:latin typeface="Cambria Math" panose="02040503050406030204" pitchFamily="18" charset="0"/>
+                        </a:rPr>
+                        <m:t>+</m:t>
+                      </m:r>
+                      <m:r>
+                        <a:rPr kumimoji="1" lang="en-US" altLang="ja-JP" sz="3200" b="0" i="1" smtClean="0">
+                          <a:latin typeface="Cambria Math" panose="02040503050406030204" pitchFamily="18" charset="0"/>
+                        </a:rPr>
+                        <m:t>h</m:t>
+                      </m:r>
+                      <m:r>
+                        <a:rPr kumimoji="1" lang="en-US" altLang="ja-JP" sz="3200" b="0" i="1" smtClean="0">
+                          <a:latin typeface="Cambria Math" panose="02040503050406030204" pitchFamily="18" charset="0"/>
+                        </a:rPr>
+                        <m:t>)=</m:t>
+                      </m:r>
+                      <m:r>
+                        <m:rPr>
+                          <m:sty m:val="p"/>
+                        </m:rPr>
+                        <a:rPr kumimoji="1" lang="en-US" altLang="ja-JP" sz="3200" b="0" i="0" smtClean="0">
+                          <a:latin typeface="Cambria Math" panose="02040503050406030204" pitchFamily="18" charset="0"/>
+                        </a:rPr>
+                        <m:t>exp</m:t>
+                      </m:r>
+                      <m:r>
+                        <a:rPr kumimoji="1" lang="en-US" altLang="ja-JP" sz="3200" b="0" i="1" smtClean="0">
+                          <a:latin typeface="Cambria Math" panose="02040503050406030204" pitchFamily="18" charset="0"/>
+                        </a:rPr>
+                        <m:t>⁡</m:t>
+                      </m:r>
+                      <m:d>
+                        <m:dPr>
+                          <m:ctrlPr>
+                            <a:rPr kumimoji="1" lang="en-US" altLang="ja-JP" sz="3200" b="0" i="1" smtClean="0">
+                              <a:latin typeface="Cambria Math" panose="02040503050406030204" pitchFamily="18" charset="0"/>
+                            </a:rPr>
+                          </m:ctrlPr>
+                        </m:dPr>
+                        <m:e>
+                          <m:r>
+                            <a:rPr kumimoji="1" lang="en-US" altLang="ja-JP" sz="3200" b="0" i="1" smtClean="0">
+                              <a:latin typeface="Cambria Math" panose="02040503050406030204" pitchFamily="18" charset="0"/>
+                            </a:rPr>
+                            <m:t>h</m:t>
+                          </m:r>
+                          <m:f>
+                            <m:fPr>
+                              <m:ctrlPr>
+                                <a:rPr kumimoji="1" lang="en-US" altLang="ja-JP" sz="3200" b="0" i="1" smtClean="0">
+                                  <a:latin typeface="Cambria Math" panose="02040503050406030204" pitchFamily="18" charset="0"/>
+                                </a:rPr>
+                              </m:ctrlPr>
+                            </m:fPr>
+                            <m:num>
+                              <m:r>
+                                <a:rPr kumimoji="1" lang="en-US" altLang="ja-JP" sz="3200" b="0" i="1" smtClean="0">
+                                  <a:latin typeface="Cambria Math" panose="02040503050406030204" pitchFamily="18" charset="0"/>
+                                </a:rPr>
+                                <m:t>𝑑</m:t>
+                              </m:r>
+                            </m:num>
+                            <m:den>
+                              <m:r>
+                                <a:rPr kumimoji="1" lang="en-US" altLang="ja-JP" sz="3200" b="0" i="1" smtClean="0">
+                                  <a:latin typeface="Cambria Math" panose="02040503050406030204" pitchFamily="18" charset="0"/>
+                                </a:rPr>
+                                <m:t>𝑑</m:t>
+                              </m:r>
+                              <m:r>
+                                <a:rPr kumimoji="1" lang="en-US" altLang="ja-JP" sz="3200" b="0" i="1" smtClean="0">
+                                  <a:latin typeface="Cambria Math" panose="02040503050406030204" pitchFamily="18" charset="0"/>
+                                </a:rPr>
+                                <m:t>𝜃</m:t>
+                              </m:r>
+                            </m:den>
+                          </m:f>
+                        </m:e>
+                      </m:d>
+                      <m:r>
+                        <a:rPr kumimoji="1" lang="en-US" altLang="ja-JP" sz="3200" b="0" i="1" smtClean="0">
+                          <a:latin typeface="Cambria Math" panose="02040503050406030204" pitchFamily="18" charset="0"/>
+                        </a:rPr>
+                        <m:t>𝑣</m:t>
+                      </m:r>
+                      <m:r>
+                        <a:rPr kumimoji="1" lang="en-US" altLang="ja-JP" sz="3200" b="0" i="1" smtClean="0">
+                          <a:latin typeface="Cambria Math" panose="02040503050406030204" pitchFamily="18" charset="0"/>
+                        </a:rPr>
+                        <m:t>(</m:t>
+                      </m:r>
+                      <m:r>
+                        <a:rPr kumimoji="1" lang="en-US" altLang="ja-JP" sz="3200" b="0" i="1" smtClean="0">
+                          <a:latin typeface="Cambria Math" panose="02040503050406030204" pitchFamily="18" charset="0"/>
+                        </a:rPr>
+                        <m:t>𝜃</m:t>
+                      </m:r>
+                      <m:r>
+                        <a:rPr kumimoji="1" lang="en-US" altLang="ja-JP" sz="3200" b="0" i="1" smtClean="0">
+                          <a:latin typeface="Cambria Math" panose="02040503050406030204" pitchFamily="18" charset="0"/>
+                        </a:rPr>
+                        <m:t>)</m:t>
+                      </m:r>
+                    </m:oMath>
+                  </m:oMathPara>
+                </a14:m>
+                <a:endParaRPr kumimoji="1" lang="ja-JP" altLang="en-US" sz="3200"/>
+              </a:p>
+            </p:txBody>
+          </p:sp>
+        </mc:Choice>
+        <mc:Fallback>
+          <p:sp>
+            <p:nvSpPr>
+              <p:cNvPr id="6" name="テキスト ボックス 5">
+                <a:extLst>
+                  <a:ext uri="{FF2B5EF4-FFF2-40B4-BE49-F238E27FC236}">
+                    <a16:creationId xmlns:a16="http://schemas.microsoft.com/office/drawing/2014/main" id="{EDF703B7-1197-6062-E716-E6FCBAA7A65F}"/>
+                  </a:ext>
+                </a:extLst>
+              </p:cNvPr>
+              <p:cNvSpPr txBox="1">
+                <a:spLocks noRot="1" noChangeAspect="1" noMove="1" noResize="1" noEditPoints="1" noAdjustHandles="1" noChangeArrowheads="1" noChangeShapeType="1" noTextEdit="1"/>
+              </p:cNvSpPr>
+              <p:nvPr/>
+            </p:nvSpPr>
+            <p:spPr>
+              <a:xfrm>
+                <a:off x="1691680" y="4725144"/>
+                <a:ext cx="5024004" cy="1106521"/>
+              </a:xfrm>
+              <a:prstGeom prst="rect">
+                <a:avLst/>
+              </a:prstGeom>
+              <a:blipFill>
+                <a:blip r:embed="rId4"/>
+                <a:stretch>
+                  <a:fillRect/>
+                </a:stretch>
+              </a:blipFill>
+            </p:spPr>
+            <p:txBody>
+              <a:bodyPr/>
+              <a:lstStyle/>
+              <a:p>
+                <a:r>
+                  <a:rPr lang="ja-JP" altLang="en-US">
+                    <a:noFill/>
+                  </a:rPr>
+                  <a:t> </a:t>
+                </a:r>
+              </a:p>
+            </p:txBody>
+          </p:sp>
+        </mc:Fallback>
+      </mc:AlternateContent>
+      <mc:AlternateContent xmlns:mc="http://schemas.openxmlformats.org/markup-compatibility/2006">
+        <mc:Choice xmlns:a14="http://schemas.microsoft.com/office/drawing/2010/main" Requires="a14">
+          <p:sp>
+            <p:nvSpPr>
+              <p:cNvPr id="7" name="テキスト ボックス 6">
+                <a:extLst>
+                  <a:ext uri="{FF2B5EF4-FFF2-40B4-BE49-F238E27FC236}">
+                    <a16:creationId xmlns:a16="http://schemas.microsoft.com/office/drawing/2014/main" id="{6BEF568D-A510-7E12-5F12-C5763AEA7CC3}"/>
+                  </a:ext>
+                </a:extLst>
+              </p:cNvPr>
+              <p:cNvSpPr txBox="1"/>
+              <p:nvPr/>
+            </p:nvSpPr>
+            <p:spPr>
+              <a:xfrm>
+                <a:off x="6156176" y="1772816"/>
+                <a:ext cx="1661609" cy="935000"/>
+              </a:xfrm>
+              <a:prstGeom prst="rect">
+                <a:avLst/>
+              </a:prstGeom>
+              <a:noFill/>
+            </p:spPr>
+            <p:txBody>
+              <a:bodyPr wrap="none" lIns="0" tIns="0" rIns="0" bIns="0" rtlCol="0">
+                <a:spAutoFit/>
+              </a:bodyPr>
+              <a:lstStyle/>
+              <a:p>
+                <a:pPr/>
+                <a14:m>
+                  <m:oMathPara xmlns:m="http://schemas.openxmlformats.org/officeDocument/2006/math">
+                    <m:oMathParaPr>
+                      <m:jc m:val="centerGroup"/>
+                    </m:oMathParaPr>
+                    <m:oMath xmlns:m="http://schemas.openxmlformats.org/officeDocument/2006/math">
+                      <m:r>
+                        <a:rPr kumimoji="1" lang="en-US" altLang="ja-JP" sz="3200" b="0" i="1" smtClean="0">
+                          <a:latin typeface="Cambria Math" panose="02040503050406030204" pitchFamily="18" charset="0"/>
+                        </a:rPr>
+                        <m:t>𝑥</m:t>
+                      </m:r>
+                      <m:r>
+                        <a:rPr kumimoji="1" lang="en-US" altLang="ja-JP" sz="3200" b="0" i="1" smtClean="0">
+                          <a:latin typeface="Cambria Math" panose="02040503050406030204" pitchFamily="18" charset="0"/>
+                        </a:rPr>
+                        <m:t>=</m:t>
+                      </m:r>
+                      <m:r>
+                        <a:rPr kumimoji="1" lang="en-US" altLang="ja-JP" sz="3200" b="0" i="1" smtClean="0">
+                          <a:latin typeface="Cambria Math" panose="02040503050406030204" pitchFamily="18" charset="0"/>
+                        </a:rPr>
+                        <m:t>h</m:t>
+                      </m:r>
+                      <m:f>
+                        <m:fPr>
+                          <m:ctrlPr>
+                            <a:rPr kumimoji="1" lang="en-US" altLang="ja-JP" sz="3200" b="0" i="1" smtClean="0">
+                              <a:latin typeface="Cambria Math" panose="02040503050406030204" pitchFamily="18" charset="0"/>
+                            </a:rPr>
+                          </m:ctrlPr>
+                        </m:fPr>
+                        <m:num>
+                          <m:r>
+                            <a:rPr kumimoji="1" lang="en-US" altLang="ja-JP" sz="3200" b="0" i="1" smtClean="0">
+                              <a:latin typeface="Cambria Math" panose="02040503050406030204" pitchFamily="18" charset="0"/>
+                            </a:rPr>
+                            <m:t>𝑑</m:t>
+                          </m:r>
+                        </m:num>
+                        <m:den>
+                          <m:r>
+                            <a:rPr kumimoji="1" lang="en-US" altLang="ja-JP" sz="3200" b="0" i="1" smtClean="0">
+                              <a:latin typeface="Cambria Math" panose="02040503050406030204" pitchFamily="18" charset="0"/>
+                            </a:rPr>
+                            <m:t>𝑑</m:t>
+                          </m:r>
+                          <m:r>
+                            <a:rPr kumimoji="1" lang="en-US" altLang="ja-JP" sz="3200" b="0" i="1" smtClean="0">
+                              <a:latin typeface="Cambria Math" panose="02040503050406030204" pitchFamily="18" charset="0"/>
+                            </a:rPr>
+                            <m:t>𝜃</m:t>
+                          </m:r>
+                        </m:den>
+                      </m:f>
+                    </m:oMath>
+                  </m:oMathPara>
+                </a14:m>
+                <a:endParaRPr kumimoji="1" lang="ja-JP" altLang="en-US" sz="3200"/>
+              </a:p>
+            </p:txBody>
+          </p:sp>
+        </mc:Choice>
+        <mc:Fallback>
+          <p:sp>
+            <p:nvSpPr>
+              <p:cNvPr id="7" name="テキスト ボックス 6">
+                <a:extLst>
+                  <a:ext uri="{FF2B5EF4-FFF2-40B4-BE49-F238E27FC236}">
+                    <a16:creationId xmlns:a16="http://schemas.microsoft.com/office/drawing/2014/main" id="{6BEF568D-A510-7E12-5F12-C5763AEA7CC3}"/>
+                  </a:ext>
+                </a:extLst>
+              </p:cNvPr>
+              <p:cNvSpPr txBox="1">
+                <a:spLocks noRot="1" noChangeAspect="1" noMove="1" noResize="1" noEditPoints="1" noAdjustHandles="1" noChangeArrowheads="1" noChangeShapeType="1" noTextEdit="1"/>
+              </p:cNvSpPr>
+              <p:nvPr/>
+            </p:nvSpPr>
+            <p:spPr>
+              <a:xfrm>
+                <a:off x="6156176" y="1772816"/>
+                <a:ext cx="1661609" cy="935000"/>
+              </a:xfrm>
+              <a:prstGeom prst="rect">
+                <a:avLst/>
+              </a:prstGeom>
+              <a:blipFill>
+                <a:blip r:embed="rId5"/>
+                <a:stretch>
+                  <a:fillRect/>
+                </a:stretch>
+              </a:blipFill>
+            </p:spPr>
+            <p:txBody>
+              <a:bodyPr/>
+              <a:lstStyle/>
+              <a:p>
+                <a:r>
+                  <a:rPr lang="ja-JP" altLang="en-US">
+                    <a:noFill/>
+                  </a:rPr>
+                  <a:t> </a:t>
+                </a:r>
+              </a:p>
+            </p:txBody>
+          </p:sp>
+        </mc:Fallback>
+      </mc:AlternateContent>
+      <p:sp>
+        <p:nvSpPr>
+          <p:cNvPr id="8" name="四角形: 角を丸くする 7">
+            <a:extLst>
+              <a:ext uri="{FF2B5EF4-FFF2-40B4-BE49-F238E27FC236}">
+                <a16:creationId xmlns:a16="http://schemas.microsoft.com/office/drawing/2014/main" id="{349B660A-BCE1-0A0B-368D-1828FDACA193}"/>
+              </a:ext>
+            </a:extLst>
+          </p:cNvPr>
+          <p:cNvSpPr/>
+          <p:nvPr/>
+        </p:nvSpPr>
+        <p:spPr>
+          <a:xfrm>
+            <a:off x="4932040" y="3140968"/>
+            <a:ext cx="1296144" cy="1152128"/>
+          </a:xfrm>
+          <a:prstGeom prst="roundRect">
+            <a:avLst/>
+          </a:prstGeom>
+          <a:noFill/>
+          <a:ln>
+            <a:solidFill>
+              <a:srgbClr val="FF0000"/>
+            </a:solidFill>
+          </a:ln>
+        </p:spPr>
+        <p:style>
+          <a:lnRef idx="2">
+            <a:schemeClr val="accent1">
+              <a:shade val="50000"/>
+            </a:schemeClr>
+          </a:lnRef>
+          <a:fillRef idx="1">
+            <a:schemeClr val="accent1"/>
+          </a:fillRef>
+          <a:effectRef idx="0">
+            <a:schemeClr val="accent1"/>
+          </a:effectRef>
+          <a:fontRef idx="minor">
+            <a:schemeClr val="lt1"/>
+          </a:fontRef>
+        </p:style>
+        <p:txBody>
+          <a:bodyPr rtlCol="0" anchor="ctr"/>
+          <a:lstStyle/>
+          <a:p>
+            <a:pPr algn="ctr"/>
+            <a:endParaRPr kumimoji="1" lang="ja-JP" altLang="en-US"/>
+          </a:p>
+        </p:txBody>
+      </p:sp>
+      <p:sp>
+        <p:nvSpPr>
+          <p:cNvPr id="9" name="四角形: 角を丸くする 8">
+            <a:extLst>
+              <a:ext uri="{FF2B5EF4-FFF2-40B4-BE49-F238E27FC236}">
+                <a16:creationId xmlns:a16="http://schemas.microsoft.com/office/drawing/2014/main" id="{C6DA8C9C-98B4-D739-A756-B90B4B6DAB61}"/>
+              </a:ext>
+            </a:extLst>
+          </p:cNvPr>
+          <p:cNvSpPr/>
+          <p:nvPr/>
+        </p:nvSpPr>
+        <p:spPr>
+          <a:xfrm>
+            <a:off x="4860032" y="1988840"/>
+            <a:ext cx="576064" cy="720080"/>
+          </a:xfrm>
+          <a:prstGeom prst="roundRect">
+            <a:avLst/>
+          </a:prstGeom>
+          <a:noFill/>
+          <a:ln>
+            <a:solidFill>
+              <a:srgbClr val="FF0000"/>
+            </a:solidFill>
+          </a:ln>
+        </p:spPr>
+        <p:style>
+          <a:lnRef idx="2">
+            <a:schemeClr val="accent1">
+              <a:shade val="50000"/>
+            </a:schemeClr>
+          </a:lnRef>
+          <a:fillRef idx="1">
+            <a:schemeClr val="accent1"/>
+          </a:fillRef>
+          <a:effectRef idx="0">
+            <a:schemeClr val="accent1"/>
+          </a:effectRef>
+          <a:fontRef idx="minor">
+            <a:schemeClr val="lt1"/>
+          </a:fontRef>
+        </p:style>
+        <p:txBody>
+          <a:bodyPr rtlCol="0" anchor="ctr"/>
+          <a:lstStyle/>
+          <a:p>
+            <a:pPr algn="ctr"/>
+            <a:endParaRPr kumimoji="1" lang="ja-JP" altLang="en-US"/>
+          </a:p>
+        </p:txBody>
+      </p:sp>
+      <p:cxnSp>
+        <p:nvCxnSpPr>
+          <p:cNvPr id="11" name="コネクタ: カギ線 10">
+            <a:extLst>
+              <a:ext uri="{FF2B5EF4-FFF2-40B4-BE49-F238E27FC236}">
+                <a16:creationId xmlns:a16="http://schemas.microsoft.com/office/drawing/2014/main" id="{D018600E-1178-3EA0-C2A5-CBA6E5BF5C7C}"/>
+              </a:ext>
+            </a:extLst>
+          </p:cNvPr>
+          <p:cNvCxnSpPr>
+            <a:stCxn id="4" idx="3"/>
+            <a:endCxn id="8" idx="0"/>
+          </p:cNvCxnSpPr>
+          <p:nvPr/>
+        </p:nvCxnSpPr>
+        <p:spPr>
+          <a:xfrm>
+            <a:off x="5438801" y="2372402"/>
+            <a:ext cx="141311" cy="768566"/>
+          </a:xfrm>
+          <a:prstGeom prst="bentConnector2">
+            <a:avLst/>
+          </a:prstGeom>
+          <a:ln>
+            <a:solidFill>
+              <a:schemeClr val="tx1"/>
+            </a:solidFill>
+            <a:headEnd type="none" w="med" len="med"/>
+            <a:tailEnd type="triangle"/>
+          </a:ln>
+        </p:spPr>
+        <p:style>
+          <a:lnRef idx="1">
+            <a:schemeClr val="accent1"/>
+          </a:lnRef>
+          <a:fillRef idx="0">
+            <a:schemeClr val="accent1"/>
+          </a:fillRef>
+          <a:effectRef idx="0">
+            <a:schemeClr val="accent1"/>
+          </a:effectRef>
+          <a:fontRef idx="minor">
+            <a:schemeClr val="tx1"/>
+          </a:fontRef>
+        </p:style>
+      </p:cxnSp>
+    </p:spTree>
+    <p:extLst>
+      <p:ext uri="{BB962C8B-B14F-4D97-AF65-F5344CB8AC3E}">
+        <p14:creationId xmlns:p14="http://schemas.microsoft.com/office/powerpoint/2010/main" val="50848339"/>
+      </p:ext>
+    </p:extLst>
+  </p:cSld>
+  <p:clrMapOvr>
+    <a:masterClrMapping/>
+  </p:clrMapOvr>
+</p:sld>
+</file>
+
+<file path=ppt/slides/slide24.xml><?xml version="1.0" encoding="utf-8"?>
+<p:sld xmlns:a="http://schemas.openxmlformats.org/drawingml/2006/main" xmlns:r="http://schemas.openxmlformats.org/officeDocument/2006/relationships" xmlns:p="http://schemas.openxmlformats.org/presentationml/2006/main">
+  <p:cSld>
+    <p:spTree>
+      <p:nvGrpSpPr>
+        <p:cNvPr id="1" name=""/>
+        <p:cNvGrpSpPr/>
+        <p:nvPr/>
+      </p:nvGrpSpPr>
+      <p:grpSpPr>
+        <a:xfrm>
+          <a:off x="0" y="0"/>
+          <a:ext cx="0" cy="0"/>
+          <a:chOff x="0" y="0"/>
+          <a:chExt cx="0" cy="0"/>
+        </a:xfrm>
+      </p:grpSpPr>
+      <p:sp>
+        <p:nvSpPr>
+          <p:cNvPr id="2" name="テキスト プレースホルダー 1">
+            <a:extLst>
+              <a:ext uri="{FF2B5EF4-FFF2-40B4-BE49-F238E27FC236}">
+                <a16:creationId xmlns:a16="http://schemas.microsoft.com/office/drawing/2014/main" id="{C7882C6C-3858-B02F-AF30-1B1D07147D5C}"/>
+              </a:ext>
+            </a:extLst>
+          </p:cNvPr>
+          <p:cNvSpPr>
+            <a:spLocks noGrp="1"/>
+          </p:cNvSpPr>
+          <p:nvPr>
+            <p:ph type="body" sz="quarter" idx="10"/>
+          </p:nvPr>
+        </p:nvSpPr>
+        <p:spPr/>
+        <p:txBody>
+          <a:bodyPr/>
+          <a:lstStyle/>
+          <a:p>
+            <a:r>
+              <a:rPr kumimoji="1" lang="ja-JP" altLang="en-US"/>
+              <a:t>生成子</a:t>
+            </a:r>
+          </a:p>
+        </p:txBody>
+      </p:sp>
+      <mc:AlternateContent xmlns:mc="http://schemas.openxmlformats.org/markup-compatibility/2006">
+        <mc:Choice xmlns:a14="http://schemas.microsoft.com/office/drawing/2010/main" Requires="a14">
+          <p:sp>
+            <p:nvSpPr>
+              <p:cNvPr id="3" name="テキスト ボックス 2">
+                <a:extLst>
+                  <a:ext uri="{FF2B5EF4-FFF2-40B4-BE49-F238E27FC236}">
+                    <a16:creationId xmlns:a16="http://schemas.microsoft.com/office/drawing/2014/main" id="{BD60A0D8-2ADD-DA60-E0EF-39D54FA4E534}"/>
+                  </a:ext>
+                </a:extLst>
+              </p:cNvPr>
+              <p:cNvSpPr txBox="1"/>
+              <p:nvPr/>
+            </p:nvSpPr>
+            <p:spPr>
+              <a:xfrm>
+                <a:off x="1547664" y="2132856"/>
+                <a:ext cx="5024004" cy="1106521"/>
+              </a:xfrm>
+              <a:prstGeom prst="rect">
+                <a:avLst/>
+              </a:prstGeom>
+              <a:noFill/>
+            </p:spPr>
+            <p:txBody>
+              <a:bodyPr wrap="none" lIns="0" tIns="0" rIns="0" bIns="0" rtlCol="0">
+                <a:spAutoFit/>
+              </a:bodyPr>
+              <a:lstStyle/>
+              <a:p>
+                <a:pPr/>
+                <a14:m>
+                  <m:oMathPara xmlns:m="http://schemas.openxmlformats.org/officeDocument/2006/math">
+                    <m:oMathParaPr>
+                      <m:jc m:val="centerGroup"/>
+                    </m:oMathParaPr>
+                    <m:oMath xmlns:m="http://schemas.openxmlformats.org/officeDocument/2006/math">
+                      <m:r>
+                        <a:rPr kumimoji="1" lang="en-US" altLang="ja-JP" sz="3200" b="0" i="1" smtClean="0">
+                          <a:latin typeface="Cambria Math" panose="02040503050406030204" pitchFamily="18" charset="0"/>
+                        </a:rPr>
+                        <m:t>𝑣</m:t>
+                      </m:r>
+                      <m:r>
+                        <a:rPr kumimoji="1" lang="en-US" altLang="ja-JP" sz="3200" b="0" i="1" smtClean="0">
+                          <a:latin typeface="Cambria Math" panose="02040503050406030204" pitchFamily="18" charset="0"/>
+                        </a:rPr>
+                        <m:t>(</m:t>
+                      </m:r>
+                      <m:r>
+                        <a:rPr kumimoji="1" lang="en-US" altLang="ja-JP" sz="3200" b="0" i="1" smtClean="0">
+                          <a:latin typeface="Cambria Math" panose="02040503050406030204" pitchFamily="18" charset="0"/>
+                        </a:rPr>
+                        <m:t>𝜃</m:t>
+                      </m:r>
+                      <m:r>
+                        <a:rPr kumimoji="1" lang="en-US" altLang="ja-JP" sz="3200" b="0" i="1" smtClean="0">
+                          <a:latin typeface="Cambria Math" panose="02040503050406030204" pitchFamily="18" charset="0"/>
+                        </a:rPr>
+                        <m:t>+</m:t>
+                      </m:r>
+                      <m:r>
+                        <a:rPr kumimoji="1" lang="en-US" altLang="ja-JP" sz="3200" b="0" i="1" smtClean="0">
+                          <a:latin typeface="Cambria Math" panose="02040503050406030204" pitchFamily="18" charset="0"/>
+                        </a:rPr>
+                        <m:t>h</m:t>
+                      </m:r>
+                      <m:r>
+                        <a:rPr kumimoji="1" lang="en-US" altLang="ja-JP" sz="3200" b="0" i="1" smtClean="0">
+                          <a:latin typeface="Cambria Math" panose="02040503050406030204" pitchFamily="18" charset="0"/>
+                        </a:rPr>
+                        <m:t>)=</m:t>
+                      </m:r>
+                      <m:r>
+                        <m:rPr>
+                          <m:sty m:val="p"/>
+                        </m:rPr>
+                        <a:rPr kumimoji="1" lang="en-US" altLang="ja-JP" sz="3200" b="0" i="0" smtClean="0">
+                          <a:latin typeface="Cambria Math" panose="02040503050406030204" pitchFamily="18" charset="0"/>
+                        </a:rPr>
+                        <m:t>exp</m:t>
+                      </m:r>
+                      <m:r>
+                        <a:rPr kumimoji="1" lang="en-US" altLang="ja-JP" sz="3200" b="0" i="1" smtClean="0">
+                          <a:latin typeface="Cambria Math" panose="02040503050406030204" pitchFamily="18" charset="0"/>
+                        </a:rPr>
+                        <m:t>⁡</m:t>
+                      </m:r>
+                      <m:d>
+                        <m:dPr>
+                          <m:ctrlPr>
+                            <a:rPr kumimoji="1" lang="en-US" altLang="ja-JP" sz="3200" b="0" i="1" smtClean="0">
+                              <a:latin typeface="Cambria Math" panose="02040503050406030204" pitchFamily="18" charset="0"/>
+                            </a:rPr>
+                          </m:ctrlPr>
+                        </m:dPr>
+                        <m:e>
+                          <m:r>
+                            <a:rPr kumimoji="1" lang="en-US" altLang="ja-JP" sz="3200" b="0" i="1" smtClean="0">
+                              <a:latin typeface="Cambria Math" panose="02040503050406030204" pitchFamily="18" charset="0"/>
+                            </a:rPr>
+                            <m:t>h</m:t>
+                          </m:r>
+                          <m:f>
+                            <m:fPr>
+                              <m:ctrlPr>
+                                <a:rPr kumimoji="1" lang="en-US" altLang="ja-JP" sz="3200" b="0" i="1" smtClean="0">
+                                  <a:latin typeface="Cambria Math" panose="02040503050406030204" pitchFamily="18" charset="0"/>
+                                </a:rPr>
+                              </m:ctrlPr>
+                            </m:fPr>
+                            <m:num>
+                              <m:r>
+                                <a:rPr kumimoji="1" lang="en-US" altLang="ja-JP" sz="3200" b="0" i="1" smtClean="0">
+                                  <a:latin typeface="Cambria Math" panose="02040503050406030204" pitchFamily="18" charset="0"/>
+                                </a:rPr>
+                                <m:t>𝑑</m:t>
+                              </m:r>
+                            </m:num>
+                            <m:den>
+                              <m:r>
+                                <a:rPr kumimoji="1" lang="en-US" altLang="ja-JP" sz="3200" b="0" i="1" smtClean="0">
+                                  <a:latin typeface="Cambria Math" panose="02040503050406030204" pitchFamily="18" charset="0"/>
+                                </a:rPr>
+                                <m:t>𝑑</m:t>
+                              </m:r>
+                              <m:r>
+                                <a:rPr kumimoji="1" lang="en-US" altLang="ja-JP" sz="3200" b="0" i="1" smtClean="0">
+                                  <a:latin typeface="Cambria Math" panose="02040503050406030204" pitchFamily="18" charset="0"/>
+                                </a:rPr>
+                                <m:t>𝜃</m:t>
+                              </m:r>
+                            </m:den>
+                          </m:f>
+                        </m:e>
+                      </m:d>
+                      <m:r>
+                        <a:rPr kumimoji="1" lang="en-US" altLang="ja-JP" sz="3200" b="0" i="1" smtClean="0">
+                          <a:latin typeface="Cambria Math" panose="02040503050406030204" pitchFamily="18" charset="0"/>
+                        </a:rPr>
+                        <m:t>𝑣</m:t>
+                      </m:r>
+                      <m:r>
+                        <a:rPr kumimoji="1" lang="en-US" altLang="ja-JP" sz="3200" b="0" i="1" smtClean="0">
+                          <a:latin typeface="Cambria Math" panose="02040503050406030204" pitchFamily="18" charset="0"/>
+                        </a:rPr>
+                        <m:t>(</m:t>
+                      </m:r>
+                      <m:r>
+                        <a:rPr kumimoji="1" lang="en-US" altLang="ja-JP" sz="3200" b="0" i="1" smtClean="0">
+                          <a:latin typeface="Cambria Math" panose="02040503050406030204" pitchFamily="18" charset="0"/>
+                        </a:rPr>
+                        <m:t>𝜃</m:t>
+                      </m:r>
+                      <m:r>
+                        <a:rPr kumimoji="1" lang="en-US" altLang="ja-JP" sz="3200" b="0" i="1" smtClean="0">
+                          <a:latin typeface="Cambria Math" panose="02040503050406030204" pitchFamily="18" charset="0"/>
+                        </a:rPr>
+                        <m:t>)</m:t>
+                      </m:r>
+                    </m:oMath>
+                  </m:oMathPara>
+                </a14:m>
+                <a:endParaRPr kumimoji="1" lang="ja-JP" altLang="en-US" sz="3200"/>
+              </a:p>
+            </p:txBody>
+          </p:sp>
+        </mc:Choice>
+        <mc:Fallback>
+          <p:sp>
+            <p:nvSpPr>
+              <p:cNvPr id="3" name="テキスト ボックス 2">
+                <a:extLst>
+                  <a:ext uri="{FF2B5EF4-FFF2-40B4-BE49-F238E27FC236}">
+                    <a16:creationId xmlns:a16="http://schemas.microsoft.com/office/drawing/2014/main" id="{BD60A0D8-2ADD-DA60-E0EF-39D54FA4E534}"/>
+                  </a:ext>
+                </a:extLst>
+              </p:cNvPr>
+              <p:cNvSpPr txBox="1">
+                <a:spLocks noRot="1" noChangeAspect="1" noMove="1" noResize="1" noEditPoints="1" noAdjustHandles="1" noChangeArrowheads="1" noChangeShapeType="1" noTextEdit="1"/>
+              </p:cNvSpPr>
+              <p:nvPr/>
+            </p:nvSpPr>
+            <p:spPr>
+              <a:xfrm>
+                <a:off x="1547664" y="2132856"/>
+                <a:ext cx="5024004" cy="1106521"/>
+              </a:xfrm>
+              <a:prstGeom prst="rect">
+                <a:avLst/>
+              </a:prstGeom>
+              <a:blipFill>
+                <a:blip r:embed="rId2"/>
+                <a:stretch>
+                  <a:fillRect b="-552"/>
+                </a:stretch>
+              </a:blipFill>
+            </p:spPr>
+            <p:txBody>
+              <a:bodyPr/>
+              <a:lstStyle/>
+              <a:p>
+                <a:r>
+                  <a:rPr lang="ja-JP" altLang="en-US">
+                    <a:noFill/>
+                  </a:rPr>
+                  <a:t> </a:t>
+                </a:r>
+              </a:p>
+            </p:txBody>
+          </p:sp>
+        </mc:Fallback>
+      </mc:AlternateContent>
+      <mc:AlternateContent xmlns:mc="http://schemas.openxmlformats.org/markup-compatibility/2006">
+        <mc:Choice xmlns:a14="http://schemas.microsoft.com/office/drawing/2010/main" Requires="a14">
+          <p:sp>
+            <p:nvSpPr>
+              <p:cNvPr id="4" name="テキスト ボックス 3">
+                <a:extLst>
+                  <a:ext uri="{FF2B5EF4-FFF2-40B4-BE49-F238E27FC236}">
+                    <a16:creationId xmlns:a16="http://schemas.microsoft.com/office/drawing/2014/main" id="{F51DC117-DCEA-5238-ED1D-09B5D02D7D25}"/>
+                  </a:ext>
+                </a:extLst>
+              </p:cNvPr>
+              <p:cNvSpPr txBox="1"/>
+              <p:nvPr/>
+            </p:nvSpPr>
+            <p:spPr>
+              <a:xfrm>
+                <a:off x="1547664" y="1268760"/>
+                <a:ext cx="3873240" cy="492443"/>
+              </a:xfrm>
+              <a:prstGeom prst="rect">
+                <a:avLst/>
+              </a:prstGeom>
+              <a:noFill/>
+            </p:spPr>
+            <p:txBody>
+              <a:bodyPr wrap="none" lIns="0" tIns="0" rIns="0" bIns="0" rtlCol="0">
+                <a:spAutoFit/>
+              </a:bodyPr>
+              <a:lstStyle/>
+              <a:p>
+                <a:pPr/>
+                <a14:m>
+                  <m:oMathPara xmlns:m="http://schemas.openxmlformats.org/officeDocument/2006/math">
+                    <m:oMathParaPr>
+                      <m:jc m:val="centerGroup"/>
+                    </m:oMathParaPr>
+                    <m:oMath xmlns:m="http://schemas.openxmlformats.org/officeDocument/2006/math">
+                      <m:r>
+                        <a:rPr lang="en-US" altLang="ja-JP" sz="3200" i="1" smtClean="0">
+                          <a:latin typeface="Cambria Math" panose="02040503050406030204" pitchFamily="18" charset="0"/>
+                        </a:rPr>
+                        <m:t>𝑣</m:t>
+                      </m:r>
+                      <m:d>
+                        <m:dPr>
+                          <m:ctrlPr>
+                            <a:rPr lang="en-US" altLang="ja-JP" sz="3200" i="1">
+                              <a:latin typeface="Cambria Math" panose="02040503050406030204" pitchFamily="18" charset="0"/>
+                            </a:rPr>
+                          </m:ctrlPr>
+                        </m:dPr>
+                        <m:e>
+                          <m:r>
+                            <a:rPr lang="en-US" altLang="ja-JP" sz="3200" i="1">
+                              <a:latin typeface="Cambria Math" panose="02040503050406030204" pitchFamily="18" charset="0"/>
+                            </a:rPr>
+                            <m:t>𝜃</m:t>
+                          </m:r>
+                          <m:r>
+                            <a:rPr lang="en-US" altLang="ja-JP" sz="3200" i="1">
+                              <a:latin typeface="Cambria Math" panose="02040503050406030204" pitchFamily="18" charset="0"/>
+                            </a:rPr>
+                            <m:t>+</m:t>
+                          </m:r>
+                          <m:r>
+                            <a:rPr lang="en-US" altLang="ja-JP" sz="3200" i="1">
+                              <a:latin typeface="Cambria Math" panose="02040503050406030204" pitchFamily="18" charset="0"/>
+                            </a:rPr>
+                            <m:t>h</m:t>
+                          </m:r>
+                        </m:e>
+                      </m:d>
+                      <m:r>
+                        <a:rPr lang="en-US" altLang="ja-JP" sz="3200" b="0" i="1" smtClean="0">
+                          <a:latin typeface="Cambria Math" panose="02040503050406030204" pitchFamily="18" charset="0"/>
+                        </a:rPr>
+                        <m:t>=</m:t>
+                      </m:r>
+                      <m:r>
+                        <a:rPr lang="en-US" altLang="ja-JP" sz="3200" i="1">
+                          <a:latin typeface="Cambria Math" panose="02040503050406030204" pitchFamily="18" charset="0"/>
+                        </a:rPr>
+                        <m:t>𝑈</m:t>
+                      </m:r>
+                      <m:d>
+                        <m:dPr>
+                          <m:ctrlPr>
+                            <a:rPr kumimoji="1" lang="en-US" altLang="ja-JP" sz="3200" b="0" i="1" smtClean="0">
+                              <a:latin typeface="Cambria Math" panose="02040503050406030204" pitchFamily="18" charset="0"/>
+                            </a:rPr>
+                          </m:ctrlPr>
+                        </m:dPr>
+                        <m:e>
+                          <m:r>
+                            <a:rPr kumimoji="1" lang="en-US" altLang="ja-JP" sz="3200" b="0" i="1" smtClean="0">
+                              <a:latin typeface="Cambria Math" panose="02040503050406030204" pitchFamily="18" charset="0"/>
+                            </a:rPr>
+                            <m:t>h</m:t>
+                          </m:r>
+                        </m:e>
+                      </m:d>
+                      <m:r>
+                        <a:rPr kumimoji="1" lang="en-US" altLang="ja-JP" sz="3200" b="0" i="1" smtClean="0">
+                          <a:latin typeface="Cambria Math" panose="02040503050406030204" pitchFamily="18" charset="0"/>
+                        </a:rPr>
+                        <m:t>𝑣</m:t>
+                      </m:r>
+                      <m:d>
+                        <m:dPr>
+                          <m:ctrlPr>
+                            <a:rPr kumimoji="1" lang="en-US" altLang="ja-JP" sz="3200" b="0" i="1" smtClean="0">
+                              <a:latin typeface="Cambria Math" panose="02040503050406030204" pitchFamily="18" charset="0"/>
+                            </a:rPr>
+                          </m:ctrlPr>
+                        </m:dPr>
+                        <m:e>
+                          <m:r>
+                            <a:rPr kumimoji="1" lang="en-US" altLang="ja-JP" sz="3200" b="0" i="1" smtClean="0">
+                              <a:latin typeface="Cambria Math" panose="02040503050406030204" pitchFamily="18" charset="0"/>
+                            </a:rPr>
+                            <m:t>𝜃</m:t>
+                          </m:r>
+                        </m:e>
+                      </m:d>
+                    </m:oMath>
+                  </m:oMathPara>
+                </a14:m>
+                <a:endParaRPr kumimoji="1" lang="ja-JP" altLang="en-US" sz="3200"/>
+              </a:p>
+            </p:txBody>
+          </p:sp>
+        </mc:Choice>
+        <mc:Fallback>
+          <p:sp>
+            <p:nvSpPr>
+              <p:cNvPr id="4" name="テキスト ボックス 3">
+                <a:extLst>
+                  <a:ext uri="{FF2B5EF4-FFF2-40B4-BE49-F238E27FC236}">
+                    <a16:creationId xmlns:a16="http://schemas.microsoft.com/office/drawing/2014/main" id="{F51DC117-DCEA-5238-ED1D-09B5D02D7D25}"/>
+                  </a:ext>
+                </a:extLst>
+              </p:cNvPr>
+              <p:cNvSpPr txBox="1">
+                <a:spLocks noRot="1" noChangeAspect="1" noMove="1" noResize="1" noEditPoints="1" noAdjustHandles="1" noChangeArrowheads="1" noChangeShapeType="1" noTextEdit="1"/>
+              </p:cNvSpPr>
+              <p:nvPr/>
+            </p:nvSpPr>
+            <p:spPr>
+              <a:xfrm>
+                <a:off x="1547664" y="1268760"/>
+                <a:ext cx="3873240" cy="492443"/>
+              </a:xfrm>
+              <a:prstGeom prst="rect">
+                <a:avLst/>
+              </a:prstGeom>
+              <a:blipFill>
+                <a:blip r:embed="rId3"/>
+                <a:stretch>
+                  <a:fillRect/>
+                </a:stretch>
+              </a:blipFill>
+            </p:spPr>
+            <p:txBody>
+              <a:bodyPr/>
+              <a:lstStyle/>
+              <a:p>
+                <a:r>
+                  <a:rPr lang="ja-JP" altLang="en-US">
+                    <a:noFill/>
+                  </a:rPr>
+                  <a:t> </a:t>
+                </a:r>
+              </a:p>
+            </p:txBody>
+          </p:sp>
+        </mc:Fallback>
+      </mc:AlternateContent>
+      <mc:AlternateContent xmlns:mc="http://schemas.openxmlformats.org/markup-compatibility/2006">
+        <mc:Choice xmlns:a14="http://schemas.microsoft.com/office/drawing/2010/main" Requires="a14">
+          <p:sp>
+            <p:nvSpPr>
+              <p:cNvPr id="5" name="テキスト ボックス 4">
+                <a:extLst>
+                  <a:ext uri="{FF2B5EF4-FFF2-40B4-BE49-F238E27FC236}">
+                    <a16:creationId xmlns:a16="http://schemas.microsoft.com/office/drawing/2014/main" id="{D3BA6449-CD87-ADD8-0EFC-CD86334F1D0C}"/>
+                  </a:ext>
+                </a:extLst>
+              </p:cNvPr>
+              <p:cNvSpPr txBox="1"/>
+              <p:nvPr/>
+            </p:nvSpPr>
+            <p:spPr>
+              <a:xfrm>
+                <a:off x="1850296" y="3501008"/>
+                <a:ext cx="3462615" cy="1106521"/>
+              </a:xfrm>
+              <a:prstGeom prst="rect">
+                <a:avLst/>
+              </a:prstGeom>
+              <a:noFill/>
+            </p:spPr>
+            <p:txBody>
+              <a:bodyPr wrap="none" lIns="0" tIns="0" rIns="0" bIns="0" rtlCol="0">
+                <a:spAutoFit/>
+              </a:bodyPr>
+              <a:lstStyle/>
+              <a:p>
+                <a:pPr/>
+                <a14:m>
+                  <m:oMathPara xmlns:m="http://schemas.openxmlformats.org/officeDocument/2006/math">
+                    <m:oMathParaPr>
+                      <m:jc m:val="centerGroup"/>
+                    </m:oMathParaPr>
+                    <m:oMath xmlns:m="http://schemas.openxmlformats.org/officeDocument/2006/math">
+                      <m:r>
+                        <a:rPr lang="en-US" altLang="ja-JP" sz="3200" i="1" smtClean="0">
+                          <a:latin typeface="Cambria Math" panose="02040503050406030204" pitchFamily="18" charset="0"/>
+                        </a:rPr>
+                        <m:t>𝑈</m:t>
+                      </m:r>
+                      <m:d>
+                        <m:dPr>
+                          <m:ctrlPr>
+                            <a:rPr kumimoji="1" lang="en-US" altLang="ja-JP" sz="3200" b="0" i="1" smtClean="0">
+                              <a:latin typeface="Cambria Math" panose="02040503050406030204" pitchFamily="18" charset="0"/>
+                            </a:rPr>
+                          </m:ctrlPr>
+                        </m:dPr>
+                        <m:e>
+                          <m:r>
+                            <a:rPr kumimoji="1" lang="en-US" altLang="ja-JP" sz="3200" b="0" i="1" smtClean="0">
+                              <a:latin typeface="Cambria Math" panose="02040503050406030204" pitchFamily="18" charset="0"/>
+                            </a:rPr>
+                            <m:t>h</m:t>
+                          </m:r>
+                        </m:e>
+                      </m:d>
+                      <m:r>
+                        <a:rPr kumimoji="1" lang="en-US" altLang="ja-JP" sz="3200" b="0" i="1" smtClean="0">
+                          <a:latin typeface="Cambria Math" panose="02040503050406030204" pitchFamily="18" charset="0"/>
+                        </a:rPr>
+                        <m:t>≡</m:t>
+                      </m:r>
+                      <m:r>
+                        <m:rPr>
+                          <m:sty m:val="p"/>
+                        </m:rPr>
+                        <a:rPr lang="en-US" altLang="ja-JP" sz="3200">
+                          <a:latin typeface="Cambria Math" panose="02040503050406030204" pitchFamily="18" charset="0"/>
+                        </a:rPr>
+                        <m:t>exp</m:t>
+                      </m:r>
+                      <m:r>
+                        <a:rPr lang="en-US" altLang="ja-JP" sz="3200" i="1">
+                          <a:latin typeface="Cambria Math" panose="02040503050406030204" pitchFamily="18" charset="0"/>
+                        </a:rPr>
+                        <m:t>⁡</m:t>
+                      </m:r>
+                      <m:d>
+                        <m:dPr>
+                          <m:ctrlPr>
+                            <a:rPr lang="en-US" altLang="ja-JP" sz="3200" i="1">
+                              <a:latin typeface="Cambria Math" panose="02040503050406030204" pitchFamily="18" charset="0"/>
+                            </a:rPr>
+                          </m:ctrlPr>
+                        </m:dPr>
+                        <m:e>
+                          <m:r>
+                            <a:rPr lang="en-US" altLang="ja-JP" sz="3200" i="1">
+                              <a:latin typeface="Cambria Math" panose="02040503050406030204" pitchFamily="18" charset="0"/>
+                            </a:rPr>
+                            <m:t>h</m:t>
+                          </m:r>
+                          <m:f>
+                            <m:fPr>
+                              <m:ctrlPr>
+                                <a:rPr lang="en-US" altLang="ja-JP" sz="3200" i="1">
+                                  <a:latin typeface="Cambria Math" panose="02040503050406030204" pitchFamily="18" charset="0"/>
+                                </a:rPr>
+                              </m:ctrlPr>
+                            </m:fPr>
+                            <m:num>
+                              <m:r>
+                                <a:rPr lang="en-US" altLang="ja-JP" sz="3200" i="1">
+                                  <a:latin typeface="Cambria Math" panose="02040503050406030204" pitchFamily="18" charset="0"/>
+                                </a:rPr>
+                                <m:t>𝑑</m:t>
+                              </m:r>
+                            </m:num>
+                            <m:den>
+                              <m:r>
+                                <a:rPr lang="en-US" altLang="ja-JP" sz="3200" i="1">
+                                  <a:latin typeface="Cambria Math" panose="02040503050406030204" pitchFamily="18" charset="0"/>
+                                </a:rPr>
+                                <m:t>𝑑</m:t>
+                              </m:r>
+                              <m:r>
+                                <a:rPr lang="en-US" altLang="ja-JP" sz="3200" i="1">
+                                  <a:latin typeface="Cambria Math" panose="02040503050406030204" pitchFamily="18" charset="0"/>
+                                </a:rPr>
+                                <m:t>𝜃</m:t>
+                              </m:r>
+                            </m:den>
+                          </m:f>
+                        </m:e>
+                      </m:d>
+                    </m:oMath>
+                  </m:oMathPara>
+                </a14:m>
+                <a:endParaRPr kumimoji="1" lang="ja-JP" altLang="en-US" sz="3200"/>
+              </a:p>
+            </p:txBody>
+          </p:sp>
+        </mc:Choice>
+        <mc:Fallback>
+          <p:sp>
+            <p:nvSpPr>
+              <p:cNvPr id="5" name="テキスト ボックス 4">
+                <a:extLst>
+                  <a:ext uri="{FF2B5EF4-FFF2-40B4-BE49-F238E27FC236}">
+                    <a16:creationId xmlns:a16="http://schemas.microsoft.com/office/drawing/2014/main" id="{D3BA6449-CD87-ADD8-0EFC-CD86334F1D0C}"/>
+                  </a:ext>
+                </a:extLst>
+              </p:cNvPr>
+              <p:cNvSpPr txBox="1">
+                <a:spLocks noRot="1" noChangeAspect="1" noMove="1" noResize="1" noEditPoints="1" noAdjustHandles="1" noChangeArrowheads="1" noChangeShapeType="1" noTextEdit="1"/>
+              </p:cNvSpPr>
+              <p:nvPr/>
+            </p:nvSpPr>
+            <p:spPr>
+              <a:xfrm>
+                <a:off x="1850296" y="3501008"/>
+                <a:ext cx="3462615" cy="1106521"/>
+              </a:xfrm>
+              <a:prstGeom prst="rect">
+                <a:avLst/>
+              </a:prstGeom>
+              <a:blipFill>
+                <a:blip r:embed="rId4"/>
+                <a:stretch>
+                  <a:fillRect/>
+                </a:stretch>
+              </a:blipFill>
+            </p:spPr>
+            <p:txBody>
+              <a:bodyPr/>
+              <a:lstStyle/>
+              <a:p>
+                <a:r>
+                  <a:rPr lang="ja-JP" altLang="en-US">
+                    <a:noFill/>
+                  </a:rPr>
+                  <a:t> </a:t>
+                </a:r>
+              </a:p>
+            </p:txBody>
+          </p:sp>
+        </mc:Fallback>
+      </mc:AlternateContent>
+      <p:cxnSp>
+        <p:nvCxnSpPr>
+          <p:cNvPr id="7" name="コネクタ: カギ線 6">
+            <a:extLst>
+              <a:ext uri="{FF2B5EF4-FFF2-40B4-BE49-F238E27FC236}">
+                <a16:creationId xmlns:a16="http://schemas.microsoft.com/office/drawing/2014/main" id="{1FDA31DE-235E-F7BC-86C1-2950AD14E2C5}"/>
+              </a:ext>
+            </a:extLst>
+          </p:cNvPr>
+          <p:cNvCxnSpPr>
+            <a:stCxn id="4" idx="1"/>
+            <a:endCxn id="3" idx="1"/>
+          </p:cNvCxnSpPr>
+          <p:nvPr/>
+        </p:nvCxnSpPr>
+        <p:spPr>
+          <a:xfrm rot="10800000" flipV="1">
+            <a:off x="1547664" y="1514981"/>
+            <a:ext cx="12700" cy="1171135"/>
+          </a:xfrm>
+          <a:prstGeom prst="bentConnector3">
+            <a:avLst>
+              <a:gd name="adj1" fmla="val 1800000"/>
+            </a:avLst>
+          </a:prstGeom>
+          <a:ln>
+            <a:solidFill>
+              <a:schemeClr val="tx1"/>
+            </a:solidFill>
+            <a:headEnd type="none" w="med" len="med"/>
+            <a:tailEnd type="none" w="med" len="med"/>
+          </a:ln>
+        </p:spPr>
+        <p:style>
+          <a:lnRef idx="1">
+            <a:schemeClr val="accent1"/>
+          </a:lnRef>
+          <a:fillRef idx="0">
+            <a:schemeClr val="accent1"/>
+          </a:fillRef>
+          <a:effectRef idx="0">
+            <a:schemeClr val="accent1"/>
+          </a:effectRef>
+          <a:fontRef idx="minor">
+            <a:schemeClr val="tx1"/>
+          </a:fontRef>
+        </p:style>
+      </p:cxnSp>
+      <p:cxnSp>
+        <p:nvCxnSpPr>
+          <p:cNvPr id="9" name="コネクタ: カギ線 8">
+            <a:extLst>
+              <a:ext uri="{FF2B5EF4-FFF2-40B4-BE49-F238E27FC236}">
+                <a16:creationId xmlns:a16="http://schemas.microsoft.com/office/drawing/2014/main" id="{2D02AD7F-D81C-21B1-4984-8572D4733A16}"/>
+              </a:ext>
+            </a:extLst>
+          </p:cNvPr>
+          <p:cNvCxnSpPr>
+            <a:cxnSpLocks/>
+            <a:stCxn id="12" idx="2"/>
+            <a:endCxn id="5" idx="1"/>
+          </p:cNvCxnSpPr>
+          <p:nvPr/>
+        </p:nvCxnSpPr>
+        <p:spPr>
+          <a:xfrm rot="10800000" flipH="1" flipV="1">
+            <a:off x="1240696" y="2085999"/>
+            <a:ext cx="609600" cy="1968269"/>
+          </a:xfrm>
+          <a:prstGeom prst="bentConnector3">
+            <a:avLst>
+              <a:gd name="adj1" fmla="val -37500"/>
+            </a:avLst>
+          </a:prstGeom>
+          <a:ln>
+            <a:solidFill>
+              <a:schemeClr val="tx1"/>
+            </a:solidFill>
+            <a:headEnd type="none" w="med" len="med"/>
+            <a:tailEnd type="triangle"/>
+          </a:ln>
+        </p:spPr>
+        <p:style>
+          <a:lnRef idx="1">
+            <a:schemeClr val="accent1"/>
+          </a:lnRef>
+          <a:fillRef idx="0">
+            <a:schemeClr val="accent1"/>
+          </a:fillRef>
+          <a:effectRef idx="0">
+            <a:schemeClr val="accent1"/>
+          </a:effectRef>
+          <a:fontRef idx="minor">
+            <a:schemeClr val="tx1"/>
+          </a:fontRef>
+        </p:style>
+      </p:cxnSp>
+      <p:sp>
+        <p:nvSpPr>
+          <p:cNvPr id="12" name="楕円 11">
+            <a:extLst>
+              <a:ext uri="{FF2B5EF4-FFF2-40B4-BE49-F238E27FC236}">
+                <a16:creationId xmlns:a16="http://schemas.microsoft.com/office/drawing/2014/main" id="{D56763CB-6239-12A8-0944-24828F352E55}"/>
+              </a:ext>
+            </a:extLst>
+          </p:cNvPr>
+          <p:cNvSpPr/>
+          <p:nvPr/>
+        </p:nvSpPr>
+        <p:spPr>
+          <a:xfrm>
+            <a:off x="1240696" y="1988840"/>
+            <a:ext cx="194320" cy="194320"/>
+          </a:xfrm>
+          <a:prstGeom prst="ellipse">
+            <a:avLst/>
+          </a:prstGeom>
+          <a:solidFill>
+            <a:srgbClr val="FF0000"/>
+          </a:solidFill>
+          <a:ln>
+            <a:solidFill>
+              <a:schemeClr val="tx1"/>
+            </a:solidFill>
+          </a:ln>
+        </p:spPr>
+        <p:style>
+          <a:lnRef idx="2">
+            <a:schemeClr val="accent1">
+              <a:shade val="50000"/>
+            </a:schemeClr>
+          </a:lnRef>
+          <a:fillRef idx="1">
+            <a:schemeClr val="accent1"/>
+          </a:fillRef>
+          <a:effectRef idx="0">
+            <a:schemeClr val="accent1"/>
+          </a:effectRef>
+          <a:fontRef idx="minor">
+            <a:schemeClr val="lt1"/>
+          </a:fontRef>
+        </p:style>
+        <p:txBody>
+          <a:bodyPr rtlCol="0" anchor="ctr"/>
+          <a:lstStyle/>
+          <a:p>
+            <a:pPr algn="ctr"/>
+            <a:endParaRPr kumimoji="1" lang="ja-JP" altLang="en-US"/>
+          </a:p>
+        </p:txBody>
+      </p:sp>
+      <p:sp>
+        <p:nvSpPr>
+          <p:cNvPr id="18" name="テキスト ボックス 17">
+            <a:extLst>
+              <a:ext uri="{FF2B5EF4-FFF2-40B4-BE49-F238E27FC236}">
+                <a16:creationId xmlns:a16="http://schemas.microsoft.com/office/drawing/2014/main" id="{AA90E863-F1AF-7D81-5D3B-12DDDCF898C1}"/>
+              </a:ext>
+            </a:extLst>
+          </p:cNvPr>
+          <p:cNvSpPr txBox="1"/>
+          <p:nvPr/>
+        </p:nvSpPr>
+        <p:spPr>
+          <a:xfrm>
+            <a:off x="489144" y="4941168"/>
+            <a:ext cx="8640960" cy="954107"/>
+          </a:xfrm>
+          <a:prstGeom prst="rect">
+            <a:avLst/>
+          </a:prstGeom>
+          <a:noFill/>
+        </p:spPr>
+        <p:txBody>
+          <a:bodyPr wrap="square" rtlCol="0">
+            <a:spAutoFit/>
+          </a:bodyPr>
+          <a:lstStyle/>
+          <a:p>
+            <a:r>
+              <a:rPr lang="ja-JP" altLang="en-US" sz="2800"/>
+              <a:t>連続変換を引き起こす演算子は、指数関数の肩に対応するパラメタの微分演算子を乗せたもので書ける</a:t>
+            </a:r>
+            <a:endParaRPr kumimoji="1" lang="ja-JP" altLang="en-US" sz="2800"/>
+          </a:p>
+        </p:txBody>
+      </p:sp>
+    </p:spTree>
+    <p:extLst>
+      <p:ext uri="{BB962C8B-B14F-4D97-AF65-F5344CB8AC3E}">
+        <p14:creationId xmlns:p14="http://schemas.microsoft.com/office/powerpoint/2010/main" val="2875799799"/>
+      </p:ext>
+    </p:extLst>
+  </p:cSld>
+  <p:clrMapOvr>
+    <a:masterClrMapping/>
+  </p:clrMapOvr>
+</p:sld>
+</file>
+
+<file path=ppt/slides/slide25.xml><?xml version="1.0" encoding="utf-8"?>
+<p:sld xmlns:a="http://schemas.openxmlformats.org/drawingml/2006/main" xmlns:r="http://schemas.openxmlformats.org/officeDocument/2006/relationships" xmlns:p="http://schemas.openxmlformats.org/presentationml/2006/main">
+  <p:cSld>
+    <p:spTree>
+      <p:nvGrpSpPr>
+        <p:cNvPr id="1" name=""/>
+        <p:cNvGrpSpPr/>
+        <p:nvPr/>
+      </p:nvGrpSpPr>
+      <p:grpSpPr>
+        <a:xfrm>
+          <a:off x="0" y="0"/>
+          <a:ext cx="0" cy="0"/>
+          <a:chOff x="0" y="0"/>
+          <a:chExt cx="0" cy="0"/>
+        </a:xfrm>
+      </p:grpSpPr>
+      <p:sp>
+        <p:nvSpPr>
+          <p:cNvPr id="2" name="テキスト プレースホルダー 1">
+            <a:extLst>
+              <a:ext uri="{FF2B5EF4-FFF2-40B4-BE49-F238E27FC236}">
+                <a16:creationId xmlns:a16="http://schemas.microsoft.com/office/drawing/2014/main" id="{872A2564-AD4B-4454-899B-2DA30D8B7548}"/>
+              </a:ext>
+            </a:extLst>
+          </p:cNvPr>
+          <p:cNvSpPr>
+            <a:spLocks noGrp="1"/>
+          </p:cNvSpPr>
+          <p:nvPr>
+            <p:ph type="body" sz="quarter" idx="10"/>
+          </p:nvPr>
+        </p:nvSpPr>
+        <p:spPr/>
+        <p:txBody>
+          <a:bodyPr/>
+          <a:lstStyle/>
+          <a:p>
+            <a:r>
+              <a:rPr lang="ja-JP" altLang="en-US"/>
+              <a:t>生成子</a:t>
+            </a:r>
+            <a:endParaRPr kumimoji="1" lang="ja-JP" altLang="en-US"/>
+          </a:p>
+        </p:txBody>
+      </p:sp>
+      <p:sp>
+        <p:nvSpPr>
+          <p:cNvPr id="3" name="テキスト ボックス 2">
+            <a:extLst>
+              <a:ext uri="{FF2B5EF4-FFF2-40B4-BE49-F238E27FC236}">
+                <a16:creationId xmlns:a16="http://schemas.microsoft.com/office/drawing/2014/main" id="{B3C3FB03-ADCF-29B1-5F6E-7B5DAB7A9FCE}"/>
+              </a:ext>
+            </a:extLst>
+          </p:cNvPr>
+          <p:cNvSpPr txBox="1"/>
+          <p:nvPr/>
+        </p:nvSpPr>
+        <p:spPr>
+          <a:xfrm>
+            <a:off x="323528" y="980728"/>
+            <a:ext cx="7366119" cy="523220"/>
+          </a:xfrm>
+          <a:prstGeom prst="rect">
+            <a:avLst/>
+          </a:prstGeom>
+          <a:noFill/>
+        </p:spPr>
+        <p:txBody>
+          <a:bodyPr wrap="none" rtlCol="0">
+            <a:spAutoFit/>
+          </a:bodyPr>
+          <a:lstStyle/>
+          <a:p>
+            <a:r>
+              <a:rPr lang="ja-JP" altLang="en-US" sz="2800"/>
+              <a:t>ツマミの状態を表すベクトルを微分してみる</a:t>
+            </a:r>
+            <a:endParaRPr kumimoji="1" lang="ja-JP" altLang="en-US" sz="2800"/>
+          </a:p>
+        </p:txBody>
+      </p:sp>
+      <mc:AlternateContent xmlns:mc="http://schemas.openxmlformats.org/markup-compatibility/2006">
+        <mc:Choice xmlns:a14="http://schemas.microsoft.com/office/drawing/2010/main" Requires="a14">
+          <p:sp>
+            <p:nvSpPr>
+              <p:cNvPr id="4" name="テキスト ボックス 3">
+                <a:extLst>
+                  <a:ext uri="{FF2B5EF4-FFF2-40B4-BE49-F238E27FC236}">
+                    <a16:creationId xmlns:a16="http://schemas.microsoft.com/office/drawing/2014/main" id="{B33CDD6D-DD7E-9933-C376-0AE56D7236F2}"/>
+                  </a:ext>
+                </a:extLst>
+              </p:cNvPr>
+              <p:cNvSpPr txBox="1"/>
+              <p:nvPr/>
+            </p:nvSpPr>
+            <p:spPr>
+              <a:xfrm>
+                <a:off x="1835696" y="1556792"/>
+                <a:ext cx="4662558" cy="955711"/>
+              </a:xfrm>
+              <a:prstGeom prst="rect">
+                <a:avLst/>
+              </a:prstGeom>
+              <a:noFill/>
+            </p:spPr>
+            <p:txBody>
+              <a:bodyPr wrap="none" lIns="0" tIns="0" rIns="0" bIns="0" rtlCol="0">
+                <a:spAutoFit/>
+              </a:bodyPr>
+              <a:lstStyle/>
+              <a:p>
+                <a14:m>
+                  <m:oMathPara xmlns:m="http://schemas.openxmlformats.org/officeDocument/2006/math">
+                    <m:oMathParaPr>
+                      <m:jc m:val="centerGroup"/>
+                    </m:oMathParaPr>
+                    <m:oMath xmlns:m="http://schemas.openxmlformats.org/officeDocument/2006/math">
+                      <m:f>
+                        <m:fPr>
+                          <m:ctrlPr>
+                            <a:rPr kumimoji="1" lang="en-US" altLang="ja-JP" sz="3200" b="0" i="1" smtClean="0">
+                              <a:latin typeface="Cambria Math" panose="02040503050406030204" pitchFamily="18" charset="0"/>
+                            </a:rPr>
+                          </m:ctrlPr>
+                        </m:fPr>
+                        <m:num>
+                          <m:r>
+                            <a:rPr kumimoji="1" lang="en-US" altLang="ja-JP" sz="3200" b="0" i="1" smtClean="0">
+                              <a:latin typeface="Cambria Math" panose="02040503050406030204" pitchFamily="18" charset="0"/>
+                            </a:rPr>
+                            <m:t>𝑑𝑣</m:t>
+                          </m:r>
+                        </m:num>
+                        <m:den>
+                          <m:r>
+                            <a:rPr kumimoji="1" lang="en-US" altLang="ja-JP" sz="3200" b="0" i="1" smtClean="0">
+                              <a:latin typeface="Cambria Math" panose="02040503050406030204" pitchFamily="18" charset="0"/>
+                            </a:rPr>
+                            <m:t>𝑑</m:t>
+                          </m:r>
+                          <m:r>
+                            <a:rPr kumimoji="1" lang="en-US" altLang="ja-JP" sz="3200" b="0" i="1" smtClean="0">
+                              <a:latin typeface="Cambria Math" panose="02040503050406030204" pitchFamily="18" charset="0"/>
+                            </a:rPr>
+                            <m:t>𝜃</m:t>
+                          </m:r>
+                        </m:den>
+                      </m:f>
+                      <m:r>
+                        <a:rPr kumimoji="1" lang="en-US" altLang="ja-JP" sz="3200" b="0" i="1" smtClean="0">
+                          <a:latin typeface="Cambria Math" panose="02040503050406030204" pitchFamily="18" charset="0"/>
+                        </a:rPr>
+                        <m:t>=</m:t>
+                      </m:r>
+                      <m:limLow>
+                        <m:limLowPr>
+                          <m:ctrlPr>
+                            <a:rPr kumimoji="1" lang="en-US" altLang="ja-JP" sz="3200" b="0" i="1" smtClean="0">
+                              <a:latin typeface="Cambria Math" panose="02040503050406030204" pitchFamily="18" charset="0"/>
+                            </a:rPr>
+                          </m:ctrlPr>
+                        </m:limLowPr>
+                        <m:e>
+                          <m:r>
+                            <m:rPr>
+                              <m:sty m:val="p"/>
+                            </m:rPr>
+                            <a:rPr kumimoji="1" lang="en-US" altLang="ja-JP" sz="3200" b="0" i="0" smtClean="0">
+                              <a:latin typeface="Cambria Math" panose="02040503050406030204" pitchFamily="18" charset="0"/>
+                            </a:rPr>
+                            <m:t>lim</m:t>
+                          </m:r>
+                        </m:e>
+                        <m:lim>
+                          <m:r>
+                            <a:rPr kumimoji="1" lang="en-US" altLang="ja-JP" sz="3200" b="0" i="1" smtClean="0">
+                              <a:latin typeface="Cambria Math" panose="02040503050406030204" pitchFamily="18" charset="0"/>
+                            </a:rPr>
+                            <m:t>h</m:t>
+                          </m:r>
+                          <m:r>
+                            <a:rPr kumimoji="1" lang="en-US" altLang="ja-JP" sz="3200" b="0" i="1" smtClean="0">
+                              <a:latin typeface="Cambria Math" panose="02040503050406030204" pitchFamily="18" charset="0"/>
+                            </a:rPr>
+                            <m:t>→0</m:t>
+                          </m:r>
+                        </m:lim>
+                      </m:limLow>
+                      <m:f>
+                        <m:fPr>
+                          <m:ctrlPr>
+                            <a:rPr kumimoji="1" lang="en-US" altLang="ja-JP" sz="3200" b="0" i="1" smtClean="0">
+                              <a:latin typeface="Cambria Math" panose="02040503050406030204" pitchFamily="18" charset="0"/>
+                            </a:rPr>
+                          </m:ctrlPr>
+                        </m:fPr>
+                        <m:num>
+                          <m:r>
+                            <a:rPr kumimoji="1" lang="en-US" altLang="ja-JP" sz="3200" b="0" i="1" smtClean="0">
+                              <a:latin typeface="Cambria Math" panose="02040503050406030204" pitchFamily="18" charset="0"/>
+                            </a:rPr>
+                            <m:t>𝑣</m:t>
+                          </m:r>
+                          <m:d>
+                            <m:dPr>
+                              <m:ctrlPr>
+                                <a:rPr kumimoji="1" lang="en-US" altLang="ja-JP" sz="3200" b="0" i="1" smtClean="0">
+                                  <a:latin typeface="Cambria Math" panose="02040503050406030204" pitchFamily="18" charset="0"/>
+                                </a:rPr>
+                              </m:ctrlPr>
+                            </m:dPr>
+                            <m:e>
+                              <m:r>
+                                <a:rPr kumimoji="1" lang="en-US" altLang="ja-JP" sz="3200" b="0" i="1" smtClean="0">
+                                  <a:latin typeface="Cambria Math" panose="02040503050406030204" pitchFamily="18" charset="0"/>
+                                </a:rPr>
+                                <m:t>𝜃</m:t>
+                              </m:r>
+                              <m:r>
+                                <a:rPr kumimoji="1" lang="en-US" altLang="ja-JP" sz="3200" b="0" i="1" smtClean="0">
+                                  <a:latin typeface="Cambria Math" panose="02040503050406030204" pitchFamily="18" charset="0"/>
+                                </a:rPr>
+                                <m:t>+</m:t>
+                              </m:r>
+                              <m:r>
+                                <a:rPr kumimoji="1" lang="en-US" altLang="ja-JP" sz="3200" b="0" i="1" smtClean="0">
+                                  <a:latin typeface="Cambria Math" panose="02040503050406030204" pitchFamily="18" charset="0"/>
+                                </a:rPr>
+                                <m:t>h</m:t>
+                              </m:r>
+                            </m:e>
+                          </m:d>
+                          <m:r>
+                            <a:rPr kumimoji="1" lang="en-US" altLang="ja-JP" sz="3200" b="0" i="1" smtClean="0">
+                              <a:latin typeface="Cambria Math" panose="02040503050406030204" pitchFamily="18" charset="0"/>
+                            </a:rPr>
+                            <m:t>−</m:t>
+                          </m:r>
+                          <m:r>
+                            <a:rPr kumimoji="1" lang="en-US" altLang="ja-JP" sz="3200" b="0" i="1" smtClean="0">
+                              <a:latin typeface="Cambria Math" panose="02040503050406030204" pitchFamily="18" charset="0"/>
+                            </a:rPr>
+                            <m:t>𝑣</m:t>
+                          </m:r>
+                          <m:r>
+                            <a:rPr kumimoji="1" lang="en-US" altLang="ja-JP" sz="3200" b="0" i="1" smtClean="0">
+                              <a:latin typeface="Cambria Math" panose="02040503050406030204" pitchFamily="18" charset="0"/>
+                            </a:rPr>
+                            <m:t>(</m:t>
+                          </m:r>
+                          <m:r>
+                            <a:rPr kumimoji="1" lang="en-US" altLang="ja-JP" sz="3200" b="0" i="1" smtClean="0">
+                              <a:latin typeface="Cambria Math" panose="02040503050406030204" pitchFamily="18" charset="0"/>
+                            </a:rPr>
+                            <m:t>𝜃</m:t>
+                          </m:r>
+                          <m:r>
+                            <a:rPr kumimoji="1" lang="en-US" altLang="ja-JP" sz="3200" b="0" i="1" smtClean="0">
+                              <a:latin typeface="Cambria Math" panose="02040503050406030204" pitchFamily="18" charset="0"/>
+                            </a:rPr>
+                            <m:t>)</m:t>
+                          </m:r>
+                        </m:num>
+                        <m:den>
+                          <m:r>
+                            <a:rPr kumimoji="1" lang="en-US" altLang="ja-JP" sz="3200" b="0" i="1" smtClean="0">
+                              <a:latin typeface="Cambria Math" panose="02040503050406030204" pitchFamily="18" charset="0"/>
+                            </a:rPr>
+                            <m:t>h</m:t>
+                          </m:r>
+                        </m:den>
+                      </m:f>
+                    </m:oMath>
+                  </m:oMathPara>
+                </a14:m>
+                <a:endParaRPr kumimoji="1" lang="ja-JP" altLang="en-US" sz="3200"/>
+              </a:p>
+            </p:txBody>
+          </p:sp>
+        </mc:Choice>
+        <mc:Fallback>
+          <p:sp>
+            <p:nvSpPr>
+              <p:cNvPr id="4" name="テキスト ボックス 3">
+                <a:extLst>
+                  <a:ext uri="{FF2B5EF4-FFF2-40B4-BE49-F238E27FC236}">
+                    <a16:creationId xmlns:a16="http://schemas.microsoft.com/office/drawing/2014/main" id="{B33CDD6D-DD7E-9933-C376-0AE56D7236F2}"/>
+                  </a:ext>
+                </a:extLst>
+              </p:cNvPr>
+              <p:cNvSpPr txBox="1">
+                <a:spLocks noRot="1" noChangeAspect="1" noMove="1" noResize="1" noEditPoints="1" noAdjustHandles="1" noChangeArrowheads="1" noChangeShapeType="1" noTextEdit="1"/>
+              </p:cNvSpPr>
+              <p:nvPr/>
+            </p:nvSpPr>
+            <p:spPr>
+              <a:xfrm>
+                <a:off x="1835696" y="1556792"/>
+                <a:ext cx="4662558" cy="955711"/>
+              </a:xfrm>
+              <a:prstGeom prst="rect">
+                <a:avLst/>
+              </a:prstGeom>
+              <a:blipFill>
+                <a:blip r:embed="rId2"/>
+                <a:stretch>
+                  <a:fillRect/>
+                </a:stretch>
+              </a:blipFill>
+            </p:spPr>
+            <p:txBody>
+              <a:bodyPr/>
+              <a:lstStyle/>
+              <a:p>
+                <a:r>
+                  <a:rPr lang="ja-JP" altLang="en-US">
+                    <a:noFill/>
+                  </a:rPr>
+                  <a:t> </a:t>
+                </a:r>
+              </a:p>
+            </p:txBody>
+          </p:sp>
+        </mc:Fallback>
+      </mc:AlternateContent>
+      <mc:AlternateContent xmlns:mc="http://schemas.openxmlformats.org/markup-compatibility/2006">
+        <mc:Choice xmlns:a14="http://schemas.microsoft.com/office/drawing/2010/main" Requires="a14">
+          <p:sp>
+            <p:nvSpPr>
+              <p:cNvPr id="5" name="テキスト ボックス 4">
+                <a:extLst>
+                  <a:ext uri="{FF2B5EF4-FFF2-40B4-BE49-F238E27FC236}">
+                    <a16:creationId xmlns:a16="http://schemas.microsoft.com/office/drawing/2014/main" id="{7468F428-41FC-7A85-A824-82814AC4EEC9}"/>
+                  </a:ext>
+                </a:extLst>
+              </p:cNvPr>
+              <p:cNvSpPr txBox="1"/>
+              <p:nvPr/>
+            </p:nvSpPr>
+            <p:spPr>
+              <a:xfrm>
+                <a:off x="2483768" y="2564904"/>
+                <a:ext cx="4209870" cy="955711"/>
+              </a:xfrm>
+              <a:prstGeom prst="rect">
+                <a:avLst/>
+              </a:prstGeom>
+              <a:noFill/>
+            </p:spPr>
+            <p:txBody>
+              <a:bodyPr wrap="none" lIns="0" tIns="0" rIns="0" bIns="0" rtlCol="0">
+                <a:spAutoFit/>
+              </a:bodyPr>
+              <a:lstStyle/>
+              <a:p>
+                <a14:m>
+                  <m:oMathPara xmlns:m="http://schemas.openxmlformats.org/officeDocument/2006/math">
+                    <m:oMathParaPr>
+                      <m:jc m:val="centerGroup"/>
+                    </m:oMathParaPr>
+                    <m:oMath xmlns:m="http://schemas.openxmlformats.org/officeDocument/2006/math">
+                      <m:r>
+                        <a:rPr kumimoji="1" lang="en-US" altLang="ja-JP" sz="3200" b="0" i="1" smtClean="0">
+                          <a:latin typeface="Cambria Math" panose="02040503050406030204" pitchFamily="18" charset="0"/>
+                        </a:rPr>
+                        <m:t>=</m:t>
+                      </m:r>
+                      <m:limLow>
+                        <m:limLowPr>
+                          <m:ctrlPr>
+                            <a:rPr kumimoji="1" lang="en-US" altLang="ja-JP" sz="3200" b="0" i="1" smtClean="0">
+                              <a:latin typeface="Cambria Math" panose="02040503050406030204" pitchFamily="18" charset="0"/>
+                            </a:rPr>
+                          </m:ctrlPr>
+                        </m:limLowPr>
+                        <m:e>
+                          <m:r>
+                            <m:rPr>
+                              <m:sty m:val="p"/>
+                            </m:rPr>
+                            <a:rPr kumimoji="1" lang="en-US" altLang="ja-JP" sz="3200" b="0" i="0" smtClean="0">
+                              <a:latin typeface="Cambria Math" panose="02040503050406030204" pitchFamily="18" charset="0"/>
+                            </a:rPr>
+                            <m:t>lim</m:t>
+                          </m:r>
+                        </m:e>
+                        <m:lim>
+                          <m:r>
+                            <a:rPr kumimoji="1" lang="en-US" altLang="ja-JP" sz="3200" b="0" i="1" smtClean="0">
+                              <a:latin typeface="Cambria Math" panose="02040503050406030204" pitchFamily="18" charset="0"/>
+                            </a:rPr>
+                            <m:t>h</m:t>
+                          </m:r>
+                          <m:r>
+                            <a:rPr kumimoji="1" lang="en-US" altLang="ja-JP" sz="3200" b="0" i="1" smtClean="0">
+                              <a:latin typeface="Cambria Math" panose="02040503050406030204" pitchFamily="18" charset="0"/>
+                            </a:rPr>
+                            <m:t>→0</m:t>
+                          </m:r>
+                        </m:lim>
+                      </m:limLow>
+                      <m:f>
+                        <m:fPr>
+                          <m:ctrlPr>
+                            <a:rPr kumimoji="1" lang="en-US" altLang="ja-JP" sz="3200" b="0" i="1" smtClean="0">
+                              <a:latin typeface="Cambria Math" panose="02040503050406030204" pitchFamily="18" charset="0"/>
+                            </a:rPr>
+                          </m:ctrlPr>
+                        </m:fPr>
+                        <m:num>
+                          <m:r>
+                            <a:rPr kumimoji="1" lang="en-US" altLang="ja-JP" sz="3200" b="0" i="1" smtClean="0">
+                              <a:latin typeface="Cambria Math" panose="02040503050406030204" pitchFamily="18" charset="0"/>
+                            </a:rPr>
+                            <m:t>𝑈</m:t>
+                          </m:r>
+                          <m:d>
+                            <m:dPr>
+                              <m:ctrlPr>
+                                <a:rPr kumimoji="1" lang="en-US" altLang="ja-JP" sz="3200" b="0" i="1" smtClean="0">
+                                  <a:latin typeface="Cambria Math" panose="02040503050406030204" pitchFamily="18" charset="0"/>
+                                </a:rPr>
+                              </m:ctrlPr>
+                            </m:dPr>
+                            <m:e>
+                              <m:r>
+                                <a:rPr kumimoji="1" lang="en-US" altLang="ja-JP" sz="3200" b="0" i="1" smtClean="0">
+                                  <a:latin typeface="Cambria Math" panose="02040503050406030204" pitchFamily="18" charset="0"/>
+                                </a:rPr>
+                                <m:t>h</m:t>
+                              </m:r>
+                            </m:e>
+                          </m:d>
+                          <m:r>
+                            <a:rPr kumimoji="1" lang="en-US" altLang="ja-JP" sz="3200" b="0" i="1" smtClean="0">
+                              <a:latin typeface="Cambria Math" panose="02040503050406030204" pitchFamily="18" charset="0"/>
+                            </a:rPr>
+                            <m:t>𝑣</m:t>
+                          </m:r>
+                          <m:d>
+                            <m:dPr>
+                              <m:ctrlPr>
+                                <a:rPr kumimoji="1" lang="en-US" altLang="ja-JP" sz="3200" b="0" i="1" smtClean="0">
+                                  <a:latin typeface="Cambria Math" panose="02040503050406030204" pitchFamily="18" charset="0"/>
+                                </a:rPr>
+                              </m:ctrlPr>
+                            </m:dPr>
+                            <m:e>
+                              <m:r>
+                                <a:rPr kumimoji="1" lang="en-US" altLang="ja-JP" sz="3200" b="0" i="1" smtClean="0">
+                                  <a:latin typeface="Cambria Math" panose="02040503050406030204" pitchFamily="18" charset="0"/>
+                                </a:rPr>
+                                <m:t>𝜃</m:t>
+                              </m:r>
+                            </m:e>
+                          </m:d>
+                          <m:r>
+                            <a:rPr kumimoji="1" lang="en-US" altLang="ja-JP" sz="3200" b="0" i="1" smtClean="0">
+                              <a:latin typeface="Cambria Math" panose="02040503050406030204" pitchFamily="18" charset="0"/>
+                            </a:rPr>
+                            <m:t>−</m:t>
+                          </m:r>
+                          <m:r>
+                            <a:rPr kumimoji="1" lang="en-US" altLang="ja-JP" sz="3200" b="0" i="1" smtClean="0">
+                              <a:latin typeface="Cambria Math" panose="02040503050406030204" pitchFamily="18" charset="0"/>
+                            </a:rPr>
+                            <m:t>𝑣</m:t>
+                          </m:r>
+                          <m:r>
+                            <a:rPr kumimoji="1" lang="en-US" altLang="ja-JP" sz="3200" b="0" i="1" smtClean="0">
+                              <a:latin typeface="Cambria Math" panose="02040503050406030204" pitchFamily="18" charset="0"/>
+                            </a:rPr>
+                            <m:t>(</m:t>
+                          </m:r>
+                          <m:r>
+                            <a:rPr kumimoji="1" lang="en-US" altLang="ja-JP" sz="3200" b="0" i="1" smtClean="0">
+                              <a:latin typeface="Cambria Math" panose="02040503050406030204" pitchFamily="18" charset="0"/>
+                            </a:rPr>
+                            <m:t>𝜃</m:t>
+                          </m:r>
+                          <m:r>
+                            <a:rPr kumimoji="1" lang="en-US" altLang="ja-JP" sz="3200" b="0" i="1" smtClean="0">
+                              <a:latin typeface="Cambria Math" panose="02040503050406030204" pitchFamily="18" charset="0"/>
+                            </a:rPr>
+                            <m:t>)</m:t>
+                          </m:r>
+                        </m:num>
+                        <m:den>
+                          <m:r>
+                            <a:rPr kumimoji="1" lang="en-US" altLang="ja-JP" sz="3200" b="0" i="1" smtClean="0">
+                              <a:latin typeface="Cambria Math" panose="02040503050406030204" pitchFamily="18" charset="0"/>
+                            </a:rPr>
+                            <m:t>h</m:t>
+                          </m:r>
+                        </m:den>
+                      </m:f>
+                    </m:oMath>
+                  </m:oMathPara>
+                </a14:m>
+                <a:endParaRPr kumimoji="1" lang="ja-JP" altLang="en-US" sz="3200"/>
+              </a:p>
+            </p:txBody>
+          </p:sp>
+        </mc:Choice>
+        <mc:Fallback>
+          <p:sp>
+            <p:nvSpPr>
+              <p:cNvPr id="5" name="テキスト ボックス 4">
+                <a:extLst>
+                  <a:ext uri="{FF2B5EF4-FFF2-40B4-BE49-F238E27FC236}">
+                    <a16:creationId xmlns:a16="http://schemas.microsoft.com/office/drawing/2014/main" id="{7468F428-41FC-7A85-A824-82814AC4EEC9}"/>
+                  </a:ext>
+                </a:extLst>
+              </p:cNvPr>
+              <p:cNvSpPr txBox="1">
+                <a:spLocks noRot="1" noChangeAspect="1" noMove="1" noResize="1" noEditPoints="1" noAdjustHandles="1" noChangeArrowheads="1" noChangeShapeType="1" noTextEdit="1"/>
+              </p:cNvSpPr>
+              <p:nvPr/>
+            </p:nvSpPr>
+            <p:spPr>
+              <a:xfrm>
+                <a:off x="2483768" y="2564904"/>
+                <a:ext cx="4209870" cy="955711"/>
+              </a:xfrm>
+              <a:prstGeom prst="rect">
+                <a:avLst/>
+              </a:prstGeom>
+              <a:blipFill>
+                <a:blip r:embed="rId3"/>
+                <a:stretch>
+                  <a:fillRect/>
+                </a:stretch>
+              </a:blipFill>
+            </p:spPr>
+            <p:txBody>
+              <a:bodyPr/>
+              <a:lstStyle/>
+              <a:p>
+                <a:r>
+                  <a:rPr lang="ja-JP" altLang="en-US">
+                    <a:noFill/>
+                  </a:rPr>
+                  <a:t> </a:t>
+                </a:r>
+              </a:p>
+            </p:txBody>
+          </p:sp>
+        </mc:Fallback>
+      </mc:AlternateContent>
+      <mc:AlternateContent xmlns:mc="http://schemas.openxmlformats.org/markup-compatibility/2006">
+        <mc:Choice xmlns:a14="http://schemas.microsoft.com/office/drawing/2010/main" Requires="a14">
+          <p:sp>
+            <p:nvSpPr>
+              <p:cNvPr id="6" name="テキスト ボックス 5">
+                <a:extLst>
+                  <a:ext uri="{FF2B5EF4-FFF2-40B4-BE49-F238E27FC236}">
+                    <a16:creationId xmlns:a16="http://schemas.microsoft.com/office/drawing/2014/main" id="{4C885FA3-2918-563C-21A9-65678F1DC0DB}"/>
+                  </a:ext>
+                </a:extLst>
+              </p:cNvPr>
+              <p:cNvSpPr txBox="1"/>
+              <p:nvPr/>
+            </p:nvSpPr>
+            <p:spPr>
+              <a:xfrm>
+                <a:off x="2411760" y="3645024"/>
+                <a:ext cx="4341445" cy="1106521"/>
+              </a:xfrm>
+              <a:prstGeom prst="rect">
+                <a:avLst/>
+              </a:prstGeom>
+              <a:noFill/>
+            </p:spPr>
+            <p:txBody>
+              <a:bodyPr wrap="none" lIns="0" tIns="0" rIns="0" bIns="0" rtlCol="0">
+                <a:spAutoFit/>
+              </a:bodyPr>
+              <a:lstStyle/>
+              <a:p>
+                <a14:m>
+                  <m:oMathPara xmlns:m="http://schemas.openxmlformats.org/officeDocument/2006/math">
+                    <m:oMathParaPr>
+                      <m:jc m:val="centerGroup"/>
+                    </m:oMathParaPr>
+                    <m:oMath xmlns:m="http://schemas.openxmlformats.org/officeDocument/2006/math">
+                      <m:r>
+                        <a:rPr kumimoji="1" lang="en-US" altLang="ja-JP" sz="3200" b="0" i="1" smtClean="0">
+                          <a:latin typeface="Cambria Math" panose="02040503050406030204" pitchFamily="18" charset="0"/>
+                        </a:rPr>
+                        <m:t>=</m:t>
+                      </m:r>
+                      <m:limLow>
+                        <m:limLowPr>
+                          <m:ctrlPr>
+                            <a:rPr kumimoji="1" lang="en-US" altLang="ja-JP" sz="3200" b="0" i="1" smtClean="0">
+                              <a:latin typeface="Cambria Math" panose="02040503050406030204" pitchFamily="18" charset="0"/>
+                            </a:rPr>
+                          </m:ctrlPr>
+                        </m:limLowPr>
+                        <m:e>
+                          <m:r>
+                            <m:rPr>
+                              <m:sty m:val="p"/>
+                            </m:rPr>
+                            <a:rPr kumimoji="1" lang="en-US" altLang="ja-JP" sz="3200" b="0" i="0" smtClean="0">
+                              <a:latin typeface="Cambria Math" panose="02040503050406030204" pitchFamily="18" charset="0"/>
+                            </a:rPr>
+                            <m:t>lim</m:t>
+                          </m:r>
+                        </m:e>
+                        <m:lim>
+                          <m:r>
+                            <a:rPr kumimoji="1" lang="en-US" altLang="ja-JP" sz="3200" b="0" i="1" smtClean="0">
+                              <a:latin typeface="Cambria Math" panose="02040503050406030204" pitchFamily="18" charset="0"/>
+                            </a:rPr>
+                            <m:t>h</m:t>
+                          </m:r>
+                          <m:r>
+                            <a:rPr kumimoji="1" lang="en-US" altLang="ja-JP" sz="3200" b="0" i="1" smtClean="0">
+                              <a:latin typeface="Cambria Math" panose="02040503050406030204" pitchFamily="18" charset="0"/>
+                            </a:rPr>
+                            <m:t>→0</m:t>
+                          </m:r>
+                        </m:lim>
+                      </m:limLow>
+                      <m:d>
+                        <m:dPr>
+                          <m:ctrlPr>
+                            <a:rPr kumimoji="1" lang="en-US" altLang="ja-JP" sz="3200" b="0" i="1" smtClean="0">
+                              <a:latin typeface="Cambria Math" panose="02040503050406030204" pitchFamily="18" charset="0"/>
+                            </a:rPr>
+                          </m:ctrlPr>
+                        </m:dPr>
+                        <m:e>
+                          <m:f>
+                            <m:fPr>
+                              <m:ctrlPr>
+                                <a:rPr lang="en-US" altLang="ja-JP" sz="3200" i="1">
+                                  <a:latin typeface="Cambria Math" panose="02040503050406030204" pitchFamily="18" charset="0"/>
+                                </a:rPr>
+                              </m:ctrlPr>
+                            </m:fPr>
+                            <m:num>
+                              <m:r>
+                                <a:rPr lang="en-US" altLang="ja-JP" sz="3200" i="1">
+                                  <a:latin typeface="Cambria Math" panose="02040503050406030204" pitchFamily="18" charset="0"/>
+                                </a:rPr>
+                                <m:t>𝑈</m:t>
+                              </m:r>
+                              <m:d>
+                                <m:dPr>
+                                  <m:ctrlPr>
+                                    <a:rPr lang="en-US" altLang="ja-JP" sz="3200" i="1">
+                                      <a:latin typeface="Cambria Math" panose="02040503050406030204" pitchFamily="18" charset="0"/>
+                                    </a:rPr>
+                                  </m:ctrlPr>
+                                </m:dPr>
+                                <m:e>
+                                  <m:r>
+                                    <a:rPr lang="en-US" altLang="ja-JP" sz="3200" i="1">
+                                      <a:latin typeface="Cambria Math" panose="02040503050406030204" pitchFamily="18" charset="0"/>
+                                    </a:rPr>
+                                    <m:t>h</m:t>
+                                  </m:r>
+                                </m:e>
+                              </m:d>
+                              <m:r>
+                                <a:rPr lang="en-US" altLang="ja-JP" sz="3200" i="1">
+                                  <a:latin typeface="Cambria Math" panose="02040503050406030204" pitchFamily="18" charset="0"/>
+                                </a:rPr>
+                                <m:t>−1</m:t>
+                              </m:r>
+                            </m:num>
+                            <m:den>
+                              <m:r>
+                                <a:rPr lang="en-US" altLang="ja-JP" sz="3200" i="1">
+                                  <a:latin typeface="Cambria Math" panose="02040503050406030204" pitchFamily="18" charset="0"/>
+                                </a:rPr>
+                                <m:t>h</m:t>
+                              </m:r>
+                            </m:den>
+                          </m:f>
+                          <m:r>
+                            <m:rPr>
+                              <m:nor/>
+                            </m:rPr>
+                            <a:rPr lang="ja-JP" altLang="en-US" sz="3200"/>
+                            <m:t> </m:t>
+                          </m:r>
+                        </m:e>
+                      </m:d>
+                      <m:r>
+                        <a:rPr kumimoji="1" lang="en-US" altLang="ja-JP" sz="3200" b="0" i="1" smtClean="0">
+                          <a:latin typeface="Cambria Math" panose="02040503050406030204" pitchFamily="18" charset="0"/>
+                        </a:rPr>
+                        <m:t>𝑣</m:t>
+                      </m:r>
+                      <m:r>
+                        <a:rPr kumimoji="1" lang="en-US" altLang="ja-JP" sz="3200" b="0" i="1" smtClean="0">
+                          <a:latin typeface="Cambria Math" panose="02040503050406030204" pitchFamily="18" charset="0"/>
+                        </a:rPr>
+                        <m:t>(</m:t>
+                      </m:r>
+                      <m:r>
+                        <a:rPr kumimoji="1" lang="en-US" altLang="ja-JP" sz="3200" b="0" i="1" smtClean="0">
+                          <a:latin typeface="Cambria Math" panose="02040503050406030204" pitchFamily="18" charset="0"/>
+                        </a:rPr>
+                        <m:t>𝜃</m:t>
+                      </m:r>
+                      <m:r>
+                        <a:rPr kumimoji="1" lang="en-US" altLang="ja-JP" sz="3200" b="0" i="1" smtClean="0">
+                          <a:latin typeface="Cambria Math" panose="02040503050406030204" pitchFamily="18" charset="0"/>
+                        </a:rPr>
+                        <m:t>)</m:t>
+                      </m:r>
+                    </m:oMath>
+                  </m:oMathPara>
+                </a14:m>
+                <a:endParaRPr kumimoji="1" lang="ja-JP" altLang="en-US" sz="3200"/>
+              </a:p>
+            </p:txBody>
+          </p:sp>
+        </mc:Choice>
+        <mc:Fallback>
+          <p:sp>
+            <p:nvSpPr>
+              <p:cNvPr id="6" name="テキスト ボックス 5">
+                <a:extLst>
+                  <a:ext uri="{FF2B5EF4-FFF2-40B4-BE49-F238E27FC236}">
+                    <a16:creationId xmlns:a16="http://schemas.microsoft.com/office/drawing/2014/main" id="{4C885FA3-2918-563C-21A9-65678F1DC0DB}"/>
+                  </a:ext>
+                </a:extLst>
+              </p:cNvPr>
+              <p:cNvSpPr txBox="1">
+                <a:spLocks noRot="1" noChangeAspect="1" noMove="1" noResize="1" noEditPoints="1" noAdjustHandles="1" noChangeArrowheads="1" noChangeShapeType="1" noTextEdit="1"/>
+              </p:cNvSpPr>
+              <p:nvPr/>
+            </p:nvSpPr>
+            <p:spPr>
+              <a:xfrm>
+                <a:off x="2411760" y="3645024"/>
+                <a:ext cx="4341445" cy="1106521"/>
+              </a:xfrm>
+              <a:prstGeom prst="rect">
+                <a:avLst/>
+              </a:prstGeom>
+              <a:blipFill>
+                <a:blip r:embed="rId4"/>
+                <a:stretch>
+                  <a:fillRect b="-552"/>
+                </a:stretch>
+              </a:blipFill>
+            </p:spPr>
+            <p:txBody>
+              <a:bodyPr/>
+              <a:lstStyle/>
+              <a:p>
+                <a:r>
+                  <a:rPr lang="ja-JP" altLang="en-US">
+                    <a:noFill/>
+                  </a:rPr>
+                  <a:t> </a:t>
+                </a:r>
+              </a:p>
+            </p:txBody>
+          </p:sp>
+        </mc:Fallback>
+      </mc:AlternateContent>
+      <mc:AlternateContent xmlns:mc="http://schemas.openxmlformats.org/markup-compatibility/2006">
+        <mc:Choice xmlns:a14="http://schemas.microsoft.com/office/drawing/2010/main" Requires="a14">
+          <p:sp>
+            <p:nvSpPr>
+              <p:cNvPr id="7" name="テキスト ボックス 6">
+                <a:extLst>
+                  <a:ext uri="{FF2B5EF4-FFF2-40B4-BE49-F238E27FC236}">
+                    <a16:creationId xmlns:a16="http://schemas.microsoft.com/office/drawing/2014/main" id="{835EE73E-8ED4-3D85-6875-4F47B0E1FFF9}"/>
+                  </a:ext>
+                </a:extLst>
+              </p:cNvPr>
+              <p:cNvSpPr txBox="1"/>
+              <p:nvPr/>
+            </p:nvSpPr>
+            <p:spPr>
+              <a:xfrm>
+                <a:off x="2411760" y="4869160"/>
+                <a:ext cx="2306978" cy="492443"/>
+              </a:xfrm>
+              <a:prstGeom prst="rect">
+                <a:avLst/>
+              </a:prstGeom>
+              <a:noFill/>
+            </p:spPr>
+            <p:txBody>
+              <a:bodyPr wrap="none" lIns="0" tIns="0" rIns="0" bIns="0" rtlCol="0">
+                <a:spAutoFit/>
+              </a:bodyPr>
+              <a:lstStyle/>
+              <a:p>
+                <a14:m>
+                  <m:oMathPara xmlns:m="http://schemas.openxmlformats.org/officeDocument/2006/math">
+                    <m:oMathParaPr>
+                      <m:jc m:val="centerGroup"/>
+                    </m:oMathParaPr>
+                    <m:oMath xmlns:m="http://schemas.openxmlformats.org/officeDocument/2006/math">
+                      <m:r>
+                        <a:rPr kumimoji="1" lang="en-US" altLang="ja-JP" sz="3200" b="0" i="1" smtClean="0">
+                          <a:latin typeface="Cambria Math" panose="02040503050406030204" pitchFamily="18" charset="0"/>
+                        </a:rPr>
+                        <m:t>=</m:t>
+                      </m:r>
+                      <m:r>
+                        <a:rPr kumimoji="1" lang="en-US" altLang="ja-JP" sz="3200" b="0" i="1" smtClean="0">
+                          <a:latin typeface="Cambria Math" panose="02040503050406030204" pitchFamily="18" charset="0"/>
+                        </a:rPr>
+                        <m:t>𝑈</m:t>
+                      </m:r>
+                      <m:r>
+                        <a:rPr kumimoji="1" lang="en-US" altLang="ja-JP" sz="3200" b="0" i="1" smtClean="0">
+                          <a:latin typeface="Cambria Math" panose="02040503050406030204" pitchFamily="18" charset="0"/>
+                        </a:rPr>
+                        <m:t>′(0)</m:t>
+                      </m:r>
+                      <m:r>
+                        <a:rPr kumimoji="1" lang="en-US" altLang="ja-JP" sz="3200" b="0" i="1" smtClean="0">
+                          <a:latin typeface="Cambria Math" panose="02040503050406030204" pitchFamily="18" charset="0"/>
+                        </a:rPr>
+                        <m:t>𝑣</m:t>
+                      </m:r>
+                      <m:r>
+                        <a:rPr kumimoji="1" lang="en-US" altLang="ja-JP" sz="3200" b="0" i="1" smtClean="0">
+                          <a:latin typeface="Cambria Math" panose="02040503050406030204" pitchFamily="18" charset="0"/>
+                        </a:rPr>
+                        <m:t>(</m:t>
+                      </m:r>
+                      <m:r>
+                        <a:rPr kumimoji="1" lang="en-US" altLang="ja-JP" sz="3200" b="0" i="1" smtClean="0">
+                          <a:latin typeface="Cambria Math" panose="02040503050406030204" pitchFamily="18" charset="0"/>
+                        </a:rPr>
+                        <m:t>𝜃</m:t>
+                      </m:r>
+                      <m:r>
+                        <a:rPr kumimoji="1" lang="en-US" altLang="ja-JP" sz="3200" b="0" i="1" smtClean="0">
+                          <a:latin typeface="Cambria Math" panose="02040503050406030204" pitchFamily="18" charset="0"/>
+                        </a:rPr>
+                        <m:t>)</m:t>
+                      </m:r>
+                    </m:oMath>
+                  </m:oMathPara>
+                </a14:m>
+                <a:endParaRPr kumimoji="1" lang="ja-JP" altLang="en-US" sz="3200"/>
+              </a:p>
+            </p:txBody>
+          </p:sp>
+        </mc:Choice>
+        <mc:Fallback>
+          <p:sp>
+            <p:nvSpPr>
+              <p:cNvPr id="7" name="テキスト ボックス 6">
+                <a:extLst>
+                  <a:ext uri="{FF2B5EF4-FFF2-40B4-BE49-F238E27FC236}">
+                    <a16:creationId xmlns:a16="http://schemas.microsoft.com/office/drawing/2014/main" id="{835EE73E-8ED4-3D85-6875-4F47B0E1FFF9}"/>
+                  </a:ext>
+                </a:extLst>
+              </p:cNvPr>
+              <p:cNvSpPr txBox="1">
+                <a:spLocks noRot="1" noChangeAspect="1" noMove="1" noResize="1" noEditPoints="1" noAdjustHandles="1" noChangeArrowheads="1" noChangeShapeType="1" noTextEdit="1"/>
+              </p:cNvSpPr>
+              <p:nvPr/>
+            </p:nvSpPr>
+            <p:spPr>
+              <a:xfrm>
+                <a:off x="2411760" y="4869160"/>
+                <a:ext cx="2306978" cy="492443"/>
+              </a:xfrm>
+              <a:prstGeom prst="rect">
+                <a:avLst/>
+              </a:prstGeom>
+              <a:blipFill>
+                <a:blip r:embed="rId5"/>
+                <a:stretch>
+                  <a:fillRect/>
+                </a:stretch>
+              </a:blipFill>
+            </p:spPr>
+            <p:txBody>
+              <a:bodyPr/>
+              <a:lstStyle/>
+              <a:p>
+                <a:r>
+                  <a:rPr lang="ja-JP" altLang="en-US">
+                    <a:noFill/>
+                  </a:rPr>
+                  <a:t> </a:t>
+                </a:r>
+              </a:p>
+            </p:txBody>
+          </p:sp>
+        </mc:Fallback>
+      </mc:AlternateContent>
+      <mc:AlternateContent xmlns:mc="http://schemas.openxmlformats.org/markup-compatibility/2006">
+        <mc:Choice xmlns:a14="http://schemas.microsoft.com/office/drawing/2010/main" Requires="a14">
+          <p:sp>
+            <p:nvSpPr>
+              <p:cNvPr id="8" name="テキスト ボックス 7">
+                <a:extLst>
+                  <a:ext uri="{FF2B5EF4-FFF2-40B4-BE49-F238E27FC236}">
+                    <a16:creationId xmlns:a16="http://schemas.microsoft.com/office/drawing/2014/main" id="{DC453DEE-6F24-A1F2-3D4B-79528A1D5185}"/>
+                  </a:ext>
+                </a:extLst>
+              </p:cNvPr>
+              <p:cNvSpPr txBox="1"/>
+              <p:nvPr/>
+            </p:nvSpPr>
+            <p:spPr>
+              <a:xfrm>
+                <a:off x="3779912" y="5589240"/>
+                <a:ext cx="2083519" cy="935000"/>
+              </a:xfrm>
+              <a:prstGeom prst="rect">
+                <a:avLst/>
+              </a:prstGeom>
+              <a:noFill/>
+            </p:spPr>
+            <p:txBody>
+              <a:bodyPr wrap="none" lIns="0" tIns="0" rIns="0" bIns="0" rtlCol="0">
+                <a:spAutoFit/>
+              </a:bodyPr>
+              <a:lstStyle/>
+              <a:p>
+                <a14:m>
+                  <m:oMathPara xmlns:m="http://schemas.openxmlformats.org/officeDocument/2006/math">
+                    <m:oMathParaPr>
+                      <m:jc m:val="centerGroup"/>
+                    </m:oMathParaPr>
+                    <m:oMath xmlns:m="http://schemas.openxmlformats.org/officeDocument/2006/math">
+                      <m:f>
+                        <m:fPr>
+                          <m:ctrlPr>
+                            <a:rPr kumimoji="1" lang="en-US" altLang="ja-JP" sz="3200" b="0" i="1" smtClean="0">
+                              <a:latin typeface="Cambria Math" panose="02040503050406030204" pitchFamily="18" charset="0"/>
+                            </a:rPr>
+                          </m:ctrlPr>
+                        </m:fPr>
+                        <m:num>
+                          <m:r>
+                            <a:rPr kumimoji="1" lang="en-US" altLang="ja-JP" sz="3200" b="0" i="1" smtClean="0">
+                              <a:latin typeface="Cambria Math" panose="02040503050406030204" pitchFamily="18" charset="0"/>
+                            </a:rPr>
+                            <m:t>𝑑</m:t>
+                          </m:r>
+                        </m:num>
+                        <m:den>
+                          <m:r>
+                            <a:rPr kumimoji="1" lang="en-US" altLang="ja-JP" sz="3200" b="0" i="1" smtClean="0">
+                              <a:latin typeface="Cambria Math" panose="02040503050406030204" pitchFamily="18" charset="0"/>
+                            </a:rPr>
+                            <m:t>𝑑</m:t>
+                          </m:r>
+                          <m:r>
+                            <a:rPr kumimoji="1" lang="en-US" altLang="ja-JP" sz="3200" b="0" i="1" smtClean="0">
+                              <a:latin typeface="Cambria Math" panose="02040503050406030204" pitchFamily="18" charset="0"/>
+                            </a:rPr>
+                            <m:t>𝜃</m:t>
+                          </m:r>
+                        </m:den>
+                      </m:f>
+                      <m:r>
+                        <a:rPr kumimoji="1" lang="en-US" altLang="ja-JP" sz="3200" b="0" i="1" smtClean="0">
+                          <a:latin typeface="Cambria Math" panose="02040503050406030204" pitchFamily="18" charset="0"/>
+                        </a:rPr>
+                        <m:t>=</m:t>
+                      </m:r>
+                      <m:r>
+                        <a:rPr kumimoji="1" lang="en-US" altLang="ja-JP" sz="3200" b="0" i="1" smtClean="0">
+                          <a:latin typeface="Cambria Math" panose="02040503050406030204" pitchFamily="18" charset="0"/>
+                        </a:rPr>
+                        <m:t>𝑈</m:t>
+                      </m:r>
+                      <m:r>
+                        <a:rPr kumimoji="1" lang="en-US" altLang="ja-JP" sz="3200" b="0" i="1" smtClean="0">
+                          <a:latin typeface="Cambria Math" panose="02040503050406030204" pitchFamily="18" charset="0"/>
+                        </a:rPr>
+                        <m:t>′(0)</m:t>
+                      </m:r>
+                    </m:oMath>
+                  </m:oMathPara>
+                </a14:m>
+                <a:endParaRPr kumimoji="1" lang="ja-JP" altLang="en-US" sz="3200"/>
+              </a:p>
+            </p:txBody>
+          </p:sp>
+        </mc:Choice>
+        <mc:Fallback>
+          <p:sp>
+            <p:nvSpPr>
+              <p:cNvPr id="8" name="テキスト ボックス 7">
+                <a:extLst>
+                  <a:ext uri="{FF2B5EF4-FFF2-40B4-BE49-F238E27FC236}">
+                    <a16:creationId xmlns:a16="http://schemas.microsoft.com/office/drawing/2014/main" id="{DC453DEE-6F24-A1F2-3D4B-79528A1D5185}"/>
+                  </a:ext>
+                </a:extLst>
+              </p:cNvPr>
+              <p:cNvSpPr txBox="1">
+                <a:spLocks noRot="1" noChangeAspect="1" noMove="1" noResize="1" noEditPoints="1" noAdjustHandles="1" noChangeArrowheads="1" noChangeShapeType="1" noTextEdit="1"/>
+              </p:cNvSpPr>
+              <p:nvPr/>
+            </p:nvSpPr>
+            <p:spPr>
+              <a:xfrm>
+                <a:off x="3779912" y="5589240"/>
+                <a:ext cx="2083519" cy="935000"/>
+              </a:xfrm>
+              <a:prstGeom prst="rect">
+                <a:avLst/>
+              </a:prstGeom>
+              <a:blipFill>
+                <a:blip r:embed="rId6"/>
+                <a:stretch>
+                  <a:fillRect/>
+                </a:stretch>
+              </a:blipFill>
+            </p:spPr>
+            <p:txBody>
+              <a:bodyPr/>
+              <a:lstStyle/>
+              <a:p>
+                <a:r>
+                  <a:rPr lang="ja-JP" altLang="en-US">
+                    <a:noFill/>
+                  </a:rPr>
+                  <a:t> </a:t>
+                </a:r>
+              </a:p>
+            </p:txBody>
+          </p:sp>
+        </mc:Fallback>
+      </mc:AlternateContent>
+      <p:sp>
+        <p:nvSpPr>
+          <p:cNvPr id="9" name="テキスト ボックス 8">
+            <a:extLst>
+              <a:ext uri="{FF2B5EF4-FFF2-40B4-BE49-F238E27FC236}">
+                <a16:creationId xmlns:a16="http://schemas.microsoft.com/office/drawing/2014/main" id="{39F17AFB-A028-B426-1B2B-A51CEC9EB20F}"/>
+              </a:ext>
+            </a:extLst>
+          </p:cNvPr>
+          <p:cNvSpPr txBox="1"/>
+          <p:nvPr/>
+        </p:nvSpPr>
+        <p:spPr>
+          <a:xfrm>
+            <a:off x="827584" y="5877272"/>
+            <a:ext cx="2646878" cy="461665"/>
+          </a:xfrm>
+          <a:prstGeom prst="rect">
+            <a:avLst/>
+          </a:prstGeom>
+          <a:noFill/>
+        </p:spPr>
+        <p:txBody>
+          <a:bodyPr wrap="none" rtlCol="0">
+            <a:spAutoFit/>
+          </a:bodyPr>
+          <a:lstStyle/>
+          <a:p>
+            <a:r>
+              <a:rPr lang="ja-JP" altLang="en-US" sz="2400"/>
+              <a:t>両辺を見比べると</a:t>
+            </a:r>
+            <a:endParaRPr kumimoji="1" lang="ja-JP" altLang="en-US" sz="2400"/>
+          </a:p>
+        </p:txBody>
+      </p:sp>
+    </p:spTree>
+    <p:extLst>
+      <p:ext uri="{BB962C8B-B14F-4D97-AF65-F5344CB8AC3E}">
+        <p14:creationId xmlns:p14="http://schemas.microsoft.com/office/powerpoint/2010/main" val="30283517"/>
+      </p:ext>
+    </p:extLst>
+  </p:cSld>
+  <p:clrMapOvr>
+    <a:masterClrMapping/>
+  </p:clrMapOvr>
+</p:sld>
+</file>
+
+<file path=ppt/slides/slide26.xml><?xml version="1.0" encoding="utf-8"?>
+<p:sld xmlns:a="http://schemas.openxmlformats.org/drawingml/2006/main" xmlns:r="http://schemas.openxmlformats.org/officeDocument/2006/relationships" xmlns:p="http://schemas.openxmlformats.org/presentationml/2006/main">
+  <p:cSld>
+    <p:spTree>
+      <p:nvGrpSpPr>
+        <p:cNvPr id="1" name=""/>
+        <p:cNvGrpSpPr/>
+        <p:nvPr/>
+      </p:nvGrpSpPr>
+      <p:grpSpPr>
+        <a:xfrm>
+          <a:off x="0" y="0"/>
+          <a:ext cx="0" cy="0"/>
+          <a:chOff x="0" y="0"/>
+          <a:chExt cx="0" cy="0"/>
+        </a:xfrm>
+      </p:grpSpPr>
+      <p:sp>
+        <p:nvSpPr>
+          <p:cNvPr id="2" name="テキスト プレースホルダー 1">
+            <a:extLst>
+              <a:ext uri="{FF2B5EF4-FFF2-40B4-BE49-F238E27FC236}">
+                <a16:creationId xmlns:a16="http://schemas.microsoft.com/office/drawing/2014/main" id="{AC9FEE7D-1DF1-FC67-8733-EEAAFD4778A6}"/>
+              </a:ext>
+            </a:extLst>
+          </p:cNvPr>
+          <p:cNvSpPr>
+            <a:spLocks noGrp="1"/>
+          </p:cNvSpPr>
+          <p:nvPr>
+            <p:ph type="body" sz="quarter" idx="10"/>
+          </p:nvPr>
+        </p:nvSpPr>
+        <p:spPr/>
+        <p:txBody>
+          <a:bodyPr/>
+          <a:lstStyle/>
+          <a:p>
+            <a:r>
+              <a:rPr lang="ja-JP" altLang="en-US"/>
+              <a:t>生成子</a:t>
+            </a:r>
+            <a:endParaRPr kumimoji="1" lang="ja-JP" altLang="en-US"/>
+          </a:p>
+        </p:txBody>
+      </p:sp>
+      <mc:AlternateContent xmlns:mc="http://schemas.openxmlformats.org/markup-compatibility/2006">
+        <mc:Choice xmlns:a14="http://schemas.microsoft.com/office/drawing/2010/main" Requires="a14">
+          <p:sp>
+            <p:nvSpPr>
+              <p:cNvPr id="4" name="テキスト ボックス 3">
+                <a:extLst>
+                  <a:ext uri="{FF2B5EF4-FFF2-40B4-BE49-F238E27FC236}">
+                    <a16:creationId xmlns:a16="http://schemas.microsoft.com/office/drawing/2014/main" id="{373907AF-F043-7461-5318-5D1508A07F44}"/>
+                  </a:ext>
+                </a:extLst>
+              </p:cNvPr>
+              <p:cNvSpPr txBox="1"/>
+              <p:nvPr/>
+            </p:nvSpPr>
+            <p:spPr>
+              <a:xfrm>
+                <a:off x="3347864" y="980728"/>
+                <a:ext cx="2083519" cy="935000"/>
+              </a:xfrm>
+              <a:prstGeom prst="rect">
+                <a:avLst/>
+              </a:prstGeom>
+              <a:noFill/>
+            </p:spPr>
+            <p:txBody>
+              <a:bodyPr wrap="none" lIns="0" tIns="0" rIns="0" bIns="0" rtlCol="0">
+                <a:spAutoFit/>
+              </a:bodyPr>
+              <a:lstStyle/>
+              <a:p>
+                <a14:m>
+                  <m:oMathPara xmlns:m="http://schemas.openxmlformats.org/officeDocument/2006/math">
+                    <m:oMathParaPr>
+                      <m:jc m:val="centerGroup"/>
+                    </m:oMathParaPr>
+                    <m:oMath xmlns:m="http://schemas.openxmlformats.org/officeDocument/2006/math">
+                      <m:f>
+                        <m:fPr>
+                          <m:ctrlPr>
+                            <a:rPr kumimoji="1" lang="en-US" altLang="ja-JP" sz="3200" b="0" i="1" smtClean="0">
+                              <a:latin typeface="Cambria Math" panose="02040503050406030204" pitchFamily="18" charset="0"/>
+                            </a:rPr>
+                          </m:ctrlPr>
+                        </m:fPr>
+                        <m:num>
+                          <m:r>
+                            <a:rPr kumimoji="1" lang="en-US" altLang="ja-JP" sz="3200" b="0" i="1" smtClean="0">
+                              <a:latin typeface="Cambria Math" panose="02040503050406030204" pitchFamily="18" charset="0"/>
+                            </a:rPr>
+                            <m:t>𝑑</m:t>
+                          </m:r>
+                        </m:num>
+                        <m:den>
+                          <m:r>
+                            <a:rPr kumimoji="1" lang="en-US" altLang="ja-JP" sz="3200" b="0" i="1" smtClean="0">
+                              <a:latin typeface="Cambria Math" panose="02040503050406030204" pitchFamily="18" charset="0"/>
+                            </a:rPr>
+                            <m:t>𝑑</m:t>
+                          </m:r>
+                          <m:r>
+                            <a:rPr kumimoji="1" lang="en-US" altLang="ja-JP" sz="3200" b="0" i="1" smtClean="0">
+                              <a:latin typeface="Cambria Math" panose="02040503050406030204" pitchFamily="18" charset="0"/>
+                            </a:rPr>
+                            <m:t>𝜃</m:t>
+                          </m:r>
+                        </m:den>
+                      </m:f>
+                      <m:r>
+                        <a:rPr kumimoji="1" lang="en-US" altLang="ja-JP" sz="3200" b="0" i="1" smtClean="0">
+                          <a:latin typeface="Cambria Math" panose="02040503050406030204" pitchFamily="18" charset="0"/>
+                        </a:rPr>
+                        <m:t>=</m:t>
+                      </m:r>
+                      <m:r>
+                        <a:rPr kumimoji="1" lang="en-US" altLang="ja-JP" sz="3200" b="0" i="1" smtClean="0">
+                          <a:latin typeface="Cambria Math" panose="02040503050406030204" pitchFamily="18" charset="0"/>
+                        </a:rPr>
+                        <m:t>𝑈</m:t>
+                      </m:r>
+                      <m:r>
+                        <a:rPr kumimoji="1" lang="en-US" altLang="ja-JP" sz="3200" b="0" i="1" smtClean="0">
+                          <a:latin typeface="Cambria Math" panose="02040503050406030204" pitchFamily="18" charset="0"/>
+                        </a:rPr>
+                        <m:t>′(0)</m:t>
+                      </m:r>
+                    </m:oMath>
+                  </m:oMathPara>
+                </a14:m>
+                <a:endParaRPr kumimoji="1" lang="ja-JP" altLang="en-US" sz="3200"/>
+              </a:p>
+            </p:txBody>
+          </p:sp>
+        </mc:Choice>
+        <mc:Fallback>
+          <p:sp>
+            <p:nvSpPr>
+              <p:cNvPr id="4" name="テキスト ボックス 3">
+                <a:extLst>
+                  <a:ext uri="{FF2B5EF4-FFF2-40B4-BE49-F238E27FC236}">
+                    <a16:creationId xmlns:a16="http://schemas.microsoft.com/office/drawing/2014/main" id="{373907AF-F043-7461-5318-5D1508A07F44}"/>
+                  </a:ext>
+                </a:extLst>
+              </p:cNvPr>
+              <p:cNvSpPr txBox="1">
+                <a:spLocks noRot="1" noChangeAspect="1" noMove="1" noResize="1" noEditPoints="1" noAdjustHandles="1" noChangeArrowheads="1" noChangeShapeType="1" noTextEdit="1"/>
+              </p:cNvSpPr>
+              <p:nvPr/>
+            </p:nvSpPr>
+            <p:spPr>
+              <a:xfrm>
+                <a:off x="3347864" y="980728"/>
+                <a:ext cx="2083519" cy="935000"/>
+              </a:xfrm>
+              <a:prstGeom prst="rect">
+                <a:avLst/>
+              </a:prstGeom>
+              <a:blipFill>
+                <a:blip r:embed="rId2"/>
+                <a:stretch>
+                  <a:fillRect/>
+                </a:stretch>
+              </a:blipFill>
+            </p:spPr>
+            <p:txBody>
+              <a:bodyPr/>
+              <a:lstStyle/>
+              <a:p>
+                <a:r>
+                  <a:rPr lang="ja-JP" altLang="en-US">
+                    <a:noFill/>
+                  </a:rPr>
+                  <a:t> </a:t>
+                </a:r>
+              </a:p>
+            </p:txBody>
+          </p:sp>
+        </mc:Fallback>
+      </mc:AlternateContent>
+      <p:sp>
+        <p:nvSpPr>
+          <p:cNvPr id="5" name="テキスト ボックス 4">
+            <a:extLst>
+              <a:ext uri="{FF2B5EF4-FFF2-40B4-BE49-F238E27FC236}">
+                <a16:creationId xmlns:a16="http://schemas.microsoft.com/office/drawing/2014/main" id="{32669069-6C1F-3FD4-29B6-2CED085AA35A}"/>
+              </a:ext>
+            </a:extLst>
+          </p:cNvPr>
+          <p:cNvSpPr txBox="1"/>
+          <p:nvPr/>
+        </p:nvSpPr>
+        <p:spPr>
+          <a:xfrm>
+            <a:off x="467544" y="2060848"/>
+            <a:ext cx="8244408" cy="1384995"/>
+          </a:xfrm>
+          <a:prstGeom prst="rect">
+            <a:avLst/>
+          </a:prstGeom>
+          <a:noFill/>
+        </p:spPr>
+        <p:txBody>
+          <a:bodyPr wrap="square" rtlCol="0">
+            <a:spAutoFit/>
+          </a:bodyPr>
+          <a:lstStyle/>
+          <a:p>
+            <a:r>
+              <a:rPr lang="ja-JP" altLang="en-US" sz="2800"/>
+              <a:t>回転演算子について、微分してから回転角度をゼロとおいたものは、そのパラメタに対する微分演算子とみなすことができる</a:t>
+            </a:r>
+            <a:endParaRPr kumimoji="1" lang="ja-JP" altLang="en-US" sz="2800"/>
+          </a:p>
+        </p:txBody>
+      </p:sp>
+      <mc:AlternateContent xmlns:mc="http://schemas.openxmlformats.org/markup-compatibility/2006">
+        <mc:Choice xmlns:a14="http://schemas.microsoft.com/office/drawing/2010/main" Requires="a14">
+          <p:sp>
+            <p:nvSpPr>
+              <p:cNvPr id="6" name="テキスト ボックス 5">
+                <a:extLst>
+                  <a:ext uri="{FF2B5EF4-FFF2-40B4-BE49-F238E27FC236}">
+                    <a16:creationId xmlns:a16="http://schemas.microsoft.com/office/drawing/2014/main" id="{1878B432-9622-150F-7F17-1C3975A6674D}"/>
+                  </a:ext>
+                </a:extLst>
+              </p:cNvPr>
+              <p:cNvSpPr txBox="1"/>
+              <p:nvPr/>
+            </p:nvSpPr>
+            <p:spPr>
+              <a:xfrm>
+                <a:off x="323528" y="3861048"/>
+                <a:ext cx="3995453" cy="809389"/>
+              </a:xfrm>
+              <a:prstGeom prst="rect">
+                <a:avLst/>
+              </a:prstGeom>
+              <a:noFill/>
+            </p:spPr>
+            <p:txBody>
+              <a:bodyPr wrap="none" lIns="0" tIns="0" rIns="0" bIns="0" rtlCol="0">
+                <a:spAutoFit/>
+              </a:bodyPr>
+              <a:lstStyle/>
+              <a:p>
+                <a:pPr/>
+                <a14:m>
+                  <m:oMathPara xmlns:m="http://schemas.openxmlformats.org/officeDocument/2006/math">
+                    <m:oMathParaPr>
+                      <m:jc m:val="centerGroup"/>
+                    </m:oMathParaPr>
+                    <m:oMath xmlns:m="http://schemas.openxmlformats.org/officeDocument/2006/math">
+                      <m:r>
+                        <a:rPr kumimoji="1" lang="en-US" altLang="ja-JP" sz="2800" b="0" i="1" smtClean="0">
+                          <a:latin typeface="Cambria Math" panose="02040503050406030204" pitchFamily="18" charset="0"/>
+                        </a:rPr>
+                        <m:t>𝑈</m:t>
+                      </m:r>
+                      <m:d>
+                        <m:dPr>
+                          <m:ctrlPr>
+                            <a:rPr kumimoji="1" lang="en-US" altLang="ja-JP" sz="2800" b="0" i="1" smtClean="0">
+                              <a:latin typeface="Cambria Math" panose="02040503050406030204" pitchFamily="18" charset="0"/>
+                            </a:rPr>
+                          </m:ctrlPr>
+                        </m:dPr>
+                        <m:e>
+                          <m:r>
+                            <a:rPr kumimoji="1" lang="en-US" altLang="ja-JP" sz="2800" b="0" i="1" smtClean="0">
+                              <a:latin typeface="Cambria Math" panose="02040503050406030204" pitchFamily="18" charset="0"/>
+                            </a:rPr>
+                            <m:t>𝜙</m:t>
+                          </m:r>
+                        </m:e>
+                      </m:d>
+                      <m:r>
+                        <a:rPr kumimoji="1" lang="en-US" altLang="ja-JP" sz="2800" b="0" i="1" smtClean="0">
+                          <a:latin typeface="Cambria Math" panose="02040503050406030204" pitchFamily="18" charset="0"/>
+                        </a:rPr>
+                        <m:t>=</m:t>
+                      </m:r>
+                      <m:d>
+                        <m:dPr>
+                          <m:ctrlPr>
+                            <a:rPr kumimoji="1" lang="en-US" altLang="ja-JP" sz="2800" b="0" i="1" smtClean="0">
+                              <a:latin typeface="Cambria Math" panose="02040503050406030204" pitchFamily="18" charset="0"/>
+                            </a:rPr>
+                          </m:ctrlPr>
+                        </m:dPr>
+                        <m:e>
+                          <m:m>
+                            <m:mPr>
+                              <m:mcs>
+                                <m:mc>
+                                  <m:mcPr>
+                                    <m:count m:val="2"/>
+                                    <m:mcJc m:val="center"/>
+                                  </m:mcPr>
+                                </m:mc>
+                              </m:mcs>
+                              <m:ctrlPr>
+                                <a:rPr kumimoji="1" lang="en-US" altLang="ja-JP" sz="2800" b="0" i="1" smtClean="0">
+                                  <a:latin typeface="Cambria Math" panose="02040503050406030204" pitchFamily="18" charset="0"/>
+                                </a:rPr>
+                              </m:ctrlPr>
+                            </m:mPr>
+                            <m:mr>
+                              <m:e>
+                                <m:func>
+                                  <m:funcPr>
+                                    <m:ctrlPr>
+                                      <a:rPr kumimoji="1" lang="en-US" altLang="ja-JP" sz="2800" b="0" i="1" smtClean="0">
+                                        <a:latin typeface="Cambria Math" panose="02040503050406030204" pitchFamily="18" charset="0"/>
+                                      </a:rPr>
+                                    </m:ctrlPr>
+                                  </m:funcPr>
+                                  <m:fName>
+                                    <m:r>
+                                      <m:rPr>
+                                        <m:sty m:val="p"/>
+                                        <m:brk m:alnAt="7"/>
+                                      </m:rPr>
+                                      <a:rPr kumimoji="1" lang="en-US" altLang="ja-JP" sz="2800" b="0" i="0" smtClean="0">
+                                        <a:latin typeface="Cambria Math" panose="02040503050406030204" pitchFamily="18" charset="0"/>
+                                      </a:rPr>
+                                      <m:t>c</m:t>
+                                    </m:r>
+                                    <m:r>
+                                      <m:rPr>
+                                        <m:sty m:val="p"/>
+                                      </m:rPr>
+                                      <a:rPr kumimoji="1" lang="en-US" altLang="ja-JP" sz="2800" b="0" i="0" smtClean="0">
+                                        <a:latin typeface="Cambria Math" panose="02040503050406030204" pitchFamily="18" charset="0"/>
+                                      </a:rPr>
+                                      <m:t>os</m:t>
+                                    </m:r>
+                                  </m:fName>
+                                  <m:e>
+                                    <m:r>
+                                      <m:rPr>
+                                        <m:brk m:alnAt="7"/>
+                                      </m:rPr>
+                                      <a:rPr kumimoji="1" lang="en-US" altLang="ja-JP" sz="2800" b="0" i="1" smtClean="0">
+                                        <a:latin typeface="Cambria Math" panose="02040503050406030204" pitchFamily="18" charset="0"/>
+                                      </a:rPr>
+                                      <m:t>𝜙</m:t>
+                                    </m:r>
+                                  </m:e>
+                                </m:func>
+                              </m:e>
+                              <m:e>
+                                <m:r>
+                                  <a:rPr kumimoji="1" lang="en-US" altLang="ja-JP" sz="2800" b="0" i="1" smtClean="0">
+                                    <a:latin typeface="Cambria Math" panose="02040503050406030204" pitchFamily="18" charset="0"/>
+                                  </a:rPr>
+                                  <m:t>−</m:t>
+                                </m:r>
+                                <m:func>
+                                  <m:funcPr>
+                                    <m:ctrlPr>
+                                      <a:rPr kumimoji="1" lang="en-US" altLang="ja-JP" sz="2800" b="0" i="1" smtClean="0">
+                                        <a:latin typeface="Cambria Math" panose="02040503050406030204" pitchFamily="18" charset="0"/>
+                                      </a:rPr>
+                                    </m:ctrlPr>
+                                  </m:funcPr>
+                                  <m:fName>
+                                    <m:r>
+                                      <m:rPr>
+                                        <m:sty m:val="p"/>
+                                      </m:rPr>
+                                      <a:rPr kumimoji="1" lang="en-US" altLang="ja-JP" sz="2800" b="0" i="0" smtClean="0">
+                                        <a:latin typeface="Cambria Math" panose="02040503050406030204" pitchFamily="18" charset="0"/>
+                                      </a:rPr>
+                                      <m:t>sin</m:t>
+                                    </m:r>
+                                  </m:fName>
+                                  <m:e>
+                                    <m:r>
+                                      <a:rPr kumimoji="1" lang="en-US" altLang="ja-JP" sz="2800" b="0" i="1" smtClean="0">
+                                        <a:latin typeface="Cambria Math" panose="02040503050406030204" pitchFamily="18" charset="0"/>
+                                      </a:rPr>
+                                      <m:t>𝜙</m:t>
+                                    </m:r>
+                                  </m:e>
+                                </m:func>
+                              </m:e>
+                            </m:mr>
+                            <m:mr>
+                              <m:e>
+                                <m:func>
+                                  <m:funcPr>
+                                    <m:ctrlPr>
+                                      <a:rPr kumimoji="1" lang="en-US" altLang="ja-JP" sz="2800" b="0" i="1" smtClean="0">
+                                        <a:latin typeface="Cambria Math" panose="02040503050406030204" pitchFamily="18" charset="0"/>
+                                      </a:rPr>
+                                    </m:ctrlPr>
+                                  </m:funcPr>
+                                  <m:fName>
+                                    <m:r>
+                                      <m:rPr>
+                                        <m:sty m:val="p"/>
+                                      </m:rPr>
+                                      <a:rPr kumimoji="1" lang="en-US" altLang="ja-JP" sz="2800" b="0" i="0" smtClean="0">
+                                        <a:latin typeface="Cambria Math" panose="02040503050406030204" pitchFamily="18" charset="0"/>
+                                      </a:rPr>
+                                      <m:t>sin</m:t>
+                                    </m:r>
+                                  </m:fName>
+                                  <m:e>
+                                    <m:r>
+                                      <a:rPr kumimoji="1" lang="en-US" altLang="ja-JP" sz="2800" b="0" i="1" smtClean="0">
+                                        <a:latin typeface="Cambria Math" panose="02040503050406030204" pitchFamily="18" charset="0"/>
+                                      </a:rPr>
+                                      <m:t>𝜙</m:t>
+                                    </m:r>
+                                  </m:e>
+                                </m:func>
+                              </m:e>
+                              <m:e>
+                                <m:func>
+                                  <m:funcPr>
+                                    <m:ctrlPr>
+                                      <a:rPr kumimoji="1" lang="en-US" altLang="ja-JP" sz="2800" b="0" i="1" smtClean="0">
+                                        <a:latin typeface="Cambria Math" panose="02040503050406030204" pitchFamily="18" charset="0"/>
+                                      </a:rPr>
+                                    </m:ctrlPr>
+                                  </m:funcPr>
+                                  <m:fName>
+                                    <m:r>
+                                      <m:rPr>
+                                        <m:sty m:val="p"/>
+                                      </m:rPr>
+                                      <a:rPr kumimoji="1" lang="en-US" altLang="ja-JP" sz="2800" b="0" i="0" smtClean="0">
+                                        <a:latin typeface="Cambria Math" panose="02040503050406030204" pitchFamily="18" charset="0"/>
+                                      </a:rPr>
+                                      <m:t>cos</m:t>
+                                    </m:r>
+                                  </m:fName>
+                                  <m:e>
+                                    <m:r>
+                                      <a:rPr kumimoji="1" lang="en-US" altLang="ja-JP" sz="2800" b="0" i="1" smtClean="0">
+                                        <a:latin typeface="Cambria Math" panose="02040503050406030204" pitchFamily="18" charset="0"/>
+                                      </a:rPr>
+                                      <m:t>𝜙</m:t>
+                                    </m:r>
+                                  </m:e>
+                                </m:func>
+                              </m:e>
+                            </m:mr>
+                          </m:m>
+                        </m:e>
+                      </m:d>
+                    </m:oMath>
+                  </m:oMathPara>
+                </a14:m>
+                <a:endParaRPr kumimoji="1" lang="ja-JP" altLang="en-US" sz="2800"/>
+              </a:p>
+            </p:txBody>
+          </p:sp>
+        </mc:Choice>
+        <mc:Fallback>
+          <p:sp>
+            <p:nvSpPr>
+              <p:cNvPr id="6" name="テキスト ボックス 5">
+                <a:extLst>
+                  <a:ext uri="{FF2B5EF4-FFF2-40B4-BE49-F238E27FC236}">
+                    <a16:creationId xmlns:a16="http://schemas.microsoft.com/office/drawing/2014/main" id="{1878B432-9622-150F-7F17-1C3975A6674D}"/>
+                  </a:ext>
+                </a:extLst>
+              </p:cNvPr>
+              <p:cNvSpPr txBox="1">
+                <a:spLocks noRot="1" noChangeAspect="1" noMove="1" noResize="1" noEditPoints="1" noAdjustHandles="1" noChangeArrowheads="1" noChangeShapeType="1" noTextEdit="1"/>
+              </p:cNvSpPr>
+              <p:nvPr/>
+            </p:nvSpPr>
+            <p:spPr>
+              <a:xfrm>
+                <a:off x="323528" y="3861048"/>
+                <a:ext cx="3995453" cy="809389"/>
+              </a:xfrm>
+              <a:prstGeom prst="rect">
+                <a:avLst/>
+              </a:prstGeom>
+              <a:blipFill>
+                <a:blip r:embed="rId3"/>
+                <a:stretch>
+                  <a:fillRect/>
+                </a:stretch>
+              </a:blipFill>
+            </p:spPr>
+            <p:txBody>
+              <a:bodyPr/>
+              <a:lstStyle/>
+              <a:p>
+                <a:r>
+                  <a:rPr lang="ja-JP" altLang="en-US">
+                    <a:noFill/>
+                  </a:rPr>
+                  <a:t> </a:t>
+                </a:r>
+              </a:p>
+            </p:txBody>
+          </p:sp>
+        </mc:Fallback>
+      </mc:AlternateContent>
+      <mc:AlternateContent xmlns:mc="http://schemas.openxmlformats.org/markup-compatibility/2006">
+        <mc:Choice xmlns:a14="http://schemas.microsoft.com/office/drawing/2010/main" Requires="a14">
+          <p:sp>
+            <p:nvSpPr>
+              <p:cNvPr id="7" name="テキスト ボックス 6">
+                <a:extLst>
+                  <a:ext uri="{FF2B5EF4-FFF2-40B4-BE49-F238E27FC236}">
+                    <a16:creationId xmlns:a16="http://schemas.microsoft.com/office/drawing/2014/main" id="{65C8F36C-6678-5166-5104-F76565720FA3}"/>
+                  </a:ext>
+                </a:extLst>
+              </p:cNvPr>
+              <p:cNvSpPr txBox="1"/>
+              <p:nvPr/>
+            </p:nvSpPr>
+            <p:spPr>
+              <a:xfrm>
+                <a:off x="5580112" y="3933056"/>
+                <a:ext cx="2779607" cy="718466"/>
+              </a:xfrm>
+              <a:prstGeom prst="rect">
+                <a:avLst/>
+              </a:prstGeom>
+              <a:noFill/>
+            </p:spPr>
+            <p:txBody>
+              <a:bodyPr wrap="none" lIns="0" tIns="0" rIns="0" bIns="0" rtlCol="0">
+                <a:spAutoFit/>
+              </a:bodyPr>
+              <a:lstStyle/>
+              <a:p>
+                <a:pPr/>
+                <a14:m>
+                  <m:oMathPara xmlns:m="http://schemas.openxmlformats.org/officeDocument/2006/math">
+                    <m:oMathParaPr>
+                      <m:jc m:val="centerGroup"/>
+                    </m:oMathParaPr>
+                    <m:oMath xmlns:m="http://schemas.openxmlformats.org/officeDocument/2006/math">
+                      <m:r>
+                        <a:rPr kumimoji="1" lang="en-US" altLang="ja-JP" sz="2800" b="0" i="1" smtClean="0">
+                          <a:latin typeface="Cambria Math" panose="02040503050406030204" pitchFamily="18" charset="0"/>
+                        </a:rPr>
+                        <m:t>𝑈</m:t>
+                      </m:r>
+                      <m:r>
+                        <a:rPr kumimoji="1" lang="en-US" altLang="ja-JP" sz="2800" b="0" i="1" smtClean="0">
+                          <a:latin typeface="Cambria Math" panose="02040503050406030204" pitchFamily="18" charset="0"/>
+                        </a:rPr>
+                        <m:t>′</m:t>
+                      </m:r>
+                      <m:d>
+                        <m:dPr>
+                          <m:ctrlPr>
+                            <a:rPr kumimoji="1" lang="en-US" altLang="ja-JP" sz="2800" b="0" i="1" smtClean="0">
+                              <a:latin typeface="Cambria Math" panose="02040503050406030204" pitchFamily="18" charset="0"/>
+                            </a:rPr>
+                          </m:ctrlPr>
+                        </m:dPr>
+                        <m:e>
+                          <m:r>
+                            <a:rPr kumimoji="1" lang="en-US" altLang="ja-JP" sz="2800" b="0" i="1" smtClean="0">
+                              <a:latin typeface="Cambria Math" panose="02040503050406030204" pitchFamily="18" charset="0"/>
+                            </a:rPr>
+                            <m:t>0</m:t>
+                          </m:r>
+                        </m:e>
+                      </m:d>
+                      <m:r>
+                        <a:rPr kumimoji="1" lang="en-US" altLang="ja-JP" sz="2800" b="0" i="1" smtClean="0">
+                          <a:latin typeface="Cambria Math" panose="02040503050406030204" pitchFamily="18" charset="0"/>
+                        </a:rPr>
+                        <m:t>=</m:t>
+                      </m:r>
+                      <m:d>
+                        <m:dPr>
+                          <m:ctrlPr>
+                            <a:rPr kumimoji="1" lang="en-US" altLang="ja-JP" sz="2800" b="0" i="1" smtClean="0">
+                              <a:latin typeface="Cambria Math" panose="02040503050406030204" pitchFamily="18" charset="0"/>
+                            </a:rPr>
+                          </m:ctrlPr>
+                        </m:dPr>
+                        <m:e>
+                          <m:m>
+                            <m:mPr>
+                              <m:mcs>
+                                <m:mc>
+                                  <m:mcPr>
+                                    <m:count m:val="2"/>
+                                    <m:mcJc m:val="center"/>
+                                  </m:mcPr>
+                                </m:mc>
+                              </m:mcs>
+                              <m:ctrlPr>
+                                <a:rPr kumimoji="1" lang="en-US" altLang="ja-JP" sz="2800" b="0" i="1" smtClean="0">
+                                  <a:latin typeface="Cambria Math" panose="02040503050406030204" pitchFamily="18" charset="0"/>
+                                </a:rPr>
+                              </m:ctrlPr>
+                            </m:mPr>
+                            <m:mr>
+                              <m:e>
+                                <m:r>
+                                  <a:rPr kumimoji="1" lang="en-US" altLang="ja-JP" sz="2800" b="0" i="1" smtClean="0">
+                                    <a:latin typeface="Cambria Math" panose="02040503050406030204" pitchFamily="18" charset="0"/>
+                                  </a:rPr>
+                                  <m:t>0</m:t>
+                                </m:r>
+                              </m:e>
+                              <m:e>
+                                <m:r>
+                                  <a:rPr kumimoji="1" lang="en-US" altLang="ja-JP" sz="2800" b="0" i="1" smtClean="0">
+                                    <a:latin typeface="Cambria Math" panose="02040503050406030204" pitchFamily="18" charset="0"/>
+                                  </a:rPr>
+                                  <m:t>−</m:t>
+                                </m:r>
+                                <m:r>
+                                  <a:rPr kumimoji="1" lang="en-US" altLang="ja-JP" sz="2800" b="0" i="1" smtClean="0">
+                                    <a:latin typeface="Cambria Math" panose="02040503050406030204" pitchFamily="18" charset="0"/>
+                                  </a:rPr>
+                                  <m:t>1</m:t>
+                                </m:r>
+                              </m:e>
+                            </m:mr>
+                            <m:mr>
+                              <m:e>
+                                <m:r>
+                                  <a:rPr kumimoji="1" lang="en-US" altLang="ja-JP" sz="2800" b="0" i="1" smtClean="0">
+                                    <a:latin typeface="Cambria Math" panose="02040503050406030204" pitchFamily="18" charset="0"/>
+                                  </a:rPr>
+                                  <m:t>1</m:t>
+                                </m:r>
+                              </m:e>
+                              <m:e>
+                                <m:r>
+                                  <a:rPr kumimoji="1" lang="en-US" altLang="ja-JP" sz="2800" b="0" i="1" smtClean="0">
+                                    <a:latin typeface="Cambria Math" panose="02040503050406030204" pitchFamily="18" charset="0"/>
+                                  </a:rPr>
+                                  <m:t>0</m:t>
+                                </m:r>
+                              </m:e>
+                            </m:mr>
+                          </m:m>
+                        </m:e>
+                      </m:d>
+                    </m:oMath>
+                  </m:oMathPara>
+                </a14:m>
+                <a:endParaRPr kumimoji="1" lang="ja-JP" altLang="en-US" sz="2800"/>
+              </a:p>
+            </p:txBody>
+          </p:sp>
+        </mc:Choice>
+        <mc:Fallback>
+          <p:sp>
+            <p:nvSpPr>
+              <p:cNvPr id="7" name="テキスト ボックス 6">
+                <a:extLst>
+                  <a:ext uri="{FF2B5EF4-FFF2-40B4-BE49-F238E27FC236}">
+                    <a16:creationId xmlns:a16="http://schemas.microsoft.com/office/drawing/2014/main" id="{65C8F36C-6678-5166-5104-F76565720FA3}"/>
+                  </a:ext>
+                </a:extLst>
+              </p:cNvPr>
+              <p:cNvSpPr txBox="1">
+                <a:spLocks noRot="1" noChangeAspect="1" noMove="1" noResize="1" noEditPoints="1" noAdjustHandles="1" noChangeArrowheads="1" noChangeShapeType="1" noTextEdit="1"/>
+              </p:cNvSpPr>
+              <p:nvPr/>
+            </p:nvSpPr>
+            <p:spPr>
+              <a:xfrm>
+                <a:off x="5580112" y="3933056"/>
+                <a:ext cx="2779607" cy="718466"/>
+              </a:xfrm>
+              <a:prstGeom prst="rect">
+                <a:avLst/>
+              </a:prstGeom>
+              <a:blipFill>
+                <a:blip r:embed="rId4"/>
+                <a:stretch>
+                  <a:fillRect/>
+                </a:stretch>
+              </a:blipFill>
+            </p:spPr>
+            <p:txBody>
+              <a:bodyPr/>
+              <a:lstStyle/>
+              <a:p>
+                <a:r>
+                  <a:rPr lang="ja-JP" altLang="en-US">
+                    <a:noFill/>
+                  </a:rPr>
+                  <a:t> </a:t>
+                </a:r>
+              </a:p>
+            </p:txBody>
+          </p:sp>
+        </mc:Fallback>
+      </mc:AlternateContent>
+      <p:sp>
+        <p:nvSpPr>
+          <p:cNvPr id="8" name="矢印: 右 7">
+            <a:extLst>
+              <a:ext uri="{FF2B5EF4-FFF2-40B4-BE49-F238E27FC236}">
+                <a16:creationId xmlns:a16="http://schemas.microsoft.com/office/drawing/2014/main" id="{0E480A31-5ACB-1B9B-068F-2FE237415EC1}"/>
+              </a:ext>
+            </a:extLst>
+          </p:cNvPr>
+          <p:cNvSpPr/>
+          <p:nvPr/>
+        </p:nvSpPr>
+        <p:spPr>
+          <a:xfrm>
+            <a:off x="4572000" y="4005064"/>
+            <a:ext cx="648072" cy="504056"/>
+          </a:xfrm>
+          <a:prstGeom prst="rightArrow">
+            <a:avLst/>
+          </a:prstGeom>
+          <a:solidFill>
+            <a:srgbClr val="FF0000"/>
+          </a:solidFill>
+          <a:ln>
+            <a:solidFill>
+              <a:schemeClr val="tx1"/>
+            </a:solidFill>
+          </a:ln>
+        </p:spPr>
+        <p:style>
+          <a:lnRef idx="2">
+            <a:schemeClr val="accent1">
+              <a:shade val="50000"/>
+            </a:schemeClr>
+          </a:lnRef>
+          <a:fillRef idx="1">
+            <a:schemeClr val="accent1"/>
+          </a:fillRef>
+          <a:effectRef idx="0">
+            <a:schemeClr val="accent1"/>
+          </a:effectRef>
+          <a:fontRef idx="minor">
+            <a:schemeClr val="lt1"/>
+          </a:fontRef>
+        </p:style>
+        <p:txBody>
+          <a:bodyPr rtlCol="0" anchor="ctr"/>
+          <a:lstStyle/>
+          <a:p>
+            <a:pPr algn="ctr"/>
+            <a:endParaRPr kumimoji="1" lang="ja-JP" altLang="en-US"/>
+          </a:p>
+        </p:txBody>
+      </p:sp>
+      <p:sp>
+        <p:nvSpPr>
+          <p:cNvPr id="9" name="テキスト ボックス 8">
+            <a:extLst>
+              <a:ext uri="{FF2B5EF4-FFF2-40B4-BE49-F238E27FC236}">
+                <a16:creationId xmlns:a16="http://schemas.microsoft.com/office/drawing/2014/main" id="{BE78749B-5455-B8EE-E3BB-BB9BD5DA6523}"/>
+              </a:ext>
+            </a:extLst>
+          </p:cNvPr>
+          <p:cNvSpPr txBox="1"/>
+          <p:nvPr/>
+        </p:nvSpPr>
+        <p:spPr>
+          <a:xfrm>
+            <a:off x="477991" y="5013176"/>
+            <a:ext cx="4288353" cy="400110"/>
+          </a:xfrm>
+          <a:prstGeom prst="rect">
+            <a:avLst/>
+          </a:prstGeom>
+          <a:noFill/>
+        </p:spPr>
+        <p:txBody>
+          <a:bodyPr wrap="none" rtlCol="0">
+            <a:spAutoFit/>
+          </a:bodyPr>
+          <a:lstStyle/>
+          <a:p>
+            <a:r>
+              <a:rPr lang="ja-JP" altLang="en-US" sz="2000"/>
+              <a:t>後のため、これを以下のように表す</a:t>
+            </a:r>
+            <a:endParaRPr kumimoji="1" lang="ja-JP" altLang="en-US" sz="2000"/>
+          </a:p>
+        </p:txBody>
+      </p:sp>
+      <mc:AlternateContent xmlns:mc="http://schemas.openxmlformats.org/markup-compatibility/2006">
+        <mc:Choice xmlns:a14="http://schemas.microsoft.com/office/drawing/2010/main" Requires="a14">
+          <p:sp>
+            <p:nvSpPr>
+              <p:cNvPr id="10" name="テキスト ボックス 9">
+                <a:extLst>
+                  <a:ext uri="{FF2B5EF4-FFF2-40B4-BE49-F238E27FC236}">
+                    <a16:creationId xmlns:a16="http://schemas.microsoft.com/office/drawing/2014/main" id="{F429B7B7-187C-5567-4AC8-6ABC787EEE0B}"/>
+                  </a:ext>
+                </a:extLst>
+              </p:cNvPr>
+              <p:cNvSpPr txBox="1"/>
+              <p:nvPr/>
+            </p:nvSpPr>
+            <p:spPr>
+              <a:xfrm>
+                <a:off x="2339752" y="5704157"/>
+                <a:ext cx="4068037" cy="821187"/>
+              </a:xfrm>
+              <a:prstGeom prst="rect">
+                <a:avLst/>
+              </a:prstGeom>
+              <a:noFill/>
+            </p:spPr>
+            <p:txBody>
+              <a:bodyPr wrap="none" lIns="0" tIns="0" rIns="0" bIns="0" rtlCol="0">
+                <a:spAutoFit/>
+              </a:bodyPr>
+              <a:lstStyle/>
+              <a:p>
+                <a:pPr/>
+                <a14:m>
+                  <m:oMathPara xmlns:m="http://schemas.openxmlformats.org/officeDocument/2006/math">
+                    <m:oMathParaPr>
+                      <m:jc m:val="centerGroup"/>
+                    </m:oMathParaPr>
+                    <m:oMath xmlns:m="http://schemas.openxmlformats.org/officeDocument/2006/math">
+                      <m:r>
+                        <a:rPr kumimoji="1" lang="en-US" altLang="ja-JP" sz="3200" b="0" i="1" smtClean="0">
+                          <a:latin typeface="Cambria Math" panose="02040503050406030204" pitchFamily="18" charset="0"/>
+                        </a:rPr>
+                        <m:t>𝑈</m:t>
+                      </m:r>
+                      <m:r>
+                        <a:rPr kumimoji="1" lang="en-US" altLang="ja-JP" sz="3200" b="0" i="1" smtClean="0">
+                          <a:latin typeface="Cambria Math" panose="02040503050406030204" pitchFamily="18" charset="0"/>
+                        </a:rPr>
+                        <m:t>′(0)=</m:t>
+                      </m:r>
+                      <m:d>
+                        <m:dPr>
+                          <m:ctrlPr>
+                            <a:rPr kumimoji="1" lang="en-US" altLang="ja-JP" sz="3200" b="0" i="1" smtClean="0">
+                              <a:latin typeface="Cambria Math" panose="02040503050406030204" pitchFamily="18" charset="0"/>
+                            </a:rPr>
+                          </m:ctrlPr>
+                        </m:dPr>
+                        <m:e>
+                          <m:m>
+                            <m:mPr>
+                              <m:mcs>
+                                <m:mc>
+                                  <m:mcPr>
+                                    <m:count m:val="2"/>
+                                    <m:mcJc m:val="center"/>
+                                  </m:mcPr>
+                                </m:mc>
+                              </m:mcs>
+                              <m:ctrlPr>
+                                <a:rPr kumimoji="1" lang="en-US" altLang="ja-JP" sz="3200" b="0" i="1" smtClean="0">
+                                  <a:latin typeface="Cambria Math" panose="02040503050406030204" pitchFamily="18" charset="0"/>
+                                </a:rPr>
+                              </m:ctrlPr>
+                            </m:mPr>
+                            <m:mr>
+                              <m:e>
+                                <m:r>
+                                  <a:rPr kumimoji="1" lang="en-US" altLang="ja-JP" sz="3200" b="0" i="1" smtClean="0">
+                                    <a:latin typeface="Cambria Math" panose="02040503050406030204" pitchFamily="18" charset="0"/>
+                                  </a:rPr>
+                                  <m:t>0</m:t>
+                                </m:r>
+                              </m:e>
+                              <m:e>
+                                <m:r>
+                                  <a:rPr kumimoji="1" lang="en-US" altLang="ja-JP" sz="3200" b="0" i="1" smtClean="0">
+                                    <a:latin typeface="Cambria Math" panose="02040503050406030204" pitchFamily="18" charset="0"/>
+                                  </a:rPr>
+                                  <m:t>−</m:t>
+                                </m:r>
+                                <m:r>
+                                  <a:rPr kumimoji="1" lang="en-US" altLang="ja-JP" sz="3200" b="0" i="1" smtClean="0">
+                                    <a:latin typeface="Cambria Math" panose="02040503050406030204" pitchFamily="18" charset="0"/>
+                                  </a:rPr>
+                                  <m:t>1</m:t>
+                                </m:r>
+                              </m:e>
+                            </m:mr>
+                            <m:mr>
+                              <m:e>
+                                <m:r>
+                                  <a:rPr kumimoji="1" lang="en-US" altLang="ja-JP" sz="3200" b="0" i="1" smtClean="0">
+                                    <a:latin typeface="Cambria Math" panose="02040503050406030204" pitchFamily="18" charset="0"/>
+                                  </a:rPr>
+                                  <m:t>1</m:t>
+                                </m:r>
+                              </m:e>
+                              <m:e>
+                                <m:r>
+                                  <a:rPr kumimoji="1" lang="en-US" altLang="ja-JP" sz="3200" b="0" i="1" smtClean="0">
+                                    <a:latin typeface="Cambria Math" panose="02040503050406030204" pitchFamily="18" charset="0"/>
+                                  </a:rPr>
+                                  <m:t>0</m:t>
+                                </m:r>
+                              </m:e>
+                            </m:mr>
+                          </m:m>
+                        </m:e>
+                      </m:d>
+                      <m:r>
+                        <a:rPr kumimoji="1" lang="en-US" altLang="ja-JP" sz="3200" b="0" i="1" smtClean="0">
+                          <a:latin typeface="Cambria Math" panose="02040503050406030204" pitchFamily="18" charset="0"/>
+                        </a:rPr>
+                        <m:t>=</m:t>
+                      </m:r>
+                      <m:r>
+                        <a:rPr kumimoji="1" lang="en-US" altLang="ja-JP" sz="3200" b="0" i="1" smtClean="0">
+                          <a:latin typeface="Cambria Math" panose="02040503050406030204" pitchFamily="18" charset="0"/>
+                        </a:rPr>
+                        <m:t>𝑖𝐿</m:t>
+                      </m:r>
+                    </m:oMath>
+                  </m:oMathPara>
+                </a14:m>
+                <a:endParaRPr kumimoji="1" lang="ja-JP" altLang="en-US" sz="3200"/>
+              </a:p>
+            </p:txBody>
+          </p:sp>
+        </mc:Choice>
+        <mc:Fallback>
+          <p:sp>
+            <p:nvSpPr>
+              <p:cNvPr id="10" name="テキスト ボックス 9">
+                <a:extLst>
+                  <a:ext uri="{FF2B5EF4-FFF2-40B4-BE49-F238E27FC236}">
+                    <a16:creationId xmlns:a16="http://schemas.microsoft.com/office/drawing/2014/main" id="{F429B7B7-187C-5567-4AC8-6ABC787EEE0B}"/>
+                  </a:ext>
+                </a:extLst>
+              </p:cNvPr>
+              <p:cNvSpPr txBox="1">
+                <a:spLocks noRot="1" noChangeAspect="1" noMove="1" noResize="1" noEditPoints="1" noAdjustHandles="1" noChangeArrowheads="1" noChangeShapeType="1" noTextEdit="1"/>
+              </p:cNvSpPr>
+              <p:nvPr/>
+            </p:nvSpPr>
+            <p:spPr>
+              <a:xfrm>
+                <a:off x="2339752" y="5704157"/>
+                <a:ext cx="4068037" cy="821187"/>
+              </a:xfrm>
+              <a:prstGeom prst="rect">
+                <a:avLst/>
+              </a:prstGeom>
+              <a:blipFill>
+                <a:blip r:embed="rId5"/>
+                <a:stretch>
+                  <a:fillRect/>
+                </a:stretch>
+              </a:blipFill>
+            </p:spPr>
+            <p:txBody>
+              <a:bodyPr/>
+              <a:lstStyle/>
+              <a:p>
+                <a:r>
+                  <a:rPr lang="ja-JP" altLang="en-US">
+                    <a:noFill/>
+                  </a:rPr>
+                  <a:t> </a:t>
+                </a:r>
+              </a:p>
+            </p:txBody>
+          </p:sp>
+        </mc:Fallback>
+      </mc:AlternateContent>
+    </p:spTree>
+    <p:extLst>
+      <p:ext uri="{BB962C8B-B14F-4D97-AF65-F5344CB8AC3E}">
+        <p14:creationId xmlns:p14="http://schemas.microsoft.com/office/powerpoint/2010/main" val="416293186"/>
+      </p:ext>
+    </p:extLst>
+  </p:cSld>
+  <p:clrMapOvr>
+    <a:masterClrMapping/>
+  </p:clrMapOvr>
+</p:sld>
+</file>
+
+<file path=ppt/slides/slide27.xml><?xml version="1.0" encoding="utf-8"?>
+<p:sld xmlns:a="http://schemas.openxmlformats.org/drawingml/2006/main" xmlns:r="http://schemas.openxmlformats.org/officeDocument/2006/relationships" xmlns:p="http://schemas.openxmlformats.org/presentationml/2006/main">
+  <p:cSld>
+    <p:spTree>
+      <p:nvGrpSpPr>
+        <p:cNvPr id="1" name=""/>
+        <p:cNvGrpSpPr/>
+        <p:nvPr/>
+      </p:nvGrpSpPr>
+      <p:grpSpPr>
+        <a:xfrm>
+          <a:off x="0" y="0"/>
+          <a:ext cx="0" cy="0"/>
+          <a:chOff x="0" y="0"/>
+          <a:chExt cx="0" cy="0"/>
+        </a:xfrm>
+      </p:grpSpPr>
+      <p:sp>
+        <p:nvSpPr>
+          <p:cNvPr id="2" name="テキスト プレースホルダー 1">
+            <a:extLst>
+              <a:ext uri="{FF2B5EF4-FFF2-40B4-BE49-F238E27FC236}">
+                <a16:creationId xmlns:a16="http://schemas.microsoft.com/office/drawing/2014/main" id="{C49F82A6-0993-6788-177B-2B9D6B963C7F}"/>
+              </a:ext>
+            </a:extLst>
+          </p:cNvPr>
+          <p:cNvSpPr>
+            <a:spLocks noGrp="1"/>
+          </p:cNvSpPr>
+          <p:nvPr>
+            <p:ph type="body" sz="quarter" idx="10"/>
+          </p:nvPr>
+        </p:nvSpPr>
+        <p:spPr/>
+        <p:txBody>
+          <a:bodyPr/>
+          <a:lstStyle/>
+          <a:p>
+            <a:r>
+              <a:rPr lang="ja-JP" altLang="en-US"/>
+              <a:t>生成子</a:t>
+            </a:r>
+            <a:endParaRPr kumimoji="1" lang="ja-JP" altLang="en-US"/>
+          </a:p>
+        </p:txBody>
+      </p:sp>
+      <mc:AlternateContent xmlns:mc="http://schemas.openxmlformats.org/markup-compatibility/2006">
+        <mc:Choice xmlns:a14="http://schemas.microsoft.com/office/drawing/2010/main" Requires="a14">
+          <p:sp>
+            <p:nvSpPr>
+              <p:cNvPr id="3" name="テキスト ボックス 2">
+                <a:extLst>
+                  <a:ext uri="{FF2B5EF4-FFF2-40B4-BE49-F238E27FC236}">
+                    <a16:creationId xmlns:a16="http://schemas.microsoft.com/office/drawing/2014/main" id="{4D0A7F82-7E0E-2B33-9662-5683D205777C}"/>
+                  </a:ext>
+                </a:extLst>
+              </p:cNvPr>
+              <p:cNvSpPr txBox="1"/>
+              <p:nvPr/>
+            </p:nvSpPr>
+            <p:spPr>
+              <a:xfrm>
+                <a:off x="2987824" y="1124744"/>
+                <a:ext cx="2293577" cy="935000"/>
+              </a:xfrm>
+              <a:prstGeom prst="rect">
+                <a:avLst/>
+              </a:prstGeom>
+              <a:noFill/>
+            </p:spPr>
+            <p:txBody>
+              <a:bodyPr wrap="none" lIns="0" tIns="0" rIns="0" bIns="0" rtlCol="0">
+                <a:spAutoFit/>
+              </a:bodyPr>
+              <a:lstStyle/>
+              <a:p>
+                <a14:m>
+                  <m:oMathPara xmlns:m="http://schemas.openxmlformats.org/officeDocument/2006/math">
+                    <m:oMathParaPr>
+                      <m:jc m:val="centerGroup"/>
+                    </m:oMathParaPr>
+                    <m:oMath xmlns:m="http://schemas.openxmlformats.org/officeDocument/2006/math">
+                      <m:f>
+                        <m:fPr>
+                          <m:ctrlPr>
+                            <a:rPr kumimoji="1" lang="en-US" altLang="ja-JP" sz="3200" b="0" i="1" smtClean="0">
+                              <a:latin typeface="Cambria Math" panose="02040503050406030204" pitchFamily="18" charset="0"/>
+                            </a:rPr>
+                          </m:ctrlPr>
+                        </m:fPr>
+                        <m:num>
+                          <m:r>
+                            <a:rPr kumimoji="1" lang="en-US" altLang="ja-JP" sz="3200" b="0" i="1" smtClean="0">
+                              <a:latin typeface="Cambria Math" panose="02040503050406030204" pitchFamily="18" charset="0"/>
+                            </a:rPr>
+                            <m:t>𝑑𝑣</m:t>
+                          </m:r>
+                        </m:num>
+                        <m:den>
+                          <m:r>
+                            <a:rPr kumimoji="1" lang="en-US" altLang="ja-JP" sz="3200" b="0" i="1" smtClean="0">
+                              <a:latin typeface="Cambria Math" panose="02040503050406030204" pitchFamily="18" charset="0"/>
+                            </a:rPr>
+                            <m:t>𝑑</m:t>
+                          </m:r>
+                          <m:r>
+                            <a:rPr kumimoji="1" lang="en-US" altLang="ja-JP" sz="3200" b="0" i="1" smtClean="0">
+                              <a:latin typeface="Cambria Math" panose="02040503050406030204" pitchFamily="18" charset="0"/>
+                            </a:rPr>
+                            <m:t>𝜃</m:t>
+                          </m:r>
+                        </m:den>
+                      </m:f>
+                      <m:r>
+                        <a:rPr kumimoji="1" lang="en-US" altLang="ja-JP" sz="3200" b="0" i="1" smtClean="0">
+                          <a:latin typeface="Cambria Math" panose="02040503050406030204" pitchFamily="18" charset="0"/>
+                        </a:rPr>
+                        <m:t>=</m:t>
+                      </m:r>
+                      <m:r>
+                        <a:rPr kumimoji="1" lang="en-US" altLang="ja-JP" sz="3200" b="0" i="1" smtClean="0">
+                          <a:latin typeface="Cambria Math" panose="02040503050406030204" pitchFamily="18" charset="0"/>
+                        </a:rPr>
+                        <m:t>𝑖𝐿𝑣</m:t>
+                      </m:r>
+                      <m:d>
+                        <m:dPr>
+                          <m:ctrlPr>
+                            <a:rPr kumimoji="1" lang="en-US" altLang="ja-JP" sz="3200" b="0" i="1" smtClean="0">
+                              <a:latin typeface="Cambria Math" panose="02040503050406030204" pitchFamily="18" charset="0"/>
+                            </a:rPr>
+                          </m:ctrlPr>
+                        </m:dPr>
+                        <m:e>
+                          <m:r>
+                            <a:rPr kumimoji="1" lang="en-US" altLang="ja-JP" sz="3200" b="0" i="1" smtClean="0">
+                              <a:latin typeface="Cambria Math" panose="02040503050406030204" pitchFamily="18" charset="0"/>
+                            </a:rPr>
+                            <m:t>𝜃</m:t>
+                          </m:r>
+                        </m:e>
+                      </m:d>
+                    </m:oMath>
+                  </m:oMathPara>
+                </a14:m>
+                <a:endParaRPr kumimoji="1" lang="ja-JP" altLang="en-US" sz="3200"/>
+              </a:p>
+            </p:txBody>
+          </p:sp>
+        </mc:Choice>
+        <mc:Fallback>
+          <p:sp>
+            <p:nvSpPr>
+              <p:cNvPr id="3" name="テキスト ボックス 2">
+                <a:extLst>
+                  <a:ext uri="{FF2B5EF4-FFF2-40B4-BE49-F238E27FC236}">
+                    <a16:creationId xmlns:a16="http://schemas.microsoft.com/office/drawing/2014/main" id="{4D0A7F82-7E0E-2B33-9662-5683D205777C}"/>
+                  </a:ext>
+                </a:extLst>
+              </p:cNvPr>
+              <p:cNvSpPr txBox="1">
+                <a:spLocks noRot="1" noChangeAspect="1" noMove="1" noResize="1" noEditPoints="1" noAdjustHandles="1" noChangeArrowheads="1" noChangeShapeType="1" noTextEdit="1"/>
+              </p:cNvSpPr>
+              <p:nvPr/>
+            </p:nvSpPr>
+            <p:spPr>
+              <a:xfrm>
+                <a:off x="2987824" y="1124744"/>
+                <a:ext cx="2293577" cy="935000"/>
+              </a:xfrm>
+              <a:prstGeom prst="rect">
+                <a:avLst/>
+              </a:prstGeom>
+              <a:blipFill>
+                <a:blip r:embed="rId2"/>
+                <a:stretch>
+                  <a:fillRect/>
+                </a:stretch>
+              </a:blipFill>
+            </p:spPr>
+            <p:txBody>
+              <a:bodyPr/>
+              <a:lstStyle/>
+              <a:p>
+                <a:r>
+                  <a:rPr lang="ja-JP" altLang="en-US">
+                    <a:noFill/>
+                  </a:rPr>
+                  <a:t> </a:t>
+                </a:r>
+              </a:p>
+            </p:txBody>
+          </p:sp>
+        </mc:Fallback>
+      </mc:AlternateContent>
+      <mc:AlternateContent xmlns:mc="http://schemas.openxmlformats.org/markup-compatibility/2006">
+        <mc:Choice xmlns:a14="http://schemas.microsoft.com/office/drawing/2010/main" Requires="a14">
+          <p:sp>
+            <p:nvSpPr>
+              <p:cNvPr id="4" name="テキスト ボックス 3">
+                <a:extLst>
+                  <a:ext uri="{FF2B5EF4-FFF2-40B4-BE49-F238E27FC236}">
+                    <a16:creationId xmlns:a16="http://schemas.microsoft.com/office/drawing/2014/main" id="{7E721E12-4D01-5A6E-CE6F-F59E7EADA6E2}"/>
+                  </a:ext>
+                </a:extLst>
+              </p:cNvPr>
+              <p:cNvSpPr txBox="1"/>
+              <p:nvPr/>
+            </p:nvSpPr>
+            <p:spPr>
+              <a:xfrm>
+                <a:off x="611560" y="2420888"/>
+                <a:ext cx="5191614" cy="523220"/>
+              </a:xfrm>
+              <a:prstGeom prst="rect">
+                <a:avLst/>
+              </a:prstGeom>
+              <a:noFill/>
+            </p:spPr>
+            <p:txBody>
+              <a:bodyPr wrap="none" rtlCol="0">
+                <a:spAutoFit/>
+              </a:bodyPr>
+              <a:lstStyle/>
+              <a:p>
+                <a:r>
+                  <a:rPr kumimoji="1" lang="ja-JP" altLang="en-US" sz="2800"/>
+                  <a:t>両辺を</a:t>
+                </a:r>
+                <a14:m>
+                  <m:oMath xmlns:m="http://schemas.openxmlformats.org/officeDocument/2006/math">
+                    <m:r>
+                      <a:rPr kumimoji="1" lang="en-US" altLang="ja-JP" sz="2800" b="0" i="1" smtClean="0">
+                        <a:latin typeface="Cambria Math" panose="02040503050406030204" pitchFamily="18" charset="0"/>
+                      </a:rPr>
+                      <m:t>𝜃</m:t>
+                    </m:r>
+                  </m:oMath>
+                </a14:m>
+                <a:r>
+                  <a:rPr kumimoji="1" lang="ja-JP" altLang="en-US" sz="2800"/>
+                  <a:t>から</a:t>
+                </a:r>
+                <a14:m>
+                  <m:oMath xmlns:m="http://schemas.openxmlformats.org/officeDocument/2006/math">
+                    <m:r>
+                      <a:rPr kumimoji="1" lang="en-US" altLang="ja-JP" sz="2800" b="0" i="1" smtClean="0">
+                        <a:latin typeface="Cambria Math" panose="02040503050406030204" pitchFamily="18" charset="0"/>
+                      </a:rPr>
+                      <m:t>𝜃</m:t>
+                    </m:r>
+                    <m:r>
+                      <a:rPr kumimoji="1" lang="en-US" altLang="ja-JP" sz="2800" b="0" i="1" smtClean="0">
+                        <a:latin typeface="Cambria Math" panose="02040503050406030204" pitchFamily="18" charset="0"/>
+                      </a:rPr>
+                      <m:t>+</m:t>
+                    </m:r>
+                    <m:r>
+                      <a:rPr kumimoji="1" lang="en-US" altLang="ja-JP" sz="2800" b="0" i="1" smtClean="0">
+                        <a:latin typeface="Cambria Math" panose="02040503050406030204" pitchFamily="18" charset="0"/>
+                      </a:rPr>
+                      <m:t>h</m:t>
+                    </m:r>
+                  </m:oMath>
+                </a14:m>
+                <a:r>
+                  <a:rPr kumimoji="1" lang="ja-JP" altLang="en-US" sz="2800"/>
+                  <a:t>まで積分する</a:t>
+                </a:r>
+              </a:p>
+            </p:txBody>
+          </p:sp>
+        </mc:Choice>
+        <mc:Fallback>
+          <p:sp>
+            <p:nvSpPr>
+              <p:cNvPr id="4" name="テキスト ボックス 3">
+                <a:extLst>
+                  <a:ext uri="{FF2B5EF4-FFF2-40B4-BE49-F238E27FC236}">
+                    <a16:creationId xmlns:a16="http://schemas.microsoft.com/office/drawing/2014/main" id="{7E721E12-4D01-5A6E-CE6F-F59E7EADA6E2}"/>
+                  </a:ext>
+                </a:extLst>
+              </p:cNvPr>
+              <p:cNvSpPr txBox="1">
+                <a:spLocks noRot="1" noChangeAspect="1" noMove="1" noResize="1" noEditPoints="1" noAdjustHandles="1" noChangeArrowheads="1" noChangeShapeType="1" noTextEdit="1"/>
+              </p:cNvSpPr>
+              <p:nvPr/>
+            </p:nvSpPr>
+            <p:spPr>
+              <a:xfrm>
+                <a:off x="611560" y="2420888"/>
+                <a:ext cx="5191614" cy="523220"/>
+              </a:xfrm>
+              <a:prstGeom prst="rect">
+                <a:avLst/>
+              </a:prstGeom>
+              <a:blipFill>
+                <a:blip r:embed="rId3"/>
+                <a:stretch>
+                  <a:fillRect l="-2347" t="-15116" r="-1526" b="-27907"/>
+                </a:stretch>
+              </a:blipFill>
+            </p:spPr>
+            <p:txBody>
+              <a:bodyPr/>
+              <a:lstStyle/>
+              <a:p>
+                <a:r>
+                  <a:rPr lang="ja-JP" altLang="en-US">
+                    <a:noFill/>
+                  </a:rPr>
+                  <a:t> </a:t>
+                </a:r>
+              </a:p>
+            </p:txBody>
+          </p:sp>
+        </mc:Fallback>
+      </mc:AlternateContent>
+      <mc:AlternateContent xmlns:mc="http://schemas.openxmlformats.org/markup-compatibility/2006">
+        <mc:Choice xmlns:a14="http://schemas.microsoft.com/office/drawing/2010/main" Requires="a14">
+          <p:sp>
+            <p:nvSpPr>
+              <p:cNvPr id="5" name="テキスト ボックス 4">
+                <a:extLst>
+                  <a:ext uri="{FF2B5EF4-FFF2-40B4-BE49-F238E27FC236}">
+                    <a16:creationId xmlns:a16="http://schemas.microsoft.com/office/drawing/2014/main" id="{223CBA60-181F-27E8-C86A-E133262E7F87}"/>
+                  </a:ext>
+                </a:extLst>
+              </p:cNvPr>
+              <p:cNvSpPr txBox="1"/>
+              <p:nvPr/>
+            </p:nvSpPr>
+            <p:spPr>
+              <a:xfrm>
+                <a:off x="1907704" y="3068960"/>
+                <a:ext cx="4558364" cy="492443"/>
+              </a:xfrm>
+              <a:prstGeom prst="rect">
+                <a:avLst/>
+              </a:prstGeom>
+              <a:noFill/>
+            </p:spPr>
+            <p:txBody>
+              <a:bodyPr wrap="none" lIns="0" tIns="0" rIns="0" bIns="0" rtlCol="0">
+                <a:spAutoFit/>
+              </a:bodyPr>
+              <a:lstStyle/>
+              <a:p>
+                <a14:m>
+                  <m:oMathPara xmlns:m="http://schemas.openxmlformats.org/officeDocument/2006/math">
+                    <m:oMathParaPr>
+                      <m:jc m:val="centerGroup"/>
+                    </m:oMathParaPr>
+                    <m:oMath xmlns:m="http://schemas.openxmlformats.org/officeDocument/2006/math">
+                      <m:r>
+                        <a:rPr kumimoji="1" lang="en-US" altLang="ja-JP" sz="3200" b="0" i="1" smtClean="0">
+                          <a:latin typeface="Cambria Math" panose="02040503050406030204" pitchFamily="18" charset="0"/>
+                        </a:rPr>
+                        <m:t>𝑣</m:t>
+                      </m:r>
+                      <m:d>
+                        <m:dPr>
+                          <m:ctrlPr>
+                            <a:rPr kumimoji="1" lang="en-US" altLang="ja-JP" sz="3200" b="0" i="1" smtClean="0">
+                              <a:latin typeface="Cambria Math" panose="02040503050406030204" pitchFamily="18" charset="0"/>
+                            </a:rPr>
+                          </m:ctrlPr>
+                        </m:dPr>
+                        <m:e>
+                          <m:r>
+                            <a:rPr kumimoji="1" lang="en-US" altLang="ja-JP" sz="3200" b="0" i="1" smtClean="0">
+                              <a:latin typeface="Cambria Math" panose="02040503050406030204" pitchFamily="18" charset="0"/>
+                            </a:rPr>
+                            <m:t>𝜃</m:t>
+                          </m:r>
+                          <m:r>
+                            <a:rPr kumimoji="1" lang="en-US" altLang="ja-JP" sz="3200" b="0" i="1" smtClean="0">
+                              <a:latin typeface="Cambria Math" panose="02040503050406030204" pitchFamily="18" charset="0"/>
+                            </a:rPr>
+                            <m:t>+</m:t>
+                          </m:r>
+                          <m:r>
+                            <a:rPr kumimoji="1" lang="en-US" altLang="ja-JP" sz="3200" b="0" i="1" smtClean="0">
+                              <a:latin typeface="Cambria Math" panose="02040503050406030204" pitchFamily="18" charset="0"/>
+                            </a:rPr>
+                            <m:t>h</m:t>
+                          </m:r>
+                        </m:e>
+                      </m:d>
+                      <m:r>
+                        <a:rPr kumimoji="1" lang="en-US" altLang="ja-JP" sz="3200" b="0" i="1" smtClean="0">
+                          <a:latin typeface="Cambria Math" panose="02040503050406030204" pitchFamily="18" charset="0"/>
+                        </a:rPr>
+                        <m:t>=</m:t>
+                      </m:r>
+                      <m:r>
+                        <m:rPr>
+                          <m:sty m:val="p"/>
+                        </m:rPr>
+                        <a:rPr kumimoji="1" lang="en-US" altLang="ja-JP" sz="3200" b="0" i="0" smtClean="0">
+                          <a:latin typeface="Cambria Math" panose="02040503050406030204" pitchFamily="18" charset="0"/>
+                        </a:rPr>
+                        <m:t>exp</m:t>
+                      </m:r>
+                      <m:r>
+                        <a:rPr kumimoji="1" lang="en-US" altLang="ja-JP" sz="3200" b="0" i="1" smtClean="0">
+                          <a:latin typeface="Cambria Math" panose="02040503050406030204" pitchFamily="18" charset="0"/>
+                        </a:rPr>
+                        <m:t>⁡(</m:t>
+                      </m:r>
+                      <m:r>
+                        <a:rPr kumimoji="1" lang="en-US" altLang="ja-JP" sz="3200" b="0" i="1" smtClean="0">
+                          <a:latin typeface="Cambria Math" panose="02040503050406030204" pitchFamily="18" charset="0"/>
+                        </a:rPr>
+                        <m:t>𝑖h𝐿</m:t>
+                      </m:r>
+                      <m:r>
+                        <a:rPr kumimoji="1" lang="en-US" altLang="ja-JP" sz="3200" b="0" i="1" smtClean="0">
+                          <a:latin typeface="Cambria Math" panose="02040503050406030204" pitchFamily="18" charset="0"/>
+                        </a:rPr>
+                        <m:t>)</m:t>
+                      </m:r>
+                      <m:r>
+                        <a:rPr kumimoji="1" lang="en-US" altLang="ja-JP" sz="3200" b="0" i="1" smtClean="0">
+                          <a:latin typeface="Cambria Math" panose="02040503050406030204" pitchFamily="18" charset="0"/>
+                        </a:rPr>
+                        <m:t>𝑣</m:t>
+                      </m:r>
+                      <m:d>
+                        <m:dPr>
+                          <m:ctrlPr>
+                            <a:rPr kumimoji="1" lang="en-US" altLang="ja-JP" sz="3200" b="0" i="1" smtClean="0">
+                              <a:latin typeface="Cambria Math" panose="02040503050406030204" pitchFamily="18" charset="0"/>
+                            </a:rPr>
+                          </m:ctrlPr>
+                        </m:dPr>
+                        <m:e>
+                          <m:r>
+                            <a:rPr kumimoji="1" lang="en-US" altLang="ja-JP" sz="3200" b="0" i="1" smtClean="0">
+                              <a:latin typeface="Cambria Math" panose="02040503050406030204" pitchFamily="18" charset="0"/>
+                            </a:rPr>
+                            <m:t>𝜃</m:t>
+                          </m:r>
+                        </m:e>
+                      </m:d>
+                    </m:oMath>
+                  </m:oMathPara>
+                </a14:m>
+                <a:endParaRPr kumimoji="1" lang="ja-JP" altLang="en-US" sz="3200"/>
+              </a:p>
+            </p:txBody>
+          </p:sp>
+        </mc:Choice>
+        <mc:Fallback>
+          <p:sp>
+            <p:nvSpPr>
+              <p:cNvPr id="5" name="テキスト ボックス 4">
+                <a:extLst>
+                  <a:ext uri="{FF2B5EF4-FFF2-40B4-BE49-F238E27FC236}">
+                    <a16:creationId xmlns:a16="http://schemas.microsoft.com/office/drawing/2014/main" id="{223CBA60-181F-27E8-C86A-E133262E7F87}"/>
+                  </a:ext>
+                </a:extLst>
+              </p:cNvPr>
+              <p:cNvSpPr txBox="1">
+                <a:spLocks noRot="1" noChangeAspect="1" noMove="1" noResize="1" noEditPoints="1" noAdjustHandles="1" noChangeArrowheads="1" noChangeShapeType="1" noTextEdit="1"/>
+              </p:cNvSpPr>
+              <p:nvPr/>
+            </p:nvSpPr>
+            <p:spPr>
+              <a:xfrm>
+                <a:off x="1907704" y="3068960"/>
+                <a:ext cx="4558364" cy="492443"/>
+              </a:xfrm>
+              <a:prstGeom prst="rect">
+                <a:avLst/>
+              </a:prstGeom>
+              <a:blipFill>
+                <a:blip r:embed="rId4"/>
+                <a:stretch>
+                  <a:fillRect/>
+                </a:stretch>
+              </a:blipFill>
+            </p:spPr>
+            <p:txBody>
+              <a:bodyPr/>
+              <a:lstStyle/>
+              <a:p>
+                <a:r>
+                  <a:rPr lang="ja-JP" altLang="en-US">
+                    <a:noFill/>
+                  </a:rPr>
+                  <a:t> </a:t>
+                </a:r>
+              </a:p>
+            </p:txBody>
+          </p:sp>
+        </mc:Fallback>
+      </mc:AlternateContent>
+      <mc:AlternateContent xmlns:mc="http://schemas.openxmlformats.org/markup-compatibility/2006">
+        <mc:Choice xmlns:a14="http://schemas.microsoft.com/office/drawing/2010/main" Requires="a14">
+          <p:sp>
+            <p:nvSpPr>
+              <p:cNvPr id="7" name="テキスト ボックス 6">
+                <a:extLst>
+                  <a:ext uri="{FF2B5EF4-FFF2-40B4-BE49-F238E27FC236}">
+                    <a16:creationId xmlns:a16="http://schemas.microsoft.com/office/drawing/2014/main" id="{9078AC2D-0849-0C10-27F4-2BC88CC0B3A1}"/>
+                  </a:ext>
+                </a:extLst>
+              </p:cNvPr>
+              <p:cNvSpPr txBox="1"/>
+              <p:nvPr/>
+            </p:nvSpPr>
+            <p:spPr>
+              <a:xfrm>
+                <a:off x="1922896" y="3861048"/>
+                <a:ext cx="3873240" cy="492443"/>
+              </a:xfrm>
+              <a:prstGeom prst="rect">
+                <a:avLst/>
+              </a:prstGeom>
+              <a:noFill/>
+            </p:spPr>
+            <p:txBody>
+              <a:bodyPr wrap="none" lIns="0" tIns="0" rIns="0" bIns="0" rtlCol="0">
+                <a:spAutoFit/>
+              </a:bodyPr>
+              <a:lstStyle/>
+              <a:p>
+                <a:pPr/>
+                <a14:m>
+                  <m:oMathPara xmlns:m="http://schemas.openxmlformats.org/officeDocument/2006/math">
+                    <m:oMathParaPr>
+                      <m:jc m:val="centerGroup"/>
+                    </m:oMathParaPr>
+                    <m:oMath xmlns:m="http://schemas.openxmlformats.org/officeDocument/2006/math">
+                      <m:r>
+                        <a:rPr lang="en-US" altLang="ja-JP" sz="3200" i="1" smtClean="0">
+                          <a:latin typeface="Cambria Math" panose="02040503050406030204" pitchFamily="18" charset="0"/>
+                        </a:rPr>
+                        <m:t>𝑣</m:t>
+                      </m:r>
+                      <m:d>
+                        <m:dPr>
+                          <m:ctrlPr>
+                            <a:rPr lang="en-US" altLang="ja-JP" sz="3200" i="1">
+                              <a:latin typeface="Cambria Math" panose="02040503050406030204" pitchFamily="18" charset="0"/>
+                            </a:rPr>
+                          </m:ctrlPr>
+                        </m:dPr>
+                        <m:e>
+                          <m:r>
+                            <a:rPr lang="en-US" altLang="ja-JP" sz="3200" i="1">
+                              <a:latin typeface="Cambria Math" panose="02040503050406030204" pitchFamily="18" charset="0"/>
+                            </a:rPr>
+                            <m:t>𝜃</m:t>
+                          </m:r>
+                          <m:r>
+                            <a:rPr lang="en-US" altLang="ja-JP" sz="3200" i="1">
+                              <a:latin typeface="Cambria Math" panose="02040503050406030204" pitchFamily="18" charset="0"/>
+                            </a:rPr>
+                            <m:t>+</m:t>
+                          </m:r>
+                          <m:r>
+                            <a:rPr lang="en-US" altLang="ja-JP" sz="3200" i="1">
+                              <a:latin typeface="Cambria Math" panose="02040503050406030204" pitchFamily="18" charset="0"/>
+                            </a:rPr>
+                            <m:t>h</m:t>
+                          </m:r>
+                        </m:e>
+                      </m:d>
+                      <m:r>
+                        <a:rPr lang="en-US" altLang="ja-JP" sz="3200" b="0" i="1" smtClean="0">
+                          <a:latin typeface="Cambria Math" panose="02040503050406030204" pitchFamily="18" charset="0"/>
+                        </a:rPr>
+                        <m:t>=</m:t>
+                      </m:r>
+                      <m:r>
+                        <a:rPr lang="en-US" altLang="ja-JP" sz="3200" i="1">
+                          <a:latin typeface="Cambria Math" panose="02040503050406030204" pitchFamily="18" charset="0"/>
+                        </a:rPr>
+                        <m:t>𝑈</m:t>
+                      </m:r>
+                      <m:d>
+                        <m:dPr>
+                          <m:ctrlPr>
+                            <a:rPr kumimoji="1" lang="en-US" altLang="ja-JP" sz="3200" b="0" i="1" smtClean="0">
+                              <a:latin typeface="Cambria Math" panose="02040503050406030204" pitchFamily="18" charset="0"/>
+                            </a:rPr>
+                          </m:ctrlPr>
+                        </m:dPr>
+                        <m:e>
+                          <m:r>
+                            <a:rPr kumimoji="1" lang="en-US" altLang="ja-JP" sz="3200" b="0" i="1" smtClean="0">
+                              <a:latin typeface="Cambria Math" panose="02040503050406030204" pitchFamily="18" charset="0"/>
+                            </a:rPr>
+                            <m:t>h</m:t>
+                          </m:r>
+                        </m:e>
+                      </m:d>
+                      <m:r>
+                        <a:rPr kumimoji="1" lang="en-US" altLang="ja-JP" sz="3200" b="0" i="1" smtClean="0">
+                          <a:latin typeface="Cambria Math" panose="02040503050406030204" pitchFamily="18" charset="0"/>
+                        </a:rPr>
+                        <m:t>𝑣</m:t>
+                      </m:r>
+                      <m:d>
+                        <m:dPr>
+                          <m:ctrlPr>
+                            <a:rPr kumimoji="1" lang="en-US" altLang="ja-JP" sz="3200" b="0" i="1" smtClean="0">
+                              <a:latin typeface="Cambria Math" panose="02040503050406030204" pitchFamily="18" charset="0"/>
+                            </a:rPr>
+                          </m:ctrlPr>
+                        </m:dPr>
+                        <m:e>
+                          <m:r>
+                            <a:rPr kumimoji="1" lang="en-US" altLang="ja-JP" sz="3200" b="0" i="1" smtClean="0">
+                              <a:latin typeface="Cambria Math" panose="02040503050406030204" pitchFamily="18" charset="0"/>
+                            </a:rPr>
+                            <m:t>𝜃</m:t>
+                          </m:r>
+                        </m:e>
+                      </m:d>
+                    </m:oMath>
+                  </m:oMathPara>
+                </a14:m>
+                <a:endParaRPr kumimoji="1" lang="ja-JP" altLang="en-US" sz="3200"/>
+              </a:p>
+            </p:txBody>
+          </p:sp>
+        </mc:Choice>
+        <mc:Fallback>
+          <p:sp>
+            <p:nvSpPr>
+              <p:cNvPr id="7" name="テキスト ボックス 6">
+                <a:extLst>
+                  <a:ext uri="{FF2B5EF4-FFF2-40B4-BE49-F238E27FC236}">
+                    <a16:creationId xmlns:a16="http://schemas.microsoft.com/office/drawing/2014/main" id="{9078AC2D-0849-0C10-27F4-2BC88CC0B3A1}"/>
+                  </a:ext>
+                </a:extLst>
+              </p:cNvPr>
+              <p:cNvSpPr txBox="1">
+                <a:spLocks noRot="1" noChangeAspect="1" noMove="1" noResize="1" noEditPoints="1" noAdjustHandles="1" noChangeArrowheads="1" noChangeShapeType="1" noTextEdit="1"/>
+              </p:cNvSpPr>
+              <p:nvPr/>
+            </p:nvSpPr>
+            <p:spPr>
+              <a:xfrm>
+                <a:off x="1922896" y="3861048"/>
+                <a:ext cx="3873240" cy="492443"/>
+              </a:xfrm>
+              <a:prstGeom prst="rect">
+                <a:avLst/>
+              </a:prstGeom>
+              <a:blipFill>
+                <a:blip r:embed="rId5"/>
+                <a:stretch>
+                  <a:fillRect/>
+                </a:stretch>
+              </a:blipFill>
+            </p:spPr>
+            <p:txBody>
+              <a:bodyPr/>
+              <a:lstStyle/>
+              <a:p>
+                <a:r>
+                  <a:rPr lang="ja-JP" altLang="en-US">
+                    <a:noFill/>
+                  </a:rPr>
+                  <a:t> </a:t>
+                </a:r>
+              </a:p>
+            </p:txBody>
+          </p:sp>
+        </mc:Fallback>
+      </mc:AlternateContent>
+      <p:sp>
+        <p:nvSpPr>
+          <p:cNvPr id="8" name="テキスト ボックス 7">
+            <a:extLst>
+              <a:ext uri="{FF2B5EF4-FFF2-40B4-BE49-F238E27FC236}">
+                <a16:creationId xmlns:a16="http://schemas.microsoft.com/office/drawing/2014/main" id="{55C30A54-D707-EFCB-EEB4-44ED7027EED0}"/>
+              </a:ext>
+            </a:extLst>
+          </p:cNvPr>
+          <p:cNvSpPr txBox="1"/>
+          <p:nvPr/>
+        </p:nvSpPr>
+        <p:spPr>
+          <a:xfrm>
+            <a:off x="6156176" y="3903439"/>
+            <a:ext cx="2031325" cy="461665"/>
+          </a:xfrm>
+          <a:prstGeom prst="rect">
+            <a:avLst/>
+          </a:prstGeom>
+          <a:noFill/>
+        </p:spPr>
+        <p:txBody>
+          <a:bodyPr wrap="none" rtlCol="0">
+            <a:spAutoFit/>
+          </a:bodyPr>
+          <a:lstStyle/>
+          <a:p>
+            <a:r>
+              <a:rPr kumimoji="1" lang="ja-JP" altLang="en-US" sz="2400"/>
+              <a:t>と見比べると</a:t>
+            </a:r>
+          </a:p>
+        </p:txBody>
+      </p:sp>
+      <mc:AlternateContent xmlns:mc="http://schemas.openxmlformats.org/markup-compatibility/2006">
+        <mc:Choice xmlns:a14="http://schemas.microsoft.com/office/drawing/2010/main" Requires="a14">
+          <p:sp>
+            <p:nvSpPr>
+              <p:cNvPr id="10" name="テキスト ボックス 9">
+                <a:extLst>
+                  <a:ext uri="{FF2B5EF4-FFF2-40B4-BE49-F238E27FC236}">
+                    <a16:creationId xmlns:a16="http://schemas.microsoft.com/office/drawing/2014/main" id="{725C93A2-0D67-1BC8-E230-3EA833A96BB3}"/>
+                  </a:ext>
+                </a:extLst>
+              </p:cNvPr>
+              <p:cNvSpPr txBox="1"/>
+              <p:nvPr/>
+            </p:nvSpPr>
+            <p:spPr>
+              <a:xfrm>
+                <a:off x="2051720" y="4725144"/>
+                <a:ext cx="4572000" cy="707886"/>
+              </a:xfrm>
+              <a:prstGeom prst="rect">
+                <a:avLst/>
+              </a:prstGeom>
+              <a:noFill/>
+            </p:spPr>
+            <p:txBody>
+              <a:bodyPr wrap="square">
+                <a:spAutoFit/>
+              </a:bodyPr>
+              <a:lstStyle/>
+              <a:p>
+                <a:pPr/>
+                <a14:m>
+                  <m:oMathPara xmlns:m="http://schemas.openxmlformats.org/officeDocument/2006/math">
+                    <m:oMathParaPr>
+                      <m:jc m:val="centerGroup"/>
+                    </m:oMathParaPr>
+                    <m:oMath xmlns:m="http://schemas.openxmlformats.org/officeDocument/2006/math">
+                      <m:r>
+                        <a:rPr lang="en-US" altLang="ja-JP" sz="4000" i="1" smtClean="0">
+                          <a:latin typeface="Cambria Math" panose="02040503050406030204" pitchFamily="18" charset="0"/>
+                        </a:rPr>
+                        <m:t>𝑈</m:t>
+                      </m:r>
+                      <m:d>
+                        <m:dPr>
+                          <m:ctrlPr>
+                            <a:rPr kumimoji="1" lang="en-US" altLang="ja-JP" sz="4000" b="0" i="1" smtClean="0">
+                              <a:latin typeface="Cambria Math" panose="02040503050406030204" pitchFamily="18" charset="0"/>
+                            </a:rPr>
+                          </m:ctrlPr>
+                        </m:dPr>
+                        <m:e>
+                          <m:r>
+                            <a:rPr kumimoji="1" lang="en-US" altLang="ja-JP" sz="4000" b="0" i="1" smtClean="0">
+                              <a:latin typeface="Cambria Math" panose="02040503050406030204" pitchFamily="18" charset="0"/>
+                            </a:rPr>
+                            <m:t>h</m:t>
+                          </m:r>
+                        </m:e>
+                      </m:d>
+                      <m:r>
+                        <a:rPr kumimoji="1" lang="en-US" altLang="ja-JP" sz="4000" b="0" i="1" smtClean="0">
+                          <a:latin typeface="Cambria Math" panose="02040503050406030204" pitchFamily="18" charset="0"/>
+                        </a:rPr>
+                        <m:t>=</m:t>
+                      </m:r>
+                      <m:r>
+                        <m:rPr>
+                          <m:sty m:val="p"/>
+                        </m:rPr>
+                        <a:rPr kumimoji="1" lang="en-US" altLang="ja-JP" sz="4000" b="0" i="0" smtClean="0">
+                          <a:latin typeface="Cambria Math" panose="02040503050406030204" pitchFamily="18" charset="0"/>
+                        </a:rPr>
+                        <m:t>exp</m:t>
+                      </m:r>
+                      <m:r>
+                        <a:rPr kumimoji="1" lang="en-US" altLang="ja-JP" sz="4000" b="0" i="1" smtClean="0">
+                          <a:latin typeface="Cambria Math" panose="02040503050406030204" pitchFamily="18" charset="0"/>
+                        </a:rPr>
+                        <m:t>⁡(</m:t>
+                      </m:r>
+                      <m:r>
+                        <a:rPr kumimoji="1" lang="en-US" altLang="ja-JP" sz="4000" b="0" i="1" smtClean="0">
+                          <a:latin typeface="Cambria Math" panose="02040503050406030204" pitchFamily="18" charset="0"/>
+                        </a:rPr>
+                        <m:t>𝑖h𝐿</m:t>
+                      </m:r>
+                      <m:r>
+                        <a:rPr kumimoji="1" lang="en-US" altLang="ja-JP" sz="4000" b="0" i="1" smtClean="0">
+                          <a:latin typeface="Cambria Math" panose="02040503050406030204" pitchFamily="18" charset="0"/>
+                        </a:rPr>
+                        <m:t>)</m:t>
+                      </m:r>
+                    </m:oMath>
+                  </m:oMathPara>
+                </a14:m>
+                <a:endParaRPr lang="ja-JP" altLang="en-US" sz="4000"/>
+              </a:p>
+            </p:txBody>
+          </p:sp>
+        </mc:Choice>
+        <mc:Fallback>
+          <p:sp>
+            <p:nvSpPr>
+              <p:cNvPr id="10" name="テキスト ボックス 9">
+                <a:extLst>
+                  <a:ext uri="{FF2B5EF4-FFF2-40B4-BE49-F238E27FC236}">
+                    <a16:creationId xmlns:a16="http://schemas.microsoft.com/office/drawing/2014/main" id="{725C93A2-0D67-1BC8-E230-3EA833A96BB3}"/>
+                  </a:ext>
+                </a:extLst>
+              </p:cNvPr>
+              <p:cNvSpPr txBox="1">
+                <a:spLocks noRot="1" noChangeAspect="1" noMove="1" noResize="1" noEditPoints="1" noAdjustHandles="1" noChangeArrowheads="1" noChangeShapeType="1" noTextEdit="1"/>
+              </p:cNvSpPr>
+              <p:nvPr/>
+            </p:nvSpPr>
+            <p:spPr>
+              <a:xfrm>
+                <a:off x="2051720" y="4725144"/>
+                <a:ext cx="4572000" cy="707886"/>
+              </a:xfrm>
+              <a:prstGeom prst="rect">
+                <a:avLst/>
+              </a:prstGeom>
+              <a:blipFill>
+                <a:blip r:embed="rId6"/>
+                <a:stretch>
+                  <a:fillRect/>
+                </a:stretch>
+              </a:blipFill>
+            </p:spPr>
+            <p:txBody>
+              <a:bodyPr/>
+              <a:lstStyle/>
+              <a:p>
+                <a:r>
+                  <a:rPr lang="ja-JP" altLang="en-US">
+                    <a:noFill/>
+                  </a:rPr>
+                  <a:t> </a:t>
+                </a:r>
+              </a:p>
+            </p:txBody>
+          </p:sp>
+        </mc:Fallback>
+      </mc:AlternateContent>
+      <p:sp>
+        <p:nvSpPr>
+          <p:cNvPr id="11" name="四角形: 角を丸くする 10">
+            <a:extLst>
+              <a:ext uri="{FF2B5EF4-FFF2-40B4-BE49-F238E27FC236}">
+                <a16:creationId xmlns:a16="http://schemas.microsoft.com/office/drawing/2014/main" id="{BA5D2F48-D641-083D-88C9-9789FBA5DFA9}"/>
+              </a:ext>
+            </a:extLst>
+          </p:cNvPr>
+          <p:cNvSpPr/>
+          <p:nvPr/>
+        </p:nvSpPr>
+        <p:spPr>
+          <a:xfrm>
+            <a:off x="3923928" y="1340768"/>
+            <a:ext cx="504056" cy="576064"/>
+          </a:xfrm>
+          <a:prstGeom prst="roundRect">
+            <a:avLst/>
+          </a:prstGeom>
+          <a:noFill/>
+          <a:ln>
+            <a:solidFill>
+              <a:srgbClr val="FF0000"/>
+            </a:solidFill>
+          </a:ln>
+        </p:spPr>
+        <p:style>
+          <a:lnRef idx="2">
+            <a:schemeClr val="accent1">
+              <a:shade val="50000"/>
+            </a:schemeClr>
+          </a:lnRef>
+          <a:fillRef idx="1">
+            <a:schemeClr val="accent1"/>
+          </a:fillRef>
+          <a:effectRef idx="0">
+            <a:schemeClr val="accent1"/>
+          </a:effectRef>
+          <a:fontRef idx="minor">
+            <a:schemeClr val="lt1"/>
+          </a:fontRef>
+        </p:style>
+        <p:txBody>
+          <a:bodyPr rtlCol="0" anchor="ctr"/>
+          <a:lstStyle/>
+          <a:p>
+            <a:pPr algn="ctr"/>
+            <a:endParaRPr kumimoji="1" lang="ja-JP" altLang="en-US"/>
+          </a:p>
+        </p:txBody>
+      </p:sp>
+      <p:sp>
+        <p:nvSpPr>
+          <p:cNvPr id="12" name="テキスト ボックス 11">
+            <a:extLst>
+              <a:ext uri="{FF2B5EF4-FFF2-40B4-BE49-F238E27FC236}">
+                <a16:creationId xmlns:a16="http://schemas.microsoft.com/office/drawing/2014/main" id="{F8ABCEA2-4E4D-3C18-0811-BB18E23F5ABF}"/>
+              </a:ext>
+            </a:extLst>
+          </p:cNvPr>
+          <p:cNvSpPr txBox="1"/>
+          <p:nvPr/>
+        </p:nvSpPr>
+        <p:spPr>
+          <a:xfrm>
+            <a:off x="5940152" y="1124744"/>
+            <a:ext cx="1980029" cy="523220"/>
+          </a:xfrm>
+          <a:prstGeom prst="rect">
+            <a:avLst/>
+          </a:prstGeom>
+          <a:noFill/>
+        </p:spPr>
+        <p:txBody>
+          <a:bodyPr wrap="none" rtlCol="0">
+            <a:spAutoFit/>
+          </a:bodyPr>
+          <a:lstStyle/>
+          <a:p>
+            <a:r>
+              <a:rPr kumimoji="1" lang="ja-JP" altLang="en-US" sz="2800"/>
+              <a:t>微分演算子</a:t>
+            </a:r>
+          </a:p>
+        </p:txBody>
+      </p:sp>
+      <p:cxnSp>
+        <p:nvCxnSpPr>
+          <p:cNvPr id="14" name="コネクタ: カギ線 13">
+            <a:extLst>
+              <a:ext uri="{FF2B5EF4-FFF2-40B4-BE49-F238E27FC236}">
+                <a16:creationId xmlns:a16="http://schemas.microsoft.com/office/drawing/2014/main" id="{F2D8E731-EC2E-019F-A819-D30053A9C24D}"/>
+              </a:ext>
+            </a:extLst>
+          </p:cNvPr>
+          <p:cNvCxnSpPr>
+            <a:cxnSpLocks/>
+            <a:stCxn id="12" idx="0"/>
+            <a:endCxn id="11" idx="0"/>
+          </p:cNvCxnSpPr>
+          <p:nvPr/>
+        </p:nvCxnSpPr>
+        <p:spPr>
+          <a:xfrm rot="16200000" flipH="1" flipV="1">
+            <a:off x="5445050" y="-144350"/>
+            <a:ext cx="216024" cy="2754211"/>
+          </a:xfrm>
+          <a:prstGeom prst="bentConnector3">
+            <a:avLst>
+              <a:gd name="adj1" fmla="val -105822"/>
+            </a:avLst>
+          </a:prstGeom>
+          <a:ln>
+            <a:solidFill>
+              <a:schemeClr val="tx1"/>
+            </a:solidFill>
+            <a:headEnd type="none" w="med" len="med"/>
+            <a:tailEnd type="triangle"/>
+          </a:ln>
+        </p:spPr>
+        <p:style>
+          <a:lnRef idx="1">
+            <a:schemeClr val="accent1"/>
+          </a:lnRef>
+          <a:fillRef idx="0">
+            <a:schemeClr val="accent1"/>
+          </a:fillRef>
+          <a:effectRef idx="0">
+            <a:schemeClr val="accent1"/>
+          </a:effectRef>
+          <a:fontRef idx="minor">
+            <a:schemeClr val="tx1"/>
+          </a:fontRef>
+        </p:style>
+      </p:cxnSp>
+      <p:sp>
+        <p:nvSpPr>
+          <p:cNvPr id="18" name="テキスト ボックス 17">
+            <a:extLst>
+              <a:ext uri="{FF2B5EF4-FFF2-40B4-BE49-F238E27FC236}">
+                <a16:creationId xmlns:a16="http://schemas.microsoft.com/office/drawing/2014/main" id="{1E9AB76A-9AC3-098D-7920-E800E1AFC277}"/>
+              </a:ext>
+            </a:extLst>
+          </p:cNvPr>
+          <p:cNvSpPr txBox="1"/>
+          <p:nvPr/>
+        </p:nvSpPr>
+        <p:spPr>
+          <a:xfrm>
+            <a:off x="323528" y="5589240"/>
+            <a:ext cx="8208911" cy="830997"/>
+          </a:xfrm>
+          <a:prstGeom prst="rect">
+            <a:avLst/>
+          </a:prstGeom>
+          <a:noFill/>
+        </p:spPr>
+        <p:txBody>
+          <a:bodyPr wrap="square" rtlCol="0">
+            <a:spAutoFit/>
+          </a:bodyPr>
+          <a:lstStyle/>
+          <a:p>
+            <a:r>
+              <a:rPr kumimoji="1" lang="ja-JP" altLang="en-US" sz="2400"/>
+              <a:t>有限の回転を引き起こす演算子は、微分演算子を指数関数の肩に乗せて作ることができる</a:t>
+            </a:r>
+          </a:p>
+        </p:txBody>
+      </p:sp>
+    </p:spTree>
+    <p:extLst>
+      <p:ext uri="{BB962C8B-B14F-4D97-AF65-F5344CB8AC3E}">
+        <p14:creationId xmlns:p14="http://schemas.microsoft.com/office/powerpoint/2010/main" val="3452157819"/>
+      </p:ext>
+    </p:extLst>
+  </p:cSld>
+  <p:clrMapOvr>
+    <a:masterClrMapping/>
+  </p:clrMapOvr>
+</p:sld>
+</file>
+
+<file path=ppt/slides/slide28.xml><?xml version="1.0" encoding="utf-8"?>
+<p:sld xmlns:a="http://schemas.openxmlformats.org/drawingml/2006/main" xmlns:r="http://schemas.openxmlformats.org/officeDocument/2006/relationships" xmlns:p="http://schemas.openxmlformats.org/presentationml/2006/main">
+  <p:cSld>
+    <p:spTree>
+      <p:nvGrpSpPr>
+        <p:cNvPr id="1" name=""/>
+        <p:cNvGrpSpPr/>
+        <p:nvPr/>
+      </p:nvGrpSpPr>
+      <p:grpSpPr>
+        <a:xfrm>
+          <a:off x="0" y="0"/>
+          <a:ext cx="0" cy="0"/>
+          <a:chOff x="0" y="0"/>
+          <a:chExt cx="0" cy="0"/>
+        </a:xfrm>
+      </p:grpSpPr>
+      <p:sp>
+        <p:nvSpPr>
+          <p:cNvPr id="2" name="テキスト プレースホルダー 1">
+            <a:extLst>
+              <a:ext uri="{FF2B5EF4-FFF2-40B4-BE49-F238E27FC236}">
+                <a16:creationId xmlns:a16="http://schemas.microsoft.com/office/drawing/2014/main" id="{580757E3-1B19-11BA-327D-6F34B1BB10CD}"/>
+              </a:ext>
+            </a:extLst>
+          </p:cNvPr>
+          <p:cNvSpPr>
+            <a:spLocks noGrp="1"/>
+          </p:cNvSpPr>
+          <p:nvPr>
+            <p:ph type="body" sz="quarter" idx="10"/>
+          </p:nvPr>
+        </p:nvSpPr>
+        <p:spPr/>
+        <p:txBody>
+          <a:bodyPr/>
+          <a:lstStyle/>
+          <a:p>
+            <a:r>
+              <a:rPr lang="ja-JP" altLang="en-US"/>
+              <a:t>生成子</a:t>
+            </a:r>
+            <a:endParaRPr kumimoji="1" lang="ja-JP" altLang="en-US"/>
+          </a:p>
+        </p:txBody>
+      </p:sp>
+      <mc:AlternateContent xmlns:mc="http://schemas.openxmlformats.org/markup-compatibility/2006">
+        <mc:Choice xmlns:a14="http://schemas.microsoft.com/office/drawing/2010/main" Requires="a14">
+          <p:sp>
+            <p:nvSpPr>
+              <p:cNvPr id="3" name="テキスト ボックス 2">
+                <a:extLst>
+                  <a:ext uri="{FF2B5EF4-FFF2-40B4-BE49-F238E27FC236}">
+                    <a16:creationId xmlns:a16="http://schemas.microsoft.com/office/drawing/2014/main" id="{B19333CB-0270-E969-BE13-F9694049EFC3}"/>
+                  </a:ext>
+                </a:extLst>
+              </p:cNvPr>
+              <p:cNvSpPr txBox="1"/>
+              <p:nvPr/>
+            </p:nvSpPr>
+            <p:spPr>
+              <a:xfrm>
+                <a:off x="755576" y="3193812"/>
+                <a:ext cx="7272808" cy="830997"/>
+              </a:xfrm>
+              <a:prstGeom prst="rect">
+                <a:avLst/>
+              </a:prstGeom>
+              <a:noFill/>
+            </p:spPr>
+            <p:txBody>
+              <a:bodyPr wrap="square">
+                <a:spAutoFit/>
+              </a:bodyPr>
+              <a:lstStyle/>
+              <a:p>
+                <a:pPr/>
+                <a14:m>
+                  <m:oMathPara xmlns:m="http://schemas.openxmlformats.org/officeDocument/2006/math">
+                    <m:oMathParaPr>
+                      <m:jc m:val="centerGroup"/>
+                    </m:oMathParaPr>
+                    <m:oMath xmlns:m="http://schemas.openxmlformats.org/officeDocument/2006/math">
+                      <m:r>
+                        <a:rPr lang="en-US" altLang="ja-JP" sz="4800" i="1" smtClean="0">
+                          <a:latin typeface="Cambria Math" panose="02040503050406030204" pitchFamily="18" charset="0"/>
+                        </a:rPr>
+                        <m:t>𝑈</m:t>
+                      </m:r>
+                      <m:d>
+                        <m:dPr>
+                          <m:ctrlPr>
+                            <a:rPr kumimoji="1" lang="en-US" altLang="ja-JP" sz="4800" b="0" i="1" smtClean="0">
+                              <a:latin typeface="Cambria Math" panose="02040503050406030204" pitchFamily="18" charset="0"/>
+                            </a:rPr>
+                          </m:ctrlPr>
+                        </m:dPr>
+                        <m:e>
+                          <m:r>
+                            <a:rPr kumimoji="1" lang="en-US" altLang="ja-JP" sz="4800" b="0" i="1" smtClean="0">
+                              <a:latin typeface="Cambria Math" panose="02040503050406030204" pitchFamily="18" charset="0"/>
+                            </a:rPr>
+                            <m:t>h</m:t>
+                          </m:r>
+                        </m:e>
+                      </m:d>
+                      <m:r>
+                        <a:rPr kumimoji="1" lang="en-US" altLang="ja-JP" sz="4800" b="0" i="1" smtClean="0">
+                          <a:latin typeface="Cambria Math" panose="02040503050406030204" pitchFamily="18" charset="0"/>
+                        </a:rPr>
+                        <m:t>=</m:t>
+                      </m:r>
+                      <m:r>
+                        <a:rPr kumimoji="1" lang="en-US" altLang="ja-JP" sz="4800" b="0" i="0" smtClean="0">
+                          <a:latin typeface="Cambria Math" panose="02040503050406030204" pitchFamily="18" charset="0"/>
+                        </a:rPr>
+                        <m:t>1+</m:t>
+                      </m:r>
+                      <m:d>
+                        <m:dPr>
+                          <m:ctrlPr>
+                            <a:rPr kumimoji="1" lang="en-US" altLang="ja-JP" sz="4800" b="0" i="1" smtClean="0">
+                              <a:latin typeface="Cambria Math" panose="02040503050406030204" pitchFamily="18" charset="0"/>
+                            </a:rPr>
+                          </m:ctrlPr>
+                        </m:dPr>
+                        <m:e>
+                          <m:r>
+                            <a:rPr kumimoji="1" lang="en-US" altLang="ja-JP" sz="4800" b="0" i="1" smtClean="0">
+                              <a:latin typeface="Cambria Math" panose="02040503050406030204" pitchFamily="18" charset="0"/>
+                            </a:rPr>
+                            <m:t>𝑖𝐿</m:t>
+                          </m:r>
+                        </m:e>
+                      </m:d>
+                      <m:r>
+                        <a:rPr kumimoji="1" lang="en-US" altLang="ja-JP" sz="4800" b="0" i="1" smtClean="0">
+                          <a:latin typeface="Cambria Math" panose="02040503050406030204" pitchFamily="18" charset="0"/>
+                        </a:rPr>
+                        <m:t>h</m:t>
+                      </m:r>
+                      <m:r>
+                        <a:rPr kumimoji="1" lang="en-US" altLang="ja-JP" sz="4800" b="0" i="1" smtClean="0">
+                          <a:latin typeface="Cambria Math" panose="02040503050406030204" pitchFamily="18" charset="0"/>
+                        </a:rPr>
+                        <m:t>+</m:t>
+                      </m:r>
+                      <m:r>
+                        <a:rPr kumimoji="1" lang="en-US" altLang="ja-JP" sz="4800" b="0" i="1" smtClean="0">
+                          <a:latin typeface="Cambria Math" panose="02040503050406030204" pitchFamily="18" charset="0"/>
+                        </a:rPr>
+                        <m:t>𝑂</m:t>
+                      </m:r>
+                      <m:r>
+                        <a:rPr kumimoji="1" lang="en-US" altLang="ja-JP" sz="4800" b="0" i="1" smtClean="0">
+                          <a:latin typeface="Cambria Math" panose="02040503050406030204" pitchFamily="18" charset="0"/>
+                        </a:rPr>
+                        <m:t>(</m:t>
+                      </m:r>
+                      <m:sSup>
+                        <m:sSupPr>
+                          <m:ctrlPr>
+                            <a:rPr kumimoji="1" lang="en-US" altLang="ja-JP" sz="4800" b="0" i="1" smtClean="0">
+                              <a:latin typeface="Cambria Math" panose="02040503050406030204" pitchFamily="18" charset="0"/>
+                            </a:rPr>
+                          </m:ctrlPr>
+                        </m:sSupPr>
+                        <m:e>
+                          <m:r>
+                            <a:rPr kumimoji="1" lang="en-US" altLang="ja-JP" sz="4800" b="0" i="1" smtClean="0">
+                              <a:latin typeface="Cambria Math" panose="02040503050406030204" pitchFamily="18" charset="0"/>
+                            </a:rPr>
+                            <m:t>h</m:t>
+                          </m:r>
+                        </m:e>
+                        <m:sup>
+                          <m:r>
+                            <a:rPr kumimoji="1" lang="en-US" altLang="ja-JP" sz="4800" b="0" i="1" smtClean="0">
+                              <a:latin typeface="Cambria Math" panose="02040503050406030204" pitchFamily="18" charset="0"/>
+                            </a:rPr>
+                            <m:t>2</m:t>
+                          </m:r>
+                        </m:sup>
+                      </m:sSup>
+                      <m:r>
+                        <a:rPr kumimoji="1" lang="en-US" altLang="ja-JP" sz="4800" b="0" i="1" smtClean="0">
+                          <a:latin typeface="Cambria Math" panose="02040503050406030204" pitchFamily="18" charset="0"/>
+                        </a:rPr>
+                        <m:t>)</m:t>
+                      </m:r>
+                    </m:oMath>
+                  </m:oMathPara>
+                </a14:m>
+                <a:endParaRPr lang="ja-JP" altLang="en-US" sz="4800"/>
+              </a:p>
+            </p:txBody>
+          </p:sp>
+        </mc:Choice>
+        <mc:Fallback>
+          <p:sp>
+            <p:nvSpPr>
+              <p:cNvPr id="3" name="テキスト ボックス 2">
+                <a:extLst>
+                  <a:ext uri="{FF2B5EF4-FFF2-40B4-BE49-F238E27FC236}">
+                    <a16:creationId xmlns:a16="http://schemas.microsoft.com/office/drawing/2014/main" id="{B19333CB-0270-E969-BE13-F9694049EFC3}"/>
+                  </a:ext>
+                </a:extLst>
+              </p:cNvPr>
+              <p:cNvSpPr txBox="1">
+                <a:spLocks noRot="1" noChangeAspect="1" noMove="1" noResize="1" noEditPoints="1" noAdjustHandles="1" noChangeArrowheads="1" noChangeShapeType="1" noTextEdit="1"/>
+              </p:cNvSpPr>
+              <p:nvPr/>
+            </p:nvSpPr>
+            <p:spPr>
+              <a:xfrm>
+                <a:off x="755576" y="3193812"/>
+                <a:ext cx="7272808" cy="830997"/>
+              </a:xfrm>
+              <a:prstGeom prst="rect">
+                <a:avLst/>
+              </a:prstGeom>
+              <a:blipFill>
+                <a:blip r:embed="rId2"/>
+                <a:stretch>
+                  <a:fillRect/>
+                </a:stretch>
+              </a:blipFill>
+            </p:spPr>
+            <p:txBody>
+              <a:bodyPr/>
+              <a:lstStyle/>
+              <a:p>
+                <a:r>
+                  <a:rPr lang="ja-JP" altLang="en-US">
+                    <a:noFill/>
+                  </a:rPr>
+                  <a:t> </a:t>
+                </a:r>
+              </a:p>
+            </p:txBody>
+          </p:sp>
+        </mc:Fallback>
+      </mc:AlternateContent>
+      <p:sp>
+        <p:nvSpPr>
+          <p:cNvPr id="5" name="四角形: 角を丸くする 4">
+            <a:extLst>
+              <a:ext uri="{FF2B5EF4-FFF2-40B4-BE49-F238E27FC236}">
+                <a16:creationId xmlns:a16="http://schemas.microsoft.com/office/drawing/2014/main" id="{E56A3791-061A-0BDD-2DC9-4E5AB3838E36}"/>
+              </a:ext>
+            </a:extLst>
+          </p:cNvPr>
+          <p:cNvSpPr/>
+          <p:nvPr/>
+        </p:nvSpPr>
+        <p:spPr>
+          <a:xfrm>
+            <a:off x="4067944" y="3265820"/>
+            <a:ext cx="1080120" cy="792088"/>
+          </a:xfrm>
+          <a:prstGeom prst="roundRect">
+            <a:avLst/>
+          </a:prstGeom>
+          <a:noFill/>
+          <a:ln>
+            <a:solidFill>
+              <a:srgbClr val="FF0000"/>
+            </a:solidFill>
+          </a:ln>
+        </p:spPr>
+        <p:style>
+          <a:lnRef idx="2">
+            <a:schemeClr val="accent1">
+              <a:shade val="50000"/>
+            </a:schemeClr>
+          </a:lnRef>
+          <a:fillRef idx="1">
+            <a:schemeClr val="accent1"/>
+          </a:fillRef>
+          <a:effectRef idx="0">
+            <a:schemeClr val="accent1"/>
+          </a:effectRef>
+          <a:fontRef idx="minor">
+            <a:schemeClr val="lt1"/>
+          </a:fontRef>
+        </p:style>
+        <p:txBody>
+          <a:bodyPr rtlCol="0" anchor="ctr"/>
+          <a:lstStyle/>
+          <a:p>
+            <a:pPr algn="ctr"/>
+            <a:endParaRPr kumimoji="1" lang="ja-JP" altLang="en-US"/>
+          </a:p>
+        </p:txBody>
+      </p:sp>
+      <p:sp>
+        <p:nvSpPr>
+          <p:cNvPr id="6" name="四角形: 角を丸くする 5">
+            <a:extLst>
+              <a:ext uri="{FF2B5EF4-FFF2-40B4-BE49-F238E27FC236}">
+                <a16:creationId xmlns:a16="http://schemas.microsoft.com/office/drawing/2014/main" id="{57F26021-C21A-C0B5-36AD-F87D66E38AB9}"/>
+              </a:ext>
+            </a:extLst>
+          </p:cNvPr>
+          <p:cNvSpPr/>
+          <p:nvPr/>
+        </p:nvSpPr>
+        <p:spPr>
+          <a:xfrm>
+            <a:off x="5148064" y="3265820"/>
+            <a:ext cx="432048" cy="792088"/>
+          </a:xfrm>
+          <a:prstGeom prst="roundRect">
+            <a:avLst/>
+          </a:prstGeom>
+          <a:noFill/>
+          <a:ln>
+            <a:solidFill>
+              <a:srgbClr val="011893"/>
+            </a:solidFill>
+          </a:ln>
+        </p:spPr>
+        <p:style>
+          <a:lnRef idx="2">
+            <a:schemeClr val="accent1">
+              <a:shade val="50000"/>
+            </a:schemeClr>
+          </a:lnRef>
+          <a:fillRef idx="1">
+            <a:schemeClr val="accent1"/>
+          </a:fillRef>
+          <a:effectRef idx="0">
+            <a:schemeClr val="accent1"/>
+          </a:effectRef>
+          <a:fontRef idx="minor">
+            <a:schemeClr val="lt1"/>
+          </a:fontRef>
+        </p:style>
+        <p:txBody>
+          <a:bodyPr rtlCol="0" anchor="ctr"/>
+          <a:lstStyle/>
+          <a:p>
+            <a:pPr algn="ctr"/>
+            <a:endParaRPr kumimoji="1" lang="ja-JP" altLang="en-US"/>
+          </a:p>
+        </p:txBody>
+      </p:sp>
+      <p:sp>
+        <p:nvSpPr>
+          <p:cNvPr id="7" name="テキスト ボックス 6">
+            <a:extLst>
+              <a:ext uri="{FF2B5EF4-FFF2-40B4-BE49-F238E27FC236}">
+                <a16:creationId xmlns:a16="http://schemas.microsoft.com/office/drawing/2014/main" id="{56046B8C-B7D0-0F7F-27B2-1294F2E4CBA3}"/>
+              </a:ext>
+            </a:extLst>
+          </p:cNvPr>
+          <p:cNvSpPr txBox="1"/>
+          <p:nvPr/>
+        </p:nvSpPr>
+        <p:spPr>
+          <a:xfrm>
+            <a:off x="5652120" y="2329716"/>
+            <a:ext cx="1620957" cy="523220"/>
+          </a:xfrm>
+          <a:prstGeom prst="rect">
+            <a:avLst/>
+          </a:prstGeom>
+          <a:noFill/>
+          <a:ln>
+            <a:solidFill>
+              <a:srgbClr val="FF0000"/>
+            </a:solidFill>
+          </a:ln>
+        </p:spPr>
+        <p:txBody>
+          <a:bodyPr wrap="none" rtlCol="0">
+            <a:spAutoFit/>
+          </a:bodyPr>
+          <a:lstStyle/>
+          <a:p>
+            <a:r>
+              <a:rPr kumimoji="1" lang="ja-JP" altLang="en-US" sz="2800"/>
+              <a:t>回転方向</a:t>
+            </a:r>
+          </a:p>
+        </p:txBody>
+      </p:sp>
+      <p:cxnSp>
+        <p:nvCxnSpPr>
+          <p:cNvPr id="9" name="コネクタ: カギ線 8">
+            <a:extLst>
+              <a:ext uri="{FF2B5EF4-FFF2-40B4-BE49-F238E27FC236}">
+                <a16:creationId xmlns:a16="http://schemas.microsoft.com/office/drawing/2014/main" id="{1E37E60A-3BDD-1D09-6BB7-506E5F55650A}"/>
+              </a:ext>
+            </a:extLst>
+          </p:cNvPr>
+          <p:cNvCxnSpPr>
+            <a:stCxn id="7" idx="1"/>
+            <a:endCxn id="5" idx="0"/>
+          </p:cNvCxnSpPr>
+          <p:nvPr/>
+        </p:nvCxnSpPr>
+        <p:spPr>
+          <a:xfrm rot="10800000" flipV="1">
+            <a:off x="4608004" y="2591326"/>
+            <a:ext cx="1044116" cy="674494"/>
+          </a:xfrm>
+          <a:prstGeom prst="bentConnector2">
+            <a:avLst/>
+          </a:prstGeom>
+          <a:ln>
+            <a:solidFill>
+              <a:schemeClr val="tx1"/>
+            </a:solidFill>
+            <a:headEnd type="none" w="med" len="med"/>
+            <a:tailEnd type="triangle"/>
+          </a:ln>
+        </p:spPr>
+        <p:style>
+          <a:lnRef idx="1">
+            <a:schemeClr val="accent1"/>
+          </a:lnRef>
+          <a:fillRef idx="0">
+            <a:schemeClr val="accent1"/>
+          </a:fillRef>
+          <a:effectRef idx="0">
+            <a:schemeClr val="accent1"/>
+          </a:effectRef>
+          <a:fontRef idx="minor">
+            <a:schemeClr val="tx1"/>
+          </a:fontRef>
+        </p:style>
+      </p:cxnSp>
+      <p:sp>
+        <p:nvSpPr>
+          <p:cNvPr id="10" name="テキスト ボックス 9">
+            <a:extLst>
+              <a:ext uri="{FF2B5EF4-FFF2-40B4-BE49-F238E27FC236}">
+                <a16:creationId xmlns:a16="http://schemas.microsoft.com/office/drawing/2014/main" id="{134728AC-4EE9-C4A9-5A37-DD4B7F027D45}"/>
+              </a:ext>
+            </a:extLst>
+          </p:cNvPr>
+          <p:cNvSpPr txBox="1"/>
+          <p:nvPr/>
+        </p:nvSpPr>
+        <p:spPr>
+          <a:xfrm>
+            <a:off x="6372200" y="4201924"/>
+            <a:ext cx="1620957" cy="523220"/>
+          </a:xfrm>
+          <a:prstGeom prst="rect">
+            <a:avLst/>
+          </a:prstGeom>
+          <a:noFill/>
+          <a:ln>
+            <a:solidFill>
+              <a:srgbClr val="011893"/>
+            </a:solidFill>
+          </a:ln>
+        </p:spPr>
+        <p:txBody>
+          <a:bodyPr wrap="none" rtlCol="0">
+            <a:spAutoFit/>
+          </a:bodyPr>
+          <a:lstStyle/>
+          <a:p>
+            <a:r>
+              <a:rPr kumimoji="1" lang="ja-JP" altLang="en-US" sz="2800"/>
+              <a:t>回転</a:t>
+            </a:r>
+            <a:r>
+              <a:rPr lang="ja-JP" altLang="en-US" sz="2800"/>
+              <a:t>角度</a:t>
+            </a:r>
+            <a:endParaRPr kumimoji="1" lang="ja-JP" altLang="en-US" sz="2800"/>
+          </a:p>
+        </p:txBody>
+      </p:sp>
+      <p:cxnSp>
+        <p:nvCxnSpPr>
+          <p:cNvPr id="12" name="コネクタ: カギ線 11">
+            <a:extLst>
+              <a:ext uri="{FF2B5EF4-FFF2-40B4-BE49-F238E27FC236}">
+                <a16:creationId xmlns:a16="http://schemas.microsoft.com/office/drawing/2014/main" id="{28D013B1-7D24-760E-8FD1-97A91B27ED4A}"/>
+              </a:ext>
+            </a:extLst>
+          </p:cNvPr>
+          <p:cNvCxnSpPr>
+            <a:stCxn id="10" idx="1"/>
+            <a:endCxn id="6" idx="2"/>
+          </p:cNvCxnSpPr>
+          <p:nvPr/>
+        </p:nvCxnSpPr>
+        <p:spPr>
+          <a:xfrm rot="10800000">
+            <a:off x="5364088" y="4057908"/>
+            <a:ext cx="1008112" cy="405626"/>
+          </a:xfrm>
+          <a:prstGeom prst="bentConnector2">
+            <a:avLst/>
+          </a:prstGeom>
+          <a:ln>
+            <a:solidFill>
+              <a:schemeClr val="tx1"/>
+            </a:solidFill>
+            <a:headEnd type="none" w="med" len="med"/>
+            <a:tailEnd type="triangle"/>
+          </a:ln>
+        </p:spPr>
+        <p:style>
+          <a:lnRef idx="1">
+            <a:schemeClr val="accent1"/>
+          </a:lnRef>
+          <a:fillRef idx="0">
+            <a:schemeClr val="accent1"/>
+          </a:fillRef>
+          <a:effectRef idx="0">
+            <a:schemeClr val="accent1"/>
+          </a:effectRef>
+          <a:fontRef idx="minor">
+            <a:schemeClr val="tx1"/>
+          </a:fontRef>
+        </p:style>
+      </p:cxnSp>
+      <p:sp>
+        <p:nvSpPr>
+          <p:cNvPr id="13" name="テキスト ボックス 12">
+            <a:extLst>
+              <a:ext uri="{FF2B5EF4-FFF2-40B4-BE49-F238E27FC236}">
+                <a16:creationId xmlns:a16="http://schemas.microsoft.com/office/drawing/2014/main" id="{4DA03263-AFC8-109A-2627-F45C6A25F93B}"/>
+              </a:ext>
+            </a:extLst>
+          </p:cNvPr>
+          <p:cNvSpPr txBox="1"/>
+          <p:nvPr/>
+        </p:nvSpPr>
+        <p:spPr>
+          <a:xfrm>
+            <a:off x="179512" y="1052736"/>
+            <a:ext cx="8392041" cy="1077218"/>
+          </a:xfrm>
+          <a:prstGeom prst="rect">
+            <a:avLst/>
+          </a:prstGeom>
+          <a:noFill/>
+        </p:spPr>
+        <p:txBody>
+          <a:bodyPr wrap="none" rtlCol="0">
+            <a:spAutoFit/>
+          </a:bodyPr>
+          <a:lstStyle/>
+          <a:p>
+            <a:r>
+              <a:rPr lang="ja-JP" altLang="en-US" sz="3200"/>
+              <a:t>回転角が小さい時、回転演算子は「方向」と</a:t>
+            </a:r>
+            <a:endParaRPr lang="en-US" altLang="ja-JP" sz="3200"/>
+          </a:p>
+          <a:p>
+            <a:r>
+              <a:rPr lang="ja-JP" altLang="en-US" sz="3200"/>
+              <a:t>「量」にわけることができる</a:t>
+            </a:r>
+            <a:endParaRPr lang="en-US" altLang="ja-JP" sz="3200"/>
+          </a:p>
+        </p:txBody>
+      </p:sp>
+      <p:sp>
+        <p:nvSpPr>
+          <p:cNvPr id="14" name="テキスト ボックス 13">
+            <a:extLst>
+              <a:ext uri="{FF2B5EF4-FFF2-40B4-BE49-F238E27FC236}">
+                <a16:creationId xmlns:a16="http://schemas.microsoft.com/office/drawing/2014/main" id="{2B1DA00D-4493-A6CA-A291-AC9C07F02CC5}"/>
+              </a:ext>
+            </a:extLst>
+          </p:cNvPr>
+          <p:cNvSpPr txBox="1"/>
+          <p:nvPr/>
+        </p:nvSpPr>
+        <p:spPr>
+          <a:xfrm>
+            <a:off x="395536" y="5157192"/>
+            <a:ext cx="7920879" cy="954107"/>
+          </a:xfrm>
+          <a:prstGeom prst="rect">
+            <a:avLst/>
+          </a:prstGeom>
+          <a:noFill/>
+        </p:spPr>
+        <p:txBody>
+          <a:bodyPr wrap="square" rtlCol="0">
+            <a:spAutoFit/>
+          </a:bodyPr>
+          <a:lstStyle/>
+          <a:p>
+            <a:r>
+              <a:rPr kumimoji="1" lang="ja-JP" altLang="en-US" sz="2800"/>
+              <a:t>この「方向」を示す演算子</a:t>
+            </a:r>
+            <a:r>
+              <a:rPr kumimoji="1" lang="en-US" altLang="ja-JP" sz="2800"/>
+              <a:t>(</a:t>
+            </a:r>
+            <a:r>
+              <a:rPr kumimoji="1" lang="ja-JP" altLang="en-US" sz="2800"/>
+              <a:t>そのパラメタに関する微分演算子</a:t>
+            </a:r>
+            <a:r>
+              <a:rPr kumimoji="1" lang="en-US" altLang="ja-JP" sz="2800"/>
+              <a:t>)</a:t>
+            </a:r>
+            <a:r>
+              <a:rPr kumimoji="1" lang="ja-JP" altLang="en-US" sz="2800"/>
+              <a:t>を</a:t>
+            </a:r>
+            <a:r>
+              <a:rPr kumimoji="1" lang="ja-JP" altLang="en-US" sz="2800">
+                <a:solidFill>
+                  <a:srgbClr val="FF0000"/>
+                </a:solidFill>
+              </a:rPr>
+              <a:t>生成子</a:t>
+            </a:r>
+            <a:r>
+              <a:rPr kumimoji="1" lang="en-US" altLang="ja-JP" sz="2800">
+                <a:solidFill>
+                  <a:srgbClr val="FF0000"/>
+                </a:solidFill>
+              </a:rPr>
+              <a:t>(generator)</a:t>
+            </a:r>
+            <a:r>
+              <a:rPr kumimoji="1" lang="ja-JP" altLang="en-US" sz="2800"/>
+              <a:t>と呼ぶ</a:t>
+            </a:r>
+          </a:p>
+        </p:txBody>
+      </p:sp>
+    </p:spTree>
+    <p:extLst>
+      <p:ext uri="{BB962C8B-B14F-4D97-AF65-F5344CB8AC3E}">
+        <p14:creationId xmlns:p14="http://schemas.microsoft.com/office/powerpoint/2010/main" val="1262049651"/>
       </p:ext>
     </p:extLst>
   </p:cSld>
